--- a/ngMeetup.pptx
+++ b/ngMeetup.pptx
@@ -5,7 +5,7 @@
     <p:sldMasterId id="2147483648" r:id="rId1"/>
   </p:sldMasterIdLst>
   <p:notesMasterIdLst>
-    <p:notesMasterId r:id="rId7"/>
+    <p:notesMasterId r:id="rId11"/>
   </p:notesMasterIdLst>
   <p:sldIdLst>
     <p:sldId id="256" r:id="rId2"/>
@@ -13,6 +13,10 @@
     <p:sldId id="259" r:id="rId4"/>
     <p:sldId id="260" r:id="rId5"/>
     <p:sldId id="258" r:id="rId6"/>
+    <p:sldId id="261" r:id="rId7"/>
+    <p:sldId id="262" r:id="rId8"/>
+    <p:sldId id="263" r:id="rId9"/>
+    <p:sldId id="264" r:id="rId10"/>
   </p:sldIdLst>
   <p:sldSz cx="12192000" cy="6858000"/>
   <p:notesSz cx="6858000" cy="9144000"/>
@@ -212,7 +216,7 @@
           <a:p>
             <a:fld id="{3C984E42-C6CA-4C97-96C7-CA2C1EC7B515}" type="datetimeFigureOut">
               <a:rPr lang="bg-BG" smtClean="0"/>
-              <a:t>21.4.2019 г.</a:t>
+              <a:t>23.04.2019</a:t>
             </a:fld>
             <a:endParaRPr lang="bg-BG"/>
           </a:p>
@@ -701,6 +705,18 @@
             </a:r>
           </a:p>
           <a:p>
+            <a:r>
+              <a:rPr lang="en-US" sz="1200" b="0" kern="1200" dirty="0">
+                <a:solidFill>
+                  <a:schemeClr val="tx1"/>
+                </a:solidFill>
+                <a:effectLst/>
+                <a:latin typeface="+mn-lt"/>
+                <a:ea typeface="+mn-ea"/>
+                <a:cs typeface="+mn-cs"/>
+              </a:rPr>
+              <a:t/>
+            </a:r>
             <a:br>
               <a:rPr lang="en-US" sz="1200" b="0" kern="1200" dirty="0">
                 <a:solidFill>
@@ -726,6 +742,18 @@
             </a:r>
           </a:p>
           <a:p>
+            <a:r>
+              <a:rPr lang="en-US" sz="1200" b="0" kern="1200" dirty="0">
+                <a:solidFill>
+                  <a:schemeClr val="tx1"/>
+                </a:solidFill>
+                <a:effectLst/>
+                <a:latin typeface="+mn-lt"/>
+                <a:ea typeface="+mn-ea"/>
+                <a:cs typeface="+mn-cs"/>
+              </a:rPr>
+              <a:t/>
+            </a:r>
             <a:br>
               <a:rPr lang="en-US" sz="1200" b="0" kern="1200" dirty="0">
                 <a:solidFill>
@@ -899,6 +927,174 @@
 </p:notes>
 </file>
 
+<file path=ppt/notesSlides/notesSlide4.xml><?xml version="1.0" encoding="utf-8"?>
+<p:notes xmlns:a="http://schemas.openxmlformats.org/drawingml/2006/main" xmlns:r="http://schemas.openxmlformats.org/officeDocument/2006/relationships" xmlns:p="http://schemas.openxmlformats.org/presentationml/2006/main">
+  <p:cSld>
+    <p:spTree>
+      <p:nvGrpSpPr>
+        <p:cNvPr id="1" name=""/>
+        <p:cNvGrpSpPr/>
+        <p:nvPr/>
+      </p:nvGrpSpPr>
+      <p:grpSpPr>
+        <a:xfrm>
+          <a:off x="0" y="0"/>
+          <a:ext cx="0" cy="0"/>
+          <a:chOff x="0" y="0"/>
+          <a:chExt cx="0" cy="0"/>
+        </a:xfrm>
+      </p:grpSpPr>
+      <p:sp>
+        <p:nvSpPr>
+          <p:cNvPr id="2" name="Slide Image Placeholder 1"/>
+          <p:cNvSpPr>
+            <a:spLocks noGrp="1" noRot="1" noChangeAspect="1"/>
+          </p:cNvSpPr>
+          <p:nvPr>
+            <p:ph type="sldImg"/>
+          </p:nvPr>
+        </p:nvSpPr>
+        <p:spPr/>
+      </p:sp>
+      <p:sp>
+        <p:nvSpPr>
+          <p:cNvPr id="3" name="Notes Placeholder 2"/>
+          <p:cNvSpPr>
+            <a:spLocks noGrp="1"/>
+          </p:cNvSpPr>
+          <p:nvPr>
+            <p:ph type="body" idx="1"/>
+          </p:nvPr>
+        </p:nvSpPr>
+        <p:spPr/>
+        <p:txBody>
+          <a:bodyPr/>
+          <a:lstStyle/>
+          <a:p>
+            <a:endParaRPr lang="bg-BG" dirty="0"/>
+          </a:p>
+        </p:txBody>
+      </p:sp>
+      <p:sp>
+        <p:nvSpPr>
+          <p:cNvPr id="4" name="Slide Number Placeholder 3"/>
+          <p:cNvSpPr>
+            <a:spLocks noGrp="1"/>
+          </p:cNvSpPr>
+          <p:nvPr>
+            <p:ph type="sldNum" sz="quarter" idx="10"/>
+          </p:nvPr>
+        </p:nvSpPr>
+        <p:spPr/>
+        <p:txBody>
+          <a:bodyPr/>
+          <a:lstStyle/>
+          <a:p>
+            <a:fld id="{9571CB9B-B82F-460B-B086-0250925F788A}" type="slidenum">
+              <a:rPr lang="bg-BG" smtClean="0"/>
+              <a:t>8</a:t>
+            </a:fld>
+            <a:endParaRPr lang="bg-BG"/>
+          </a:p>
+        </p:txBody>
+      </p:sp>
+    </p:spTree>
+    <p:extLst>
+      <p:ext uri="{BB962C8B-B14F-4D97-AF65-F5344CB8AC3E}">
+        <p14:creationId xmlns:p14="http://schemas.microsoft.com/office/powerpoint/2010/main" val="399952680"/>
+      </p:ext>
+    </p:extLst>
+  </p:cSld>
+  <p:clrMapOvr>
+    <a:masterClrMapping/>
+  </p:clrMapOvr>
+</p:notes>
+</file>
+
+<file path=ppt/notesSlides/notesSlide5.xml><?xml version="1.0" encoding="utf-8"?>
+<p:notes xmlns:a="http://schemas.openxmlformats.org/drawingml/2006/main" xmlns:r="http://schemas.openxmlformats.org/officeDocument/2006/relationships" xmlns:p="http://schemas.openxmlformats.org/presentationml/2006/main">
+  <p:cSld>
+    <p:spTree>
+      <p:nvGrpSpPr>
+        <p:cNvPr id="1" name=""/>
+        <p:cNvGrpSpPr/>
+        <p:nvPr/>
+      </p:nvGrpSpPr>
+      <p:grpSpPr>
+        <a:xfrm>
+          <a:off x="0" y="0"/>
+          <a:ext cx="0" cy="0"/>
+          <a:chOff x="0" y="0"/>
+          <a:chExt cx="0" cy="0"/>
+        </a:xfrm>
+      </p:grpSpPr>
+      <p:sp>
+        <p:nvSpPr>
+          <p:cNvPr id="2" name="Slide Image Placeholder 1"/>
+          <p:cNvSpPr>
+            <a:spLocks noGrp="1" noRot="1" noChangeAspect="1"/>
+          </p:cNvSpPr>
+          <p:nvPr>
+            <p:ph type="sldImg"/>
+          </p:nvPr>
+        </p:nvSpPr>
+        <p:spPr/>
+      </p:sp>
+      <p:sp>
+        <p:nvSpPr>
+          <p:cNvPr id="3" name="Notes Placeholder 2"/>
+          <p:cNvSpPr>
+            <a:spLocks noGrp="1"/>
+          </p:cNvSpPr>
+          <p:nvPr>
+            <p:ph type="body" idx="1"/>
+          </p:nvPr>
+        </p:nvSpPr>
+        <p:spPr/>
+        <p:txBody>
+          <a:bodyPr/>
+          <a:lstStyle/>
+          <a:p>
+            <a:endParaRPr lang="bg-BG" dirty="0"/>
+          </a:p>
+        </p:txBody>
+      </p:sp>
+      <p:sp>
+        <p:nvSpPr>
+          <p:cNvPr id="4" name="Slide Number Placeholder 3"/>
+          <p:cNvSpPr>
+            <a:spLocks noGrp="1"/>
+          </p:cNvSpPr>
+          <p:nvPr>
+            <p:ph type="sldNum" sz="quarter" idx="10"/>
+          </p:nvPr>
+        </p:nvSpPr>
+        <p:spPr/>
+        <p:txBody>
+          <a:bodyPr/>
+          <a:lstStyle/>
+          <a:p>
+            <a:fld id="{9571CB9B-B82F-460B-B086-0250925F788A}" type="slidenum">
+              <a:rPr lang="bg-BG" smtClean="0"/>
+              <a:t>9</a:t>
+            </a:fld>
+            <a:endParaRPr lang="bg-BG"/>
+          </a:p>
+        </p:txBody>
+      </p:sp>
+    </p:spTree>
+    <p:extLst>
+      <p:ext uri="{BB962C8B-B14F-4D97-AF65-F5344CB8AC3E}">
+        <p14:creationId xmlns:p14="http://schemas.microsoft.com/office/powerpoint/2010/main" val="271450014"/>
+      </p:ext>
+    </p:extLst>
+  </p:cSld>
+  <p:clrMapOvr>
+    <a:masterClrMapping/>
+  </p:clrMapOvr>
+</p:notes>
+</file>
+
 <file path=ppt/slideLayouts/slideLayout1.xml><?xml version="1.0" encoding="utf-8"?>
 <p:sldLayout xmlns:a="http://schemas.openxmlformats.org/drawingml/2006/main" xmlns:r="http://schemas.openxmlformats.org/officeDocument/2006/relationships" xmlns:p="http://schemas.openxmlformats.org/presentationml/2006/main" type="title" preserve="1">
   <p:cSld name="Title Slide">
@@ -921,7 +1117,7 @@
           <p:cNvPr id="2" name="Title 1">
             <a:extLst>
               <a:ext uri="{FF2B5EF4-FFF2-40B4-BE49-F238E27FC236}">
-                <a16:creationId xmlns:a16="http://schemas.microsoft.com/office/drawing/2014/main" id="{F52F329B-8F4D-4D34-9A20-EC9D37A6EA6F}"/>
+                <a16:creationId xmlns:a16="http://schemas.microsoft.com/office/drawing/2014/main" xmlns="" id="{F52F329B-8F4D-4D34-9A20-EC9D37A6EA6F}"/>
               </a:ext>
             </a:extLst>
           </p:cNvPr>
@@ -959,7 +1155,7 @@
           <p:cNvPr id="3" name="Subtitle 2">
             <a:extLst>
               <a:ext uri="{FF2B5EF4-FFF2-40B4-BE49-F238E27FC236}">
-                <a16:creationId xmlns:a16="http://schemas.microsoft.com/office/drawing/2014/main" id="{F5B77F27-1E37-4511-B960-48A1347242BE}"/>
+                <a16:creationId xmlns:a16="http://schemas.microsoft.com/office/drawing/2014/main" xmlns="" id="{F5B77F27-1E37-4511-B960-48A1347242BE}"/>
               </a:ext>
             </a:extLst>
           </p:cNvPr>
@@ -1030,7 +1226,7 @@
           <p:cNvPr id="4" name="Date Placeholder 3">
             <a:extLst>
               <a:ext uri="{FF2B5EF4-FFF2-40B4-BE49-F238E27FC236}">
-                <a16:creationId xmlns:a16="http://schemas.microsoft.com/office/drawing/2014/main" id="{C601E8AD-EC4C-47B9-A42C-9156ACC995BD}"/>
+                <a16:creationId xmlns:a16="http://schemas.microsoft.com/office/drawing/2014/main" xmlns="" id="{C601E8AD-EC4C-47B9-A42C-9156ACC995BD}"/>
               </a:ext>
             </a:extLst>
           </p:cNvPr>
@@ -1048,7 +1244,7 @@
           <a:p>
             <a:fld id="{EEA75A29-027F-4D48-B08B-1161613C0818}" type="datetimeFigureOut">
               <a:rPr lang="bg-BG" smtClean="0"/>
-              <a:t>21.4.2019 г.</a:t>
+              <a:t>23.04.2019</a:t>
             </a:fld>
             <a:endParaRPr lang="bg-BG"/>
           </a:p>
@@ -1059,7 +1255,7 @@
           <p:cNvPr id="5" name="Footer Placeholder 4">
             <a:extLst>
               <a:ext uri="{FF2B5EF4-FFF2-40B4-BE49-F238E27FC236}">
-                <a16:creationId xmlns:a16="http://schemas.microsoft.com/office/drawing/2014/main" id="{3B1988CD-5B6D-4F0B-8B16-F638D10042F8}"/>
+                <a16:creationId xmlns:a16="http://schemas.microsoft.com/office/drawing/2014/main" xmlns="" id="{3B1988CD-5B6D-4F0B-8B16-F638D10042F8}"/>
               </a:ext>
             </a:extLst>
           </p:cNvPr>
@@ -1084,7 +1280,7 @@
           <p:cNvPr id="6" name="Slide Number Placeholder 5">
             <a:extLst>
               <a:ext uri="{FF2B5EF4-FFF2-40B4-BE49-F238E27FC236}">
-                <a16:creationId xmlns:a16="http://schemas.microsoft.com/office/drawing/2014/main" id="{207D070E-1DF5-454F-86BC-E61AA6A56FBD}"/>
+                <a16:creationId xmlns:a16="http://schemas.microsoft.com/office/drawing/2014/main" xmlns="" id="{207D070E-1DF5-454F-86BC-E61AA6A56FBD}"/>
               </a:ext>
             </a:extLst>
           </p:cNvPr>
@@ -1143,7 +1339,7 @@
           <p:cNvPr id="2" name="Title 1">
             <a:extLst>
               <a:ext uri="{FF2B5EF4-FFF2-40B4-BE49-F238E27FC236}">
-                <a16:creationId xmlns:a16="http://schemas.microsoft.com/office/drawing/2014/main" id="{AD6C6CA6-2395-442E-A4AA-BFBD8D857358}"/>
+                <a16:creationId xmlns:a16="http://schemas.microsoft.com/office/drawing/2014/main" xmlns="" id="{AD6C6CA6-2395-442E-A4AA-BFBD8D857358}"/>
               </a:ext>
             </a:extLst>
           </p:cNvPr>
@@ -1172,7 +1368,7 @@
           <p:cNvPr id="3" name="Vertical Text Placeholder 2">
             <a:extLst>
               <a:ext uri="{FF2B5EF4-FFF2-40B4-BE49-F238E27FC236}">
-                <a16:creationId xmlns:a16="http://schemas.microsoft.com/office/drawing/2014/main" id="{0139AA31-FD62-4FCB-982C-F22C6405F614}"/>
+                <a16:creationId xmlns:a16="http://schemas.microsoft.com/office/drawing/2014/main" xmlns="" id="{0139AA31-FD62-4FCB-982C-F22C6405F614}"/>
               </a:ext>
             </a:extLst>
           </p:cNvPr>
@@ -1230,7 +1426,7 @@
           <p:cNvPr id="4" name="Date Placeholder 3">
             <a:extLst>
               <a:ext uri="{FF2B5EF4-FFF2-40B4-BE49-F238E27FC236}">
-                <a16:creationId xmlns:a16="http://schemas.microsoft.com/office/drawing/2014/main" id="{DE3FFBBE-5BD3-438C-A2F5-198F5F87F570}"/>
+                <a16:creationId xmlns:a16="http://schemas.microsoft.com/office/drawing/2014/main" xmlns="" id="{DE3FFBBE-5BD3-438C-A2F5-198F5F87F570}"/>
               </a:ext>
             </a:extLst>
           </p:cNvPr>
@@ -1248,7 +1444,7 @@
           <a:p>
             <a:fld id="{EEA75A29-027F-4D48-B08B-1161613C0818}" type="datetimeFigureOut">
               <a:rPr lang="bg-BG" smtClean="0"/>
-              <a:t>21.4.2019 г.</a:t>
+              <a:t>23.04.2019</a:t>
             </a:fld>
             <a:endParaRPr lang="bg-BG"/>
           </a:p>
@@ -1259,7 +1455,7 @@
           <p:cNvPr id="5" name="Footer Placeholder 4">
             <a:extLst>
               <a:ext uri="{FF2B5EF4-FFF2-40B4-BE49-F238E27FC236}">
-                <a16:creationId xmlns:a16="http://schemas.microsoft.com/office/drawing/2014/main" id="{FE025B39-2326-4AC9-8DCC-E340AC398D86}"/>
+                <a16:creationId xmlns:a16="http://schemas.microsoft.com/office/drawing/2014/main" xmlns="" id="{FE025B39-2326-4AC9-8DCC-E340AC398D86}"/>
               </a:ext>
             </a:extLst>
           </p:cNvPr>
@@ -1284,7 +1480,7 @@
           <p:cNvPr id="6" name="Slide Number Placeholder 5">
             <a:extLst>
               <a:ext uri="{FF2B5EF4-FFF2-40B4-BE49-F238E27FC236}">
-                <a16:creationId xmlns:a16="http://schemas.microsoft.com/office/drawing/2014/main" id="{E5C1BF7B-431E-408F-9076-97CDF2605450}"/>
+                <a16:creationId xmlns:a16="http://schemas.microsoft.com/office/drawing/2014/main" xmlns="" id="{E5C1BF7B-431E-408F-9076-97CDF2605450}"/>
               </a:ext>
             </a:extLst>
           </p:cNvPr>
@@ -1343,7 +1539,7 @@
           <p:cNvPr id="2" name="Vertical Title 1">
             <a:extLst>
               <a:ext uri="{FF2B5EF4-FFF2-40B4-BE49-F238E27FC236}">
-                <a16:creationId xmlns:a16="http://schemas.microsoft.com/office/drawing/2014/main" id="{91A66527-2452-4D8B-BF5D-54D5FFB33125}"/>
+                <a16:creationId xmlns:a16="http://schemas.microsoft.com/office/drawing/2014/main" xmlns="" id="{91A66527-2452-4D8B-BF5D-54D5FFB33125}"/>
               </a:ext>
             </a:extLst>
           </p:cNvPr>
@@ -1377,7 +1573,7 @@
           <p:cNvPr id="3" name="Vertical Text Placeholder 2">
             <a:extLst>
               <a:ext uri="{FF2B5EF4-FFF2-40B4-BE49-F238E27FC236}">
-                <a16:creationId xmlns:a16="http://schemas.microsoft.com/office/drawing/2014/main" id="{CAB8B2E5-AA57-4039-BCAC-1B6BDF04D621}"/>
+                <a16:creationId xmlns:a16="http://schemas.microsoft.com/office/drawing/2014/main" xmlns="" id="{CAB8B2E5-AA57-4039-BCAC-1B6BDF04D621}"/>
               </a:ext>
             </a:extLst>
           </p:cNvPr>
@@ -1440,7 +1636,7 @@
           <p:cNvPr id="4" name="Date Placeholder 3">
             <a:extLst>
               <a:ext uri="{FF2B5EF4-FFF2-40B4-BE49-F238E27FC236}">
-                <a16:creationId xmlns:a16="http://schemas.microsoft.com/office/drawing/2014/main" id="{E2E4D11A-A720-42C9-8902-A303288DF63E}"/>
+                <a16:creationId xmlns:a16="http://schemas.microsoft.com/office/drawing/2014/main" xmlns="" id="{E2E4D11A-A720-42C9-8902-A303288DF63E}"/>
               </a:ext>
             </a:extLst>
           </p:cNvPr>
@@ -1458,7 +1654,7 @@
           <a:p>
             <a:fld id="{EEA75A29-027F-4D48-B08B-1161613C0818}" type="datetimeFigureOut">
               <a:rPr lang="bg-BG" smtClean="0"/>
-              <a:t>21.4.2019 г.</a:t>
+              <a:t>23.04.2019</a:t>
             </a:fld>
             <a:endParaRPr lang="bg-BG"/>
           </a:p>
@@ -1469,7 +1665,7 @@
           <p:cNvPr id="5" name="Footer Placeholder 4">
             <a:extLst>
               <a:ext uri="{FF2B5EF4-FFF2-40B4-BE49-F238E27FC236}">
-                <a16:creationId xmlns:a16="http://schemas.microsoft.com/office/drawing/2014/main" id="{CDC9BE18-F0AB-42F9-B0B0-4C1636235DD0}"/>
+                <a16:creationId xmlns:a16="http://schemas.microsoft.com/office/drawing/2014/main" xmlns="" id="{CDC9BE18-F0AB-42F9-B0B0-4C1636235DD0}"/>
               </a:ext>
             </a:extLst>
           </p:cNvPr>
@@ -1494,7 +1690,7 @@
           <p:cNvPr id="6" name="Slide Number Placeholder 5">
             <a:extLst>
               <a:ext uri="{FF2B5EF4-FFF2-40B4-BE49-F238E27FC236}">
-                <a16:creationId xmlns:a16="http://schemas.microsoft.com/office/drawing/2014/main" id="{109AE838-56B7-4AB0-9C1A-7A8FE9EFBD3D}"/>
+                <a16:creationId xmlns:a16="http://schemas.microsoft.com/office/drawing/2014/main" xmlns="" id="{109AE838-56B7-4AB0-9C1A-7A8FE9EFBD3D}"/>
               </a:ext>
             </a:extLst>
           </p:cNvPr>
@@ -1553,7 +1749,7 @@
           <p:cNvPr id="2" name="Title 1">
             <a:extLst>
               <a:ext uri="{FF2B5EF4-FFF2-40B4-BE49-F238E27FC236}">
-                <a16:creationId xmlns:a16="http://schemas.microsoft.com/office/drawing/2014/main" id="{93232693-D83E-496D-B1F0-18FD480E8F6F}"/>
+                <a16:creationId xmlns:a16="http://schemas.microsoft.com/office/drawing/2014/main" xmlns="" id="{93232693-D83E-496D-B1F0-18FD480E8F6F}"/>
               </a:ext>
             </a:extLst>
           </p:cNvPr>
@@ -1582,7 +1778,7 @@
           <p:cNvPr id="3" name="Content Placeholder 2">
             <a:extLst>
               <a:ext uri="{FF2B5EF4-FFF2-40B4-BE49-F238E27FC236}">
-                <a16:creationId xmlns:a16="http://schemas.microsoft.com/office/drawing/2014/main" id="{D7124242-15EA-4F8F-B8C2-C9A78655494B}"/>
+                <a16:creationId xmlns:a16="http://schemas.microsoft.com/office/drawing/2014/main" xmlns="" id="{D7124242-15EA-4F8F-B8C2-C9A78655494B}"/>
               </a:ext>
             </a:extLst>
           </p:cNvPr>
@@ -1640,7 +1836,7 @@
           <p:cNvPr id="4" name="Date Placeholder 3">
             <a:extLst>
               <a:ext uri="{FF2B5EF4-FFF2-40B4-BE49-F238E27FC236}">
-                <a16:creationId xmlns:a16="http://schemas.microsoft.com/office/drawing/2014/main" id="{0D33C9EA-53D6-4F1F-92EF-8CE3257DE475}"/>
+                <a16:creationId xmlns:a16="http://schemas.microsoft.com/office/drawing/2014/main" xmlns="" id="{0D33C9EA-53D6-4F1F-92EF-8CE3257DE475}"/>
               </a:ext>
             </a:extLst>
           </p:cNvPr>
@@ -1658,7 +1854,7 @@
           <a:p>
             <a:fld id="{EEA75A29-027F-4D48-B08B-1161613C0818}" type="datetimeFigureOut">
               <a:rPr lang="bg-BG" smtClean="0"/>
-              <a:t>21.4.2019 г.</a:t>
+              <a:t>23.04.2019</a:t>
             </a:fld>
             <a:endParaRPr lang="bg-BG"/>
           </a:p>
@@ -1669,7 +1865,7 @@
           <p:cNvPr id="5" name="Footer Placeholder 4">
             <a:extLst>
               <a:ext uri="{FF2B5EF4-FFF2-40B4-BE49-F238E27FC236}">
-                <a16:creationId xmlns:a16="http://schemas.microsoft.com/office/drawing/2014/main" id="{2B69D87B-7004-49FB-A3A9-D69E867363C9}"/>
+                <a16:creationId xmlns:a16="http://schemas.microsoft.com/office/drawing/2014/main" xmlns="" id="{2B69D87B-7004-49FB-A3A9-D69E867363C9}"/>
               </a:ext>
             </a:extLst>
           </p:cNvPr>
@@ -1694,7 +1890,7 @@
           <p:cNvPr id="6" name="Slide Number Placeholder 5">
             <a:extLst>
               <a:ext uri="{FF2B5EF4-FFF2-40B4-BE49-F238E27FC236}">
-                <a16:creationId xmlns:a16="http://schemas.microsoft.com/office/drawing/2014/main" id="{22F55DA7-F5F4-4DA6-9A0C-A678C7BCC506}"/>
+                <a16:creationId xmlns:a16="http://schemas.microsoft.com/office/drawing/2014/main" xmlns="" id="{22F55DA7-F5F4-4DA6-9A0C-A678C7BCC506}"/>
               </a:ext>
             </a:extLst>
           </p:cNvPr>
@@ -1753,7 +1949,7 @@
           <p:cNvPr id="2" name="Title 1">
             <a:extLst>
               <a:ext uri="{FF2B5EF4-FFF2-40B4-BE49-F238E27FC236}">
-                <a16:creationId xmlns:a16="http://schemas.microsoft.com/office/drawing/2014/main" id="{3A7F5CED-A21C-48A1-AB1B-D3467B455802}"/>
+                <a16:creationId xmlns:a16="http://schemas.microsoft.com/office/drawing/2014/main" xmlns="" id="{3A7F5CED-A21C-48A1-AB1B-D3467B455802}"/>
               </a:ext>
             </a:extLst>
           </p:cNvPr>
@@ -1791,7 +1987,7 @@
           <p:cNvPr id="3" name="Text Placeholder 2">
             <a:extLst>
               <a:ext uri="{FF2B5EF4-FFF2-40B4-BE49-F238E27FC236}">
-                <a16:creationId xmlns:a16="http://schemas.microsoft.com/office/drawing/2014/main" id="{D3D4040B-60D3-4CF2-BB0C-992C021A6951}"/>
+                <a16:creationId xmlns:a16="http://schemas.microsoft.com/office/drawing/2014/main" xmlns="" id="{D3D4040B-60D3-4CF2-BB0C-992C021A6951}"/>
               </a:ext>
             </a:extLst>
           </p:cNvPr>
@@ -1916,7 +2112,7 @@
           <p:cNvPr id="4" name="Date Placeholder 3">
             <a:extLst>
               <a:ext uri="{FF2B5EF4-FFF2-40B4-BE49-F238E27FC236}">
-                <a16:creationId xmlns:a16="http://schemas.microsoft.com/office/drawing/2014/main" id="{C7658605-40AC-4FD4-9546-A13FABE6B36A}"/>
+                <a16:creationId xmlns:a16="http://schemas.microsoft.com/office/drawing/2014/main" xmlns="" id="{C7658605-40AC-4FD4-9546-A13FABE6B36A}"/>
               </a:ext>
             </a:extLst>
           </p:cNvPr>
@@ -1934,7 +2130,7 @@
           <a:p>
             <a:fld id="{EEA75A29-027F-4D48-B08B-1161613C0818}" type="datetimeFigureOut">
               <a:rPr lang="bg-BG" smtClean="0"/>
-              <a:t>21.4.2019 г.</a:t>
+              <a:t>23.04.2019</a:t>
             </a:fld>
             <a:endParaRPr lang="bg-BG"/>
           </a:p>
@@ -1945,7 +2141,7 @@
           <p:cNvPr id="5" name="Footer Placeholder 4">
             <a:extLst>
               <a:ext uri="{FF2B5EF4-FFF2-40B4-BE49-F238E27FC236}">
-                <a16:creationId xmlns:a16="http://schemas.microsoft.com/office/drawing/2014/main" id="{5CCBA4AD-AE6E-4907-BA96-345519E50CB3}"/>
+                <a16:creationId xmlns:a16="http://schemas.microsoft.com/office/drawing/2014/main" xmlns="" id="{5CCBA4AD-AE6E-4907-BA96-345519E50CB3}"/>
               </a:ext>
             </a:extLst>
           </p:cNvPr>
@@ -1970,7 +2166,7 @@
           <p:cNvPr id="6" name="Slide Number Placeholder 5">
             <a:extLst>
               <a:ext uri="{FF2B5EF4-FFF2-40B4-BE49-F238E27FC236}">
-                <a16:creationId xmlns:a16="http://schemas.microsoft.com/office/drawing/2014/main" id="{55D38E3D-2A6B-46B5-9A1B-936EAC403EF2}"/>
+                <a16:creationId xmlns:a16="http://schemas.microsoft.com/office/drawing/2014/main" xmlns="" id="{55D38E3D-2A6B-46B5-9A1B-936EAC403EF2}"/>
               </a:ext>
             </a:extLst>
           </p:cNvPr>
@@ -2029,7 +2225,7 @@
           <p:cNvPr id="2" name="Title 1">
             <a:extLst>
               <a:ext uri="{FF2B5EF4-FFF2-40B4-BE49-F238E27FC236}">
-                <a16:creationId xmlns:a16="http://schemas.microsoft.com/office/drawing/2014/main" id="{C3385F55-7DE7-4613-A710-50EB0BAD14BE}"/>
+                <a16:creationId xmlns:a16="http://schemas.microsoft.com/office/drawing/2014/main" xmlns="" id="{C3385F55-7DE7-4613-A710-50EB0BAD14BE}"/>
               </a:ext>
             </a:extLst>
           </p:cNvPr>
@@ -2058,7 +2254,7 @@
           <p:cNvPr id="3" name="Content Placeholder 2">
             <a:extLst>
               <a:ext uri="{FF2B5EF4-FFF2-40B4-BE49-F238E27FC236}">
-                <a16:creationId xmlns:a16="http://schemas.microsoft.com/office/drawing/2014/main" id="{A70042DF-4845-4EB9-A64A-08AFFBB91D3B}"/>
+                <a16:creationId xmlns:a16="http://schemas.microsoft.com/office/drawing/2014/main" xmlns="" id="{A70042DF-4845-4EB9-A64A-08AFFBB91D3B}"/>
               </a:ext>
             </a:extLst>
           </p:cNvPr>
@@ -2121,7 +2317,7 @@
           <p:cNvPr id="4" name="Content Placeholder 3">
             <a:extLst>
               <a:ext uri="{FF2B5EF4-FFF2-40B4-BE49-F238E27FC236}">
-                <a16:creationId xmlns:a16="http://schemas.microsoft.com/office/drawing/2014/main" id="{0CE2A731-9DFD-4A75-9630-3A93EA4414D6}"/>
+                <a16:creationId xmlns:a16="http://schemas.microsoft.com/office/drawing/2014/main" xmlns="" id="{0CE2A731-9DFD-4A75-9630-3A93EA4414D6}"/>
               </a:ext>
             </a:extLst>
           </p:cNvPr>
@@ -2184,7 +2380,7 @@
           <p:cNvPr id="5" name="Date Placeholder 4">
             <a:extLst>
               <a:ext uri="{FF2B5EF4-FFF2-40B4-BE49-F238E27FC236}">
-                <a16:creationId xmlns:a16="http://schemas.microsoft.com/office/drawing/2014/main" id="{1A784A54-E630-49CB-9644-A68C17FF00FC}"/>
+                <a16:creationId xmlns:a16="http://schemas.microsoft.com/office/drawing/2014/main" xmlns="" id="{1A784A54-E630-49CB-9644-A68C17FF00FC}"/>
               </a:ext>
             </a:extLst>
           </p:cNvPr>
@@ -2202,7 +2398,7 @@
           <a:p>
             <a:fld id="{EEA75A29-027F-4D48-B08B-1161613C0818}" type="datetimeFigureOut">
               <a:rPr lang="bg-BG" smtClean="0"/>
-              <a:t>21.4.2019 г.</a:t>
+              <a:t>23.04.2019</a:t>
             </a:fld>
             <a:endParaRPr lang="bg-BG"/>
           </a:p>
@@ -2213,7 +2409,7 @@
           <p:cNvPr id="6" name="Footer Placeholder 5">
             <a:extLst>
               <a:ext uri="{FF2B5EF4-FFF2-40B4-BE49-F238E27FC236}">
-                <a16:creationId xmlns:a16="http://schemas.microsoft.com/office/drawing/2014/main" id="{16E664AE-B7BE-4F74-9238-3752F763AD6A}"/>
+                <a16:creationId xmlns:a16="http://schemas.microsoft.com/office/drawing/2014/main" xmlns="" id="{16E664AE-B7BE-4F74-9238-3752F763AD6A}"/>
               </a:ext>
             </a:extLst>
           </p:cNvPr>
@@ -2238,7 +2434,7 @@
           <p:cNvPr id="7" name="Slide Number Placeholder 6">
             <a:extLst>
               <a:ext uri="{FF2B5EF4-FFF2-40B4-BE49-F238E27FC236}">
-                <a16:creationId xmlns:a16="http://schemas.microsoft.com/office/drawing/2014/main" id="{BC6BEAE7-D177-4EEF-BB4D-7F63857CD168}"/>
+                <a16:creationId xmlns:a16="http://schemas.microsoft.com/office/drawing/2014/main" xmlns="" id="{BC6BEAE7-D177-4EEF-BB4D-7F63857CD168}"/>
               </a:ext>
             </a:extLst>
           </p:cNvPr>
@@ -2297,7 +2493,7 @@
           <p:cNvPr id="2" name="Title 1">
             <a:extLst>
               <a:ext uri="{FF2B5EF4-FFF2-40B4-BE49-F238E27FC236}">
-                <a16:creationId xmlns:a16="http://schemas.microsoft.com/office/drawing/2014/main" id="{1EF4249D-FFEA-4E39-A413-6F7E03564681}"/>
+                <a16:creationId xmlns:a16="http://schemas.microsoft.com/office/drawing/2014/main" xmlns="" id="{1EF4249D-FFEA-4E39-A413-6F7E03564681}"/>
               </a:ext>
             </a:extLst>
           </p:cNvPr>
@@ -2331,7 +2527,7 @@
           <p:cNvPr id="3" name="Text Placeholder 2">
             <a:extLst>
               <a:ext uri="{FF2B5EF4-FFF2-40B4-BE49-F238E27FC236}">
-                <a16:creationId xmlns:a16="http://schemas.microsoft.com/office/drawing/2014/main" id="{A7C6EABA-3E75-436F-B822-8F4380F015BC}"/>
+                <a16:creationId xmlns:a16="http://schemas.microsoft.com/office/drawing/2014/main" xmlns="" id="{A7C6EABA-3E75-436F-B822-8F4380F015BC}"/>
               </a:ext>
             </a:extLst>
           </p:cNvPr>
@@ -2402,7 +2598,7 @@
           <p:cNvPr id="4" name="Content Placeholder 3">
             <a:extLst>
               <a:ext uri="{FF2B5EF4-FFF2-40B4-BE49-F238E27FC236}">
-                <a16:creationId xmlns:a16="http://schemas.microsoft.com/office/drawing/2014/main" id="{A9BFBE24-58EF-4117-B98C-A45C671CFCBB}"/>
+                <a16:creationId xmlns:a16="http://schemas.microsoft.com/office/drawing/2014/main" xmlns="" id="{A9BFBE24-58EF-4117-B98C-A45C671CFCBB}"/>
               </a:ext>
             </a:extLst>
           </p:cNvPr>
@@ -2465,7 +2661,7 @@
           <p:cNvPr id="5" name="Text Placeholder 4">
             <a:extLst>
               <a:ext uri="{FF2B5EF4-FFF2-40B4-BE49-F238E27FC236}">
-                <a16:creationId xmlns:a16="http://schemas.microsoft.com/office/drawing/2014/main" id="{D4C3D482-EE97-4FF2-A53E-8FC86DA14764}"/>
+                <a16:creationId xmlns:a16="http://schemas.microsoft.com/office/drawing/2014/main" xmlns="" id="{D4C3D482-EE97-4FF2-A53E-8FC86DA14764}"/>
               </a:ext>
             </a:extLst>
           </p:cNvPr>
@@ -2536,7 +2732,7 @@
           <p:cNvPr id="6" name="Content Placeholder 5">
             <a:extLst>
               <a:ext uri="{FF2B5EF4-FFF2-40B4-BE49-F238E27FC236}">
-                <a16:creationId xmlns:a16="http://schemas.microsoft.com/office/drawing/2014/main" id="{3259BEDD-0EA1-494B-A170-6680DDDF6114}"/>
+                <a16:creationId xmlns:a16="http://schemas.microsoft.com/office/drawing/2014/main" xmlns="" id="{3259BEDD-0EA1-494B-A170-6680DDDF6114}"/>
               </a:ext>
             </a:extLst>
           </p:cNvPr>
@@ -2599,7 +2795,7 @@
           <p:cNvPr id="7" name="Date Placeholder 6">
             <a:extLst>
               <a:ext uri="{FF2B5EF4-FFF2-40B4-BE49-F238E27FC236}">
-                <a16:creationId xmlns:a16="http://schemas.microsoft.com/office/drawing/2014/main" id="{88859E15-D2BF-4BD6-976C-1C0A4A40F469}"/>
+                <a16:creationId xmlns:a16="http://schemas.microsoft.com/office/drawing/2014/main" xmlns="" id="{88859E15-D2BF-4BD6-976C-1C0A4A40F469}"/>
               </a:ext>
             </a:extLst>
           </p:cNvPr>
@@ -2617,7 +2813,7 @@
           <a:p>
             <a:fld id="{EEA75A29-027F-4D48-B08B-1161613C0818}" type="datetimeFigureOut">
               <a:rPr lang="bg-BG" smtClean="0"/>
-              <a:t>21.4.2019 г.</a:t>
+              <a:t>23.04.2019</a:t>
             </a:fld>
             <a:endParaRPr lang="bg-BG"/>
           </a:p>
@@ -2628,7 +2824,7 @@
           <p:cNvPr id="8" name="Footer Placeholder 7">
             <a:extLst>
               <a:ext uri="{FF2B5EF4-FFF2-40B4-BE49-F238E27FC236}">
-                <a16:creationId xmlns:a16="http://schemas.microsoft.com/office/drawing/2014/main" id="{A1D2603C-8E07-43E2-BD2F-4C3F709DED92}"/>
+                <a16:creationId xmlns:a16="http://schemas.microsoft.com/office/drawing/2014/main" xmlns="" id="{A1D2603C-8E07-43E2-BD2F-4C3F709DED92}"/>
               </a:ext>
             </a:extLst>
           </p:cNvPr>
@@ -2653,7 +2849,7 @@
           <p:cNvPr id="9" name="Slide Number Placeholder 8">
             <a:extLst>
               <a:ext uri="{FF2B5EF4-FFF2-40B4-BE49-F238E27FC236}">
-                <a16:creationId xmlns:a16="http://schemas.microsoft.com/office/drawing/2014/main" id="{C25A8261-B0DA-4FFE-9EBF-C1D0C909685C}"/>
+                <a16:creationId xmlns:a16="http://schemas.microsoft.com/office/drawing/2014/main" xmlns="" id="{C25A8261-B0DA-4FFE-9EBF-C1D0C909685C}"/>
               </a:ext>
             </a:extLst>
           </p:cNvPr>
@@ -2712,7 +2908,7 @@
           <p:cNvPr id="2" name="Title 1">
             <a:extLst>
               <a:ext uri="{FF2B5EF4-FFF2-40B4-BE49-F238E27FC236}">
-                <a16:creationId xmlns:a16="http://schemas.microsoft.com/office/drawing/2014/main" id="{68199B5D-168F-4BCC-8B41-FAAA053FC84C}"/>
+                <a16:creationId xmlns:a16="http://schemas.microsoft.com/office/drawing/2014/main" xmlns="" id="{68199B5D-168F-4BCC-8B41-FAAA053FC84C}"/>
               </a:ext>
             </a:extLst>
           </p:cNvPr>
@@ -2741,7 +2937,7 @@
           <p:cNvPr id="3" name="Date Placeholder 2">
             <a:extLst>
               <a:ext uri="{FF2B5EF4-FFF2-40B4-BE49-F238E27FC236}">
-                <a16:creationId xmlns:a16="http://schemas.microsoft.com/office/drawing/2014/main" id="{E50AED76-4DC9-451C-B0CB-73FF4B908FA6}"/>
+                <a16:creationId xmlns:a16="http://schemas.microsoft.com/office/drawing/2014/main" xmlns="" id="{E50AED76-4DC9-451C-B0CB-73FF4B908FA6}"/>
               </a:ext>
             </a:extLst>
           </p:cNvPr>
@@ -2759,7 +2955,7 @@
           <a:p>
             <a:fld id="{EEA75A29-027F-4D48-B08B-1161613C0818}" type="datetimeFigureOut">
               <a:rPr lang="bg-BG" smtClean="0"/>
-              <a:t>21.4.2019 г.</a:t>
+              <a:t>23.04.2019</a:t>
             </a:fld>
             <a:endParaRPr lang="bg-BG"/>
           </a:p>
@@ -2770,7 +2966,7 @@
           <p:cNvPr id="4" name="Footer Placeholder 3">
             <a:extLst>
               <a:ext uri="{FF2B5EF4-FFF2-40B4-BE49-F238E27FC236}">
-                <a16:creationId xmlns:a16="http://schemas.microsoft.com/office/drawing/2014/main" id="{30116E03-A51E-44FA-A4FC-4E2CF1A7B86D}"/>
+                <a16:creationId xmlns:a16="http://schemas.microsoft.com/office/drawing/2014/main" xmlns="" id="{30116E03-A51E-44FA-A4FC-4E2CF1A7B86D}"/>
               </a:ext>
             </a:extLst>
           </p:cNvPr>
@@ -2795,7 +2991,7 @@
           <p:cNvPr id="5" name="Slide Number Placeholder 4">
             <a:extLst>
               <a:ext uri="{FF2B5EF4-FFF2-40B4-BE49-F238E27FC236}">
-                <a16:creationId xmlns:a16="http://schemas.microsoft.com/office/drawing/2014/main" id="{E8BB72F7-F4A4-45A6-AF88-74990BEEC45C}"/>
+                <a16:creationId xmlns:a16="http://schemas.microsoft.com/office/drawing/2014/main" xmlns="" id="{E8BB72F7-F4A4-45A6-AF88-74990BEEC45C}"/>
               </a:ext>
             </a:extLst>
           </p:cNvPr>
@@ -2854,7 +3050,7 @@
           <p:cNvPr id="2" name="Date Placeholder 1">
             <a:extLst>
               <a:ext uri="{FF2B5EF4-FFF2-40B4-BE49-F238E27FC236}">
-                <a16:creationId xmlns:a16="http://schemas.microsoft.com/office/drawing/2014/main" id="{7098F6A1-6902-4C8F-8C89-58FCAC8DE877}"/>
+                <a16:creationId xmlns:a16="http://schemas.microsoft.com/office/drawing/2014/main" xmlns="" id="{7098F6A1-6902-4C8F-8C89-58FCAC8DE877}"/>
               </a:ext>
             </a:extLst>
           </p:cNvPr>
@@ -2872,7 +3068,7 @@
           <a:p>
             <a:fld id="{EEA75A29-027F-4D48-B08B-1161613C0818}" type="datetimeFigureOut">
               <a:rPr lang="bg-BG" smtClean="0"/>
-              <a:t>21.4.2019 г.</a:t>
+              <a:t>23.04.2019</a:t>
             </a:fld>
             <a:endParaRPr lang="bg-BG"/>
           </a:p>
@@ -2883,7 +3079,7 @@
           <p:cNvPr id="3" name="Footer Placeholder 2">
             <a:extLst>
               <a:ext uri="{FF2B5EF4-FFF2-40B4-BE49-F238E27FC236}">
-                <a16:creationId xmlns:a16="http://schemas.microsoft.com/office/drawing/2014/main" id="{2210603F-7217-47C4-B45F-87B24133ACB3}"/>
+                <a16:creationId xmlns:a16="http://schemas.microsoft.com/office/drawing/2014/main" xmlns="" id="{2210603F-7217-47C4-B45F-87B24133ACB3}"/>
               </a:ext>
             </a:extLst>
           </p:cNvPr>
@@ -2908,7 +3104,7 @@
           <p:cNvPr id="4" name="Slide Number Placeholder 3">
             <a:extLst>
               <a:ext uri="{FF2B5EF4-FFF2-40B4-BE49-F238E27FC236}">
-                <a16:creationId xmlns:a16="http://schemas.microsoft.com/office/drawing/2014/main" id="{DD807AA2-F6E9-43C0-BE01-02161404E726}"/>
+                <a16:creationId xmlns:a16="http://schemas.microsoft.com/office/drawing/2014/main" xmlns="" id="{DD807AA2-F6E9-43C0-BE01-02161404E726}"/>
               </a:ext>
             </a:extLst>
           </p:cNvPr>
@@ -2967,7 +3163,7 @@
           <p:cNvPr id="2" name="Title 1">
             <a:extLst>
               <a:ext uri="{FF2B5EF4-FFF2-40B4-BE49-F238E27FC236}">
-                <a16:creationId xmlns:a16="http://schemas.microsoft.com/office/drawing/2014/main" id="{274E79D0-4A57-4D72-8BFF-AA07E2DBE2AA}"/>
+                <a16:creationId xmlns:a16="http://schemas.microsoft.com/office/drawing/2014/main" xmlns="" id="{274E79D0-4A57-4D72-8BFF-AA07E2DBE2AA}"/>
               </a:ext>
             </a:extLst>
           </p:cNvPr>
@@ -3005,7 +3201,7 @@
           <p:cNvPr id="3" name="Content Placeholder 2">
             <a:extLst>
               <a:ext uri="{FF2B5EF4-FFF2-40B4-BE49-F238E27FC236}">
-                <a16:creationId xmlns:a16="http://schemas.microsoft.com/office/drawing/2014/main" id="{C5F10B8E-BD65-4618-9F2A-8174963C8555}"/>
+                <a16:creationId xmlns:a16="http://schemas.microsoft.com/office/drawing/2014/main" xmlns="" id="{C5F10B8E-BD65-4618-9F2A-8174963C8555}"/>
               </a:ext>
             </a:extLst>
           </p:cNvPr>
@@ -3096,7 +3292,7 @@
           <p:cNvPr id="4" name="Text Placeholder 3">
             <a:extLst>
               <a:ext uri="{FF2B5EF4-FFF2-40B4-BE49-F238E27FC236}">
-                <a16:creationId xmlns:a16="http://schemas.microsoft.com/office/drawing/2014/main" id="{04CB69F9-BEF2-4790-B07A-274061846E82}"/>
+                <a16:creationId xmlns:a16="http://schemas.microsoft.com/office/drawing/2014/main" xmlns="" id="{04CB69F9-BEF2-4790-B07A-274061846E82}"/>
               </a:ext>
             </a:extLst>
           </p:cNvPr>
@@ -3167,7 +3363,7 @@
           <p:cNvPr id="5" name="Date Placeholder 4">
             <a:extLst>
               <a:ext uri="{FF2B5EF4-FFF2-40B4-BE49-F238E27FC236}">
-                <a16:creationId xmlns:a16="http://schemas.microsoft.com/office/drawing/2014/main" id="{51F1382C-CD99-4075-AB4B-9EF791ACA926}"/>
+                <a16:creationId xmlns:a16="http://schemas.microsoft.com/office/drawing/2014/main" xmlns="" id="{51F1382C-CD99-4075-AB4B-9EF791ACA926}"/>
               </a:ext>
             </a:extLst>
           </p:cNvPr>
@@ -3185,7 +3381,7 @@
           <a:p>
             <a:fld id="{EEA75A29-027F-4D48-B08B-1161613C0818}" type="datetimeFigureOut">
               <a:rPr lang="bg-BG" smtClean="0"/>
-              <a:t>21.4.2019 г.</a:t>
+              <a:t>23.04.2019</a:t>
             </a:fld>
             <a:endParaRPr lang="bg-BG"/>
           </a:p>
@@ -3196,7 +3392,7 @@
           <p:cNvPr id="6" name="Footer Placeholder 5">
             <a:extLst>
               <a:ext uri="{FF2B5EF4-FFF2-40B4-BE49-F238E27FC236}">
-                <a16:creationId xmlns:a16="http://schemas.microsoft.com/office/drawing/2014/main" id="{C25DFF43-D3BE-4042-BDFC-2998A5097955}"/>
+                <a16:creationId xmlns:a16="http://schemas.microsoft.com/office/drawing/2014/main" xmlns="" id="{C25DFF43-D3BE-4042-BDFC-2998A5097955}"/>
               </a:ext>
             </a:extLst>
           </p:cNvPr>
@@ -3221,7 +3417,7 @@
           <p:cNvPr id="7" name="Slide Number Placeholder 6">
             <a:extLst>
               <a:ext uri="{FF2B5EF4-FFF2-40B4-BE49-F238E27FC236}">
-                <a16:creationId xmlns:a16="http://schemas.microsoft.com/office/drawing/2014/main" id="{06312CA7-204D-43D7-993D-3F5D401DEB6E}"/>
+                <a16:creationId xmlns:a16="http://schemas.microsoft.com/office/drawing/2014/main" xmlns="" id="{06312CA7-204D-43D7-993D-3F5D401DEB6E}"/>
               </a:ext>
             </a:extLst>
           </p:cNvPr>
@@ -3280,7 +3476,7 @@
           <p:cNvPr id="2" name="Title 1">
             <a:extLst>
               <a:ext uri="{FF2B5EF4-FFF2-40B4-BE49-F238E27FC236}">
-                <a16:creationId xmlns:a16="http://schemas.microsoft.com/office/drawing/2014/main" id="{4D5B6D33-81B3-45CB-8DD1-3D215D78BD4A}"/>
+                <a16:creationId xmlns:a16="http://schemas.microsoft.com/office/drawing/2014/main" xmlns="" id="{4D5B6D33-81B3-45CB-8DD1-3D215D78BD4A}"/>
               </a:ext>
             </a:extLst>
           </p:cNvPr>
@@ -3318,7 +3514,7 @@
           <p:cNvPr id="3" name="Picture Placeholder 2">
             <a:extLst>
               <a:ext uri="{FF2B5EF4-FFF2-40B4-BE49-F238E27FC236}">
-                <a16:creationId xmlns:a16="http://schemas.microsoft.com/office/drawing/2014/main" id="{F496AEA4-445B-4253-90DA-EBFB28926940}"/>
+                <a16:creationId xmlns:a16="http://schemas.microsoft.com/office/drawing/2014/main" xmlns="" id="{F496AEA4-445B-4253-90DA-EBFB28926940}"/>
               </a:ext>
             </a:extLst>
           </p:cNvPr>
@@ -3385,7 +3581,7 @@
           <p:cNvPr id="4" name="Text Placeholder 3">
             <a:extLst>
               <a:ext uri="{FF2B5EF4-FFF2-40B4-BE49-F238E27FC236}">
-                <a16:creationId xmlns:a16="http://schemas.microsoft.com/office/drawing/2014/main" id="{82B8DA4B-177D-4CF9-8759-9FB35161325F}"/>
+                <a16:creationId xmlns:a16="http://schemas.microsoft.com/office/drawing/2014/main" xmlns="" id="{82B8DA4B-177D-4CF9-8759-9FB35161325F}"/>
               </a:ext>
             </a:extLst>
           </p:cNvPr>
@@ -3456,7 +3652,7 @@
           <p:cNvPr id="5" name="Date Placeholder 4">
             <a:extLst>
               <a:ext uri="{FF2B5EF4-FFF2-40B4-BE49-F238E27FC236}">
-                <a16:creationId xmlns:a16="http://schemas.microsoft.com/office/drawing/2014/main" id="{F5F44FF0-3C9E-4E02-AFCD-418CFDA06F99}"/>
+                <a16:creationId xmlns:a16="http://schemas.microsoft.com/office/drawing/2014/main" xmlns="" id="{F5F44FF0-3C9E-4E02-AFCD-418CFDA06F99}"/>
               </a:ext>
             </a:extLst>
           </p:cNvPr>
@@ -3474,7 +3670,7 @@
           <a:p>
             <a:fld id="{EEA75A29-027F-4D48-B08B-1161613C0818}" type="datetimeFigureOut">
               <a:rPr lang="bg-BG" smtClean="0"/>
-              <a:t>21.4.2019 г.</a:t>
+              <a:t>23.04.2019</a:t>
             </a:fld>
             <a:endParaRPr lang="bg-BG"/>
           </a:p>
@@ -3485,7 +3681,7 @@
           <p:cNvPr id="6" name="Footer Placeholder 5">
             <a:extLst>
               <a:ext uri="{FF2B5EF4-FFF2-40B4-BE49-F238E27FC236}">
-                <a16:creationId xmlns:a16="http://schemas.microsoft.com/office/drawing/2014/main" id="{5097DF82-2BBD-4019-848B-5FAC6D1F14ED}"/>
+                <a16:creationId xmlns:a16="http://schemas.microsoft.com/office/drawing/2014/main" xmlns="" id="{5097DF82-2BBD-4019-848B-5FAC6D1F14ED}"/>
               </a:ext>
             </a:extLst>
           </p:cNvPr>
@@ -3510,7 +3706,7 @@
           <p:cNvPr id="7" name="Slide Number Placeholder 6">
             <a:extLst>
               <a:ext uri="{FF2B5EF4-FFF2-40B4-BE49-F238E27FC236}">
-                <a16:creationId xmlns:a16="http://schemas.microsoft.com/office/drawing/2014/main" id="{F564C5BD-4D43-49A7-B528-9F4922E17A39}"/>
+                <a16:creationId xmlns:a16="http://schemas.microsoft.com/office/drawing/2014/main" xmlns="" id="{F564C5BD-4D43-49A7-B528-9F4922E17A39}"/>
               </a:ext>
             </a:extLst>
           </p:cNvPr>
@@ -3574,7 +3770,7 @@
           <p:cNvPr id="2" name="Title Placeholder 1">
             <a:extLst>
               <a:ext uri="{FF2B5EF4-FFF2-40B4-BE49-F238E27FC236}">
-                <a16:creationId xmlns:a16="http://schemas.microsoft.com/office/drawing/2014/main" id="{C62B9201-D64F-4E73-9D97-CDD35AFA9CD9}"/>
+                <a16:creationId xmlns:a16="http://schemas.microsoft.com/office/drawing/2014/main" xmlns="" id="{C62B9201-D64F-4E73-9D97-CDD35AFA9CD9}"/>
               </a:ext>
             </a:extLst>
           </p:cNvPr>
@@ -3613,7 +3809,7 @@
           <p:cNvPr id="3" name="Text Placeholder 2">
             <a:extLst>
               <a:ext uri="{FF2B5EF4-FFF2-40B4-BE49-F238E27FC236}">
-                <a16:creationId xmlns:a16="http://schemas.microsoft.com/office/drawing/2014/main" id="{750AD475-A6DB-444D-9126-24701712235D}"/>
+                <a16:creationId xmlns:a16="http://schemas.microsoft.com/office/drawing/2014/main" xmlns="" id="{750AD475-A6DB-444D-9126-24701712235D}"/>
               </a:ext>
             </a:extLst>
           </p:cNvPr>
@@ -3681,7 +3877,7 @@
           <p:cNvPr id="4" name="Date Placeholder 3">
             <a:extLst>
               <a:ext uri="{FF2B5EF4-FFF2-40B4-BE49-F238E27FC236}">
-                <a16:creationId xmlns:a16="http://schemas.microsoft.com/office/drawing/2014/main" id="{EAEEC826-FC13-4DC6-8680-1989B58B8840}"/>
+                <a16:creationId xmlns:a16="http://schemas.microsoft.com/office/drawing/2014/main" xmlns="" id="{EAEEC826-FC13-4DC6-8680-1989B58B8840}"/>
               </a:ext>
             </a:extLst>
           </p:cNvPr>
@@ -3717,7 +3913,7 @@
           <a:p>
             <a:fld id="{EEA75A29-027F-4D48-B08B-1161613C0818}" type="datetimeFigureOut">
               <a:rPr lang="bg-BG" smtClean="0"/>
-              <a:t>21.4.2019 г.</a:t>
+              <a:t>23.04.2019</a:t>
             </a:fld>
             <a:endParaRPr lang="bg-BG"/>
           </a:p>
@@ -3728,7 +3924,7 @@
           <p:cNvPr id="5" name="Footer Placeholder 4">
             <a:extLst>
               <a:ext uri="{FF2B5EF4-FFF2-40B4-BE49-F238E27FC236}">
-                <a16:creationId xmlns:a16="http://schemas.microsoft.com/office/drawing/2014/main" id="{CA44FEEC-545C-4523-8E78-9730A4DEA230}"/>
+                <a16:creationId xmlns:a16="http://schemas.microsoft.com/office/drawing/2014/main" xmlns="" id="{CA44FEEC-545C-4523-8E78-9730A4DEA230}"/>
               </a:ext>
             </a:extLst>
           </p:cNvPr>
@@ -3771,7 +3967,7 @@
           <p:cNvPr id="6" name="Slide Number Placeholder 5">
             <a:extLst>
               <a:ext uri="{FF2B5EF4-FFF2-40B4-BE49-F238E27FC236}">
-                <a16:creationId xmlns:a16="http://schemas.microsoft.com/office/drawing/2014/main" id="{73D22FDB-48CD-4DC6-AA72-C4D498CB8BE3}"/>
+                <a16:creationId xmlns:a16="http://schemas.microsoft.com/office/drawing/2014/main" xmlns="" id="{73D22FDB-48CD-4DC6-AA72-C4D498CB8BE3}"/>
               </a:ext>
             </a:extLst>
           </p:cNvPr>
@@ -4139,7 +4335,7 @@
           <p:cNvPr id="2" name="Title 1">
             <a:extLst>
               <a:ext uri="{FF2B5EF4-FFF2-40B4-BE49-F238E27FC236}">
-                <a16:creationId xmlns:a16="http://schemas.microsoft.com/office/drawing/2014/main" id="{D0065D8F-353D-4059-9C7F-F49723F8BC46}"/>
+                <a16:creationId xmlns:a16="http://schemas.microsoft.com/office/drawing/2014/main" xmlns="" id="{D0065D8F-353D-4059-9C7F-F49723F8BC46}"/>
               </a:ext>
             </a:extLst>
           </p:cNvPr>
@@ -4219,7 +4415,7 @@
           <p:cNvPr id="4" name="Picture 3">
             <a:extLst>
               <a:ext uri="{FF2B5EF4-FFF2-40B4-BE49-F238E27FC236}">
-                <a16:creationId xmlns:a16="http://schemas.microsoft.com/office/drawing/2014/main" id="{E806A265-91A3-44D3-A845-B5E74D32A225}"/>
+                <a16:creationId xmlns:a16="http://schemas.microsoft.com/office/drawing/2014/main" xmlns="" id="{E806A265-91A3-44D3-A845-B5E74D32A225}"/>
               </a:ext>
             </a:extLst>
           </p:cNvPr>
@@ -4266,7 +4462,7 @@
           <p:cNvPr id="5" name="Picture 4">
             <a:extLst>
               <a:ext uri="{FF2B5EF4-FFF2-40B4-BE49-F238E27FC236}">
-                <a16:creationId xmlns:a16="http://schemas.microsoft.com/office/drawing/2014/main" id="{1C373431-9E7B-4576-8831-13D67AF33226}"/>
+                <a16:creationId xmlns:a16="http://schemas.microsoft.com/office/drawing/2014/main" xmlns="" id="{1C373431-9E7B-4576-8831-13D67AF33226}"/>
               </a:ext>
             </a:extLst>
           </p:cNvPr>
@@ -4302,7 +4498,7 @@
           <p:cNvPr id="6" name="Text Placeholder 7">
             <a:extLst>
               <a:ext uri="{FF2B5EF4-FFF2-40B4-BE49-F238E27FC236}">
-                <a16:creationId xmlns:a16="http://schemas.microsoft.com/office/drawing/2014/main" id="{B7D9A7E4-7BA3-4E93-8912-98EFE09BB28A}"/>
+                <a16:creationId xmlns:a16="http://schemas.microsoft.com/office/drawing/2014/main" xmlns="" id="{B7D9A7E4-7BA3-4E93-8912-98EFE09BB28A}"/>
               </a:ext>
             </a:extLst>
           </p:cNvPr>
@@ -4555,7 +4751,7 @@
           <p:cNvPr id="7" name="Text Placeholder 7">
             <a:extLst>
               <a:ext uri="{FF2B5EF4-FFF2-40B4-BE49-F238E27FC236}">
-                <a16:creationId xmlns:a16="http://schemas.microsoft.com/office/drawing/2014/main" id="{C9C80F1A-C35F-401C-BE9E-EA2D52A62214}"/>
+                <a16:creationId xmlns:a16="http://schemas.microsoft.com/office/drawing/2014/main" xmlns="" id="{C9C80F1A-C35F-401C-BE9E-EA2D52A62214}"/>
               </a:ext>
             </a:extLst>
           </p:cNvPr>
@@ -4808,7 +5004,7 @@
           <p:cNvPr id="9" name="Picture 8">
             <a:extLst>
               <a:ext uri="{FF2B5EF4-FFF2-40B4-BE49-F238E27FC236}">
-                <a16:creationId xmlns:a16="http://schemas.microsoft.com/office/drawing/2014/main" id="{C4DC195B-1A46-49CD-A653-ED9AB3DD20A4}"/>
+                <a16:creationId xmlns:a16="http://schemas.microsoft.com/office/drawing/2014/main" xmlns="" id="{C4DC195B-1A46-49CD-A653-ED9AB3DD20A4}"/>
               </a:ext>
             </a:extLst>
           </p:cNvPr>
@@ -4868,7 +5064,7 @@
           <p:cNvPr id="11" name="Text Placeholder 7">
             <a:extLst>
               <a:ext uri="{FF2B5EF4-FFF2-40B4-BE49-F238E27FC236}">
-                <a16:creationId xmlns:a16="http://schemas.microsoft.com/office/drawing/2014/main" id="{61993706-1D78-48D5-9CE6-9BC974868574}"/>
+                <a16:creationId xmlns:a16="http://schemas.microsoft.com/office/drawing/2014/main" xmlns="" id="{61993706-1D78-48D5-9CE6-9BC974868574}"/>
               </a:ext>
             </a:extLst>
           </p:cNvPr>
@@ -5129,7 +5325,7 @@
           <p:cNvPr id="12" name="Text Placeholder 7">
             <a:extLst>
               <a:ext uri="{FF2B5EF4-FFF2-40B4-BE49-F238E27FC236}">
-                <a16:creationId xmlns:a16="http://schemas.microsoft.com/office/drawing/2014/main" id="{EBA61FC4-D80A-435C-B843-48032ACF0D9D}"/>
+                <a16:creationId xmlns:a16="http://schemas.microsoft.com/office/drawing/2014/main" xmlns="" id="{EBA61FC4-D80A-435C-B843-48032ACF0D9D}"/>
               </a:ext>
             </a:extLst>
           </p:cNvPr>
@@ -5382,7 +5578,7 @@
           <p:cNvPr id="13" name="Text Placeholder 7">
             <a:extLst>
               <a:ext uri="{FF2B5EF4-FFF2-40B4-BE49-F238E27FC236}">
-                <a16:creationId xmlns:a16="http://schemas.microsoft.com/office/drawing/2014/main" id="{A40570BA-6911-4970-9388-25F376540204}"/>
+                <a16:creationId xmlns:a16="http://schemas.microsoft.com/office/drawing/2014/main" xmlns="" id="{A40570BA-6911-4970-9388-25F376540204}"/>
               </a:ext>
             </a:extLst>
           </p:cNvPr>
@@ -5676,7 +5872,7 @@
           <p:cNvPr id="2" name="Title 1">
             <a:extLst>
               <a:ext uri="{FF2B5EF4-FFF2-40B4-BE49-F238E27FC236}">
-                <a16:creationId xmlns:a16="http://schemas.microsoft.com/office/drawing/2014/main" id="{2F078983-C003-476C-AF76-9D9D733F76FD}"/>
+                <a16:creationId xmlns:a16="http://schemas.microsoft.com/office/drawing/2014/main" xmlns="" id="{2F078983-C003-476C-AF76-9D9D733F76FD}"/>
               </a:ext>
             </a:extLst>
           </p:cNvPr>
@@ -5712,7 +5908,7 @@
           <p:cNvPr id="10" name="Content Placeholder 9">
             <a:extLst>
               <a:ext uri="{FF2B5EF4-FFF2-40B4-BE49-F238E27FC236}">
-                <a16:creationId xmlns:a16="http://schemas.microsoft.com/office/drawing/2014/main" id="{FA530467-8F23-4217-9082-0E932DD1816D}"/>
+                <a16:creationId xmlns:a16="http://schemas.microsoft.com/office/drawing/2014/main" xmlns="" id="{FA530467-8F23-4217-9082-0E932DD1816D}"/>
               </a:ext>
             </a:extLst>
           </p:cNvPr>
@@ -5725,8 +5921,8 @@
         </p:nvSpPr>
         <p:spPr>
           <a:xfrm>
-            <a:off x="762000" y="2279018"/>
-            <a:ext cx="5314543" cy="3375920"/>
+            <a:off x="762000" y="2279017"/>
+            <a:ext cx="5314543" cy="3852841"/>
           </a:xfrm>
         </p:spPr>
         <p:txBody>
@@ -5782,8 +5978,28 @@
             <a:pPr lvl="1"/>
             <a:r>
               <a:rPr lang="en-US" sz="1500" dirty="0"/>
-              <a:t>We are developing multiple application depending on common service</a:t>
-            </a:r>
+              <a:t>We are developing multiple application depending on common </a:t>
+            </a:r>
+            <a:r>
+              <a:rPr lang="en-US" sz="1500" dirty="0" smtClean="0"/>
+              <a:t>service</a:t>
+            </a:r>
+          </a:p>
+          <a:p>
+            <a:pPr lvl="1"/>
+            <a:r>
+              <a:rPr lang="en-US" sz="1500" dirty="0"/>
+              <a:t>We are continuously satisfying </a:t>
+            </a:r>
+            <a:r>
+              <a:rPr lang="en-US" sz="1500" dirty="0" smtClean="0"/>
+              <a:t>new business </a:t>
+            </a:r>
+            <a:r>
+              <a:rPr lang="en-US" sz="1500" dirty="0"/>
+              <a:t>requirements</a:t>
+            </a:r>
+            <a:endParaRPr lang="en-US" sz="1500" dirty="0"/>
           </a:p>
         </p:txBody>
       </p:sp>
@@ -5792,10 +6008,10 @@
           <p:cNvPr id="28" name="Freeform: Shape 27">
             <a:extLst>
               <a:ext uri="{FF2B5EF4-FFF2-40B4-BE49-F238E27FC236}">
-                <a16:creationId xmlns:a16="http://schemas.microsoft.com/office/drawing/2014/main" id="{CF62D2A7-8207-488C-9F46-316BA81A16C8}"/>
+                <a16:creationId xmlns:a16="http://schemas.microsoft.com/office/drawing/2014/main" xmlns="" id="{CF62D2A7-8207-488C-9F46-316BA81A16C8}"/>
               </a:ext>
               <a:ext uri="{C183D7F6-B498-43B3-948B-1728B52AA6E4}">
-                <adec:decorative xmlns:adec="http://schemas.microsoft.com/office/drawing/2017/decorative" val="1"/>
+                <adec:decorative xmlns:adec="http://schemas.microsoft.com/office/drawing/2017/decorative" xmlns="" val="1"/>
               </a:ext>
             </a:extLst>
           </p:cNvPr>
@@ -5805,7 +6021,7 @@
           <p:nvPr>
             <p:extLst>
               <p:ext uri="{386F3935-93C4-4BCD-93E2-E3B085C9AB24}">
-                <p16:designElem xmlns:p16="http://schemas.microsoft.com/office/powerpoint/2015/main" val="1"/>
+                <p16:designElem xmlns:p16="http://schemas.microsoft.com/office/powerpoint/2015/main" xmlns="" val="1"/>
               </p:ext>
             </p:extLst>
           </p:nvPr>
@@ -5959,7 +6175,7 @@
           <p:cNvPr id="23" name="Content Placeholder 4">
             <a:extLst>
               <a:ext uri="{FF2B5EF4-FFF2-40B4-BE49-F238E27FC236}">
-                <a16:creationId xmlns:a16="http://schemas.microsoft.com/office/drawing/2014/main" id="{80A64381-DDDA-41B6-8692-7D1CD7E4E200}"/>
+                <a16:creationId xmlns:a16="http://schemas.microsoft.com/office/drawing/2014/main" xmlns="" id="{80A64381-DDDA-41B6-8692-7D1CD7E4E200}"/>
               </a:ext>
             </a:extLst>
           </p:cNvPr>
@@ -6097,7 +6313,7 @@
           <p:cNvPr id="2" name="Title 1">
             <a:extLst>
               <a:ext uri="{FF2B5EF4-FFF2-40B4-BE49-F238E27FC236}">
-                <a16:creationId xmlns:a16="http://schemas.microsoft.com/office/drawing/2014/main" id="{5C4D0B21-0753-4B41-AC6C-587C83C7DB53}"/>
+                <a16:creationId xmlns:a16="http://schemas.microsoft.com/office/drawing/2014/main" xmlns="" id="{5C4D0B21-0753-4B41-AC6C-587C83C7DB53}"/>
               </a:ext>
             </a:extLst>
           </p:cNvPr>
@@ -6132,7 +6348,7 @@
           <p:cNvPr id="11" name="Content Placeholder 10">
             <a:extLst>
               <a:ext uri="{FF2B5EF4-FFF2-40B4-BE49-F238E27FC236}">
-                <a16:creationId xmlns:a16="http://schemas.microsoft.com/office/drawing/2014/main" id="{C7177770-119C-42E0-955E-CB3C05AE5373}"/>
+                <a16:creationId xmlns:a16="http://schemas.microsoft.com/office/drawing/2014/main" xmlns="" id="{C7177770-119C-42E0-955E-CB3C05AE5373}"/>
               </a:ext>
             </a:extLst>
           </p:cNvPr>
@@ -6144,7 +6360,7 @@
           </p:nvPr>
         </p:nvPicPr>
         <p:blipFill>
-          <a:blip r:embed="rId3">
+          <a:blip r:embed="rId3" cstate="print">
             <a:extLst>
               <a:ext uri="{28A0092B-C50C-407E-A947-70E740481C1C}">
                 <a14:useLocalDpi xmlns:a14="http://schemas.microsoft.com/office/drawing/2010/main" val="0"/>
@@ -6167,7 +6383,7 @@
           <p:cNvPr id="12" name="TextBox 11">
             <a:extLst>
               <a:ext uri="{FF2B5EF4-FFF2-40B4-BE49-F238E27FC236}">
-                <a16:creationId xmlns:a16="http://schemas.microsoft.com/office/drawing/2014/main" id="{8284F7CC-9A38-417D-8531-16A4994B48B7}"/>
+                <a16:creationId xmlns:a16="http://schemas.microsoft.com/office/drawing/2014/main" xmlns="" id="{8284F7CC-9A38-417D-8531-16A4994B48B7}"/>
               </a:ext>
             </a:extLst>
           </p:cNvPr>
@@ -6203,7 +6419,7 @@
           <p:cNvPr id="13" name="TextBox 12">
             <a:extLst>
               <a:ext uri="{FF2B5EF4-FFF2-40B4-BE49-F238E27FC236}">
-                <a16:creationId xmlns:a16="http://schemas.microsoft.com/office/drawing/2014/main" id="{6C355E1C-279A-429C-9CD8-D18BA01DB53F}"/>
+                <a16:creationId xmlns:a16="http://schemas.microsoft.com/office/drawing/2014/main" xmlns="" id="{6C355E1C-279A-429C-9CD8-D18BA01DB53F}"/>
               </a:ext>
             </a:extLst>
           </p:cNvPr>
@@ -6239,7 +6455,7 @@
           <p:cNvPr id="14" name="TextBox 13">
             <a:extLst>
               <a:ext uri="{FF2B5EF4-FFF2-40B4-BE49-F238E27FC236}">
-                <a16:creationId xmlns:a16="http://schemas.microsoft.com/office/drawing/2014/main" id="{93FB5240-AB72-4D79-B1DE-72774DE02A77}"/>
+                <a16:creationId xmlns:a16="http://schemas.microsoft.com/office/drawing/2014/main" xmlns="" id="{93FB5240-AB72-4D79-B1DE-72774DE02A77}"/>
               </a:ext>
             </a:extLst>
           </p:cNvPr>
@@ -6316,7 +6532,7 @@
           <p:cNvPr id="2" name="Title 1">
             <a:extLst>
               <a:ext uri="{FF2B5EF4-FFF2-40B4-BE49-F238E27FC236}">
-                <a16:creationId xmlns:a16="http://schemas.microsoft.com/office/drawing/2014/main" id="{BBF33B28-E476-42DF-8EB9-D8B3BE02EB1D}"/>
+                <a16:creationId xmlns:a16="http://schemas.microsoft.com/office/drawing/2014/main" xmlns="" id="{BBF33B28-E476-42DF-8EB9-D8B3BE02EB1D}"/>
               </a:ext>
             </a:extLst>
           </p:cNvPr>
@@ -6359,7 +6575,7 @@
           <p:cNvPr id="11" name="Content Placeholder 10">
             <a:extLst>
               <a:ext uri="{FF2B5EF4-FFF2-40B4-BE49-F238E27FC236}">
-                <a16:creationId xmlns:a16="http://schemas.microsoft.com/office/drawing/2014/main" id="{23D3EEB0-B298-42ED-B4E3-9B0D66F2782B}"/>
+                <a16:creationId xmlns:a16="http://schemas.microsoft.com/office/drawing/2014/main" xmlns="" id="{23D3EEB0-B298-42ED-B4E3-9B0D66F2782B}"/>
               </a:ext>
             </a:extLst>
           </p:cNvPr>
@@ -6405,10 +6621,10 @@
           <p:cNvPr id="19" name="Freeform: Shape 18">
             <a:extLst>
               <a:ext uri="{FF2B5EF4-FFF2-40B4-BE49-F238E27FC236}">
-                <a16:creationId xmlns:a16="http://schemas.microsoft.com/office/drawing/2014/main" id="{1DB7C82F-AB7E-4F0C-B829-FA1B9C415180}"/>
+                <a16:creationId xmlns:a16="http://schemas.microsoft.com/office/drawing/2014/main" xmlns="" id="{1DB7C82F-AB7E-4F0C-B829-FA1B9C415180}"/>
               </a:ext>
               <a:ext uri="{C183D7F6-B498-43B3-948B-1728B52AA6E4}">
-                <adec:decorative xmlns:adec="http://schemas.microsoft.com/office/drawing/2017/decorative" val="1"/>
+                <adec:decorative xmlns:adec="http://schemas.microsoft.com/office/drawing/2017/decorative" xmlns="" val="1"/>
               </a:ext>
             </a:extLst>
           </p:cNvPr>
@@ -6418,7 +6634,7 @@
           <p:nvPr>
             <p:extLst>
               <p:ext uri="{386F3935-93C4-4BCD-93E2-E3B085C9AB24}">
-                <p16:designElem xmlns:p16="http://schemas.microsoft.com/office/powerpoint/2015/main" val="1"/>
+                <p16:designElem xmlns:p16="http://schemas.microsoft.com/office/powerpoint/2015/main" xmlns="" val="1"/>
               </p:ext>
             </p:extLst>
           </p:nvPr>
@@ -6572,7 +6788,7 @@
           <p:cNvPr id="9" name="Content Placeholder 5">
             <a:extLst>
               <a:ext uri="{FF2B5EF4-FFF2-40B4-BE49-F238E27FC236}">
-                <a16:creationId xmlns:a16="http://schemas.microsoft.com/office/drawing/2014/main" id="{DDB8BD44-875F-4192-93E3-313E4E3A4051}"/>
+                <a16:creationId xmlns:a16="http://schemas.microsoft.com/office/drawing/2014/main" xmlns="" id="{DDB8BD44-875F-4192-93E3-313E4E3A4051}"/>
               </a:ext>
             </a:extLst>
           </p:cNvPr>
@@ -6678,7 +6894,7 @@
           <p:cNvPr id="13" name="Title 1">
             <a:extLst>
               <a:ext uri="{FF2B5EF4-FFF2-40B4-BE49-F238E27FC236}">
-                <a16:creationId xmlns:a16="http://schemas.microsoft.com/office/drawing/2014/main" id="{0B189842-8446-483C-9CF8-B38D33D9ADF9}"/>
+                <a16:creationId xmlns:a16="http://schemas.microsoft.com/office/drawing/2014/main" xmlns="" id="{0B189842-8446-483C-9CF8-B38D33D9ADF9}"/>
               </a:ext>
             </a:extLst>
           </p:cNvPr>
@@ -6732,6 +6948,10 @@
               </a:rPr>
               <a:t>: a map of code duplicates on Git Hub</a:t>
             </a:r>
+            <a:r>
+              <a:rPr lang="en-US" sz="4700" dirty="0"/>
+              <a:t/>
+            </a:r>
             <a:br>
               <a:rPr lang="en-US" sz="4700" dirty="0"/>
             </a:br>
@@ -6748,6 +6968,361 @@
   </p:cSld>
   <p:clrMapOvr>
     <a:overrideClrMapping bg1="dk1" tx1="lt1" bg2="dk2" tx2="lt2" accent1="accent1" accent2="accent2" accent3="accent3" accent4="accent4" accent5="accent5" accent6="accent6" hlink="hlink" folHlink="folHlink"/>
+  </p:clrMapOvr>
+</p:sld>
+</file>
+
+<file path=ppt/slides/slide6.xml><?xml version="1.0" encoding="utf-8"?>
+<p:sld xmlns:a="http://schemas.openxmlformats.org/drawingml/2006/main" xmlns:r="http://schemas.openxmlformats.org/officeDocument/2006/relationships" xmlns:p="http://schemas.openxmlformats.org/presentationml/2006/main">
+  <p:cSld>
+    <p:spTree>
+      <p:nvGrpSpPr>
+        <p:cNvPr id="1" name=""/>
+        <p:cNvGrpSpPr/>
+        <p:nvPr/>
+      </p:nvGrpSpPr>
+      <p:grpSpPr>
+        <a:xfrm>
+          <a:off x="0" y="0"/>
+          <a:ext cx="0" cy="0"/>
+          <a:chOff x="0" y="0"/>
+          <a:chExt cx="0" cy="0"/>
+        </a:xfrm>
+      </p:grpSpPr>
+      <p:sp>
+        <p:nvSpPr>
+          <p:cNvPr id="2" name="Title 1"/>
+          <p:cNvSpPr>
+            <a:spLocks noGrp="1"/>
+          </p:cNvSpPr>
+          <p:nvPr>
+            <p:ph type="title"/>
+          </p:nvPr>
+        </p:nvSpPr>
+        <p:spPr/>
+        <p:txBody>
+          <a:bodyPr/>
+          <a:lstStyle/>
+          <a:p>
+            <a:pPr algn="ctr"/>
+            <a:r>
+              <a:rPr lang="en-GB" dirty="0" smtClean="0"/>
+              <a:t>WTF should we do now</a:t>
+            </a:r>
+            <a:endParaRPr lang="bg-BG" dirty="0"/>
+          </a:p>
+        </p:txBody>
+      </p:sp>
+      <p:pic>
+        <p:nvPicPr>
+          <p:cNvPr id="4" name="Content Placeholder 3"/>
+          <p:cNvPicPr>
+            <a:picLocks noGrp="1" noChangeAspect="1"/>
+          </p:cNvPicPr>
+          <p:nvPr>
+            <p:ph idx="1"/>
+          </p:nvPr>
+        </p:nvPicPr>
+        <p:blipFill>
+          <a:blip r:embed="rId2">
+            <a:extLst>
+              <a:ext uri="{28A0092B-C50C-407E-A947-70E740481C1C}">
+                <a14:useLocalDpi xmlns:a14="http://schemas.microsoft.com/office/drawing/2010/main" val="0"/>
+              </a:ext>
+            </a:extLst>
+          </a:blip>
+          <a:stretch>
+            <a:fillRect/>
+          </a:stretch>
+        </p:blipFill>
+        <p:spPr>
+          <a:xfrm>
+            <a:off x="4231141" y="1341531"/>
+            <a:ext cx="3729718" cy="4351338"/>
+          </a:xfrm>
+        </p:spPr>
+      </p:pic>
+    </p:spTree>
+    <p:extLst>
+      <p:ext uri="{BB962C8B-B14F-4D97-AF65-F5344CB8AC3E}">
+        <p14:creationId xmlns:p14="http://schemas.microsoft.com/office/powerpoint/2010/main" val="4039247857"/>
+      </p:ext>
+    </p:extLst>
+  </p:cSld>
+  <p:clrMapOvr>
+    <a:masterClrMapping/>
+  </p:clrMapOvr>
+</p:sld>
+</file>
+
+<file path=ppt/slides/slide7.xml><?xml version="1.0" encoding="utf-8"?>
+<p:sld xmlns:a="http://schemas.openxmlformats.org/drawingml/2006/main" xmlns:r="http://schemas.openxmlformats.org/officeDocument/2006/relationships" xmlns:p="http://schemas.openxmlformats.org/presentationml/2006/main">
+  <p:cSld>
+    <p:spTree>
+      <p:nvGrpSpPr>
+        <p:cNvPr id="1" name=""/>
+        <p:cNvGrpSpPr/>
+        <p:nvPr/>
+      </p:nvGrpSpPr>
+      <p:grpSpPr>
+        <a:xfrm>
+          <a:off x="0" y="0"/>
+          <a:ext cx="0" cy="0"/>
+          <a:chOff x="0" y="0"/>
+          <a:chExt cx="0" cy="0"/>
+        </a:xfrm>
+      </p:grpSpPr>
+      <p:sp>
+        <p:nvSpPr>
+          <p:cNvPr id="2" name="Title 1"/>
+          <p:cNvSpPr>
+            <a:spLocks noGrp="1"/>
+          </p:cNvSpPr>
+          <p:nvPr>
+            <p:ph type="title"/>
+          </p:nvPr>
+        </p:nvSpPr>
+        <p:spPr/>
+        <p:txBody>
+          <a:bodyPr/>
+          <a:lstStyle/>
+          <a:p>
+            <a:r>
+              <a:rPr lang="en-GB" dirty="0" err="1" smtClean="0"/>
+              <a:t>Monorepo</a:t>
+            </a:r>
+            <a:endParaRPr lang="bg-BG" dirty="0"/>
+          </a:p>
+        </p:txBody>
+      </p:sp>
+      <p:pic>
+        <p:nvPicPr>
+          <p:cNvPr id="4" name="Content Placeholder 3"/>
+          <p:cNvPicPr>
+            <a:picLocks noGrp="1" noChangeAspect="1"/>
+          </p:cNvPicPr>
+          <p:nvPr>
+            <p:ph idx="1"/>
+          </p:nvPr>
+        </p:nvPicPr>
+        <p:blipFill>
+          <a:blip r:embed="rId2" cstate="print">
+            <a:extLst>
+              <a:ext uri="{28A0092B-C50C-407E-A947-70E740481C1C}">
+                <a14:useLocalDpi xmlns:a14="http://schemas.microsoft.com/office/drawing/2010/main" val="0"/>
+              </a:ext>
+            </a:extLst>
+          </a:blip>
+          <a:stretch>
+            <a:fillRect/>
+          </a:stretch>
+        </p:blipFill>
+        <p:spPr>
+          <a:xfrm>
+            <a:off x="5810292" y="1027906"/>
+            <a:ext cx="5543508" cy="5127745"/>
+          </a:xfrm>
+        </p:spPr>
+      </p:pic>
+      <p:sp>
+        <p:nvSpPr>
+          <p:cNvPr id="5" name="TextBox 4"/>
+          <p:cNvSpPr txBox="1"/>
+          <p:nvPr/>
+        </p:nvSpPr>
+        <p:spPr>
+          <a:xfrm>
+            <a:off x="838200" y="3591778"/>
+            <a:ext cx="5199529" cy="2246769"/>
+          </a:xfrm>
+          <a:prstGeom prst="rect">
+            <a:avLst/>
+          </a:prstGeom>
+          <a:noFill/>
+        </p:spPr>
+        <p:txBody>
+          <a:bodyPr wrap="square" rtlCol="0">
+            <a:spAutoFit/>
+          </a:bodyPr>
+          <a:lstStyle/>
+          <a:p>
+            <a:r>
+              <a:rPr lang="en-US" sz="2800" dirty="0"/>
+              <a:t>"</a:t>
+            </a:r>
+            <a:r>
+              <a:rPr lang="en-US" sz="2800" dirty="0" err="1"/>
+              <a:t>Monorepo</a:t>
+            </a:r>
+            <a:r>
+              <a:rPr lang="en-US" sz="2800" dirty="0"/>
+              <a:t>" or "</a:t>
+            </a:r>
+            <a:r>
+              <a:rPr lang="en-US" sz="2800" dirty="0" err="1"/>
+              <a:t>Molonolithic</a:t>
+            </a:r>
+            <a:r>
+              <a:rPr lang="en-US" sz="2800" dirty="0"/>
+              <a:t> repository" is a software development strategy where multiple projects are stored in single repository</a:t>
+            </a:r>
+            <a:endParaRPr lang="bg-BG" sz="2800" dirty="0"/>
+          </a:p>
+        </p:txBody>
+      </p:sp>
+    </p:spTree>
+    <p:extLst>
+      <p:ext uri="{BB962C8B-B14F-4D97-AF65-F5344CB8AC3E}">
+        <p14:creationId xmlns:p14="http://schemas.microsoft.com/office/powerpoint/2010/main" val="4056090553"/>
+      </p:ext>
+    </p:extLst>
+  </p:cSld>
+  <p:clrMapOvr>
+    <a:masterClrMapping/>
+  </p:clrMapOvr>
+</p:sld>
+</file>
+
+<file path=ppt/slides/slide8.xml><?xml version="1.0" encoding="utf-8"?>
+<p:sld xmlns:a="http://schemas.openxmlformats.org/drawingml/2006/main" xmlns:r="http://schemas.openxmlformats.org/officeDocument/2006/relationships" xmlns:p="http://schemas.openxmlformats.org/presentationml/2006/main">
+  <p:cSld>
+    <p:spTree>
+      <p:nvGrpSpPr>
+        <p:cNvPr id="1" name=""/>
+        <p:cNvGrpSpPr/>
+        <p:nvPr/>
+      </p:nvGrpSpPr>
+      <p:grpSpPr>
+        <a:xfrm>
+          <a:off x="0" y="0"/>
+          <a:ext cx="0" cy="0"/>
+          <a:chOff x="0" y="0"/>
+          <a:chExt cx="0" cy="0"/>
+        </a:xfrm>
+      </p:grpSpPr>
+      <p:sp>
+        <p:nvSpPr>
+          <p:cNvPr id="2" name="Title 1"/>
+          <p:cNvSpPr>
+            <a:spLocks noGrp="1"/>
+          </p:cNvSpPr>
+          <p:nvPr>
+            <p:ph type="title"/>
+          </p:nvPr>
+        </p:nvSpPr>
+        <p:spPr/>
+        <p:txBody>
+          <a:bodyPr/>
+          <a:lstStyle/>
+          <a:p>
+            <a:r>
+              <a:rPr lang="en-GB" dirty="0" smtClean="0"/>
+              <a:t>What</a:t>
+            </a:r>
+            <a:endParaRPr lang="bg-BG" dirty="0"/>
+          </a:p>
+        </p:txBody>
+      </p:sp>
+      <p:sp>
+        <p:nvSpPr>
+          <p:cNvPr id="3" name="Content Placeholder 2"/>
+          <p:cNvSpPr>
+            <a:spLocks noGrp="1"/>
+          </p:cNvSpPr>
+          <p:nvPr>
+            <p:ph idx="1"/>
+          </p:nvPr>
+        </p:nvSpPr>
+        <p:spPr/>
+        <p:txBody>
+          <a:bodyPr/>
+          <a:lstStyle/>
+          <a:p>
+            <a:endParaRPr lang="bg-BG"/>
+          </a:p>
+        </p:txBody>
+      </p:sp>
+    </p:spTree>
+    <p:extLst>
+      <p:ext uri="{BB962C8B-B14F-4D97-AF65-F5344CB8AC3E}">
+        <p14:creationId xmlns:p14="http://schemas.microsoft.com/office/powerpoint/2010/main" val="2754435459"/>
+      </p:ext>
+    </p:extLst>
+  </p:cSld>
+  <p:clrMapOvr>
+    <a:masterClrMapping/>
+  </p:clrMapOvr>
+</p:sld>
+</file>
+
+<file path=ppt/slides/slide9.xml><?xml version="1.0" encoding="utf-8"?>
+<p:sld xmlns:a="http://schemas.openxmlformats.org/drawingml/2006/main" xmlns:r="http://schemas.openxmlformats.org/officeDocument/2006/relationships" xmlns:p="http://schemas.openxmlformats.org/presentationml/2006/main">
+  <p:cSld>
+    <p:spTree>
+      <p:nvGrpSpPr>
+        <p:cNvPr id="1" name=""/>
+        <p:cNvGrpSpPr/>
+        <p:nvPr/>
+      </p:nvGrpSpPr>
+      <p:grpSpPr>
+        <a:xfrm>
+          <a:off x="0" y="0"/>
+          <a:ext cx="0" cy="0"/>
+          <a:chOff x="0" y="0"/>
+          <a:chExt cx="0" cy="0"/>
+        </a:xfrm>
+      </p:grpSpPr>
+      <p:sp>
+        <p:nvSpPr>
+          <p:cNvPr id="2" name="Title 1"/>
+          <p:cNvSpPr>
+            <a:spLocks noGrp="1"/>
+          </p:cNvSpPr>
+          <p:nvPr>
+            <p:ph type="title"/>
+          </p:nvPr>
+        </p:nvSpPr>
+        <p:spPr/>
+        <p:txBody>
+          <a:bodyPr/>
+          <a:lstStyle/>
+          <a:p>
+            <a:r>
+              <a:rPr lang="en-GB" dirty="0" smtClean="0"/>
+              <a:t>Who</a:t>
+            </a:r>
+            <a:endParaRPr lang="bg-BG" dirty="0"/>
+          </a:p>
+        </p:txBody>
+      </p:sp>
+      <p:sp>
+        <p:nvSpPr>
+          <p:cNvPr id="3" name="Content Placeholder 2"/>
+          <p:cNvSpPr>
+            <a:spLocks noGrp="1"/>
+          </p:cNvSpPr>
+          <p:nvPr>
+            <p:ph idx="1"/>
+          </p:nvPr>
+        </p:nvSpPr>
+        <p:spPr/>
+        <p:txBody>
+          <a:bodyPr/>
+          <a:lstStyle/>
+          <a:p>
+            <a:endParaRPr lang="bg-BG"/>
+          </a:p>
+        </p:txBody>
+      </p:sp>
+    </p:spTree>
+    <p:extLst>
+      <p:ext uri="{BB962C8B-B14F-4D97-AF65-F5344CB8AC3E}">
+        <p14:creationId xmlns:p14="http://schemas.microsoft.com/office/powerpoint/2010/main" val="1966113609"/>
+      </p:ext>
+    </p:extLst>
+  </p:cSld>
+  <p:clrMapOvr>
+    <a:masterClrMapping/>
   </p:clrMapOvr>
 </p:sld>
 </file>

--- a/ngMeetup.pptx
+++ b/ngMeetup.pptx
@@ -5,7 +5,7 @@
     <p:sldMasterId id="2147483648" r:id="rId1"/>
   </p:sldMasterIdLst>
   <p:notesMasterIdLst>
-    <p:notesMasterId r:id="rId11"/>
+    <p:notesMasterId r:id="rId14"/>
   </p:notesMasterIdLst>
   <p:sldIdLst>
     <p:sldId id="256" r:id="rId2"/>
@@ -14,9 +14,12 @@
     <p:sldId id="260" r:id="rId5"/>
     <p:sldId id="258" r:id="rId6"/>
     <p:sldId id="261" r:id="rId7"/>
-    <p:sldId id="262" r:id="rId8"/>
-    <p:sldId id="263" r:id="rId9"/>
-    <p:sldId id="264" r:id="rId10"/>
+    <p:sldId id="265" r:id="rId8"/>
+    <p:sldId id="270" r:id="rId9"/>
+    <p:sldId id="266" r:id="rId10"/>
+    <p:sldId id="267" r:id="rId11"/>
+    <p:sldId id="268" r:id="rId12"/>
+    <p:sldId id="269" r:id="rId13"/>
   </p:sldIdLst>
   <p:sldSz cx="12192000" cy="6858000"/>
   <p:notesSz cx="6858000" cy="9144000"/>
@@ -134,6 +137,3115 @@
 </p:presentation>
 </file>
 
+<file path=ppt/diagrams/colors1.xml><?xml version="1.0" encoding="utf-8"?>
+<dgm:colorsDef xmlns:dgm="http://schemas.openxmlformats.org/drawingml/2006/diagram" xmlns:a="http://schemas.openxmlformats.org/drawingml/2006/main" uniqueId="urn:microsoft.com/office/officeart/2005/8/colors/accent1_2">
+  <dgm:title val=""/>
+  <dgm:desc val=""/>
+  <dgm:catLst>
+    <dgm:cat type="accent1" pri="11200"/>
+  </dgm:catLst>
+  <dgm:styleLbl name="node0">
+    <dgm:fillClrLst meth="repeat">
+      <a:schemeClr val="accent1"/>
+    </dgm:fillClrLst>
+    <dgm:linClrLst meth="repeat">
+      <a:schemeClr val="lt1"/>
+    </dgm:linClrLst>
+    <dgm:effectClrLst/>
+    <dgm:txLinClrLst/>
+    <dgm:txFillClrLst/>
+    <dgm:txEffectClrLst/>
+  </dgm:styleLbl>
+  <dgm:styleLbl name="alignNode1">
+    <dgm:fillClrLst meth="repeat">
+      <a:schemeClr val="accent1"/>
+    </dgm:fillClrLst>
+    <dgm:linClrLst meth="repeat">
+      <a:schemeClr val="accent1"/>
+    </dgm:linClrLst>
+    <dgm:effectClrLst/>
+    <dgm:txLinClrLst/>
+    <dgm:txFillClrLst/>
+    <dgm:txEffectClrLst/>
+  </dgm:styleLbl>
+  <dgm:styleLbl name="node1">
+    <dgm:fillClrLst meth="repeat">
+      <a:schemeClr val="accent1"/>
+    </dgm:fillClrLst>
+    <dgm:linClrLst meth="repeat">
+      <a:schemeClr val="lt1"/>
+    </dgm:linClrLst>
+    <dgm:effectClrLst/>
+    <dgm:txLinClrLst/>
+    <dgm:txFillClrLst/>
+    <dgm:txEffectClrLst/>
+  </dgm:styleLbl>
+  <dgm:styleLbl name="lnNode1">
+    <dgm:fillClrLst meth="repeat">
+      <a:schemeClr val="accent1"/>
+    </dgm:fillClrLst>
+    <dgm:linClrLst meth="repeat">
+      <a:schemeClr val="lt1"/>
+    </dgm:linClrLst>
+    <dgm:effectClrLst/>
+    <dgm:txLinClrLst/>
+    <dgm:txFillClrLst/>
+    <dgm:txEffectClrLst/>
+  </dgm:styleLbl>
+  <dgm:styleLbl name="vennNode1">
+    <dgm:fillClrLst meth="repeat">
+      <a:schemeClr val="accent1">
+        <a:alpha val="50000"/>
+      </a:schemeClr>
+    </dgm:fillClrLst>
+    <dgm:linClrLst meth="repeat">
+      <a:schemeClr val="lt1"/>
+    </dgm:linClrLst>
+    <dgm:effectClrLst/>
+    <dgm:txLinClrLst/>
+    <dgm:txFillClrLst/>
+    <dgm:txEffectClrLst/>
+  </dgm:styleLbl>
+  <dgm:styleLbl name="node2">
+    <dgm:fillClrLst meth="repeat">
+      <a:schemeClr val="accent1"/>
+    </dgm:fillClrLst>
+    <dgm:linClrLst meth="repeat">
+      <a:schemeClr val="lt1"/>
+    </dgm:linClrLst>
+    <dgm:effectClrLst/>
+    <dgm:txLinClrLst/>
+    <dgm:txFillClrLst/>
+    <dgm:txEffectClrLst/>
+  </dgm:styleLbl>
+  <dgm:styleLbl name="node3">
+    <dgm:fillClrLst meth="repeat">
+      <a:schemeClr val="accent1"/>
+    </dgm:fillClrLst>
+    <dgm:linClrLst meth="repeat">
+      <a:schemeClr val="lt1"/>
+    </dgm:linClrLst>
+    <dgm:effectClrLst/>
+    <dgm:txLinClrLst/>
+    <dgm:txFillClrLst/>
+    <dgm:txEffectClrLst/>
+  </dgm:styleLbl>
+  <dgm:styleLbl name="node4">
+    <dgm:fillClrLst meth="repeat">
+      <a:schemeClr val="accent1"/>
+    </dgm:fillClrLst>
+    <dgm:linClrLst meth="repeat">
+      <a:schemeClr val="lt1"/>
+    </dgm:linClrLst>
+    <dgm:effectClrLst/>
+    <dgm:txLinClrLst/>
+    <dgm:txFillClrLst/>
+    <dgm:txEffectClrLst/>
+  </dgm:styleLbl>
+  <dgm:styleLbl name="fgImgPlace1">
+    <dgm:fillClrLst meth="repeat">
+      <a:schemeClr val="accent1">
+        <a:tint val="50000"/>
+      </a:schemeClr>
+    </dgm:fillClrLst>
+    <dgm:linClrLst meth="repeat">
+      <a:schemeClr val="lt1"/>
+    </dgm:linClrLst>
+    <dgm:effectClrLst/>
+    <dgm:txLinClrLst/>
+    <dgm:txFillClrLst meth="repeat">
+      <a:schemeClr val="lt1"/>
+    </dgm:txFillClrLst>
+    <dgm:txEffectClrLst/>
+  </dgm:styleLbl>
+  <dgm:styleLbl name="alignImgPlace1">
+    <dgm:fillClrLst meth="repeat">
+      <a:schemeClr val="accent1">
+        <a:tint val="50000"/>
+      </a:schemeClr>
+    </dgm:fillClrLst>
+    <dgm:linClrLst meth="repeat">
+      <a:schemeClr val="lt1"/>
+    </dgm:linClrLst>
+    <dgm:effectClrLst/>
+    <dgm:txLinClrLst/>
+    <dgm:txFillClrLst meth="repeat">
+      <a:schemeClr val="lt1"/>
+    </dgm:txFillClrLst>
+    <dgm:txEffectClrLst/>
+  </dgm:styleLbl>
+  <dgm:styleLbl name="bgImgPlace1">
+    <dgm:fillClrLst meth="repeat">
+      <a:schemeClr val="accent1">
+        <a:tint val="50000"/>
+      </a:schemeClr>
+    </dgm:fillClrLst>
+    <dgm:linClrLst meth="repeat">
+      <a:schemeClr val="lt1"/>
+    </dgm:linClrLst>
+    <dgm:effectClrLst/>
+    <dgm:txLinClrLst/>
+    <dgm:txFillClrLst meth="repeat">
+      <a:schemeClr val="lt1"/>
+    </dgm:txFillClrLst>
+    <dgm:txEffectClrLst/>
+  </dgm:styleLbl>
+  <dgm:styleLbl name="sibTrans2D1">
+    <dgm:fillClrLst meth="repeat">
+      <a:schemeClr val="accent1">
+        <a:tint val="60000"/>
+      </a:schemeClr>
+    </dgm:fillClrLst>
+    <dgm:linClrLst meth="repeat">
+      <a:schemeClr val="accent1">
+        <a:tint val="60000"/>
+      </a:schemeClr>
+    </dgm:linClrLst>
+    <dgm:effectClrLst/>
+    <dgm:txLinClrLst/>
+    <dgm:txFillClrLst/>
+    <dgm:txEffectClrLst/>
+  </dgm:styleLbl>
+  <dgm:styleLbl name="fgSibTrans2D1">
+    <dgm:fillClrLst meth="repeat">
+      <a:schemeClr val="accent1">
+        <a:tint val="60000"/>
+      </a:schemeClr>
+    </dgm:fillClrLst>
+    <dgm:linClrLst meth="repeat">
+      <a:schemeClr val="accent1">
+        <a:tint val="60000"/>
+      </a:schemeClr>
+    </dgm:linClrLst>
+    <dgm:effectClrLst/>
+    <dgm:txLinClrLst/>
+    <dgm:txFillClrLst/>
+    <dgm:txEffectClrLst/>
+  </dgm:styleLbl>
+  <dgm:styleLbl name="bgSibTrans2D1">
+    <dgm:fillClrLst meth="repeat">
+      <a:schemeClr val="accent1">
+        <a:tint val="60000"/>
+      </a:schemeClr>
+    </dgm:fillClrLst>
+    <dgm:linClrLst meth="repeat">
+      <a:schemeClr val="accent1">
+        <a:tint val="60000"/>
+      </a:schemeClr>
+    </dgm:linClrLst>
+    <dgm:effectClrLst/>
+    <dgm:txLinClrLst/>
+    <dgm:txFillClrLst/>
+    <dgm:txEffectClrLst/>
+  </dgm:styleLbl>
+  <dgm:styleLbl name="sibTrans1D1">
+    <dgm:fillClrLst meth="repeat">
+      <a:schemeClr val="accent1"/>
+    </dgm:fillClrLst>
+    <dgm:linClrLst meth="repeat">
+      <a:schemeClr val="accent1"/>
+    </dgm:linClrLst>
+    <dgm:effectClrLst/>
+    <dgm:txLinClrLst/>
+    <dgm:txFillClrLst meth="repeat">
+      <a:schemeClr val="tx1"/>
+    </dgm:txFillClrLst>
+    <dgm:txEffectClrLst/>
+  </dgm:styleLbl>
+  <dgm:styleLbl name="callout">
+    <dgm:fillClrLst meth="repeat">
+      <a:schemeClr val="accent1"/>
+    </dgm:fillClrLst>
+    <dgm:linClrLst meth="repeat">
+      <a:schemeClr val="accent1">
+        <a:tint val="50000"/>
+      </a:schemeClr>
+    </dgm:linClrLst>
+    <dgm:effectClrLst/>
+    <dgm:txLinClrLst/>
+    <dgm:txFillClrLst meth="repeat">
+      <a:schemeClr val="tx1"/>
+    </dgm:txFillClrLst>
+    <dgm:txEffectClrLst/>
+  </dgm:styleLbl>
+  <dgm:styleLbl name="asst0">
+    <dgm:fillClrLst meth="repeat">
+      <a:schemeClr val="accent1"/>
+    </dgm:fillClrLst>
+    <dgm:linClrLst meth="repeat">
+      <a:schemeClr val="lt1"/>
+    </dgm:linClrLst>
+    <dgm:effectClrLst/>
+    <dgm:txLinClrLst/>
+    <dgm:txFillClrLst/>
+    <dgm:txEffectClrLst/>
+  </dgm:styleLbl>
+  <dgm:styleLbl name="asst1">
+    <dgm:fillClrLst meth="repeat">
+      <a:schemeClr val="accent1"/>
+    </dgm:fillClrLst>
+    <dgm:linClrLst meth="repeat">
+      <a:schemeClr val="lt1"/>
+    </dgm:linClrLst>
+    <dgm:effectClrLst/>
+    <dgm:txLinClrLst/>
+    <dgm:txFillClrLst/>
+    <dgm:txEffectClrLst/>
+  </dgm:styleLbl>
+  <dgm:styleLbl name="asst2">
+    <dgm:fillClrLst meth="repeat">
+      <a:schemeClr val="accent1"/>
+    </dgm:fillClrLst>
+    <dgm:linClrLst meth="repeat">
+      <a:schemeClr val="lt1"/>
+    </dgm:linClrLst>
+    <dgm:effectClrLst/>
+    <dgm:txLinClrLst/>
+    <dgm:txFillClrLst/>
+    <dgm:txEffectClrLst/>
+  </dgm:styleLbl>
+  <dgm:styleLbl name="asst3">
+    <dgm:fillClrLst meth="repeat">
+      <a:schemeClr val="accent1"/>
+    </dgm:fillClrLst>
+    <dgm:linClrLst meth="repeat">
+      <a:schemeClr val="lt1"/>
+    </dgm:linClrLst>
+    <dgm:effectClrLst/>
+    <dgm:txLinClrLst/>
+    <dgm:txFillClrLst/>
+    <dgm:txEffectClrLst/>
+  </dgm:styleLbl>
+  <dgm:styleLbl name="asst4">
+    <dgm:fillClrLst meth="repeat">
+      <a:schemeClr val="accent1"/>
+    </dgm:fillClrLst>
+    <dgm:linClrLst meth="repeat">
+      <a:schemeClr val="lt1"/>
+    </dgm:linClrLst>
+    <dgm:effectClrLst/>
+    <dgm:txLinClrLst/>
+    <dgm:txFillClrLst/>
+    <dgm:txEffectClrLst/>
+  </dgm:styleLbl>
+  <dgm:styleLbl name="parChTrans2D1">
+    <dgm:fillClrLst meth="repeat">
+      <a:schemeClr val="accent1">
+        <a:tint val="60000"/>
+      </a:schemeClr>
+    </dgm:fillClrLst>
+    <dgm:linClrLst meth="repeat">
+      <a:schemeClr val="accent1">
+        <a:tint val="60000"/>
+      </a:schemeClr>
+    </dgm:linClrLst>
+    <dgm:effectClrLst/>
+    <dgm:txLinClrLst/>
+    <dgm:txFillClrLst meth="repeat">
+      <a:schemeClr val="lt1"/>
+    </dgm:txFillClrLst>
+    <dgm:txEffectClrLst/>
+  </dgm:styleLbl>
+  <dgm:styleLbl name="parChTrans2D2">
+    <dgm:fillClrLst meth="repeat">
+      <a:schemeClr val="accent1"/>
+    </dgm:fillClrLst>
+    <dgm:linClrLst meth="repeat">
+      <a:schemeClr val="accent1"/>
+    </dgm:linClrLst>
+    <dgm:effectClrLst/>
+    <dgm:txLinClrLst/>
+    <dgm:txFillClrLst meth="repeat">
+      <a:schemeClr val="lt1"/>
+    </dgm:txFillClrLst>
+    <dgm:txEffectClrLst/>
+  </dgm:styleLbl>
+  <dgm:styleLbl name="parChTrans2D3">
+    <dgm:fillClrLst meth="repeat">
+      <a:schemeClr val="accent1"/>
+    </dgm:fillClrLst>
+    <dgm:linClrLst meth="repeat">
+      <a:schemeClr val="accent1"/>
+    </dgm:linClrLst>
+    <dgm:effectClrLst/>
+    <dgm:txLinClrLst/>
+    <dgm:txFillClrLst meth="repeat">
+      <a:schemeClr val="lt1"/>
+    </dgm:txFillClrLst>
+    <dgm:txEffectClrLst/>
+  </dgm:styleLbl>
+  <dgm:styleLbl name="parChTrans2D4">
+    <dgm:fillClrLst meth="repeat">
+      <a:schemeClr val="accent1"/>
+    </dgm:fillClrLst>
+    <dgm:linClrLst meth="repeat">
+      <a:schemeClr val="accent1"/>
+    </dgm:linClrLst>
+    <dgm:effectClrLst/>
+    <dgm:txLinClrLst/>
+    <dgm:txFillClrLst meth="repeat">
+      <a:schemeClr val="lt1"/>
+    </dgm:txFillClrLst>
+    <dgm:txEffectClrLst/>
+  </dgm:styleLbl>
+  <dgm:styleLbl name="parChTrans1D1">
+    <dgm:fillClrLst meth="repeat">
+      <a:schemeClr val="accent1"/>
+    </dgm:fillClrLst>
+    <dgm:linClrLst meth="repeat">
+      <a:schemeClr val="accent1">
+        <a:shade val="60000"/>
+      </a:schemeClr>
+    </dgm:linClrLst>
+    <dgm:effectClrLst/>
+    <dgm:txLinClrLst/>
+    <dgm:txFillClrLst meth="repeat">
+      <a:schemeClr val="tx1"/>
+    </dgm:txFillClrLst>
+    <dgm:txEffectClrLst/>
+  </dgm:styleLbl>
+  <dgm:styleLbl name="parChTrans1D2">
+    <dgm:fillClrLst meth="repeat">
+      <a:schemeClr val="accent1"/>
+    </dgm:fillClrLst>
+    <dgm:linClrLst meth="repeat">
+      <a:schemeClr val="accent1">
+        <a:shade val="60000"/>
+      </a:schemeClr>
+    </dgm:linClrLst>
+    <dgm:effectClrLst/>
+    <dgm:txLinClrLst/>
+    <dgm:txFillClrLst meth="repeat">
+      <a:schemeClr val="tx1"/>
+    </dgm:txFillClrLst>
+    <dgm:txEffectClrLst/>
+  </dgm:styleLbl>
+  <dgm:styleLbl name="parChTrans1D3">
+    <dgm:fillClrLst meth="repeat">
+      <a:schemeClr val="accent1"/>
+    </dgm:fillClrLst>
+    <dgm:linClrLst meth="repeat">
+      <a:schemeClr val="accent1">
+        <a:shade val="80000"/>
+      </a:schemeClr>
+    </dgm:linClrLst>
+    <dgm:effectClrLst/>
+    <dgm:txLinClrLst/>
+    <dgm:txFillClrLst meth="repeat">
+      <a:schemeClr val="tx1"/>
+    </dgm:txFillClrLst>
+    <dgm:txEffectClrLst/>
+  </dgm:styleLbl>
+  <dgm:styleLbl name="parChTrans1D4">
+    <dgm:fillClrLst meth="repeat">
+      <a:schemeClr val="accent1"/>
+    </dgm:fillClrLst>
+    <dgm:linClrLst meth="repeat">
+      <a:schemeClr val="accent1">
+        <a:shade val="80000"/>
+      </a:schemeClr>
+    </dgm:linClrLst>
+    <dgm:effectClrLst/>
+    <dgm:txLinClrLst/>
+    <dgm:txFillClrLst meth="repeat">
+      <a:schemeClr val="tx1"/>
+    </dgm:txFillClrLst>
+    <dgm:txEffectClrLst/>
+  </dgm:styleLbl>
+  <dgm:styleLbl name="fgAcc1">
+    <dgm:fillClrLst meth="repeat">
+      <a:schemeClr val="lt1">
+        <a:alpha val="90000"/>
+      </a:schemeClr>
+    </dgm:fillClrLst>
+    <dgm:linClrLst meth="repeat">
+      <a:schemeClr val="accent1"/>
+    </dgm:linClrLst>
+    <dgm:effectClrLst/>
+    <dgm:txLinClrLst/>
+    <dgm:txFillClrLst meth="repeat">
+      <a:schemeClr val="dk1"/>
+    </dgm:txFillClrLst>
+    <dgm:txEffectClrLst/>
+  </dgm:styleLbl>
+  <dgm:styleLbl name="conFgAcc1">
+    <dgm:fillClrLst meth="repeat">
+      <a:schemeClr val="lt1">
+        <a:alpha val="90000"/>
+      </a:schemeClr>
+    </dgm:fillClrLst>
+    <dgm:linClrLst meth="repeat">
+      <a:schemeClr val="accent1"/>
+    </dgm:linClrLst>
+    <dgm:effectClrLst/>
+    <dgm:txLinClrLst/>
+    <dgm:txFillClrLst meth="repeat">
+      <a:schemeClr val="dk1"/>
+    </dgm:txFillClrLst>
+    <dgm:txEffectClrLst/>
+  </dgm:styleLbl>
+  <dgm:styleLbl name="alignAcc1">
+    <dgm:fillClrLst meth="repeat">
+      <a:schemeClr val="lt1">
+        <a:alpha val="90000"/>
+      </a:schemeClr>
+    </dgm:fillClrLst>
+    <dgm:linClrLst meth="repeat">
+      <a:schemeClr val="accent1"/>
+    </dgm:linClrLst>
+    <dgm:effectClrLst/>
+    <dgm:txLinClrLst/>
+    <dgm:txFillClrLst meth="repeat">
+      <a:schemeClr val="dk1"/>
+    </dgm:txFillClrLst>
+    <dgm:txEffectClrLst/>
+  </dgm:styleLbl>
+  <dgm:styleLbl name="trAlignAcc1">
+    <dgm:fillClrLst meth="repeat">
+      <a:schemeClr val="lt1">
+        <a:alpha val="40000"/>
+      </a:schemeClr>
+    </dgm:fillClrLst>
+    <dgm:linClrLst meth="repeat">
+      <a:schemeClr val="accent1"/>
+    </dgm:linClrLst>
+    <dgm:effectClrLst/>
+    <dgm:txLinClrLst/>
+    <dgm:txFillClrLst meth="repeat">
+      <a:schemeClr val="dk1"/>
+    </dgm:txFillClrLst>
+    <dgm:txEffectClrLst/>
+  </dgm:styleLbl>
+  <dgm:styleLbl name="bgAcc1">
+    <dgm:fillClrLst meth="repeat">
+      <a:schemeClr val="lt1">
+        <a:alpha val="90000"/>
+      </a:schemeClr>
+    </dgm:fillClrLst>
+    <dgm:linClrLst meth="repeat">
+      <a:schemeClr val="accent1"/>
+    </dgm:linClrLst>
+    <dgm:effectClrLst/>
+    <dgm:txLinClrLst/>
+    <dgm:txFillClrLst meth="repeat">
+      <a:schemeClr val="dk1"/>
+    </dgm:txFillClrLst>
+    <dgm:txEffectClrLst/>
+  </dgm:styleLbl>
+  <dgm:styleLbl name="solidFgAcc1">
+    <dgm:fillClrLst meth="repeat">
+      <a:schemeClr val="lt1"/>
+    </dgm:fillClrLst>
+    <dgm:linClrLst meth="repeat">
+      <a:schemeClr val="accent1"/>
+    </dgm:linClrLst>
+    <dgm:effectClrLst/>
+    <dgm:txLinClrLst/>
+    <dgm:txFillClrLst meth="repeat">
+      <a:schemeClr val="dk1"/>
+    </dgm:txFillClrLst>
+    <dgm:txEffectClrLst/>
+  </dgm:styleLbl>
+  <dgm:styleLbl name="solidAlignAcc1">
+    <dgm:fillClrLst meth="repeat">
+      <a:schemeClr val="lt1"/>
+    </dgm:fillClrLst>
+    <dgm:linClrLst meth="repeat">
+      <a:schemeClr val="accent1"/>
+    </dgm:linClrLst>
+    <dgm:effectClrLst/>
+    <dgm:txLinClrLst/>
+    <dgm:txFillClrLst meth="repeat">
+      <a:schemeClr val="dk1"/>
+    </dgm:txFillClrLst>
+    <dgm:txEffectClrLst/>
+  </dgm:styleLbl>
+  <dgm:styleLbl name="solidBgAcc1">
+    <dgm:fillClrLst meth="repeat">
+      <a:schemeClr val="lt1"/>
+    </dgm:fillClrLst>
+    <dgm:linClrLst meth="repeat">
+      <a:schemeClr val="accent1"/>
+    </dgm:linClrLst>
+    <dgm:effectClrLst/>
+    <dgm:txLinClrLst/>
+    <dgm:txFillClrLst meth="repeat">
+      <a:schemeClr val="dk1"/>
+    </dgm:txFillClrLst>
+    <dgm:txEffectClrLst/>
+  </dgm:styleLbl>
+  <dgm:styleLbl name="fgAccFollowNode1">
+    <dgm:fillClrLst meth="repeat">
+      <a:schemeClr val="accent1">
+        <a:alpha val="90000"/>
+        <a:tint val="40000"/>
+      </a:schemeClr>
+    </dgm:fillClrLst>
+    <dgm:linClrLst meth="repeat">
+      <a:schemeClr val="accent1">
+        <a:alpha val="90000"/>
+        <a:tint val="40000"/>
+      </a:schemeClr>
+    </dgm:linClrLst>
+    <dgm:effectClrLst/>
+    <dgm:txLinClrLst/>
+    <dgm:txFillClrLst meth="repeat">
+      <a:schemeClr val="dk1"/>
+    </dgm:txFillClrLst>
+    <dgm:txEffectClrLst/>
+  </dgm:styleLbl>
+  <dgm:styleLbl name="alignAccFollowNode1">
+    <dgm:fillClrLst meth="repeat">
+      <a:schemeClr val="accent1">
+        <a:alpha val="90000"/>
+        <a:tint val="40000"/>
+      </a:schemeClr>
+    </dgm:fillClrLst>
+    <dgm:linClrLst meth="repeat">
+      <a:schemeClr val="accent1">
+        <a:alpha val="90000"/>
+        <a:tint val="40000"/>
+      </a:schemeClr>
+    </dgm:linClrLst>
+    <dgm:effectClrLst/>
+    <dgm:txLinClrLst/>
+    <dgm:txFillClrLst meth="repeat">
+      <a:schemeClr val="dk1"/>
+    </dgm:txFillClrLst>
+    <dgm:txEffectClrLst/>
+  </dgm:styleLbl>
+  <dgm:styleLbl name="bgAccFollowNode1">
+    <dgm:fillClrLst meth="repeat">
+      <a:schemeClr val="accent1">
+        <a:alpha val="90000"/>
+        <a:tint val="40000"/>
+      </a:schemeClr>
+    </dgm:fillClrLst>
+    <dgm:linClrLst meth="repeat">
+      <a:schemeClr val="accent1">
+        <a:alpha val="90000"/>
+        <a:tint val="40000"/>
+      </a:schemeClr>
+    </dgm:linClrLst>
+    <dgm:effectClrLst/>
+    <dgm:txLinClrLst/>
+    <dgm:txFillClrLst meth="repeat">
+      <a:schemeClr val="dk1"/>
+    </dgm:txFillClrLst>
+    <dgm:txEffectClrLst/>
+  </dgm:styleLbl>
+  <dgm:styleLbl name="fgAcc0">
+    <dgm:fillClrLst meth="repeat">
+      <a:schemeClr val="lt1">
+        <a:alpha val="90000"/>
+      </a:schemeClr>
+    </dgm:fillClrLst>
+    <dgm:linClrLst meth="repeat">
+      <a:schemeClr val="accent1"/>
+    </dgm:linClrLst>
+    <dgm:effectClrLst/>
+    <dgm:txLinClrLst/>
+    <dgm:txFillClrLst meth="repeat">
+      <a:schemeClr val="dk1"/>
+    </dgm:txFillClrLst>
+    <dgm:txEffectClrLst/>
+  </dgm:styleLbl>
+  <dgm:styleLbl name="fgAcc2">
+    <dgm:fillClrLst meth="repeat">
+      <a:schemeClr val="lt1">
+        <a:alpha val="90000"/>
+      </a:schemeClr>
+    </dgm:fillClrLst>
+    <dgm:linClrLst meth="repeat">
+      <a:schemeClr val="accent1"/>
+    </dgm:linClrLst>
+    <dgm:effectClrLst/>
+    <dgm:txLinClrLst/>
+    <dgm:txFillClrLst meth="repeat">
+      <a:schemeClr val="dk1"/>
+    </dgm:txFillClrLst>
+    <dgm:txEffectClrLst/>
+  </dgm:styleLbl>
+  <dgm:styleLbl name="fgAcc3">
+    <dgm:fillClrLst meth="repeat">
+      <a:schemeClr val="lt1">
+        <a:alpha val="90000"/>
+      </a:schemeClr>
+    </dgm:fillClrLst>
+    <dgm:linClrLst meth="repeat">
+      <a:schemeClr val="accent1"/>
+    </dgm:linClrLst>
+    <dgm:effectClrLst/>
+    <dgm:txLinClrLst/>
+    <dgm:txFillClrLst meth="repeat">
+      <a:schemeClr val="dk1"/>
+    </dgm:txFillClrLst>
+    <dgm:txEffectClrLst/>
+  </dgm:styleLbl>
+  <dgm:styleLbl name="fgAcc4">
+    <dgm:fillClrLst meth="repeat">
+      <a:schemeClr val="lt1">
+        <a:alpha val="90000"/>
+      </a:schemeClr>
+    </dgm:fillClrLst>
+    <dgm:linClrLst meth="repeat">
+      <a:schemeClr val="accent1"/>
+    </dgm:linClrLst>
+    <dgm:effectClrLst/>
+    <dgm:txLinClrLst/>
+    <dgm:txFillClrLst meth="repeat">
+      <a:schemeClr val="dk1"/>
+    </dgm:txFillClrLst>
+    <dgm:txEffectClrLst/>
+  </dgm:styleLbl>
+  <dgm:styleLbl name="bgShp">
+    <dgm:fillClrLst meth="repeat">
+      <a:schemeClr val="accent1">
+        <a:tint val="40000"/>
+      </a:schemeClr>
+    </dgm:fillClrLst>
+    <dgm:linClrLst meth="repeat">
+      <a:schemeClr val="accent1"/>
+    </dgm:linClrLst>
+    <dgm:effectClrLst/>
+    <dgm:txLinClrLst/>
+    <dgm:txFillClrLst meth="repeat">
+      <a:schemeClr val="dk1"/>
+    </dgm:txFillClrLst>
+    <dgm:txEffectClrLst/>
+  </dgm:styleLbl>
+  <dgm:styleLbl name="dkBgShp">
+    <dgm:fillClrLst meth="repeat">
+      <a:schemeClr val="accent1">
+        <a:shade val="80000"/>
+      </a:schemeClr>
+    </dgm:fillClrLst>
+    <dgm:linClrLst meth="repeat">
+      <a:schemeClr val="accent1"/>
+    </dgm:linClrLst>
+    <dgm:effectClrLst/>
+    <dgm:txLinClrLst/>
+    <dgm:txFillClrLst meth="repeat">
+      <a:schemeClr val="lt1"/>
+    </dgm:txFillClrLst>
+    <dgm:txEffectClrLst/>
+  </dgm:styleLbl>
+  <dgm:styleLbl name="trBgShp">
+    <dgm:fillClrLst meth="repeat">
+      <a:schemeClr val="accent1">
+        <a:tint val="50000"/>
+        <a:alpha val="40000"/>
+      </a:schemeClr>
+    </dgm:fillClrLst>
+    <dgm:linClrLst meth="repeat">
+      <a:schemeClr val="accent1"/>
+    </dgm:linClrLst>
+    <dgm:effectClrLst/>
+    <dgm:txLinClrLst/>
+    <dgm:txFillClrLst meth="repeat">
+      <a:schemeClr val="lt1"/>
+    </dgm:txFillClrLst>
+    <dgm:txEffectClrLst/>
+  </dgm:styleLbl>
+  <dgm:styleLbl name="fgShp">
+    <dgm:fillClrLst meth="repeat">
+      <a:schemeClr val="accent1">
+        <a:tint val="60000"/>
+      </a:schemeClr>
+    </dgm:fillClrLst>
+    <dgm:linClrLst meth="repeat">
+      <a:schemeClr val="lt1"/>
+    </dgm:linClrLst>
+    <dgm:effectClrLst/>
+    <dgm:txLinClrLst/>
+    <dgm:txFillClrLst meth="repeat">
+      <a:schemeClr val="dk1"/>
+    </dgm:txFillClrLst>
+    <dgm:txEffectClrLst/>
+  </dgm:styleLbl>
+  <dgm:styleLbl name="revTx">
+    <dgm:fillClrLst meth="repeat">
+      <a:schemeClr val="lt1">
+        <a:alpha val="0"/>
+      </a:schemeClr>
+    </dgm:fillClrLst>
+    <dgm:linClrLst meth="repeat">
+      <a:schemeClr val="dk1">
+        <a:alpha val="0"/>
+      </a:schemeClr>
+    </dgm:linClrLst>
+    <dgm:effectClrLst/>
+    <dgm:txLinClrLst/>
+    <dgm:txFillClrLst meth="repeat">
+      <a:schemeClr val="tx1"/>
+    </dgm:txFillClrLst>
+    <dgm:txEffectClrLst/>
+  </dgm:styleLbl>
+</dgm:colorsDef>
+</file>
+
+<file path=ppt/diagrams/data1.xml><?xml version="1.0" encoding="utf-8"?>
+<dgm:dataModel xmlns:dgm="http://schemas.openxmlformats.org/drawingml/2006/diagram" xmlns:a="http://schemas.openxmlformats.org/drawingml/2006/main">
+  <dgm:ptLst>
+    <dgm:pt modelId="{7815C104-CE43-4919-8BA2-CB502E811F4F}" type="doc">
+      <dgm:prSet loTypeId="urn:microsoft.com/office/officeart/2005/8/layout/hierarchy6" loCatId="hierarchy" qsTypeId="urn:microsoft.com/office/officeart/2005/8/quickstyle/simple1" qsCatId="simple" csTypeId="urn:microsoft.com/office/officeart/2005/8/colors/accent1_2" csCatId="accent1" phldr="1"/>
+      <dgm:spPr/>
+      <dgm:t>
+        <a:bodyPr/>
+        <a:lstStyle/>
+        <a:p>
+          <a:endParaRPr lang="bg-BG"/>
+        </a:p>
+      </dgm:t>
+    </dgm:pt>
+    <dgm:pt modelId="{F9EC044C-F551-43FE-A6D0-D285910A7989}">
+      <dgm:prSet phldrT="[Text]"/>
+      <dgm:spPr>
+        <a:solidFill>
+          <a:schemeClr val="accent2"/>
+        </a:solidFill>
+      </dgm:spPr>
+      <dgm:t>
+        <a:bodyPr/>
+        <a:lstStyle/>
+        <a:p>
+          <a:r>
+            <a:rPr lang="en-US" dirty="0"/>
+            <a:t>Main repository</a:t>
+          </a:r>
+          <a:endParaRPr lang="bg-BG" dirty="0"/>
+        </a:p>
+      </dgm:t>
+    </dgm:pt>
+    <dgm:pt modelId="{14132376-322A-4293-8A12-2FD068C30131}" type="parTrans" cxnId="{7DDCCEB1-7BFB-4321-B837-5D53AEFCC41F}">
+      <dgm:prSet/>
+      <dgm:spPr/>
+      <dgm:t>
+        <a:bodyPr/>
+        <a:lstStyle/>
+        <a:p>
+          <a:endParaRPr lang="bg-BG"/>
+        </a:p>
+      </dgm:t>
+    </dgm:pt>
+    <dgm:pt modelId="{F977148C-4874-433D-80DA-B9C0E1B20BA6}" type="sibTrans" cxnId="{7DDCCEB1-7BFB-4321-B837-5D53AEFCC41F}">
+      <dgm:prSet/>
+      <dgm:spPr/>
+      <dgm:t>
+        <a:bodyPr/>
+        <a:lstStyle/>
+        <a:p>
+          <a:endParaRPr lang="bg-BG"/>
+        </a:p>
+      </dgm:t>
+    </dgm:pt>
+    <dgm:pt modelId="{CE868991-77D9-405C-B0D0-C064682CC355}">
+      <dgm:prSet phldrT="[Text]"/>
+      <dgm:spPr>
+        <a:solidFill>
+          <a:srgbClr val="FF0000"/>
+        </a:solidFill>
+      </dgm:spPr>
+      <dgm:t>
+        <a:bodyPr/>
+        <a:lstStyle/>
+        <a:p>
+          <a:r>
+            <a:rPr lang="en-US" dirty="0"/>
+            <a:t>Submodule 1</a:t>
+          </a:r>
+          <a:endParaRPr lang="bg-BG" dirty="0"/>
+        </a:p>
+      </dgm:t>
+    </dgm:pt>
+    <dgm:pt modelId="{401941FF-D3C1-410F-8D2B-36404BFDB751}" type="parTrans" cxnId="{B6E58E65-5517-494E-B29B-58AD2EA7480F}">
+      <dgm:prSet/>
+      <dgm:spPr/>
+      <dgm:t>
+        <a:bodyPr/>
+        <a:lstStyle/>
+        <a:p>
+          <a:endParaRPr lang="bg-BG"/>
+        </a:p>
+      </dgm:t>
+    </dgm:pt>
+    <dgm:pt modelId="{CEF30C8D-007A-41A7-A053-49C38EA6F7BF}" type="sibTrans" cxnId="{B6E58E65-5517-494E-B29B-58AD2EA7480F}">
+      <dgm:prSet/>
+      <dgm:spPr/>
+      <dgm:t>
+        <a:bodyPr/>
+        <a:lstStyle/>
+        <a:p>
+          <a:endParaRPr lang="bg-BG"/>
+        </a:p>
+      </dgm:t>
+    </dgm:pt>
+    <dgm:pt modelId="{63C96641-D50D-4C2F-AF75-A400C080658F}">
+      <dgm:prSet phldrT="[Text]"/>
+      <dgm:spPr>
+        <a:solidFill>
+          <a:schemeClr val="accent6"/>
+        </a:solidFill>
+      </dgm:spPr>
+      <dgm:t>
+        <a:bodyPr/>
+        <a:lstStyle/>
+        <a:p>
+          <a:r>
+            <a:rPr lang="en-US" dirty="0"/>
+            <a:t>Sub-Submodule</a:t>
+          </a:r>
+          <a:endParaRPr lang="bg-BG" dirty="0"/>
+        </a:p>
+      </dgm:t>
+    </dgm:pt>
+    <dgm:pt modelId="{B4E40442-031D-4EAF-BDF5-B1EF5E170995}" type="parTrans" cxnId="{9B57C4D0-8888-4803-B28D-B91AB21B7D7B}">
+      <dgm:prSet/>
+      <dgm:spPr/>
+      <dgm:t>
+        <a:bodyPr/>
+        <a:lstStyle/>
+        <a:p>
+          <a:endParaRPr lang="bg-BG"/>
+        </a:p>
+      </dgm:t>
+    </dgm:pt>
+    <dgm:pt modelId="{03BA262C-39B9-433D-A93D-5C898DDD0612}" type="sibTrans" cxnId="{9B57C4D0-8888-4803-B28D-B91AB21B7D7B}">
+      <dgm:prSet/>
+      <dgm:spPr/>
+      <dgm:t>
+        <a:bodyPr/>
+        <a:lstStyle/>
+        <a:p>
+          <a:endParaRPr lang="bg-BG"/>
+        </a:p>
+      </dgm:t>
+    </dgm:pt>
+    <dgm:pt modelId="{1391D3B3-5D9D-4FC6-B869-3C93ADF5740C}">
+      <dgm:prSet phldrT="[Text]"/>
+      <dgm:spPr>
+        <a:solidFill>
+          <a:srgbClr val="FF0000"/>
+        </a:solidFill>
+      </dgm:spPr>
+      <dgm:t>
+        <a:bodyPr/>
+        <a:lstStyle/>
+        <a:p>
+          <a:r>
+            <a:rPr lang="en-US" dirty="0"/>
+            <a:t>Submodule 2</a:t>
+          </a:r>
+          <a:endParaRPr lang="bg-BG" dirty="0"/>
+        </a:p>
+      </dgm:t>
+    </dgm:pt>
+    <dgm:pt modelId="{8442ECBB-E55B-40D3-A2DB-286AD0CAC442}" type="sibTrans" cxnId="{79F69C29-A058-4C01-9CEF-690804572E89}">
+      <dgm:prSet/>
+      <dgm:spPr/>
+      <dgm:t>
+        <a:bodyPr/>
+        <a:lstStyle/>
+        <a:p>
+          <a:endParaRPr lang="bg-BG"/>
+        </a:p>
+      </dgm:t>
+    </dgm:pt>
+    <dgm:pt modelId="{9BC8C20F-0F3F-4E46-97E4-912597A0C190}" type="parTrans" cxnId="{79F69C29-A058-4C01-9CEF-690804572E89}">
+      <dgm:prSet/>
+      <dgm:spPr/>
+      <dgm:t>
+        <a:bodyPr/>
+        <a:lstStyle/>
+        <a:p>
+          <a:endParaRPr lang="bg-BG"/>
+        </a:p>
+      </dgm:t>
+    </dgm:pt>
+    <dgm:pt modelId="{DB7C2712-CB49-45E6-8501-31EA4FD7F60E}" type="pres">
+      <dgm:prSet presAssocID="{7815C104-CE43-4919-8BA2-CB502E811F4F}" presName="mainComposite" presStyleCnt="0">
+        <dgm:presLayoutVars>
+          <dgm:chPref val="1"/>
+          <dgm:dir/>
+          <dgm:animOne val="branch"/>
+          <dgm:animLvl val="lvl"/>
+          <dgm:resizeHandles val="exact"/>
+        </dgm:presLayoutVars>
+      </dgm:prSet>
+      <dgm:spPr/>
+    </dgm:pt>
+    <dgm:pt modelId="{1B1873E2-300E-4C3F-8FC1-D86554207304}" type="pres">
+      <dgm:prSet presAssocID="{7815C104-CE43-4919-8BA2-CB502E811F4F}" presName="hierFlow" presStyleCnt="0"/>
+      <dgm:spPr/>
+    </dgm:pt>
+    <dgm:pt modelId="{0210FCAF-90F9-4324-AD83-D943C925A10C}" type="pres">
+      <dgm:prSet presAssocID="{7815C104-CE43-4919-8BA2-CB502E811F4F}" presName="hierChild1" presStyleCnt="0">
+        <dgm:presLayoutVars>
+          <dgm:chPref val="1"/>
+          <dgm:animOne val="branch"/>
+          <dgm:animLvl val="lvl"/>
+        </dgm:presLayoutVars>
+      </dgm:prSet>
+      <dgm:spPr/>
+    </dgm:pt>
+    <dgm:pt modelId="{92941F0F-E39C-4CD1-97F6-2E8C0113BCB0}" type="pres">
+      <dgm:prSet presAssocID="{F9EC044C-F551-43FE-A6D0-D285910A7989}" presName="Name14" presStyleCnt="0"/>
+      <dgm:spPr/>
+    </dgm:pt>
+    <dgm:pt modelId="{D6D5882B-BCF9-4B6F-B30C-A730A850569E}" type="pres">
+      <dgm:prSet presAssocID="{F9EC044C-F551-43FE-A6D0-D285910A7989}" presName="level1Shape" presStyleLbl="node0" presStyleIdx="0" presStyleCnt="1" custScaleX="187407">
+        <dgm:presLayoutVars>
+          <dgm:chPref val="3"/>
+        </dgm:presLayoutVars>
+      </dgm:prSet>
+      <dgm:spPr/>
+    </dgm:pt>
+    <dgm:pt modelId="{FB1A6526-621F-4D4A-9D11-F076C656F6B1}" type="pres">
+      <dgm:prSet presAssocID="{F9EC044C-F551-43FE-A6D0-D285910A7989}" presName="hierChild2" presStyleCnt="0"/>
+      <dgm:spPr/>
+    </dgm:pt>
+    <dgm:pt modelId="{A73CB5F1-7DCD-49AB-B428-44C1CA3A1151}" type="pres">
+      <dgm:prSet presAssocID="{401941FF-D3C1-410F-8D2B-36404BFDB751}" presName="Name19" presStyleLbl="parChTrans1D2" presStyleIdx="0" presStyleCnt="2"/>
+      <dgm:spPr/>
+    </dgm:pt>
+    <dgm:pt modelId="{D9802415-09FA-4FCC-9C76-191DB225D005}" type="pres">
+      <dgm:prSet presAssocID="{CE868991-77D9-405C-B0D0-C064682CC355}" presName="Name21" presStyleCnt="0"/>
+      <dgm:spPr/>
+    </dgm:pt>
+    <dgm:pt modelId="{1DC5E6C5-8B97-442C-B959-B6C6D9A032AF}" type="pres">
+      <dgm:prSet presAssocID="{CE868991-77D9-405C-B0D0-C064682CC355}" presName="level2Shape" presStyleLbl="node2" presStyleIdx="0" presStyleCnt="2" custScaleX="170946"/>
+      <dgm:spPr/>
+    </dgm:pt>
+    <dgm:pt modelId="{0C366B68-98A6-4C33-BC03-3ACD0A751B83}" type="pres">
+      <dgm:prSet presAssocID="{CE868991-77D9-405C-B0D0-C064682CC355}" presName="hierChild3" presStyleCnt="0"/>
+      <dgm:spPr/>
+    </dgm:pt>
+    <dgm:pt modelId="{872A211C-8F61-4BEB-84D9-9919B7907D6D}" type="pres">
+      <dgm:prSet presAssocID="{B4E40442-031D-4EAF-BDF5-B1EF5E170995}" presName="Name19" presStyleLbl="parChTrans1D3" presStyleIdx="0" presStyleCnt="1"/>
+      <dgm:spPr/>
+    </dgm:pt>
+    <dgm:pt modelId="{A25E7CBE-21A5-4962-A0CA-F982AFA2D913}" type="pres">
+      <dgm:prSet presAssocID="{63C96641-D50D-4C2F-AF75-A400C080658F}" presName="Name21" presStyleCnt="0"/>
+      <dgm:spPr/>
+    </dgm:pt>
+    <dgm:pt modelId="{514531DF-6B95-4A30-AC19-8E767D2A770C}" type="pres">
+      <dgm:prSet presAssocID="{63C96641-D50D-4C2F-AF75-A400C080658F}" presName="level2Shape" presStyleLbl="node3" presStyleIdx="0" presStyleCnt="1" custLinFactNeighborX="-74897" custLinFactNeighborY="-3213"/>
+      <dgm:spPr/>
+    </dgm:pt>
+    <dgm:pt modelId="{4C901517-0D28-4F24-8CB7-446020811487}" type="pres">
+      <dgm:prSet presAssocID="{63C96641-D50D-4C2F-AF75-A400C080658F}" presName="hierChild3" presStyleCnt="0"/>
+      <dgm:spPr/>
+    </dgm:pt>
+    <dgm:pt modelId="{F29FB13E-D40A-4430-9594-C9D1D78FA1F9}" type="pres">
+      <dgm:prSet presAssocID="{9BC8C20F-0F3F-4E46-97E4-912597A0C190}" presName="Name19" presStyleLbl="parChTrans1D2" presStyleIdx="1" presStyleCnt="2"/>
+      <dgm:spPr/>
+    </dgm:pt>
+    <dgm:pt modelId="{82EBFBD4-5C05-4D33-A4BD-7F7C938CFE69}" type="pres">
+      <dgm:prSet presAssocID="{1391D3B3-5D9D-4FC6-B869-3C93ADF5740C}" presName="Name21" presStyleCnt="0"/>
+      <dgm:spPr/>
+    </dgm:pt>
+    <dgm:pt modelId="{0CC7890C-655F-43F1-8FD5-1019139AC18C}" type="pres">
+      <dgm:prSet presAssocID="{1391D3B3-5D9D-4FC6-B869-3C93ADF5740C}" presName="level2Shape" presStyleLbl="node2" presStyleIdx="1" presStyleCnt="2" custScaleX="159461"/>
+      <dgm:spPr/>
+    </dgm:pt>
+    <dgm:pt modelId="{0D0FE326-A0DF-46A5-A378-14FB51ADAE39}" type="pres">
+      <dgm:prSet presAssocID="{1391D3B3-5D9D-4FC6-B869-3C93ADF5740C}" presName="hierChild3" presStyleCnt="0"/>
+      <dgm:spPr/>
+    </dgm:pt>
+    <dgm:pt modelId="{96585BC3-C563-4341-992A-265EE4B6BB76}" type="pres">
+      <dgm:prSet presAssocID="{7815C104-CE43-4919-8BA2-CB502E811F4F}" presName="bgShapesFlow" presStyleCnt="0"/>
+      <dgm:spPr/>
+    </dgm:pt>
+  </dgm:ptLst>
+  <dgm:cxnLst>
+    <dgm:cxn modelId="{A5F29903-1555-4283-98FC-E484390577B1}" type="presOf" srcId="{1391D3B3-5D9D-4FC6-B869-3C93ADF5740C}" destId="{0CC7890C-655F-43F1-8FD5-1019139AC18C}" srcOrd="0" destOrd="0" presId="urn:microsoft.com/office/officeart/2005/8/layout/hierarchy6"/>
+    <dgm:cxn modelId="{85ABA807-2548-4893-BBAB-94C9F281E1CC}" type="presOf" srcId="{F9EC044C-F551-43FE-A6D0-D285910A7989}" destId="{D6D5882B-BCF9-4B6F-B30C-A730A850569E}" srcOrd="0" destOrd="0" presId="urn:microsoft.com/office/officeart/2005/8/layout/hierarchy6"/>
+    <dgm:cxn modelId="{79F69C29-A058-4C01-9CEF-690804572E89}" srcId="{F9EC044C-F551-43FE-A6D0-D285910A7989}" destId="{1391D3B3-5D9D-4FC6-B869-3C93ADF5740C}" srcOrd="1" destOrd="0" parTransId="{9BC8C20F-0F3F-4E46-97E4-912597A0C190}" sibTransId="{8442ECBB-E55B-40D3-A2DB-286AD0CAC442}"/>
+    <dgm:cxn modelId="{463C405F-566D-43EE-BC4F-57E9CA3A642A}" type="presOf" srcId="{B4E40442-031D-4EAF-BDF5-B1EF5E170995}" destId="{872A211C-8F61-4BEB-84D9-9919B7907D6D}" srcOrd="0" destOrd="0" presId="urn:microsoft.com/office/officeart/2005/8/layout/hierarchy6"/>
+    <dgm:cxn modelId="{B6E58E65-5517-494E-B29B-58AD2EA7480F}" srcId="{F9EC044C-F551-43FE-A6D0-D285910A7989}" destId="{CE868991-77D9-405C-B0D0-C064682CC355}" srcOrd="0" destOrd="0" parTransId="{401941FF-D3C1-410F-8D2B-36404BFDB751}" sibTransId="{CEF30C8D-007A-41A7-A053-49C38EA6F7BF}"/>
+    <dgm:cxn modelId="{7771EA71-EEC9-4338-BCF8-7BFA5EFE3F09}" type="presOf" srcId="{9BC8C20F-0F3F-4E46-97E4-912597A0C190}" destId="{F29FB13E-D40A-4430-9594-C9D1D78FA1F9}" srcOrd="0" destOrd="0" presId="urn:microsoft.com/office/officeart/2005/8/layout/hierarchy6"/>
+    <dgm:cxn modelId="{470C9856-DAD0-41EF-A096-BB4F89F2FDBA}" type="presOf" srcId="{7815C104-CE43-4919-8BA2-CB502E811F4F}" destId="{DB7C2712-CB49-45E6-8501-31EA4FD7F60E}" srcOrd="0" destOrd="0" presId="urn:microsoft.com/office/officeart/2005/8/layout/hierarchy6"/>
+    <dgm:cxn modelId="{7DDCCEB1-7BFB-4321-B837-5D53AEFCC41F}" srcId="{7815C104-CE43-4919-8BA2-CB502E811F4F}" destId="{F9EC044C-F551-43FE-A6D0-D285910A7989}" srcOrd="0" destOrd="0" parTransId="{14132376-322A-4293-8A12-2FD068C30131}" sibTransId="{F977148C-4874-433D-80DA-B9C0E1B20BA6}"/>
+    <dgm:cxn modelId="{DE398FB8-9B4A-468F-897B-B0CAFEBDF49A}" type="presOf" srcId="{401941FF-D3C1-410F-8D2B-36404BFDB751}" destId="{A73CB5F1-7DCD-49AB-B428-44C1CA3A1151}" srcOrd="0" destOrd="0" presId="urn:microsoft.com/office/officeart/2005/8/layout/hierarchy6"/>
+    <dgm:cxn modelId="{9B57C4D0-8888-4803-B28D-B91AB21B7D7B}" srcId="{CE868991-77D9-405C-B0D0-C064682CC355}" destId="{63C96641-D50D-4C2F-AF75-A400C080658F}" srcOrd="0" destOrd="0" parTransId="{B4E40442-031D-4EAF-BDF5-B1EF5E170995}" sibTransId="{03BA262C-39B9-433D-A93D-5C898DDD0612}"/>
+    <dgm:cxn modelId="{FE45DDE7-EB3A-4832-BBCB-63C2BAAC5689}" type="presOf" srcId="{CE868991-77D9-405C-B0D0-C064682CC355}" destId="{1DC5E6C5-8B97-442C-B959-B6C6D9A032AF}" srcOrd="0" destOrd="0" presId="urn:microsoft.com/office/officeart/2005/8/layout/hierarchy6"/>
+    <dgm:cxn modelId="{7515C5E8-8E56-4124-934D-AFF3B909DB2D}" type="presOf" srcId="{63C96641-D50D-4C2F-AF75-A400C080658F}" destId="{514531DF-6B95-4A30-AC19-8E767D2A770C}" srcOrd="0" destOrd="0" presId="urn:microsoft.com/office/officeart/2005/8/layout/hierarchy6"/>
+    <dgm:cxn modelId="{CBC3A50E-D9EE-437E-9A70-0D6356BA110B}" type="presParOf" srcId="{DB7C2712-CB49-45E6-8501-31EA4FD7F60E}" destId="{1B1873E2-300E-4C3F-8FC1-D86554207304}" srcOrd="0" destOrd="0" presId="urn:microsoft.com/office/officeart/2005/8/layout/hierarchy6"/>
+    <dgm:cxn modelId="{59BDF059-1EE8-4E94-BF1B-60F2432B0892}" type="presParOf" srcId="{1B1873E2-300E-4C3F-8FC1-D86554207304}" destId="{0210FCAF-90F9-4324-AD83-D943C925A10C}" srcOrd="0" destOrd="0" presId="urn:microsoft.com/office/officeart/2005/8/layout/hierarchy6"/>
+    <dgm:cxn modelId="{88681A99-0D36-4B8C-A034-B809D8D19C9F}" type="presParOf" srcId="{0210FCAF-90F9-4324-AD83-D943C925A10C}" destId="{92941F0F-E39C-4CD1-97F6-2E8C0113BCB0}" srcOrd="0" destOrd="0" presId="urn:microsoft.com/office/officeart/2005/8/layout/hierarchy6"/>
+    <dgm:cxn modelId="{BFF0E1A9-6A94-4346-A76D-F405C46D55A8}" type="presParOf" srcId="{92941F0F-E39C-4CD1-97F6-2E8C0113BCB0}" destId="{D6D5882B-BCF9-4B6F-B30C-A730A850569E}" srcOrd="0" destOrd="0" presId="urn:microsoft.com/office/officeart/2005/8/layout/hierarchy6"/>
+    <dgm:cxn modelId="{4746BB74-989A-46C9-AA12-22040333A163}" type="presParOf" srcId="{92941F0F-E39C-4CD1-97F6-2E8C0113BCB0}" destId="{FB1A6526-621F-4D4A-9D11-F076C656F6B1}" srcOrd="1" destOrd="0" presId="urn:microsoft.com/office/officeart/2005/8/layout/hierarchy6"/>
+    <dgm:cxn modelId="{0946DBA3-0464-4D8B-9CB5-67C3EA08E744}" type="presParOf" srcId="{FB1A6526-621F-4D4A-9D11-F076C656F6B1}" destId="{A73CB5F1-7DCD-49AB-B428-44C1CA3A1151}" srcOrd="0" destOrd="0" presId="urn:microsoft.com/office/officeart/2005/8/layout/hierarchy6"/>
+    <dgm:cxn modelId="{FDEE3023-BA82-463E-877C-D3C2C4F705AE}" type="presParOf" srcId="{FB1A6526-621F-4D4A-9D11-F076C656F6B1}" destId="{D9802415-09FA-4FCC-9C76-191DB225D005}" srcOrd="1" destOrd="0" presId="urn:microsoft.com/office/officeart/2005/8/layout/hierarchy6"/>
+    <dgm:cxn modelId="{FEFBE40D-D05B-42F6-A383-C0EEC146A619}" type="presParOf" srcId="{D9802415-09FA-4FCC-9C76-191DB225D005}" destId="{1DC5E6C5-8B97-442C-B959-B6C6D9A032AF}" srcOrd="0" destOrd="0" presId="urn:microsoft.com/office/officeart/2005/8/layout/hierarchy6"/>
+    <dgm:cxn modelId="{5AD96744-7AC8-451E-BC9F-C34E1AD851B4}" type="presParOf" srcId="{D9802415-09FA-4FCC-9C76-191DB225D005}" destId="{0C366B68-98A6-4C33-BC03-3ACD0A751B83}" srcOrd="1" destOrd="0" presId="urn:microsoft.com/office/officeart/2005/8/layout/hierarchy6"/>
+    <dgm:cxn modelId="{B7FA8A06-8E22-4E68-A19A-B231A3FEA676}" type="presParOf" srcId="{0C366B68-98A6-4C33-BC03-3ACD0A751B83}" destId="{872A211C-8F61-4BEB-84D9-9919B7907D6D}" srcOrd="0" destOrd="0" presId="urn:microsoft.com/office/officeart/2005/8/layout/hierarchy6"/>
+    <dgm:cxn modelId="{FC8EEFE4-ECAF-496A-8A9C-78A923D005F8}" type="presParOf" srcId="{0C366B68-98A6-4C33-BC03-3ACD0A751B83}" destId="{A25E7CBE-21A5-4962-A0CA-F982AFA2D913}" srcOrd="1" destOrd="0" presId="urn:microsoft.com/office/officeart/2005/8/layout/hierarchy6"/>
+    <dgm:cxn modelId="{4B526F2D-1FDF-4231-91FA-080E89225876}" type="presParOf" srcId="{A25E7CBE-21A5-4962-A0CA-F982AFA2D913}" destId="{514531DF-6B95-4A30-AC19-8E767D2A770C}" srcOrd="0" destOrd="0" presId="urn:microsoft.com/office/officeart/2005/8/layout/hierarchy6"/>
+    <dgm:cxn modelId="{5A8D7995-CD74-4F8B-BB0D-C3E25734F258}" type="presParOf" srcId="{A25E7CBE-21A5-4962-A0CA-F982AFA2D913}" destId="{4C901517-0D28-4F24-8CB7-446020811487}" srcOrd="1" destOrd="0" presId="urn:microsoft.com/office/officeart/2005/8/layout/hierarchy6"/>
+    <dgm:cxn modelId="{F863249F-D2EF-46A5-96A5-DB60D15E0DEC}" type="presParOf" srcId="{FB1A6526-621F-4D4A-9D11-F076C656F6B1}" destId="{F29FB13E-D40A-4430-9594-C9D1D78FA1F9}" srcOrd="2" destOrd="0" presId="urn:microsoft.com/office/officeart/2005/8/layout/hierarchy6"/>
+    <dgm:cxn modelId="{63FD694A-3F5D-4B03-AA34-F9E325E17C43}" type="presParOf" srcId="{FB1A6526-621F-4D4A-9D11-F076C656F6B1}" destId="{82EBFBD4-5C05-4D33-A4BD-7F7C938CFE69}" srcOrd="3" destOrd="0" presId="urn:microsoft.com/office/officeart/2005/8/layout/hierarchy6"/>
+    <dgm:cxn modelId="{1279D43A-9712-40E4-BB96-09D4FCBBD961}" type="presParOf" srcId="{82EBFBD4-5C05-4D33-A4BD-7F7C938CFE69}" destId="{0CC7890C-655F-43F1-8FD5-1019139AC18C}" srcOrd="0" destOrd="0" presId="urn:microsoft.com/office/officeart/2005/8/layout/hierarchy6"/>
+    <dgm:cxn modelId="{E2319253-75E4-4773-A350-2E971B9A52A6}" type="presParOf" srcId="{82EBFBD4-5C05-4D33-A4BD-7F7C938CFE69}" destId="{0D0FE326-A0DF-46A5-A378-14FB51ADAE39}" srcOrd="1" destOrd="0" presId="urn:microsoft.com/office/officeart/2005/8/layout/hierarchy6"/>
+    <dgm:cxn modelId="{E02C7FE3-AF53-45BB-89A3-265974354C97}" type="presParOf" srcId="{DB7C2712-CB49-45E6-8501-31EA4FD7F60E}" destId="{96585BC3-C563-4341-992A-265EE4B6BB76}" srcOrd="1" destOrd="0" presId="urn:microsoft.com/office/officeart/2005/8/layout/hierarchy6"/>
+  </dgm:cxnLst>
+  <dgm:bg/>
+  <dgm:whole/>
+  <dgm:extLst>
+    <a:ext uri="http://schemas.microsoft.com/office/drawing/2008/diagram">
+      <dsp:dataModelExt xmlns:dsp="http://schemas.microsoft.com/office/drawing/2008/diagram" relId="rId7" minVer="http://schemas.openxmlformats.org/drawingml/2006/diagram"/>
+    </a:ext>
+  </dgm:extLst>
+</dgm:dataModel>
+</file>
+
+<file path=ppt/diagrams/drawing1.xml><?xml version="1.0" encoding="utf-8"?>
+<dsp:drawing xmlns:dgm="http://schemas.openxmlformats.org/drawingml/2006/diagram" xmlns:dsp="http://schemas.microsoft.com/office/drawing/2008/diagram" xmlns:a="http://schemas.openxmlformats.org/drawingml/2006/main">
+  <dsp:spTree>
+    <dsp:nvGrpSpPr>
+      <dsp:cNvPr id="0" name=""/>
+      <dsp:cNvGrpSpPr/>
+    </dsp:nvGrpSpPr>
+    <dsp:grpSpPr/>
+    <dsp:sp modelId="{D6D5882B-BCF9-4B6F-B30C-A730A850569E}">
+      <dsp:nvSpPr>
+        <dsp:cNvPr id="0" name=""/>
+        <dsp:cNvSpPr/>
+      </dsp:nvSpPr>
+      <dsp:spPr>
+        <a:xfrm>
+          <a:off x="2683792" y="2068"/>
+          <a:ext cx="4005476" cy="1424876"/>
+        </a:xfrm>
+        <a:prstGeom prst="roundRect">
+          <a:avLst>
+            <a:gd name="adj" fmla="val 10000"/>
+          </a:avLst>
+        </a:prstGeom>
+        <a:solidFill>
+          <a:schemeClr val="accent2"/>
+        </a:solidFill>
+        <a:ln w="12700" cap="flat" cmpd="sng" algn="ctr">
+          <a:solidFill>
+            <a:schemeClr val="lt1">
+              <a:hueOff val="0"/>
+              <a:satOff val="0"/>
+              <a:lumOff val="0"/>
+              <a:alphaOff val="0"/>
+            </a:schemeClr>
+          </a:solidFill>
+          <a:prstDash val="solid"/>
+          <a:miter lim="800000"/>
+        </a:ln>
+        <a:effectLst/>
+      </dsp:spPr>
+      <dsp:style>
+        <a:lnRef idx="2">
+          <a:scrgbClr r="0" g="0" b="0"/>
+        </a:lnRef>
+        <a:fillRef idx="1">
+          <a:scrgbClr r="0" g="0" b="0"/>
+        </a:fillRef>
+        <a:effectRef idx="0">
+          <a:scrgbClr r="0" g="0" b="0"/>
+        </a:effectRef>
+        <a:fontRef idx="minor">
+          <a:schemeClr val="lt1"/>
+        </a:fontRef>
+      </dsp:style>
+      <dsp:txBody>
+        <a:bodyPr spcFirstLastPara="0" vert="horz" wrap="square" lIns="118110" tIns="118110" rIns="118110" bIns="118110" numCol="1" spcCol="1270" anchor="ctr" anchorCtr="0">
+          <a:noAutofit/>
+        </a:bodyPr>
+        <a:lstStyle/>
+        <a:p>
+          <a:pPr marL="0" lvl="0" indent="0" algn="ctr" defTabSz="1377950">
+            <a:lnSpc>
+              <a:spcPct val="90000"/>
+            </a:lnSpc>
+            <a:spcBef>
+              <a:spcPct val="0"/>
+            </a:spcBef>
+            <a:spcAft>
+              <a:spcPct val="35000"/>
+            </a:spcAft>
+            <a:buNone/>
+          </a:pPr>
+          <a:r>
+            <a:rPr lang="en-US" sz="3100" kern="1200" dirty="0"/>
+            <a:t>Main repository</a:t>
+          </a:r>
+          <a:endParaRPr lang="bg-BG" sz="3100" kern="1200" dirty="0"/>
+        </a:p>
+      </dsp:txBody>
+      <dsp:txXfrm>
+        <a:off x="2725525" y="43801"/>
+        <a:ext cx="3922010" cy="1341410"/>
+      </dsp:txXfrm>
+    </dsp:sp>
+    <dsp:sp modelId="{A73CB5F1-7DCD-49AB-B428-44C1CA3A1151}">
+      <dsp:nvSpPr>
+        <dsp:cNvPr id="0" name=""/>
+        <dsp:cNvSpPr/>
+      </dsp:nvSpPr>
+      <dsp:spPr>
+        <a:xfrm>
+          <a:off x="2661842" y="1426944"/>
+          <a:ext cx="2024688" cy="569950"/>
+        </a:xfrm>
+        <a:custGeom>
+          <a:avLst/>
+          <a:gdLst/>
+          <a:ahLst/>
+          <a:cxnLst/>
+          <a:rect l="0" t="0" r="0" b="0"/>
+          <a:pathLst>
+            <a:path>
+              <a:moveTo>
+                <a:pt x="2024688" y="0"/>
+              </a:moveTo>
+              <a:lnTo>
+                <a:pt x="2024688" y="284975"/>
+              </a:lnTo>
+              <a:lnTo>
+                <a:pt x="0" y="284975"/>
+              </a:lnTo>
+              <a:lnTo>
+                <a:pt x="0" y="569950"/>
+              </a:lnTo>
+            </a:path>
+          </a:pathLst>
+        </a:custGeom>
+        <a:noFill/>
+        <a:ln w="12700" cap="flat" cmpd="sng" algn="ctr">
+          <a:solidFill>
+            <a:schemeClr val="accent1">
+              <a:shade val="60000"/>
+              <a:hueOff val="0"/>
+              <a:satOff val="0"/>
+              <a:lumOff val="0"/>
+              <a:alphaOff val="0"/>
+            </a:schemeClr>
+          </a:solidFill>
+          <a:prstDash val="solid"/>
+          <a:miter lim="800000"/>
+        </a:ln>
+        <a:effectLst/>
+      </dsp:spPr>
+      <dsp:style>
+        <a:lnRef idx="2">
+          <a:scrgbClr r="0" g="0" b="0"/>
+        </a:lnRef>
+        <a:fillRef idx="0">
+          <a:scrgbClr r="0" g="0" b="0"/>
+        </a:fillRef>
+        <a:effectRef idx="0">
+          <a:scrgbClr r="0" g="0" b="0"/>
+        </a:effectRef>
+        <a:fontRef idx="minor"/>
+      </dsp:style>
+    </dsp:sp>
+    <dsp:sp modelId="{1DC5E6C5-8B97-442C-B959-B6C6D9A032AF}">
+      <dsp:nvSpPr>
+        <dsp:cNvPr id="0" name=""/>
+        <dsp:cNvSpPr/>
+      </dsp:nvSpPr>
+      <dsp:spPr>
+        <a:xfrm>
+          <a:off x="835015" y="1996895"/>
+          <a:ext cx="3653653" cy="1424876"/>
+        </a:xfrm>
+        <a:prstGeom prst="roundRect">
+          <a:avLst>
+            <a:gd name="adj" fmla="val 10000"/>
+          </a:avLst>
+        </a:prstGeom>
+        <a:solidFill>
+          <a:srgbClr val="FF0000"/>
+        </a:solidFill>
+        <a:ln w="12700" cap="flat" cmpd="sng" algn="ctr">
+          <a:solidFill>
+            <a:schemeClr val="lt1">
+              <a:hueOff val="0"/>
+              <a:satOff val="0"/>
+              <a:lumOff val="0"/>
+              <a:alphaOff val="0"/>
+            </a:schemeClr>
+          </a:solidFill>
+          <a:prstDash val="solid"/>
+          <a:miter lim="800000"/>
+        </a:ln>
+        <a:effectLst/>
+      </dsp:spPr>
+      <dsp:style>
+        <a:lnRef idx="2">
+          <a:scrgbClr r="0" g="0" b="0"/>
+        </a:lnRef>
+        <a:fillRef idx="1">
+          <a:scrgbClr r="0" g="0" b="0"/>
+        </a:fillRef>
+        <a:effectRef idx="0">
+          <a:scrgbClr r="0" g="0" b="0"/>
+        </a:effectRef>
+        <a:fontRef idx="minor">
+          <a:schemeClr val="lt1"/>
+        </a:fontRef>
+      </dsp:style>
+      <dsp:txBody>
+        <a:bodyPr spcFirstLastPara="0" vert="horz" wrap="square" lIns="118110" tIns="118110" rIns="118110" bIns="118110" numCol="1" spcCol="1270" anchor="ctr" anchorCtr="0">
+          <a:noAutofit/>
+        </a:bodyPr>
+        <a:lstStyle/>
+        <a:p>
+          <a:pPr marL="0" lvl="0" indent="0" algn="ctr" defTabSz="1377950">
+            <a:lnSpc>
+              <a:spcPct val="90000"/>
+            </a:lnSpc>
+            <a:spcBef>
+              <a:spcPct val="0"/>
+            </a:spcBef>
+            <a:spcAft>
+              <a:spcPct val="35000"/>
+            </a:spcAft>
+            <a:buNone/>
+          </a:pPr>
+          <a:r>
+            <a:rPr lang="en-US" sz="3100" kern="1200" dirty="0"/>
+            <a:t>Submodule 1</a:t>
+          </a:r>
+          <a:endParaRPr lang="bg-BG" sz="3100" kern="1200" dirty="0"/>
+        </a:p>
+      </dsp:txBody>
+      <dsp:txXfrm>
+        <a:off x="876748" y="2038628"/>
+        <a:ext cx="3570187" cy="1341410"/>
+      </dsp:txXfrm>
+    </dsp:sp>
+    <dsp:sp modelId="{872A211C-8F61-4BEB-84D9-9919B7907D6D}">
+      <dsp:nvSpPr>
+        <dsp:cNvPr id="0" name=""/>
+        <dsp:cNvSpPr/>
+      </dsp:nvSpPr>
+      <dsp:spPr>
+        <a:xfrm>
+          <a:off x="1068657" y="3421771"/>
+          <a:ext cx="1593185" cy="524169"/>
+        </a:xfrm>
+        <a:custGeom>
+          <a:avLst/>
+          <a:gdLst/>
+          <a:ahLst/>
+          <a:cxnLst/>
+          <a:rect l="0" t="0" r="0" b="0"/>
+          <a:pathLst>
+            <a:path>
+              <a:moveTo>
+                <a:pt x="1593185" y="0"/>
+              </a:moveTo>
+              <a:lnTo>
+                <a:pt x="1593185" y="262084"/>
+              </a:lnTo>
+              <a:lnTo>
+                <a:pt x="0" y="262084"/>
+              </a:lnTo>
+              <a:lnTo>
+                <a:pt x="0" y="524169"/>
+              </a:lnTo>
+            </a:path>
+          </a:pathLst>
+        </a:custGeom>
+        <a:noFill/>
+        <a:ln w="12700" cap="flat" cmpd="sng" algn="ctr">
+          <a:solidFill>
+            <a:schemeClr val="accent1">
+              <a:shade val="80000"/>
+              <a:hueOff val="0"/>
+              <a:satOff val="0"/>
+              <a:lumOff val="0"/>
+              <a:alphaOff val="0"/>
+            </a:schemeClr>
+          </a:solidFill>
+          <a:prstDash val="solid"/>
+          <a:miter lim="800000"/>
+        </a:ln>
+        <a:effectLst/>
+      </dsp:spPr>
+      <dsp:style>
+        <a:lnRef idx="2">
+          <a:scrgbClr r="0" g="0" b="0"/>
+        </a:lnRef>
+        <a:fillRef idx="0">
+          <a:scrgbClr r="0" g="0" b="0"/>
+        </a:fillRef>
+        <a:effectRef idx="0">
+          <a:scrgbClr r="0" g="0" b="0"/>
+        </a:effectRef>
+        <a:fontRef idx="minor"/>
+      </dsp:style>
+    </dsp:sp>
+    <dsp:sp modelId="{514531DF-6B95-4A30-AC19-8E767D2A770C}">
+      <dsp:nvSpPr>
+        <dsp:cNvPr id="0" name=""/>
+        <dsp:cNvSpPr/>
+      </dsp:nvSpPr>
+      <dsp:spPr>
+        <a:xfrm>
+          <a:off x="0" y="3945940"/>
+          <a:ext cx="2137314" cy="1424876"/>
+        </a:xfrm>
+        <a:prstGeom prst="roundRect">
+          <a:avLst>
+            <a:gd name="adj" fmla="val 10000"/>
+          </a:avLst>
+        </a:prstGeom>
+        <a:solidFill>
+          <a:schemeClr val="accent6"/>
+        </a:solidFill>
+        <a:ln w="12700" cap="flat" cmpd="sng" algn="ctr">
+          <a:solidFill>
+            <a:schemeClr val="lt1">
+              <a:hueOff val="0"/>
+              <a:satOff val="0"/>
+              <a:lumOff val="0"/>
+              <a:alphaOff val="0"/>
+            </a:schemeClr>
+          </a:solidFill>
+          <a:prstDash val="solid"/>
+          <a:miter lim="800000"/>
+        </a:ln>
+        <a:effectLst/>
+      </dsp:spPr>
+      <dsp:style>
+        <a:lnRef idx="2">
+          <a:scrgbClr r="0" g="0" b="0"/>
+        </a:lnRef>
+        <a:fillRef idx="1">
+          <a:scrgbClr r="0" g="0" b="0"/>
+        </a:fillRef>
+        <a:effectRef idx="0">
+          <a:scrgbClr r="0" g="0" b="0"/>
+        </a:effectRef>
+        <a:fontRef idx="minor">
+          <a:schemeClr val="lt1"/>
+        </a:fontRef>
+      </dsp:style>
+      <dsp:txBody>
+        <a:bodyPr spcFirstLastPara="0" vert="horz" wrap="square" lIns="118110" tIns="118110" rIns="118110" bIns="118110" numCol="1" spcCol="1270" anchor="ctr" anchorCtr="0">
+          <a:noAutofit/>
+        </a:bodyPr>
+        <a:lstStyle/>
+        <a:p>
+          <a:pPr marL="0" lvl="0" indent="0" algn="ctr" defTabSz="1377950">
+            <a:lnSpc>
+              <a:spcPct val="90000"/>
+            </a:lnSpc>
+            <a:spcBef>
+              <a:spcPct val="0"/>
+            </a:spcBef>
+            <a:spcAft>
+              <a:spcPct val="35000"/>
+            </a:spcAft>
+            <a:buNone/>
+          </a:pPr>
+          <a:r>
+            <a:rPr lang="en-US" sz="3100" kern="1200" dirty="0"/>
+            <a:t>Sub-Submodule</a:t>
+          </a:r>
+          <a:endParaRPr lang="bg-BG" sz="3100" kern="1200" dirty="0"/>
+        </a:p>
+      </dsp:txBody>
+      <dsp:txXfrm>
+        <a:off x="41733" y="3987673"/>
+        <a:ext cx="2053848" cy="1341410"/>
+      </dsp:txXfrm>
+    </dsp:sp>
+    <dsp:sp modelId="{F29FB13E-D40A-4430-9594-C9D1D78FA1F9}">
+      <dsp:nvSpPr>
+        <dsp:cNvPr id="0" name=""/>
+        <dsp:cNvSpPr/>
+      </dsp:nvSpPr>
+      <dsp:spPr>
+        <a:xfrm>
+          <a:off x="4686531" y="1426944"/>
+          <a:ext cx="2147423" cy="569950"/>
+        </a:xfrm>
+        <a:custGeom>
+          <a:avLst/>
+          <a:gdLst/>
+          <a:ahLst/>
+          <a:cxnLst/>
+          <a:rect l="0" t="0" r="0" b="0"/>
+          <a:pathLst>
+            <a:path>
+              <a:moveTo>
+                <a:pt x="0" y="0"/>
+              </a:moveTo>
+              <a:lnTo>
+                <a:pt x="0" y="284975"/>
+              </a:lnTo>
+              <a:lnTo>
+                <a:pt x="2147423" y="284975"/>
+              </a:lnTo>
+              <a:lnTo>
+                <a:pt x="2147423" y="569950"/>
+              </a:lnTo>
+            </a:path>
+          </a:pathLst>
+        </a:custGeom>
+        <a:noFill/>
+        <a:ln w="12700" cap="flat" cmpd="sng" algn="ctr">
+          <a:solidFill>
+            <a:schemeClr val="accent1">
+              <a:shade val="60000"/>
+              <a:hueOff val="0"/>
+              <a:satOff val="0"/>
+              <a:lumOff val="0"/>
+              <a:alphaOff val="0"/>
+            </a:schemeClr>
+          </a:solidFill>
+          <a:prstDash val="solid"/>
+          <a:miter lim="800000"/>
+        </a:ln>
+        <a:effectLst/>
+      </dsp:spPr>
+      <dsp:style>
+        <a:lnRef idx="2">
+          <a:scrgbClr r="0" g="0" b="0"/>
+        </a:lnRef>
+        <a:fillRef idx="0">
+          <a:scrgbClr r="0" g="0" b="0"/>
+        </a:fillRef>
+        <a:effectRef idx="0">
+          <a:scrgbClr r="0" g="0" b="0"/>
+        </a:effectRef>
+        <a:fontRef idx="minor"/>
+      </dsp:style>
+    </dsp:sp>
+    <dsp:sp modelId="{0CC7890C-655F-43F1-8FD5-1019139AC18C}">
+      <dsp:nvSpPr>
+        <dsp:cNvPr id="0" name=""/>
+        <dsp:cNvSpPr/>
+      </dsp:nvSpPr>
+      <dsp:spPr>
+        <a:xfrm>
+          <a:off x="5129863" y="1996895"/>
+          <a:ext cx="3408182" cy="1424876"/>
+        </a:xfrm>
+        <a:prstGeom prst="roundRect">
+          <a:avLst>
+            <a:gd name="adj" fmla="val 10000"/>
+          </a:avLst>
+        </a:prstGeom>
+        <a:solidFill>
+          <a:srgbClr val="FF0000"/>
+        </a:solidFill>
+        <a:ln w="12700" cap="flat" cmpd="sng" algn="ctr">
+          <a:solidFill>
+            <a:schemeClr val="lt1">
+              <a:hueOff val="0"/>
+              <a:satOff val="0"/>
+              <a:lumOff val="0"/>
+              <a:alphaOff val="0"/>
+            </a:schemeClr>
+          </a:solidFill>
+          <a:prstDash val="solid"/>
+          <a:miter lim="800000"/>
+        </a:ln>
+        <a:effectLst/>
+      </dsp:spPr>
+      <dsp:style>
+        <a:lnRef idx="2">
+          <a:scrgbClr r="0" g="0" b="0"/>
+        </a:lnRef>
+        <a:fillRef idx="1">
+          <a:scrgbClr r="0" g="0" b="0"/>
+        </a:fillRef>
+        <a:effectRef idx="0">
+          <a:scrgbClr r="0" g="0" b="0"/>
+        </a:effectRef>
+        <a:fontRef idx="minor">
+          <a:schemeClr val="lt1"/>
+        </a:fontRef>
+      </dsp:style>
+      <dsp:txBody>
+        <a:bodyPr spcFirstLastPara="0" vert="horz" wrap="square" lIns="118110" tIns="118110" rIns="118110" bIns="118110" numCol="1" spcCol="1270" anchor="ctr" anchorCtr="0">
+          <a:noAutofit/>
+        </a:bodyPr>
+        <a:lstStyle/>
+        <a:p>
+          <a:pPr marL="0" lvl="0" indent="0" algn="ctr" defTabSz="1377950">
+            <a:lnSpc>
+              <a:spcPct val="90000"/>
+            </a:lnSpc>
+            <a:spcBef>
+              <a:spcPct val="0"/>
+            </a:spcBef>
+            <a:spcAft>
+              <a:spcPct val="35000"/>
+            </a:spcAft>
+            <a:buNone/>
+          </a:pPr>
+          <a:r>
+            <a:rPr lang="en-US" sz="3100" kern="1200" dirty="0"/>
+            <a:t>Submodule 2</a:t>
+          </a:r>
+          <a:endParaRPr lang="bg-BG" sz="3100" kern="1200" dirty="0"/>
+        </a:p>
+      </dsp:txBody>
+      <dsp:txXfrm>
+        <a:off x="5171596" y="2038628"/>
+        <a:ext cx="3324716" cy="1341410"/>
+      </dsp:txXfrm>
+    </dsp:sp>
+  </dsp:spTree>
+</dsp:drawing>
+</file>
+
+<file path=ppt/diagrams/layout1.xml><?xml version="1.0" encoding="utf-8"?>
+<dgm:layoutDef xmlns:dgm="http://schemas.openxmlformats.org/drawingml/2006/diagram" xmlns:a="http://schemas.openxmlformats.org/drawingml/2006/main" uniqueId="urn:microsoft.com/office/officeart/2005/8/layout/hierarchy6">
+  <dgm:title val=""/>
+  <dgm:desc val=""/>
+  <dgm:catLst>
+    <dgm:cat type="hierarchy" pri="3000"/>
+  </dgm:catLst>
+  <dgm:sampData>
+    <dgm:dataModel>
+      <dgm:ptLst>
+        <dgm:pt modelId="0" type="doc"/>
+        <dgm:pt modelId="1">
+          <dgm:prSet phldr="1"/>
+        </dgm:pt>
+        <dgm:pt modelId="2">
+          <dgm:prSet phldr="1"/>
+        </dgm:pt>
+        <dgm:pt modelId="21">
+          <dgm:prSet phldr="1"/>
+        </dgm:pt>
+        <dgm:pt modelId="22">
+          <dgm:prSet phldr="1"/>
+        </dgm:pt>
+        <dgm:pt modelId="3">
+          <dgm:prSet phldr="1"/>
+        </dgm:pt>
+        <dgm:pt modelId="31">
+          <dgm:prSet phldr="1"/>
+        </dgm:pt>
+        <dgm:pt modelId="4">
+          <dgm:prSet phldr="1"/>
+        </dgm:pt>
+        <dgm:pt modelId="5">
+          <dgm:prSet phldr="1"/>
+        </dgm:pt>
+        <dgm:pt modelId="6">
+          <dgm:prSet phldr="1"/>
+        </dgm:pt>
+      </dgm:ptLst>
+      <dgm:cxnLst>
+        <dgm:cxn modelId="7" srcId="0" destId="1" srcOrd="0" destOrd="0"/>
+        <dgm:cxn modelId="8" srcId="1" destId="2" srcOrd="0" destOrd="0"/>
+        <dgm:cxn modelId="9" srcId="1" destId="3" srcOrd="1" destOrd="0"/>
+        <dgm:cxn modelId="23" srcId="2" destId="21" srcOrd="0" destOrd="0"/>
+        <dgm:cxn modelId="24" srcId="2" destId="22" srcOrd="1" destOrd="0"/>
+        <dgm:cxn modelId="33" srcId="3" destId="31" srcOrd="0" destOrd="0"/>
+        <dgm:cxn modelId="10" srcId="0" destId="4" srcOrd="1" destOrd="0"/>
+        <dgm:cxn modelId="11" srcId="0" destId="5" srcOrd="2" destOrd="0"/>
+        <dgm:cxn modelId="12" srcId="0" destId="6" srcOrd="3" destOrd="0"/>
+      </dgm:cxnLst>
+      <dgm:bg/>
+      <dgm:whole/>
+    </dgm:dataModel>
+  </dgm:sampData>
+  <dgm:styleData>
+    <dgm:dataModel>
+      <dgm:ptLst>
+        <dgm:pt modelId="0" type="doc"/>
+        <dgm:pt modelId="1"/>
+        <dgm:pt modelId="11"/>
+        <dgm:pt modelId="12"/>
+        <dgm:pt modelId="2"/>
+        <dgm:pt modelId="3"/>
+      </dgm:ptLst>
+      <dgm:cxnLst>
+        <dgm:cxn modelId="4" srcId="0" destId="1" srcOrd="0" destOrd="0"/>
+        <dgm:cxn modelId="13" srcId="1" destId="11" srcOrd="0" destOrd="0"/>
+        <dgm:cxn modelId="14" srcId="1" destId="12" srcOrd="1" destOrd="0"/>
+        <dgm:cxn modelId="5" srcId="0" destId="2" srcOrd="1" destOrd="0"/>
+        <dgm:cxn modelId="6" srcId="0" destId="3" srcOrd="2" destOrd="0"/>
+      </dgm:cxnLst>
+      <dgm:bg/>
+      <dgm:whole/>
+    </dgm:dataModel>
+  </dgm:styleData>
+  <dgm:clrData>
+    <dgm:dataModel>
+      <dgm:ptLst>
+        <dgm:pt modelId="0" type="doc"/>
+        <dgm:pt modelId="1"/>
+        <dgm:pt modelId="2"/>
+        <dgm:pt modelId="21"/>
+        <dgm:pt modelId="211"/>
+        <dgm:pt modelId="3"/>
+        <dgm:pt modelId="31"/>
+        <dgm:pt modelId="311"/>
+        <dgm:pt modelId="4"/>
+        <dgm:pt modelId="5"/>
+        <dgm:pt modelId="6"/>
+        <dgm:pt modelId="7"/>
+      </dgm:ptLst>
+      <dgm:cxnLst>
+        <dgm:cxn modelId="8" srcId="0" destId="1" srcOrd="0" destOrd="0"/>
+        <dgm:cxn modelId="9" srcId="1" destId="2" srcOrd="0" destOrd="0"/>
+        <dgm:cxn modelId="10" srcId="1" destId="3" srcOrd="1" destOrd="0"/>
+        <dgm:cxn modelId="23" srcId="2" destId="21" srcOrd="0" destOrd="0"/>
+        <dgm:cxn modelId="24" srcId="21" destId="211" srcOrd="0" destOrd="0"/>
+        <dgm:cxn modelId="33" srcId="3" destId="31" srcOrd="0" destOrd="0"/>
+        <dgm:cxn modelId="34" srcId="31" destId="311" srcOrd="0" destOrd="0"/>
+        <dgm:cxn modelId="11" srcId="0" destId="4" srcOrd="1" destOrd="0"/>
+        <dgm:cxn modelId="12" srcId="0" destId="5" srcOrd="2" destOrd="0"/>
+        <dgm:cxn modelId="13" srcId="0" destId="6" srcOrd="3" destOrd="0"/>
+        <dgm:cxn modelId="14" srcId="0" destId="7" srcOrd="4" destOrd="0"/>
+      </dgm:cxnLst>
+      <dgm:bg/>
+      <dgm:whole/>
+    </dgm:dataModel>
+  </dgm:clrData>
+  <dgm:layoutNode name="mainComposite">
+    <dgm:varLst>
+      <dgm:chPref val="1"/>
+      <dgm:dir/>
+      <dgm:animOne val="branch"/>
+      <dgm:animLvl val="lvl"/>
+      <dgm:resizeHandles val="exact"/>
+    </dgm:varLst>
+    <dgm:alg type="composite">
+      <dgm:param type="vertAlign" val="mid"/>
+      <dgm:param type="horzAlign" val="ctr"/>
+    </dgm:alg>
+    <dgm:shape xmlns:r="http://schemas.openxmlformats.org/officeDocument/2006/relationships" r:blip="">
+      <dgm:adjLst/>
+    </dgm:shape>
+    <dgm:presOf/>
+    <dgm:choose name="Name0">
+      <dgm:if name="Name1" axis="ch" ptType="node" func="cnt" op="gte" val="2">
+        <dgm:choose name="Name2">
+          <dgm:if name="Name3" func="var" arg="dir" op="equ" val="norm">
+            <dgm:constrLst>
+              <dgm:constr type="l" for="ch" forName="hierFlow" refType="w" fact="0.3"/>
+              <dgm:constr type="t" for="ch" forName="hierFlow"/>
+              <dgm:constr type="r" for="ch" forName="hierFlow" refType="w" fact="0.98"/>
+              <dgm:constr type="b" for="ch" forName="hierFlow" refType="h" fact="0.98"/>
+              <dgm:constr type="l" for="ch" forName="bgShapesFlow"/>
+              <dgm:constr type="t" for="ch" forName="bgShapesFlow"/>
+              <dgm:constr type="r" for="ch" forName="bgShapesFlow" refType="w"/>
+              <dgm:constr type="b" for="ch" forName="bgShapesFlow" refType="h"/>
+              <dgm:constr type="w" for="des" forName="level1Shape" refType="w"/>
+              <dgm:constr type="h" for="des" forName="level1Shape" refType="w" refFor="des" refForName="level1Shape" fact="0.66667"/>
+              <dgm:constr type="w" for="des" forName="level2Shape" refType="w" refFor="des" refForName="level1Shape" op="equ"/>
+              <dgm:constr type="h" for="des" forName="level2Shape" refType="h" refFor="des" refForName="level1Shape" op="equ"/>
+              <dgm:constr type="sp" for="des" refType="h" refFor="des" refForName="level1Shape" op="equ" fact="0.4"/>
+              <dgm:constr type="sibSp" for="des" forName="hierChild1" refType="w" refFor="des" refForName="level1Shape" op="equ" fact="0.3"/>
+              <dgm:constr type="sibSp" for="des" forName="hierChild2" refType="sibSp" refFor="des" refForName="hierChild1" op="equ"/>
+              <dgm:constr type="sibSp" for="des" forName="hierChild3" refType="sibSp" refFor="des" refForName="hierChild1" op="equ"/>
+              <dgm:constr type="userA" for="des" refType="h" refFor="des" refForName="level1Shape" op="equ"/>
+              <dgm:constr type="userB" for="des" refType="sp" refFor="des" op="equ"/>
+              <dgm:constr type="h" for="des" forName="firstBuf" refType="h" refFor="des" refForName="level1Shape" fact="0.1"/>
+            </dgm:constrLst>
+          </dgm:if>
+          <dgm:else name="Name4">
+            <dgm:constrLst>
+              <dgm:constr type="l" for="ch" forName="hierFlow" refType="w" fact="0.02"/>
+              <dgm:constr type="t" for="ch" forName="hierFlow"/>
+              <dgm:constr type="r" for="ch" forName="hierFlow" refType="w" fact="0.7"/>
+              <dgm:constr type="b" for="ch" forName="hierFlow" refType="h" fact="0.98"/>
+              <dgm:constr type="l" for="ch" forName="bgShapesFlow"/>
+              <dgm:constr type="t" for="ch" forName="bgShapesFlow"/>
+              <dgm:constr type="r" for="ch" forName="bgShapesFlow" refType="w"/>
+              <dgm:constr type="b" for="ch" forName="bgShapesFlow" refType="h"/>
+              <dgm:constr type="w" for="des" forName="level1Shape" refType="w"/>
+              <dgm:constr type="h" for="des" forName="level1Shape" refType="w" refFor="des" refForName="level1Shape" fact="0.66667"/>
+              <dgm:constr type="w" for="des" forName="level2Shape" refType="w" refFor="des" refForName="level1Shape" op="equ"/>
+              <dgm:constr type="h" for="des" forName="level2Shape" refType="h" refFor="des" refForName="level1Shape" op="equ"/>
+              <dgm:constr type="sp" for="des" refType="h" refFor="des" refForName="level1Shape" op="equ" fact="0.4"/>
+              <dgm:constr type="sibSp" for="des" forName="hierChild1" refType="w" refFor="des" refForName="level1Shape" op="equ" fact="0.3"/>
+              <dgm:constr type="sibSp" for="des" forName="hierChild2" refType="sibSp" refFor="des" refForName="hierChild1" op="equ"/>
+              <dgm:constr type="sibSp" for="des" forName="hierChild3" refType="sibSp" refFor="des" refForName="hierChild1" op="equ"/>
+              <dgm:constr type="userA" for="des" refType="h" refFor="des" refForName="level1Shape" op="equ"/>
+              <dgm:constr type="userB" for="des" refType="sp" refFor="des" op="equ"/>
+              <dgm:constr type="h" for="des" forName="firstBuf" refType="h" refFor="des" refForName="level1Shape" fact="0.1"/>
+            </dgm:constrLst>
+          </dgm:else>
+        </dgm:choose>
+      </dgm:if>
+      <dgm:else name="Name5">
+        <dgm:constrLst>
+          <dgm:constr type="l" for="ch" forName="hierFlow"/>
+          <dgm:constr type="t" for="ch" forName="hierFlow"/>
+          <dgm:constr type="r" for="ch" forName="hierFlow" refType="w"/>
+          <dgm:constr type="b" for="ch" forName="hierFlow" refType="h"/>
+          <dgm:constr type="l" for="ch" forName="bgShapesFlow"/>
+          <dgm:constr type="t" for="ch" forName="bgShapesFlow"/>
+          <dgm:constr type="r" for="ch" forName="bgShapesFlow" refType="w"/>
+          <dgm:constr type="b" for="ch" forName="bgShapesFlow" refType="h"/>
+          <dgm:constr type="w" for="des" forName="level1Shape" refType="w"/>
+          <dgm:constr type="h" for="des" forName="level1Shape" refType="w" refFor="des" refForName="level1Shape" fact="0.66667"/>
+          <dgm:constr type="w" for="des" forName="level2Shape" refType="w" refFor="des" refForName="level1Shape" op="equ"/>
+          <dgm:constr type="h" for="des" forName="level2Shape" refType="h" refFor="des" refForName="level1Shape" op="equ"/>
+          <dgm:constr type="sp" for="des" refType="h" refFor="des" refForName="level1Shape" op="equ" fact="0.4"/>
+          <dgm:constr type="sibSp" for="des" forName="hierChild1" refType="w" refFor="des" refForName="level1Shape" op="equ" fact="0.3"/>
+          <dgm:constr type="sibSp" for="des" forName="hierChild2" refType="sibSp" refFor="des" refForName="hierChild1" op="equ"/>
+          <dgm:constr type="sibSp" for="des" forName="hierChild3" refType="sibSp" refFor="des" refForName="hierChild1" op="equ"/>
+          <dgm:constr type="userA" for="des" refType="h" refFor="des" refForName="level1Shape" op="equ"/>
+          <dgm:constr type="userB" for="des" refType="sp" refFor="des" op="equ"/>
+          <dgm:constr type="h" for="des" forName="firstBuf" refType="h" refFor="des" refForName="level1Shape" fact="0.1"/>
+        </dgm:constrLst>
+      </dgm:else>
+    </dgm:choose>
+    <dgm:ruleLst/>
+    <dgm:layoutNode name="hierFlow">
+      <dgm:alg type="lin">
+        <dgm:param type="linDir" val="fromT"/>
+        <dgm:param type="nodeVertAlign" val="t"/>
+        <dgm:param type="vertAlign" val="t"/>
+        <dgm:param type="nodeHorzAlign" val="ctr"/>
+        <dgm:param type="fallback" val="2D"/>
+      </dgm:alg>
+      <dgm:shape xmlns:r="http://schemas.openxmlformats.org/officeDocument/2006/relationships" r:blip="">
+        <dgm:adjLst/>
+      </dgm:shape>
+      <dgm:presOf/>
+      <dgm:constrLst/>
+      <dgm:ruleLst/>
+      <dgm:choose name="Name6">
+        <dgm:if name="Name7" axis="ch" ptType="node" func="cnt" op="gte" val="2">
+          <dgm:layoutNode name="firstBuf">
+            <dgm:alg type="sp"/>
+            <dgm:shape xmlns:r="http://schemas.openxmlformats.org/officeDocument/2006/relationships" r:blip="">
+              <dgm:adjLst/>
+            </dgm:shape>
+            <dgm:presOf/>
+            <dgm:constrLst/>
+            <dgm:ruleLst/>
+          </dgm:layoutNode>
+        </dgm:if>
+        <dgm:else name="Name8"/>
+      </dgm:choose>
+      <dgm:layoutNode name="hierChild1">
+        <dgm:varLst>
+          <dgm:chPref val="1"/>
+          <dgm:animOne val="branch"/>
+          <dgm:animLvl val="lvl"/>
+        </dgm:varLst>
+        <dgm:choose name="Name9">
+          <dgm:if name="Name10" func="var" arg="dir" op="equ" val="norm">
+            <dgm:alg type="hierChild">
+              <dgm:param type="linDir" val="fromL"/>
+              <dgm:param type="vertAlign" val="t"/>
+            </dgm:alg>
+          </dgm:if>
+          <dgm:else name="Name11">
+            <dgm:alg type="hierChild">
+              <dgm:param type="linDir" val="fromR"/>
+              <dgm:param type="vertAlign" val="t"/>
+            </dgm:alg>
+          </dgm:else>
+        </dgm:choose>
+        <dgm:shape xmlns:r="http://schemas.openxmlformats.org/officeDocument/2006/relationships" r:blip="">
+          <dgm:adjLst/>
+        </dgm:shape>
+        <dgm:presOf/>
+        <dgm:constrLst>
+          <dgm:constr type="primFontSz" for="des" ptType="node" op="equ"/>
+        </dgm:constrLst>
+        <dgm:ruleLst/>
+        <dgm:forEach name="Name12" axis="ch" cnt="3">
+          <dgm:forEach name="Name13" axis="self" ptType="node">
+            <dgm:layoutNode name="Name14">
+              <dgm:alg type="hierRoot"/>
+              <dgm:shape xmlns:r="http://schemas.openxmlformats.org/officeDocument/2006/relationships" r:blip="">
+                <dgm:adjLst/>
+              </dgm:shape>
+              <dgm:presOf/>
+              <dgm:constrLst/>
+              <dgm:ruleLst/>
+              <dgm:layoutNode name="level1Shape" styleLbl="node0">
+                <dgm:varLst>
+                  <dgm:chPref val="3"/>
+                </dgm:varLst>
+                <dgm:alg type="tx"/>
+                <dgm:shape xmlns:r="http://schemas.openxmlformats.org/officeDocument/2006/relationships" type="roundRect" r:blip="">
+                  <dgm:adjLst>
+                    <dgm:adj idx="1" val="0.1"/>
+                  </dgm:adjLst>
+                </dgm:shape>
+                <dgm:presOf axis="self"/>
+                <dgm:constrLst>
+                  <dgm:constr type="primFontSz" val="65"/>
+                  <dgm:constr type="tMarg" refType="primFontSz" fact="0.3"/>
+                  <dgm:constr type="bMarg" refType="primFontSz" fact="0.3"/>
+                  <dgm:constr type="lMarg" refType="primFontSz" fact="0.3"/>
+                  <dgm:constr type="rMarg" refType="primFontSz" fact="0.3"/>
+                </dgm:constrLst>
+                <dgm:ruleLst>
+                  <dgm:rule type="primFontSz" val="5" fact="NaN" max="NaN"/>
+                </dgm:ruleLst>
+              </dgm:layoutNode>
+              <dgm:layoutNode name="hierChild2">
+                <dgm:choose name="Name15">
+                  <dgm:if name="Name16" func="var" arg="dir" op="equ" val="norm">
+                    <dgm:alg type="hierChild">
+                      <dgm:param type="linDir" val="fromL"/>
+                    </dgm:alg>
+                  </dgm:if>
+                  <dgm:else name="Name17">
+                    <dgm:alg type="hierChild">
+                      <dgm:param type="linDir" val="fromR"/>
+                    </dgm:alg>
+                  </dgm:else>
+                </dgm:choose>
+                <dgm:shape xmlns:r="http://schemas.openxmlformats.org/officeDocument/2006/relationships" r:blip="">
+                  <dgm:adjLst/>
+                </dgm:shape>
+                <dgm:presOf/>
+                <dgm:constrLst/>
+                <dgm:ruleLst/>
+                <dgm:forEach name="repeat" axis="ch">
+                  <dgm:forEach name="Name18" axis="self" ptType="parTrans" cnt="1">
+                    <dgm:layoutNode name="Name19">
+                      <dgm:alg type="conn">
+                        <dgm:param type="dim" val="1D"/>
+                        <dgm:param type="endSty" val="noArr"/>
+                        <dgm:param type="connRout" val="bend"/>
+                        <dgm:param type="begPts" val="bCtr"/>
+                        <dgm:param type="endPts" val="tCtr"/>
+                      </dgm:alg>
+                      <dgm:shape xmlns:r="http://schemas.openxmlformats.org/officeDocument/2006/relationships" type="conn" r:blip="">
+                        <dgm:adjLst/>
+                      </dgm:shape>
+                      <dgm:presOf axis="self"/>
+                      <dgm:constrLst>
+                        <dgm:constr type="w" val="1"/>
+                        <dgm:constr type="h" val="1"/>
+                        <dgm:constr type="begPad"/>
+                        <dgm:constr type="endPad"/>
+                      </dgm:constrLst>
+                      <dgm:ruleLst/>
+                    </dgm:layoutNode>
+                  </dgm:forEach>
+                  <dgm:forEach name="Name20" axis="self" ptType="node">
+                    <dgm:layoutNode name="Name21">
+                      <dgm:alg type="hierRoot"/>
+                      <dgm:shape xmlns:r="http://schemas.openxmlformats.org/officeDocument/2006/relationships" r:blip="">
+                        <dgm:adjLst/>
+                      </dgm:shape>
+                      <dgm:presOf/>
+                      <dgm:constrLst/>
+                      <dgm:ruleLst/>
+                      <dgm:layoutNode name="level2Shape">
+                        <dgm:alg type="tx"/>
+                        <dgm:shape xmlns:r="http://schemas.openxmlformats.org/officeDocument/2006/relationships" type="roundRect" r:blip="">
+                          <dgm:adjLst>
+                            <dgm:adj idx="1" val="0.1"/>
+                          </dgm:adjLst>
+                        </dgm:shape>
+                        <dgm:presOf axis="self"/>
+                        <dgm:constrLst>
+                          <dgm:constr type="primFontSz" val="65"/>
+                          <dgm:constr type="tMarg" refType="primFontSz" fact="0.3"/>
+                          <dgm:constr type="bMarg" refType="primFontSz" fact="0.3"/>
+                          <dgm:constr type="lMarg" refType="primFontSz" fact="0.3"/>
+                          <dgm:constr type="rMarg" refType="primFontSz" fact="0.3"/>
+                        </dgm:constrLst>
+                        <dgm:ruleLst>
+                          <dgm:rule type="primFontSz" val="5" fact="NaN" max="NaN"/>
+                        </dgm:ruleLst>
+                      </dgm:layoutNode>
+                      <dgm:layoutNode name="hierChild3">
+                        <dgm:choose name="Name22">
+                          <dgm:if name="Name23" func="var" arg="dir" op="equ" val="norm">
+                            <dgm:alg type="hierChild">
+                              <dgm:param type="linDir" val="fromL"/>
+                            </dgm:alg>
+                          </dgm:if>
+                          <dgm:else name="Name24">
+                            <dgm:alg type="hierChild">
+                              <dgm:param type="linDir" val="fromR"/>
+                            </dgm:alg>
+                          </dgm:else>
+                        </dgm:choose>
+                        <dgm:shape xmlns:r="http://schemas.openxmlformats.org/officeDocument/2006/relationships" r:blip="">
+                          <dgm:adjLst/>
+                        </dgm:shape>
+                        <dgm:presOf/>
+                        <dgm:constrLst/>
+                        <dgm:ruleLst/>
+                        <dgm:forEach name="Name25" ref="repeat"/>
+                      </dgm:layoutNode>
+                    </dgm:layoutNode>
+                  </dgm:forEach>
+                </dgm:forEach>
+              </dgm:layoutNode>
+            </dgm:layoutNode>
+          </dgm:forEach>
+        </dgm:forEach>
+      </dgm:layoutNode>
+    </dgm:layoutNode>
+    <dgm:layoutNode name="bgShapesFlow">
+      <dgm:alg type="lin">
+        <dgm:param type="linDir" val="fromT"/>
+        <dgm:param type="nodeVertAlign" val="t"/>
+        <dgm:param type="vertAlign" val="t"/>
+        <dgm:param type="nodeHorzAlign" val="ctr"/>
+      </dgm:alg>
+      <dgm:shape xmlns:r="http://schemas.openxmlformats.org/officeDocument/2006/relationships" r:blip="">
+        <dgm:adjLst/>
+      </dgm:shape>
+      <dgm:presOf/>
+      <dgm:constrLst>
+        <dgm:constr type="userB"/>
+        <dgm:constr type="w" for="ch" forName="rectComp" refType="w"/>
+        <dgm:constr type="h" for="ch" forName="rectComp" refType="h"/>
+        <dgm:constr type="w" for="des" forName="bgRect" refType="w"/>
+        <dgm:constr type="primFontSz" for="des" forName="bgRectTx" op="equ"/>
+      </dgm:constrLst>
+      <dgm:ruleLst/>
+      <dgm:forEach name="Name26" axis="ch" ptType="node" st="2">
+        <dgm:layoutNode name="rectComp">
+          <dgm:alg type="composite">
+            <dgm:param type="vertAlign" val="t"/>
+            <dgm:param type="horzAlign" val="ctr"/>
+          </dgm:alg>
+          <dgm:shape xmlns:r="http://schemas.openxmlformats.org/officeDocument/2006/relationships" r:blip="">
+            <dgm:adjLst/>
+          </dgm:shape>
+          <dgm:presOf/>
+          <dgm:choose name="Name27">
+            <dgm:if name="Name28" func="var" arg="dir" op="equ" val="norm">
+              <dgm:constrLst>
+                <dgm:constr type="userA"/>
+                <dgm:constr type="l" for="ch" forName="bgRect"/>
+                <dgm:constr type="t" for="ch" forName="bgRect"/>
+                <dgm:constr type="h" for="ch" forName="bgRect" refType="userA" fact="1.2"/>
+                <dgm:constr type="l" for="ch" forName="bgRectTx"/>
+                <dgm:constr type="t" for="ch" forName="bgRectTx"/>
+                <dgm:constr type="w" for="ch" forName="bgRectTx" refType="w" refFor="ch" refForName="bgRect" fact="0.3"/>
+                <dgm:constr type="h" for="ch" forName="bgRectTx" refType="h" refFor="ch" refForName="bgRect" op="equ"/>
+              </dgm:constrLst>
+            </dgm:if>
+            <dgm:else name="Name29">
+              <dgm:constrLst>
+                <dgm:constr type="userA"/>
+                <dgm:constr type="l" for="ch" forName="bgRect"/>
+                <dgm:constr type="t" for="ch" forName="bgRect"/>
+                <dgm:constr type="h" for="ch" forName="bgRect" refType="userA" fact="1.2"/>
+                <dgm:constr type="r" for="ch" forName="bgRectTx" refType="w"/>
+                <dgm:constr type="t" for="ch" forName="bgRectTx"/>
+                <dgm:constr type="w" for="ch" forName="bgRectTx" refType="w" refFor="ch" refForName="bgRect" fact="0.3"/>
+                <dgm:constr type="h" for="ch" forName="bgRectTx" refType="h" refFor="ch" refForName="bgRect" op="equ"/>
+              </dgm:constrLst>
+            </dgm:else>
+          </dgm:choose>
+          <dgm:ruleLst/>
+          <dgm:layoutNode name="bgRect" styleLbl="bgShp">
+            <dgm:alg type="sp"/>
+            <dgm:shape xmlns:r="http://schemas.openxmlformats.org/officeDocument/2006/relationships" type="roundRect" r:blip="" zOrderOff="-999">
+              <dgm:adjLst>
+                <dgm:adj idx="1" val="0.1"/>
+              </dgm:adjLst>
+            </dgm:shape>
+            <dgm:presOf axis="desOrSelf" ptType="node"/>
+            <dgm:constrLst/>
+            <dgm:ruleLst/>
+          </dgm:layoutNode>
+          <dgm:layoutNode name="bgRectTx" styleLbl="bgShp">
+            <dgm:varLst>
+              <dgm:bulletEnabled val="1"/>
+            </dgm:varLst>
+            <dgm:alg type="tx"/>
+            <dgm:presOf axis="desOrSelf" ptType="node"/>
+            <dgm:shape xmlns:r="http://schemas.openxmlformats.org/officeDocument/2006/relationships" type="rect" r:blip="" zOrderOff="-999" hideGeom="1">
+              <dgm:adjLst/>
+            </dgm:shape>
+            <dgm:constrLst>
+              <dgm:constr type="primFontSz" val="65"/>
+            </dgm:constrLst>
+            <dgm:ruleLst>
+              <dgm:rule type="primFontSz" val="5" fact="NaN" max="NaN"/>
+            </dgm:ruleLst>
+          </dgm:layoutNode>
+        </dgm:layoutNode>
+        <dgm:choose name="Name30">
+          <dgm:if name="Name31" axis="self" ptType="node" func="revPos" op="gte" val="2">
+            <dgm:layoutNode name="spComp">
+              <dgm:alg type="composite">
+                <dgm:param type="vertAlign" val="t"/>
+                <dgm:param type="horzAlign" val="ctr"/>
+              </dgm:alg>
+              <dgm:shape xmlns:r="http://schemas.openxmlformats.org/officeDocument/2006/relationships" r:blip="">
+                <dgm:adjLst/>
+              </dgm:shape>
+              <dgm:presOf/>
+              <dgm:constrLst>
+                <dgm:constr type="userA"/>
+                <dgm:constr type="userB"/>
+                <dgm:constr type="l" for="ch" forName="vSp"/>
+                <dgm:constr type="t" for="ch" forName="vSp"/>
+                <dgm:constr type="h" for="ch" forName="vSp" refType="userB"/>
+                <dgm:constr type="hOff" for="ch" forName="vSp" refType="userA" fact="-0.2"/>
+              </dgm:constrLst>
+              <dgm:ruleLst/>
+              <dgm:layoutNode name="vSp">
+                <dgm:alg type="sp"/>
+                <dgm:shape xmlns:r="http://schemas.openxmlformats.org/officeDocument/2006/relationships" r:blip="">
+                  <dgm:adjLst/>
+                </dgm:shape>
+                <dgm:presOf/>
+                <dgm:constrLst/>
+                <dgm:ruleLst/>
+              </dgm:layoutNode>
+            </dgm:layoutNode>
+          </dgm:if>
+          <dgm:else name="Name32"/>
+        </dgm:choose>
+      </dgm:forEach>
+    </dgm:layoutNode>
+  </dgm:layoutNode>
+</dgm:layoutDef>
+</file>
+
+<file path=ppt/diagrams/quickStyle1.xml><?xml version="1.0" encoding="utf-8"?>
+<dgm:styleDef xmlns:dgm="http://schemas.openxmlformats.org/drawingml/2006/diagram" xmlns:a="http://schemas.openxmlformats.org/drawingml/2006/main" uniqueId="urn:microsoft.com/office/officeart/2005/8/quickstyle/simple1">
+  <dgm:title val=""/>
+  <dgm:desc val=""/>
+  <dgm:catLst>
+    <dgm:cat type="simple" pri="10100"/>
+  </dgm:catLst>
+  <dgm:scene3d>
+    <a:camera prst="orthographicFront"/>
+    <a:lightRig rig="threePt" dir="t"/>
+  </dgm:scene3d>
+  <dgm:styleLbl name="node0">
+    <dgm:scene3d>
+      <a:camera prst="orthographicFront"/>
+      <a:lightRig rig="threePt" dir="t"/>
+    </dgm:scene3d>
+    <dgm:sp3d/>
+    <dgm:txPr/>
+    <dgm:style>
+      <a:lnRef idx="2">
+        <a:scrgbClr r="0" g="0" b="0"/>
+      </a:lnRef>
+      <a:fillRef idx="1">
+        <a:scrgbClr r="0" g="0" b="0"/>
+      </a:fillRef>
+      <a:effectRef idx="0">
+        <a:scrgbClr r="0" g="0" b="0"/>
+      </a:effectRef>
+      <a:fontRef idx="minor">
+        <a:schemeClr val="lt1"/>
+      </a:fontRef>
+    </dgm:style>
+  </dgm:styleLbl>
+  <dgm:styleLbl name="lnNode1">
+    <dgm:scene3d>
+      <a:camera prst="orthographicFront"/>
+      <a:lightRig rig="threePt" dir="t"/>
+    </dgm:scene3d>
+    <dgm:sp3d/>
+    <dgm:txPr/>
+    <dgm:style>
+      <a:lnRef idx="2">
+        <a:scrgbClr r="0" g="0" b="0"/>
+      </a:lnRef>
+      <a:fillRef idx="1">
+        <a:scrgbClr r="0" g="0" b="0"/>
+      </a:fillRef>
+      <a:effectRef idx="0">
+        <a:scrgbClr r="0" g="0" b="0"/>
+      </a:effectRef>
+      <a:fontRef idx="minor">
+        <a:schemeClr val="lt1"/>
+      </a:fontRef>
+    </dgm:style>
+  </dgm:styleLbl>
+  <dgm:styleLbl name="vennNode1">
+    <dgm:scene3d>
+      <a:camera prst="orthographicFront"/>
+      <a:lightRig rig="threePt" dir="t"/>
+    </dgm:scene3d>
+    <dgm:sp3d/>
+    <dgm:txPr/>
+    <dgm:style>
+      <a:lnRef idx="2">
+        <a:scrgbClr r="0" g="0" b="0"/>
+      </a:lnRef>
+      <a:fillRef idx="1">
+        <a:scrgbClr r="0" g="0" b="0"/>
+      </a:fillRef>
+      <a:effectRef idx="0">
+        <a:scrgbClr r="0" g="0" b="0"/>
+      </a:effectRef>
+      <a:fontRef idx="minor">
+        <a:schemeClr val="tx1"/>
+      </a:fontRef>
+    </dgm:style>
+  </dgm:styleLbl>
+  <dgm:styleLbl name="alignNode1">
+    <dgm:scene3d>
+      <a:camera prst="orthographicFront"/>
+      <a:lightRig rig="threePt" dir="t"/>
+    </dgm:scene3d>
+    <dgm:sp3d/>
+    <dgm:txPr/>
+    <dgm:style>
+      <a:lnRef idx="2">
+        <a:scrgbClr r="0" g="0" b="0"/>
+      </a:lnRef>
+      <a:fillRef idx="1">
+        <a:scrgbClr r="0" g="0" b="0"/>
+      </a:fillRef>
+      <a:effectRef idx="0">
+        <a:scrgbClr r="0" g="0" b="0"/>
+      </a:effectRef>
+      <a:fontRef idx="minor">
+        <a:schemeClr val="lt1"/>
+      </a:fontRef>
+    </dgm:style>
+  </dgm:styleLbl>
+  <dgm:styleLbl name="node1">
+    <dgm:scene3d>
+      <a:camera prst="orthographicFront"/>
+      <a:lightRig rig="threePt" dir="t"/>
+    </dgm:scene3d>
+    <dgm:sp3d/>
+    <dgm:txPr/>
+    <dgm:style>
+      <a:lnRef idx="2">
+        <a:scrgbClr r="0" g="0" b="0"/>
+      </a:lnRef>
+      <a:fillRef idx="1">
+        <a:scrgbClr r="0" g="0" b="0"/>
+      </a:fillRef>
+      <a:effectRef idx="0">
+        <a:scrgbClr r="0" g="0" b="0"/>
+      </a:effectRef>
+      <a:fontRef idx="minor">
+        <a:schemeClr val="lt1"/>
+      </a:fontRef>
+    </dgm:style>
+  </dgm:styleLbl>
+  <dgm:styleLbl name="node2">
+    <dgm:scene3d>
+      <a:camera prst="orthographicFront"/>
+      <a:lightRig rig="threePt" dir="t"/>
+    </dgm:scene3d>
+    <dgm:sp3d/>
+    <dgm:txPr/>
+    <dgm:style>
+      <a:lnRef idx="2">
+        <a:scrgbClr r="0" g="0" b="0"/>
+      </a:lnRef>
+      <a:fillRef idx="1">
+        <a:scrgbClr r="0" g="0" b="0"/>
+      </a:fillRef>
+      <a:effectRef idx="0">
+        <a:scrgbClr r="0" g="0" b="0"/>
+      </a:effectRef>
+      <a:fontRef idx="minor">
+        <a:schemeClr val="lt1"/>
+      </a:fontRef>
+    </dgm:style>
+  </dgm:styleLbl>
+  <dgm:styleLbl name="node3">
+    <dgm:scene3d>
+      <a:camera prst="orthographicFront"/>
+      <a:lightRig rig="threePt" dir="t"/>
+    </dgm:scene3d>
+    <dgm:sp3d/>
+    <dgm:txPr/>
+    <dgm:style>
+      <a:lnRef idx="2">
+        <a:scrgbClr r="0" g="0" b="0"/>
+      </a:lnRef>
+      <a:fillRef idx="1">
+        <a:scrgbClr r="0" g="0" b="0"/>
+      </a:fillRef>
+      <a:effectRef idx="0">
+        <a:scrgbClr r="0" g="0" b="0"/>
+      </a:effectRef>
+      <a:fontRef idx="minor">
+        <a:schemeClr val="lt1"/>
+      </a:fontRef>
+    </dgm:style>
+  </dgm:styleLbl>
+  <dgm:styleLbl name="node4">
+    <dgm:scene3d>
+      <a:camera prst="orthographicFront"/>
+      <a:lightRig rig="threePt" dir="t"/>
+    </dgm:scene3d>
+    <dgm:sp3d/>
+    <dgm:txPr/>
+    <dgm:style>
+      <a:lnRef idx="2">
+        <a:scrgbClr r="0" g="0" b="0"/>
+      </a:lnRef>
+      <a:fillRef idx="1">
+        <a:scrgbClr r="0" g="0" b="0"/>
+      </a:fillRef>
+      <a:effectRef idx="0">
+        <a:scrgbClr r="0" g="0" b="0"/>
+      </a:effectRef>
+      <a:fontRef idx="minor">
+        <a:schemeClr val="lt1"/>
+      </a:fontRef>
+    </dgm:style>
+  </dgm:styleLbl>
+  <dgm:styleLbl name="fgImgPlace1">
+    <dgm:scene3d>
+      <a:camera prst="orthographicFront"/>
+      <a:lightRig rig="threePt" dir="t"/>
+    </dgm:scene3d>
+    <dgm:sp3d/>
+    <dgm:txPr/>
+    <dgm:style>
+      <a:lnRef idx="2">
+        <a:scrgbClr r="0" g="0" b="0"/>
+      </a:lnRef>
+      <a:fillRef idx="1">
+        <a:scrgbClr r="0" g="0" b="0"/>
+      </a:fillRef>
+      <a:effectRef idx="0">
+        <a:scrgbClr r="0" g="0" b="0"/>
+      </a:effectRef>
+      <a:fontRef idx="minor"/>
+    </dgm:style>
+  </dgm:styleLbl>
+  <dgm:styleLbl name="alignImgPlace1">
+    <dgm:scene3d>
+      <a:camera prst="orthographicFront"/>
+      <a:lightRig rig="threePt" dir="t"/>
+    </dgm:scene3d>
+    <dgm:sp3d/>
+    <dgm:txPr/>
+    <dgm:style>
+      <a:lnRef idx="2">
+        <a:scrgbClr r="0" g="0" b="0"/>
+      </a:lnRef>
+      <a:fillRef idx="1">
+        <a:scrgbClr r="0" g="0" b="0"/>
+      </a:fillRef>
+      <a:effectRef idx="0">
+        <a:scrgbClr r="0" g="0" b="0"/>
+      </a:effectRef>
+      <a:fontRef idx="minor"/>
+    </dgm:style>
+  </dgm:styleLbl>
+  <dgm:styleLbl name="bgImgPlace1">
+    <dgm:scene3d>
+      <a:camera prst="orthographicFront"/>
+      <a:lightRig rig="threePt" dir="t"/>
+    </dgm:scene3d>
+    <dgm:sp3d/>
+    <dgm:txPr/>
+    <dgm:style>
+      <a:lnRef idx="2">
+        <a:scrgbClr r="0" g="0" b="0"/>
+      </a:lnRef>
+      <a:fillRef idx="1">
+        <a:scrgbClr r="0" g="0" b="0"/>
+      </a:fillRef>
+      <a:effectRef idx="0">
+        <a:scrgbClr r="0" g="0" b="0"/>
+      </a:effectRef>
+      <a:fontRef idx="minor"/>
+    </dgm:style>
+  </dgm:styleLbl>
+  <dgm:styleLbl name="sibTrans2D1">
+    <dgm:scene3d>
+      <a:camera prst="orthographicFront"/>
+      <a:lightRig rig="threePt" dir="t"/>
+    </dgm:scene3d>
+    <dgm:sp3d/>
+    <dgm:txPr/>
+    <dgm:style>
+      <a:lnRef idx="0">
+        <a:scrgbClr r="0" g="0" b="0"/>
+      </a:lnRef>
+      <a:fillRef idx="1">
+        <a:scrgbClr r="0" g="0" b="0"/>
+      </a:fillRef>
+      <a:effectRef idx="0">
+        <a:scrgbClr r="0" g="0" b="0"/>
+      </a:effectRef>
+      <a:fontRef idx="minor">
+        <a:schemeClr val="lt1"/>
+      </a:fontRef>
+    </dgm:style>
+  </dgm:styleLbl>
+  <dgm:styleLbl name="fgSibTrans2D1">
+    <dgm:scene3d>
+      <a:camera prst="orthographicFront"/>
+      <a:lightRig rig="threePt" dir="t"/>
+    </dgm:scene3d>
+    <dgm:sp3d/>
+    <dgm:txPr/>
+    <dgm:style>
+      <a:lnRef idx="0">
+        <a:scrgbClr r="0" g="0" b="0"/>
+      </a:lnRef>
+      <a:fillRef idx="1">
+        <a:scrgbClr r="0" g="0" b="0"/>
+      </a:fillRef>
+      <a:effectRef idx="0">
+        <a:scrgbClr r="0" g="0" b="0"/>
+      </a:effectRef>
+      <a:fontRef idx="minor">
+        <a:schemeClr val="lt1"/>
+      </a:fontRef>
+    </dgm:style>
+  </dgm:styleLbl>
+  <dgm:styleLbl name="bgSibTrans2D1">
+    <dgm:scene3d>
+      <a:camera prst="orthographicFront"/>
+      <a:lightRig rig="threePt" dir="t"/>
+    </dgm:scene3d>
+    <dgm:sp3d/>
+    <dgm:txPr/>
+    <dgm:style>
+      <a:lnRef idx="0">
+        <a:scrgbClr r="0" g="0" b="0"/>
+      </a:lnRef>
+      <a:fillRef idx="1">
+        <a:scrgbClr r="0" g="0" b="0"/>
+      </a:fillRef>
+      <a:effectRef idx="0">
+        <a:scrgbClr r="0" g="0" b="0"/>
+      </a:effectRef>
+      <a:fontRef idx="minor">
+        <a:schemeClr val="lt1"/>
+      </a:fontRef>
+    </dgm:style>
+  </dgm:styleLbl>
+  <dgm:styleLbl name="sibTrans1D1">
+    <dgm:scene3d>
+      <a:camera prst="orthographicFront"/>
+      <a:lightRig rig="threePt" dir="t"/>
+    </dgm:scene3d>
+    <dgm:sp3d/>
+    <dgm:txPr/>
+    <dgm:style>
+      <a:lnRef idx="1">
+        <a:scrgbClr r="0" g="0" b="0"/>
+      </a:lnRef>
+      <a:fillRef idx="0">
+        <a:scrgbClr r="0" g="0" b="0"/>
+      </a:fillRef>
+      <a:effectRef idx="0">
+        <a:scrgbClr r="0" g="0" b="0"/>
+      </a:effectRef>
+      <a:fontRef idx="minor"/>
+    </dgm:style>
+  </dgm:styleLbl>
+  <dgm:styleLbl name="callout">
+    <dgm:scene3d>
+      <a:camera prst="orthographicFront"/>
+      <a:lightRig rig="threePt" dir="t"/>
+    </dgm:scene3d>
+    <dgm:sp3d/>
+    <dgm:txPr/>
+    <dgm:style>
+      <a:lnRef idx="2">
+        <a:scrgbClr r="0" g="0" b="0"/>
+      </a:lnRef>
+      <a:fillRef idx="1">
+        <a:scrgbClr r="0" g="0" b="0"/>
+      </a:fillRef>
+      <a:effectRef idx="0">
+        <a:scrgbClr r="0" g="0" b="0"/>
+      </a:effectRef>
+      <a:fontRef idx="minor"/>
+    </dgm:style>
+  </dgm:styleLbl>
+  <dgm:styleLbl name="asst0">
+    <dgm:scene3d>
+      <a:camera prst="orthographicFront"/>
+      <a:lightRig rig="threePt" dir="t"/>
+    </dgm:scene3d>
+    <dgm:sp3d/>
+    <dgm:txPr/>
+    <dgm:style>
+      <a:lnRef idx="2">
+        <a:scrgbClr r="0" g="0" b="0"/>
+      </a:lnRef>
+      <a:fillRef idx="1">
+        <a:scrgbClr r="0" g="0" b="0"/>
+      </a:fillRef>
+      <a:effectRef idx="0">
+        <a:scrgbClr r="0" g="0" b="0"/>
+      </a:effectRef>
+      <a:fontRef idx="minor">
+        <a:schemeClr val="lt1"/>
+      </a:fontRef>
+    </dgm:style>
+  </dgm:styleLbl>
+  <dgm:styleLbl name="asst1">
+    <dgm:scene3d>
+      <a:camera prst="orthographicFront"/>
+      <a:lightRig rig="threePt" dir="t"/>
+    </dgm:scene3d>
+    <dgm:sp3d/>
+    <dgm:txPr/>
+    <dgm:style>
+      <a:lnRef idx="2">
+        <a:scrgbClr r="0" g="0" b="0"/>
+      </a:lnRef>
+      <a:fillRef idx="1">
+        <a:scrgbClr r="0" g="0" b="0"/>
+      </a:fillRef>
+      <a:effectRef idx="0">
+        <a:scrgbClr r="0" g="0" b="0"/>
+      </a:effectRef>
+      <a:fontRef idx="minor">
+        <a:schemeClr val="lt1"/>
+      </a:fontRef>
+    </dgm:style>
+  </dgm:styleLbl>
+  <dgm:styleLbl name="asst2">
+    <dgm:scene3d>
+      <a:camera prst="orthographicFront"/>
+      <a:lightRig rig="threePt" dir="t"/>
+    </dgm:scene3d>
+    <dgm:sp3d/>
+    <dgm:txPr/>
+    <dgm:style>
+      <a:lnRef idx="2">
+        <a:scrgbClr r="0" g="0" b="0"/>
+      </a:lnRef>
+      <a:fillRef idx="1">
+        <a:scrgbClr r="0" g="0" b="0"/>
+      </a:fillRef>
+      <a:effectRef idx="0">
+        <a:scrgbClr r="0" g="0" b="0"/>
+      </a:effectRef>
+      <a:fontRef idx="minor">
+        <a:schemeClr val="lt1"/>
+      </a:fontRef>
+    </dgm:style>
+  </dgm:styleLbl>
+  <dgm:styleLbl name="asst3">
+    <dgm:scene3d>
+      <a:camera prst="orthographicFront"/>
+      <a:lightRig rig="threePt" dir="t"/>
+    </dgm:scene3d>
+    <dgm:sp3d/>
+    <dgm:txPr/>
+    <dgm:style>
+      <a:lnRef idx="2">
+        <a:scrgbClr r="0" g="0" b="0"/>
+      </a:lnRef>
+      <a:fillRef idx="1">
+        <a:scrgbClr r="0" g="0" b="0"/>
+      </a:fillRef>
+      <a:effectRef idx="0">
+        <a:scrgbClr r="0" g="0" b="0"/>
+      </a:effectRef>
+      <a:fontRef idx="minor">
+        <a:schemeClr val="lt1"/>
+      </a:fontRef>
+    </dgm:style>
+  </dgm:styleLbl>
+  <dgm:styleLbl name="asst4">
+    <dgm:scene3d>
+      <a:camera prst="orthographicFront"/>
+      <a:lightRig rig="threePt" dir="t"/>
+    </dgm:scene3d>
+    <dgm:sp3d/>
+    <dgm:txPr/>
+    <dgm:style>
+      <a:lnRef idx="2">
+        <a:scrgbClr r="0" g="0" b="0"/>
+      </a:lnRef>
+      <a:fillRef idx="1">
+        <a:scrgbClr r="0" g="0" b="0"/>
+      </a:fillRef>
+      <a:effectRef idx="0">
+        <a:scrgbClr r="0" g="0" b="0"/>
+      </a:effectRef>
+      <a:fontRef idx="minor">
+        <a:schemeClr val="lt1"/>
+      </a:fontRef>
+    </dgm:style>
+  </dgm:styleLbl>
+  <dgm:styleLbl name="parChTrans2D1">
+    <dgm:scene3d>
+      <a:camera prst="orthographicFront"/>
+      <a:lightRig rig="threePt" dir="t"/>
+    </dgm:scene3d>
+    <dgm:sp3d/>
+    <dgm:txPr/>
+    <dgm:style>
+      <a:lnRef idx="2">
+        <a:scrgbClr r="0" g="0" b="0"/>
+      </a:lnRef>
+      <a:fillRef idx="1">
+        <a:scrgbClr r="0" g="0" b="0"/>
+      </a:fillRef>
+      <a:effectRef idx="0">
+        <a:scrgbClr r="0" g="0" b="0"/>
+      </a:effectRef>
+      <a:fontRef idx="minor">
+        <a:schemeClr val="lt1"/>
+      </a:fontRef>
+    </dgm:style>
+  </dgm:styleLbl>
+  <dgm:styleLbl name="parChTrans2D2">
+    <dgm:scene3d>
+      <a:camera prst="orthographicFront"/>
+      <a:lightRig rig="threePt" dir="t"/>
+    </dgm:scene3d>
+    <dgm:sp3d/>
+    <dgm:txPr/>
+    <dgm:style>
+      <a:lnRef idx="2">
+        <a:scrgbClr r="0" g="0" b="0"/>
+      </a:lnRef>
+      <a:fillRef idx="1">
+        <a:scrgbClr r="0" g="0" b="0"/>
+      </a:fillRef>
+      <a:effectRef idx="0">
+        <a:scrgbClr r="0" g="0" b="0"/>
+      </a:effectRef>
+      <a:fontRef idx="minor">
+        <a:schemeClr val="lt1"/>
+      </a:fontRef>
+    </dgm:style>
+  </dgm:styleLbl>
+  <dgm:styleLbl name="parChTrans2D3">
+    <dgm:scene3d>
+      <a:camera prst="orthographicFront"/>
+      <a:lightRig rig="threePt" dir="t"/>
+    </dgm:scene3d>
+    <dgm:sp3d/>
+    <dgm:txPr/>
+    <dgm:style>
+      <a:lnRef idx="2">
+        <a:scrgbClr r="0" g="0" b="0"/>
+      </a:lnRef>
+      <a:fillRef idx="1">
+        <a:scrgbClr r="0" g="0" b="0"/>
+      </a:fillRef>
+      <a:effectRef idx="0">
+        <a:scrgbClr r="0" g="0" b="0"/>
+      </a:effectRef>
+      <a:fontRef idx="minor">
+        <a:schemeClr val="lt1"/>
+      </a:fontRef>
+    </dgm:style>
+  </dgm:styleLbl>
+  <dgm:styleLbl name="parChTrans2D4">
+    <dgm:scene3d>
+      <a:camera prst="orthographicFront"/>
+      <a:lightRig rig="threePt" dir="t"/>
+    </dgm:scene3d>
+    <dgm:sp3d/>
+    <dgm:txPr/>
+    <dgm:style>
+      <a:lnRef idx="2">
+        <a:scrgbClr r="0" g="0" b="0"/>
+      </a:lnRef>
+      <a:fillRef idx="1">
+        <a:scrgbClr r="0" g="0" b="0"/>
+      </a:fillRef>
+      <a:effectRef idx="0">
+        <a:scrgbClr r="0" g="0" b="0"/>
+      </a:effectRef>
+      <a:fontRef idx="minor">
+        <a:schemeClr val="lt1"/>
+      </a:fontRef>
+    </dgm:style>
+  </dgm:styleLbl>
+  <dgm:styleLbl name="parChTrans1D1">
+    <dgm:scene3d>
+      <a:camera prst="orthographicFront"/>
+      <a:lightRig rig="threePt" dir="t"/>
+    </dgm:scene3d>
+    <dgm:sp3d/>
+    <dgm:txPr/>
+    <dgm:style>
+      <a:lnRef idx="2">
+        <a:scrgbClr r="0" g="0" b="0"/>
+      </a:lnRef>
+      <a:fillRef idx="0">
+        <a:scrgbClr r="0" g="0" b="0"/>
+      </a:fillRef>
+      <a:effectRef idx="0">
+        <a:scrgbClr r="0" g="0" b="0"/>
+      </a:effectRef>
+      <a:fontRef idx="minor"/>
+    </dgm:style>
+  </dgm:styleLbl>
+  <dgm:styleLbl name="parChTrans1D2">
+    <dgm:scene3d>
+      <a:camera prst="orthographicFront"/>
+      <a:lightRig rig="threePt" dir="t"/>
+    </dgm:scene3d>
+    <dgm:sp3d/>
+    <dgm:txPr/>
+    <dgm:style>
+      <a:lnRef idx="2">
+        <a:scrgbClr r="0" g="0" b="0"/>
+      </a:lnRef>
+      <a:fillRef idx="0">
+        <a:scrgbClr r="0" g="0" b="0"/>
+      </a:fillRef>
+      <a:effectRef idx="0">
+        <a:scrgbClr r="0" g="0" b="0"/>
+      </a:effectRef>
+      <a:fontRef idx="minor"/>
+    </dgm:style>
+  </dgm:styleLbl>
+  <dgm:styleLbl name="parChTrans1D3">
+    <dgm:scene3d>
+      <a:camera prst="orthographicFront"/>
+      <a:lightRig rig="threePt" dir="t"/>
+    </dgm:scene3d>
+    <dgm:sp3d/>
+    <dgm:txPr/>
+    <dgm:style>
+      <a:lnRef idx="2">
+        <a:scrgbClr r="0" g="0" b="0"/>
+      </a:lnRef>
+      <a:fillRef idx="0">
+        <a:scrgbClr r="0" g="0" b="0"/>
+      </a:fillRef>
+      <a:effectRef idx="0">
+        <a:scrgbClr r="0" g="0" b="0"/>
+      </a:effectRef>
+      <a:fontRef idx="minor"/>
+    </dgm:style>
+  </dgm:styleLbl>
+  <dgm:styleLbl name="parChTrans1D4">
+    <dgm:scene3d>
+      <a:camera prst="orthographicFront"/>
+      <a:lightRig rig="threePt" dir="t"/>
+    </dgm:scene3d>
+    <dgm:sp3d/>
+    <dgm:txPr/>
+    <dgm:style>
+      <a:lnRef idx="2">
+        <a:scrgbClr r="0" g="0" b="0"/>
+      </a:lnRef>
+      <a:fillRef idx="0">
+        <a:scrgbClr r="0" g="0" b="0"/>
+      </a:fillRef>
+      <a:effectRef idx="0">
+        <a:scrgbClr r="0" g="0" b="0"/>
+      </a:effectRef>
+      <a:fontRef idx="minor"/>
+    </dgm:style>
+  </dgm:styleLbl>
+  <dgm:styleLbl name="fgAcc1">
+    <dgm:scene3d>
+      <a:camera prst="orthographicFront"/>
+      <a:lightRig rig="threePt" dir="t"/>
+    </dgm:scene3d>
+    <dgm:sp3d/>
+    <dgm:txPr/>
+    <dgm:style>
+      <a:lnRef idx="2">
+        <a:scrgbClr r="0" g="0" b="0"/>
+      </a:lnRef>
+      <a:fillRef idx="1">
+        <a:scrgbClr r="0" g="0" b="0"/>
+      </a:fillRef>
+      <a:effectRef idx="0">
+        <a:scrgbClr r="0" g="0" b="0"/>
+      </a:effectRef>
+      <a:fontRef idx="minor"/>
+    </dgm:style>
+  </dgm:styleLbl>
+  <dgm:styleLbl name="conFgAcc1">
+    <dgm:scene3d>
+      <a:camera prst="orthographicFront"/>
+      <a:lightRig rig="threePt" dir="t"/>
+    </dgm:scene3d>
+    <dgm:sp3d/>
+    <dgm:txPr/>
+    <dgm:style>
+      <a:lnRef idx="2">
+        <a:scrgbClr r="0" g="0" b="0"/>
+      </a:lnRef>
+      <a:fillRef idx="1">
+        <a:scrgbClr r="0" g="0" b="0"/>
+      </a:fillRef>
+      <a:effectRef idx="0">
+        <a:scrgbClr r="0" g="0" b="0"/>
+      </a:effectRef>
+      <a:fontRef idx="minor"/>
+    </dgm:style>
+  </dgm:styleLbl>
+  <dgm:styleLbl name="alignAcc1">
+    <dgm:scene3d>
+      <a:camera prst="orthographicFront"/>
+      <a:lightRig rig="threePt" dir="t"/>
+    </dgm:scene3d>
+    <dgm:sp3d/>
+    <dgm:txPr/>
+    <dgm:style>
+      <a:lnRef idx="2">
+        <a:scrgbClr r="0" g="0" b="0"/>
+      </a:lnRef>
+      <a:fillRef idx="1">
+        <a:scrgbClr r="0" g="0" b="0"/>
+      </a:fillRef>
+      <a:effectRef idx="0">
+        <a:scrgbClr r="0" g="0" b="0"/>
+      </a:effectRef>
+      <a:fontRef idx="minor"/>
+    </dgm:style>
+  </dgm:styleLbl>
+  <dgm:styleLbl name="trAlignAcc1">
+    <dgm:scene3d>
+      <a:camera prst="orthographicFront"/>
+      <a:lightRig rig="threePt" dir="t"/>
+    </dgm:scene3d>
+    <dgm:sp3d/>
+    <dgm:txPr/>
+    <dgm:style>
+      <a:lnRef idx="1">
+        <a:scrgbClr r="0" g="0" b="0"/>
+      </a:lnRef>
+      <a:fillRef idx="1">
+        <a:scrgbClr r="0" g="0" b="0"/>
+      </a:fillRef>
+      <a:effectRef idx="0">
+        <a:scrgbClr r="0" g="0" b="0"/>
+      </a:effectRef>
+      <a:fontRef idx="minor"/>
+    </dgm:style>
+  </dgm:styleLbl>
+  <dgm:styleLbl name="bgAcc1">
+    <dgm:scene3d>
+      <a:camera prst="orthographicFront"/>
+      <a:lightRig rig="threePt" dir="t"/>
+    </dgm:scene3d>
+    <dgm:sp3d/>
+    <dgm:txPr/>
+    <dgm:style>
+      <a:lnRef idx="2">
+        <a:scrgbClr r="0" g="0" b="0"/>
+      </a:lnRef>
+      <a:fillRef idx="1">
+        <a:scrgbClr r="0" g="0" b="0"/>
+      </a:fillRef>
+      <a:effectRef idx="0">
+        <a:scrgbClr r="0" g="0" b="0"/>
+      </a:effectRef>
+      <a:fontRef idx="minor"/>
+    </dgm:style>
+  </dgm:styleLbl>
+  <dgm:styleLbl name="solidFgAcc1">
+    <dgm:scene3d>
+      <a:camera prst="orthographicFront"/>
+      <a:lightRig rig="threePt" dir="t"/>
+    </dgm:scene3d>
+    <dgm:sp3d/>
+    <dgm:txPr/>
+    <dgm:style>
+      <a:lnRef idx="2">
+        <a:scrgbClr r="0" g="0" b="0"/>
+      </a:lnRef>
+      <a:fillRef idx="1">
+        <a:scrgbClr r="0" g="0" b="0"/>
+      </a:fillRef>
+      <a:effectRef idx="0">
+        <a:scrgbClr r="0" g="0" b="0"/>
+      </a:effectRef>
+      <a:fontRef idx="minor"/>
+    </dgm:style>
+  </dgm:styleLbl>
+  <dgm:styleLbl name="solidAlignAcc1">
+    <dgm:scene3d>
+      <a:camera prst="orthographicFront"/>
+      <a:lightRig rig="threePt" dir="t"/>
+    </dgm:scene3d>
+    <dgm:sp3d/>
+    <dgm:txPr/>
+    <dgm:style>
+      <a:lnRef idx="2">
+        <a:scrgbClr r="0" g="0" b="0"/>
+      </a:lnRef>
+      <a:fillRef idx="1">
+        <a:scrgbClr r="0" g="0" b="0"/>
+      </a:fillRef>
+      <a:effectRef idx="0">
+        <a:scrgbClr r="0" g="0" b="0"/>
+      </a:effectRef>
+      <a:fontRef idx="minor"/>
+    </dgm:style>
+  </dgm:styleLbl>
+  <dgm:styleLbl name="solidBgAcc1">
+    <dgm:scene3d>
+      <a:camera prst="orthographicFront"/>
+      <a:lightRig rig="threePt" dir="t"/>
+    </dgm:scene3d>
+    <dgm:sp3d/>
+    <dgm:txPr/>
+    <dgm:style>
+      <a:lnRef idx="2">
+        <a:scrgbClr r="0" g="0" b="0"/>
+      </a:lnRef>
+      <a:fillRef idx="1">
+        <a:scrgbClr r="0" g="0" b="0"/>
+      </a:fillRef>
+      <a:effectRef idx="0">
+        <a:scrgbClr r="0" g="0" b="0"/>
+      </a:effectRef>
+      <a:fontRef idx="minor"/>
+    </dgm:style>
+  </dgm:styleLbl>
+  <dgm:styleLbl name="fgAccFollowNode1">
+    <dgm:scene3d>
+      <a:camera prst="orthographicFront"/>
+      <a:lightRig rig="threePt" dir="t"/>
+    </dgm:scene3d>
+    <dgm:sp3d/>
+    <dgm:txPr/>
+    <dgm:style>
+      <a:lnRef idx="2">
+        <a:scrgbClr r="0" g="0" b="0"/>
+      </a:lnRef>
+      <a:fillRef idx="1">
+        <a:scrgbClr r="0" g="0" b="0"/>
+      </a:fillRef>
+      <a:effectRef idx="0">
+        <a:scrgbClr r="0" g="0" b="0"/>
+      </a:effectRef>
+      <a:fontRef idx="minor"/>
+    </dgm:style>
+  </dgm:styleLbl>
+  <dgm:styleLbl name="alignAccFollowNode1">
+    <dgm:scene3d>
+      <a:camera prst="orthographicFront"/>
+      <a:lightRig rig="threePt" dir="t"/>
+    </dgm:scene3d>
+    <dgm:sp3d/>
+    <dgm:txPr/>
+    <dgm:style>
+      <a:lnRef idx="2">
+        <a:scrgbClr r="0" g="0" b="0"/>
+      </a:lnRef>
+      <a:fillRef idx="1">
+        <a:scrgbClr r="0" g="0" b="0"/>
+      </a:fillRef>
+      <a:effectRef idx="0">
+        <a:scrgbClr r="0" g="0" b="0"/>
+      </a:effectRef>
+      <a:fontRef idx="minor"/>
+    </dgm:style>
+  </dgm:styleLbl>
+  <dgm:styleLbl name="bgAccFollowNode1">
+    <dgm:scene3d>
+      <a:camera prst="orthographicFront"/>
+      <a:lightRig rig="threePt" dir="t"/>
+    </dgm:scene3d>
+    <dgm:sp3d/>
+    <dgm:txPr/>
+    <dgm:style>
+      <a:lnRef idx="2">
+        <a:scrgbClr r="0" g="0" b="0"/>
+      </a:lnRef>
+      <a:fillRef idx="1">
+        <a:scrgbClr r="0" g="0" b="0"/>
+      </a:fillRef>
+      <a:effectRef idx="0">
+        <a:scrgbClr r="0" g="0" b="0"/>
+      </a:effectRef>
+      <a:fontRef idx="minor"/>
+    </dgm:style>
+  </dgm:styleLbl>
+  <dgm:styleLbl name="fgAcc0">
+    <dgm:scene3d>
+      <a:camera prst="orthographicFront"/>
+      <a:lightRig rig="threePt" dir="t"/>
+    </dgm:scene3d>
+    <dgm:sp3d/>
+    <dgm:txPr/>
+    <dgm:style>
+      <a:lnRef idx="2">
+        <a:scrgbClr r="0" g="0" b="0"/>
+      </a:lnRef>
+      <a:fillRef idx="1">
+        <a:scrgbClr r="0" g="0" b="0"/>
+      </a:fillRef>
+      <a:effectRef idx="0">
+        <a:scrgbClr r="0" g="0" b="0"/>
+      </a:effectRef>
+      <a:fontRef idx="minor"/>
+    </dgm:style>
+  </dgm:styleLbl>
+  <dgm:styleLbl name="fgAcc2">
+    <dgm:scene3d>
+      <a:camera prst="orthographicFront"/>
+      <a:lightRig rig="threePt" dir="t"/>
+    </dgm:scene3d>
+    <dgm:sp3d/>
+    <dgm:txPr/>
+    <dgm:style>
+      <a:lnRef idx="2">
+        <a:scrgbClr r="0" g="0" b="0"/>
+      </a:lnRef>
+      <a:fillRef idx="1">
+        <a:scrgbClr r="0" g="0" b="0"/>
+      </a:fillRef>
+      <a:effectRef idx="0">
+        <a:scrgbClr r="0" g="0" b="0"/>
+      </a:effectRef>
+      <a:fontRef idx="minor"/>
+    </dgm:style>
+  </dgm:styleLbl>
+  <dgm:styleLbl name="fgAcc3">
+    <dgm:scene3d>
+      <a:camera prst="orthographicFront"/>
+      <a:lightRig rig="threePt" dir="t"/>
+    </dgm:scene3d>
+    <dgm:sp3d/>
+    <dgm:txPr/>
+    <dgm:style>
+      <a:lnRef idx="2">
+        <a:scrgbClr r="0" g="0" b="0"/>
+      </a:lnRef>
+      <a:fillRef idx="1">
+        <a:scrgbClr r="0" g="0" b="0"/>
+      </a:fillRef>
+      <a:effectRef idx="0">
+        <a:scrgbClr r="0" g="0" b="0"/>
+      </a:effectRef>
+      <a:fontRef idx="minor"/>
+    </dgm:style>
+  </dgm:styleLbl>
+  <dgm:styleLbl name="fgAcc4">
+    <dgm:scene3d>
+      <a:camera prst="orthographicFront"/>
+      <a:lightRig rig="threePt" dir="t"/>
+    </dgm:scene3d>
+    <dgm:sp3d/>
+    <dgm:txPr/>
+    <dgm:style>
+      <a:lnRef idx="2">
+        <a:scrgbClr r="0" g="0" b="0"/>
+      </a:lnRef>
+      <a:fillRef idx="1">
+        <a:scrgbClr r="0" g="0" b="0"/>
+      </a:fillRef>
+      <a:effectRef idx="0">
+        <a:scrgbClr r="0" g="0" b="0"/>
+      </a:effectRef>
+      <a:fontRef idx="minor"/>
+    </dgm:style>
+  </dgm:styleLbl>
+  <dgm:styleLbl name="bgShp">
+    <dgm:scene3d>
+      <a:camera prst="orthographicFront"/>
+      <a:lightRig rig="threePt" dir="t"/>
+    </dgm:scene3d>
+    <dgm:sp3d/>
+    <dgm:txPr/>
+    <dgm:style>
+      <a:lnRef idx="0">
+        <a:scrgbClr r="0" g="0" b="0"/>
+      </a:lnRef>
+      <a:fillRef idx="1">
+        <a:scrgbClr r="0" g="0" b="0"/>
+      </a:fillRef>
+      <a:effectRef idx="0">
+        <a:scrgbClr r="0" g="0" b="0"/>
+      </a:effectRef>
+      <a:fontRef idx="minor"/>
+    </dgm:style>
+  </dgm:styleLbl>
+  <dgm:styleLbl name="dkBgShp">
+    <dgm:scene3d>
+      <a:camera prst="orthographicFront"/>
+      <a:lightRig rig="threePt" dir="t"/>
+    </dgm:scene3d>
+    <dgm:sp3d/>
+    <dgm:txPr/>
+    <dgm:style>
+      <a:lnRef idx="0">
+        <a:scrgbClr r="0" g="0" b="0"/>
+      </a:lnRef>
+      <a:fillRef idx="1">
+        <a:scrgbClr r="0" g="0" b="0"/>
+      </a:fillRef>
+      <a:effectRef idx="0">
+        <a:scrgbClr r="0" g="0" b="0"/>
+      </a:effectRef>
+      <a:fontRef idx="minor"/>
+    </dgm:style>
+  </dgm:styleLbl>
+  <dgm:styleLbl name="trBgShp">
+    <dgm:scene3d>
+      <a:camera prst="orthographicFront"/>
+      <a:lightRig rig="threePt" dir="t"/>
+    </dgm:scene3d>
+    <dgm:sp3d/>
+    <dgm:txPr/>
+    <dgm:style>
+      <a:lnRef idx="0">
+        <a:scrgbClr r="0" g="0" b="0"/>
+      </a:lnRef>
+      <a:fillRef idx="1">
+        <a:scrgbClr r="0" g="0" b="0"/>
+      </a:fillRef>
+      <a:effectRef idx="0">
+        <a:scrgbClr r="0" g="0" b="0"/>
+      </a:effectRef>
+      <a:fontRef idx="minor"/>
+    </dgm:style>
+  </dgm:styleLbl>
+  <dgm:styleLbl name="fgShp">
+    <dgm:scene3d>
+      <a:camera prst="orthographicFront"/>
+      <a:lightRig rig="threePt" dir="t"/>
+    </dgm:scene3d>
+    <dgm:sp3d/>
+    <dgm:txPr/>
+    <dgm:style>
+      <a:lnRef idx="2">
+        <a:scrgbClr r="0" g="0" b="0"/>
+      </a:lnRef>
+      <a:fillRef idx="1">
+        <a:scrgbClr r="0" g="0" b="0"/>
+      </a:fillRef>
+      <a:effectRef idx="0">
+        <a:scrgbClr r="0" g="0" b="0"/>
+      </a:effectRef>
+      <a:fontRef idx="minor"/>
+    </dgm:style>
+  </dgm:styleLbl>
+  <dgm:styleLbl name="revTx">
+    <dgm:scene3d>
+      <a:camera prst="orthographicFront"/>
+      <a:lightRig rig="threePt" dir="t"/>
+    </dgm:scene3d>
+    <dgm:sp3d/>
+    <dgm:txPr/>
+    <dgm:style>
+      <a:lnRef idx="0">
+        <a:scrgbClr r="0" g="0" b="0"/>
+      </a:lnRef>
+      <a:fillRef idx="0">
+        <a:scrgbClr r="0" g="0" b="0"/>
+      </a:fillRef>
+      <a:effectRef idx="0">
+        <a:scrgbClr r="0" g="0" b="0"/>
+      </a:effectRef>
+      <a:fontRef idx="minor"/>
+    </dgm:style>
+  </dgm:styleLbl>
+</dgm:styleDef>
+</file>
+
 <file path=ppt/notesMasters/notesMaster1.xml><?xml version="1.0" encoding="utf-8"?>
 <p:notesMaster xmlns:a="http://schemas.openxmlformats.org/drawingml/2006/main" xmlns:r="http://schemas.openxmlformats.org/officeDocument/2006/relationships" xmlns:p="http://schemas.openxmlformats.org/presentationml/2006/main">
   <p:cSld>
@@ -216,7 +3328,7 @@
           <a:p>
             <a:fld id="{3C984E42-C6CA-4C97-96C7-CA2C1EC7B515}" type="datetimeFigureOut">
               <a:rPr lang="bg-BG" smtClean="0"/>
-              <a:t>23.04.2019</a:t>
+              <a:t>1.5.2019 г.</a:t>
             </a:fld>
             <a:endParaRPr lang="bg-BG"/>
           </a:p>
@@ -528,86 +3640,7 @@
           <a:bodyPr/>
           <a:lstStyle/>
           <a:p>
-            <a:pPr marL="171450" indent="-171450">
-              <a:buFont typeface="Arial" panose="020B0604020202020204" pitchFamily="34" charset="0"/>
-              <a:buChar char="•"/>
-            </a:pPr>
-            <a:r>
-              <a:rPr lang="en-US" dirty="0"/>
-              <a:t>Multiple teams</a:t>
-            </a:r>
-          </a:p>
-          <a:p>
-            <a:pPr marL="628650" lvl="1" indent="-171450">
-              <a:buFont typeface="Arial" panose="020B0604020202020204" pitchFamily="34" charset="0"/>
-              <a:buChar char="•"/>
-            </a:pPr>
-            <a:r>
-              <a:rPr lang="en-US" dirty="0"/>
-              <a:t>Code quality rules, like typescript + specific </a:t>
-            </a:r>
-            <a:r>
-              <a:rPr lang="en-US" dirty="0" err="1"/>
-              <a:t>ts.config</a:t>
-            </a:r>
-            <a:endParaRPr lang="en-US" dirty="0"/>
-          </a:p>
-          <a:p>
-            <a:pPr marL="628650" lvl="1" indent="-171450">
-              <a:buFont typeface="Arial" panose="020B0604020202020204" pitchFamily="34" charset="0"/>
-              <a:buChar char="•"/>
-            </a:pPr>
-            <a:r>
-              <a:rPr lang="en-US" dirty="0"/>
-              <a:t>Migrating developers between teams that are building applications the same way</a:t>
-            </a:r>
-          </a:p>
-          <a:p>
-            <a:pPr marL="628650" lvl="1" indent="-171450">
-              <a:buFont typeface="Arial" panose="020B0604020202020204" pitchFamily="34" charset="0"/>
-              <a:buChar char="•"/>
-            </a:pPr>
-            <a:endParaRPr lang="en-US" dirty="0"/>
-          </a:p>
-          <a:p>
-            <a:pPr marL="171450" lvl="0" indent="-171450">
-              <a:buFont typeface="Arial" panose="020B0604020202020204" pitchFamily="34" charset="0"/>
-              <a:buChar char="•"/>
-            </a:pPr>
-            <a:r>
-              <a:rPr lang="en-US" dirty="0"/>
-              <a:t>Multiple teams </a:t>
-            </a:r>
-          </a:p>
-          <a:p>
-            <a:pPr marL="628650" lvl="1" indent="-171450">
-              <a:buFont typeface="Arial" panose="020B0604020202020204" pitchFamily="34" charset="0"/>
-              <a:buChar char="•"/>
-            </a:pPr>
-            <a:r>
-              <a:rPr lang="en-US" dirty="0"/>
-              <a:t>UI components sharing</a:t>
-            </a:r>
-          </a:p>
-          <a:p>
-            <a:pPr marL="628650" lvl="1" indent="-171450">
-              <a:buFont typeface="Arial" panose="020B0604020202020204" pitchFamily="34" charset="0"/>
-              <a:buChar char="•"/>
-            </a:pPr>
-            <a:r>
-              <a:rPr lang="en-US" dirty="0"/>
-              <a:t>Easier onboarding when switching teams</a:t>
-            </a:r>
-          </a:p>
-          <a:p>
-            <a:pPr marL="628650" lvl="1" indent="-171450">
-              <a:buFont typeface="Arial" panose="020B0604020202020204" pitchFamily="34" charset="0"/>
-              <a:buChar char="•"/>
-            </a:pPr>
-            <a:r>
-              <a:rPr lang="en-US" dirty="0"/>
-              <a:t>Common modules for implementing a requirement, like authentication module</a:t>
-            </a:r>
+            <a:endParaRPr lang="bg-BG" dirty="0"/>
           </a:p>
         </p:txBody>
       </p:sp>
@@ -628,7 +3661,7 @@
           <a:p>
             <a:fld id="{9571CB9B-B82F-460B-B086-0250925F788A}" type="slidenum">
               <a:rPr lang="bg-BG" smtClean="0"/>
-              <a:t>3</a:t>
+              <a:t>2</a:t>
             </a:fld>
             <a:endParaRPr lang="bg-BG"/>
           </a:p>
@@ -637,7 +3670,7 @@
     </p:spTree>
     <p:extLst>
       <p:ext uri="{BB962C8B-B14F-4D97-AF65-F5344CB8AC3E}">
-        <p14:creationId xmlns:p14="http://schemas.microsoft.com/office/powerpoint/2010/main" val="4133759839"/>
+        <p14:creationId xmlns:p14="http://schemas.microsoft.com/office/powerpoint/2010/main" val="1660564483"/>
       </p:ext>
     </p:extLst>
   </p:cSld>
@@ -691,119 +3724,86 @@
           <a:bodyPr/>
           <a:lstStyle/>
           <a:p>
-            <a:r>
-              <a:rPr lang="en-US" sz="1200" b="0" kern="1200" dirty="0">
-                <a:solidFill>
-                  <a:schemeClr val="tx1"/>
-                </a:solidFill>
-                <a:effectLst/>
-                <a:latin typeface="+mn-lt"/>
-                <a:ea typeface="+mn-ea"/>
-                <a:cs typeface="+mn-cs"/>
-              </a:rPr>
-              <a:t>When working in a company consisting of development teams, where new features are implemented on daily basis, there is high possibility, if you had not integrated some kind of code sharing system/process, that huge chunk of your development hours is rediscovering the wheel, that some of your colleagues had discovered last week, or maybe multiple people might be trying to solve the same task in parallel. </a:t>
-            </a:r>
-          </a:p>
-          <a:p>
-            <a:r>
-              <a:rPr lang="en-US" sz="1200" b="0" kern="1200" dirty="0">
-                <a:solidFill>
-                  <a:schemeClr val="tx1"/>
-                </a:solidFill>
-                <a:effectLst/>
-                <a:latin typeface="+mn-lt"/>
-                <a:ea typeface="+mn-ea"/>
-                <a:cs typeface="+mn-cs"/>
-              </a:rPr>
-              <a:t/>
-            </a:r>
-            <a:br>
-              <a:rPr lang="en-US" sz="1200" b="0" kern="1200" dirty="0">
-                <a:solidFill>
-                  <a:schemeClr val="tx1"/>
-                </a:solidFill>
-                <a:effectLst/>
-                <a:latin typeface="+mn-lt"/>
-                <a:ea typeface="+mn-ea"/>
-                <a:cs typeface="+mn-cs"/>
-              </a:rPr>
-            </a:br>
-            <a:r>
-              <a:rPr lang="en-US" sz="1200" b="0" kern="1200" dirty="0">
-                <a:solidFill>
-                  <a:schemeClr val="tx1"/>
-                </a:solidFill>
-                <a:effectLst/>
-                <a:latin typeface="+mn-lt"/>
-                <a:ea typeface="+mn-ea"/>
-                <a:cs typeface="+mn-cs"/>
-              </a:rPr>
-              <a:t>If you are familiar with the code base of your neighbor teams, you might be able to `copy` =&gt; `paste` some code, which also does not solves the copying problem at all.</a:t>
-            </a:r>
-          </a:p>
-          <a:p>
-            <a:r>
-              <a:rPr lang="en-US" sz="1200" b="0" kern="1200" dirty="0">
-                <a:solidFill>
-                  <a:schemeClr val="tx1"/>
-                </a:solidFill>
-                <a:effectLst/>
-                <a:latin typeface="+mn-lt"/>
-                <a:ea typeface="+mn-ea"/>
-                <a:cs typeface="+mn-cs"/>
-              </a:rPr>
-              <a:t/>
-            </a:r>
-            <a:br>
-              <a:rPr lang="en-US" sz="1200" b="0" kern="1200" dirty="0">
-                <a:solidFill>
-                  <a:schemeClr val="tx1"/>
-                </a:solidFill>
-                <a:effectLst/>
-                <a:latin typeface="+mn-lt"/>
-                <a:ea typeface="+mn-ea"/>
-                <a:cs typeface="+mn-cs"/>
-              </a:rPr>
-            </a:br>
-            <a:r>
-              <a:rPr lang="en-US" sz="1200" b="0" kern="1200" dirty="0">
-                <a:solidFill>
-                  <a:schemeClr val="tx1"/>
-                </a:solidFill>
-                <a:effectLst/>
-                <a:latin typeface="+mn-lt"/>
-                <a:ea typeface="+mn-ea"/>
-                <a:cs typeface="+mn-cs"/>
-              </a:rPr>
-              <a:t>In long </a:t>
-            </a:r>
-            <a:r>
-              <a:rPr lang="en-US" sz="1200" b="0" kern="1200" dirty="0" err="1">
-                <a:solidFill>
-                  <a:schemeClr val="tx1"/>
-                </a:solidFill>
-                <a:effectLst/>
-                <a:latin typeface="+mn-lt"/>
-                <a:ea typeface="+mn-ea"/>
-                <a:cs typeface="+mn-cs"/>
-              </a:rPr>
-              <a:t>therm</a:t>
-            </a:r>
-            <a:r>
-              <a:rPr lang="en-US" sz="1200" b="0" kern="1200" dirty="0">
-                <a:solidFill>
-                  <a:schemeClr val="tx1"/>
-                </a:solidFill>
-                <a:effectLst/>
-                <a:latin typeface="+mn-lt"/>
-                <a:ea typeface="+mn-ea"/>
-                <a:cs typeface="+mn-cs"/>
-              </a:rPr>
-              <a:t> the differences that occur, will stack upon each other, which will lead to serious mismatches in the products delivered by the different teams, which often is not the desired result.</a:t>
-            </a:r>
-          </a:p>
-          <a:p>
-            <a:endParaRPr lang="bg-BG" dirty="0"/>
+            <a:pPr marL="171450" indent="-171450">
+              <a:buFont typeface="Arial" panose="020B0604020202020204" pitchFamily="34" charset="0"/>
+              <a:buChar char="•"/>
+            </a:pPr>
+            <a:r>
+              <a:rPr lang="en-US" dirty="0"/>
+              <a:t>Multiple teams</a:t>
+            </a:r>
+          </a:p>
+          <a:p>
+            <a:pPr marL="628650" lvl="1" indent="-171450">
+              <a:buFont typeface="Arial" panose="020B0604020202020204" pitchFamily="34" charset="0"/>
+              <a:buChar char="•"/>
+            </a:pPr>
+            <a:r>
+              <a:rPr lang="en-US" dirty="0"/>
+              <a:t>Code quality rules, like typescript + specific </a:t>
+            </a:r>
+            <a:r>
+              <a:rPr lang="en-US" dirty="0" err="1"/>
+              <a:t>ts.config</a:t>
+            </a:r>
+            <a:endParaRPr lang="en-US" dirty="0"/>
+          </a:p>
+          <a:p>
+            <a:pPr marL="628650" lvl="1" indent="-171450">
+              <a:buFont typeface="Arial" panose="020B0604020202020204" pitchFamily="34" charset="0"/>
+              <a:buChar char="•"/>
+            </a:pPr>
+            <a:r>
+              <a:rPr lang="en-US" dirty="0"/>
+              <a:t>Migrating developers between teams that are building applications the same way</a:t>
+            </a:r>
+          </a:p>
+          <a:p>
+            <a:pPr marL="628650" lvl="1" indent="-171450">
+              <a:buFont typeface="Arial" panose="020B0604020202020204" pitchFamily="34" charset="0"/>
+              <a:buChar char="•"/>
+            </a:pPr>
+            <a:endParaRPr lang="en-US" dirty="0"/>
+          </a:p>
+          <a:p>
+            <a:pPr marL="171450" lvl="0" indent="-171450">
+              <a:buFont typeface="Arial" panose="020B0604020202020204" pitchFamily="34" charset="0"/>
+              <a:buChar char="•"/>
+            </a:pPr>
+            <a:r>
+              <a:rPr lang="en-US" dirty="0"/>
+              <a:t>Multiple teams </a:t>
+            </a:r>
+          </a:p>
+          <a:p>
+            <a:pPr marL="628650" lvl="1" indent="-171450">
+              <a:buFont typeface="Arial" panose="020B0604020202020204" pitchFamily="34" charset="0"/>
+              <a:buChar char="•"/>
+            </a:pPr>
+            <a:r>
+              <a:rPr lang="en-US" dirty="0"/>
+              <a:t>UI components sharing</a:t>
+            </a:r>
+          </a:p>
+          <a:p>
+            <a:pPr marL="628650" lvl="1" indent="-171450">
+              <a:buFont typeface="Arial" panose="020B0604020202020204" pitchFamily="34" charset="0"/>
+              <a:buChar char="•"/>
+            </a:pPr>
+            <a:r>
+              <a:rPr lang="en-US" dirty="0"/>
+              <a:t>Easier onboarding when switching teams</a:t>
+            </a:r>
+          </a:p>
+          <a:p>
+            <a:pPr marL="628650" lvl="1" indent="-171450">
+              <a:buFont typeface="Arial" panose="020B0604020202020204" pitchFamily="34" charset="0"/>
+              <a:buChar char="•"/>
+            </a:pPr>
+            <a:r>
+              <a:rPr lang="en-US" dirty="0"/>
+              <a:t>Common modules for implementing a requirement, like authentication module</a:t>
+            </a:r>
           </a:p>
         </p:txBody>
       </p:sp>
@@ -824,7 +3824,7 @@
           <a:p>
             <a:fld id="{9571CB9B-B82F-460B-B086-0250925F788A}" type="slidenum">
               <a:rPr lang="bg-BG" smtClean="0"/>
-              <a:t>4</a:t>
+              <a:t>3</a:t>
             </a:fld>
             <a:endParaRPr lang="bg-BG"/>
           </a:p>
@@ -833,7 +3833,7 @@
     </p:spTree>
     <p:extLst>
       <p:ext uri="{BB962C8B-B14F-4D97-AF65-F5344CB8AC3E}">
-        <p14:creationId xmlns:p14="http://schemas.microsoft.com/office/powerpoint/2010/main" val="2021797652"/>
+        <p14:creationId xmlns:p14="http://schemas.microsoft.com/office/powerpoint/2010/main" val="4133759839"/>
       </p:ext>
     </p:extLst>
   </p:cSld>
@@ -887,6 +3887,94 @@
           <a:bodyPr/>
           <a:lstStyle/>
           <a:p>
+            <a:r>
+              <a:rPr lang="en-US" sz="1200" b="0" kern="1200" dirty="0">
+                <a:solidFill>
+                  <a:schemeClr val="tx1"/>
+                </a:solidFill>
+                <a:effectLst/>
+                <a:latin typeface="+mn-lt"/>
+                <a:ea typeface="+mn-ea"/>
+                <a:cs typeface="+mn-cs"/>
+              </a:rPr>
+              <a:t>When working in a company consisting of development teams, where new features are implemented on daily basis, there is high possibility, if you had not integrated some kind of code sharing system/process, that huge chunk of your development hours is rediscovering the wheel, that some of your colleagues had discovered last week, or maybe multiple people might be trying to solve the same task in parallel. </a:t>
+            </a:r>
+          </a:p>
+          <a:p>
+            <a:br>
+              <a:rPr lang="en-US" sz="1200" b="0" kern="1200" dirty="0">
+                <a:solidFill>
+                  <a:schemeClr val="tx1"/>
+                </a:solidFill>
+                <a:effectLst/>
+                <a:latin typeface="+mn-lt"/>
+                <a:ea typeface="+mn-ea"/>
+                <a:cs typeface="+mn-cs"/>
+              </a:rPr>
+            </a:br>
+            <a:r>
+              <a:rPr lang="en-US" sz="1200" b="0" kern="1200" dirty="0">
+                <a:solidFill>
+                  <a:schemeClr val="tx1"/>
+                </a:solidFill>
+                <a:effectLst/>
+                <a:latin typeface="+mn-lt"/>
+                <a:ea typeface="+mn-ea"/>
+                <a:cs typeface="+mn-cs"/>
+              </a:rPr>
+              <a:t>If you are familiar with the code base of your neighbor teams, you might be able to `copy` =&gt; `paste` some code, which also does not solves the copying problem at all.</a:t>
+            </a:r>
+          </a:p>
+          <a:p>
+            <a:br>
+              <a:rPr lang="en-US" sz="1200" b="0" kern="1200" dirty="0">
+                <a:solidFill>
+                  <a:schemeClr val="tx1"/>
+                </a:solidFill>
+                <a:effectLst/>
+                <a:latin typeface="+mn-lt"/>
+                <a:ea typeface="+mn-ea"/>
+                <a:cs typeface="+mn-cs"/>
+              </a:rPr>
+            </a:br>
+            <a:r>
+              <a:rPr lang="en-US" sz="1200" b="0" kern="1200" dirty="0">
+                <a:solidFill>
+                  <a:schemeClr val="tx1"/>
+                </a:solidFill>
+                <a:effectLst/>
+                <a:latin typeface="+mn-lt"/>
+                <a:ea typeface="+mn-ea"/>
+                <a:cs typeface="+mn-cs"/>
+              </a:rPr>
+              <a:t>In long </a:t>
+            </a:r>
+            <a:r>
+              <a:rPr lang="en-US" sz="1200" b="0" kern="1200" dirty="0" err="1">
+                <a:solidFill>
+                  <a:schemeClr val="tx1"/>
+                </a:solidFill>
+                <a:effectLst/>
+                <a:latin typeface="+mn-lt"/>
+                <a:ea typeface="+mn-ea"/>
+                <a:cs typeface="+mn-cs"/>
+              </a:rPr>
+              <a:t>therm</a:t>
+            </a:r>
+            <a:r>
+              <a:rPr lang="en-US" sz="1200" b="0" kern="1200" dirty="0">
+                <a:solidFill>
+                  <a:schemeClr val="tx1"/>
+                </a:solidFill>
+                <a:effectLst/>
+                <a:latin typeface="+mn-lt"/>
+                <a:ea typeface="+mn-ea"/>
+                <a:cs typeface="+mn-cs"/>
+              </a:rPr>
+              <a:t> the differences that occur, will stack upon each other, which will lead to serious mismatches in the products delivered by the different teams, which often is not the desired result.</a:t>
+            </a:r>
+          </a:p>
+          <a:p>
             <a:endParaRPr lang="bg-BG" dirty="0"/>
           </a:p>
         </p:txBody>
@@ -908,7 +3996,7 @@
           <a:p>
             <a:fld id="{9571CB9B-B82F-460B-B086-0250925F788A}" type="slidenum">
               <a:rPr lang="bg-BG" smtClean="0"/>
-              <a:t>5</a:t>
+              <a:t>4</a:t>
             </a:fld>
             <a:endParaRPr lang="bg-BG"/>
           </a:p>
@@ -917,7 +4005,7 @@
     </p:spTree>
     <p:extLst>
       <p:ext uri="{BB962C8B-B14F-4D97-AF65-F5344CB8AC3E}">
-        <p14:creationId xmlns:p14="http://schemas.microsoft.com/office/powerpoint/2010/main" val="226147194"/>
+        <p14:creationId xmlns:p14="http://schemas.microsoft.com/office/powerpoint/2010/main" val="2021797652"/>
       </p:ext>
     </p:extLst>
   </p:cSld>
@@ -982,7 +4070,7 @@
             <a:spLocks noGrp="1"/>
           </p:cNvSpPr>
           <p:nvPr>
-            <p:ph type="sldNum" sz="quarter" idx="10"/>
+            <p:ph type="sldNum" sz="quarter" idx="5"/>
           </p:nvPr>
         </p:nvSpPr>
         <p:spPr/>
@@ -992,7 +4080,7 @@
           <a:p>
             <a:fld id="{9571CB9B-B82F-460B-B086-0250925F788A}" type="slidenum">
               <a:rPr lang="bg-BG" smtClean="0"/>
-              <a:t>8</a:t>
+              <a:t>5</a:t>
             </a:fld>
             <a:endParaRPr lang="bg-BG"/>
           </a:p>
@@ -1001,7 +4089,7 @@
     </p:spTree>
     <p:extLst>
       <p:ext uri="{BB962C8B-B14F-4D97-AF65-F5344CB8AC3E}">
-        <p14:creationId xmlns:p14="http://schemas.microsoft.com/office/powerpoint/2010/main" val="399952680"/>
+        <p14:creationId xmlns:p14="http://schemas.microsoft.com/office/powerpoint/2010/main" val="226147194"/>
       </p:ext>
     </p:extLst>
   </p:cSld>
@@ -1055,6 +4143,46 @@
           <a:bodyPr/>
           <a:lstStyle/>
           <a:p>
+            <a:pPr marL="0" marR="0" lvl="0" indent="0" algn="l" defTabSz="914400" rtl="0" eaLnBrk="1" fontAlgn="auto" latinLnBrk="0" hangingPunct="1">
+              <a:lnSpc>
+                <a:spcPct val="100000"/>
+              </a:lnSpc>
+              <a:spcBef>
+                <a:spcPts val="0"/>
+              </a:spcBef>
+              <a:spcAft>
+                <a:spcPts val="0"/>
+              </a:spcAft>
+              <a:buClrTx/>
+              <a:buSzTx/>
+              <a:buFont typeface="Arial" panose="020B0604020202020204" pitchFamily="34" charset="0"/>
+              <a:buNone/>
+              <a:tabLst/>
+              <a:defRPr/>
+            </a:pPr>
+            <a:r>
+              <a:rPr lang="en-US" dirty="0"/>
+              <a:t>Submodule might be looked upon as a subdirectory of git repository, which is actually a whole separate git repository with it's own git history, ignores and so on.</a:t>
+            </a:r>
+          </a:p>
+          <a:p>
+            <a:pPr marL="0" marR="0" lvl="0" indent="0" algn="l" defTabSz="914400" rtl="0" eaLnBrk="1" fontAlgn="auto" latinLnBrk="0" hangingPunct="1">
+              <a:lnSpc>
+                <a:spcPct val="100000"/>
+              </a:lnSpc>
+              <a:spcBef>
+                <a:spcPts val="0"/>
+              </a:spcBef>
+              <a:spcAft>
+                <a:spcPts val="0"/>
+              </a:spcAft>
+              <a:buClrTx/>
+              <a:buSzTx/>
+              <a:buFont typeface="Arial" panose="020B0604020202020204" pitchFamily="34" charset="0"/>
+              <a:buNone/>
+              <a:tabLst/>
+              <a:defRPr/>
+            </a:pPr>
             <a:endParaRPr lang="bg-BG" dirty="0"/>
           </a:p>
         </p:txBody>
@@ -1066,7 +4194,103 @@
             <a:spLocks noGrp="1"/>
           </p:cNvSpPr>
           <p:nvPr>
-            <p:ph type="sldNum" sz="quarter" idx="10"/>
+            <p:ph type="sldNum" sz="quarter" idx="5"/>
+          </p:nvPr>
+        </p:nvSpPr>
+        <p:spPr/>
+        <p:txBody>
+          <a:bodyPr/>
+          <a:lstStyle/>
+          <a:p>
+            <a:fld id="{9571CB9B-B82F-460B-B086-0250925F788A}" type="slidenum">
+              <a:rPr lang="bg-BG" smtClean="0"/>
+              <a:t>8</a:t>
+            </a:fld>
+            <a:endParaRPr lang="bg-BG"/>
+          </a:p>
+        </p:txBody>
+      </p:sp>
+    </p:spTree>
+    <p:extLst>
+      <p:ext uri="{BB962C8B-B14F-4D97-AF65-F5344CB8AC3E}">
+        <p14:creationId xmlns:p14="http://schemas.microsoft.com/office/powerpoint/2010/main" val="3166474745"/>
+      </p:ext>
+    </p:extLst>
+  </p:cSld>
+  <p:clrMapOvr>
+    <a:masterClrMapping/>
+  </p:clrMapOvr>
+</p:notes>
+</file>
+
+<file path=ppt/notesSlides/notesSlide6.xml><?xml version="1.0" encoding="utf-8"?>
+<p:notes xmlns:a="http://schemas.openxmlformats.org/drawingml/2006/main" xmlns:r="http://schemas.openxmlformats.org/officeDocument/2006/relationships" xmlns:p="http://schemas.openxmlformats.org/presentationml/2006/main">
+  <p:cSld>
+    <p:spTree>
+      <p:nvGrpSpPr>
+        <p:cNvPr id="1" name=""/>
+        <p:cNvGrpSpPr/>
+        <p:nvPr/>
+      </p:nvGrpSpPr>
+      <p:grpSpPr>
+        <a:xfrm>
+          <a:off x="0" y="0"/>
+          <a:ext cx="0" cy="0"/>
+          <a:chOff x="0" y="0"/>
+          <a:chExt cx="0" cy="0"/>
+        </a:xfrm>
+      </p:grpSpPr>
+      <p:sp>
+        <p:nvSpPr>
+          <p:cNvPr id="2" name="Slide Image Placeholder 1"/>
+          <p:cNvSpPr>
+            <a:spLocks noGrp="1" noRot="1" noChangeAspect="1"/>
+          </p:cNvSpPr>
+          <p:nvPr>
+            <p:ph type="sldImg"/>
+          </p:nvPr>
+        </p:nvSpPr>
+        <p:spPr/>
+      </p:sp>
+      <p:sp>
+        <p:nvSpPr>
+          <p:cNvPr id="3" name="Notes Placeholder 2"/>
+          <p:cNvSpPr>
+            <a:spLocks noGrp="1"/>
+          </p:cNvSpPr>
+          <p:nvPr>
+            <p:ph type="body" idx="1"/>
+          </p:nvPr>
+        </p:nvSpPr>
+        <p:spPr/>
+        <p:txBody>
+          <a:bodyPr/>
+          <a:lstStyle/>
+          <a:p>
+            <a:r>
+              <a:rPr lang="en-US" dirty="0"/>
+              <a:t>When I found out about </a:t>
+            </a:r>
+            <a:r>
+              <a:rPr lang="en-US" dirty="0" err="1"/>
+              <a:t>github</a:t>
+            </a:r>
+            <a:r>
+              <a:rPr lang="en-US" dirty="0"/>
+              <a:t> submodules and guess what was among the first results.</a:t>
+            </a:r>
+            <a:endParaRPr lang="bg-BG" dirty="0"/>
+          </a:p>
+        </p:txBody>
+      </p:sp>
+      <p:sp>
+        <p:nvSpPr>
+          <p:cNvPr id="4" name="Slide Number Placeholder 3"/>
+          <p:cNvSpPr>
+            <a:spLocks noGrp="1"/>
+          </p:cNvSpPr>
+          <p:nvPr>
+            <p:ph type="sldNum" sz="quarter" idx="5"/>
           </p:nvPr>
         </p:nvSpPr>
         <p:spPr/>
@@ -1085,7 +4309,624 @@
     </p:spTree>
     <p:extLst>
       <p:ext uri="{BB962C8B-B14F-4D97-AF65-F5344CB8AC3E}">
-        <p14:creationId xmlns:p14="http://schemas.microsoft.com/office/powerpoint/2010/main" val="271450014"/>
+        <p14:creationId xmlns:p14="http://schemas.microsoft.com/office/powerpoint/2010/main" val="2726103678"/>
+      </p:ext>
+    </p:extLst>
+  </p:cSld>
+  <p:clrMapOvr>
+    <a:masterClrMapping/>
+  </p:clrMapOvr>
+</p:notes>
+</file>
+
+<file path=ppt/notesSlides/notesSlide7.xml><?xml version="1.0" encoding="utf-8"?>
+<p:notes xmlns:a="http://schemas.openxmlformats.org/drawingml/2006/main" xmlns:r="http://schemas.openxmlformats.org/officeDocument/2006/relationships" xmlns:p="http://schemas.openxmlformats.org/presentationml/2006/main">
+  <p:cSld>
+    <p:spTree>
+      <p:nvGrpSpPr>
+        <p:cNvPr id="1" name=""/>
+        <p:cNvGrpSpPr/>
+        <p:nvPr/>
+      </p:nvGrpSpPr>
+      <p:grpSpPr>
+        <a:xfrm>
+          <a:off x="0" y="0"/>
+          <a:ext cx="0" cy="0"/>
+          <a:chOff x="0" y="0"/>
+          <a:chExt cx="0" cy="0"/>
+        </a:xfrm>
+      </p:grpSpPr>
+      <p:sp>
+        <p:nvSpPr>
+          <p:cNvPr id="2" name="Slide Image Placeholder 1"/>
+          <p:cNvSpPr>
+            <a:spLocks noGrp="1" noRot="1" noChangeAspect="1"/>
+          </p:cNvSpPr>
+          <p:nvPr>
+            <p:ph type="sldImg"/>
+          </p:nvPr>
+        </p:nvSpPr>
+        <p:spPr/>
+      </p:sp>
+      <p:sp>
+        <p:nvSpPr>
+          <p:cNvPr id="3" name="Notes Placeholder 2"/>
+          <p:cNvSpPr>
+            <a:spLocks noGrp="1"/>
+          </p:cNvSpPr>
+          <p:nvPr>
+            <p:ph type="body" idx="1"/>
+          </p:nvPr>
+        </p:nvSpPr>
+        <p:spPr/>
+        <p:txBody>
+          <a:bodyPr/>
+          <a:lstStyle/>
+          <a:p>
+            <a:pPr marL="171450" marR="0" lvl="0" indent="-171450" algn="l" defTabSz="914400" rtl="0" eaLnBrk="1" fontAlgn="auto" latinLnBrk="0" hangingPunct="1">
+              <a:lnSpc>
+                <a:spcPct val="100000"/>
+              </a:lnSpc>
+              <a:spcBef>
+                <a:spcPts val="0"/>
+              </a:spcBef>
+              <a:spcAft>
+                <a:spcPts val="0"/>
+              </a:spcAft>
+              <a:buClrTx/>
+              <a:buSzTx/>
+              <a:buFont typeface="Arial" panose="020B0604020202020204" pitchFamily="34" charset="0"/>
+              <a:buChar char="•"/>
+              <a:tabLst/>
+              <a:defRPr/>
+            </a:pPr>
+            <a:r>
+              <a:rPr lang="en-US" sz="1200" b="0" kern="1200" dirty="0">
+                <a:solidFill>
+                  <a:schemeClr val="tx1"/>
+                </a:solidFill>
+                <a:effectLst/>
+                <a:latin typeface="+mn-lt"/>
+                <a:ea typeface="+mn-ea"/>
+                <a:cs typeface="+mn-cs"/>
+              </a:rPr>
+              <a:t>Every time you add a submodule, change its remote’s URL, or change the referenced commit for it, you demand a manual update by every collaborator.</a:t>
+            </a:r>
+          </a:p>
+          <a:p>
+            <a:pPr marL="171450" marR="0" lvl="0" indent="-171450" algn="l" defTabSz="914400" rtl="0" eaLnBrk="1" fontAlgn="auto" latinLnBrk="0" hangingPunct="1">
+              <a:lnSpc>
+                <a:spcPct val="100000"/>
+              </a:lnSpc>
+              <a:spcBef>
+                <a:spcPts val="0"/>
+              </a:spcBef>
+              <a:spcAft>
+                <a:spcPts val="0"/>
+              </a:spcAft>
+              <a:buClrTx/>
+              <a:buSzTx/>
+              <a:buFont typeface="Arial" panose="020B0604020202020204" pitchFamily="34" charset="0"/>
+              <a:buChar char="•"/>
+              <a:tabLst/>
+              <a:defRPr/>
+            </a:pPr>
+            <a:r>
+              <a:rPr lang="en-US" sz="1200" b="0" kern="1200" dirty="0">
+                <a:solidFill>
+                  <a:schemeClr val="tx1"/>
+                </a:solidFill>
+                <a:effectLst/>
+                <a:latin typeface="+mn-lt"/>
+                <a:ea typeface="+mn-ea"/>
+                <a:cs typeface="+mn-cs"/>
+              </a:rPr>
+              <a:t>Forgetting this explicit update can result in silent regressions of the submodule’s referenced commit.</a:t>
+            </a:r>
+          </a:p>
+          <a:p>
+            <a:pPr marL="171450" marR="0" lvl="0" indent="-171450" algn="l" defTabSz="914400" rtl="0" eaLnBrk="1" fontAlgn="auto" latinLnBrk="0" hangingPunct="1">
+              <a:lnSpc>
+                <a:spcPct val="100000"/>
+              </a:lnSpc>
+              <a:spcBef>
+                <a:spcPts val="0"/>
+              </a:spcBef>
+              <a:spcAft>
+                <a:spcPts val="0"/>
+              </a:spcAft>
+              <a:buClrTx/>
+              <a:buSzTx/>
+              <a:buFont typeface="Arial" panose="020B0604020202020204" pitchFamily="34" charset="0"/>
+              <a:buChar char="•"/>
+              <a:tabLst/>
+              <a:defRPr/>
+            </a:pPr>
+            <a:r>
+              <a:rPr lang="en-US" sz="1200" b="0" kern="1200" dirty="0">
+                <a:solidFill>
+                  <a:schemeClr val="tx1"/>
+                </a:solidFill>
+                <a:effectLst/>
+                <a:latin typeface="+mn-lt"/>
+                <a:ea typeface="+mn-ea"/>
+                <a:cs typeface="+mn-cs"/>
+              </a:rPr>
+              <a:t>Commands such as status and diff display precious little info about submodules by default.</a:t>
+            </a:r>
+          </a:p>
+          <a:p>
+            <a:pPr marL="171450" marR="0" lvl="0" indent="-171450" algn="l" defTabSz="914400" rtl="0" eaLnBrk="1" fontAlgn="auto" latinLnBrk="0" hangingPunct="1">
+              <a:lnSpc>
+                <a:spcPct val="100000"/>
+              </a:lnSpc>
+              <a:spcBef>
+                <a:spcPts val="0"/>
+              </a:spcBef>
+              <a:spcAft>
+                <a:spcPts val="0"/>
+              </a:spcAft>
+              <a:buClrTx/>
+              <a:buSzTx/>
+              <a:buFont typeface="Arial" panose="020B0604020202020204" pitchFamily="34" charset="0"/>
+              <a:buChar char="•"/>
+              <a:tabLst/>
+              <a:defRPr/>
+            </a:pPr>
+            <a:r>
+              <a:rPr lang="en-US" sz="1200" b="0" kern="1200" dirty="0">
+                <a:solidFill>
+                  <a:schemeClr val="tx1"/>
+                </a:solidFill>
+                <a:effectLst/>
+                <a:latin typeface="+mn-lt"/>
+                <a:ea typeface="+mn-ea"/>
+                <a:cs typeface="+mn-cs"/>
+              </a:rPr>
+              <a:t>Removing a submodule requires several commands and tweaks, some of which are manual and unassisted.</a:t>
+            </a:r>
+          </a:p>
+          <a:p>
+            <a:pPr marL="0" indent="0">
+              <a:buFont typeface="Arial" panose="020B0604020202020204" pitchFamily="34" charset="0"/>
+              <a:buNone/>
+            </a:pPr>
+            <a:endParaRPr lang="en-GB" dirty="0"/>
+          </a:p>
+          <a:p>
+            <a:pPr marL="171450" indent="-171450">
+              <a:buFont typeface="Arial" panose="020B0604020202020204" pitchFamily="34" charset="0"/>
+              <a:buChar char="•"/>
+            </a:pPr>
+            <a:r>
+              <a:rPr lang="en-GB" dirty="0"/>
+              <a:t>Requires high level of git knowledge, or in other words the </a:t>
+            </a:r>
+            <a:r>
+              <a:rPr lang="en-US" dirty="0"/>
+              <a:t>"git add . + git commit" user will have hard time adjusting to this strategy and might introduce some risks to the </a:t>
+            </a:r>
+            <a:r>
+              <a:rPr lang="en-US" dirty="0" err="1"/>
+              <a:t>repositority</a:t>
+            </a:r>
+            <a:endParaRPr lang="en-US" dirty="0"/>
+          </a:p>
+          <a:p>
+            <a:pPr marL="171450" indent="-171450">
+              <a:buFont typeface="Arial" panose="020B0604020202020204" pitchFamily="34" charset="0"/>
+              <a:buChar char="•"/>
+            </a:pPr>
+            <a:endParaRPr lang="en-US" dirty="0"/>
+          </a:p>
+          <a:p>
+            <a:pPr marL="171450" indent="-171450">
+              <a:buFont typeface="Arial" panose="020B0604020202020204" pitchFamily="34" charset="0"/>
+              <a:buChar char="•"/>
+            </a:pPr>
+            <a:r>
+              <a:rPr lang="en-US" dirty="0"/>
+              <a:t>When using submodule update without pushing the submodules changes, they will be lost (the changes inside the submodule)</a:t>
+            </a:r>
+            <a:endParaRPr lang="bg-BG" dirty="0"/>
+          </a:p>
+        </p:txBody>
+      </p:sp>
+      <p:sp>
+        <p:nvSpPr>
+          <p:cNvPr id="4" name="Slide Number Placeholder 3"/>
+          <p:cNvSpPr>
+            <a:spLocks noGrp="1"/>
+          </p:cNvSpPr>
+          <p:nvPr>
+            <p:ph type="sldNum" sz="quarter" idx="5"/>
+          </p:nvPr>
+        </p:nvSpPr>
+        <p:spPr/>
+        <p:txBody>
+          <a:bodyPr/>
+          <a:lstStyle/>
+          <a:p>
+            <a:fld id="{9571CB9B-B82F-460B-B086-0250925F788A}" type="slidenum">
+              <a:rPr lang="bg-BG" smtClean="0"/>
+              <a:t>10</a:t>
+            </a:fld>
+            <a:endParaRPr lang="bg-BG"/>
+          </a:p>
+        </p:txBody>
+      </p:sp>
+    </p:spTree>
+    <p:extLst>
+      <p:ext uri="{BB962C8B-B14F-4D97-AF65-F5344CB8AC3E}">
+        <p14:creationId xmlns:p14="http://schemas.microsoft.com/office/powerpoint/2010/main" val="3170450734"/>
+      </p:ext>
+    </p:extLst>
+  </p:cSld>
+  <p:clrMapOvr>
+    <a:masterClrMapping/>
+  </p:clrMapOvr>
+</p:notes>
+</file>
+
+<file path=ppt/notesSlides/notesSlide8.xml><?xml version="1.0" encoding="utf-8"?>
+<p:notes xmlns:a="http://schemas.openxmlformats.org/drawingml/2006/main" xmlns:r="http://schemas.openxmlformats.org/officeDocument/2006/relationships" xmlns:p="http://schemas.openxmlformats.org/presentationml/2006/main">
+  <p:cSld>
+    <p:spTree>
+      <p:nvGrpSpPr>
+        <p:cNvPr id="1" name=""/>
+        <p:cNvGrpSpPr/>
+        <p:nvPr/>
+      </p:nvGrpSpPr>
+      <p:grpSpPr>
+        <a:xfrm>
+          <a:off x="0" y="0"/>
+          <a:ext cx="0" cy="0"/>
+          <a:chOff x="0" y="0"/>
+          <a:chExt cx="0" cy="0"/>
+        </a:xfrm>
+      </p:grpSpPr>
+      <p:sp>
+        <p:nvSpPr>
+          <p:cNvPr id="2" name="Slide Image Placeholder 1"/>
+          <p:cNvSpPr>
+            <a:spLocks noGrp="1" noRot="1" noChangeAspect="1"/>
+          </p:cNvSpPr>
+          <p:nvPr>
+            <p:ph type="sldImg"/>
+          </p:nvPr>
+        </p:nvSpPr>
+        <p:spPr/>
+      </p:sp>
+      <p:sp>
+        <p:nvSpPr>
+          <p:cNvPr id="3" name="Notes Placeholder 2"/>
+          <p:cNvSpPr>
+            <a:spLocks noGrp="1"/>
+          </p:cNvSpPr>
+          <p:nvPr>
+            <p:ph type="body" idx="1"/>
+          </p:nvPr>
+        </p:nvSpPr>
+        <p:spPr/>
+        <p:txBody>
+          <a:bodyPr/>
+          <a:lstStyle/>
+          <a:p>
+            <a:pPr marL="0" marR="0" lvl="0" indent="0" algn="l" defTabSz="914400" rtl="0" eaLnBrk="1" fontAlgn="auto" latinLnBrk="0" hangingPunct="1">
+              <a:lnSpc>
+                <a:spcPct val="100000"/>
+              </a:lnSpc>
+              <a:spcBef>
+                <a:spcPts val="0"/>
+              </a:spcBef>
+              <a:spcAft>
+                <a:spcPts val="0"/>
+              </a:spcAft>
+              <a:buClrTx/>
+              <a:buSzTx/>
+              <a:buFont typeface="Arial" panose="020B0604020202020204" pitchFamily="34" charset="0"/>
+              <a:buNone/>
+              <a:tabLst/>
+              <a:defRPr/>
+            </a:pPr>
+            <a:r>
+              <a:rPr lang="en-US" dirty="0"/>
+              <a:t># Intro</a:t>
+            </a:r>
+          </a:p>
+          <a:p>
+            <a:pPr marL="0" marR="0" lvl="0" indent="0" algn="l" defTabSz="914400" rtl="0" eaLnBrk="1" fontAlgn="auto" latinLnBrk="0" hangingPunct="1">
+              <a:lnSpc>
+                <a:spcPct val="100000"/>
+              </a:lnSpc>
+              <a:spcBef>
+                <a:spcPts val="0"/>
+              </a:spcBef>
+              <a:spcAft>
+                <a:spcPts val="0"/>
+              </a:spcAft>
+              <a:buClrTx/>
+              <a:buSzTx/>
+              <a:buFont typeface="Arial" panose="020B0604020202020204" pitchFamily="34" charset="0"/>
+              <a:buNone/>
+              <a:tabLst/>
+              <a:defRPr/>
+            </a:pPr>
+            <a:r>
+              <a:rPr lang="en-US" sz="1200" dirty="0"/>
+              <a:t>"</a:t>
+            </a:r>
+            <a:r>
+              <a:rPr lang="en-US" sz="1200" dirty="0" err="1"/>
+              <a:t>Monorepo</a:t>
+            </a:r>
+            <a:r>
+              <a:rPr lang="en-US" sz="1200" dirty="0"/>
+              <a:t>" or "</a:t>
+            </a:r>
+            <a:r>
+              <a:rPr lang="en-US" sz="1200" dirty="0" err="1"/>
+              <a:t>Molonolithic</a:t>
+            </a:r>
+            <a:r>
+              <a:rPr lang="en-US" sz="1200" dirty="0"/>
+              <a:t> repository" is a software development strategy where multiple projects are stored in single repository</a:t>
+            </a:r>
+            <a:endParaRPr lang="bg-BG" sz="1200" dirty="0"/>
+          </a:p>
+          <a:p>
+            <a:pPr marL="0" marR="0" lvl="0" indent="0" algn="l" defTabSz="914400" rtl="0" eaLnBrk="1" fontAlgn="auto" latinLnBrk="0" hangingPunct="1">
+              <a:lnSpc>
+                <a:spcPct val="100000"/>
+              </a:lnSpc>
+              <a:spcBef>
+                <a:spcPts val="0"/>
+              </a:spcBef>
+              <a:spcAft>
+                <a:spcPts val="0"/>
+              </a:spcAft>
+              <a:buClrTx/>
+              <a:buSzTx/>
+              <a:buFont typeface="Arial" panose="020B0604020202020204" pitchFamily="34" charset="0"/>
+              <a:buNone/>
+              <a:tabLst/>
+              <a:defRPr/>
+            </a:pPr>
+            <a:endParaRPr lang="en-US" dirty="0"/>
+          </a:p>
+          <a:p>
+            <a:pPr marL="0" marR="0" lvl="0" indent="0" algn="l" defTabSz="914400" rtl="0" eaLnBrk="1" fontAlgn="auto" latinLnBrk="0" hangingPunct="1">
+              <a:lnSpc>
+                <a:spcPct val="100000"/>
+              </a:lnSpc>
+              <a:spcBef>
+                <a:spcPts val="0"/>
+              </a:spcBef>
+              <a:spcAft>
+                <a:spcPts val="0"/>
+              </a:spcAft>
+              <a:buClrTx/>
+              <a:buSzTx/>
+              <a:buFont typeface="Arial" panose="020B0604020202020204" pitchFamily="34" charset="0"/>
+              <a:buNone/>
+              <a:tabLst/>
+              <a:defRPr/>
+            </a:pPr>
+            <a:r>
+              <a:rPr lang="en-US" dirty="0"/>
+              <a:t># Piper: Custom </a:t>
+            </a:r>
+            <a:r>
+              <a:rPr lang="en-US" dirty="0" err="1"/>
+              <a:t>monorepo</a:t>
+            </a:r>
+            <a:r>
+              <a:rPr lang="en-US" dirty="0"/>
+              <a:t> implementation</a:t>
+            </a:r>
+          </a:p>
+          <a:p>
+            <a:pPr marL="0" marR="0" lvl="0" indent="0" algn="l" defTabSz="914400" rtl="0" eaLnBrk="1" fontAlgn="auto" latinLnBrk="0" hangingPunct="1">
+              <a:lnSpc>
+                <a:spcPct val="100000"/>
+              </a:lnSpc>
+              <a:spcBef>
+                <a:spcPts val="0"/>
+              </a:spcBef>
+              <a:spcAft>
+                <a:spcPts val="0"/>
+              </a:spcAft>
+              <a:buClrTx/>
+              <a:buSzTx/>
+              <a:buFont typeface="Arial" panose="020B0604020202020204" pitchFamily="34" charset="0"/>
+              <a:buNone/>
+              <a:tabLst/>
+              <a:defRPr/>
+            </a:pPr>
+            <a:r>
+              <a:rPr lang="en-US" dirty="0"/>
+              <a:t># Mercurial: Facebook extends Mercurial, which </a:t>
+            </a:r>
+            <a:r>
+              <a:rPr lang="en-US" sz="1200" b="0" i="0" kern="1200" dirty="0">
+                <a:solidFill>
+                  <a:schemeClr val="tx1"/>
+                </a:solidFill>
+                <a:effectLst/>
+                <a:latin typeface="+mn-lt"/>
+                <a:ea typeface="+mn-ea"/>
+                <a:cs typeface="+mn-cs"/>
+              </a:rPr>
+              <a:t>is a free, distributed source control management tool</a:t>
+            </a:r>
+            <a:endParaRPr lang="en-US" dirty="0"/>
+          </a:p>
+          <a:p>
+            <a:pPr marL="0" marR="0" lvl="0" indent="0" algn="l" defTabSz="914400" rtl="0" eaLnBrk="1" fontAlgn="auto" latinLnBrk="0" hangingPunct="1">
+              <a:lnSpc>
+                <a:spcPct val="100000"/>
+              </a:lnSpc>
+              <a:spcBef>
+                <a:spcPts val="0"/>
+              </a:spcBef>
+              <a:spcAft>
+                <a:spcPts val="0"/>
+              </a:spcAft>
+              <a:buClrTx/>
+              <a:buSzTx/>
+              <a:buFont typeface="Arial" panose="020B0604020202020204" pitchFamily="34" charset="0"/>
+              <a:buNone/>
+              <a:tabLst/>
+              <a:defRPr/>
+            </a:pPr>
+            <a:r>
+              <a:rPr lang="en-US" dirty="0"/>
+              <a:t># GVFS: </a:t>
+            </a:r>
+            <a:r>
+              <a:rPr lang="en-US" sz="1200" b="0" i="0" kern="1200" dirty="0">
+                <a:solidFill>
+                  <a:schemeClr val="tx1"/>
+                </a:solidFill>
+                <a:effectLst/>
+                <a:latin typeface="+mn-lt"/>
+                <a:ea typeface="+mn-ea"/>
+                <a:cs typeface="+mn-cs"/>
+              </a:rPr>
+              <a:t>Git Virtual File System, Microsoft extends git</a:t>
+            </a:r>
+            <a:endParaRPr lang="bg-BG" dirty="0"/>
+          </a:p>
+        </p:txBody>
+      </p:sp>
+      <p:sp>
+        <p:nvSpPr>
+          <p:cNvPr id="4" name="Slide Number Placeholder 3"/>
+          <p:cNvSpPr>
+            <a:spLocks noGrp="1"/>
+          </p:cNvSpPr>
+          <p:nvPr>
+            <p:ph type="sldNum" sz="quarter" idx="5"/>
+          </p:nvPr>
+        </p:nvSpPr>
+        <p:spPr/>
+        <p:txBody>
+          <a:bodyPr/>
+          <a:lstStyle/>
+          <a:p>
+            <a:fld id="{9571CB9B-B82F-460B-B086-0250925F788A}" type="slidenum">
+              <a:rPr lang="bg-BG" smtClean="0"/>
+              <a:t>11</a:t>
+            </a:fld>
+            <a:endParaRPr lang="bg-BG"/>
+          </a:p>
+        </p:txBody>
+      </p:sp>
+    </p:spTree>
+    <p:extLst>
+      <p:ext uri="{BB962C8B-B14F-4D97-AF65-F5344CB8AC3E}">
+        <p14:creationId xmlns:p14="http://schemas.microsoft.com/office/powerpoint/2010/main" val="1784938261"/>
+      </p:ext>
+    </p:extLst>
+  </p:cSld>
+  <p:clrMapOvr>
+    <a:masterClrMapping/>
+  </p:clrMapOvr>
+</p:notes>
+</file>
+
+<file path=ppt/notesSlides/notesSlide9.xml><?xml version="1.0" encoding="utf-8"?>
+<p:notes xmlns:a="http://schemas.openxmlformats.org/drawingml/2006/main" xmlns:r="http://schemas.openxmlformats.org/officeDocument/2006/relationships" xmlns:p="http://schemas.openxmlformats.org/presentationml/2006/main">
+  <p:cSld>
+    <p:spTree>
+      <p:nvGrpSpPr>
+        <p:cNvPr id="1" name=""/>
+        <p:cNvGrpSpPr/>
+        <p:nvPr/>
+      </p:nvGrpSpPr>
+      <p:grpSpPr>
+        <a:xfrm>
+          <a:off x="0" y="0"/>
+          <a:ext cx="0" cy="0"/>
+          <a:chOff x="0" y="0"/>
+          <a:chExt cx="0" cy="0"/>
+        </a:xfrm>
+      </p:grpSpPr>
+      <p:sp>
+        <p:nvSpPr>
+          <p:cNvPr id="2" name="Slide Image Placeholder 1"/>
+          <p:cNvSpPr>
+            <a:spLocks noGrp="1" noRot="1" noChangeAspect="1"/>
+          </p:cNvSpPr>
+          <p:nvPr>
+            <p:ph type="sldImg"/>
+          </p:nvPr>
+        </p:nvSpPr>
+        <p:spPr/>
+      </p:sp>
+      <p:sp>
+        <p:nvSpPr>
+          <p:cNvPr id="3" name="Notes Placeholder 2"/>
+          <p:cNvSpPr>
+            <a:spLocks noGrp="1"/>
+          </p:cNvSpPr>
+          <p:nvPr>
+            <p:ph type="body" idx="1"/>
+          </p:nvPr>
+        </p:nvSpPr>
+        <p:spPr/>
+        <p:txBody>
+          <a:bodyPr/>
+          <a:lstStyle/>
+          <a:p>
+            <a:pPr marL="0" marR="0" lvl="0" indent="0" algn="l" defTabSz="914400" rtl="0" eaLnBrk="1" fontAlgn="auto" latinLnBrk="0" hangingPunct="1">
+              <a:lnSpc>
+                <a:spcPct val="100000"/>
+              </a:lnSpc>
+              <a:spcBef>
+                <a:spcPts val="0"/>
+              </a:spcBef>
+              <a:spcAft>
+                <a:spcPts val="0"/>
+              </a:spcAft>
+              <a:buClrTx/>
+              <a:buSzTx/>
+              <a:buFont typeface="Arial" panose="020B0604020202020204" pitchFamily="34" charset="0"/>
+              <a:buNone/>
+              <a:tabLst/>
+              <a:defRPr/>
+            </a:pPr>
+            <a:endParaRPr lang="bg-BG" dirty="0"/>
+          </a:p>
+        </p:txBody>
+      </p:sp>
+      <p:sp>
+        <p:nvSpPr>
+          <p:cNvPr id="4" name="Slide Number Placeholder 3"/>
+          <p:cNvSpPr>
+            <a:spLocks noGrp="1"/>
+          </p:cNvSpPr>
+          <p:nvPr>
+            <p:ph type="sldNum" sz="quarter" idx="5"/>
+          </p:nvPr>
+        </p:nvSpPr>
+        <p:spPr/>
+        <p:txBody>
+          <a:bodyPr/>
+          <a:lstStyle/>
+          <a:p>
+            <a:fld id="{9571CB9B-B82F-460B-B086-0250925F788A}" type="slidenum">
+              <a:rPr lang="bg-BG" smtClean="0"/>
+              <a:t>12</a:t>
+            </a:fld>
+            <a:endParaRPr lang="bg-BG"/>
+          </a:p>
+        </p:txBody>
+      </p:sp>
+    </p:spTree>
+    <p:extLst>
+      <p:ext uri="{BB962C8B-B14F-4D97-AF65-F5344CB8AC3E}">
+        <p14:creationId xmlns:p14="http://schemas.microsoft.com/office/powerpoint/2010/main" val="3919267624"/>
       </p:ext>
     </p:extLst>
   </p:cSld>
@@ -1117,7 +4958,7 @@
           <p:cNvPr id="2" name="Title 1">
             <a:extLst>
               <a:ext uri="{FF2B5EF4-FFF2-40B4-BE49-F238E27FC236}">
-                <a16:creationId xmlns:a16="http://schemas.microsoft.com/office/drawing/2014/main" xmlns="" id="{F52F329B-8F4D-4D34-9A20-EC9D37A6EA6F}"/>
+                <a16:creationId xmlns:a16="http://schemas.microsoft.com/office/drawing/2014/main" id="{F52F329B-8F4D-4D34-9A20-EC9D37A6EA6F}"/>
               </a:ext>
             </a:extLst>
           </p:cNvPr>
@@ -1155,7 +4996,7 @@
           <p:cNvPr id="3" name="Subtitle 2">
             <a:extLst>
               <a:ext uri="{FF2B5EF4-FFF2-40B4-BE49-F238E27FC236}">
-                <a16:creationId xmlns:a16="http://schemas.microsoft.com/office/drawing/2014/main" xmlns="" id="{F5B77F27-1E37-4511-B960-48A1347242BE}"/>
+                <a16:creationId xmlns:a16="http://schemas.microsoft.com/office/drawing/2014/main" id="{F5B77F27-1E37-4511-B960-48A1347242BE}"/>
               </a:ext>
             </a:extLst>
           </p:cNvPr>
@@ -1226,7 +5067,7 @@
           <p:cNvPr id="4" name="Date Placeholder 3">
             <a:extLst>
               <a:ext uri="{FF2B5EF4-FFF2-40B4-BE49-F238E27FC236}">
-                <a16:creationId xmlns:a16="http://schemas.microsoft.com/office/drawing/2014/main" xmlns="" id="{C601E8AD-EC4C-47B9-A42C-9156ACC995BD}"/>
+                <a16:creationId xmlns:a16="http://schemas.microsoft.com/office/drawing/2014/main" id="{C601E8AD-EC4C-47B9-A42C-9156ACC995BD}"/>
               </a:ext>
             </a:extLst>
           </p:cNvPr>
@@ -1244,7 +5085,7 @@
           <a:p>
             <a:fld id="{EEA75A29-027F-4D48-B08B-1161613C0818}" type="datetimeFigureOut">
               <a:rPr lang="bg-BG" smtClean="0"/>
-              <a:t>23.04.2019</a:t>
+              <a:t>1.5.2019 г.</a:t>
             </a:fld>
             <a:endParaRPr lang="bg-BG"/>
           </a:p>
@@ -1255,7 +5096,7 @@
           <p:cNvPr id="5" name="Footer Placeholder 4">
             <a:extLst>
               <a:ext uri="{FF2B5EF4-FFF2-40B4-BE49-F238E27FC236}">
-                <a16:creationId xmlns:a16="http://schemas.microsoft.com/office/drawing/2014/main" xmlns="" id="{3B1988CD-5B6D-4F0B-8B16-F638D10042F8}"/>
+                <a16:creationId xmlns:a16="http://schemas.microsoft.com/office/drawing/2014/main" id="{3B1988CD-5B6D-4F0B-8B16-F638D10042F8}"/>
               </a:ext>
             </a:extLst>
           </p:cNvPr>
@@ -1280,7 +5121,7 @@
           <p:cNvPr id="6" name="Slide Number Placeholder 5">
             <a:extLst>
               <a:ext uri="{FF2B5EF4-FFF2-40B4-BE49-F238E27FC236}">
-                <a16:creationId xmlns:a16="http://schemas.microsoft.com/office/drawing/2014/main" xmlns="" id="{207D070E-1DF5-454F-86BC-E61AA6A56FBD}"/>
+                <a16:creationId xmlns:a16="http://schemas.microsoft.com/office/drawing/2014/main" id="{207D070E-1DF5-454F-86BC-E61AA6A56FBD}"/>
               </a:ext>
             </a:extLst>
           </p:cNvPr>
@@ -1339,7 +5180,7 @@
           <p:cNvPr id="2" name="Title 1">
             <a:extLst>
               <a:ext uri="{FF2B5EF4-FFF2-40B4-BE49-F238E27FC236}">
-                <a16:creationId xmlns:a16="http://schemas.microsoft.com/office/drawing/2014/main" xmlns="" id="{AD6C6CA6-2395-442E-A4AA-BFBD8D857358}"/>
+                <a16:creationId xmlns:a16="http://schemas.microsoft.com/office/drawing/2014/main" id="{AD6C6CA6-2395-442E-A4AA-BFBD8D857358}"/>
               </a:ext>
             </a:extLst>
           </p:cNvPr>
@@ -1368,7 +5209,7 @@
           <p:cNvPr id="3" name="Vertical Text Placeholder 2">
             <a:extLst>
               <a:ext uri="{FF2B5EF4-FFF2-40B4-BE49-F238E27FC236}">
-                <a16:creationId xmlns:a16="http://schemas.microsoft.com/office/drawing/2014/main" xmlns="" id="{0139AA31-FD62-4FCB-982C-F22C6405F614}"/>
+                <a16:creationId xmlns:a16="http://schemas.microsoft.com/office/drawing/2014/main" id="{0139AA31-FD62-4FCB-982C-F22C6405F614}"/>
               </a:ext>
             </a:extLst>
           </p:cNvPr>
@@ -1426,7 +5267,7 @@
           <p:cNvPr id="4" name="Date Placeholder 3">
             <a:extLst>
               <a:ext uri="{FF2B5EF4-FFF2-40B4-BE49-F238E27FC236}">
-                <a16:creationId xmlns:a16="http://schemas.microsoft.com/office/drawing/2014/main" xmlns="" id="{DE3FFBBE-5BD3-438C-A2F5-198F5F87F570}"/>
+                <a16:creationId xmlns:a16="http://schemas.microsoft.com/office/drawing/2014/main" id="{DE3FFBBE-5BD3-438C-A2F5-198F5F87F570}"/>
               </a:ext>
             </a:extLst>
           </p:cNvPr>
@@ -1444,7 +5285,7 @@
           <a:p>
             <a:fld id="{EEA75A29-027F-4D48-B08B-1161613C0818}" type="datetimeFigureOut">
               <a:rPr lang="bg-BG" smtClean="0"/>
-              <a:t>23.04.2019</a:t>
+              <a:t>1.5.2019 г.</a:t>
             </a:fld>
             <a:endParaRPr lang="bg-BG"/>
           </a:p>
@@ -1455,7 +5296,7 @@
           <p:cNvPr id="5" name="Footer Placeholder 4">
             <a:extLst>
               <a:ext uri="{FF2B5EF4-FFF2-40B4-BE49-F238E27FC236}">
-                <a16:creationId xmlns:a16="http://schemas.microsoft.com/office/drawing/2014/main" xmlns="" id="{FE025B39-2326-4AC9-8DCC-E340AC398D86}"/>
+                <a16:creationId xmlns:a16="http://schemas.microsoft.com/office/drawing/2014/main" id="{FE025B39-2326-4AC9-8DCC-E340AC398D86}"/>
               </a:ext>
             </a:extLst>
           </p:cNvPr>
@@ -1480,7 +5321,7 @@
           <p:cNvPr id="6" name="Slide Number Placeholder 5">
             <a:extLst>
               <a:ext uri="{FF2B5EF4-FFF2-40B4-BE49-F238E27FC236}">
-                <a16:creationId xmlns:a16="http://schemas.microsoft.com/office/drawing/2014/main" xmlns="" id="{E5C1BF7B-431E-408F-9076-97CDF2605450}"/>
+                <a16:creationId xmlns:a16="http://schemas.microsoft.com/office/drawing/2014/main" id="{E5C1BF7B-431E-408F-9076-97CDF2605450}"/>
               </a:ext>
             </a:extLst>
           </p:cNvPr>
@@ -1539,7 +5380,7 @@
           <p:cNvPr id="2" name="Vertical Title 1">
             <a:extLst>
               <a:ext uri="{FF2B5EF4-FFF2-40B4-BE49-F238E27FC236}">
-                <a16:creationId xmlns:a16="http://schemas.microsoft.com/office/drawing/2014/main" xmlns="" id="{91A66527-2452-4D8B-BF5D-54D5FFB33125}"/>
+                <a16:creationId xmlns:a16="http://schemas.microsoft.com/office/drawing/2014/main" id="{91A66527-2452-4D8B-BF5D-54D5FFB33125}"/>
               </a:ext>
             </a:extLst>
           </p:cNvPr>
@@ -1573,7 +5414,7 @@
           <p:cNvPr id="3" name="Vertical Text Placeholder 2">
             <a:extLst>
               <a:ext uri="{FF2B5EF4-FFF2-40B4-BE49-F238E27FC236}">
-                <a16:creationId xmlns:a16="http://schemas.microsoft.com/office/drawing/2014/main" xmlns="" id="{CAB8B2E5-AA57-4039-BCAC-1B6BDF04D621}"/>
+                <a16:creationId xmlns:a16="http://schemas.microsoft.com/office/drawing/2014/main" id="{CAB8B2E5-AA57-4039-BCAC-1B6BDF04D621}"/>
               </a:ext>
             </a:extLst>
           </p:cNvPr>
@@ -1636,7 +5477,7 @@
           <p:cNvPr id="4" name="Date Placeholder 3">
             <a:extLst>
               <a:ext uri="{FF2B5EF4-FFF2-40B4-BE49-F238E27FC236}">
-                <a16:creationId xmlns:a16="http://schemas.microsoft.com/office/drawing/2014/main" xmlns="" id="{E2E4D11A-A720-42C9-8902-A303288DF63E}"/>
+                <a16:creationId xmlns:a16="http://schemas.microsoft.com/office/drawing/2014/main" id="{E2E4D11A-A720-42C9-8902-A303288DF63E}"/>
               </a:ext>
             </a:extLst>
           </p:cNvPr>
@@ -1654,7 +5495,7 @@
           <a:p>
             <a:fld id="{EEA75A29-027F-4D48-B08B-1161613C0818}" type="datetimeFigureOut">
               <a:rPr lang="bg-BG" smtClean="0"/>
-              <a:t>23.04.2019</a:t>
+              <a:t>1.5.2019 г.</a:t>
             </a:fld>
             <a:endParaRPr lang="bg-BG"/>
           </a:p>
@@ -1665,7 +5506,7 @@
           <p:cNvPr id="5" name="Footer Placeholder 4">
             <a:extLst>
               <a:ext uri="{FF2B5EF4-FFF2-40B4-BE49-F238E27FC236}">
-                <a16:creationId xmlns:a16="http://schemas.microsoft.com/office/drawing/2014/main" xmlns="" id="{CDC9BE18-F0AB-42F9-B0B0-4C1636235DD0}"/>
+                <a16:creationId xmlns:a16="http://schemas.microsoft.com/office/drawing/2014/main" id="{CDC9BE18-F0AB-42F9-B0B0-4C1636235DD0}"/>
               </a:ext>
             </a:extLst>
           </p:cNvPr>
@@ -1690,7 +5531,7 @@
           <p:cNvPr id="6" name="Slide Number Placeholder 5">
             <a:extLst>
               <a:ext uri="{FF2B5EF4-FFF2-40B4-BE49-F238E27FC236}">
-                <a16:creationId xmlns:a16="http://schemas.microsoft.com/office/drawing/2014/main" xmlns="" id="{109AE838-56B7-4AB0-9C1A-7A8FE9EFBD3D}"/>
+                <a16:creationId xmlns:a16="http://schemas.microsoft.com/office/drawing/2014/main" id="{109AE838-56B7-4AB0-9C1A-7A8FE9EFBD3D}"/>
               </a:ext>
             </a:extLst>
           </p:cNvPr>
@@ -1749,7 +5590,7 @@
           <p:cNvPr id="2" name="Title 1">
             <a:extLst>
               <a:ext uri="{FF2B5EF4-FFF2-40B4-BE49-F238E27FC236}">
-                <a16:creationId xmlns:a16="http://schemas.microsoft.com/office/drawing/2014/main" xmlns="" id="{93232693-D83E-496D-B1F0-18FD480E8F6F}"/>
+                <a16:creationId xmlns:a16="http://schemas.microsoft.com/office/drawing/2014/main" id="{93232693-D83E-496D-B1F0-18FD480E8F6F}"/>
               </a:ext>
             </a:extLst>
           </p:cNvPr>
@@ -1778,7 +5619,7 @@
           <p:cNvPr id="3" name="Content Placeholder 2">
             <a:extLst>
               <a:ext uri="{FF2B5EF4-FFF2-40B4-BE49-F238E27FC236}">
-                <a16:creationId xmlns:a16="http://schemas.microsoft.com/office/drawing/2014/main" xmlns="" id="{D7124242-15EA-4F8F-B8C2-C9A78655494B}"/>
+                <a16:creationId xmlns:a16="http://schemas.microsoft.com/office/drawing/2014/main" id="{D7124242-15EA-4F8F-B8C2-C9A78655494B}"/>
               </a:ext>
             </a:extLst>
           </p:cNvPr>
@@ -1836,7 +5677,7 @@
           <p:cNvPr id="4" name="Date Placeholder 3">
             <a:extLst>
               <a:ext uri="{FF2B5EF4-FFF2-40B4-BE49-F238E27FC236}">
-                <a16:creationId xmlns:a16="http://schemas.microsoft.com/office/drawing/2014/main" xmlns="" id="{0D33C9EA-53D6-4F1F-92EF-8CE3257DE475}"/>
+                <a16:creationId xmlns:a16="http://schemas.microsoft.com/office/drawing/2014/main" id="{0D33C9EA-53D6-4F1F-92EF-8CE3257DE475}"/>
               </a:ext>
             </a:extLst>
           </p:cNvPr>
@@ -1854,7 +5695,7 @@
           <a:p>
             <a:fld id="{EEA75A29-027F-4D48-B08B-1161613C0818}" type="datetimeFigureOut">
               <a:rPr lang="bg-BG" smtClean="0"/>
-              <a:t>23.04.2019</a:t>
+              <a:t>1.5.2019 г.</a:t>
             </a:fld>
             <a:endParaRPr lang="bg-BG"/>
           </a:p>
@@ -1865,7 +5706,7 @@
           <p:cNvPr id="5" name="Footer Placeholder 4">
             <a:extLst>
               <a:ext uri="{FF2B5EF4-FFF2-40B4-BE49-F238E27FC236}">
-                <a16:creationId xmlns:a16="http://schemas.microsoft.com/office/drawing/2014/main" xmlns="" id="{2B69D87B-7004-49FB-A3A9-D69E867363C9}"/>
+                <a16:creationId xmlns:a16="http://schemas.microsoft.com/office/drawing/2014/main" id="{2B69D87B-7004-49FB-A3A9-D69E867363C9}"/>
               </a:ext>
             </a:extLst>
           </p:cNvPr>
@@ -1890,7 +5731,7 @@
           <p:cNvPr id="6" name="Slide Number Placeholder 5">
             <a:extLst>
               <a:ext uri="{FF2B5EF4-FFF2-40B4-BE49-F238E27FC236}">
-                <a16:creationId xmlns:a16="http://schemas.microsoft.com/office/drawing/2014/main" xmlns="" id="{22F55DA7-F5F4-4DA6-9A0C-A678C7BCC506}"/>
+                <a16:creationId xmlns:a16="http://schemas.microsoft.com/office/drawing/2014/main" id="{22F55DA7-F5F4-4DA6-9A0C-A678C7BCC506}"/>
               </a:ext>
             </a:extLst>
           </p:cNvPr>
@@ -1949,7 +5790,7 @@
           <p:cNvPr id="2" name="Title 1">
             <a:extLst>
               <a:ext uri="{FF2B5EF4-FFF2-40B4-BE49-F238E27FC236}">
-                <a16:creationId xmlns:a16="http://schemas.microsoft.com/office/drawing/2014/main" xmlns="" id="{3A7F5CED-A21C-48A1-AB1B-D3467B455802}"/>
+                <a16:creationId xmlns:a16="http://schemas.microsoft.com/office/drawing/2014/main" id="{3A7F5CED-A21C-48A1-AB1B-D3467B455802}"/>
               </a:ext>
             </a:extLst>
           </p:cNvPr>
@@ -1987,7 +5828,7 @@
           <p:cNvPr id="3" name="Text Placeholder 2">
             <a:extLst>
               <a:ext uri="{FF2B5EF4-FFF2-40B4-BE49-F238E27FC236}">
-                <a16:creationId xmlns:a16="http://schemas.microsoft.com/office/drawing/2014/main" xmlns="" id="{D3D4040B-60D3-4CF2-BB0C-992C021A6951}"/>
+                <a16:creationId xmlns:a16="http://schemas.microsoft.com/office/drawing/2014/main" id="{D3D4040B-60D3-4CF2-BB0C-992C021A6951}"/>
               </a:ext>
             </a:extLst>
           </p:cNvPr>
@@ -2112,7 +5953,7 @@
           <p:cNvPr id="4" name="Date Placeholder 3">
             <a:extLst>
               <a:ext uri="{FF2B5EF4-FFF2-40B4-BE49-F238E27FC236}">
-                <a16:creationId xmlns:a16="http://schemas.microsoft.com/office/drawing/2014/main" xmlns="" id="{C7658605-40AC-4FD4-9546-A13FABE6B36A}"/>
+                <a16:creationId xmlns:a16="http://schemas.microsoft.com/office/drawing/2014/main" id="{C7658605-40AC-4FD4-9546-A13FABE6B36A}"/>
               </a:ext>
             </a:extLst>
           </p:cNvPr>
@@ -2130,7 +5971,7 @@
           <a:p>
             <a:fld id="{EEA75A29-027F-4D48-B08B-1161613C0818}" type="datetimeFigureOut">
               <a:rPr lang="bg-BG" smtClean="0"/>
-              <a:t>23.04.2019</a:t>
+              <a:t>1.5.2019 г.</a:t>
             </a:fld>
             <a:endParaRPr lang="bg-BG"/>
           </a:p>
@@ -2141,7 +5982,7 @@
           <p:cNvPr id="5" name="Footer Placeholder 4">
             <a:extLst>
               <a:ext uri="{FF2B5EF4-FFF2-40B4-BE49-F238E27FC236}">
-                <a16:creationId xmlns:a16="http://schemas.microsoft.com/office/drawing/2014/main" xmlns="" id="{5CCBA4AD-AE6E-4907-BA96-345519E50CB3}"/>
+                <a16:creationId xmlns:a16="http://schemas.microsoft.com/office/drawing/2014/main" id="{5CCBA4AD-AE6E-4907-BA96-345519E50CB3}"/>
               </a:ext>
             </a:extLst>
           </p:cNvPr>
@@ -2166,7 +6007,7 @@
           <p:cNvPr id="6" name="Slide Number Placeholder 5">
             <a:extLst>
               <a:ext uri="{FF2B5EF4-FFF2-40B4-BE49-F238E27FC236}">
-                <a16:creationId xmlns:a16="http://schemas.microsoft.com/office/drawing/2014/main" xmlns="" id="{55D38E3D-2A6B-46B5-9A1B-936EAC403EF2}"/>
+                <a16:creationId xmlns:a16="http://schemas.microsoft.com/office/drawing/2014/main" id="{55D38E3D-2A6B-46B5-9A1B-936EAC403EF2}"/>
               </a:ext>
             </a:extLst>
           </p:cNvPr>
@@ -2225,7 +6066,7 @@
           <p:cNvPr id="2" name="Title 1">
             <a:extLst>
               <a:ext uri="{FF2B5EF4-FFF2-40B4-BE49-F238E27FC236}">
-                <a16:creationId xmlns:a16="http://schemas.microsoft.com/office/drawing/2014/main" xmlns="" id="{C3385F55-7DE7-4613-A710-50EB0BAD14BE}"/>
+                <a16:creationId xmlns:a16="http://schemas.microsoft.com/office/drawing/2014/main" id="{C3385F55-7DE7-4613-A710-50EB0BAD14BE}"/>
               </a:ext>
             </a:extLst>
           </p:cNvPr>
@@ -2254,7 +6095,7 @@
           <p:cNvPr id="3" name="Content Placeholder 2">
             <a:extLst>
               <a:ext uri="{FF2B5EF4-FFF2-40B4-BE49-F238E27FC236}">
-                <a16:creationId xmlns:a16="http://schemas.microsoft.com/office/drawing/2014/main" xmlns="" id="{A70042DF-4845-4EB9-A64A-08AFFBB91D3B}"/>
+                <a16:creationId xmlns:a16="http://schemas.microsoft.com/office/drawing/2014/main" id="{A70042DF-4845-4EB9-A64A-08AFFBB91D3B}"/>
               </a:ext>
             </a:extLst>
           </p:cNvPr>
@@ -2317,7 +6158,7 @@
           <p:cNvPr id="4" name="Content Placeholder 3">
             <a:extLst>
               <a:ext uri="{FF2B5EF4-FFF2-40B4-BE49-F238E27FC236}">
-                <a16:creationId xmlns:a16="http://schemas.microsoft.com/office/drawing/2014/main" xmlns="" id="{0CE2A731-9DFD-4A75-9630-3A93EA4414D6}"/>
+                <a16:creationId xmlns:a16="http://schemas.microsoft.com/office/drawing/2014/main" id="{0CE2A731-9DFD-4A75-9630-3A93EA4414D6}"/>
               </a:ext>
             </a:extLst>
           </p:cNvPr>
@@ -2380,7 +6221,7 @@
           <p:cNvPr id="5" name="Date Placeholder 4">
             <a:extLst>
               <a:ext uri="{FF2B5EF4-FFF2-40B4-BE49-F238E27FC236}">
-                <a16:creationId xmlns:a16="http://schemas.microsoft.com/office/drawing/2014/main" xmlns="" id="{1A784A54-E630-49CB-9644-A68C17FF00FC}"/>
+                <a16:creationId xmlns:a16="http://schemas.microsoft.com/office/drawing/2014/main" id="{1A784A54-E630-49CB-9644-A68C17FF00FC}"/>
               </a:ext>
             </a:extLst>
           </p:cNvPr>
@@ -2398,7 +6239,7 @@
           <a:p>
             <a:fld id="{EEA75A29-027F-4D48-B08B-1161613C0818}" type="datetimeFigureOut">
               <a:rPr lang="bg-BG" smtClean="0"/>
-              <a:t>23.04.2019</a:t>
+              <a:t>1.5.2019 г.</a:t>
             </a:fld>
             <a:endParaRPr lang="bg-BG"/>
           </a:p>
@@ -2409,7 +6250,7 @@
           <p:cNvPr id="6" name="Footer Placeholder 5">
             <a:extLst>
               <a:ext uri="{FF2B5EF4-FFF2-40B4-BE49-F238E27FC236}">
-                <a16:creationId xmlns:a16="http://schemas.microsoft.com/office/drawing/2014/main" xmlns="" id="{16E664AE-B7BE-4F74-9238-3752F763AD6A}"/>
+                <a16:creationId xmlns:a16="http://schemas.microsoft.com/office/drawing/2014/main" id="{16E664AE-B7BE-4F74-9238-3752F763AD6A}"/>
               </a:ext>
             </a:extLst>
           </p:cNvPr>
@@ -2434,7 +6275,7 @@
           <p:cNvPr id="7" name="Slide Number Placeholder 6">
             <a:extLst>
               <a:ext uri="{FF2B5EF4-FFF2-40B4-BE49-F238E27FC236}">
-                <a16:creationId xmlns:a16="http://schemas.microsoft.com/office/drawing/2014/main" xmlns="" id="{BC6BEAE7-D177-4EEF-BB4D-7F63857CD168}"/>
+                <a16:creationId xmlns:a16="http://schemas.microsoft.com/office/drawing/2014/main" id="{BC6BEAE7-D177-4EEF-BB4D-7F63857CD168}"/>
               </a:ext>
             </a:extLst>
           </p:cNvPr>
@@ -2493,7 +6334,7 @@
           <p:cNvPr id="2" name="Title 1">
             <a:extLst>
               <a:ext uri="{FF2B5EF4-FFF2-40B4-BE49-F238E27FC236}">
-                <a16:creationId xmlns:a16="http://schemas.microsoft.com/office/drawing/2014/main" xmlns="" id="{1EF4249D-FFEA-4E39-A413-6F7E03564681}"/>
+                <a16:creationId xmlns:a16="http://schemas.microsoft.com/office/drawing/2014/main" id="{1EF4249D-FFEA-4E39-A413-6F7E03564681}"/>
               </a:ext>
             </a:extLst>
           </p:cNvPr>
@@ -2527,7 +6368,7 @@
           <p:cNvPr id="3" name="Text Placeholder 2">
             <a:extLst>
               <a:ext uri="{FF2B5EF4-FFF2-40B4-BE49-F238E27FC236}">
-                <a16:creationId xmlns:a16="http://schemas.microsoft.com/office/drawing/2014/main" xmlns="" id="{A7C6EABA-3E75-436F-B822-8F4380F015BC}"/>
+                <a16:creationId xmlns:a16="http://schemas.microsoft.com/office/drawing/2014/main" id="{A7C6EABA-3E75-436F-B822-8F4380F015BC}"/>
               </a:ext>
             </a:extLst>
           </p:cNvPr>
@@ -2598,7 +6439,7 @@
           <p:cNvPr id="4" name="Content Placeholder 3">
             <a:extLst>
               <a:ext uri="{FF2B5EF4-FFF2-40B4-BE49-F238E27FC236}">
-                <a16:creationId xmlns:a16="http://schemas.microsoft.com/office/drawing/2014/main" xmlns="" id="{A9BFBE24-58EF-4117-B98C-A45C671CFCBB}"/>
+                <a16:creationId xmlns:a16="http://schemas.microsoft.com/office/drawing/2014/main" id="{A9BFBE24-58EF-4117-B98C-A45C671CFCBB}"/>
               </a:ext>
             </a:extLst>
           </p:cNvPr>
@@ -2661,7 +6502,7 @@
           <p:cNvPr id="5" name="Text Placeholder 4">
             <a:extLst>
               <a:ext uri="{FF2B5EF4-FFF2-40B4-BE49-F238E27FC236}">
-                <a16:creationId xmlns:a16="http://schemas.microsoft.com/office/drawing/2014/main" xmlns="" id="{D4C3D482-EE97-4FF2-A53E-8FC86DA14764}"/>
+                <a16:creationId xmlns:a16="http://schemas.microsoft.com/office/drawing/2014/main" id="{D4C3D482-EE97-4FF2-A53E-8FC86DA14764}"/>
               </a:ext>
             </a:extLst>
           </p:cNvPr>
@@ -2732,7 +6573,7 @@
           <p:cNvPr id="6" name="Content Placeholder 5">
             <a:extLst>
               <a:ext uri="{FF2B5EF4-FFF2-40B4-BE49-F238E27FC236}">
-                <a16:creationId xmlns:a16="http://schemas.microsoft.com/office/drawing/2014/main" xmlns="" id="{3259BEDD-0EA1-494B-A170-6680DDDF6114}"/>
+                <a16:creationId xmlns:a16="http://schemas.microsoft.com/office/drawing/2014/main" id="{3259BEDD-0EA1-494B-A170-6680DDDF6114}"/>
               </a:ext>
             </a:extLst>
           </p:cNvPr>
@@ -2795,7 +6636,7 @@
           <p:cNvPr id="7" name="Date Placeholder 6">
             <a:extLst>
               <a:ext uri="{FF2B5EF4-FFF2-40B4-BE49-F238E27FC236}">
-                <a16:creationId xmlns:a16="http://schemas.microsoft.com/office/drawing/2014/main" xmlns="" id="{88859E15-D2BF-4BD6-976C-1C0A4A40F469}"/>
+                <a16:creationId xmlns:a16="http://schemas.microsoft.com/office/drawing/2014/main" id="{88859E15-D2BF-4BD6-976C-1C0A4A40F469}"/>
               </a:ext>
             </a:extLst>
           </p:cNvPr>
@@ -2813,7 +6654,7 @@
           <a:p>
             <a:fld id="{EEA75A29-027F-4D48-B08B-1161613C0818}" type="datetimeFigureOut">
               <a:rPr lang="bg-BG" smtClean="0"/>
-              <a:t>23.04.2019</a:t>
+              <a:t>1.5.2019 г.</a:t>
             </a:fld>
             <a:endParaRPr lang="bg-BG"/>
           </a:p>
@@ -2824,7 +6665,7 @@
           <p:cNvPr id="8" name="Footer Placeholder 7">
             <a:extLst>
               <a:ext uri="{FF2B5EF4-FFF2-40B4-BE49-F238E27FC236}">
-                <a16:creationId xmlns:a16="http://schemas.microsoft.com/office/drawing/2014/main" xmlns="" id="{A1D2603C-8E07-43E2-BD2F-4C3F709DED92}"/>
+                <a16:creationId xmlns:a16="http://schemas.microsoft.com/office/drawing/2014/main" id="{A1D2603C-8E07-43E2-BD2F-4C3F709DED92}"/>
               </a:ext>
             </a:extLst>
           </p:cNvPr>
@@ -2849,7 +6690,7 @@
           <p:cNvPr id="9" name="Slide Number Placeholder 8">
             <a:extLst>
               <a:ext uri="{FF2B5EF4-FFF2-40B4-BE49-F238E27FC236}">
-                <a16:creationId xmlns:a16="http://schemas.microsoft.com/office/drawing/2014/main" xmlns="" id="{C25A8261-B0DA-4FFE-9EBF-C1D0C909685C}"/>
+                <a16:creationId xmlns:a16="http://schemas.microsoft.com/office/drawing/2014/main" id="{C25A8261-B0DA-4FFE-9EBF-C1D0C909685C}"/>
               </a:ext>
             </a:extLst>
           </p:cNvPr>
@@ -2908,7 +6749,7 @@
           <p:cNvPr id="2" name="Title 1">
             <a:extLst>
               <a:ext uri="{FF2B5EF4-FFF2-40B4-BE49-F238E27FC236}">
-                <a16:creationId xmlns:a16="http://schemas.microsoft.com/office/drawing/2014/main" xmlns="" id="{68199B5D-168F-4BCC-8B41-FAAA053FC84C}"/>
+                <a16:creationId xmlns:a16="http://schemas.microsoft.com/office/drawing/2014/main" id="{68199B5D-168F-4BCC-8B41-FAAA053FC84C}"/>
               </a:ext>
             </a:extLst>
           </p:cNvPr>
@@ -2937,7 +6778,7 @@
           <p:cNvPr id="3" name="Date Placeholder 2">
             <a:extLst>
               <a:ext uri="{FF2B5EF4-FFF2-40B4-BE49-F238E27FC236}">
-                <a16:creationId xmlns:a16="http://schemas.microsoft.com/office/drawing/2014/main" xmlns="" id="{E50AED76-4DC9-451C-B0CB-73FF4B908FA6}"/>
+                <a16:creationId xmlns:a16="http://schemas.microsoft.com/office/drawing/2014/main" id="{E50AED76-4DC9-451C-B0CB-73FF4B908FA6}"/>
               </a:ext>
             </a:extLst>
           </p:cNvPr>
@@ -2955,7 +6796,7 @@
           <a:p>
             <a:fld id="{EEA75A29-027F-4D48-B08B-1161613C0818}" type="datetimeFigureOut">
               <a:rPr lang="bg-BG" smtClean="0"/>
-              <a:t>23.04.2019</a:t>
+              <a:t>1.5.2019 г.</a:t>
             </a:fld>
             <a:endParaRPr lang="bg-BG"/>
           </a:p>
@@ -2966,7 +6807,7 @@
           <p:cNvPr id="4" name="Footer Placeholder 3">
             <a:extLst>
               <a:ext uri="{FF2B5EF4-FFF2-40B4-BE49-F238E27FC236}">
-                <a16:creationId xmlns:a16="http://schemas.microsoft.com/office/drawing/2014/main" xmlns="" id="{30116E03-A51E-44FA-A4FC-4E2CF1A7B86D}"/>
+                <a16:creationId xmlns:a16="http://schemas.microsoft.com/office/drawing/2014/main" id="{30116E03-A51E-44FA-A4FC-4E2CF1A7B86D}"/>
               </a:ext>
             </a:extLst>
           </p:cNvPr>
@@ -2991,7 +6832,7 @@
           <p:cNvPr id="5" name="Slide Number Placeholder 4">
             <a:extLst>
               <a:ext uri="{FF2B5EF4-FFF2-40B4-BE49-F238E27FC236}">
-                <a16:creationId xmlns:a16="http://schemas.microsoft.com/office/drawing/2014/main" xmlns="" id="{E8BB72F7-F4A4-45A6-AF88-74990BEEC45C}"/>
+                <a16:creationId xmlns:a16="http://schemas.microsoft.com/office/drawing/2014/main" id="{E8BB72F7-F4A4-45A6-AF88-74990BEEC45C}"/>
               </a:ext>
             </a:extLst>
           </p:cNvPr>
@@ -3050,7 +6891,7 @@
           <p:cNvPr id="2" name="Date Placeholder 1">
             <a:extLst>
               <a:ext uri="{FF2B5EF4-FFF2-40B4-BE49-F238E27FC236}">
-                <a16:creationId xmlns:a16="http://schemas.microsoft.com/office/drawing/2014/main" xmlns="" id="{7098F6A1-6902-4C8F-8C89-58FCAC8DE877}"/>
+                <a16:creationId xmlns:a16="http://schemas.microsoft.com/office/drawing/2014/main" id="{7098F6A1-6902-4C8F-8C89-58FCAC8DE877}"/>
               </a:ext>
             </a:extLst>
           </p:cNvPr>
@@ -3068,7 +6909,7 @@
           <a:p>
             <a:fld id="{EEA75A29-027F-4D48-B08B-1161613C0818}" type="datetimeFigureOut">
               <a:rPr lang="bg-BG" smtClean="0"/>
-              <a:t>23.04.2019</a:t>
+              <a:t>1.5.2019 г.</a:t>
             </a:fld>
             <a:endParaRPr lang="bg-BG"/>
           </a:p>
@@ -3079,7 +6920,7 @@
           <p:cNvPr id="3" name="Footer Placeholder 2">
             <a:extLst>
               <a:ext uri="{FF2B5EF4-FFF2-40B4-BE49-F238E27FC236}">
-                <a16:creationId xmlns:a16="http://schemas.microsoft.com/office/drawing/2014/main" xmlns="" id="{2210603F-7217-47C4-B45F-87B24133ACB3}"/>
+                <a16:creationId xmlns:a16="http://schemas.microsoft.com/office/drawing/2014/main" id="{2210603F-7217-47C4-B45F-87B24133ACB3}"/>
               </a:ext>
             </a:extLst>
           </p:cNvPr>
@@ -3104,7 +6945,7 @@
           <p:cNvPr id="4" name="Slide Number Placeholder 3">
             <a:extLst>
               <a:ext uri="{FF2B5EF4-FFF2-40B4-BE49-F238E27FC236}">
-                <a16:creationId xmlns:a16="http://schemas.microsoft.com/office/drawing/2014/main" xmlns="" id="{DD807AA2-F6E9-43C0-BE01-02161404E726}"/>
+                <a16:creationId xmlns:a16="http://schemas.microsoft.com/office/drawing/2014/main" id="{DD807AA2-F6E9-43C0-BE01-02161404E726}"/>
               </a:ext>
             </a:extLst>
           </p:cNvPr>
@@ -3163,7 +7004,7 @@
           <p:cNvPr id="2" name="Title 1">
             <a:extLst>
               <a:ext uri="{FF2B5EF4-FFF2-40B4-BE49-F238E27FC236}">
-                <a16:creationId xmlns:a16="http://schemas.microsoft.com/office/drawing/2014/main" xmlns="" id="{274E79D0-4A57-4D72-8BFF-AA07E2DBE2AA}"/>
+                <a16:creationId xmlns:a16="http://schemas.microsoft.com/office/drawing/2014/main" id="{274E79D0-4A57-4D72-8BFF-AA07E2DBE2AA}"/>
               </a:ext>
             </a:extLst>
           </p:cNvPr>
@@ -3201,7 +7042,7 @@
           <p:cNvPr id="3" name="Content Placeholder 2">
             <a:extLst>
               <a:ext uri="{FF2B5EF4-FFF2-40B4-BE49-F238E27FC236}">
-                <a16:creationId xmlns:a16="http://schemas.microsoft.com/office/drawing/2014/main" xmlns="" id="{C5F10B8E-BD65-4618-9F2A-8174963C8555}"/>
+                <a16:creationId xmlns:a16="http://schemas.microsoft.com/office/drawing/2014/main" id="{C5F10B8E-BD65-4618-9F2A-8174963C8555}"/>
               </a:ext>
             </a:extLst>
           </p:cNvPr>
@@ -3292,7 +7133,7 @@
           <p:cNvPr id="4" name="Text Placeholder 3">
             <a:extLst>
               <a:ext uri="{FF2B5EF4-FFF2-40B4-BE49-F238E27FC236}">
-                <a16:creationId xmlns:a16="http://schemas.microsoft.com/office/drawing/2014/main" xmlns="" id="{04CB69F9-BEF2-4790-B07A-274061846E82}"/>
+                <a16:creationId xmlns:a16="http://schemas.microsoft.com/office/drawing/2014/main" id="{04CB69F9-BEF2-4790-B07A-274061846E82}"/>
               </a:ext>
             </a:extLst>
           </p:cNvPr>
@@ -3363,7 +7204,7 @@
           <p:cNvPr id="5" name="Date Placeholder 4">
             <a:extLst>
               <a:ext uri="{FF2B5EF4-FFF2-40B4-BE49-F238E27FC236}">
-                <a16:creationId xmlns:a16="http://schemas.microsoft.com/office/drawing/2014/main" xmlns="" id="{51F1382C-CD99-4075-AB4B-9EF791ACA926}"/>
+                <a16:creationId xmlns:a16="http://schemas.microsoft.com/office/drawing/2014/main" id="{51F1382C-CD99-4075-AB4B-9EF791ACA926}"/>
               </a:ext>
             </a:extLst>
           </p:cNvPr>
@@ -3381,7 +7222,7 @@
           <a:p>
             <a:fld id="{EEA75A29-027F-4D48-B08B-1161613C0818}" type="datetimeFigureOut">
               <a:rPr lang="bg-BG" smtClean="0"/>
-              <a:t>23.04.2019</a:t>
+              <a:t>1.5.2019 г.</a:t>
             </a:fld>
             <a:endParaRPr lang="bg-BG"/>
           </a:p>
@@ -3392,7 +7233,7 @@
           <p:cNvPr id="6" name="Footer Placeholder 5">
             <a:extLst>
               <a:ext uri="{FF2B5EF4-FFF2-40B4-BE49-F238E27FC236}">
-                <a16:creationId xmlns:a16="http://schemas.microsoft.com/office/drawing/2014/main" xmlns="" id="{C25DFF43-D3BE-4042-BDFC-2998A5097955}"/>
+                <a16:creationId xmlns:a16="http://schemas.microsoft.com/office/drawing/2014/main" id="{C25DFF43-D3BE-4042-BDFC-2998A5097955}"/>
               </a:ext>
             </a:extLst>
           </p:cNvPr>
@@ -3417,7 +7258,7 @@
           <p:cNvPr id="7" name="Slide Number Placeholder 6">
             <a:extLst>
               <a:ext uri="{FF2B5EF4-FFF2-40B4-BE49-F238E27FC236}">
-                <a16:creationId xmlns:a16="http://schemas.microsoft.com/office/drawing/2014/main" xmlns="" id="{06312CA7-204D-43D7-993D-3F5D401DEB6E}"/>
+                <a16:creationId xmlns:a16="http://schemas.microsoft.com/office/drawing/2014/main" id="{06312CA7-204D-43D7-993D-3F5D401DEB6E}"/>
               </a:ext>
             </a:extLst>
           </p:cNvPr>
@@ -3476,7 +7317,7 @@
           <p:cNvPr id="2" name="Title 1">
             <a:extLst>
               <a:ext uri="{FF2B5EF4-FFF2-40B4-BE49-F238E27FC236}">
-                <a16:creationId xmlns:a16="http://schemas.microsoft.com/office/drawing/2014/main" xmlns="" id="{4D5B6D33-81B3-45CB-8DD1-3D215D78BD4A}"/>
+                <a16:creationId xmlns:a16="http://schemas.microsoft.com/office/drawing/2014/main" id="{4D5B6D33-81B3-45CB-8DD1-3D215D78BD4A}"/>
               </a:ext>
             </a:extLst>
           </p:cNvPr>
@@ -3514,7 +7355,7 @@
           <p:cNvPr id="3" name="Picture Placeholder 2">
             <a:extLst>
               <a:ext uri="{FF2B5EF4-FFF2-40B4-BE49-F238E27FC236}">
-                <a16:creationId xmlns:a16="http://schemas.microsoft.com/office/drawing/2014/main" xmlns="" id="{F496AEA4-445B-4253-90DA-EBFB28926940}"/>
+                <a16:creationId xmlns:a16="http://schemas.microsoft.com/office/drawing/2014/main" id="{F496AEA4-445B-4253-90DA-EBFB28926940}"/>
               </a:ext>
             </a:extLst>
           </p:cNvPr>
@@ -3581,7 +7422,7 @@
           <p:cNvPr id="4" name="Text Placeholder 3">
             <a:extLst>
               <a:ext uri="{FF2B5EF4-FFF2-40B4-BE49-F238E27FC236}">
-                <a16:creationId xmlns:a16="http://schemas.microsoft.com/office/drawing/2014/main" xmlns="" id="{82B8DA4B-177D-4CF9-8759-9FB35161325F}"/>
+                <a16:creationId xmlns:a16="http://schemas.microsoft.com/office/drawing/2014/main" id="{82B8DA4B-177D-4CF9-8759-9FB35161325F}"/>
               </a:ext>
             </a:extLst>
           </p:cNvPr>
@@ -3652,7 +7493,7 @@
           <p:cNvPr id="5" name="Date Placeholder 4">
             <a:extLst>
               <a:ext uri="{FF2B5EF4-FFF2-40B4-BE49-F238E27FC236}">
-                <a16:creationId xmlns:a16="http://schemas.microsoft.com/office/drawing/2014/main" xmlns="" id="{F5F44FF0-3C9E-4E02-AFCD-418CFDA06F99}"/>
+                <a16:creationId xmlns:a16="http://schemas.microsoft.com/office/drawing/2014/main" id="{F5F44FF0-3C9E-4E02-AFCD-418CFDA06F99}"/>
               </a:ext>
             </a:extLst>
           </p:cNvPr>
@@ -3670,7 +7511,7 @@
           <a:p>
             <a:fld id="{EEA75A29-027F-4D48-B08B-1161613C0818}" type="datetimeFigureOut">
               <a:rPr lang="bg-BG" smtClean="0"/>
-              <a:t>23.04.2019</a:t>
+              <a:t>1.5.2019 г.</a:t>
             </a:fld>
             <a:endParaRPr lang="bg-BG"/>
           </a:p>
@@ -3681,7 +7522,7 @@
           <p:cNvPr id="6" name="Footer Placeholder 5">
             <a:extLst>
               <a:ext uri="{FF2B5EF4-FFF2-40B4-BE49-F238E27FC236}">
-                <a16:creationId xmlns:a16="http://schemas.microsoft.com/office/drawing/2014/main" xmlns="" id="{5097DF82-2BBD-4019-848B-5FAC6D1F14ED}"/>
+                <a16:creationId xmlns:a16="http://schemas.microsoft.com/office/drawing/2014/main" id="{5097DF82-2BBD-4019-848B-5FAC6D1F14ED}"/>
               </a:ext>
             </a:extLst>
           </p:cNvPr>
@@ -3706,7 +7547,7 @@
           <p:cNvPr id="7" name="Slide Number Placeholder 6">
             <a:extLst>
               <a:ext uri="{FF2B5EF4-FFF2-40B4-BE49-F238E27FC236}">
-                <a16:creationId xmlns:a16="http://schemas.microsoft.com/office/drawing/2014/main" xmlns="" id="{F564C5BD-4D43-49A7-B528-9F4922E17A39}"/>
+                <a16:creationId xmlns:a16="http://schemas.microsoft.com/office/drawing/2014/main" id="{F564C5BD-4D43-49A7-B528-9F4922E17A39}"/>
               </a:ext>
             </a:extLst>
           </p:cNvPr>
@@ -3770,7 +7611,7 @@
           <p:cNvPr id="2" name="Title Placeholder 1">
             <a:extLst>
               <a:ext uri="{FF2B5EF4-FFF2-40B4-BE49-F238E27FC236}">
-                <a16:creationId xmlns:a16="http://schemas.microsoft.com/office/drawing/2014/main" xmlns="" id="{C62B9201-D64F-4E73-9D97-CDD35AFA9CD9}"/>
+                <a16:creationId xmlns:a16="http://schemas.microsoft.com/office/drawing/2014/main" id="{C62B9201-D64F-4E73-9D97-CDD35AFA9CD9}"/>
               </a:ext>
             </a:extLst>
           </p:cNvPr>
@@ -3809,7 +7650,7 @@
           <p:cNvPr id="3" name="Text Placeholder 2">
             <a:extLst>
               <a:ext uri="{FF2B5EF4-FFF2-40B4-BE49-F238E27FC236}">
-                <a16:creationId xmlns:a16="http://schemas.microsoft.com/office/drawing/2014/main" xmlns="" id="{750AD475-A6DB-444D-9126-24701712235D}"/>
+                <a16:creationId xmlns:a16="http://schemas.microsoft.com/office/drawing/2014/main" id="{750AD475-A6DB-444D-9126-24701712235D}"/>
               </a:ext>
             </a:extLst>
           </p:cNvPr>
@@ -3877,7 +7718,7 @@
           <p:cNvPr id="4" name="Date Placeholder 3">
             <a:extLst>
               <a:ext uri="{FF2B5EF4-FFF2-40B4-BE49-F238E27FC236}">
-                <a16:creationId xmlns:a16="http://schemas.microsoft.com/office/drawing/2014/main" xmlns="" id="{EAEEC826-FC13-4DC6-8680-1989B58B8840}"/>
+                <a16:creationId xmlns:a16="http://schemas.microsoft.com/office/drawing/2014/main" id="{EAEEC826-FC13-4DC6-8680-1989B58B8840}"/>
               </a:ext>
             </a:extLst>
           </p:cNvPr>
@@ -3913,7 +7754,7 @@
           <a:p>
             <a:fld id="{EEA75A29-027F-4D48-B08B-1161613C0818}" type="datetimeFigureOut">
               <a:rPr lang="bg-BG" smtClean="0"/>
-              <a:t>23.04.2019</a:t>
+              <a:t>1.5.2019 г.</a:t>
             </a:fld>
             <a:endParaRPr lang="bg-BG"/>
           </a:p>
@@ -3924,7 +7765,7 @@
           <p:cNvPr id="5" name="Footer Placeholder 4">
             <a:extLst>
               <a:ext uri="{FF2B5EF4-FFF2-40B4-BE49-F238E27FC236}">
-                <a16:creationId xmlns:a16="http://schemas.microsoft.com/office/drawing/2014/main" xmlns="" id="{CA44FEEC-545C-4523-8E78-9730A4DEA230}"/>
+                <a16:creationId xmlns:a16="http://schemas.microsoft.com/office/drawing/2014/main" id="{CA44FEEC-545C-4523-8E78-9730A4DEA230}"/>
               </a:ext>
             </a:extLst>
           </p:cNvPr>
@@ -3967,7 +7808,7 @@
           <p:cNvPr id="6" name="Slide Number Placeholder 5">
             <a:extLst>
               <a:ext uri="{FF2B5EF4-FFF2-40B4-BE49-F238E27FC236}">
-                <a16:creationId xmlns:a16="http://schemas.microsoft.com/office/drawing/2014/main" xmlns="" id="{73D22FDB-48CD-4DC6-AA72-C4D498CB8BE3}"/>
+                <a16:creationId xmlns:a16="http://schemas.microsoft.com/office/drawing/2014/main" id="{73D22FDB-48CD-4DC6-AA72-C4D498CB8BE3}"/>
               </a:ext>
             </a:extLst>
           </p:cNvPr>
@@ -4335,7 +8176,7 @@
           <p:cNvPr id="2" name="Title 1">
             <a:extLst>
               <a:ext uri="{FF2B5EF4-FFF2-40B4-BE49-F238E27FC236}">
-                <a16:creationId xmlns:a16="http://schemas.microsoft.com/office/drawing/2014/main" xmlns="" id="{D0065D8F-353D-4059-9C7F-F49723F8BC46}"/>
+                <a16:creationId xmlns:a16="http://schemas.microsoft.com/office/drawing/2014/main" id="{D0065D8F-353D-4059-9C7F-F49723F8BC46}"/>
               </a:ext>
             </a:extLst>
           </p:cNvPr>
@@ -4384,6 +8225,1251 @@
     <p:extLst>
       <p:ext uri="{BB962C8B-B14F-4D97-AF65-F5344CB8AC3E}">
         <p14:creationId xmlns:p14="http://schemas.microsoft.com/office/powerpoint/2010/main" val="1749986311"/>
+      </p:ext>
+    </p:extLst>
+  </p:cSld>
+  <p:clrMapOvr>
+    <a:masterClrMapping/>
+  </p:clrMapOvr>
+</p:sld>
+</file>
+
+<file path=ppt/slides/slide10.xml><?xml version="1.0" encoding="utf-8"?>
+<p:sld xmlns:a="http://schemas.openxmlformats.org/drawingml/2006/main" xmlns:r="http://schemas.openxmlformats.org/officeDocument/2006/relationships" xmlns:p="http://schemas.openxmlformats.org/presentationml/2006/main">
+  <p:cSld>
+    <p:bg>
+      <p:bgPr>
+        <a:solidFill>
+          <a:schemeClr val="bg1"/>
+        </a:solidFill>
+        <a:effectLst/>
+      </p:bgPr>
+    </p:bg>
+    <p:spTree>
+      <p:nvGrpSpPr>
+        <p:cNvPr id="1" name=""/>
+        <p:cNvGrpSpPr/>
+        <p:nvPr/>
+      </p:nvGrpSpPr>
+      <p:grpSpPr>
+        <a:xfrm>
+          <a:off x="0" y="0"/>
+          <a:ext cx="0" cy="0"/>
+          <a:chOff x="0" y="0"/>
+          <a:chExt cx="0" cy="0"/>
+        </a:xfrm>
+      </p:grpSpPr>
+      <p:sp>
+        <p:nvSpPr>
+          <p:cNvPr id="9" name="Rectangle 8">
+            <a:extLst>
+              <a:ext uri="{FF2B5EF4-FFF2-40B4-BE49-F238E27FC236}">
+                <a16:creationId xmlns:a16="http://schemas.microsoft.com/office/drawing/2014/main" id="{6753252F-4873-4F63-801D-CC719279A7D5}"/>
+              </a:ext>
+              <a:ext uri="{C183D7F6-B498-43B3-948B-1728B52AA6E4}">
+                <adec:decorative xmlns:adec="http://schemas.microsoft.com/office/drawing/2017/decorative" val="1"/>
+              </a:ext>
+            </a:extLst>
+          </p:cNvPr>
+          <p:cNvSpPr>
+            <a:spLocks noGrp="1" noRot="1" noChangeAspect="1" noMove="1" noResize="1" noEditPoints="1" noAdjustHandles="1" noChangeArrowheads="1" noChangeShapeType="1" noTextEdit="1"/>
+          </p:cNvSpPr>
+          <p:nvPr>
+            <p:extLst>
+              <p:ext uri="{386F3935-93C4-4BCD-93E2-E3B085C9AB24}">
+                <p16:designElem xmlns:p16="http://schemas.microsoft.com/office/powerpoint/2015/main" val="1"/>
+              </p:ext>
+            </p:extLst>
+          </p:nvPr>
+        </p:nvSpPr>
+        <p:spPr>
+          <a:xfrm>
+            <a:off x="0" y="0"/>
+            <a:ext cx="12192000" cy="6858000"/>
+          </a:xfrm>
+          <a:prstGeom prst="rect">
+            <a:avLst/>
+          </a:prstGeom>
+          <a:solidFill>
+            <a:srgbClr val="FFFFFF"/>
+          </a:solidFill>
+          <a:ln>
+            <a:noFill/>
+          </a:ln>
+        </p:spPr>
+        <p:style>
+          <a:lnRef idx="2">
+            <a:schemeClr val="accent1">
+              <a:shade val="50000"/>
+            </a:schemeClr>
+          </a:lnRef>
+          <a:fillRef idx="1">
+            <a:schemeClr val="accent1"/>
+          </a:fillRef>
+          <a:effectRef idx="0">
+            <a:schemeClr val="accent1"/>
+          </a:effectRef>
+          <a:fontRef idx="minor">
+            <a:schemeClr val="lt1"/>
+          </a:fontRef>
+        </p:style>
+        <p:txBody>
+          <a:bodyPr rtlCol="0" anchor="ctr"/>
+          <a:lstStyle/>
+          <a:p>
+            <a:pPr algn="ctr"/>
+            <a:endParaRPr lang="en-US"/>
+          </a:p>
+        </p:txBody>
+      </p:sp>
+      <p:sp>
+        <p:nvSpPr>
+          <p:cNvPr id="11" name="Rectangle 10">
+            <a:extLst>
+              <a:ext uri="{FF2B5EF4-FFF2-40B4-BE49-F238E27FC236}">
+                <a16:creationId xmlns:a16="http://schemas.microsoft.com/office/drawing/2014/main" id="{047C8CCB-F95D-4249-92DD-651249D3535A}"/>
+              </a:ext>
+              <a:ext uri="{C183D7F6-B498-43B3-948B-1728B52AA6E4}">
+                <adec:decorative xmlns:adec="http://schemas.microsoft.com/office/drawing/2017/decorative" val="1"/>
+              </a:ext>
+            </a:extLst>
+          </p:cNvPr>
+          <p:cNvSpPr>
+            <a:spLocks noGrp="1" noRot="1" noChangeAspect="1" noMove="1" noResize="1" noEditPoints="1" noAdjustHandles="1" noChangeArrowheads="1" noChangeShapeType="1" noTextEdit="1"/>
+          </p:cNvSpPr>
+          <p:nvPr>
+            <p:extLst>
+              <p:ext uri="{386F3935-93C4-4BCD-93E2-E3B085C9AB24}">
+                <p16:designElem xmlns:p16="http://schemas.microsoft.com/office/powerpoint/2015/main" val="1"/>
+              </p:ext>
+            </p:extLst>
+          </p:nvPr>
+        </p:nvSpPr>
+        <p:spPr>
+          <a:xfrm>
+            <a:off x="0" y="0"/>
+            <a:ext cx="2013557" cy="6858000"/>
+          </a:xfrm>
+          <a:prstGeom prst="rect">
+            <a:avLst/>
+          </a:prstGeom>
+          <a:solidFill>
+            <a:srgbClr val="5C5C3E"/>
+          </a:solidFill>
+          <a:ln>
+            <a:noFill/>
+          </a:ln>
+        </p:spPr>
+        <p:style>
+          <a:lnRef idx="2">
+            <a:schemeClr val="accent1">
+              <a:shade val="50000"/>
+            </a:schemeClr>
+          </a:lnRef>
+          <a:fillRef idx="1">
+            <a:schemeClr val="accent1"/>
+          </a:fillRef>
+          <a:effectRef idx="0">
+            <a:schemeClr val="accent1"/>
+          </a:effectRef>
+          <a:fontRef idx="minor">
+            <a:schemeClr val="lt1"/>
+          </a:fontRef>
+        </p:style>
+        <p:txBody>
+          <a:bodyPr rtlCol="0" anchor="ctr"/>
+          <a:lstStyle/>
+          <a:p>
+            <a:pPr algn="ctr"/>
+            <a:endParaRPr lang="en-US"/>
+          </a:p>
+        </p:txBody>
+      </p:sp>
+      <p:sp>
+        <p:nvSpPr>
+          <p:cNvPr id="2" name="Title 1">
+            <a:extLst>
+              <a:ext uri="{FF2B5EF4-FFF2-40B4-BE49-F238E27FC236}">
+                <a16:creationId xmlns:a16="http://schemas.microsoft.com/office/drawing/2014/main" id="{A8BD4635-0A13-4204-BC74-041ADBA75F90}"/>
+              </a:ext>
+            </a:extLst>
+          </p:cNvPr>
+          <p:cNvSpPr>
+            <a:spLocks noGrp="1"/>
+          </p:cNvSpPr>
+          <p:nvPr>
+            <p:ph type="title"/>
+          </p:nvPr>
+        </p:nvSpPr>
+        <p:spPr>
+          <a:xfrm>
+            <a:off x="640080" y="2074363"/>
+            <a:ext cx="2752354" cy="2709275"/>
+          </a:xfrm>
+          <a:prstGeom prst="ellipse">
+            <a:avLst/>
+          </a:prstGeom>
+          <a:solidFill>
+            <a:srgbClr val="262626"/>
+          </a:solidFill>
+          <a:ln w="174625" cmpd="thinThick">
+            <a:solidFill>
+              <a:srgbClr val="262626"/>
+            </a:solidFill>
+          </a:ln>
+        </p:spPr>
+        <p:txBody>
+          <a:bodyPr vert="horz" lIns="91440" tIns="45720" rIns="91440" bIns="45720" rtlCol="0" anchor="ctr">
+            <a:normAutofit/>
+          </a:bodyPr>
+          <a:lstStyle/>
+          <a:p>
+            <a:pPr algn="ctr"/>
+            <a:r>
+              <a:rPr lang="en-US" sz="2600" kern="1200">
+                <a:solidFill>
+                  <a:srgbClr val="FFFFFF"/>
+                </a:solidFill>
+                <a:latin typeface="+mj-lt"/>
+                <a:ea typeface="+mj-ea"/>
+                <a:cs typeface="+mj-cs"/>
+              </a:rPr>
+              <a:t>Git Submodules</a:t>
+            </a:r>
+          </a:p>
+        </p:txBody>
+      </p:sp>
+      <p:sp>
+        <p:nvSpPr>
+          <p:cNvPr id="6" name="Content Placeholder 5">
+            <a:extLst>
+              <a:ext uri="{FF2B5EF4-FFF2-40B4-BE49-F238E27FC236}">
+                <a16:creationId xmlns:a16="http://schemas.microsoft.com/office/drawing/2014/main" id="{18E3E1EA-11D5-4397-BE57-343520A852FE}"/>
+              </a:ext>
+            </a:extLst>
+          </p:cNvPr>
+          <p:cNvSpPr>
+            <a:spLocks noGrp="1"/>
+          </p:cNvSpPr>
+          <p:nvPr>
+            <p:ph idx="1"/>
+          </p:nvPr>
+        </p:nvSpPr>
+        <p:spPr>
+          <a:xfrm>
+            <a:off x="4032514" y="1544257"/>
+            <a:ext cx="7257786" cy="3769485"/>
+          </a:xfrm>
+        </p:spPr>
+        <p:txBody>
+          <a:bodyPr>
+            <a:normAutofit/>
+          </a:bodyPr>
+          <a:lstStyle/>
+          <a:p>
+            <a:pPr marL="0" indent="0">
+              <a:buNone/>
+            </a:pPr>
+            <a:r>
+              <a:rPr lang="en-US" dirty="0"/>
+              <a:t>Pros</a:t>
+            </a:r>
+          </a:p>
+          <a:p>
+            <a:r>
+              <a:rPr lang="en-US" dirty="0"/>
+              <a:t>Share code across multiple git projects</a:t>
+            </a:r>
+          </a:p>
+          <a:p>
+            <a:r>
+              <a:rPr lang="en-US" dirty="0"/>
+              <a:t>Separate git history per submodule/repository</a:t>
+            </a:r>
+          </a:p>
+          <a:p>
+            <a:pPr marL="0" indent="0">
+              <a:buNone/>
+            </a:pPr>
+            <a:endParaRPr lang="en-US" dirty="0"/>
+          </a:p>
+          <a:p>
+            <a:pPr marL="0" indent="0">
+              <a:buNone/>
+            </a:pPr>
+            <a:r>
+              <a:rPr lang="en-US" dirty="0"/>
+              <a:t>Cons</a:t>
+            </a:r>
+          </a:p>
+          <a:p>
+            <a:r>
+              <a:rPr lang="en-US" dirty="0"/>
+              <a:t>Requires high level of discipline</a:t>
+            </a:r>
+          </a:p>
+          <a:p>
+            <a:r>
+              <a:rPr lang="en-US" dirty="0"/>
+              <a:t>Requires high level of git knowledge</a:t>
+            </a:r>
+          </a:p>
+          <a:p>
+            <a:endParaRPr lang="en-US" dirty="0"/>
+          </a:p>
+          <a:p>
+            <a:pPr marL="0" indent="0">
+              <a:buNone/>
+            </a:pPr>
+            <a:endParaRPr lang="en-US" dirty="0"/>
+          </a:p>
+          <a:p>
+            <a:pPr marL="0" indent="0">
+              <a:buNone/>
+            </a:pPr>
+            <a:endParaRPr lang="bg-BG" dirty="0"/>
+          </a:p>
+        </p:txBody>
+      </p:sp>
+    </p:spTree>
+    <p:extLst>
+      <p:ext uri="{BB962C8B-B14F-4D97-AF65-F5344CB8AC3E}">
+        <p14:creationId xmlns:p14="http://schemas.microsoft.com/office/powerpoint/2010/main" val="689892060"/>
+      </p:ext>
+    </p:extLst>
+  </p:cSld>
+  <p:clrMapOvr>
+    <a:masterClrMapping/>
+  </p:clrMapOvr>
+</p:sld>
+</file>
+
+<file path=ppt/slides/slide11.xml><?xml version="1.0" encoding="utf-8"?>
+<p:sld xmlns:a="http://schemas.openxmlformats.org/drawingml/2006/main" xmlns:r="http://schemas.openxmlformats.org/officeDocument/2006/relationships" xmlns:p="http://schemas.openxmlformats.org/presentationml/2006/main">
+  <p:cSld>
+    <p:bg>
+      <p:bgPr>
+        <a:solidFill>
+          <a:schemeClr val="bg1"/>
+        </a:solidFill>
+        <a:effectLst/>
+      </p:bgPr>
+    </p:bg>
+    <p:spTree>
+      <p:nvGrpSpPr>
+        <p:cNvPr id="1" name=""/>
+        <p:cNvGrpSpPr/>
+        <p:nvPr/>
+      </p:nvGrpSpPr>
+      <p:grpSpPr>
+        <a:xfrm>
+          <a:off x="0" y="0"/>
+          <a:ext cx="0" cy="0"/>
+          <a:chOff x="0" y="0"/>
+          <a:chExt cx="0" cy="0"/>
+        </a:xfrm>
+      </p:grpSpPr>
+      <p:sp>
+        <p:nvSpPr>
+          <p:cNvPr id="9" name="Rectangle 8">
+            <a:extLst>
+              <a:ext uri="{FF2B5EF4-FFF2-40B4-BE49-F238E27FC236}">
+                <a16:creationId xmlns:a16="http://schemas.microsoft.com/office/drawing/2014/main" id="{6753252F-4873-4F63-801D-CC719279A7D5}"/>
+              </a:ext>
+              <a:ext uri="{C183D7F6-B498-43B3-948B-1728B52AA6E4}">
+                <adec:decorative xmlns:adec="http://schemas.microsoft.com/office/drawing/2017/decorative" val="1"/>
+              </a:ext>
+            </a:extLst>
+          </p:cNvPr>
+          <p:cNvSpPr>
+            <a:spLocks noGrp="1" noRot="1" noChangeAspect="1" noMove="1" noResize="1" noEditPoints="1" noAdjustHandles="1" noChangeArrowheads="1" noChangeShapeType="1" noTextEdit="1"/>
+          </p:cNvSpPr>
+          <p:nvPr>
+            <p:extLst>
+              <p:ext uri="{386F3935-93C4-4BCD-93E2-E3B085C9AB24}">
+                <p16:designElem xmlns:p16="http://schemas.microsoft.com/office/powerpoint/2015/main" val="1"/>
+              </p:ext>
+            </p:extLst>
+          </p:nvPr>
+        </p:nvSpPr>
+        <p:spPr>
+          <a:xfrm>
+            <a:off x="0" y="0"/>
+            <a:ext cx="12192000" cy="6858000"/>
+          </a:xfrm>
+          <a:prstGeom prst="rect">
+            <a:avLst/>
+          </a:prstGeom>
+          <a:solidFill>
+            <a:srgbClr val="FFFFFF"/>
+          </a:solidFill>
+          <a:ln>
+            <a:noFill/>
+          </a:ln>
+        </p:spPr>
+        <p:style>
+          <a:lnRef idx="2">
+            <a:schemeClr val="accent1">
+              <a:shade val="50000"/>
+            </a:schemeClr>
+          </a:lnRef>
+          <a:fillRef idx="1">
+            <a:schemeClr val="accent1"/>
+          </a:fillRef>
+          <a:effectRef idx="0">
+            <a:schemeClr val="accent1"/>
+          </a:effectRef>
+          <a:fontRef idx="minor">
+            <a:schemeClr val="lt1"/>
+          </a:fontRef>
+        </p:style>
+        <p:txBody>
+          <a:bodyPr rtlCol="0" anchor="ctr"/>
+          <a:lstStyle/>
+          <a:p>
+            <a:pPr algn="ctr"/>
+            <a:endParaRPr lang="en-US"/>
+          </a:p>
+        </p:txBody>
+      </p:sp>
+      <p:sp>
+        <p:nvSpPr>
+          <p:cNvPr id="11" name="Rectangle 10">
+            <a:extLst>
+              <a:ext uri="{FF2B5EF4-FFF2-40B4-BE49-F238E27FC236}">
+                <a16:creationId xmlns:a16="http://schemas.microsoft.com/office/drawing/2014/main" id="{047C8CCB-F95D-4249-92DD-651249D3535A}"/>
+              </a:ext>
+              <a:ext uri="{C183D7F6-B498-43B3-948B-1728B52AA6E4}">
+                <adec:decorative xmlns:adec="http://schemas.microsoft.com/office/drawing/2017/decorative" val="1"/>
+              </a:ext>
+            </a:extLst>
+          </p:cNvPr>
+          <p:cNvSpPr>
+            <a:spLocks noGrp="1" noRot="1" noChangeAspect="1" noMove="1" noResize="1" noEditPoints="1" noAdjustHandles="1" noChangeArrowheads="1" noChangeShapeType="1" noTextEdit="1"/>
+          </p:cNvSpPr>
+          <p:nvPr>
+            <p:extLst>
+              <p:ext uri="{386F3935-93C4-4BCD-93E2-E3B085C9AB24}">
+                <p16:designElem xmlns:p16="http://schemas.microsoft.com/office/powerpoint/2015/main" val="1"/>
+              </p:ext>
+            </p:extLst>
+          </p:nvPr>
+        </p:nvSpPr>
+        <p:spPr>
+          <a:xfrm>
+            <a:off x="0" y="0"/>
+            <a:ext cx="2013557" cy="6858000"/>
+          </a:xfrm>
+          <a:prstGeom prst="rect">
+            <a:avLst/>
+          </a:prstGeom>
+          <a:solidFill>
+            <a:srgbClr val="5C5C3E"/>
+          </a:solidFill>
+          <a:ln>
+            <a:noFill/>
+          </a:ln>
+        </p:spPr>
+        <p:style>
+          <a:lnRef idx="2">
+            <a:schemeClr val="accent1">
+              <a:shade val="50000"/>
+            </a:schemeClr>
+          </a:lnRef>
+          <a:fillRef idx="1">
+            <a:schemeClr val="accent1"/>
+          </a:fillRef>
+          <a:effectRef idx="0">
+            <a:schemeClr val="accent1"/>
+          </a:effectRef>
+          <a:fontRef idx="minor">
+            <a:schemeClr val="lt1"/>
+          </a:fontRef>
+        </p:style>
+        <p:txBody>
+          <a:bodyPr rtlCol="0" anchor="ctr"/>
+          <a:lstStyle/>
+          <a:p>
+            <a:pPr algn="ctr"/>
+            <a:endParaRPr lang="en-US"/>
+          </a:p>
+        </p:txBody>
+      </p:sp>
+      <p:sp>
+        <p:nvSpPr>
+          <p:cNvPr id="2" name="Title 1">
+            <a:extLst>
+              <a:ext uri="{FF2B5EF4-FFF2-40B4-BE49-F238E27FC236}">
+                <a16:creationId xmlns:a16="http://schemas.microsoft.com/office/drawing/2014/main" id="{A8BD4635-0A13-4204-BC74-041ADBA75F90}"/>
+              </a:ext>
+            </a:extLst>
+          </p:cNvPr>
+          <p:cNvSpPr>
+            <a:spLocks noGrp="1"/>
+          </p:cNvSpPr>
+          <p:nvPr>
+            <p:ph type="title"/>
+          </p:nvPr>
+        </p:nvSpPr>
+        <p:spPr>
+          <a:xfrm>
+            <a:off x="640080" y="2074363"/>
+            <a:ext cx="2752354" cy="2709275"/>
+          </a:xfrm>
+          <a:prstGeom prst="ellipse">
+            <a:avLst/>
+          </a:prstGeom>
+          <a:solidFill>
+            <a:srgbClr val="262626"/>
+          </a:solidFill>
+          <a:ln w="174625" cmpd="thinThick">
+            <a:solidFill>
+              <a:srgbClr val="262626"/>
+            </a:solidFill>
+          </a:ln>
+        </p:spPr>
+        <p:txBody>
+          <a:bodyPr vert="horz" lIns="91440" tIns="45720" rIns="91440" bIns="45720" rtlCol="0" anchor="ctr">
+            <a:normAutofit/>
+          </a:bodyPr>
+          <a:lstStyle/>
+          <a:p>
+            <a:pPr algn="ctr"/>
+            <a:r>
+              <a:rPr lang="en-US" sz="2600" dirty="0" err="1">
+                <a:solidFill>
+                  <a:srgbClr val="FFFFFF"/>
+                </a:solidFill>
+              </a:rPr>
+              <a:t>Monorepo</a:t>
+            </a:r>
+            <a:endParaRPr lang="en-US" sz="2600" kern="1200" dirty="0">
+              <a:solidFill>
+                <a:srgbClr val="FFFFFF"/>
+              </a:solidFill>
+              <a:latin typeface="+mj-lt"/>
+              <a:ea typeface="+mj-ea"/>
+              <a:cs typeface="+mj-cs"/>
+            </a:endParaRPr>
+          </a:p>
+        </p:txBody>
+      </p:sp>
+      <p:sp>
+        <p:nvSpPr>
+          <p:cNvPr id="7" name="Title 1">
+            <a:extLst>
+              <a:ext uri="{FF2B5EF4-FFF2-40B4-BE49-F238E27FC236}">
+                <a16:creationId xmlns:a16="http://schemas.microsoft.com/office/drawing/2014/main" id="{209880CF-D588-478D-8E91-2EE390A6C31A}"/>
+              </a:ext>
+            </a:extLst>
+          </p:cNvPr>
+          <p:cNvSpPr txBox="1">
+            <a:spLocks/>
+          </p:cNvSpPr>
+          <p:nvPr/>
+        </p:nvSpPr>
+        <p:spPr>
+          <a:xfrm>
+            <a:off x="5455750" y="362623"/>
+            <a:ext cx="4950459" cy="1325563"/>
+          </a:xfrm>
+          <a:prstGeom prst="rect">
+            <a:avLst/>
+          </a:prstGeom>
+        </p:spPr>
+        <p:txBody>
+          <a:bodyPr vert="horz" lIns="91440" tIns="45720" rIns="91440" bIns="45720" rtlCol="0" anchor="ctr">
+            <a:normAutofit/>
+          </a:bodyPr>
+          <a:lstStyle>
+            <a:lvl1pPr algn="l" defTabSz="914400" rtl="0" eaLnBrk="1" latinLnBrk="0" hangingPunct="1">
+              <a:lnSpc>
+                <a:spcPct val="90000"/>
+              </a:lnSpc>
+              <a:spcBef>
+                <a:spcPct val="0"/>
+              </a:spcBef>
+              <a:buNone/>
+              <a:defRPr sz="4400" kern="1200">
+                <a:solidFill>
+                  <a:schemeClr val="tx1"/>
+                </a:solidFill>
+                <a:latin typeface="+mj-lt"/>
+                <a:ea typeface="+mj-ea"/>
+                <a:cs typeface="+mj-cs"/>
+              </a:defRPr>
+            </a:lvl1pPr>
+          </a:lstStyle>
+          <a:p>
+            <a:r>
+              <a:rPr lang="en-GB" dirty="0"/>
+              <a:t>What is </a:t>
+            </a:r>
+            <a:r>
+              <a:rPr lang="en-GB" dirty="0" err="1"/>
+              <a:t>Monorepo</a:t>
+            </a:r>
+            <a:r>
+              <a:rPr lang="en-GB" dirty="0"/>
+              <a:t> </a:t>
+            </a:r>
+            <a:endParaRPr lang="bg-BG" dirty="0"/>
+          </a:p>
+        </p:txBody>
+      </p:sp>
+      <p:sp>
+        <p:nvSpPr>
+          <p:cNvPr id="10" name="Title 1">
+            <a:extLst>
+              <a:ext uri="{FF2B5EF4-FFF2-40B4-BE49-F238E27FC236}">
+                <a16:creationId xmlns:a16="http://schemas.microsoft.com/office/drawing/2014/main" id="{0BFA36DA-FD5A-4774-B74F-D98515421C50}"/>
+              </a:ext>
+            </a:extLst>
+          </p:cNvPr>
+          <p:cNvSpPr txBox="1">
+            <a:spLocks/>
+          </p:cNvSpPr>
+          <p:nvPr/>
+        </p:nvSpPr>
+        <p:spPr>
+          <a:xfrm>
+            <a:off x="4911806" y="1707909"/>
+            <a:ext cx="6038346" cy="1325563"/>
+          </a:xfrm>
+          <a:prstGeom prst="rect">
+            <a:avLst/>
+          </a:prstGeom>
+        </p:spPr>
+        <p:txBody>
+          <a:bodyPr vert="horz" lIns="91440" tIns="45720" rIns="91440" bIns="45720" rtlCol="0" anchor="ctr">
+            <a:normAutofit/>
+          </a:bodyPr>
+          <a:lstStyle>
+            <a:lvl1pPr algn="l" defTabSz="914400" rtl="0" eaLnBrk="1" latinLnBrk="0" hangingPunct="1">
+              <a:lnSpc>
+                <a:spcPct val="90000"/>
+              </a:lnSpc>
+              <a:spcBef>
+                <a:spcPct val="0"/>
+              </a:spcBef>
+              <a:buNone/>
+              <a:defRPr sz="4400" kern="1200">
+                <a:solidFill>
+                  <a:schemeClr val="tx1"/>
+                </a:solidFill>
+                <a:latin typeface="+mj-lt"/>
+                <a:ea typeface="+mj-ea"/>
+                <a:cs typeface="+mj-cs"/>
+              </a:defRPr>
+            </a:lvl1pPr>
+          </a:lstStyle>
+          <a:p>
+            <a:r>
+              <a:rPr lang="en-GB" dirty="0" err="1"/>
+              <a:t>Monorepo</a:t>
+            </a:r>
+            <a:r>
+              <a:rPr lang="en-GB" dirty="0"/>
+              <a:t> </a:t>
+            </a:r>
+            <a:r>
+              <a:rPr lang="bg-BG" dirty="0"/>
+              <a:t>≠ </a:t>
+            </a:r>
+            <a:r>
+              <a:rPr lang="en-US" dirty="0"/>
+              <a:t>Monolith</a:t>
+            </a:r>
+            <a:r>
+              <a:rPr lang="en-GB" dirty="0"/>
+              <a:t> </a:t>
+            </a:r>
+            <a:endParaRPr lang="bg-BG" dirty="0"/>
+          </a:p>
+        </p:txBody>
+      </p:sp>
+      <p:pic>
+        <p:nvPicPr>
+          <p:cNvPr id="4" name="Picture 3">
+            <a:extLst>
+              <a:ext uri="{FF2B5EF4-FFF2-40B4-BE49-F238E27FC236}">
+                <a16:creationId xmlns:a16="http://schemas.microsoft.com/office/drawing/2014/main" id="{02C59DA9-B0F6-4E80-9B82-95D4506E0520}"/>
+              </a:ext>
+            </a:extLst>
+          </p:cNvPr>
+          <p:cNvPicPr>
+            <a:picLocks noChangeAspect="1"/>
+          </p:cNvPicPr>
+          <p:nvPr/>
+        </p:nvPicPr>
+        <p:blipFill>
+          <a:blip r:embed="rId3">
+            <a:extLst>
+              <a:ext uri="{28A0092B-C50C-407E-A947-70E740481C1C}">
+                <a14:useLocalDpi xmlns:a14="http://schemas.microsoft.com/office/drawing/2010/main" val="0"/>
+              </a:ext>
+            </a:extLst>
+          </a:blip>
+          <a:stretch>
+            <a:fillRect/>
+          </a:stretch>
+        </p:blipFill>
+        <p:spPr>
+          <a:xfrm>
+            <a:off x="3886456" y="3356088"/>
+            <a:ext cx="2322566" cy="2322566"/>
+          </a:xfrm>
+          <a:prstGeom prst="rect">
+            <a:avLst/>
+          </a:prstGeom>
+        </p:spPr>
+      </p:pic>
+      <p:pic>
+        <p:nvPicPr>
+          <p:cNvPr id="6" name="Picture 5">
+            <a:extLst>
+              <a:ext uri="{FF2B5EF4-FFF2-40B4-BE49-F238E27FC236}">
+                <a16:creationId xmlns:a16="http://schemas.microsoft.com/office/drawing/2014/main" id="{45B2F205-0B4F-4E6E-8257-FAD87424E93E}"/>
+              </a:ext>
+            </a:extLst>
+          </p:cNvPr>
+          <p:cNvPicPr>
+            <a:picLocks noChangeAspect="1"/>
+          </p:cNvPicPr>
+          <p:nvPr/>
+        </p:nvPicPr>
+        <p:blipFill>
+          <a:blip r:embed="rId4">
+            <a:extLst>
+              <a:ext uri="{28A0092B-C50C-407E-A947-70E740481C1C}">
+                <a14:useLocalDpi xmlns:a14="http://schemas.microsoft.com/office/drawing/2010/main" val="0"/>
+              </a:ext>
+            </a:extLst>
+          </a:blip>
+          <a:stretch>
+            <a:fillRect/>
+          </a:stretch>
+        </p:blipFill>
+        <p:spPr>
+          <a:xfrm>
+            <a:off x="6842745" y="3452236"/>
+            <a:ext cx="2148087" cy="2148087"/>
+          </a:xfrm>
+          <a:prstGeom prst="rect">
+            <a:avLst/>
+          </a:prstGeom>
+        </p:spPr>
+      </p:pic>
+      <p:pic>
+        <p:nvPicPr>
+          <p:cNvPr id="12" name="Picture 11">
+            <a:extLst>
+              <a:ext uri="{FF2B5EF4-FFF2-40B4-BE49-F238E27FC236}">
+                <a16:creationId xmlns:a16="http://schemas.microsoft.com/office/drawing/2014/main" id="{83F2AC82-5988-4C11-86E7-EB71CA357D47}"/>
+              </a:ext>
+            </a:extLst>
+          </p:cNvPr>
+          <p:cNvPicPr>
+            <a:picLocks noChangeAspect="1"/>
+          </p:cNvPicPr>
+          <p:nvPr/>
+        </p:nvPicPr>
+        <p:blipFill>
+          <a:blip r:embed="rId5">
+            <a:extLst>
+              <a:ext uri="{28A0092B-C50C-407E-A947-70E740481C1C}">
+                <a14:useLocalDpi xmlns:a14="http://schemas.microsoft.com/office/drawing/2010/main" val="0"/>
+              </a:ext>
+            </a:extLst>
+          </a:blip>
+          <a:stretch>
+            <a:fillRect/>
+          </a:stretch>
+        </p:blipFill>
+        <p:spPr>
+          <a:xfrm>
+            <a:off x="9101078" y="2875377"/>
+            <a:ext cx="3258589" cy="3258589"/>
+          </a:xfrm>
+          <a:prstGeom prst="rect">
+            <a:avLst/>
+          </a:prstGeom>
+        </p:spPr>
+      </p:pic>
+      <p:sp>
+        <p:nvSpPr>
+          <p:cNvPr id="13" name="TextBox 12">
+            <a:extLst>
+              <a:ext uri="{FF2B5EF4-FFF2-40B4-BE49-F238E27FC236}">
+                <a16:creationId xmlns:a16="http://schemas.microsoft.com/office/drawing/2014/main" id="{1BA5E8AA-DBD7-42CE-95FF-45754CB8D761}"/>
+              </a:ext>
+            </a:extLst>
+          </p:cNvPr>
+          <p:cNvSpPr txBox="1"/>
+          <p:nvPr/>
+        </p:nvSpPr>
+        <p:spPr>
+          <a:xfrm>
+            <a:off x="4140351" y="5975939"/>
+            <a:ext cx="1814775" cy="584775"/>
+          </a:xfrm>
+          <a:prstGeom prst="rect">
+            <a:avLst/>
+          </a:prstGeom>
+          <a:noFill/>
+        </p:spPr>
+        <p:txBody>
+          <a:bodyPr wrap="square" rtlCol="0">
+            <a:spAutoFit/>
+          </a:bodyPr>
+          <a:lstStyle/>
+          <a:p>
+            <a:pPr algn="ctr"/>
+            <a:r>
+              <a:rPr lang="en-US" sz="3200" dirty="0"/>
+              <a:t>Piper</a:t>
+            </a:r>
+            <a:endParaRPr lang="bg-BG" sz="3200" dirty="0"/>
+          </a:p>
+        </p:txBody>
+      </p:sp>
+      <p:sp>
+        <p:nvSpPr>
+          <p:cNvPr id="14" name="TextBox 13">
+            <a:extLst>
+              <a:ext uri="{FF2B5EF4-FFF2-40B4-BE49-F238E27FC236}">
+                <a16:creationId xmlns:a16="http://schemas.microsoft.com/office/drawing/2014/main" id="{44B7EFF6-4E16-46F7-B864-FEFEAAC25CB2}"/>
+              </a:ext>
+            </a:extLst>
+          </p:cNvPr>
+          <p:cNvSpPr txBox="1"/>
+          <p:nvPr/>
+        </p:nvSpPr>
+        <p:spPr>
+          <a:xfrm>
+            <a:off x="6856936" y="5975938"/>
+            <a:ext cx="2148086" cy="584775"/>
+          </a:xfrm>
+          <a:prstGeom prst="rect">
+            <a:avLst/>
+          </a:prstGeom>
+          <a:noFill/>
+        </p:spPr>
+        <p:txBody>
+          <a:bodyPr wrap="square" rtlCol="0">
+            <a:spAutoFit/>
+          </a:bodyPr>
+          <a:lstStyle/>
+          <a:p>
+            <a:pPr algn="ctr"/>
+            <a:r>
+              <a:rPr lang="en-US" sz="3200" dirty="0"/>
+              <a:t>Mercurial</a:t>
+            </a:r>
+          </a:p>
+        </p:txBody>
+      </p:sp>
+      <p:sp>
+        <p:nvSpPr>
+          <p:cNvPr id="15" name="TextBox 14">
+            <a:extLst>
+              <a:ext uri="{FF2B5EF4-FFF2-40B4-BE49-F238E27FC236}">
+                <a16:creationId xmlns:a16="http://schemas.microsoft.com/office/drawing/2014/main" id="{2302E2AA-A9EE-400B-95F9-D7CDDFC30754}"/>
+              </a:ext>
+            </a:extLst>
+          </p:cNvPr>
+          <p:cNvSpPr txBox="1"/>
+          <p:nvPr/>
+        </p:nvSpPr>
+        <p:spPr>
+          <a:xfrm>
+            <a:off x="9723593" y="5975938"/>
+            <a:ext cx="2013557" cy="584775"/>
+          </a:xfrm>
+          <a:prstGeom prst="rect">
+            <a:avLst/>
+          </a:prstGeom>
+          <a:noFill/>
+        </p:spPr>
+        <p:txBody>
+          <a:bodyPr wrap="square" rtlCol="0">
+            <a:spAutoFit/>
+          </a:bodyPr>
+          <a:lstStyle/>
+          <a:p>
+            <a:pPr algn="ctr"/>
+            <a:r>
+              <a:rPr lang="en-GB" sz="3200" dirty="0"/>
+              <a:t>Git GVFS</a:t>
+            </a:r>
+            <a:endParaRPr lang="bg-BG" sz="3200" dirty="0"/>
+          </a:p>
+        </p:txBody>
+      </p:sp>
+    </p:spTree>
+    <p:extLst>
+      <p:ext uri="{BB962C8B-B14F-4D97-AF65-F5344CB8AC3E}">
+        <p14:creationId xmlns:p14="http://schemas.microsoft.com/office/powerpoint/2010/main" val="3283707142"/>
+      </p:ext>
+    </p:extLst>
+  </p:cSld>
+  <p:clrMapOvr>
+    <a:masterClrMapping/>
+  </p:clrMapOvr>
+</p:sld>
+</file>
+
+<file path=ppt/slides/slide12.xml><?xml version="1.0" encoding="utf-8"?>
+<p:sld xmlns:a="http://schemas.openxmlformats.org/drawingml/2006/main" xmlns:r="http://schemas.openxmlformats.org/officeDocument/2006/relationships" xmlns:p="http://schemas.openxmlformats.org/presentationml/2006/main">
+  <p:cSld>
+    <p:bg>
+      <p:bgPr>
+        <a:solidFill>
+          <a:schemeClr val="bg1"/>
+        </a:solidFill>
+        <a:effectLst/>
+      </p:bgPr>
+    </p:bg>
+    <p:spTree>
+      <p:nvGrpSpPr>
+        <p:cNvPr id="1" name=""/>
+        <p:cNvGrpSpPr/>
+        <p:nvPr/>
+      </p:nvGrpSpPr>
+      <p:grpSpPr>
+        <a:xfrm>
+          <a:off x="0" y="0"/>
+          <a:ext cx="0" cy="0"/>
+          <a:chOff x="0" y="0"/>
+          <a:chExt cx="0" cy="0"/>
+        </a:xfrm>
+      </p:grpSpPr>
+      <p:sp>
+        <p:nvSpPr>
+          <p:cNvPr id="9" name="Rectangle 8">
+            <a:extLst>
+              <a:ext uri="{FF2B5EF4-FFF2-40B4-BE49-F238E27FC236}">
+                <a16:creationId xmlns:a16="http://schemas.microsoft.com/office/drawing/2014/main" id="{6753252F-4873-4F63-801D-CC719279A7D5}"/>
+              </a:ext>
+              <a:ext uri="{C183D7F6-B498-43B3-948B-1728B52AA6E4}">
+                <adec:decorative xmlns:adec="http://schemas.microsoft.com/office/drawing/2017/decorative" val="1"/>
+              </a:ext>
+            </a:extLst>
+          </p:cNvPr>
+          <p:cNvSpPr>
+            <a:spLocks noGrp="1" noRot="1" noChangeAspect="1" noMove="1" noResize="1" noEditPoints="1" noAdjustHandles="1" noChangeArrowheads="1" noChangeShapeType="1" noTextEdit="1"/>
+          </p:cNvSpPr>
+          <p:nvPr>
+            <p:extLst>
+              <p:ext uri="{386F3935-93C4-4BCD-93E2-E3B085C9AB24}">
+                <p16:designElem xmlns:p16="http://schemas.microsoft.com/office/powerpoint/2015/main" val="1"/>
+              </p:ext>
+            </p:extLst>
+          </p:nvPr>
+        </p:nvSpPr>
+        <p:spPr>
+          <a:xfrm>
+            <a:off x="0" y="0"/>
+            <a:ext cx="12192000" cy="6858000"/>
+          </a:xfrm>
+          <a:prstGeom prst="rect">
+            <a:avLst/>
+          </a:prstGeom>
+          <a:solidFill>
+            <a:srgbClr val="FFFFFF"/>
+          </a:solidFill>
+          <a:ln>
+            <a:noFill/>
+          </a:ln>
+        </p:spPr>
+        <p:style>
+          <a:lnRef idx="2">
+            <a:schemeClr val="accent1">
+              <a:shade val="50000"/>
+            </a:schemeClr>
+          </a:lnRef>
+          <a:fillRef idx="1">
+            <a:schemeClr val="accent1"/>
+          </a:fillRef>
+          <a:effectRef idx="0">
+            <a:schemeClr val="accent1"/>
+          </a:effectRef>
+          <a:fontRef idx="minor">
+            <a:schemeClr val="lt1"/>
+          </a:fontRef>
+        </p:style>
+        <p:txBody>
+          <a:bodyPr rtlCol="0" anchor="ctr"/>
+          <a:lstStyle/>
+          <a:p>
+            <a:pPr algn="ctr"/>
+            <a:endParaRPr lang="en-US"/>
+          </a:p>
+        </p:txBody>
+      </p:sp>
+      <p:sp>
+        <p:nvSpPr>
+          <p:cNvPr id="11" name="Rectangle 10">
+            <a:extLst>
+              <a:ext uri="{FF2B5EF4-FFF2-40B4-BE49-F238E27FC236}">
+                <a16:creationId xmlns:a16="http://schemas.microsoft.com/office/drawing/2014/main" id="{047C8CCB-F95D-4249-92DD-651249D3535A}"/>
+              </a:ext>
+              <a:ext uri="{C183D7F6-B498-43B3-948B-1728B52AA6E4}">
+                <adec:decorative xmlns:adec="http://schemas.microsoft.com/office/drawing/2017/decorative" val="1"/>
+              </a:ext>
+            </a:extLst>
+          </p:cNvPr>
+          <p:cNvSpPr>
+            <a:spLocks noGrp="1" noRot="1" noChangeAspect="1" noMove="1" noResize="1" noEditPoints="1" noAdjustHandles="1" noChangeArrowheads="1" noChangeShapeType="1" noTextEdit="1"/>
+          </p:cNvSpPr>
+          <p:nvPr>
+            <p:extLst>
+              <p:ext uri="{386F3935-93C4-4BCD-93E2-E3B085C9AB24}">
+                <p16:designElem xmlns:p16="http://schemas.microsoft.com/office/powerpoint/2015/main" val="1"/>
+              </p:ext>
+            </p:extLst>
+          </p:nvPr>
+        </p:nvSpPr>
+        <p:spPr>
+          <a:xfrm>
+            <a:off x="0" y="0"/>
+            <a:ext cx="2013557" cy="6858000"/>
+          </a:xfrm>
+          <a:prstGeom prst="rect">
+            <a:avLst/>
+          </a:prstGeom>
+          <a:solidFill>
+            <a:srgbClr val="5C5C3E"/>
+          </a:solidFill>
+          <a:ln>
+            <a:noFill/>
+          </a:ln>
+        </p:spPr>
+        <p:style>
+          <a:lnRef idx="2">
+            <a:schemeClr val="accent1">
+              <a:shade val="50000"/>
+            </a:schemeClr>
+          </a:lnRef>
+          <a:fillRef idx="1">
+            <a:schemeClr val="accent1"/>
+          </a:fillRef>
+          <a:effectRef idx="0">
+            <a:schemeClr val="accent1"/>
+          </a:effectRef>
+          <a:fontRef idx="minor">
+            <a:schemeClr val="lt1"/>
+          </a:fontRef>
+        </p:style>
+        <p:txBody>
+          <a:bodyPr rtlCol="0" anchor="ctr"/>
+          <a:lstStyle/>
+          <a:p>
+            <a:pPr algn="ctr"/>
+            <a:endParaRPr lang="en-US"/>
+          </a:p>
+        </p:txBody>
+      </p:sp>
+      <p:sp>
+        <p:nvSpPr>
+          <p:cNvPr id="2" name="Title 1">
+            <a:extLst>
+              <a:ext uri="{FF2B5EF4-FFF2-40B4-BE49-F238E27FC236}">
+                <a16:creationId xmlns:a16="http://schemas.microsoft.com/office/drawing/2014/main" id="{A8BD4635-0A13-4204-BC74-041ADBA75F90}"/>
+              </a:ext>
+            </a:extLst>
+          </p:cNvPr>
+          <p:cNvSpPr>
+            <a:spLocks noGrp="1"/>
+          </p:cNvSpPr>
+          <p:nvPr>
+            <p:ph type="title"/>
+          </p:nvPr>
+        </p:nvSpPr>
+        <p:spPr>
+          <a:xfrm>
+            <a:off x="640080" y="2074363"/>
+            <a:ext cx="2752354" cy="2709275"/>
+          </a:xfrm>
+          <a:prstGeom prst="ellipse">
+            <a:avLst/>
+          </a:prstGeom>
+          <a:solidFill>
+            <a:srgbClr val="262626"/>
+          </a:solidFill>
+          <a:ln w="174625" cmpd="thinThick">
+            <a:solidFill>
+              <a:srgbClr val="262626"/>
+            </a:solidFill>
+          </a:ln>
+        </p:spPr>
+        <p:txBody>
+          <a:bodyPr vert="horz" lIns="91440" tIns="45720" rIns="91440" bIns="45720" rtlCol="0" anchor="ctr">
+            <a:normAutofit/>
+          </a:bodyPr>
+          <a:lstStyle/>
+          <a:p>
+            <a:pPr algn="ctr"/>
+            <a:r>
+              <a:rPr lang="en-US" sz="2600" dirty="0" err="1">
+                <a:solidFill>
+                  <a:srgbClr val="FFFFFF"/>
+                </a:solidFill>
+              </a:rPr>
+              <a:t>Monorepo</a:t>
+            </a:r>
+            <a:endParaRPr lang="en-US" sz="2600" kern="1200" dirty="0">
+              <a:solidFill>
+                <a:srgbClr val="FFFFFF"/>
+              </a:solidFill>
+              <a:latin typeface="+mj-lt"/>
+              <a:ea typeface="+mj-ea"/>
+              <a:cs typeface="+mj-cs"/>
+            </a:endParaRPr>
+          </a:p>
+        </p:txBody>
+      </p:sp>
+      <p:sp>
+        <p:nvSpPr>
+          <p:cNvPr id="6" name="Content Placeholder 5">
+            <a:extLst>
+              <a:ext uri="{FF2B5EF4-FFF2-40B4-BE49-F238E27FC236}">
+                <a16:creationId xmlns:a16="http://schemas.microsoft.com/office/drawing/2014/main" id="{18E3E1EA-11D5-4397-BE57-343520A852FE}"/>
+              </a:ext>
+            </a:extLst>
+          </p:cNvPr>
+          <p:cNvSpPr>
+            <a:spLocks noGrp="1"/>
+          </p:cNvSpPr>
+          <p:nvPr>
+            <p:ph idx="1"/>
+          </p:nvPr>
+        </p:nvSpPr>
+        <p:spPr>
+          <a:xfrm>
+            <a:off x="3697267" y="336666"/>
+            <a:ext cx="8189900" cy="6184668"/>
+          </a:xfrm>
+        </p:spPr>
+        <p:txBody>
+          <a:bodyPr>
+            <a:normAutofit fontScale="92500" lnSpcReduction="20000"/>
+          </a:bodyPr>
+          <a:lstStyle/>
+          <a:p>
+            <a:pPr marL="0" indent="0">
+              <a:buNone/>
+            </a:pPr>
+            <a:r>
+              <a:rPr lang="en-US" dirty="0"/>
+              <a:t>Pros</a:t>
+            </a:r>
+          </a:p>
+          <a:p>
+            <a:r>
+              <a:rPr lang="en-US" dirty="0"/>
+              <a:t>Atomic commit possibility</a:t>
+            </a:r>
+          </a:p>
+          <a:p>
+            <a:r>
+              <a:rPr lang="en-US" dirty="0"/>
+              <a:t>Ease of code reuse</a:t>
+            </a:r>
+          </a:p>
+          <a:p>
+            <a:r>
+              <a:rPr lang="en-US" dirty="0"/>
+              <a:t>Single source of true</a:t>
+            </a:r>
+          </a:p>
+          <a:p>
+            <a:r>
+              <a:rPr lang="en-US" dirty="0"/>
+              <a:t>Simplified dependency management</a:t>
+            </a:r>
+          </a:p>
+          <a:p>
+            <a:r>
+              <a:rPr lang="en-US" dirty="0"/>
+              <a:t>Collaborations across teams / Flexible code ownership</a:t>
+            </a:r>
+          </a:p>
+          <a:p>
+            <a:r>
+              <a:rPr lang="en-US" dirty="0"/>
+              <a:t>Easier integration of tools</a:t>
+            </a:r>
+          </a:p>
+          <a:p>
+            <a:pPr marL="0" indent="0">
+              <a:buNone/>
+            </a:pPr>
+            <a:endParaRPr lang="en-US" dirty="0"/>
+          </a:p>
+          <a:p>
+            <a:pPr marL="0" indent="0">
+              <a:buNone/>
+            </a:pPr>
+            <a:r>
+              <a:rPr lang="en-US" dirty="0"/>
+              <a:t>Cons</a:t>
+            </a:r>
+          </a:p>
+          <a:p>
+            <a:r>
+              <a:rPr lang="en-US" dirty="0"/>
+              <a:t>Common git version history</a:t>
+            </a:r>
+          </a:p>
+          <a:p>
+            <a:r>
+              <a:rPr lang="en-US" dirty="0"/>
+              <a:t>Loss of version information</a:t>
+            </a:r>
+          </a:p>
+          <a:p>
+            <a:r>
+              <a:rPr lang="en-US" dirty="0"/>
+              <a:t>Tight coupling</a:t>
+            </a:r>
+          </a:p>
+          <a:p>
+            <a:r>
+              <a:rPr lang="en-US" dirty="0"/>
+              <a:t>Lock per-project security</a:t>
+            </a:r>
+          </a:p>
+          <a:p>
+            <a:r>
+              <a:rPr lang="en-US" dirty="0"/>
+              <a:t>Increased build complexity</a:t>
+            </a:r>
+          </a:p>
+          <a:p>
+            <a:r>
+              <a:rPr lang="en-US" dirty="0"/>
+              <a:t>Size limitations</a:t>
+            </a:r>
+          </a:p>
+          <a:p>
+            <a:pPr marL="0" indent="0">
+              <a:buNone/>
+            </a:pPr>
+            <a:endParaRPr lang="en-US" dirty="0"/>
+          </a:p>
+          <a:p>
+            <a:pPr marL="0" indent="0">
+              <a:buNone/>
+            </a:pPr>
+            <a:endParaRPr lang="bg-BG" dirty="0"/>
+          </a:p>
+        </p:txBody>
+      </p:sp>
+    </p:spTree>
+    <p:extLst>
+      <p:ext uri="{BB962C8B-B14F-4D97-AF65-F5344CB8AC3E}">
+        <p14:creationId xmlns:p14="http://schemas.microsoft.com/office/powerpoint/2010/main" val="555587592"/>
       </p:ext>
     </p:extLst>
   </p:cSld>
@@ -4415,7 +9501,7 @@
           <p:cNvPr id="4" name="Picture 3">
             <a:extLst>
               <a:ext uri="{FF2B5EF4-FFF2-40B4-BE49-F238E27FC236}">
-                <a16:creationId xmlns:a16="http://schemas.microsoft.com/office/drawing/2014/main" xmlns="" id="{E806A265-91A3-44D3-A845-B5E74D32A225}"/>
+                <a16:creationId xmlns:a16="http://schemas.microsoft.com/office/drawing/2014/main" id="{E806A265-91A3-44D3-A845-B5E74D32A225}"/>
               </a:ext>
             </a:extLst>
           </p:cNvPr>
@@ -4425,7 +9511,7 @@
           <p:nvPr/>
         </p:nvPicPr>
         <p:blipFill>
-          <a:blip r:embed="rId2" cstate="print">
+          <a:blip r:embed="rId3" cstate="print">
             <a:duotone>
               <a:schemeClr val="accent1">
                 <a:shade val="45000"/>
@@ -4462,7 +9548,7 @@
           <p:cNvPr id="5" name="Picture 4">
             <a:extLst>
               <a:ext uri="{FF2B5EF4-FFF2-40B4-BE49-F238E27FC236}">
-                <a16:creationId xmlns:a16="http://schemas.microsoft.com/office/drawing/2014/main" xmlns="" id="{1C373431-9E7B-4576-8831-13D67AF33226}"/>
+                <a16:creationId xmlns:a16="http://schemas.microsoft.com/office/drawing/2014/main" id="{1C373431-9E7B-4576-8831-13D67AF33226}"/>
               </a:ext>
             </a:extLst>
           </p:cNvPr>
@@ -4472,7 +9558,7 @@
           <p:nvPr/>
         </p:nvPicPr>
         <p:blipFill>
-          <a:blip r:embed="rId3" cstate="print">
+          <a:blip r:embed="rId4" cstate="print">
             <a:extLst>
               <a:ext uri="{28A0092B-C50C-407E-A947-70E740481C1C}">
                 <a14:useLocalDpi xmlns:a14="http://schemas.microsoft.com/office/drawing/2010/main" val="0"/>
@@ -4498,7 +9584,7 @@
           <p:cNvPr id="6" name="Text Placeholder 7">
             <a:extLst>
               <a:ext uri="{FF2B5EF4-FFF2-40B4-BE49-F238E27FC236}">
-                <a16:creationId xmlns:a16="http://schemas.microsoft.com/office/drawing/2014/main" xmlns="" id="{B7D9A7E4-7BA3-4E93-8912-98EFE09BB28A}"/>
+                <a16:creationId xmlns:a16="http://schemas.microsoft.com/office/drawing/2014/main" id="{B7D9A7E4-7BA3-4E93-8912-98EFE09BB28A}"/>
               </a:ext>
             </a:extLst>
           </p:cNvPr>
@@ -4751,7 +9837,7 @@
           <p:cNvPr id="7" name="Text Placeholder 7">
             <a:extLst>
               <a:ext uri="{FF2B5EF4-FFF2-40B4-BE49-F238E27FC236}">
-                <a16:creationId xmlns:a16="http://schemas.microsoft.com/office/drawing/2014/main" xmlns="" id="{C9C80F1A-C35F-401C-BE9E-EA2D52A62214}"/>
+                <a16:creationId xmlns:a16="http://schemas.microsoft.com/office/drawing/2014/main" id="{C9C80F1A-C35F-401C-BE9E-EA2D52A62214}"/>
               </a:ext>
             </a:extLst>
           </p:cNvPr>
@@ -5004,7 +10090,7 @@
           <p:cNvPr id="9" name="Picture 8">
             <a:extLst>
               <a:ext uri="{FF2B5EF4-FFF2-40B4-BE49-F238E27FC236}">
-                <a16:creationId xmlns:a16="http://schemas.microsoft.com/office/drawing/2014/main" xmlns="" id="{C4DC195B-1A46-49CD-A653-ED9AB3DD20A4}"/>
+                <a16:creationId xmlns:a16="http://schemas.microsoft.com/office/drawing/2014/main" id="{C4DC195B-1A46-49CD-A653-ED9AB3DD20A4}"/>
               </a:ext>
             </a:extLst>
           </p:cNvPr>
@@ -5014,7 +10100,7 @@
           <p:nvPr/>
         </p:nvPicPr>
         <p:blipFill>
-          <a:blip r:embed="rId4">
+          <a:blip r:embed="rId5">
             <a:extLst>
               <a:ext uri="{28A0092B-C50C-407E-A947-70E740481C1C}">
                 <a14:useLocalDpi xmlns:a14="http://schemas.microsoft.com/office/drawing/2010/main" val="0"/>
@@ -5064,7 +10150,7 @@
           <p:cNvPr id="11" name="Text Placeholder 7">
             <a:extLst>
               <a:ext uri="{FF2B5EF4-FFF2-40B4-BE49-F238E27FC236}">
-                <a16:creationId xmlns:a16="http://schemas.microsoft.com/office/drawing/2014/main" xmlns="" id="{61993706-1D78-48D5-9CE6-9BC974868574}"/>
+                <a16:creationId xmlns:a16="http://schemas.microsoft.com/office/drawing/2014/main" id="{61993706-1D78-48D5-9CE6-9BC974868574}"/>
               </a:ext>
             </a:extLst>
           </p:cNvPr>
@@ -5325,7 +10411,7 @@
           <p:cNvPr id="12" name="Text Placeholder 7">
             <a:extLst>
               <a:ext uri="{FF2B5EF4-FFF2-40B4-BE49-F238E27FC236}">
-                <a16:creationId xmlns:a16="http://schemas.microsoft.com/office/drawing/2014/main" xmlns="" id="{EBA61FC4-D80A-435C-B843-48032ACF0D9D}"/>
+                <a16:creationId xmlns:a16="http://schemas.microsoft.com/office/drawing/2014/main" id="{EBA61FC4-D80A-435C-B843-48032ACF0D9D}"/>
               </a:ext>
             </a:extLst>
           </p:cNvPr>
@@ -5578,7 +10664,7 @@
           <p:cNvPr id="13" name="Text Placeholder 7">
             <a:extLst>
               <a:ext uri="{FF2B5EF4-FFF2-40B4-BE49-F238E27FC236}">
-                <a16:creationId xmlns:a16="http://schemas.microsoft.com/office/drawing/2014/main" xmlns="" id="{A40570BA-6911-4970-9388-25F376540204}"/>
+                <a16:creationId xmlns:a16="http://schemas.microsoft.com/office/drawing/2014/main" id="{A40570BA-6911-4970-9388-25F376540204}"/>
               </a:ext>
             </a:extLst>
           </p:cNvPr>
@@ -5589,7 +10675,7 @@
         </p:nvSpPr>
         <p:spPr bwMode="auto">
           <a:xfrm>
-            <a:off x="6123706" y="3452448"/>
+            <a:off x="6096000" y="3487648"/>
             <a:ext cx="4248727" cy="506796"/>
           </a:xfrm>
           <a:prstGeom prst="rect">
@@ -5823,6 +10909,15 @@
               <a:rPr lang="en-US" sz="2800" dirty="0"/>
               <a:t>&lt;3:  BJJ, JS, Coffee</a:t>
             </a:r>
+            <a:r>
+              <a:rPr lang="bg-BG" sz="2800" dirty="0"/>
+              <a:t>, </a:t>
+            </a:r>
+            <a:r>
+              <a:rPr lang="en-GB" sz="2800" dirty="0" err="1"/>
+              <a:t>Shishaa</a:t>
+            </a:r>
+            <a:endParaRPr lang="en-US" sz="2800" dirty="0"/>
           </a:p>
         </p:txBody>
       </p:sp>
@@ -5872,7 +10967,7 @@
           <p:cNvPr id="2" name="Title 1">
             <a:extLst>
               <a:ext uri="{FF2B5EF4-FFF2-40B4-BE49-F238E27FC236}">
-                <a16:creationId xmlns:a16="http://schemas.microsoft.com/office/drawing/2014/main" xmlns="" id="{2F078983-C003-476C-AF76-9D9D733F76FD}"/>
+                <a16:creationId xmlns:a16="http://schemas.microsoft.com/office/drawing/2014/main" id="{2F078983-C003-476C-AF76-9D9D733F76FD}"/>
               </a:ext>
             </a:extLst>
           </p:cNvPr>
@@ -5908,7 +11003,7 @@
           <p:cNvPr id="10" name="Content Placeholder 9">
             <a:extLst>
               <a:ext uri="{FF2B5EF4-FFF2-40B4-BE49-F238E27FC236}">
-                <a16:creationId xmlns:a16="http://schemas.microsoft.com/office/drawing/2014/main" xmlns="" id="{FA530467-8F23-4217-9082-0E932DD1816D}"/>
+                <a16:creationId xmlns:a16="http://schemas.microsoft.com/office/drawing/2014/main" id="{FA530467-8F23-4217-9082-0E932DD1816D}"/>
               </a:ext>
             </a:extLst>
           </p:cNvPr>
@@ -5978,28 +11073,15 @@
             <a:pPr lvl="1"/>
             <a:r>
               <a:rPr lang="en-US" sz="1500" dirty="0"/>
-              <a:t>We are developing multiple application depending on common </a:t>
-            </a:r>
-            <a:r>
-              <a:rPr lang="en-US" sz="1500" dirty="0" smtClean="0"/>
-              <a:t>service</a:t>
+              <a:t>We are developing multiple application depending on common service</a:t>
             </a:r>
           </a:p>
           <a:p>
             <a:pPr lvl="1"/>
             <a:r>
               <a:rPr lang="en-US" sz="1500" dirty="0"/>
-              <a:t>We are continuously satisfying </a:t>
-            </a:r>
-            <a:r>
-              <a:rPr lang="en-US" sz="1500" dirty="0" smtClean="0"/>
-              <a:t>new business </a:t>
-            </a:r>
-            <a:r>
-              <a:rPr lang="en-US" sz="1500" dirty="0"/>
-              <a:t>requirements</a:t>
-            </a:r>
-            <a:endParaRPr lang="en-US" sz="1500" dirty="0"/>
+              <a:t>We are continuously satisfying new business requirements</a:t>
+            </a:r>
           </a:p>
         </p:txBody>
       </p:sp>
@@ -6008,10 +11090,10 @@
           <p:cNvPr id="28" name="Freeform: Shape 27">
             <a:extLst>
               <a:ext uri="{FF2B5EF4-FFF2-40B4-BE49-F238E27FC236}">
-                <a16:creationId xmlns:a16="http://schemas.microsoft.com/office/drawing/2014/main" xmlns="" id="{CF62D2A7-8207-488C-9F46-316BA81A16C8}"/>
+                <a16:creationId xmlns:a16="http://schemas.microsoft.com/office/drawing/2014/main" id="{CF62D2A7-8207-488C-9F46-316BA81A16C8}"/>
               </a:ext>
               <a:ext uri="{C183D7F6-B498-43B3-948B-1728B52AA6E4}">
-                <adec:decorative xmlns:adec="http://schemas.microsoft.com/office/drawing/2017/decorative" xmlns="" val="1"/>
+                <adec:decorative xmlns:adec="http://schemas.microsoft.com/office/drawing/2017/decorative" val="1"/>
               </a:ext>
             </a:extLst>
           </p:cNvPr>
@@ -6021,7 +11103,7 @@
           <p:nvPr>
             <p:extLst>
               <p:ext uri="{386F3935-93C4-4BCD-93E2-E3B085C9AB24}">
-                <p16:designElem xmlns:p16="http://schemas.microsoft.com/office/powerpoint/2015/main" xmlns="" val="1"/>
+                <p16:designElem xmlns:p16="http://schemas.microsoft.com/office/powerpoint/2015/main" val="1"/>
               </p:ext>
             </p:extLst>
           </p:nvPr>
@@ -6175,7 +11257,7 @@
           <p:cNvPr id="23" name="Content Placeholder 4">
             <a:extLst>
               <a:ext uri="{FF2B5EF4-FFF2-40B4-BE49-F238E27FC236}">
-                <a16:creationId xmlns:a16="http://schemas.microsoft.com/office/drawing/2014/main" xmlns="" id="{80A64381-DDDA-41B6-8692-7D1CD7E4E200}"/>
+                <a16:creationId xmlns:a16="http://schemas.microsoft.com/office/drawing/2014/main" id="{80A64381-DDDA-41B6-8692-7D1CD7E4E200}"/>
               </a:ext>
             </a:extLst>
           </p:cNvPr>
@@ -6313,7 +11395,7 @@
           <p:cNvPr id="2" name="Title 1">
             <a:extLst>
               <a:ext uri="{FF2B5EF4-FFF2-40B4-BE49-F238E27FC236}">
-                <a16:creationId xmlns:a16="http://schemas.microsoft.com/office/drawing/2014/main" xmlns="" id="{5C4D0B21-0753-4B41-AC6C-587C83C7DB53}"/>
+                <a16:creationId xmlns:a16="http://schemas.microsoft.com/office/drawing/2014/main" id="{5C4D0B21-0753-4B41-AC6C-587C83C7DB53}"/>
               </a:ext>
             </a:extLst>
           </p:cNvPr>
@@ -6348,7 +11430,7 @@
           <p:cNvPr id="11" name="Content Placeholder 10">
             <a:extLst>
               <a:ext uri="{FF2B5EF4-FFF2-40B4-BE49-F238E27FC236}">
-                <a16:creationId xmlns:a16="http://schemas.microsoft.com/office/drawing/2014/main" xmlns="" id="{C7177770-119C-42E0-955E-CB3C05AE5373}"/>
+                <a16:creationId xmlns:a16="http://schemas.microsoft.com/office/drawing/2014/main" id="{C7177770-119C-42E0-955E-CB3C05AE5373}"/>
               </a:ext>
             </a:extLst>
           </p:cNvPr>
@@ -6383,7 +11465,7 @@
           <p:cNvPr id="12" name="TextBox 11">
             <a:extLst>
               <a:ext uri="{FF2B5EF4-FFF2-40B4-BE49-F238E27FC236}">
-                <a16:creationId xmlns:a16="http://schemas.microsoft.com/office/drawing/2014/main" xmlns="" id="{8284F7CC-9A38-417D-8531-16A4994B48B7}"/>
+                <a16:creationId xmlns:a16="http://schemas.microsoft.com/office/drawing/2014/main" id="{8284F7CC-9A38-417D-8531-16A4994B48B7}"/>
               </a:ext>
             </a:extLst>
           </p:cNvPr>
@@ -6419,7 +11501,7 @@
           <p:cNvPr id="13" name="TextBox 12">
             <a:extLst>
               <a:ext uri="{FF2B5EF4-FFF2-40B4-BE49-F238E27FC236}">
-                <a16:creationId xmlns:a16="http://schemas.microsoft.com/office/drawing/2014/main" xmlns="" id="{6C355E1C-279A-429C-9CD8-D18BA01DB53F}"/>
+                <a16:creationId xmlns:a16="http://schemas.microsoft.com/office/drawing/2014/main" id="{6C355E1C-279A-429C-9CD8-D18BA01DB53F}"/>
               </a:ext>
             </a:extLst>
           </p:cNvPr>
@@ -6455,7 +11537,7 @@
           <p:cNvPr id="14" name="TextBox 13">
             <a:extLst>
               <a:ext uri="{FF2B5EF4-FFF2-40B4-BE49-F238E27FC236}">
-                <a16:creationId xmlns:a16="http://schemas.microsoft.com/office/drawing/2014/main" xmlns="" id="{93FB5240-AB72-4D79-B1DE-72774DE02A77}"/>
+                <a16:creationId xmlns:a16="http://schemas.microsoft.com/office/drawing/2014/main" id="{93FB5240-AB72-4D79-B1DE-72774DE02A77}"/>
               </a:ext>
             </a:extLst>
           </p:cNvPr>
@@ -6532,7 +11614,7 @@
           <p:cNvPr id="2" name="Title 1">
             <a:extLst>
               <a:ext uri="{FF2B5EF4-FFF2-40B4-BE49-F238E27FC236}">
-                <a16:creationId xmlns:a16="http://schemas.microsoft.com/office/drawing/2014/main" xmlns="" id="{BBF33B28-E476-42DF-8EB9-D8B3BE02EB1D}"/>
+                <a16:creationId xmlns:a16="http://schemas.microsoft.com/office/drawing/2014/main" id="{BBF33B28-E476-42DF-8EB9-D8B3BE02EB1D}"/>
               </a:ext>
             </a:extLst>
           </p:cNvPr>
@@ -6575,7 +11657,7 @@
           <p:cNvPr id="11" name="Content Placeholder 10">
             <a:extLst>
               <a:ext uri="{FF2B5EF4-FFF2-40B4-BE49-F238E27FC236}">
-                <a16:creationId xmlns:a16="http://schemas.microsoft.com/office/drawing/2014/main" xmlns="" id="{23D3EEB0-B298-42ED-B4E3-9B0D66F2782B}"/>
+                <a16:creationId xmlns:a16="http://schemas.microsoft.com/office/drawing/2014/main" id="{23D3EEB0-B298-42ED-B4E3-9B0D66F2782B}"/>
               </a:ext>
             </a:extLst>
           </p:cNvPr>
@@ -6621,10 +11703,10 @@
           <p:cNvPr id="19" name="Freeform: Shape 18">
             <a:extLst>
               <a:ext uri="{FF2B5EF4-FFF2-40B4-BE49-F238E27FC236}">
-                <a16:creationId xmlns:a16="http://schemas.microsoft.com/office/drawing/2014/main" xmlns="" id="{1DB7C82F-AB7E-4F0C-B829-FA1B9C415180}"/>
+                <a16:creationId xmlns:a16="http://schemas.microsoft.com/office/drawing/2014/main" id="{1DB7C82F-AB7E-4F0C-B829-FA1B9C415180}"/>
               </a:ext>
               <a:ext uri="{C183D7F6-B498-43B3-948B-1728B52AA6E4}">
-                <adec:decorative xmlns:adec="http://schemas.microsoft.com/office/drawing/2017/decorative" xmlns="" val="1"/>
+                <adec:decorative xmlns:adec="http://schemas.microsoft.com/office/drawing/2017/decorative" val="1"/>
               </a:ext>
             </a:extLst>
           </p:cNvPr>
@@ -6634,7 +11716,7 @@
           <p:nvPr>
             <p:extLst>
               <p:ext uri="{386F3935-93C4-4BCD-93E2-E3B085C9AB24}">
-                <p16:designElem xmlns:p16="http://schemas.microsoft.com/office/powerpoint/2015/main" xmlns="" val="1"/>
+                <p16:designElem xmlns:p16="http://schemas.microsoft.com/office/powerpoint/2015/main" val="1"/>
               </p:ext>
             </p:extLst>
           </p:nvPr>
@@ -6788,7 +11870,7 @@
           <p:cNvPr id="9" name="Content Placeholder 5">
             <a:extLst>
               <a:ext uri="{FF2B5EF4-FFF2-40B4-BE49-F238E27FC236}">
-                <a16:creationId xmlns:a16="http://schemas.microsoft.com/office/drawing/2014/main" xmlns="" id="{DDB8BD44-875F-4192-93E3-313E4E3A4051}"/>
+                <a16:creationId xmlns:a16="http://schemas.microsoft.com/office/drawing/2014/main" id="{DDB8BD44-875F-4192-93E3-313E4E3A4051}"/>
               </a:ext>
             </a:extLst>
           </p:cNvPr>
@@ -6894,7 +11976,7 @@
           <p:cNvPr id="13" name="Title 1">
             <a:extLst>
               <a:ext uri="{FF2B5EF4-FFF2-40B4-BE49-F238E27FC236}">
-                <a16:creationId xmlns:a16="http://schemas.microsoft.com/office/drawing/2014/main" xmlns="" id="{0B189842-8446-483C-9CF8-B38D33D9ADF9}"/>
+                <a16:creationId xmlns:a16="http://schemas.microsoft.com/office/drawing/2014/main" id="{0B189842-8446-483C-9CF8-B38D33D9ADF9}"/>
               </a:ext>
             </a:extLst>
           </p:cNvPr>
@@ -6948,10 +12030,6 @@
               </a:rPr>
               <a:t>: a map of code duplicates on Git Hub</a:t>
             </a:r>
-            <a:r>
-              <a:rPr lang="en-US" sz="4700" dirty="0"/>
-              <a:t/>
-            </a:r>
             <a:br>
               <a:rPr lang="en-US" sz="4700" dirty="0"/>
             </a:br>
@@ -7006,7 +12084,7 @@
           <a:p>
             <a:pPr algn="ctr"/>
             <a:r>
-              <a:rPr lang="en-GB" dirty="0" smtClean="0"/>
+              <a:rPr lang="en-GB" dirty="0"/>
               <a:t>WTF should we do now</a:t>
             </a:r>
             <a:endParaRPr lang="bg-BG" dirty="0"/>
@@ -7074,7 +12152,13 @@
       </p:grpSpPr>
       <p:sp>
         <p:nvSpPr>
-          <p:cNvPr id="2" name="Title 1"/>
+          <p:cNvPr id="2" name="Title 1">
+            <a:extLst>
+              <a:ext uri="{FF2B5EF4-FFF2-40B4-BE49-F238E27FC236}">
+                <a16:creationId xmlns:a16="http://schemas.microsoft.com/office/drawing/2014/main" id="{3B73520C-49C9-4CFE-B173-7ADA5CDA9840}"/>
+              </a:ext>
+            </a:extLst>
+          </p:cNvPr>
           <p:cNvSpPr>
             <a:spLocks noGrp="1"/>
           </p:cNvSpPr>
@@ -7087,93 +12171,68 @@
           <a:bodyPr/>
           <a:lstStyle/>
           <a:p>
-            <a:r>
-              <a:rPr lang="en-GB" dirty="0" err="1" smtClean="0"/>
-              <a:t>Monorepo</a:t>
-            </a:r>
-            <a:endParaRPr lang="bg-BG" dirty="0"/>
+            <a:endParaRPr lang="bg-BG"/>
           </a:p>
         </p:txBody>
       </p:sp>
-      <p:pic>
-        <p:nvPicPr>
-          <p:cNvPr id="4" name="Content Placeholder 3"/>
-          <p:cNvPicPr>
-            <a:picLocks noGrp="1" noChangeAspect="1"/>
-          </p:cNvPicPr>
+      <p:sp>
+        <p:nvSpPr>
+          <p:cNvPr id="3" name="Content Placeholder 2">
+            <a:extLst>
+              <a:ext uri="{FF2B5EF4-FFF2-40B4-BE49-F238E27FC236}">
+                <a16:creationId xmlns:a16="http://schemas.microsoft.com/office/drawing/2014/main" id="{E602723D-1A2E-4F55-90C0-F45D367E324F}"/>
+              </a:ext>
+            </a:extLst>
+          </p:cNvPr>
+          <p:cNvSpPr>
+            <a:spLocks noGrp="1"/>
+          </p:cNvSpPr>
           <p:nvPr>
             <p:ph idx="1"/>
           </p:nvPr>
-        </p:nvPicPr>
-        <p:blipFill>
-          <a:blip r:embed="rId2" cstate="print">
-            <a:extLst>
-              <a:ext uri="{28A0092B-C50C-407E-A947-70E740481C1C}">
-                <a14:useLocalDpi xmlns:a14="http://schemas.microsoft.com/office/drawing/2010/main" val="0"/>
-              </a:ext>
-            </a:extLst>
-          </a:blip>
-          <a:stretch>
-            <a:fillRect/>
-          </a:stretch>
-        </p:blipFill>
-        <p:spPr>
-          <a:xfrm>
-            <a:off x="5810292" y="1027906"/>
-            <a:ext cx="5543508" cy="5127745"/>
-          </a:xfrm>
-        </p:spPr>
-      </p:pic>
-      <p:sp>
-        <p:nvSpPr>
-          <p:cNvPr id="5" name="TextBox 4"/>
-          <p:cNvSpPr txBox="1"/>
-          <p:nvPr/>
-        </p:nvSpPr>
-        <p:spPr>
-          <a:xfrm>
-            <a:off x="838200" y="3591778"/>
-            <a:ext cx="5199529" cy="2246769"/>
-          </a:xfrm>
-          <a:prstGeom prst="rect">
-            <a:avLst/>
-          </a:prstGeom>
-          <a:noFill/>
-        </p:spPr>
+        </p:nvSpPr>
+        <p:spPr/>
         <p:txBody>
-          <a:bodyPr wrap="square" rtlCol="0">
-            <a:spAutoFit/>
-          </a:bodyPr>
+          <a:bodyPr/>
           <a:lstStyle/>
           <a:p>
             <a:r>
-              <a:rPr lang="en-US" sz="2800" dirty="0"/>
-              <a:t>"</a:t>
-            </a:r>
-            <a:r>
-              <a:rPr lang="en-US" sz="2800" dirty="0" err="1"/>
-              <a:t>Monorepo</a:t>
-            </a:r>
-            <a:r>
-              <a:rPr lang="en-US" sz="2800" dirty="0"/>
-              <a:t>" or "</a:t>
-            </a:r>
-            <a:r>
-              <a:rPr lang="en-US" sz="2800" dirty="0" err="1"/>
-              <a:t>Molonolithic</a:t>
-            </a:r>
-            <a:r>
-              <a:rPr lang="en-US" sz="2800" dirty="0"/>
-              <a:t> repository" is a software development strategy where multiple projects are stored in single repository</a:t>
-            </a:r>
-            <a:endParaRPr lang="bg-BG" sz="2800" dirty="0"/>
+              <a:rPr lang="en-GB" dirty="0" err="1"/>
+              <a:t>Subrepositoriess</a:t>
+            </a:r>
+            <a:endParaRPr lang="en-GB" dirty="0"/>
+          </a:p>
+          <a:p>
+            <a:r>
+              <a:rPr lang="en-GB" dirty="0" err="1"/>
+              <a:t>Monorepositories</a:t>
+            </a:r>
+            <a:endParaRPr lang="en-GB" dirty="0"/>
+          </a:p>
+          <a:p>
+            <a:r>
+              <a:rPr lang="en-GB" dirty="0" err="1"/>
+              <a:t>Nx</a:t>
+            </a:r>
+            <a:endParaRPr lang="en-GB" dirty="0"/>
+          </a:p>
+          <a:p>
+            <a:r>
+              <a:rPr lang="en-GB" dirty="0" err="1"/>
+              <a:t>Vanila</a:t>
+            </a:r>
+            <a:r>
+              <a:rPr lang="en-GB" dirty="0"/>
+              <a:t> ng</a:t>
+            </a:r>
+            <a:endParaRPr lang="bg-BG" dirty="0"/>
           </a:p>
         </p:txBody>
       </p:sp>
     </p:spTree>
     <p:extLst>
       <p:ext uri="{BB962C8B-B14F-4D97-AF65-F5344CB8AC3E}">
-        <p14:creationId xmlns:p14="http://schemas.microsoft.com/office/powerpoint/2010/main" val="4056090553"/>
+        <p14:creationId xmlns:p14="http://schemas.microsoft.com/office/powerpoint/2010/main" val="3684925361"/>
       </p:ext>
     </p:extLst>
   </p:cSld>
@@ -7186,6 +12245,14 @@
 <file path=ppt/slides/slide8.xml><?xml version="1.0" encoding="utf-8"?>
 <p:sld xmlns:a="http://schemas.openxmlformats.org/drawingml/2006/main" xmlns:r="http://schemas.openxmlformats.org/officeDocument/2006/relationships" xmlns:p="http://schemas.openxmlformats.org/presentationml/2006/main">
   <p:cSld>
+    <p:bg>
+      <p:bgPr>
+        <a:solidFill>
+          <a:schemeClr val="bg1"/>
+        </a:solidFill>
+        <a:effectLst/>
+      </p:bgPr>
+    </p:bg>
     <p:spTree>
       <p:nvGrpSpPr>
         <p:cNvPr id="1" name=""/>
@@ -7202,7 +12269,139 @@
       </p:grpSpPr>
       <p:sp>
         <p:nvSpPr>
-          <p:cNvPr id="2" name="Title 1"/>
+          <p:cNvPr id="9" name="Rectangle 8">
+            <a:extLst>
+              <a:ext uri="{FF2B5EF4-FFF2-40B4-BE49-F238E27FC236}">
+                <a16:creationId xmlns:a16="http://schemas.microsoft.com/office/drawing/2014/main" id="{6753252F-4873-4F63-801D-CC719279A7D5}"/>
+              </a:ext>
+              <a:ext uri="{C183D7F6-B498-43B3-948B-1728B52AA6E4}">
+                <adec:decorative xmlns:adec="http://schemas.microsoft.com/office/drawing/2017/decorative" val="1"/>
+              </a:ext>
+            </a:extLst>
+          </p:cNvPr>
+          <p:cNvSpPr>
+            <a:spLocks noGrp="1" noRot="1" noChangeAspect="1" noMove="1" noResize="1" noEditPoints="1" noAdjustHandles="1" noChangeArrowheads="1" noChangeShapeType="1" noTextEdit="1"/>
+          </p:cNvSpPr>
+          <p:nvPr>
+            <p:extLst>
+              <p:ext uri="{386F3935-93C4-4BCD-93E2-E3B085C9AB24}">
+                <p16:designElem xmlns:p16="http://schemas.microsoft.com/office/powerpoint/2015/main" val="1"/>
+              </p:ext>
+            </p:extLst>
+          </p:nvPr>
+        </p:nvSpPr>
+        <p:spPr>
+          <a:xfrm>
+            <a:off x="0" y="0"/>
+            <a:ext cx="12192000" cy="6858000"/>
+          </a:xfrm>
+          <a:prstGeom prst="rect">
+            <a:avLst/>
+          </a:prstGeom>
+          <a:solidFill>
+            <a:srgbClr val="FFFFFF"/>
+          </a:solidFill>
+          <a:ln>
+            <a:noFill/>
+          </a:ln>
+        </p:spPr>
+        <p:style>
+          <a:lnRef idx="2">
+            <a:schemeClr val="accent1">
+              <a:shade val="50000"/>
+            </a:schemeClr>
+          </a:lnRef>
+          <a:fillRef idx="1">
+            <a:schemeClr val="accent1"/>
+          </a:fillRef>
+          <a:effectRef idx="0">
+            <a:schemeClr val="accent1"/>
+          </a:effectRef>
+          <a:fontRef idx="minor">
+            <a:schemeClr val="lt1"/>
+          </a:fontRef>
+        </p:style>
+        <p:txBody>
+          <a:bodyPr rtlCol="0" anchor="ctr"/>
+          <a:lstStyle/>
+          <a:p>
+            <a:pPr algn="ctr"/>
+            <a:endParaRPr lang="en-US"/>
+          </a:p>
+        </p:txBody>
+      </p:sp>
+      <p:sp>
+        <p:nvSpPr>
+          <p:cNvPr id="11" name="Rectangle 10">
+            <a:extLst>
+              <a:ext uri="{FF2B5EF4-FFF2-40B4-BE49-F238E27FC236}">
+                <a16:creationId xmlns:a16="http://schemas.microsoft.com/office/drawing/2014/main" id="{047C8CCB-F95D-4249-92DD-651249D3535A}"/>
+              </a:ext>
+              <a:ext uri="{C183D7F6-B498-43B3-948B-1728B52AA6E4}">
+                <adec:decorative xmlns:adec="http://schemas.microsoft.com/office/drawing/2017/decorative" val="1"/>
+              </a:ext>
+            </a:extLst>
+          </p:cNvPr>
+          <p:cNvSpPr>
+            <a:spLocks noGrp="1" noRot="1" noChangeAspect="1" noMove="1" noResize="1" noEditPoints="1" noAdjustHandles="1" noChangeArrowheads="1" noChangeShapeType="1" noTextEdit="1"/>
+          </p:cNvSpPr>
+          <p:nvPr>
+            <p:extLst>
+              <p:ext uri="{386F3935-93C4-4BCD-93E2-E3B085C9AB24}">
+                <p16:designElem xmlns:p16="http://schemas.microsoft.com/office/powerpoint/2015/main" val="1"/>
+              </p:ext>
+            </p:extLst>
+          </p:nvPr>
+        </p:nvSpPr>
+        <p:spPr>
+          <a:xfrm>
+            <a:off x="0" y="0"/>
+            <a:ext cx="2013557" cy="6858000"/>
+          </a:xfrm>
+          <a:prstGeom prst="rect">
+            <a:avLst/>
+          </a:prstGeom>
+          <a:solidFill>
+            <a:srgbClr val="5C5C3E"/>
+          </a:solidFill>
+          <a:ln>
+            <a:noFill/>
+          </a:ln>
+        </p:spPr>
+        <p:style>
+          <a:lnRef idx="2">
+            <a:schemeClr val="accent1">
+              <a:shade val="50000"/>
+            </a:schemeClr>
+          </a:lnRef>
+          <a:fillRef idx="1">
+            <a:schemeClr val="accent1"/>
+          </a:fillRef>
+          <a:effectRef idx="0">
+            <a:schemeClr val="accent1"/>
+          </a:effectRef>
+          <a:fontRef idx="minor">
+            <a:schemeClr val="lt1"/>
+          </a:fontRef>
+        </p:style>
+        <p:txBody>
+          <a:bodyPr rtlCol="0" anchor="ctr"/>
+          <a:lstStyle/>
+          <a:p>
+            <a:pPr algn="ctr"/>
+            <a:endParaRPr lang="en-US"/>
+          </a:p>
+        </p:txBody>
+      </p:sp>
+      <p:sp>
+        <p:nvSpPr>
+          <p:cNvPr id="2" name="Title 1">
+            <a:extLst>
+              <a:ext uri="{FF2B5EF4-FFF2-40B4-BE49-F238E27FC236}">
+                <a16:creationId xmlns:a16="http://schemas.microsoft.com/office/drawing/2014/main" id="{A8BD4635-0A13-4204-BC74-041ADBA75F90}"/>
+              </a:ext>
+            </a:extLst>
+          </p:cNvPr>
           <p:cNvSpPr>
             <a:spLocks noGrp="1"/>
           </p:cNvSpPr>
@@ -7210,42 +12409,136 @@
             <p:ph type="title"/>
           </p:nvPr>
         </p:nvSpPr>
-        <p:spPr/>
+        <p:spPr>
+          <a:xfrm>
+            <a:off x="640080" y="2074363"/>
+            <a:ext cx="2752354" cy="2709275"/>
+          </a:xfrm>
+          <a:prstGeom prst="ellipse">
+            <a:avLst/>
+          </a:prstGeom>
+          <a:solidFill>
+            <a:srgbClr val="262626"/>
+          </a:solidFill>
+          <a:ln w="174625" cmpd="thinThick">
+            <a:solidFill>
+              <a:srgbClr val="262626"/>
+            </a:solidFill>
+          </a:ln>
+        </p:spPr>
         <p:txBody>
-          <a:bodyPr/>
+          <a:bodyPr vert="horz" lIns="91440" tIns="45720" rIns="91440" bIns="45720" rtlCol="0" anchor="ctr">
+            <a:normAutofit/>
+          </a:bodyPr>
           <a:lstStyle/>
           <a:p>
-            <a:r>
-              <a:rPr lang="en-GB" dirty="0" smtClean="0"/>
-              <a:t>What</a:t>
+            <a:pPr algn="ctr"/>
+            <a:r>
+              <a:rPr lang="en-US" sz="2600" dirty="0">
+                <a:solidFill>
+                  <a:srgbClr val="FFFFFF"/>
+                </a:solidFill>
+              </a:rPr>
+              <a:t>Git Submodules</a:t>
+            </a:r>
+            <a:endParaRPr lang="en-US" sz="2600" kern="1200" dirty="0">
+              <a:solidFill>
+                <a:srgbClr val="FFFFFF"/>
+              </a:solidFill>
+              <a:latin typeface="+mj-lt"/>
+              <a:ea typeface="+mj-ea"/>
+              <a:cs typeface="+mj-cs"/>
+            </a:endParaRPr>
+          </a:p>
+        </p:txBody>
+      </p:sp>
+      <p:sp>
+        <p:nvSpPr>
+          <p:cNvPr id="7" name="Title 1">
+            <a:extLst>
+              <a:ext uri="{FF2B5EF4-FFF2-40B4-BE49-F238E27FC236}">
+                <a16:creationId xmlns:a16="http://schemas.microsoft.com/office/drawing/2014/main" id="{209880CF-D588-478D-8E91-2EE390A6C31A}"/>
+              </a:ext>
+            </a:extLst>
+          </p:cNvPr>
+          <p:cNvSpPr txBox="1">
+            <a:spLocks/>
+          </p:cNvSpPr>
+          <p:nvPr/>
+        </p:nvSpPr>
+        <p:spPr>
+          <a:xfrm>
+            <a:off x="4130041" y="324523"/>
+            <a:ext cx="6982459" cy="1325563"/>
+          </a:xfrm>
+          <a:prstGeom prst="rect">
+            <a:avLst/>
+          </a:prstGeom>
+        </p:spPr>
+        <p:txBody>
+          <a:bodyPr vert="horz" lIns="91440" tIns="45720" rIns="91440" bIns="45720" rtlCol="0" anchor="ctr">
+            <a:normAutofit/>
+          </a:bodyPr>
+          <a:lstStyle>
+            <a:lvl1pPr algn="l" defTabSz="914400" rtl="0" eaLnBrk="1" latinLnBrk="0" hangingPunct="1">
+              <a:lnSpc>
+                <a:spcPct val="90000"/>
+              </a:lnSpc>
+              <a:spcBef>
+                <a:spcPct val="0"/>
+              </a:spcBef>
+              <a:buNone/>
+              <a:defRPr sz="4400" kern="1200">
+                <a:solidFill>
+                  <a:schemeClr val="tx1"/>
+                </a:solidFill>
+                <a:latin typeface="+mj-lt"/>
+                <a:ea typeface="+mj-ea"/>
+                <a:cs typeface="+mj-cs"/>
+              </a:defRPr>
+            </a:lvl1pPr>
+          </a:lstStyle>
+          <a:p>
+            <a:r>
+              <a:rPr lang="en-GB" dirty="0"/>
+              <a:t>What are git Submodules</a:t>
             </a:r>
             <a:endParaRPr lang="bg-BG" dirty="0"/>
           </a:p>
         </p:txBody>
       </p:sp>
-      <p:sp>
-        <p:nvSpPr>
-          <p:cNvPr id="3" name="Content Placeholder 2"/>
-          <p:cNvSpPr>
-            <a:spLocks noGrp="1"/>
-          </p:cNvSpPr>
+      <p:graphicFrame>
+        <p:nvGraphicFramePr>
+          <p:cNvPr id="4" name="Diagram 3">
+            <a:extLst>
+              <a:ext uri="{FF2B5EF4-FFF2-40B4-BE49-F238E27FC236}">
+                <a16:creationId xmlns:a16="http://schemas.microsoft.com/office/drawing/2014/main" id="{066C6809-CCAA-4BE3-B632-C475CAE1A6B9}"/>
+              </a:ext>
+            </a:extLst>
+          </p:cNvPr>
+          <p:cNvGraphicFramePr/>
           <p:nvPr>
-            <p:ph idx="1"/>
+            <p:extLst>
+              <p:ext uri="{D42A27DB-BD31-4B8C-83A1-F6EECF244321}">
+                <p14:modId xmlns:p14="http://schemas.microsoft.com/office/powerpoint/2010/main" val="4214285153"/>
+              </p:ext>
+            </p:extLst>
           </p:nvPr>
-        </p:nvSpPr>
-        <p:spPr/>
-        <p:txBody>
-          <a:bodyPr/>
-          <a:lstStyle/>
-          <a:p>
-            <a:endParaRPr lang="bg-BG"/>
-          </a:p>
-        </p:txBody>
-      </p:sp>
+        </p:nvGraphicFramePr>
+        <p:xfrm>
+          <a:off x="2653637" y="1439333"/>
+          <a:ext cx="9373062" cy="5418667"/>
+        </p:xfrm>
+        <a:graphic>
+          <a:graphicData uri="http://schemas.openxmlformats.org/drawingml/2006/diagram">
+            <dgm:relIds xmlns:dgm="http://schemas.openxmlformats.org/drawingml/2006/diagram" xmlns:r="http://schemas.openxmlformats.org/officeDocument/2006/relationships" r:dm="rId3" r:lo="rId4" r:qs="rId5" r:cs="rId6"/>
+          </a:graphicData>
+        </a:graphic>
+      </p:graphicFrame>
     </p:spTree>
     <p:extLst>
       <p:ext uri="{BB962C8B-B14F-4D97-AF65-F5344CB8AC3E}">
-        <p14:creationId xmlns:p14="http://schemas.microsoft.com/office/powerpoint/2010/main" val="2754435459"/>
+        <p14:creationId xmlns:p14="http://schemas.microsoft.com/office/powerpoint/2010/main" val="1144883033"/>
       </p:ext>
     </p:extLst>
   </p:cSld>
@@ -7258,6 +12551,14 @@
 <file path=ppt/slides/slide9.xml><?xml version="1.0" encoding="utf-8"?>
 <p:sld xmlns:a="http://schemas.openxmlformats.org/drawingml/2006/main" xmlns:r="http://schemas.openxmlformats.org/officeDocument/2006/relationships" xmlns:p="http://schemas.openxmlformats.org/presentationml/2006/main">
   <p:cSld>
+    <p:bg>
+      <p:bgPr>
+        <a:solidFill>
+          <a:schemeClr val="bg1"/>
+        </a:solidFill>
+        <a:effectLst/>
+      </p:bgPr>
+    </p:bg>
     <p:spTree>
       <p:nvGrpSpPr>
         <p:cNvPr id="1" name=""/>
@@ -7274,7 +12575,139 @@
       </p:grpSpPr>
       <p:sp>
         <p:nvSpPr>
-          <p:cNvPr id="2" name="Title 1"/>
+          <p:cNvPr id="10" name="Rectangle 9">
+            <a:extLst>
+              <a:ext uri="{FF2B5EF4-FFF2-40B4-BE49-F238E27FC236}">
+                <a16:creationId xmlns:a16="http://schemas.microsoft.com/office/drawing/2014/main" id="{6753252F-4873-4F63-801D-CC719279A7D5}"/>
+              </a:ext>
+              <a:ext uri="{C183D7F6-B498-43B3-948B-1728B52AA6E4}">
+                <adec:decorative xmlns:adec="http://schemas.microsoft.com/office/drawing/2017/decorative" val="1"/>
+              </a:ext>
+            </a:extLst>
+          </p:cNvPr>
+          <p:cNvSpPr>
+            <a:spLocks noGrp="1" noRot="1" noChangeAspect="1" noMove="1" noResize="1" noEditPoints="1" noAdjustHandles="1" noChangeArrowheads="1" noChangeShapeType="1" noTextEdit="1"/>
+          </p:cNvSpPr>
+          <p:nvPr>
+            <p:extLst>
+              <p:ext uri="{386F3935-93C4-4BCD-93E2-E3B085C9AB24}">
+                <p16:designElem xmlns:p16="http://schemas.microsoft.com/office/powerpoint/2015/main" val="1"/>
+              </p:ext>
+            </p:extLst>
+          </p:nvPr>
+        </p:nvSpPr>
+        <p:spPr>
+          <a:xfrm>
+            <a:off x="0" y="0"/>
+            <a:ext cx="12192000" cy="6858000"/>
+          </a:xfrm>
+          <a:prstGeom prst="rect">
+            <a:avLst/>
+          </a:prstGeom>
+          <a:solidFill>
+            <a:srgbClr val="FFFFFF"/>
+          </a:solidFill>
+          <a:ln>
+            <a:noFill/>
+          </a:ln>
+        </p:spPr>
+        <p:style>
+          <a:lnRef idx="2">
+            <a:schemeClr val="accent1">
+              <a:shade val="50000"/>
+            </a:schemeClr>
+          </a:lnRef>
+          <a:fillRef idx="1">
+            <a:schemeClr val="accent1"/>
+          </a:fillRef>
+          <a:effectRef idx="0">
+            <a:schemeClr val="accent1"/>
+          </a:effectRef>
+          <a:fontRef idx="minor">
+            <a:schemeClr val="lt1"/>
+          </a:fontRef>
+        </p:style>
+        <p:txBody>
+          <a:bodyPr rtlCol="0" anchor="ctr"/>
+          <a:lstStyle/>
+          <a:p>
+            <a:pPr algn="ctr"/>
+            <a:endParaRPr lang="en-US"/>
+          </a:p>
+        </p:txBody>
+      </p:sp>
+      <p:sp>
+        <p:nvSpPr>
+          <p:cNvPr id="12" name="Rectangle 11">
+            <a:extLst>
+              <a:ext uri="{FF2B5EF4-FFF2-40B4-BE49-F238E27FC236}">
+                <a16:creationId xmlns:a16="http://schemas.microsoft.com/office/drawing/2014/main" id="{047C8CCB-F95D-4249-92DD-651249D3535A}"/>
+              </a:ext>
+              <a:ext uri="{C183D7F6-B498-43B3-948B-1728B52AA6E4}">
+                <adec:decorative xmlns:adec="http://schemas.microsoft.com/office/drawing/2017/decorative" val="1"/>
+              </a:ext>
+            </a:extLst>
+          </p:cNvPr>
+          <p:cNvSpPr>
+            <a:spLocks noGrp="1" noRot="1" noChangeAspect="1" noMove="1" noResize="1" noEditPoints="1" noAdjustHandles="1" noChangeArrowheads="1" noChangeShapeType="1" noTextEdit="1"/>
+          </p:cNvSpPr>
+          <p:nvPr>
+            <p:extLst>
+              <p:ext uri="{386F3935-93C4-4BCD-93E2-E3B085C9AB24}">
+                <p16:designElem xmlns:p16="http://schemas.microsoft.com/office/powerpoint/2015/main" val="1"/>
+              </p:ext>
+            </p:extLst>
+          </p:nvPr>
+        </p:nvSpPr>
+        <p:spPr>
+          <a:xfrm>
+            <a:off x="0" y="0"/>
+            <a:ext cx="2013557" cy="6858000"/>
+          </a:xfrm>
+          <a:prstGeom prst="rect">
+            <a:avLst/>
+          </a:prstGeom>
+          <a:solidFill>
+            <a:srgbClr val="5C5C3E"/>
+          </a:solidFill>
+          <a:ln>
+            <a:noFill/>
+          </a:ln>
+        </p:spPr>
+        <p:style>
+          <a:lnRef idx="2">
+            <a:schemeClr val="accent1">
+              <a:shade val="50000"/>
+            </a:schemeClr>
+          </a:lnRef>
+          <a:fillRef idx="1">
+            <a:schemeClr val="accent1"/>
+          </a:fillRef>
+          <a:effectRef idx="0">
+            <a:schemeClr val="accent1"/>
+          </a:effectRef>
+          <a:fontRef idx="minor">
+            <a:schemeClr val="lt1"/>
+          </a:fontRef>
+        </p:style>
+        <p:txBody>
+          <a:bodyPr rtlCol="0" anchor="ctr"/>
+          <a:lstStyle/>
+          <a:p>
+            <a:pPr algn="ctr"/>
+            <a:endParaRPr lang="en-US"/>
+          </a:p>
+        </p:txBody>
+      </p:sp>
+      <p:sp>
+        <p:nvSpPr>
+          <p:cNvPr id="2" name="Title 1">
+            <a:extLst>
+              <a:ext uri="{FF2B5EF4-FFF2-40B4-BE49-F238E27FC236}">
+                <a16:creationId xmlns:a16="http://schemas.microsoft.com/office/drawing/2014/main" id="{0ED343DE-3552-49CA-80DF-9F9B9008532E}"/>
+              </a:ext>
+            </a:extLst>
+          </p:cNvPr>
           <p:cNvSpPr>
             <a:spLocks noGrp="1"/>
           </p:cNvSpPr>
@@ -7282,42 +12715,125 @@
             <p:ph type="title"/>
           </p:nvPr>
         </p:nvSpPr>
-        <p:spPr/>
+        <p:spPr>
+          <a:xfrm>
+            <a:off x="640080" y="2074363"/>
+            <a:ext cx="2752354" cy="2709275"/>
+          </a:xfrm>
+          <a:prstGeom prst="ellipse">
+            <a:avLst/>
+          </a:prstGeom>
+          <a:solidFill>
+            <a:srgbClr val="262626"/>
+          </a:solidFill>
+          <a:ln w="174625" cmpd="thinThick">
+            <a:solidFill>
+              <a:srgbClr val="262626"/>
+            </a:solidFill>
+          </a:ln>
+        </p:spPr>
         <p:txBody>
-          <a:bodyPr/>
+          <a:bodyPr vert="horz" lIns="91440" tIns="45720" rIns="91440" bIns="45720" rtlCol="0" anchor="ctr">
+            <a:normAutofit/>
+          </a:bodyPr>
           <a:lstStyle/>
           <a:p>
-            <a:r>
-              <a:rPr lang="en-GB" dirty="0" smtClean="0"/>
-              <a:t>Who</a:t>
-            </a:r>
-            <a:endParaRPr lang="bg-BG" dirty="0"/>
+            <a:pPr algn="ctr"/>
+            <a:r>
+              <a:rPr lang="en-US" sz="2600" kern="1200" dirty="0">
+                <a:solidFill>
+                  <a:srgbClr val="FFFFFF"/>
+                </a:solidFill>
+                <a:latin typeface="+mj-lt"/>
+                <a:ea typeface="+mj-ea"/>
+                <a:cs typeface="+mj-cs"/>
+              </a:rPr>
+              <a:t>Git Submodules</a:t>
+            </a:r>
           </a:p>
         </p:txBody>
       </p:sp>
-      <p:sp>
-        <p:nvSpPr>
-          <p:cNvPr id="3" name="Content Placeholder 2"/>
-          <p:cNvSpPr>
-            <a:spLocks noGrp="1"/>
-          </p:cNvSpPr>
+      <p:pic>
+        <p:nvPicPr>
+          <p:cNvPr id="5" name="Content Placeholder 4">
+            <a:extLst>
+              <a:ext uri="{FF2B5EF4-FFF2-40B4-BE49-F238E27FC236}">
+                <a16:creationId xmlns:a16="http://schemas.microsoft.com/office/drawing/2014/main" id="{66498839-B648-4944-A396-CC077C7722CA}"/>
+              </a:ext>
+            </a:extLst>
+          </p:cNvPr>
+          <p:cNvPicPr>
+            <a:picLocks noGrp="1" noChangeAspect="1"/>
+          </p:cNvPicPr>
           <p:nvPr>
             <p:ph idx="1"/>
           </p:nvPr>
-        </p:nvSpPr>
-        <p:spPr/>
+        </p:nvPicPr>
+        <p:blipFill>
+          <a:blip r:embed="rId3">
+            <a:extLst>
+              <a:ext uri="{28A0092B-C50C-407E-A947-70E740481C1C}">
+                <a14:useLocalDpi xmlns:a14="http://schemas.microsoft.com/office/drawing/2010/main" val="0"/>
+              </a:ext>
+            </a:extLst>
+          </a:blip>
+          <a:stretch>
+            <a:fillRect/>
+          </a:stretch>
+        </p:blipFill>
+        <p:spPr>
+          <a:xfrm>
+            <a:off x="4724400" y="2444865"/>
+            <a:ext cx="7188199" cy="3971480"/>
+          </a:xfrm>
+          <a:prstGeom prst="rect">
+            <a:avLst/>
+          </a:prstGeom>
+        </p:spPr>
+      </p:pic>
+      <p:sp>
+        <p:nvSpPr>
+          <p:cNvPr id="6" name="TextBox 5">
+            <a:extLst>
+              <a:ext uri="{FF2B5EF4-FFF2-40B4-BE49-F238E27FC236}">
+                <a16:creationId xmlns:a16="http://schemas.microsoft.com/office/drawing/2014/main" id="{EE3E83F4-BCB9-421A-B709-B87DF261BB68}"/>
+              </a:ext>
+            </a:extLst>
+          </p:cNvPr>
+          <p:cNvSpPr txBox="1"/>
+          <p:nvPr/>
+        </p:nvSpPr>
+        <p:spPr>
+          <a:xfrm>
+            <a:off x="4978400" y="622299"/>
+            <a:ext cx="6350000" cy="1569660"/>
+          </a:xfrm>
+          <a:prstGeom prst="rect">
+            <a:avLst/>
+          </a:prstGeom>
+          <a:noFill/>
+        </p:spPr>
         <p:txBody>
-          <a:bodyPr/>
+          <a:bodyPr wrap="square" rtlCol="0">
+            <a:spAutoFit/>
+          </a:bodyPr>
           <a:lstStyle/>
           <a:p>
-            <a:endParaRPr lang="bg-BG"/>
+            <a:pPr algn="ctr"/>
+            <a:r>
+              <a:rPr lang="en-US" sz="3200" i="1" dirty="0">
+                <a:latin typeface="Agency FB" panose="020B0503020202020204" pitchFamily="34" charset="0"/>
+              </a:rPr>
+              <a:t>A programmer had a version control problem and said, “I know, I’ll use submodules.” Now they have two problems.</a:t>
+            </a:r>
+            <a:endParaRPr lang="bg-BG" sz="3200" dirty="0"/>
           </a:p>
         </p:txBody>
       </p:sp>
     </p:spTree>
     <p:extLst>
       <p:ext uri="{BB962C8B-B14F-4D97-AF65-F5344CB8AC3E}">
-        <p14:creationId xmlns:p14="http://schemas.microsoft.com/office/powerpoint/2010/main" val="1966113609"/>
+        <p14:creationId xmlns:p14="http://schemas.microsoft.com/office/powerpoint/2010/main" val="4098264573"/>
       </p:ext>
     </p:extLst>
   </p:cSld>

--- a/ngMeetup.pptx
+++ b/ngMeetup.pptx
@@ -136,12 +136,32 @@
             <a:srgbClr val="A4A3A4"/>
           </p15:clr>
         </p15:guide>
-        <p15:guide id="2" pos="4430" userDrawn="1">
+        <p15:guide id="2" pos="4452" userDrawn="1">
           <p15:clr>
             <a:srgbClr val="A4A3A4"/>
           </p15:clr>
         </p15:guide>
         <p15:guide id="3" pos="1391" userDrawn="1">
+          <p15:clr>
+            <a:srgbClr val="A4A3A4"/>
+          </p15:clr>
+        </p15:guide>
+        <p15:guide id="4" pos="2252" userDrawn="1">
+          <p15:clr>
+            <a:srgbClr val="A4A3A4"/>
+          </p15:clr>
+        </p15:guide>
+        <p15:guide id="5" pos="6652" userDrawn="1">
+          <p15:clr>
+            <a:srgbClr val="A4A3A4"/>
+          </p15:clr>
+        </p15:guide>
+        <p15:guide id="6" orient="horz" pos="867" userDrawn="1">
+          <p15:clr>
+            <a:srgbClr val="A4A3A4"/>
+          </p15:clr>
+        </p15:guide>
+        <p15:guide id="7" orient="horz" pos="323" userDrawn="1">
           <p15:clr>
             <a:srgbClr val="A4A3A4"/>
           </p15:clr>
@@ -4744,7 +4764,7 @@
       </dgm:t>
     </dgm:pt>
     <dgm:pt modelId="{BFD62342-2858-433B-9E49-4A360742A97C}">
-      <dgm:prSet phldrT="[Text]"/>
+      <dgm:prSet phldrT="[Text]" custT="1"/>
       <dgm:spPr>
         <a:solidFill>
           <a:schemeClr val="accent6"/>
@@ -4755,10 +4775,10 @@
         <a:lstStyle/>
         <a:p>
           <a:r>
-            <a:rPr lang="en-US" dirty="0"/>
+            <a:rPr lang="en-US" sz="2800" dirty="0"/>
             <a:t>Pros</a:t>
           </a:r>
-          <a:endParaRPr lang="bg-BG" dirty="0"/>
+          <a:endParaRPr lang="bg-BG" sz="2800" dirty="0"/>
         </a:p>
       </dgm:t>
     </dgm:pt>
@@ -4785,21 +4805,21 @@
       </dgm:t>
     </dgm:pt>
     <dgm:pt modelId="{F9604D3C-37E4-4A81-B68B-04748BDEDE65}">
-      <dgm:prSet phldrT="[Text]"/>
+      <dgm:prSet phldrT="[Text]" custT="1"/>
       <dgm:spPr/>
       <dgm:t>
         <a:bodyPr/>
         <a:lstStyle/>
         <a:p>
           <a:r>
-            <a:rPr lang="en-US" dirty="0">
+            <a:rPr lang="en-US" sz="2200" dirty="0">
               <a:solidFill>
                 <a:schemeClr val="bg1"/>
               </a:solidFill>
             </a:rPr>
             <a:t>Share code across multiple git projects</a:t>
           </a:r>
-          <a:endParaRPr lang="bg-BG" dirty="0">
+          <a:endParaRPr lang="bg-BG" sz="2200" dirty="0">
             <a:solidFill>
               <a:schemeClr val="bg1"/>
             </a:solidFill>
@@ -4830,7 +4850,7 @@
       </dgm:t>
     </dgm:pt>
     <dgm:pt modelId="{54FF214C-6D65-4118-BF0B-B5030B49763B}">
-      <dgm:prSet phldrT="[Text]"/>
+      <dgm:prSet phldrT="[Text]" custT="1"/>
       <dgm:spPr>
         <a:solidFill>
           <a:srgbClr val="FF0000"/>
@@ -4841,10 +4861,10 @@
         <a:lstStyle/>
         <a:p>
           <a:r>
-            <a:rPr lang="en-US" dirty="0"/>
+            <a:rPr lang="en-US" sz="2800" dirty="0"/>
             <a:t>Cons</a:t>
           </a:r>
-          <a:endParaRPr lang="bg-BG" dirty="0"/>
+          <a:endParaRPr lang="bg-BG" sz="2800" dirty="0"/>
         </a:p>
       </dgm:t>
     </dgm:pt>
@@ -4871,21 +4891,21 @@
       </dgm:t>
     </dgm:pt>
     <dgm:pt modelId="{B8ABC560-8CE4-45E7-9785-1BC8189CA404}">
-      <dgm:prSet phldrT="[Text]"/>
+      <dgm:prSet phldrT="[Text]" custT="1"/>
       <dgm:spPr/>
       <dgm:t>
         <a:bodyPr/>
         <a:lstStyle/>
         <a:p>
           <a:r>
-            <a:rPr lang="en-US" dirty="0">
+            <a:rPr lang="en-US" sz="2200" dirty="0">
               <a:solidFill>
                 <a:schemeClr val="bg1"/>
               </a:solidFill>
             </a:rPr>
             <a:t>Requires high level of discipline</a:t>
           </a:r>
-          <a:endParaRPr lang="bg-BG" dirty="0">
+          <a:endParaRPr lang="bg-BG" sz="2200" dirty="0">
             <a:solidFill>
               <a:schemeClr val="bg1"/>
             </a:solidFill>
@@ -4916,21 +4936,21 @@
       </dgm:t>
     </dgm:pt>
     <dgm:pt modelId="{B9961A41-FA67-422E-9EDC-3DB56E2B000C}">
-      <dgm:prSet phldrT="[Text]"/>
+      <dgm:prSet phldrT="[Text]" custT="1"/>
       <dgm:spPr/>
       <dgm:t>
         <a:bodyPr/>
         <a:lstStyle/>
         <a:p>
           <a:r>
-            <a:rPr lang="en-US" dirty="0">
+            <a:rPr lang="en-US" sz="2200" dirty="0">
               <a:solidFill>
                 <a:schemeClr val="bg1"/>
               </a:solidFill>
             </a:rPr>
             <a:t>Separate git history per submodule/repository</a:t>
           </a:r>
-          <a:endParaRPr lang="bg-BG" dirty="0">
+          <a:endParaRPr lang="bg-BG" sz="2200" dirty="0">
             <a:solidFill>
               <a:schemeClr val="bg1"/>
             </a:solidFill>
@@ -4961,21 +4981,21 @@
       </dgm:t>
     </dgm:pt>
     <dgm:pt modelId="{DE39E3AE-1ADC-4AB1-89B6-58D60D7CE403}">
-      <dgm:prSet phldrT="[Text]"/>
+      <dgm:prSet phldrT="[Text]" custT="1"/>
       <dgm:spPr/>
       <dgm:t>
         <a:bodyPr/>
         <a:lstStyle/>
         <a:p>
           <a:r>
-            <a:rPr lang="en-US" dirty="0">
+            <a:rPr lang="en-US" sz="2200" dirty="0">
               <a:solidFill>
                 <a:schemeClr val="bg1"/>
               </a:solidFill>
             </a:rPr>
             <a:t>Requires high level of git knowledge</a:t>
           </a:r>
-          <a:endParaRPr lang="bg-BG" dirty="0">
+          <a:endParaRPr lang="bg-BG" sz="2200" dirty="0">
             <a:solidFill>
               <a:schemeClr val="bg1"/>
             </a:solidFill>
@@ -5015,7 +5035,7 @@
       <dgm:spPr/>
     </dgm:pt>
     <dgm:pt modelId="{F3C0160D-62DE-4D28-AFE7-840307F4971D}" type="pres">
-      <dgm:prSet presAssocID="{BFD62342-2858-433B-9E49-4A360742A97C}" presName="parentText" presStyleLbl="node1" presStyleIdx="0" presStyleCnt="2" custLinFactNeighborY="614">
+      <dgm:prSet presAssocID="{BFD62342-2858-433B-9E49-4A360742A97C}" presName="parentText" presStyleLbl="node1" presStyleIdx="0" presStyleCnt="2" custScaleX="100000" custScaleY="45072" custLinFactNeighborX="-726" custLinFactNeighborY="-89769">
         <dgm:presLayoutVars>
           <dgm:chMax val="0"/>
           <dgm:bulletEnabled val="1"/>
@@ -5024,7 +5044,7 @@
       <dgm:spPr/>
     </dgm:pt>
     <dgm:pt modelId="{33CAD0CA-F247-4C11-B45F-154431F80891}" type="pres">
-      <dgm:prSet presAssocID="{BFD62342-2858-433B-9E49-4A360742A97C}" presName="childText" presStyleLbl="revTx" presStyleIdx="0" presStyleCnt="2">
+      <dgm:prSet presAssocID="{BFD62342-2858-433B-9E49-4A360742A97C}" presName="childText" presStyleLbl="revTx" presStyleIdx="0" presStyleCnt="2" custLinFactNeighborX="503" custLinFactNeighborY="-38193">
         <dgm:presLayoutVars>
           <dgm:bulletEnabled val="1"/>
         </dgm:presLayoutVars>
@@ -5032,7 +5052,7 @@
       <dgm:spPr/>
     </dgm:pt>
     <dgm:pt modelId="{A985ECAE-33B7-43B0-807C-F3A6C3D12D21}" type="pres">
-      <dgm:prSet presAssocID="{54FF214C-6D65-4118-BF0B-B5030B49763B}" presName="parentText" presStyleLbl="node1" presStyleIdx="1" presStyleCnt="2">
+      <dgm:prSet presAssocID="{54FF214C-6D65-4118-BF0B-B5030B49763B}" presName="parentText" presStyleLbl="node1" presStyleIdx="1" presStyleCnt="2" custScaleY="45072" custLinFactNeighborX="251" custLinFactNeighborY="-4793">
         <dgm:presLayoutVars>
           <dgm:chMax val="0"/>
           <dgm:bulletEnabled val="1"/>
@@ -5041,7 +5061,7 @@
       <dgm:spPr/>
     </dgm:pt>
     <dgm:pt modelId="{2E878F7A-8040-489B-9DCD-94B7E0D8E9BA}" type="pres">
-      <dgm:prSet presAssocID="{54FF214C-6D65-4118-BF0B-B5030B49763B}" presName="childText" presStyleLbl="revTx" presStyleIdx="1" presStyleCnt="2">
+      <dgm:prSet presAssocID="{54FF214C-6D65-4118-BF0B-B5030B49763B}" presName="childText" presStyleLbl="revTx" presStyleIdx="1" presStyleCnt="2" custLinFactNeighborX="503" custLinFactNeighborY="39126">
         <dgm:presLayoutVars>
           <dgm:bulletEnabled val="1"/>
         </dgm:presLayoutVars>
@@ -5093,7 +5113,7 @@
       </dgm:t>
     </dgm:pt>
     <dgm:pt modelId="{2D1C2C37-7B6F-40B1-A9CA-81D6ABCF60B6}">
-      <dgm:prSet/>
+      <dgm:prSet custT="1"/>
       <dgm:spPr>
         <a:solidFill>
           <a:schemeClr val="accent6"/>
@@ -5109,10 +5129,10 @@
         <a:lstStyle/>
         <a:p>
           <a:r>
-            <a:rPr lang="en-US"/>
+            <a:rPr lang="en-US" sz="2800" dirty="0"/>
             <a:t>Pros</a:t>
           </a:r>
-          <a:endParaRPr lang="bg-BG"/>
+          <a:endParaRPr lang="bg-BG" sz="2800" dirty="0"/>
         </a:p>
       </dgm:t>
     </dgm:pt>
@@ -5139,21 +5159,21 @@
       </dgm:t>
     </dgm:pt>
     <dgm:pt modelId="{7C9A7B70-31EE-44FE-BF13-E2CACCE44270}">
-      <dgm:prSet/>
+      <dgm:prSet custT="1"/>
       <dgm:spPr/>
       <dgm:t>
         <a:bodyPr/>
         <a:lstStyle/>
         <a:p>
           <a:r>
-            <a:rPr lang="en-US" dirty="0">
+            <a:rPr lang="en-US" sz="2200" dirty="0">
               <a:solidFill>
                 <a:schemeClr val="bg1"/>
               </a:solidFill>
             </a:rPr>
             <a:t>Possibility for atomic commits</a:t>
           </a:r>
-          <a:endParaRPr lang="bg-BG" dirty="0">
+          <a:endParaRPr lang="bg-BG" sz="2200" dirty="0">
             <a:solidFill>
               <a:schemeClr val="bg1"/>
             </a:solidFill>
@@ -5184,21 +5204,21 @@
       </dgm:t>
     </dgm:pt>
     <dgm:pt modelId="{63A2325D-5A49-4FE7-9705-61046B779206}">
-      <dgm:prSet/>
+      <dgm:prSet custT="1"/>
       <dgm:spPr/>
       <dgm:t>
         <a:bodyPr/>
         <a:lstStyle/>
         <a:p>
           <a:r>
-            <a:rPr lang="en-US" dirty="0">
+            <a:rPr lang="en-US" sz="2200" dirty="0">
               <a:solidFill>
                 <a:schemeClr val="bg1"/>
               </a:solidFill>
             </a:rPr>
             <a:t>Reuse code with ease</a:t>
           </a:r>
-          <a:endParaRPr lang="bg-BG" dirty="0">
+          <a:endParaRPr lang="bg-BG" sz="2200" dirty="0">
             <a:solidFill>
               <a:schemeClr val="bg1"/>
             </a:solidFill>
@@ -5229,21 +5249,21 @@
       </dgm:t>
     </dgm:pt>
     <dgm:pt modelId="{39B4C99A-D81B-41ED-8BD5-04B764BAEAD2}">
-      <dgm:prSet/>
+      <dgm:prSet custT="1"/>
       <dgm:spPr/>
       <dgm:t>
         <a:bodyPr/>
         <a:lstStyle/>
         <a:p>
           <a:r>
-            <a:rPr lang="en-US">
+            <a:rPr lang="en-US" sz="2200" dirty="0">
               <a:solidFill>
                 <a:schemeClr val="bg1"/>
               </a:solidFill>
             </a:rPr>
             <a:t>Single source of true</a:t>
           </a:r>
-          <a:endParaRPr lang="bg-BG">
+          <a:endParaRPr lang="bg-BG" sz="2200" dirty="0">
             <a:solidFill>
               <a:schemeClr val="bg1"/>
             </a:solidFill>
@@ -5274,21 +5294,21 @@
       </dgm:t>
     </dgm:pt>
     <dgm:pt modelId="{33948E1B-3FDC-4494-A8E8-E67C02E9546F}">
-      <dgm:prSet/>
+      <dgm:prSet custT="1"/>
       <dgm:spPr/>
       <dgm:t>
         <a:bodyPr/>
         <a:lstStyle/>
         <a:p>
           <a:r>
-            <a:rPr lang="en-US">
+            <a:rPr lang="en-US" sz="2200" dirty="0">
               <a:solidFill>
                 <a:schemeClr val="bg1"/>
               </a:solidFill>
             </a:rPr>
             <a:t>Simplified dependency management</a:t>
           </a:r>
-          <a:endParaRPr lang="bg-BG">
+          <a:endParaRPr lang="bg-BG" sz="2200" dirty="0">
             <a:solidFill>
               <a:schemeClr val="bg1"/>
             </a:solidFill>
@@ -5319,21 +5339,21 @@
       </dgm:t>
     </dgm:pt>
     <dgm:pt modelId="{12F34BAF-6175-44AB-934D-988B384C1DCF}">
-      <dgm:prSet/>
+      <dgm:prSet custT="1"/>
       <dgm:spPr/>
       <dgm:t>
         <a:bodyPr/>
         <a:lstStyle/>
         <a:p>
           <a:r>
-            <a:rPr lang="en-US">
+            <a:rPr lang="en-US" sz="2200">
               <a:solidFill>
                 <a:schemeClr val="bg1"/>
               </a:solidFill>
             </a:rPr>
             <a:t>Collaborations across teams / Flexible code ownership</a:t>
           </a:r>
-          <a:endParaRPr lang="bg-BG">
+          <a:endParaRPr lang="bg-BG" sz="2200">
             <a:solidFill>
               <a:schemeClr val="bg1"/>
             </a:solidFill>
@@ -5364,21 +5384,21 @@
       </dgm:t>
     </dgm:pt>
     <dgm:pt modelId="{0E0A84E1-51A1-445D-824C-95823BD90A01}">
-      <dgm:prSet/>
+      <dgm:prSet custT="1"/>
       <dgm:spPr/>
       <dgm:t>
         <a:bodyPr/>
         <a:lstStyle/>
         <a:p>
           <a:r>
-            <a:rPr lang="en-US" dirty="0">
+            <a:rPr lang="en-US" sz="2200" dirty="0">
               <a:solidFill>
                 <a:schemeClr val="bg1"/>
               </a:solidFill>
             </a:rPr>
             <a:t>Easier tool integration</a:t>
           </a:r>
-          <a:endParaRPr lang="bg-BG" dirty="0">
+          <a:endParaRPr lang="bg-BG" sz="2200" dirty="0">
             <a:solidFill>
               <a:schemeClr val="bg1"/>
             </a:solidFill>
@@ -5409,7 +5429,7 @@
       </dgm:t>
     </dgm:pt>
     <dgm:pt modelId="{D0BFF82B-A7A8-4C3D-8592-71D739244B7D}">
-      <dgm:prSet/>
+      <dgm:prSet custT="1"/>
       <dgm:spPr>
         <a:solidFill>
           <a:srgbClr val="FF0000"/>
@@ -5420,10 +5440,10 @@
         <a:lstStyle/>
         <a:p>
           <a:r>
-            <a:rPr lang="en-US"/>
+            <a:rPr lang="en-US" sz="2800" dirty="0"/>
             <a:t>Cons</a:t>
           </a:r>
-          <a:endParaRPr lang="bg-BG"/>
+          <a:endParaRPr lang="bg-BG" sz="2800" dirty="0"/>
         </a:p>
       </dgm:t>
     </dgm:pt>
@@ -5450,21 +5470,21 @@
       </dgm:t>
     </dgm:pt>
     <dgm:pt modelId="{B13524C2-798A-4811-8898-791D44E12382}">
-      <dgm:prSet/>
+      <dgm:prSet custT="1"/>
       <dgm:spPr/>
       <dgm:t>
         <a:bodyPr/>
         <a:lstStyle/>
         <a:p>
           <a:r>
-            <a:rPr lang="en-US">
+            <a:rPr lang="en-US" sz="2200">
               <a:solidFill>
                 <a:schemeClr val="bg1"/>
               </a:solidFill>
             </a:rPr>
             <a:t>Common git version history</a:t>
           </a:r>
-          <a:endParaRPr lang="bg-BG">
+          <a:endParaRPr lang="bg-BG" sz="2200">
             <a:solidFill>
               <a:schemeClr val="bg1"/>
             </a:solidFill>
@@ -5495,21 +5515,21 @@
       </dgm:t>
     </dgm:pt>
     <dgm:pt modelId="{211441B8-CBE6-4FD5-8A78-520242B1878D}">
-      <dgm:prSet/>
+      <dgm:prSet custT="1"/>
       <dgm:spPr/>
       <dgm:t>
         <a:bodyPr/>
         <a:lstStyle/>
         <a:p>
           <a:r>
-            <a:rPr lang="en-US">
+            <a:rPr lang="en-US" sz="2200" dirty="0">
               <a:solidFill>
                 <a:schemeClr val="bg1"/>
               </a:solidFill>
             </a:rPr>
             <a:t>Loss of version information</a:t>
           </a:r>
-          <a:endParaRPr lang="bg-BG">
+          <a:endParaRPr lang="bg-BG" sz="2200" dirty="0">
             <a:solidFill>
               <a:schemeClr val="bg1"/>
             </a:solidFill>
@@ -5540,21 +5560,21 @@
       </dgm:t>
     </dgm:pt>
     <dgm:pt modelId="{6F56E5B8-9922-452D-9ABD-FAA7050C33FF}">
-      <dgm:prSet/>
+      <dgm:prSet custT="1"/>
       <dgm:spPr/>
       <dgm:t>
         <a:bodyPr/>
         <a:lstStyle/>
         <a:p>
           <a:r>
-            <a:rPr lang="en-US" dirty="0">
+            <a:rPr lang="en-US" sz="2200" dirty="0">
               <a:solidFill>
                 <a:schemeClr val="bg1"/>
               </a:solidFill>
             </a:rPr>
             <a:t>Tight coupling</a:t>
           </a:r>
-          <a:endParaRPr lang="bg-BG" dirty="0">
+          <a:endParaRPr lang="bg-BG" sz="2200" dirty="0">
             <a:solidFill>
               <a:schemeClr val="bg1"/>
             </a:solidFill>
@@ -5585,21 +5605,21 @@
       </dgm:t>
     </dgm:pt>
     <dgm:pt modelId="{98EEA278-1FE3-4D6E-9A9C-A473B72E5D7D}">
-      <dgm:prSet/>
+      <dgm:prSet custT="1"/>
       <dgm:spPr/>
       <dgm:t>
         <a:bodyPr/>
         <a:lstStyle/>
         <a:p>
           <a:r>
-            <a:rPr lang="en-US">
+            <a:rPr lang="en-US" sz="2200" dirty="0">
               <a:solidFill>
                 <a:schemeClr val="bg1"/>
               </a:solidFill>
             </a:rPr>
             <a:t>Lock per-project security</a:t>
           </a:r>
-          <a:endParaRPr lang="bg-BG">
+          <a:endParaRPr lang="bg-BG" sz="2200" dirty="0">
             <a:solidFill>
               <a:schemeClr val="bg1"/>
             </a:solidFill>
@@ -5630,21 +5650,21 @@
       </dgm:t>
     </dgm:pt>
     <dgm:pt modelId="{029E01F1-CC15-4C99-AD89-1C71356C4CD0}">
-      <dgm:prSet/>
+      <dgm:prSet custT="1"/>
       <dgm:spPr/>
       <dgm:t>
         <a:bodyPr/>
         <a:lstStyle/>
         <a:p>
           <a:r>
-            <a:rPr lang="en-US">
+            <a:rPr lang="en-US" sz="2200">
               <a:solidFill>
                 <a:schemeClr val="bg1"/>
               </a:solidFill>
             </a:rPr>
             <a:t>Increased build complexity</a:t>
           </a:r>
-          <a:endParaRPr lang="bg-BG">
+          <a:endParaRPr lang="bg-BG" sz="2200">
             <a:solidFill>
               <a:schemeClr val="bg1"/>
             </a:solidFill>
@@ -5675,21 +5695,21 @@
       </dgm:t>
     </dgm:pt>
     <dgm:pt modelId="{43FE9E25-A3F0-4C02-BBE0-B3083FD9BBA9}">
-      <dgm:prSet/>
+      <dgm:prSet custT="1"/>
       <dgm:spPr/>
       <dgm:t>
         <a:bodyPr/>
         <a:lstStyle/>
         <a:p>
           <a:r>
-            <a:rPr lang="en-US" dirty="0">
+            <a:rPr lang="en-US" sz="2200" dirty="0">
               <a:solidFill>
                 <a:schemeClr val="bg1"/>
               </a:solidFill>
             </a:rPr>
             <a:t>Size limitations</a:t>
           </a:r>
-          <a:endParaRPr lang="bg-BG" dirty="0">
+          <a:endParaRPr lang="bg-BG" sz="2200" dirty="0">
             <a:solidFill>
               <a:schemeClr val="bg1"/>
             </a:solidFill>
@@ -5729,7 +5749,7 @@
       <dgm:spPr/>
     </dgm:pt>
     <dgm:pt modelId="{D33A2FF8-A78E-4539-A2A5-886A470F6DDD}" type="pres">
-      <dgm:prSet presAssocID="{2D1C2C37-7B6F-40B1-A9CA-81D6ABCF60B6}" presName="parentText" presStyleLbl="node1" presStyleIdx="0" presStyleCnt="2" custLinFactNeighborX="465" custLinFactNeighborY="-1124">
+      <dgm:prSet presAssocID="{2D1C2C37-7B6F-40B1-A9CA-81D6ABCF60B6}" presName="parentText" presStyleLbl="node1" presStyleIdx="0" presStyleCnt="2" custScaleY="45072" custLinFactNeighborY="-1499">
         <dgm:presLayoutVars>
           <dgm:chMax val="0"/>
           <dgm:bulletEnabled val="1"/>
@@ -5746,7 +5766,7 @@
       <dgm:spPr/>
     </dgm:pt>
     <dgm:pt modelId="{3DAD15C5-E00E-46B2-8F9F-C16C26702240}" type="pres">
-      <dgm:prSet presAssocID="{D0BFF82B-A7A8-4C3D-8592-71D739244B7D}" presName="parentText" presStyleLbl="node1" presStyleIdx="1" presStyleCnt="2">
+      <dgm:prSet presAssocID="{D0BFF82B-A7A8-4C3D-8592-71D739244B7D}" presName="parentText" presStyleLbl="node1" presStyleIdx="1" presStyleCnt="2" custScaleY="45072" custLinFactNeighborX="251" custLinFactNeighborY="13935">
         <dgm:presLayoutVars>
           <dgm:chMax val="0"/>
           <dgm:bulletEnabled val="1"/>
@@ -5755,7 +5775,7 @@
       <dgm:spPr/>
     </dgm:pt>
     <dgm:pt modelId="{9F24B2B3-2DD0-4DD5-B684-2FEAB92C83D3}" type="pres">
-      <dgm:prSet presAssocID="{D0BFF82B-A7A8-4C3D-8592-71D739244B7D}" presName="childText" presStyleLbl="revTx" presStyleIdx="1" presStyleCnt="2">
+      <dgm:prSet presAssocID="{D0BFF82B-A7A8-4C3D-8592-71D739244B7D}" presName="childText" presStyleLbl="revTx" presStyleIdx="1" presStyleCnt="2" custLinFactNeighborY="22923">
         <dgm:presLayoutVars>
           <dgm:bulletEnabled val="1"/>
         </dgm:presLayoutVars>
@@ -5823,7 +5843,7 @@
       </dgm:t>
     </dgm:pt>
     <dgm:pt modelId="{2D1C2C37-7B6F-40B1-A9CA-81D6ABCF60B6}">
-      <dgm:prSet/>
+      <dgm:prSet custT="1"/>
       <dgm:spPr>
         <a:solidFill>
           <a:schemeClr val="accent6"/>
@@ -5839,10 +5859,10 @@
         <a:lstStyle/>
         <a:p>
           <a:r>
-            <a:rPr lang="en-US"/>
+            <a:rPr lang="en-US" sz="2800" dirty="0"/>
             <a:t>Pros</a:t>
           </a:r>
-          <a:endParaRPr lang="bg-BG"/>
+          <a:endParaRPr lang="bg-BG" sz="2800" dirty="0"/>
         </a:p>
       </dgm:t>
     </dgm:pt>
@@ -5869,14 +5889,14 @@
       </dgm:t>
     </dgm:pt>
     <dgm:pt modelId="{7C9A7B70-31EE-44FE-BF13-E2CACCE44270}">
-      <dgm:prSet/>
+      <dgm:prSet custT="1"/>
       <dgm:spPr/>
       <dgm:t>
         <a:bodyPr/>
         <a:lstStyle/>
         <a:p>
           <a:r>
-            <a:rPr lang="en-US" dirty="0">
+            <a:rPr lang="en-US" sz="2200" dirty="0">
               <a:solidFill>
                 <a:schemeClr val="bg1"/>
               </a:solidFill>
@@ -5884,7 +5904,7 @@
             </a:rPr>
             <a:t>Reuse code with ease</a:t>
           </a:r>
-          <a:endParaRPr lang="bg-BG" dirty="0">
+          <a:endParaRPr lang="bg-BG" sz="2200" dirty="0">
             <a:solidFill>
               <a:schemeClr val="bg1"/>
             </a:solidFill>
@@ -5915,62 +5935,15 @@
         </a:p>
       </dgm:t>
     </dgm:pt>
-    <dgm:pt modelId="{63A2325D-5A49-4FE7-9705-61046B779206}">
-      <dgm:prSet/>
+    <dgm:pt modelId="{39B4C99A-D81B-41ED-8BD5-04B764BAEAD2}">
+      <dgm:prSet custT="1"/>
       <dgm:spPr/>
       <dgm:t>
         <a:bodyPr/>
         <a:lstStyle/>
         <a:p>
           <a:r>
-            <a:rPr lang="en-US" dirty="0">
-              <a:solidFill>
-                <a:schemeClr val="bg1"/>
-              </a:solidFill>
-              <a:latin typeface="Consolas" panose="020B0609020204030204" pitchFamily="49" charset="0"/>
-            </a:rPr>
-            <a:t>Avoid unnecessary development effort</a:t>
-          </a:r>
-          <a:endParaRPr lang="bg-BG" dirty="0">
-            <a:solidFill>
-              <a:schemeClr val="bg1"/>
-            </a:solidFill>
-            <a:latin typeface="Consolas" panose="020B0609020204030204" pitchFamily="49" charset="0"/>
-          </a:endParaRPr>
-        </a:p>
-      </dgm:t>
-    </dgm:pt>
-    <dgm:pt modelId="{84C9B08C-199C-47A7-A718-6D3DFD8AAC3D}" type="parTrans" cxnId="{CFFF5813-43EC-4F5E-A998-18E3787B49D0}">
-      <dgm:prSet/>
-      <dgm:spPr/>
-      <dgm:t>
-        <a:bodyPr/>
-        <a:lstStyle/>
-        <a:p>
-          <a:endParaRPr lang="bg-BG"/>
-        </a:p>
-      </dgm:t>
-    </dgm:pt>
-    <dgm:pt modelId="{BE6B1607-EF21-4D31-A1AA-AF5DE920C2DF}" type="sibTrans" cxnId="{CFFF5813-43EC-4F5E-A998-18E3787B49D0}">
-      <dgm:prSet/>
-      <dgm:spPr/>
-      <dgm:t>
-        <a:bodyPr/>
-        <a:lstStyle/>
-        <a:p>
-          <a:endParaRPr lang="bg-BG"/>
-        </a:p>
-      </dgm:t>
-    </dgm:pt>
-    <dgm:pt modelId="{39B4C99A-D81B-41ED-8BD5-04B764BAEAD2}">
-      <dgm:prSet/>
-      <dgm:spPr/>
-      <dgm:t>
-        <a:bodyPr/>
-        <a:lstStyle/>
-        <a:p>
-          <a:r>
-            <a:rPr lang="en-US" dirty="0">
+            <a:rPr lang="en-US" sz="2200" dirty="0">
               <a:solidFill>
                 <a:schemeClr val="bg1"/>
               </a:solidFill>
@@ -5978,7 +5951,7 @@
             </a:rPr>
             <a:t>Single source of true</a:t>
           </a:r>
-          <a:endParaRPr lang="bg-BG" dirty="0">
+          <a:endParaRPr lang="bg-BG" sz="2200" dirty="0">
             <a:solidFill>
               <a:schemeClr val="bg1"/>
             </a:solidFill>
@@ -6010,22 +5983,22 @@
       </dgm:t>
     </dgm:pt>
     <dgm:pt modelId="{33948E1B-3FDC-4494-A8E8-E67C02E9546F}">
-      <dgm:prSet/>
+      <dgm:prSet custT="1"/>
       <dgm:spPr/>
       <dgm:t>
         <a:bodyPr/>
         <a:lstStyle/>
         <a:p>
           <a:r>
-            <a:rPr lang="en-US" dirty="0">
+            <a:rPr lang="en-US" sz="2200" dirty="0">
               <a:solidFill>
                 <a:schemeClr val="bg1"/>
               </a:solidFill>
               <a:latin typeface="Consolas" panose="020B0609020204030204" pitchFamily="49" charset="0"/>
             </a:rPr>
-            <a:t>Loose coupling from rest of the projects in the company</a:t>
+            <a:t>Loose coupling</a:t>
           </a:r>
-          <a:endParaRPr lang="bg-BG" dirty="0">
+          <a:endParaRPr lang="bg-BG" sz="2200" dirty="0">
             <a:solidFill>
               <a:schemeClr val="bg1"/>
             </a:solidFill>
@@ -6057,14 +6030,14 @@
       </dgm:t>
     </dgm:pt>
     <dgm:pt modelId="{12F34BAF-6175-44AB-934D-988B384C1DCF}">
-      <dgm:prSet/>
+      <dgm:prSet custT="1"/>
       <dgm:spPr/>
       <dgm:t>
         <a:bodyPr/>
         <a:lstStyle/>
         <a:p>
           <a:r>
-            <a:rPr lang="en-US" dirty="0">
+            <a:rPr lang="en-US" sz="2200" dirty="0">
               <a:solidFill>
                 <a:schemeClr val="bg1"/>
               </a:solidFill>
@@ -6072,7 +6045,7 @@
             </a:rPr>
             <a:t>Possibility to have multiple versions</a:t>
           </a:r>
-          <a:endParaRPr lang="bg-BG" dirty="0">
+          <a:endParaRPr lang="bg-BG" sz="2200" dirty="0">
             <a:solidFill>
               <a:schemeClr val="bg1"/>
             </a:solidFill>
@@ -6104,7 +6077,7 @@
       </dgm:t>
     </dgm:pt>
     <dgm:pt modelId="{D0BFF82B-A7A8-4C3D-8592-71D739244B7D}">
-      <dgm:prSet/>
+      <dgm:prSet custT="1"/>
       <dgm:spPr>
         <a:solidFill>
           <a:srgbClr val="FF0000"/>
@@ -6115,10 +6088,10 @@
         <a:lstStyle/>
         <a:p>
           <a:r>
-            <a:rPr lang="en-US"/>
+            <a:rPr lang="en-US" sz="2800" dirty="0"/>
             <a:t>Cons</a:t>
           </a:r>
-          <a:endParaRPr lang="bg-BG"/>
+          <a:endParaRPr lang="bg-BG" sz="2800" dirty="0"/>
         </a:p>
       </dgm:t>
     </dgm:pt>
@@ -6145,14 +6118,14 @@
       </dgm:t>
     </dgm:pt>
     <dgm:pt modelId="{B13524C2-798A-4811-8898-791D44E12382}">
-      <dgm:prSet/>
+      <dgm:prSet custT="1"/>
       <dgm:spPr/>
       <dgm:t>
         <a:bodyPr/>
         <a:lstStyle/>
         <a:p>
           <a:r>
-            <a:rPr lang="en-US" dirty="0">
+            <a:rPr lang="en-US" sz="2200" dirty="0">
               <a:solidFill>
                 <a:schemeClr val="bg1"/>
               </a:solidFill>
@@ -6160,7 +6133,7 @@
             </a:rPr>
             <a:t>Another repository that must be maintained</a:t>
           </a:r>
-          <a:endParaRPr lang="bg-BG" dirty="0">
+          <a:endParaRPr lang="bg-BG" sz="2200" dirty="0">
             <a:solidFill>
               <a:schemeClr val="bg1"/>
             </a:solidFill>
@@ -6191,14 +6164,14 @@
       </dgm:t>
     </dgm:pt>
     <dgm:pt modelId="{211441B8-CBE6-4FD5-8A78-520242B1878D}">
-      <dgm:prSet/>
+      <dgm:prSet custT="1"/>
       <dgm:spPr/>
       <dgm:t>
         <a:bodyPr/>
         <a:lstStyle/>
         <a:p>
           <a:r>
-            <a:rPr lang="en-US" dirty="0">
+            <a:rPr lang="en-US" sz="2200" dirty="0">
               <a:solidFill>
                 <a:schemeClr val="bg1"/>
               </a:solidFill>
@@ -6206,11 +6179,22 @@
             </a:rPr>
             <a:t>Delays when multiple teams depend on new features from future releases</a:t>
           </a:r>
-          <a:endParaRPr lang="bg-BG" dirty="0">
+          <a:endParaRPr lang="bg-BG" sz="2200" dirty="0">
             <a:solidFill>
               <a:schemeClr val="bg1"/>
             </a:solidFill>
           </a:endParaRPr>
+        </a:p>
+      </dgm:t>
+    </dgm:pt>
+    <dgm:pt modelId="{7102FD98-6C22-4865-B56A-0034B5203CB0}" type="sibTrans" cxnId="{CED2E24E-EE06-466E-A59B-079689D72EEC}">
+      <dgm:prSet/>
+      <dgm:spPr/>
+      <dgm:t>
+        <a:bodyPr/>
+        <a:lstStyle/>
+        <a:p>
+          <a:endParaRPr lang="bg-BG"/>
         </a:p>
       </dgm:t>
     </dgm:pt>
@@ -6225,7 +6209,31 @@
         </a:p>
       </dgm:t>
     </dgm:pt>
-    <dgm:pt modelId="{7102FD98-6C22-4865-B56A-0034B5203CB0}" type="sibTrans" cxnId="{CED2E24E-EE06-466E-A59B-079689D72EEC}">
+    <dgm:pt modelId="{6F56E5B8-9922-452D-9ABD-FAA7050C33FF}">
+      <dgm:prSet custT="1"/>
+      <dgm:spPr/>
+      <dgm:t>
+        <a:bodyPr/>
+        <a:lstStyle/>
+        <a:p>
+          <a:r>
+            <a:rPr lang="en-US" sz="2200" dirty="0">
+              <a:solidFill>
+                <a:schemeClr val="bg1"/>
+              </a:solidFill>
+              <a:latin typeface="Consolas" panose="020B0609020204030204" pitchFamily="49" charset="0"/>
+            </a:rPr>
+            <a:t>Building adequate library usually takes a lot of effort</a:t>
+          </a:r>
+          <a:endParaRPr lang="bg-BG" sz="2200" dirty="0">
+            <a:solidFill>
+              <a:schemeClr val="bg1"/>
+            </a:solidFill>
+          </a:endParaRPr>
+        </a:p>
+      </dgm:t>
+    </dgm:pt>
+    <dgm:pt modelId="{C662CF02-C70E-4C8F-80CC-3D4F192D53EE}" type="sibTrans" cxnId="{392C0B7A-10F0-4C03-ACF8-3940EA9584E2}">
       <dgm:prSet/>
       <dgm:spPr/>
       <dgm:t>
@@ -6236,42 +6244,7 @@
         </a:p>
       </dgm:t>
     </dgm:pt>
-    <dgm:pt modelId="{6F56E5B8-9922-452D-9ABD-FAA7050C33FF}">
-      <dgm:prSet/>
-      <dgm:spPr/>
-      <dgm:t>
-        <a:bodyPr/>
-        <a:lstStyle/>
-        <a:p>
-          <a:r>
-            <a:rPr lang="en-US" dirty="0">
-              <a:solidFill>
-                <a:schemeClr val="bg1"/>
-              </a:solidFill>
-              <a:latin typeface="Consolas" panose="020B0609020204030204" pitchFamily="49" charset="0"/>
-            </a:rPr>
-            <a:t>Building adequate library usually takes a lot of effort</a:t>
-          </a:r>
-          <a:endParaRPr lang="bg-BG" dirty="0">
-            <a:solidFill>
-              <a:schemeClr val="bg1"/>
-            </a:solidFill>
-          </a:endParaRPr>
-        </a:p>
-      </dgm:t>
-    </dgm:pt>
     <dgm:pt modelId="{3B47BBD9-3B42-48B2-A5CA-49CB060825DA}" type="parTrans" cxnId="{392C0B7A-10F0-4C03-ACF8-3940EA9584E2}">
-      <dgm:prSet/>
-      <dgm:spPr/>
-      <dgm:t>
-        <a:bodyPr/>
-        <a:lstStyle/>
-        <a:p>
-          <a:endParaRPr lang="bg-BG"/>
-        </a:p>
-      </dgm:t>
-    </dgm:pt>
-    <dgm:pt modelId="{C662CF02-C70E-4C8F-80CC-3D4F192D53EE}" type="sibTrans" cxnId="{392C0B7A-10F0-4C03-ACF8-3940EA9584E2}">
       <dgm:prSet/>
       <dgm:spPr/>
       <dgm:t>
@@ -6292,7 +6265,7 @@
       <dgm:spPr/>
     </dgm:pt>
     <dgm:pt modelId="{D33A2FF8-A78E-4539-A2A5-886A470F6DDD}" type="pres">
-      <dgm:prSet presAssocID="{2D1C2C37-7B6F-40B1-A9CA-81D6ABCF60B6}" presName="parentText" presStyleLbl="node1" presStyleIdx="0" presStyleCnt="2" custLinFactNeighborX="465" custLinFactNeighborY="-1124">
+      <dgm:prSet presAssocID="{2D1C2C37-7B6F-40B1-A9CA-81D6ABCF60B6}" presName="parentText" presStyleLbl="node1" presStyleIdx="0" presStyleCnt="2" custScaleY="45072" custLinFactNeighborX="114" custLinFactNeighborY="-34209">
         <dgm:presLayoutVars>
           <dgm:chMax val="0"/>
           <dgm:bulletEnabled val="1"/>
@@ -6301,7 +6274,7 @@
       <dgm:spPr/>
     </dgm:pt>
     <dgm:pt modelId="{63635E32-510A-4D0F-A6CB-514E1BB4A76A}" type="pres">
-      <dgm:prSet presAssocID="{2D1C2C37-7B6F-40B1-A9CA-81D6ABCF60B6}" presName="childText" presStyleLbl="revTx" presStyleIdx="0" presStyleCnt="2">
+      <dgm:prSet presAssocID="{2D1C2C37-7B6F-40B1-A9CA-81D6ABCF60B6}" presName="childText" presStyleLbl="revTx" presStyleIdx="0" presStyleCnt="2" custLinFactNeighborX="114" custLinFactNeighborY="-12204">
         <dgm:presLayoutVars>
           <dgm:bulletEnabled val="1"/>
         </dgm:presLayoutVars>
@@ -6309,7 +6282,7 @@
       <dgm:spPr/>
     </dgm:pt>
     <dgm:pt modelId="{3DAD15C5-E00E-46B2-8F9F-C16C26702240}" type="pres">
-      <dgm:prSet presAssocID="{D0BFF82B-A7A8-4C3D-8592-71D739244B7D}" presName="parentText" presStyleLbl="node1" presStyleIdx="1" presStyleCnt="2">
+      <dgm:prSet presAssocID="{D0BFF82B-A7A8-4C3D-8592-71D739244B7D}" presName="parentText" presStyleLbl="node1" presStyleIdx="1" presStyleCnt="2" custScaleY="45072" custLinFactNeighborX="114" custLinFactNeighborY="10065">
         <dgm:presLayoutVars>
           <dgm:chMax val="0"/>
           <dgm:bulletEnabled val="1"/>
@@ -6318,7 +6291,7 @@
       <dgm:spPr/>
     </dgm:pt>
     <dgm:pt modelId="{9F24B2B3-2DD0-4DD5-B684-2FEAB92C83D3}" type="pres">
-      <dgm:prSet presAssocID="{D0BFF82B-A7A8-4C3D-8592-71D739244B7D}" presName="childText" presStyleLbl="revTx" presStyleIdx="1" presStyleCnt="2">
+      <dgm:prSet presAssocID="{D0BFF82B-A7A8-4C3D-8592-71D739244B7D}" presName="childText" presStyleLbl="revTx" presStyleIdx="1" presStyleCnt="2" custLinFactNeighborX="114" custLinFactNeighborY="33017">
         <dgm:presLayoutVars>
           <dgm:bulletEnabled val="1"/>
         </dgm:presLayoutVars>
@@ -6329,22 +6302,20 @@
   <dgm:cxnLst>
     <dgm:cxn modelId="{E26BE409-F8B2-4286-9EAB-0D7F75950A9A}" type="presOf" srcId="{D0BFF82B-A7A8-4C3D-8592-71D739244B7D}" destId="{3DAD15C5-E00E-46B2-8F9F-C16C26702240}" srcOrd="0" destOrd="0" presId="urn:microsoft.com/office/officeart/2005/8/layout/vList2"/>
     <dgm:cxn modelId="{B751C80C-6ED6-474A-9108-57C464AFDAC5}" srcId="{2D1C2C37-7B6F-40B1-A9CA-81D6ABCF60B6}" destId="{7C9A7B70-31EE-44FE-BF13-E2CACCE44270}" srcOrd="0" destOrd="0" parTransId="{1AC6EBB4-E481-4212-B73B-95A814F1147B}" sibTransId="{4470643C-F1CB-4EDB-BC3C-DA7E22024A18}"/>
-    <dgm:cxn modelId="{CFFF5813-43EC-4F5E-A998-18E3787B49D0}" srcId="{2D1C2C37-7B6F-40B1-A9CA-81D6ABCF60B6}" destId="{63A2325D-5A49-4FE7-9705-61046B779206}" srcOrd="1" destOrd="0" parTransId="{84C9B08C-199C-47A7-A718-6D3DFD8AAC3D}" sibTransId="{BE6B1607-EF21-4D31-A1AA-AF5DE920C2DF}"/>
-    <dgm:cxn modelId="{B886A25B-7B4C-4978-B088-742B00EAC7E7}" type="presOf" srcId="{33948E1B-3FDC-4494-A8E8-E67C02E9546F}" destId="{63635E32-510A-4D0F-A6CB-514E1BB4A76A}" srcOrd="0" destOrd="3" presId="urn:microsoft.com/office/officeart/2005/8/layout/vList2"/>
-    <dgm:cxn modelId="{C788DD41-0DA1-4116-86D7-6F91473C42F1}" srcId="{2D1C2C37-7B6F-40B1-A9CA-81D6ABCF60B6}" destId="{39B4C99A-D81B-41ED-8BD5-04B764BAEAD2}" srcOrd="2" destOrd="0" parTransId="{9B035E87-8616-4E42-9EBD-D70DD168186C}" sibTransId="{64BC7690-7404-43DE-8389-6263E29612B2}"/>
+    <dgm:cxn modelId="{B886A25B-7B4C-4978-B088-742B00EAC7E7}" type="presOf" srcId="{33948E1B-3FDC-4494-A8E8-E67C02E9546F}" destId="{63635E32-510A-4D0F-A6CB-514E1BB4A76A}" srcOrd="0" destOrd="2" presId="urn:microsoft.com/office/officeart/2005/8/layout/vList2"/>
+    <dgm:cxn modelId="{C788DD41-0DA1-4116-86D7-6F91473C42F1}" srcId="{2D1C2C37-7B6F-40B1-A9CA-81D6ABCF60B6}" destId="{39B4C99A-D81B-41ED-8BD5-04B764BAEAD2}" srcOrd="1" destOrd="0" parTransId="{9B035E87-8616-4E42-9EBD-D70DD168186C}" sibTransId="{64BC7690-7404-43DE-8389-6263E29612B2}"/>
     <dgm:cxn modelId="{638C6965-EB2A-4696-99CD-09333BC4C6BA}" type="presOf" srcId="{211441B8-CBE6-4FD5-8A78-520242B1878D}" destId="{9F24B2B3-2DD0-4DD5-B684-2FEAB92C83D3}" srcOrd="0" destOrd="1" presId="urn:microsoft.com/office/officeart/2005/8/layout/vList2"/>
-    <dgm:cxn modelId="{E080E665-3D34-4C22-871C-0CC027695333}" type="presOf" srcId="{63A2325D-5A49-4FE7-9705-61046B779206}" destId="{63635E32-510A-4D0F-A6CB-514E1BB4A76A}" srcOrd="0" destOrd="1" presId="urn:microsoft.com/office/officeart/2005/8/layout/vList2"/>
     <dgm:cxn modelId="{CED2E24E-EE06-466E-A59B-079689D72EEC}" srcId="{D0BFF82B-A7A8-4C3D-8592-71D739244B7D}" destId="{211441B8-CBE6-4FD5-8A78-520242B1878D}" srcOrd="1" destOrd="0" parTransId="{5E050188-DCFC-4F26-B0C6-7A693B7CED8F}" sibTransId="{7102FD98-6C22-4865-B56A-0034B5203CB0}"/>
     <dgm:cxn modelId="{252BFE54-0B62-4A3B-ACBE-20A53ED47E29}" type="presOf" srcId="{7C9A7B70-31EE-44FE-BF13-E2CACCE44270}" destId="{63635E32-510A-4D0F-A6CB-514E1BB4A76A}" srcOrd="0" destOrd="0" presId="urn:microsoft.com/office/officeart/2005/8/layout/vList2"/>
     <dgm:cxn modelId="{392C0B7A-10F0-4C03-ACF8-3940EA9584E2}" srcId="{D0BFF82B-A7A8-4C3D-8592-71D739244B7D}" destId="{6F56E5B8-9922-452D-9ABD-FAA7050C33FF}" srcOrd="2" destOrd="0" parTransId="{3B47BBD9-3B42-48B2-A5CA-49CB060825DA}" sibTransId="{C662CF02-C70E-4C8F-80CC-3D4F192D53EE}"/>
-    <dgm:cxn modelId="{2487A87E-DE30-4748-90F3-CF9F7AC4D8AC}" srcId="{2D1C2C37-7B6F-40B1-A9CA-81D6ABCF60B6}" destId="{33948E1B-3FDC-4494-A8E8-E67C02E9546F}" srcOrd="3" destOrd="0" parTransId="{501E15BF-7896-4340-B361-3028B8C6DDA7}" sibTransId="{53241D81-C213-45B5-8CE6-FA41A9ADC69D}"/>
+    <dgm:cxn modelId="{2487A87E-DE30-4748-90F3-CF9F7AC4D8AC}" srcId="{2D1C2C37-7B6F-40B1-A9CA-81D6ABCF60B6}" destId="{33948E1B-3FDC-4494-A8E8-E67C02E9546F}" srcOrd="2" destOrd="0" parTransId="{501E15BF-7896-4340-B361-3028B8C6DDA7}" sibTransId="{53241D81-C213-45B5-8CE6-FA41A9ADC69D}"/>
     <dgm:cxn modelId="{2D77A983-5A67-488C-80DA-24C0DC578B25}" type="presOf" srcId="{B13524C2-798A-4811-8898-791D44E12382}" destId="{9F24B2B3-2DD0-4DD5-B684-2FEAB92C83D3}" srcOrd="0" destOrd="0" presId="urn:microsoft.com/office/officeart/2005/8/layout/vList2"/>
     <dgm:cxn modelId="{B5D756B9-F6F0-4FDB-B698-3D0EE01A8DE3}" type="presOf" srcId="{2D1C2C37-7B6F-40B1-A9CA-81D6ABCF60B6}" destId="{D33A2FF8-A78E-4539-A2A5-886A470F6DDD}" srcOrd="0" destOrd="0" presId="urn:microsoft.com/office/officeart/2005/8/layout/vList2"/>
     <dgm:cxn modelId="{878AEEBC-3681-4EFE-8E6D-7D3BE2DB6618}" type="presOf" srcId="{6F56E5B8-9922-452D-9ABD-FAA7050C33FF}" destId="{9F24B2B3-2DD0-4DD5-B684-2FEAB92C83D3}" srcOrd="0" destOrd="2" presId="urn:microsoft.com/office/officeart/2005/8/layout/vList2"/>
-    <dgm:cxn modelId="{77ACFFBC-EFC3-4CE2-88B6-A4D2451B6389}" type="presOf" srcId="{39B4C99A-D81B-41ED-8BD5-04B764BAEAD2}" destId="{63635E32-510A-4D0F-A6CB-514E1BB4A76A}" srcOrd="0" destOrd="2" presId="urn:microsoft.com/office/officeart/2005/8/layout/vList2"/>
-    <dgm:cxn modelId="{E47BFAC9-E0C3-41BD-9CD6-DF035F81311F}" srcId="{2D1C2C37-7B6F-40B1-A9CA-81D6ABCF60B6}" destId="{12F34BAF-6175-44AB-934D-988B384C1DCF}" srcOrd="4" destOrd="0" parTransId="{299317F3-ABD4-4213-8E2B-D403F3859BEF}" sibTransId="{6881BE96-B44D-4C62-92D3-200FD5DA1561}"/>
+    <dgm:cxn modelId="{77ACFFBC-EFC3-4CE2-88B6-A4D2451B6389}" type="presOf" srcId="{39B4C99A-D81B-41ED-8BD5-04B764BAEAD2}" destId="{63635E32-510A-4D0F-A6CB-514E1BB4A76A}" srcOrd="0" destOrd="1" presId="urn:microsoft.com/office/officeart/2005/8/layout/vList2"/>
+    <dgm:cxn modelId="{E47BFAC9-E0C3-41BD-9CD6-DF035F81311F}" srcId="{2D1C2C37-7B6F-40B1-A9CA-81D6ABCF60B6}" destId="{12F34BAF-6175-44AB-934D-988B384C1DCF}" srcOrd="3" destOrd="0" parTransId="{299317F3-ABD4-4213-8E2B-D403F3859BEF}" sibTransId="{6881BE96-B44D-4C62-92D3-200FD5DA1561}"/>
     <dgm:cxn modelId="{4609BFCD-0CBC-461D-9FDF-A6B847D7572F}" srcId="{C720FE5B-60A2-426B-AD66-BE5F09F21D72}" destId="{D0BFF82B-A7A8-4C3D-8592-71D739244B7D}" srcOrd="1" destOrd="0" parTransId="{09C0AC1E-AF6A-431B-AD87-FE47BD6379D1}" sibTransId="{ABC9B147-D28E-415D-B5E8-0C1D6AE032A6}"/>
-    <dgm:cxn modelId="{F7BC0BDB-CD31-4604-9558-6E855A4245D4}" type="presOf" srcId="{12F34BAF-6175-44AB-934D-988B384C1DCF}" destId="{63635E32-510A-4D0F-A6CB-514E1BB4A76A}" srcOrd="0" destOrd="4" presId="urn:microsoft.com/office/officeart/2005/8/layout/vList2"/>
+    <dgm:cxn modelId="{F7BC0BDB-CD31-4604-9558-6E855A4245D4}" type="presOf" srcId="{12F34BAF-6175-44AB-934D-988B384C1DCF}" destId="{63635E32-510A-4D0F-A6CB-514E1BB4A76A}" srcOrd="0" destOrd="3" presId="urn:microsoft.com/office/officeart/2005/8/layout/vList2"/>
     <dgm:cxn modelId="{2FB3C5DC-7FFC-4912-A2B7-BDCFAD30A5FD}" srcId="{C720FE5B-60A2-426B-AD66-BE5F09F21D72}" destId="{2D1C2C37-7B6F-40B1-A9CA-81D6ABCF60B6}" srcOrd="0" destOrd="0" parTransId="{0F5B595E-3164-4D3B-A796-C49FF2732186}" sibTransId="{3215FCF6-4A80-4895-A684-DB08ED6DA671}"/>
     <dgm:cxn modelId="{8AA725EB-4E2E-40E6-BC1F-572909F044D7}" srcId="{D0BFF82B-A7A8-4C3D-8592-71D739244B7D}" destId="{B13524C2-798A-4811-8898-791D44E12382}" srcOrd="0" destOrd="0" parTransId="{FAA44413-A722-41E6-A378-5B133FBC37A9}" sibTransId="{C96264FB-ACA8-4847-AE73-AC689F44201B}"/>
     <dgm:cxn modelId="{D06C4BEF-0227-4478-AAE1-7BC4721F3C2E}" type="presOf" srcId="{C720FE5B-60A2-426B-AD66-BE5F09F21D72}" destId="{22E563E3-FF89-499C-8A40-84326503DEA1}" srcOrd="0" destOrd="0" presId="urn:microsoft.com/office/officeart/2005/8/layout/vList2"/>
@@ -7367,8 +7338,8 @@
       </dsp:nvSpPr>
       <dsp:spPr>
         <a:xfrm>
-          <a:off x="0" y="54235"/>
-          <a:ext cx="7847065" cy="839474"/>
+          <a:off x="0" y="71303"/>
+          <a:ext cx="6950075" cy="539998"/>
         </a:xfrm>
         <a:prstGeom prst="roundRect">
           <a:avLst/>
@@ -7405,12 +7376,12 @@
         </a:fontRef>
       </dsp:style>
       <dsp:txBody>
-        <a:bodyPr spcFirstLastPara="0" vert="horz" wrap="square" lIns="133350" tIns="133350" rIns="133350" bIns="133350" numCol="1" spcCol="1270" anchor="ctr" anchorCtr="0">
+        <a:bodyPr spcFirstLastPara="0" vert="horz" wrap="square" lIns="106680" tIns="106680" rIns="106680" bIns="106680" numCol="1" spcCol="1270" anchor="ctr" anchorCtr="0">
           <a:noAutofit/>
         </a:bodyPr>
         <a:lstStyle/>
         <a:p>
-          <a:pPr marL="0" lvl="0" indent="0" algn="l" defTabSz="1555750">
+          <a:pPr marL="0" lvl="0" indent="0" algn="l" defTabSz="1244600">
             <a:lnSpc>
               <a:spcPct val="90000"/>
             </a:lnSpc>
@@ -7423,15 +7394,15 @@
             <a:buNone/>
           </a:pPr>
           <a:r>
-            <a:rPr lang="en-US" sz="3500" kern="1200" dirty="0"/>
+            <a:rPr lang="en-US" sz="2800" kern="1200" dirty="0"/>
             <a:t>Pros</a:t>
           </a:r>
-          <a:endParaRPr lang="bg-BG" sz="3500" kern="1200" dirty="0"/>
+          <a:endParaRPr lang="bg-BG" sz="2800" kern="1200" dirty="0"/>
         </a:p>
       </dsp:txBody>
       <dsp:txXfrm>
-        <a:off x="40980" y="95215"/>
-        <a:ext cx="7765105" cy="757514"/>
+        <a:off x="26361" y="97664"/>
+        <a:ext cx="6897353" cy="487276"/>
       </dsp:txXfrm>
     </dsp:sp>
     <dsp:sp modelId="{33CAD0CA-F247-4C11-B45F-154431F80891}">
@@ -7441,8 +7412,8 @@
       </dsp:nvSpPr>
       <dsp:spPr>
         <a:xfrm>
-          <a:off x="0" y="887927"/>
-          <a:ext cx="7847065" cy="941850"/>
+          <a:off x="0" y="1105127"/>
+          <a:ext cx="6950075" cy="1059840"/>
         </a:xfrm>
         <a:prstGeom prst="rect">
           <a:avLst/>
@@ -7466,12 +7437,12 @@
         <a:fontRef idx="minor"/>
       </dsp:style>
       <dsp:txBody>
-        <a:bodyPr spcFirstLastPara="0" vert="horz" wrap="square" lIns="249144" tIns="44450" rIns="248920" bIns="44450" numCol="1" spcCol="1270" anchor="t" anchorCtr="0">
+        <a:bodyPr spcFirstLastPara="0" vert="horz" wrap="square" lIns="220665" tIns="27940" rIns="156464" bIns="27940" numCol="1" spcCol="1270" anchor="t" anchorCtr="0">
           <a:noAutofit/>
         </a:bodyPr>
         <a:lstStyle/>
         <a:p>
-          <a:pPr marL="228600" lvl="1" indent="-228600" algn="l" defTabSz="1200150">
+          <a:pPr marL="228600" lvl="1" indent="-228600" algn="l" defTabSz="977900">
             <a:lnSpc>
               <a:spcPct val="90000"/>
             </a:lnSpc>
@@ -7484,21 +7455,21 @@
             <a:buChar char="•"/>
           </a:pPr>
           <a:r>
-            <a:rPr lang="en-US" sz="2700" kern="1200" dirty="0">
+            <a:rPr lang="en-US" sz="2200" kern="1200" dirty="0">
               <a:solidFill>
                 <a:schemeClr val="bg1"/>
               </a:solidFill>
             </a:rPr>
             <a:t>Share code across multiple git projects</a:t>
           </a:r>
-          <a:endParaRPr lang="bg-BG" sz="2700" kern="1200" dirty="0">
+          <a:endParaRPr lang="bg-BG" sz="2200" kern="1200" dirty="0">
             <a:solidFill>
               <a:schemeClr val="bg1"/>
             </a:solidFill>
           </a:endParaRPr>
         </a:p>
         <a:p>
-          <a:pPr marL="228600" lvl="1" indent="-228600" algn="l" defTabSz="1200150">
+          <a:pPr marL="228600" lvl="1" indent="-228600" algn="l" defTabSz="977900">
             <a:lnSpc>
               <a:spcPct val="90000"/>
             </a:lnSpc>
@@ -7511,14 +7482,14 @@
             <a:buChar char="•"/>
           </a:pPr>
           <a:r>
-            <a:rPr lang="en-US" sz="2700" kern="1200" dirty="0">
+            <a:rPr lang="en-US" sz="2200" kern="1200" dirty="0">
               <a:solidFill>
                 <a:schemeClr val="bg1"/>
               </a:solidFill>
             </a:rPr>
             <a:t>Separate git history per submodule/repository</a:t>
           </a:r>
-          <a:endParaRPr lang="bg-BG" sz="2700" kern="1200" dirty="0">
+          <a:endParaRPr lang="bg-BG" sz="2200" kern="1200" dirty="0">
             <a:solidFill>
               <a:schemeClr val="bg1"/>
             </a:solidFill>
@@ -7526,8 +7497,8 @@
         </a:p>
       </dsp:txBody>
       <dsp:txXfrm>
-        <a:off x="0" y="887927"/>
-        <a:ext cx="7847065" cy="941850"/>
+        <a:off x="0" y="1105127"/>
+        <a:ext cx="6950075" cy="1059840"/>
       </dsp:txXfrm>
     </dsp:sp>
     <dsp:sp modelId="{A985ECAE-33B7-43B0-807C-F3A6C3D12D21}">
@@ -7537,8 +7508,8 @@
       </dsp:nvSpPr>
       <dsp:spPr>
         <a:xfrm>
-          <a:off x="0" y="1829778"/>
-          <a:ext cx="7847065" cy="839474"/>
+          <a:off x="0" y="2571751"/>
+          <a:ext cx="6950075" cy="539998"/>
         </a:xfrm>
         <a:prstGeom prst="roundRect">
           <a:avLst/>
@@ -7575,12 +7546,12 @@
         </a:fontRef>
       </dsp:style>
       <dsp:txBody>
-        <a:bodyPr spcFirstLastPara="0" vert="horz" wrap="square" lIns="133350" tIns="133350" rIns="133350" bIns="133350" numCol="1" spcCol="1270" anchor="ctr" anchorCtr="0">
+        <a:bodyPr spcFirstLastPara="0" vert="horz" wrap="square" lIns="106680" tIns="106680" rIns="106680" bIns="106680" numCol="1" spcCol="1270" anchor="ctr" anchorCtr="0">
           <a:noAutofit/>
         </a:bodyPr>
         <a:lstStyle/>
         <a:p>
-          <a:pPr marL="0" lvl="0" indent="0" algn="l" defTabSz="1555750">
+          <a:pPr marL="0" lvl="0" indent="0" algn="l" defTabSz="1244600">
             <a:lnSpc>
               <a:spcPct val="90000"/>
             </a:lnSpc>
@@ -7593,15 +7564,15 @@
             <a:buNone/>
           </a:pPr>
           <a:r>
-            <a:rPr lang="en-US" sz="3500" kern="1200" dirty="0"/>
+            <a:rPr lang="en-US" sz="2800" kern="1200" dirty="0"/>
             <a:t>Cons</a:t>
           </a:r>
-          <a:endParaRPr lang="bg-BG" sz="3500" kern="1200" dirty="0"/>
+          <a:endParaRPr lang="bg-BG" sz="2800" kern="1200" dirty="0"/>
         </a:p>
       </dsp:txBody>
       <dsp:txXfrm>
-        <a:off x="40980" y="1870758"/>
-        <a:ext cx="7765105" cy="757514"/>
+        <a:off x="26361" y="2598112"/>
+        <a:ext cx="6897353" cy="487276"/>
       </dsp:txXfrm>
     </dsp:sp>
     <dsp:sp modelId="{2E878F7A-8040-489B-9DCD-94B7E0D8E9BA}">
@@ -7611,8 +7582,8 @@
       </dsp:nvSpPr>
       <dsp:spPr>
         <a:xfrm>
-          <a:off x="0" y="2669253"/>
-          <a:ext cx="7847065" cy="941850"/>
+          <a:off x="0" y="3631309"/>
+          <a:ext cx="6950075" cy="1059840"/>
         </a:xfrm>
         <a:prstGeom prst="rect">
           <a:avLst/>
@@ -7636,12 +7607,12 @@
         <a:fontRef idx="minor"/>
       </dsp:style>
       <dsp:txBody>
-        <a:bodyPr spcFirstLastPara="0" vert="horz" wrap="square" lIns="249144" tIns="44450" rIns="248920" bIns="44450" numCol="1" spcCol="1270" anchor="t" anchorCtr="0">
+        <a:bodyPr spcFirstLastPara="0" vert="horz" wrap="square" lIns="220665" tIns="27940" rIns="156464" bIns="27940" numCol="1" spcCol="1270" anchor="t" anchorCtr="0">
           <a:noAutofit/>
         </a:bodyPr>
         <a:lstStyle/>
         <a:p>
-          <a:pPr marL="228600" lvl="1" indent="-228600" algn="l" defTabSz="1200150">
+          <a:pPr marL="228600" lvl="1" indent="-228600" algn="l" defTabSz="977900">
             <a:lnSpc>
               <a:spcPct val="90000"/>
             </a:lnSpc>
@@ -7654,21 +7625,21 @@
             <a:buChar char="•"/>
           </a:pPr>
           <a:r>
-            <a:rPr lang="en-US" sz="2700" kern="1200" dirty="0">
+            <a:rPr lang="en-US" sz="2200" kern="1200" dirty="0">
               <a:solidFill>
                 <a:schemeClr val="bg1"/>
               </a:solidFill>
             </a:rPr>
             <a:t>Requires high level of discipline</a:t>
           </a:r>
-          <a:endParaRPr lang="bg-BG" sz="2700" kern="1200" dirty="0">
+          <a:endParaRPr lang="bg-BG" sz="2200" kern="1200" dirty="0">
             <a:solidFill>
               <a:schemeClr val="bg1"/>
             </a:solidFill>
           </a:endParaRPr>
         </a:p>
         <a:p>
-          <a:pPr marL="228600" lvl="1" indent="-228600" algn="l" defTabSz="1200150">
+          <a:pPr marL="228600" lvl="1" indent="-228600" algn="l" defTabSz="977900">
             <a:lnSpc>
               <a:spcPct val="90000"/>
             </a:lnSpc>
@@ -7681,14 +7652,14 @@
             <a:buChar char="•"/>
           </a:pPr>
           <a:r>
-            <a:rPr lang="en-US" sz="2700" kern="1200" dirty="0">
+            <a:rPr lang="en-US" sz="2200" kern="1200" dirty="0">
               <a:solidFill>
                 <a:schemeClr val="bg1"/>
               </a:solidFill>
             </a:rPr>
             <a:t>Requires high level of git knowledge</a:t>
           </a:r>
-          <a:endParaRPr lang="bg-BG" sz="2700" kern="1200" dirty="0">
+          <a:endParaRPr lang="bg-BG" sz="2200" kern="1200" dirty="0">
             <a:solidFill>
               <a:schemeClr val="bg1"/>
             </a:solidFill>
@@ -7696,8 +7667,8 @@
         </a:p>
       </dsp:txBody>
       <dsp:txXfrm>
-        <a:off x="0" y="2669253"/>
-        <a:ext cx="7847065" cy="941850"/>
+        <a:off x="0" y="3631309"/>
+        <a:ext cx="6950075" cy="1059840"/>
       </dsp:txXfrm>
     </dsp:sp>
   </dsp:spTree>
@@ -7719,8 +7690,8 @@
       </dsp:nvSpPr>
       <dsp:spPr>
         <a:xfrm>
-          <a:off x="0" y="134906"/>
-          <a:ext cx="8189900" cy="671580"/>
+          <a:off x="0" y="266415"/>
+          <a:ext cx="6950075" cy="539998"/>
         </a:xfrm>
         <a:prstGeom prst="roundRect">
           <a:avLst/>
@@ -7770,15 +7741,15 @@
             <a:buNone/>
           </a:pPr>
           <a:r>
-            <a:rPr lang="en-US" sz="2800" kern="1200"/>
+            <a:rPr lang="en-US" sz="2800" kern="1200" dirty="0"/>
             <a:t>Pros</a:t>
           </a:r>
-          <a:endParaRPr lang="bg-BG" sz="2800" kern="1200"/>
+          <a:endParaRPr lang="bg-BG" sz="2800" kern="1200" dirty="0"/>
         </a:p>
       </dsp:txBody>
       <dsp:txXfrm>
-        <a:off x="32784" y="167690"/>
-        <a:ext cx="8124332" cy="606012"/>
+        <a:off x="26361" y="292776"/>
+        <a:ext cx="6897353" cy="487276"/>
       </dsp:txXfrm>
     </dsp:sp>
     <dsp:sp modelId="{63635E32-510A-4D0F-A6CB-514E1BB4A76A}">
@@ -7788,8 +7759,8 @@
       </dsp:nvSpPr>
       <dsp:spPr>
         <a:xfrm>
-          <a:off x="0" y="831893"/>
-          <a:ext cx="8189900" cy="2260440"/>
+          <a:off x="0" y="840173"/>
+          <a:ext cx="6950075" cy="2252160"/>
         </a:xfrm>
         <a:prstGeom prst="rect">
           <a:avLst/>
@@ -7813,7 +7784,7 @@
         <a:fontRef idx="minor"/>
       </dsp:style>
       <dsp:txBody>
-        <a:bodyPr spcFirstLastPara="0" vert="horz" wrap="square" lIns="260029" tIns="35560" rIns="199136" bIns="35560" numCol="1" spcCol="1270" anchor="t" anchorCtr="0">
+        <a:bodyPr spcFirstLastPara="0" vert="horz" wrap="square" lIns="220665" tIns="27940" rIns="156464" bIns="27940" numCol="1" spcCol="1270" anchor="t" anchorCtr="0">
           <a:noAutofit/>
         </a:bodyPr>
         <a:lstStyle/>
@@ -7885,14 +7856,14 @@
             <a:buChar char="•"/>
           </a:pPr>
           <a:r>
-            <a:rPr lang="en-US" sz="2200" kern="1200">
+            <a:rPr lang="en-US" sz="2200" kern="1200" dirty="0">
               <a:solidFill>
                 <a:schemeClr val="bg1"/>
               </a:solidFill>
             </a:rPr>
             <a:t>Single source of true</a:t>
           </a:r>
-          <a:endParaRPr lang="bg-BG" sz="2200" kern="1200">
+          <a:endParaRPr lang="bg-BG" sz="2200" kern="1200" dirty="0">
             <a:solidFill>
               <a:schemeClr val="bg1"/>
             </a:solidFill>
@@ -7912,14 +7883,14 @@
             <a:buChar char="•"/>
           </a:pPr>
           <a:r>
-            <a:rPr lang="en-US" sz="2200" kern="1200">
+            <a:rPr lang="en-US" sz="2200" kern="1200" dirty="0">
               <a:solidFill>
                 <a:schemeClr val="bg1"/>
               </a:solidFill>
             </a:rPr>
             <a:t>Simplified dependency management</a:t>
           </a:r>
-          <a:endParaRPr lang="bg-BG" sz="2200" kern="1200">
+          <a:endParaRPr lang="bg-BG" sz="2200" kern="1200" dirty="0">
             <a:solidFill>
               <a:schemeClr val="bg1"/>
             </a:solidFill>
@@ -7981,8 +7952,8 @@
         </a:p>
       </dsp:txBody>
       <dsp:txXfrm>
-        <a:off x="0" y="831893"/>
-        <a:ext cx="8189900" cy="2260440"/>
+        <a:off x="0" y="840173"/>
+        <a:ext cx="6950075" cy="2252160"/>
       </dsp:txXfrm>
     </dsp:sp>
     <dsp:sp modelId="{3DAD15C5-E00E-46B2-8F9F-C16C26702240}">
@@ -7992,8 +7963,8 @@
       </dsp:nvSpPr>
       <dsp:spPr>
         <a:xfrm>
-          <a:off x="0" y="3092334"/>
-          <a:ext cx="8189900" cy="671580"/>
+          <a:off x="0" y="3406172"/>
+          <a:ext cx="6950075" cy="539998"/>
         </a:xfrm>
         <a:prstGeom prst="roundRect">
           <a:avLst/>
@@ -8048,15 +8019,15 @@
             <a:buNone/>
           </a:pPr>
           <a:r>
-            <a:rPr lang="en-US" sz="2800" kern="1200"/>
+            <a:rPr lang="en-US" sz="2800" kern="1200" dirty="0"/>
             <a:t>Cons</a:t>
           </a:r>
-          <a:endParaRPr lang="bg-BG" sz="2800" kern="1200"/>
+          <a:endParaRPr lang="bg-BG" sz="2800" kern="1200" dirty="0"/>
         </a:p>
       </dsp:txBody>
       <dsp:txXfrm>
-        <a:off x="32784" y="3125118"/>
-        <a:ext cx="8124332" cy="606012"/>
+        <a:off x="26361" y="3432533"/>
+        <a:ext cx="6897353" cy="487276"/>
       </dsp:txXfrm>
     </dsp:sp>
     <dsp:sp modelId="{9F24B2B3-2DD0-4DD5-B684-2FEAB92C83D3}">
@@ -8066,8 +8037,8 @@
       </dsp:nvSpPr>
       <dsp:spPr>
         <a:xfrm>
-          <a:off x="0" y="3763914"/>
-          <a:ext cx="8189900" cy="2260440"/>
+          <a:off x="0" y="3906968"/>
+          <a:ext cx="6950075" cy="2252160"/>
         </a:xfrm>
         <a:prstGeom prst="rect">
           <a:avLst/>
@@ -8091,7 +8062,7 @@
         <a:fontRef idx="minor"/>
       </dsp:style>
       <dsp:txBody>
-        <a:bodyPr spcFirstLastPara="0" vert="horz" wrap="square" lIns="260029" tIns="35560" rIns="199136" bIns="35560" numCol="1" spcCol="1270" anchor="t" anchorCtr="0">
+        <a:bodyPr spcFirstLastPara="0" vert="horz" wrap="square" lIns="220665" tIns="27940" rIns="156464" bIns="27940" numCol="1" spcCol="1270" anchor="t" anchorCtr="0">
           <a:noAutofit/>
         </a:bodyPr>
         <a:lstStyle/>
@@ -8136,14 +8107,14 @@
             <a:buChar char="•"/>
           </a:pPr>
           <a:r>
-            <a:rPr lang="en-US" sz="2200" kern="1200">
+            <a:rPr lang="en-US" sz="2200" kern="1200" dirty="0">
               <a:solidFill>
                 <a:schemeClr val="bg1"/>
               </a:solidFill>
             </a:rPr>
             <a:t>Loss of version information</a:t>
           </a:r>
-          <a:endParaRPr lang="bg-BG" sz="2200" kern="1200">
+          <a:endParaRPr lang="bg-BG" sz="2200" kern="1200" dirty="0">
             <a:solidFill>
               <a:schemeClr val="bg1"/>
             </a:solidFill>
@@ -8190,14 +8161,14 @@
             <a:buChar char="•"/>
           </a:pPr>
           <a:r>
-            <a:rPr lang="en-US" sz="2200" kern="1200">
+            <a:rPr lang="en-US" sz="2200" kern="1200" dirty="0">
               <a:solidFill>
                 <a:schemeClr val="bg1"/>
               </a:solidFill>
             </a:rPr>
             <a:t>Lock per-project security</a:t>
           </a:r>
-          <a:endParaRPr lang="bg-BG" sz="2200" kern="1200">
+          <a:endParaRPr lang="bg-BG" sz="2200" kern="1200" dirty="0">
             <a:solidFill>
               <a:schemeClr val="bg1"/>
             </a:solidFill>
@@ -8259,8 +8230,8 @@
         </a:p>
       </dsp:txBody>
       <dsp:txXfrm>
-        <a:off x="0" y="3763914"/>
-        <a:ext cx="8189900" cy="2260440"/>
+        <a:off x="0" y="3906968"/>
+        <a:ext cx="6950075" cy="2252160"/>
       </dsp:txXfrm>
     </dsp:sp>
   </dsp:spTree>
@@ -8283,7 +8254,7 @@
       <dsp:spPr>
         <a:xfrm>
           <a:off x="0" y="0"/>
-          <a:ext cx="8098494" cy="647595"/>
+          <a:ext cx="6950075" cy="539998"/>
         </a:xfrm>
         <a:prstGeom prst="roundRect">
           <a:avLst/>
@@ -8315,12 +8286,12 @@
         </a:fontRef>
       </dsp:style>
       <dsp:txBody>
-        <a:bodyPr spcFirstLastPara="0" vert="horz" wrap="square" lIns="102870" tIns="102870" rIns="102870" bIns="102870" numCol="1" spcCol="1270" anchor="ctr" anchorCtr="0">
+        <a:bodyPr spcFirstLastPara="0" vert="horz" wrap="square" lIns="106680" tIns="106680" rIns="106680" bIns="106680" numCol="1" spcCol="1270" anchor="ctr" anchorCtr="0">
           <a:noAutofit/>
         </a:bodyPr>
         <a:lstStyle/>
         <a:p>
-          <a:pPr marL="0" lvl="0" indent="0" algn="l" defTabSz="1200150">
+          <a:pPr marL="0" lvl="0" indent="0" algn="l" defTabSz="1244600">
             <a:lnSpc>
               <a:spcPct val="90000"/>
             </a:lnSpc>
@@ -8333,15 +8304,15 @@
             <a:buNone/>
           </a:pPr>
           <a:r>
-            <a:rPr lang="en-US" sz="2700" kern="1200"/>
+            <a:rPr lang="en-US" sz="2800" kern="1200" dirty="0"/>
             <a:t>Pros</a:t>
           </a:r>
-          <a:endParaRPr lang="bg-BG" sz="2700" kern="1200"/>
+          <a:endParaRPr lang="bg-BG" sz="2800" kern="1200" dirty="0"/>
         </a:p>
       </dsp:txBody>
       <dsp:txXfrm>
-        <a:off x="31613" y="31613"/>
-        <a:ext cx="8035268" cy="584369"/>
+        <a:off x="26361" y="26361"/>
+        <a:ext cx="6897353" cy="487276"/>
       </dsp:txXfrm>
     </dsp:sp>
     <dsp:sp modelId="{63635E32-510A-4D0F-A6CB-514E1BB4A76A}">
@@ -8351,8 +8322,8 @@
       </dsp:nvSpPr>
       <dsp:spPr>
         <a:xfrm>
-          <a:off x="0" y="653029"/>
-          <a:ext cx="8098494" cy="2012039"/>
+          <a:off x="0" y="863596"/>
+          <a:ext cx="6950075" cy="1457280"/>
         </a:xfrm>
         <a:prstGeom prst="rect">
           <a:avLst/>
@@ -8376,12 +8347,12 @@
         <a:fontRef idx="minor"/>
       </dsp:style>
       <dsp:txBody>
-        <a:bodyPr spcFirstLastPara="0" vert="horz" wrap="square" lIns="257127" tIns="34290" rIns="192024" bIns="34290" numCol="1" spcCol="1270" anchor="t" anchorCtr="0">
+        <a:bodyPr spcFirstLastPara="0" vert="horz" wrap="square" lIns="220665" tIns="27940" rIns="156464" bIns="27940" numCol="1" spcCol="1270" anchor="t" anchorCtr="0">
           <a:noAutofit/>
         </a:bodyPr>
         <a:lstStyle/>
         <a:p>
-          <a:pPr marL="228600" lvl="1" indent="-228600" algn="l" defTabSz="933450">
+          <a:pPr marL="228600" lvl="1" indent="-228600" algn="l" defTabSz="977900">
             <a:lnSpc>
               <a:spcPct val="90000"/>
             </a:lnSpc>
@@ -8394,7 +8365,7 @@
             <a:buChar char="•"/>
           </a:pPr>
           <a:r>
-            <a:rPr lang="en-US" sz="2100" kern="1200" dirty="0">
+            <a:rPr lang="en-US" sz="2200" kern="1200" dirty="0">
               <a:solidFill>
                 <a:schemeClr val="bg1"/>
               </a:solidFill>
@@ -8402,7 +8373,7 @@
             </a:rPr>
             <a:t>Reuse code with ease</a:t>
           </a:r>
-          <a:endParaRPr lang="bg-BG" sz="2100" kern="1200" dirty="0">
+          <a:endParaRPr lang="bg-BG" sz="2200" kern="1200" dirty="0">
             <a:solidFill>
               <a:schemeClr val="bg1"/>
             </a:solidFill>
@@ -8410,7 +8381,7 @@
           </a:endParaRPr>
         </a:p>
         <a:p>
-          <a:pPr marL="228600" lvl="1" indent="-228600" algn="l" defTabSz="933450">
+          <a:pPr marL="228600" lvl="1" indent="-228600" algn="l" defTabSz="977900">
             <a:lnSpc>
               <a:spcPct val="90000"/>
             </a:lnSpc>
@@ -8423,15 +8394,15 @@
             <a:buChar char="•"/>
           </a:pPr>
           <a:r>
-            <a:rPr lang="en-US" sz="2100" kern="1200" dirty="0">
+            <a:rPr lang="en-US" sz="2200" kern="1200" dirty="0">
               <a:solidFill>
                 <a:schemeClr val="bg1"/>
               </a:solidFill>
               <a:latin typeface="Consolas" panose="020B0609020204030204" pitchFamily="49" charset="0"/>
             </a:rPr>
-            <a:t>Avoid unnecessary development effort</a:t>
+            <a:t>Single source of true</a:t>
           </a:r>
-          <a:endParaRPr lang="bg-BG" sz="2100" kern="1200" dirty="0">
+          <a:endParaRPr lang="bg-BG" sz="2200" kern="1200" dirty="0">
             <a:solidFill>
               <a:schemeClr val="bg1"/>
             </a:solidFill>
@@ -8439,7 +8410,7 @@
           </a:endParaRPr>
         </a:p>
         <a:p>
-          <a:pPr marL="228600" lvl="1" indent="-228600" algn="l" defTabSz="933450">
+          <a:pPr marL="228600" lvl="1" indent="-228600" algn="l" defTabSz="977900">
             <a:lnSpc>
               <a:spcPct val="90000"/>
             </a:lnSpc>
@@ -8452,15 +8423,15 @@
             <a:buChar char="•"/>
           </a:pPr>
           <a:r>
-            <a:rPr lang="en-US" sz="2100" kern="1200" dirty="0">
+            <a:rPr lang="en-US" sz="2200" kern="1200" dirty="0">
               <a:solidFill>
                 <a:schemeClr val="bg1"/>
               </a:solidFill>
               <a:latin typeface="Consolas" panose="020B0609020204030204" pitchFamily="49" charset="0"/>
             </a:rPr>
-            <a:t>Single source of true</a:t>
+            <a:t>Loose coupling</a:t>
           </a:r>
-          <a:endParaRPr lang="bg-BG" sz="2100" kern="1200" dirty="0">
+          <a:endParaRPr lang="bg-BG" sz="2200" kern="1200" dirty="0">
             <a:solidFill>
               <a:schemeClr val="bg1"/>
             </a:solidFill>
@@ -8468,7 +8439,7 @@
           </a:endParaRPr>
         </a:p>
         <a:p>
-          <a:pPr marL="228600" lvl="1" indent="-228600" algn="l" defTabSz="933450">
+          <a:pPr marL="228600" lvl="1" indent="-228600" algn="l" defTabSz="977900">
             <a:lnSpc>
               <a:spcPct val="90000"/>
             </a:lnSpc>
@@ -8481,36 +8452,7 @@
             <a:buChar char="•"/>
           </a:pPr>
           <a:r>
-            <a:rPr lang="en-US" sz="2100" kern="1200" dirty="0">
-              <a:solidFill>
-                <a:schemeClr val="bg1"/>
-              </a:solidFill>
-              <a:latin typeface="Consolas" panose="020B0609020204030204" pitchFamily="49" charset="0"/>
-            </a:rPr>
-            <a:t>Loose coupling from rest of the projects in the company</a:t>
-          </a:r>
-          <a:endParaRPr lang="bg-BG" sz="2100" kern="1200" dirty="0">
-            <a:solidFill>
-              <a:schemeClr val="bg1"/>
-            </a:solidFill>
-            <a:latin typeface="Consolas" panose="020B0609020204030204" pitchFamily="49" charset="0"/>
-          </a:endParaRPr>
-        </a:p>
-        <a:p>
-          <a:pPr marL="228600" lvl="1" indent="-228600" algn="l" defTabSz="933450">
-            <a:lnSpc>
-              <a:spcPct val="90000"/>
-            </a:lnSpc>
-            <a:spcBef>
-              <a:spcPct val="0"/>
-            </a:spcBef>
-            <a:spcAft>
-              <a:spcPct val="20000"/>
-            </a:spcAft>
-            <a:buChar char="•"/>
-          </a:pPr>
-          <a:r>
-            <a:rPr lang="en-US" sz="2100" kern="1200" dirty="0">
+            <a:rPr lang="en-US" sz="2200" kern="1200" dirty="0">
               <a:solidFill>
                 <a:schemeClr val="bg1"/>
               </a:solidFill>
@@ -8518,7 +8460,7 @@
             </a:rPr>
             <a:t>Possibility to have multiple versions</a:t>
           </a:r>
-          <a:endParaRPr lang="bg-BG" sz="2100" kern="1200" dirty="0">
+          <a:endParaRPr lang="bg-BG" sz="2200" kern="1200" dirty="0">
             <a:solidFill>
               <a:schemeClr val="bg1"/>
             </a:solidFill>
@@ -8527,8 +8469,8 @@
         </a:p>
       </dsp:txBody>
       <dsp:txXfrm>
-        <a:off x="0" y="653029"/>
-        <a:ext cx="8098494" cy="2012039"/>
+        <a:off x="0" y="863596"/>
+        <a:ext cx="6950075" cy="1457280"/>
       </dsp:txXfrm>
     </dsp:sp>
     <dsp:sp modelId="{3DAD15C5-E00E-46B2-8F9F-C16C26702240}">
@@ -8538,8 +8480,8 @@
       </dsp:nvSpPr>
       <dsp:spPr>
         <a:xfrm>
-          <a:off x="0" y="2665069"/>
-          <a:ext cx="8098494" cy="647595"/>
+          <a:off x="0" y="2670435"/>
+          <a:ext cx="6950075" cy="539998"/>
         </a:xfrm>
         <a:prstGeom prst="roundRect">
           <a:avLst/>
@@ -8576,12 +8518,12 @@
         </a:fontRef>
       </dsp:style>
       <dsp:txBody>
-        <a:bodyPr spcFirstLastPara="0" vert="horz" wrap="square" lIns="102870" tIns="102870" rIns="102870" bIns="102870" numCol="1" spcCol="1270" anchor="ctr" anchorCtr="0">
+        <a:bodyPr spcFirstLastPara="0" vert="horz" wrap="square" lIns="106680" tIns="106680" rIns="106680" bIns="106680" numCol="1" spcCol="1270" anchor="ctr" anchorCtr="0">
           <a:noAutofit/>
         </a:bodyPr>
         <a:lstStyle/>
         <a:p>
-          <a:pPr marL="0" lvl="0" indent="0" algn="l" defTabSz="1200150">
+          <a:pPr marL="0" lvl="0" indent="0" algn="l" defTabSz="1244600">
             <a:lnSpc>
               <a:spcPct val="90000"/>
             </a:lnSpc>
@@ -8594,15 +8536,15 @@
             <a:buNone/>
           </a:pPr>
           <a:r>
-            <a:rPr lang="en-US" sz="2700" kern="1200"/>
+            <a:rPr lang="en-US" sz="2800" kern="1200" dirty="0"/>
             <a:t>Cons</a:t>
           </a:r>
-          <a:endParaRPr lang="bg-BG" sz="2700" kern="1200"/>
+          <a:endParaRPr lang="bg-BG" sz="2800" kern="1200" dirty="0"/>
         </a:p>
       </dsp:txBody>
       <dsp:txXfrm>
-        <a:off x="31613" y="2696682"/>
-        <a:ext cx="8035268" cy="584369"/>
+        <a:off x="26361" y="2696796"/>
+        <a:ext cx="6897353" cy="487276"/>
       </dsp:txXfrm>
     </dsp:sp>
     <dsp:sp modelId="{9F24B2B3-2DD0-4DD5-B684-2FEAB92C83D3}">
@@ -8612,8 +8554,8 @@
       </dsp:nvSpPr>
       <dsp:spPr>
         <a:xfrm>
-          <a:off x="0" y="3312664"/>
-          <a:ext cx="8098494" cy="1648754"/>
+          <a:off x="0" y="3402659"/>
+          <a:ext cx="6950075" cy="2020320"/>
         </a:xfrm>
         <a:prstGeom prst="rect">
           <a:avLst/>
@@ -8637,12 +8579,12 @@
         <a:fontRef idx="minor"/>
       </dsp:style>
       <dsp:txBody>
-        <a:bodyPr spcFirstLastPara="0" vert="horz" wrap="square" lIns="257127" tIns="34290" rIns="192024" bIns="34290" numCol="1" spcCol="1270" anchor="t" anchorCtr="0">
+        <a:bodyPr spcFirstLastPara="0" vert="horz" wrap="square" lIns="220665" tIns="27940" rIns="156464" bIns="27940" numCol="1" spcCol="1270" anchor="t" anchorCtr="0">
           <a:noAutofit/>
         </a:bodyPr>
         <a:lstStyle/>
         <a:p>
-          <a:pPr marL="228600" lvl="1" indent="-228600" algn="l" defTabSz="933450">
+          <a:pPr marL="228600" lvl="1" indent="-228600" algn="l" defTabSz="977900">
             <a:lnSpc>
               <a:spcPct val="90000"/>
             </a:lnSpc>
@@ -8655,7 +8597,7 @@
             <a:buChar char="•"/>
           </a:pPr>
           <a:r>
-            <a:rPr lang="en-US" sz="2100" kern="1200" dirty="0">
+            <a:rPr lang="en-US" sz="2200" kern="1200" dirty="0">
               <a:solidFill>
                 <a:schemeClr val="bg1"/>
               </a:solidFill>
@@ -8663,14 +8605,14 @@
             </a:rPr>
             <a:t>Another repository that must be maintained</a:t>
           </a:r>
-          <a:endParaRPr lang="bg-BG" sz="2100" kern="1200" dirty="0">
+          <a:endParaRPr lang="bg-BG" sz="2200" kern="1200" dirty="0">
             <a:solidFill>
               <a:schemeClr val="bg1"/>
             </a:solidFill>
           </a:endParaRPr>
         </a:p>
         <a:p>
-          <a:pPr marL="228600" lvl="1" indent="-228600" algn="l" defTabSz="933450">
+          <a:pPr marL="228600" lvl="1" indent="-228600" algn="l" defTabSz="977900">
             <a:lnSpc>
               <a:spcPct val="90000"/>
             </a:lnSpc>
@@ -8683,7 +8625,7 @@
             <a:buChar char="•"/>
           </a:pPr>
           <a:r>
-            <a:rPr lang="en-US" sz="2100" kern="1200" dirty="0">
+            <a:rPr lang="en-US" sz="2200" kern="1200" dirty="0">
               <a:solidFill>
                 <a:schemeClr val="bg1"/>
               </a:solidFill>
@@ -8691,14 +8633,14 @@
             </a:rPr>
             <a:t>Delays when multiple teams depend on new features from future releases</a:t>
           </a:r>
-          <a:endParaRPr lang="bg-BG" sz="2100" kern="1200" dirty="0">
+          <a:endParaRPr lang="bg-BG" sz="2200" kern="1200" dirty="0">
             <a:solidFill>
               <a:schemeClr val="bg1"/>
             </a:solidFill>
           </a:endParaRPr>
         </a:p>
         <a:p>
-          <a:pPr marL="228600" lvl="1" indent="-228600" algn="l" defTabSz="933450">
+          <a:pPr marL="228600" lvl="1" indent="-228600" algn="l" defTabSz="977900">
             <a:lnSpc>
               <a:spcPct val="90000"/>
             </a:lnSpc>
@@ -8711,7 +8653,7 @@
             <a:buChar char="•"/>
           </a:pPr>
           <a:r>
-            <a:rPr lang="en-US" sz="2100" kern="1200" dirty="0">
+            <a:rPr lang="en-US" sz="2200" kern="1200" dirty="0">
               <a:solidFill>
                 <a:schemeClr val="bg1"/>
               </a:solidFill>
@@ -8719,7 +8661,7 @@
             </a:rPr>
             <a:t>Building adequate library usually takes a lot of effort</a:t>
           </a:r>
-          <a:endParaRPr lang="bg-BG" sz="2100" kern="1200" dirty="0">
+          <a:endParaRPr lang="bg-BG" sz="2200" kern="1200" dirty="0">
             <a:solidFill>
               <a:schemeClr val="bg1"/>
             </a:solidFill>
@@ -8727,8 +8669,8 @@
         </a:p>
       </dsp:txBody>
       <dsp:txXfrm>
-        <a:off x="0" y="3312664"/>
-        <a:ext cx="8098494" cy="1648754"/>
+        <a:off x="0" y="3402659"/>
+        <a:ext cx="6950075" cy="2020320"/>
       </dsp:txXfrm>
     </dsp:sp>
   </dsp:spTree>
@@ -15465,7 +15407,7 @@
           <a:p>
             <a:fld id="{3C984E42-C6CA-4C97-96C7-CA2C1EC7B515}" type="datetimeFigureOut">
               <a:rPr lang="bg-BG" smtClean="0"/>
-              <a:t>11.5.2019 г.</a:t>
+              <a:t>12.5.2019 г.</a:t>
             </a:fld>
             <a:endParaRPr lang="bg-BG"/>
           </a:p>
@@ -19171,7 +19113,7 @@
           <a:p>
             <a:fld id="{EEA75A29-027F-4D48-B08B-1161613C0818}" type="datetimeFigureOut">
               <a:rPr lang="bg-BG" smtClean="0"/>
-              <a:t>11.5.2019 г.</a:t>
+              <a:t>12.5.2019 г.</a:t>
             </a:fld>
             <a:endParaRPr lang="bg-BG"/>
           </a:p>
@@ -19371,7 +19313,7 @@
           <a:p>
             <a:fld id="{EEA75A29-027F-4D48-B08B-1161613C0818}" type="datetimeFigureOut">
               <a:rPr lang="bg-BG" smtClean="0"/>
-              <a:t>11.5.2019 г.</a:t>
+              <a:t>12.5.2019 г.</a:t>
             </a:fld>
             <a:endParaRPr lang="bg-BG"/>
           </a:p>
@@ -19581,7 +19523,7 @@
           <a:p>
             <a:fld id="{EEA75A29-027F-4D48-B08B-1161613C0818}" type="datetimeFigureOut">
               <a:rPr lang="bg-BG" smtClean="0"/>
-              <a:t>11.5.2019 г.</a:t>
+              <a:t>12.5.2019 г.</a:t>
             </a:fld>
             <a:endParaRPr lang="bg-BG"/>
           </a:p>
@@ -19781,7 +19723,7 @@
           <a:p>
             <a:fld id="{EEA75A29-027F-4D48-B08B-1161613C0818}" type="datetimeFigureOut">
               <a:rPr lang="bg-BG" smtClean="0"/>
-              <a:t>11.5.2019 г.</a:t>
+              <a:t>12.5.2019 г.</a:t>
             </a:fld>
             <a:endParaRPr lang="bg-BG"/>
           </a:p>
@@ -20057,7 +19999,7 @@
           <a:p>
             <a:fld id="{EEA75A29-027F-4D48-B08B-1161613C0818}" type="datetimeFigureOut">
               <a:rPr lang="bg-BG" smtClean="0"/>
-              <a:t>11.5.2019 г.</a:t>
+              <a:t>12.5.2019 г.</a:t>
             </a:fld>
             <a:endParaRPr lang="bg-BG"/>
           </a:p>
@@ -20325,7 +20267,7 @@
           <a:p>
             <a:fld id="{EEA75A29-027F-4D48-B08B-1161613C0818}" type="datetimeFigureOut">
               <a:rPr lang="bg-BG" smtClean="0"/>
-              <a:t>11.5.2019 г.</a:t>
+              <a:t>12.5.2019 г.</a:t>
             </a:fld>
             <a:endParaRPr lang="bg-BG"/>
           </a:p>
@@ -20740,7 +20682,7 @@
           <a:p>
             <a:fld id="{EEA75A29-027F-4D48-B08B-1161613C0818}" type="datetimeFigureOut">
               <a:rPr lang="bg-BG" smtClean="0"/>
-              <a:t>11.5.2019 г.</a:t>
+              <a:t>12.5.2019 г.</a:t>
             </a:fld>
             <a:endParaRPr lang="bg-BG"/>
           </a:p>
@@ -20882,7 +20824,7 @@
           <a:p>
             <a:fld id="{EEA75A29-027F-4D48-B08B-1161613C0818}" type="datetimeFigureOut">
               <a:rPr lang="bg-BG" smtClean="0"/>
-              <a:t>11.5.2019 г.</a:t>
+              <a:t>12.5.2019 г.</a:t>
             </a:fld>
             <a:endParaRPr lang="bg-BG"/>
           </a:p>
@@ -20995,7 +20937,7 @@
           <a:p>
             <a:fld id="{EEA75A29-027F-4D48-B08B-1161613C0818}" type="datetimeFigureOut">
               <a:rPr lang="bg-BG" smtClean="0"/>
-              <a:t>11.5.2019 г.</a:t>
+              <a:t>12.5.2019 г.</a:t>
             </a:fld>
             <a:endParaRPr lang="bg-BG"/>
           </a:p>
@@ -21308,7 +21250,7 @@
           <a:p>
             <a:fld id="{EEA75A29-027F-4D48-B08B-1161613C0818}" type="datetimeFigureOut">
               <a:rPr lang="bg-BG" smtClean="0"/>
-              <a:t>11.5.2019 г.</a:t>
+              <a:t>12.5.2019 г.</a:t>
             </a:fld>
             <a:endParaRPr lang="bg-BG"/>
           </a:p>
@@ -21597,7 +21539,7 @@
           <a:p>
             <a:fld id="{EEA75A29-027F-4D48-B08B-1161613C0818}" type="datetimeFigureOut">
               <a:rPr lang="bg-BG" smtClean="0"/>
-              <a:t>11.5.2019 г.</a:t>
+              <a:t>12.5.2019 г.</a:t>
             </a:fld>
             <a:endParaRPr lang="bg-BG"/>
           </a:p>
@@ -21840,7 +21782,7 @@
           <a:p>
             <a:fld id="{EEA75A29-027F-4D48-B08B-1161613C0818}" type="datetimeFigureOut">
               <a:rPr lang="bg-BG" smtClean="0"/>
-              <a:t>11.5.2019 г.</a:t>
+              <a:t>12.5.2019 г.</a:t>
             </a:fld>
             <a:endParaRPr lang="bg-BG"/>
           </a:p>
@@ -22922,7 +22864,7 @@
         </p:nvSpPr>
         <p:spPr bwMode="auto">
           <a:xfrm>
-            <a:off x="6123706" y="1908656"/>
+            <a:off x="6123706" y="2719148"/>
             <a:ext cx="4248727" cy="506796"/>
           </a:xfrm>
           <a:prstGeom prst="rect">
@@ -23169,265 +23111,6 @@
       </p:sp>
       <p:sp>
         <p:nvSpPr>
-          <p:cNvPr id="12" name="Text Placeholder 7">
-            <a:extLst>
-              <a:ext uri="{FF2B5EF4-FFF2-40B4-BE49-F238E27FC236}">
-                <a16:creationId xmlns:a16="http://schemas.microsoft.com/office/drawing/2014/main" id="{EBA61FC4-D80A-435C-B843-48032ACF0D9D}"/>
-              </a:ext>
-            </a:extLst>
-          </p:cNvPr>
-          <p:cNvSpPr txBox="1">
-            <a:spLocks/>
-          </p:cNvSpPr>
-          <p:nvPr/>
-        </p:nvSpPr>
-        <p:spPr bwMode="auto">
-          <a:xfrm>
-            <a:off x="6123706" y="2637341"/>
-            <a:ext cx="4887194" cy="959228"/>
-          </a:xfrm>
-          <a:prstGeom prst="rect">
-            <a:avLst/>
-          </a:prstGeom>
-          <a:noFill/>
-          <a:effectLst/>
-        </p:spPr>
-        <p:txBody>
-          <a:bodyPr vert="horz" wrap="square" lIns="36000" tIns="36000" rIns="36000" bIns="36000" rtlCol="0" anchor="ctr" anchorCtr="0">
-            <a:spAutoFit/>
-          </a:bodyPr>
-          <a:lstStyle>
-            <a:lvl1pPr marL="0" indent="0" algn="l" defTabSz="1218987" rtl="0" eaLnBrk="1" fontAlgn="base" latinLnBrk="0" hangingPunct="1">
-              <a:lnSpc>
-                <a:spcPct val="105000"/>
-              </a:lnSpc>
-              <a:spcBef>
-                <a:spcPct val="0"/>
-              </a:spcBef>
-              <a:spcAft>
-                <a:spcPct val="0"/>
-              </a:spcAft>
-              <a:buClr>
-                <a:srgbClr val="F2B254"/>
-              </a:buClr>
-              <a:buSzPct val="100000"/>
-              <a:buFont typeface="Wingdings" panose="05000000000000000000" pitchFamily="2" charset="2"/>
-              <a:buNone/>
-              <a:defRPr lang="en-US" sz="2300" b="1" kern="1200" dirty="0" smtClean="0">
-                <a:solidFill>
-                  <a:srgbClr val="F4B36C"/>
-                </a:solidFill>
-                <a:effectLst/>
-                <a:latin typeface="+mn-lt"/>
-                <a:ea typeface="+mn-ea"/>
-                <a:cs typeface="+mn-cs"/>
-              </a:defRPr>
-            </a:lvl1pPr>
-            <a:lvl2pPr marL="609493" indent="-231606" algn="l" defTabSz="1218987" rtl="0" eaLnBrk="1" latinLnBrk="0" hangingPunct="1">
-              <a:lnSpc>
-                <a:spcPct val="105000"/>
-              </a:lnSpc>
-              <a:spcBef>
-                <a:spcPts val="600"/>
-              </a:spcBef>
-              <a:spcAft>
-                <a:spcPts val="600"/>
-              </a:spcAft>
-              <a:buClr>
-                <a:schemeClr val="accent1"/>
-              </a:buClr>
-              <a:buSzPct val="80000"/>
-              <a:buFont typeface="Wingdings" panose="05000000000000000000" pitchFamily="2" charset="2"/>
-              <a:buChar char="§"/>
-              <a:defRPr sz="3200" b="0" kern="1200">
-                <a:solidFill>
-                  <a:schemeClr val="tx1"/>
-                </a:solidFill>
-                <a:latin typeface="+mn-lt"/>
-                <a:ea typeface="+mn-ea"/>
-                <a:cs typeface="+mn-cs"/>
-              </a:defRPr>
-            </a:lvl2pPr>
-            <a:lvl3pPr marL="914240" indent="-231606" algn="l" defTabSz="1218987" rtl="0" eaLnBrk="1" latinLnBrk="0" hangingPunct="1">
-              <a:lnSpc>
-                <a:spcPct val="105000"/>
-              </a:lnSpc>
-              <a:spcBef>
-                <a:spcPts val="600"/>
-              </a:spcBef>
-              <a:spcAft>
-                <a:spcPts val="600"/>
-              </a:spcAft>
-              <a:buClr>
-                <a:srgbClr val="EF9A1D"/>
-              </a:buClr>
-              <a:buSzPct val="80000"/>
-              <a:buFont typeface="Wingdings" panose="05000000000000000000" pitchFamily="2" charset="2"/>
-              <a:buChar char="§"/>
-              <a:defRPr sz="3000" b="0" kern="1200">
-                <a:solidFill>
-                  <a:schemeClr val="tx1"/>
-                </a:solidFill>
-                <a:latin typeface="+mn-lt"/>
-                <a:ea typeface="+mn-ea"/>
-                <a:cs typeface="+mn-cs"/>
-              </a:defRPr>
-            </a:lvl3pPr>
-            <a:lvl4pPr marL="1218987" indent="-231606" algn="l" defTabSz="1218987" rtl="0" eaLnBrk="1" latinLnBrk="0" hangingPunct="1">
-              <a:lnSpc>
-                <a:spcPct val="105000"/>
-              </a:lnSpc>
-              <a:spcBef>
-                <a:spcPts val="600"/>
-              </a:spcBef>
-              <a:spcAft>
-                <a:spcPts val="600"/>
-              </a:spcAft>
-              <a:buClr>
-                <a:srgbClr val="ED9411"/>
-              </a:buClr>
-              <a:buSzPct val="80000"/>
-              <a:buFont typeface="Wingdings" panose="05000000000000000000" pitchFamily="2" charset="2"/>
-              <a:buChar char="§"/>
-              <a:defRPr sz="2800" b="0" kern="1200">
-                <a:solidFill>
-                  <a:schemeClr val="tx1"/>
-                </a:solidFill>
-                <a:latin typeface="+mn-lt"/>
-                <a:ea typeface="+mn-ea"/>
-                <a:cs typeface="+mn-cs"/>
-              </a:defRPr>
-            </a:lvl4pPr>
-            <a:lvl5pPr marL="1523733" indent="-231606" algn="l" defTabSz="1218987" rtl="0" eaLnBrk="1" latinLnBrk="0" hangingPunct="1">
-              <a:lnSpc>
-                <a:spcPct val="105000"/>
-              </a:lnSpc>
-              <a:spcBef>
-                <a:spcPts val="600"/>
-              </a:spcBef>
-              <a:spcAft>
-                <a:spcPts val="600"/>
-              </a:spcAft>
-              <a:buClr>
-                <a:srgbClr val="E28D10"/>
-              </a:buClr>
-              <a:buSzPct val="80000"/>
-              <a:buFont typeface="Wingdings" panose="05000000000000000000" pitchFamily="2" charset="2"/>
-              <a:buChar char="§"/>
-              <a:defRPr sz="2600" b="0" kern="1200">
-                <a:solidFill>
-                  <a:schemeClr val="tx1"/>
-                </a:solidFill>
-                <a:latin typeface="+mn-lt"/>
-                <a:ea typeface="+mn-ea"/>
-                <a:cs typeface="+mn-cs"/>
-              </a:defRPr>
-            </a:lvl5pPr>
-            <a:lvl6pPr marL="1828480" indent="-231606" algn="l" defTabSz="1218987" rtl="0" eaLnBrk="1" latinLnBrk="0" hangingPunct="1">
-              <a:lnSpc>
-                <a:spcPct val="90000"/>
-              </a:lnSpc>
-              <a:spcBef>
-                <a:spcPts val="800"/>
-              </a:spcBef>
-              <a:buClr>
-                <a:schemeClr val="accent1"/>
-              </a:buClr>
-              <a:buSzPct val="80000"/>
-              <a:buFont typeface="Arial" pitchFamily="34" charset="0"/>
-              <a:buChar char="•"/>
-              <a:defRPr sz="2000" kern="1200">
-                <a:solidFill>
-                  <a:schemeClr val="tx1"/>
-                </a:solidFill>
-                <a:latin typeface="+mn-lt"/>
-                <a:ea typeface="+mn-ea"/>
-                <a:cs typeface="+mn-cs"/>
-              </a:defRPr>
-            </a:lvl6pPr>
-            <a:lvl7pPr marL="2133227" indent="-231606" algn="l" defTabSz="1218987" rtl="0" eaLnBrk="1" latinLnBrk="0" hangingPunct="1">
-              <a:lnSpc>
-                <a:spcPct val="90000"/>
-              </a:lnSpc>
-              <a:spcBef>
-                <a:spcPts val="800"/>
-              </a:spcBef>
-              <a:buClr>
-                <a:schemeClr val="accent1"/>
-              </a:buClr>
-              <a:buSzPct val="80000"/>
-              <a:buFont typeface="Arial" pitchFamily="34" charset="0"/>
-              <a:buChar char="•"/>
-              <a:defRPr sz="2000" kern="1200">
-                <a:solidFill>
-                  <a:schemeClr val="tx1"/>
-                </a:solidFill>
-                <a:latin typeface="+mn-lt"/>
-                <a:ea typeface="+mn-ea"/>
-                <a:cs typeface="+mn-cs"/>
-              </a:defRPr>
-            </a:lvl7pPr>
-            <a:lvl8pPr marL="2437972" indent="-231606" algn="l" defTabSz="1218987" rtl="0" eaLnBrk="1" latinLnBrk="0" hangingPunct="1">
-              <a:lnSpc>
-                <a:spcPct val="90000"/>
-              </a:lnSpc>
-              <a:spcBef>
-                <a:spcPts val="800"/>
-              </a:spcBef>
-              <a:buClr>
-                <a:schemeClr val="accent1"/>
-              </a:buClr>
-              <a:buSzPct val="80000"/>
-              <a:buFont typeface="Arial" pitchFamily="34" charset="0"/>
-              <a:buChar char="•"/>
-              <a:defRPr sz="2000" kern="1200" baseline="0">
-                <a:solidFill>
-                  <a:schemeClr val="tx1"/>
-                </a:solidFill>
-                <a:latin typeface="+mn-lt"/>
-                <a:ea typeface="+mn-ea"/>
-                <a:cs typeface="+mn-cs"/>
-              </a:defRPr>
-            </a:lvl8pPr>
-            <a:lvl9pPr marL="2742720" indent="-231606" algn="l" defTabSz="1218987" rtl="0" eaLnBrk="1" latinLnBrk="0" hangingPunct="1">
-              <a:lnSpc>
-                <a:spcPct val="90000"/>
-              </a:lnSpc>
-              <a:spcBef>
-                <a:spcPts val="800"/>
-              </a:spcBef>
-              <a:buClr>
-                <a:schemeClr val="accent1"/>
-              </a:buClr>
-              <a:buSzPct val="80000"/>
-              <a:buFont typeface="Arial" pitchFamily="34" charset="0"/>
-              <a:buChar char="•"/>
-              <a:defRPr sz="2000" kern="1200" baseline="0">
-                <a:solidFill>
-                  <a:schemeClr val="tx1"/>
-                </a:solidFill>
-                <a:latin typeface="+mn-lt"/>
-                <a:ea typeface="+mn-ea"/>
-                <a:cs typeface="+mn-cs"/>
-              </a:defRPr>
-            </a:lvl9pPr>
-          </a:lstStyle>
-          <a:p>
-            <a:r>
-              <a:rPr lang="en-US" sz="2800" dirty="0"/>
-              <a:t>Work:  Ex Technical trainer,</a:t>
-            </a:r>
-          </a:p>
-          <a:p>
-            <a:r>
-              <a:rPr lang="en-US" sz="2800" dirty="0"/>
-              <a:t>             FE Developer</a:t>
-            </a:r>
-          </a:p>
-        </p:txBody>
-      </p:sp>
-      <p:sp>
-        <p:nvSpPr>
           <p:cNvPr id="13" name="Text Placeholder 7">
             <a:extLst>
               <a:ext uri="{FF2B5EF4-FFF2-40B4-BE49-F238E27FC236}">
@@ -23442,7 +23125,7 @@
         </p:nvSpPr>
         <p:spPr bwMode="auto">
           <a:xfrm>
-            <a:off x="6096000" y="3652748"/>
+            <a:off x="6096000" y="3278672"/>
             <a:ext cx="4248727" cy="506796"/>
           </a:xfrm>
           <a:prstGeom prst="rect">
@@ -23905,14 +23588,14 @@
             <p:ph idx="1"/>
             <p:extLst>
               <p:ext uri="{D42A27DB-BD31-4B8C-83A1-F6EECF244321}">
-                <p14:modId xmlns:p14="http://schemas.microsoft.com/office/powerpoint/2010/main" val="834025206"/>
+                <p14:modId xmlns:p14="http://schemas.microsoft.com/office/powerpoint/2010/main" val="1107967995"/>
               </p:ext>
             </p:extLst>
           </p:nvPr>
         </p:nvGraphicFramePr>
         <p:xfrm>
-          <a:off x="2937675" y="336666"/>
-          <a:ext cx="8189900" cy="6184668"/>
+          <a:off x="3575050" y="259981"/>
+          <a:ext cx="6950075" cy="6184668"/>
         </p:xfrm>
         <a:graphic>
           <a:graphicData uri="http://schemas.openxmlformats.org/drawingml/2006/diagram">
@@ -23930,6 +23613,290 @@
   <p:clrMapOvr>
     <a:masterClrMapping/>
   </p:clrMapOvr>
+  <p:timing>
+    <p:tnLst>
+      <p:par>
+        <p:cTn id="1" dur="indefinite" restart="never" nodeType="tmRoot">
+          <p:childTnLst>
+            <p:seq concurrent="1" nextAc="seek">
+              <p:cTn id="2" dur="indefinite" nodeType="mainSeq">
+                <p:childTnLst>
+                  <p:par>
+                    <p:cTn id="3" fill="hold">
+                      <p:stCondLst>
+                        <p:cond delay="indefinite"/>
+                        <p:cond evt="onBegin" delay="0">
+                          <p:tn val="2"/>
+                        </p:cond>
+                      </p:stCondLst>
+                      <p:childTnLst>
+                        <p:par>
+                          <p:cTn id="4" fill="hold">
+                            <p:stCondLst>
+                              <p:cond delay="0"/>
+                            </p:stCondLst>
+                            <p:childTnLst>
+                              <p:par>
+                                <p:cTn id="5" presetID="10" presetClass="entr" presetSubtype="0" fill="hold" grpId="0" nodeType="withEffect">
+                                  <p:stCondLst>
+                                    <p:cond delay="0"/>
+                                  </p:stCondLst>
+                                  <p:childTnLst>
+                                    <p:set>
+                                      <p:cBhvr>
+                                        <p:cTn id="6" dur="1" fill="hold">
+                                          <p:stCondLst>
+                                            <p:cond delay="0"/>
+                                          </p:stCondLst>
+                                        </p:cTn>
+                                        <p:tgtEl>
+                                          <p:spTgt spid="3">
+                                            <p:graphicEl>
+                                              <a:dgm id="{D33A2FF8-A78E-4539-A2A5-886A470F6DDD}"/>
+                                            </p:graphicEl>
+                                          </p:spTgt>
+                                        </p:tgtEl>
+                                        <p:attrNameLst>
+                                          <p:attrName>style.visibility</p:attrName>
+                                        </p:attrNameLst>
+                                      </p:cBhvr>
+                                      <p:to>
+                                        <p:strVal val="visible"/>
+                                      </p:to>
+                                    </p:set>
+                                    <p:animEffect transition="in" filter="fade">
+                                      <p:cBhvr>
+                                        <p:cTn id="7" dur="500"/>
+                                        <p:tgtEl>
+                                          <p:spTgt spid="3">
+                                            <p:graphicEl>
+                                              <a:dgm id="{D33A2FF8-A78E-4539-A2A5-886A470F6DDD}"/>
+                                            </p:graphicEl>
+                                          </p:spTgt>
+                                        </p:tgtEl>
+                                      </p:cBhvr>
+                                    </p:animEffect>
+                                  </p:childTnLst>
+                                </p:cTn>
+                              </p:par>
+                            </p:childTnLst>
+                          </p:cTn>
+                        </p:par>
+                      </p:childTnLst>
+                    </p:cTn>
+                  </p:par>
+                  <p:par>
+                    <p:cTn id="8" fill="hold">
+                      <p:stCondLst>
+                        <p:cond delay="indefinite"/>
+                      </p:stCondLst>
+                      <p:childTnLst>
+                        <p:par>
+                          <p:cTn id="9" fill="hold">
+                            <p:stCondLst>
+                              <p:cond delay="0"/>
+                            </p:stCondLst>
+                            <p:childTnLst>
+                              <p:par>
+                                <p:cTn id="10" presetID="10" presetClass="entr" presetSubtype="0" fill="hold" grpId="0" nodeType="clickEffect">
+                                  <p:stCondLst>
+                                    <p:cond delay="0"/>
+                                  </p:stCondLst>
+                                  <p:childTnLst>
+                                    <p:set>
+                                      <p:cBhvr>
+                                        <p:cTn id="11" dur="1" fill="hold">
+                                          <p:stCondLst>
+                                            <p:cond delay="0"/>
+                                          </p:stCondLst>
+                                        </p:cTn>
+                                        <p:tgtEl>
+                                          <p:spTgt spid="3">
+                                            <p:graphicEl>
+                                              <a:dgm id="{63635E32-510A-4D0F-A6CB-514E1BB4A76A}"/>
+                                            </p:graphicEl>
+                                          </p:spTgt>
+                                        </p:tgtEl>
+                                        <p:attrNameLst>
+                                          <p:attrName>style.visibility</p:attrName>
+                                        </p:attrNameLst>
+                                      </p:cBhvr>
+                                      <p:to>
+                                        <p:strVal val="visible"/>
+                                      </p:to>
+                                    </p:set>
+                                    <p:animEffect transition="in" filter="fade">
+                                      <p:cBhvr>
+                                        <p:cTn id="12" dur="500"/>
+                                        <p:tgtEl>
+                                          <p:spTgt spid="3">
+                                            <p:graphicEl>
+                                              <a:dgm id="{63635E32-510A-4D0F-A6CB-514E1BB4A76A}"/>
+                                            </p:graphicEl>
+                                          </p:spTgt>
+                                        </p:tgtEl>
+                                      </p:cBhvr>
+                                    </p:animEffect>
+                                  </p:childTnLst>
+                                </p:cTn>
+                              </p:par>
+                            </p:childTnLst>
+                          </p:cTn>
+                        </p:par>
+                      </p:childTnLst>
+                    </p:cTn>
+                  </p:par>
+                  <p:par>
+                    <p:cTn id="13" fill="hold">
+                      <p:stCondLst>
+                        <p:cond delay="indefinite"/>
+                      </p:stCondLst>
+                      <p:childTnLst>
+                        <p:par>
+                          <p:cTn id="14" fill="hold">
+                            <p:stCondLst>
+                              <p:cond delay="0"/>
+                            </p:stCondLst>
+                            <p:childTnLst>
+                              <p:par>
+                                <p:cTn id="15" presetID="10" presetClass="entr" presetSubtype="0" fill="hold" grpId="0" nodeType="clickEffect">
+                                  <p:stCondLst>
+                                    <p:cond delay="0"/>
+                                  </p:stCondLst>
+                                  <p:childTnLst>
+                                    <p:set>
+                                      <p:cBhvr>
+                                        <p:cTn id="16" dur="1" fill="hold">
+                                          <p:stCondLst>
+                                            <p:cond delay="0"/>
+                                          </p:stCondLst>
+                                        </p:cTn>
+                                        <p:tgtEl>
+                                          <p:spTgt spid="3">
+                                            <p:graphicEl>
+                                              <a:dgm id="{3DAD15C5-E00E-46B2-8F9F-C16C26702240}"/>
+                                            </p:graphicEl>
+                                          </p:spTgt>
+                                        </p:tgtEl>
+                                        <p:attrNameLst>
+                                          <p:attrName>style.visibility</p:attrName>
+                                        </p:attrNameLst>
+                                      </p:cBhvr>
+                                      <p:to>
+                                        <p:strVal val="visible"/>
+                                      </p:to>
+                                    </p:set>
+                                    <p:animEffect transition="in" filter="fade">
+                                      <p:cBhvr>
+                                        <p:cTn id="17" dur="500"/>
+                                        <p:tgtEl>
+                                          <p:spTgt spid="3">
+                                            <p:graphicEl>
+                                              <a:dgm id="{3DAD15C5-E00E-46B2-8F9F-C16C26702240}"/>
+                                            </p:graphicEl>
+                                          </p:spTgt>
+                                        </p:tgtEl>
+                                      </p:cBhvr>
+                                    </p:animEffect>
+                                  </p:childTnLst>
+                                </p:cTn>
+                              </p:par>
+                            </p:childTnLst>
+                          </p:cTn>
+                        </p:par>
+                      </p:childTnLst>
+                    </p:cTn>
+                  </p:par>
+                  <p:par>
+                    <p:cTn id="18" fill="hold">
+                      <p:stCondLst>
+                        <p:cond delay="indefinite"/>
+                      </p:stCondLst>
+                      <p:childTnLst>
+                        <p:par>
+                          <p:cTn id="19" fill="hold">
+                            <p:stCondLst>
+                              <p:cond delay="0"/>
+                            </p:stCondLst>
+                            <p:childTnLst>
+                              <p:par>
+                                <p:cTn id="20" presetID="10" presetClass="entr" presetSubtype="0" fill="hold" grpId="0" nodeType="clickEffect">
+                                  <p:stCondLst>
+                                    <p:cond delay="0"/>
+                                  </p:stCondLst>
+                                  <p:childTnLst>
+                                    <p:set>
+                                      <p:cBhvr>
+                                        <p:cTn id="21" dur="1" fill="hold">
+                                          <p:stCondLst>
+                                            <p:cond delay="0"/>
+                                          </p:stCondLst>
+                                        </p:cTn>
+                                        <p:tgtEl>
+                                          <p:spTgt spid="3">
+                                            <p:graphicEl>
+                                              <a:dgm id="{9F24B2B3-2DD0-4DD5-B684-2FEAB92C83D3}"/>
+                                            </p:graphicEl>
+                                          </p:spTgt>
+                                        </p:tgtEl>
+                                        <p:attrNameLst>
+                                          <p:attrName>style.visibility</p:attrName>
+                                        </p:attrNameLst>
+                                      </p:cBhvr>
+                                      <p:to>
+                                        <p:strVal val="visible"/>
+                                      </p:to>
+                                    </p:set>
+                                    <p:animEffect transition="in" filter="fade">
+                                      <p:cBhvr>
+                                        <p:cTn id="22" dur="500"/>
+                                        <p:tgtEl>
+                                          <p:spTgt spid="3">
+                                            <p:graphicEl>
+                                              <a:dgm id="{9F24B2B3-2DD0-4DD5-B684-2FEAB92C83D3}"/>
+                                            </p:graphicEl>
+                                          </p:spTgt>
+                                        </p:tgtEl>
+                                      </p:cBhvr>
+                                    </p:animEffect>
+                                  </p:childTnLst>
+                                </p:cTn>
+                              </p:par>
+                            </p:childTnLst>
+                          </p:cTn>
+                        </p:par>
+                      </p:childTnLst>
+                    </p:cTn>
+                  </p:par>
+                </p:childTnLst>
+              </p:cTn>
+              <p:prevCondLst>
+                <p:cond evt="onPrev" delay="0">
+                  <p:tgtEl>
+                    <p:sldTgt/>
+                  </p:tgtEl>
+                </p:cond>
+              </p:prevCondLst>
+              <p:nextCondLst>
+                <p:cond evt="onNext" delay="0">
+                  <p:tgtEl>
+                    <p:sldTgt/>
+                  </p:tgtEl>
+                </p:cond>
+              </p:nextCondLst>
+            </p:seq>
+          </p:childTnLst>
+        </p:cTn>
+      </p:par>
+    </p:tnLst>
+    <p:bldLst>
+      <p:bldGraphic spid="3" grpId="0" uiExpand="1">
+        <p:bldSub>
+          <a:bldDgm bld="one"/>
+        </p:bldSub>
+      </p:bldGraphic>
+    </p:bldLst>
+  </p:timing>
 </p:sld>
 </file>
 
@@ -24988,6 +24955,341 @@
   <p:clrMapOvr>
     <a:masterClrMapping/>
   </p:clrMapOvr>
+  <p:timing>
+    <p:tnLst>
+      <p:par>
+        <p:cTn id="1" dur="indefinite" restart="never" nodeType="tmRoot">
+          <p:childTnLst>
+            <p:seq concurrent="1" nextAc="seek">
+              <p:cTn id="2" dur="indefinite" nodeType="mainSeq">
+                <p:childTnLst>
+                  <p:par>
+                    <p:cTn id="3" fill="hold">
+                      <p:stCondLst>
+                        <p:cond delay="indefinite"/>
+                      </p:stCondLst>
+                      <p:childTnLst>
+                        <p:par>
+                          <p:cTn id="4" fill="hold">
+                            <p:stCondLst>
+                              <p:cond delay="0"/>
+                            </p:stCondLst>
+                            <p:childTnLst>
+                              <p:par>
+                                <p:cTn id="5" presetID="22" presetClass="entr" presetSubtype="1" fill="hold" grpId="0" nodeType="clickEffect">
+                                  <p:stCondLst>
+                                    <p:cond delay="0"/>
+                                  </p:stCondLst>
+                                  <p:childTnLst>
+                                    <p:set>
+                                      <p:cBhvr>
+                                        <p:cTn id="6" dur="1" fill="hold">
+                                          <p:stCondLst>
+                                            <p:cond delay="0"/>
+                                          </p:stCondLst>
+                                        </p:cTn>
+                                        <p:tgtEl>
+                                          <p:spTgt spid="12"/>
+                                        </p:tgtEl>
+                                        <p:attrNameLst>
+                                          <p:attrName>style.visibility</p:attrName>
+                                        </p:attrNameLst>
+                                      </p:cBhvr>
+                                      <p:to>
+                                        <p:strVal val="visible"/>
+                                      </p:to>
+                                    </p:set>
+                                    <p:animEffect transition="in" filter="wipe(up)">
+                                      <p:cBhvr>
+                                        <p:cTn id="7" dur="500"/>
+                                        <p:tgtEl>
+                                          <p:spTgt spid="12"/>
+                                        </p:tgtEl>
+                                      </p:cBhvr>
+                                    </p:animEffect>
+                                  </p:childTnLst>
+                                </p:cTn>
+                              </p:par>
+                            </p:childTnLst>
+                          </p:cTn>
+                        </p:par>
+                      </p:childTnLst>
+                    </p:cTn>
+                  </p:par>
+                  <p:par>
+                    <p:cTn id="8" fill="hold">
+                      <p:stCondLst>
+                        <p:cond delay="indefinite"/>
+                      </p:stCondLst>
+                      <p:childTnLst>
+                        <p:par>
+                          <p:cTn id="9" fill="hold">
+                            <p:stCondLst>
+                              <p:cond delay="0"/>
+                            </p:stCondLst>
+                            <p:childTnLst>
+                              <p:par>
+                                <p:cTn id="10" presetID="22" presetClass="entr" presetSubtype="8" fill="hold" nodeType="clickEffect">
+                                  <p:stCondLst>
+                                    <p:cond delay="0"/>
+                                  </p:stCondLst>
+                                  <p:childTnLst>
+                                    <p:set>
+                                      <p:cBhvr>
+                                        <p:cTn id="11" dur="1" fill="hold">
+                                          <p:stCondLst>
+                                            <p:cond delay="0"/>
+                                          </p:stCondLst>
+                                        </p:cTn>
+                                        <p:tgtEl>
+                                          <p:spTgt spid="13"/>
+                                        </p:tgtEl>
+                                        <p:attrNameLst>
+                                          <p:attrName>style.visibility</p:attrName>
+                                        </p:attrNameLst>
+                                      </p:cBhvr>
+                                      <p:to>
+                                        <p:strVal val="visible"/>
+                                      </p:to>
+                                    </p:set>
+                                    <p:animEffect transition="in" filter="wipe(left)">
+                                      <p:cBhvr>
+                                        <p:cTn id="12" dur="500"/>
+                                        <p:tgtEl>
+                                          <p:spTgt spid="13"/>
+                                        </p:tgtEl>
+                                      </p:cBhvr>
+                                    </p:animEffect>
+                                  </p:childTnLst>
+                                </p:cTn>
+                              </p:par>
+                            </p:childTnLst>
+                          </p:cTn>
+                        </p:par>
+                      </p:childTnLst>
+                    </p:cTn>
+                  </p:par>
+                  <p:par>
+                    <p:cTn id="13" fill="hold">
+                      <p:stCondLst>
+                        <p:cond delay="indefinite"/>
+                      </p:stCondLst>
+                      <p:childTnLst>
+                        <p:par>
+                          <p:cTn id="14" fill="hold">
+                            <p:stCondLst>
+                              <p:cond delay="0"/>
+                            </p:stCondLst>
+                            <p:childTnLst>
+                              <p:par>
+                                <p:cTn id="15" presetID="22" presetClass="entr" presetSubtype="8" fill="hold" grpId="0" nodeType="clickEffect">
+                                  <p:stCondLst>
+                                    <p:cond delay="0"/>
+                                  </p:stCondLst>
+                                  <p:childTnLst>
+                                    <p:set>
+                                      <p:cBhvr>
+                                        <p:cTn id="16" dur="1" fill="hold">
+                                          <p:stCondLst>
+                                            <p:cond delay="0"/>
+                                          </p:stCondLst>
+                                        </p:cTn>
+                                        <p:tgtEl>
+                                          <p:spTgt spid="17"/>
+                                        </p:tgtEl>
+                                        <p:attrNameLst>
+                                          <p:attrName>style.visibility</p:attrName>
+                                        </p:attrNameLst>
+                                      </p:cBhvr>
+                                      <p:to>
+                                        <p:strVal val="visible"/>
+                                      </p:to>
+                                    </p:set>
+                                    <p:animEffect transition="in" filter="wipe(left)">
+                                      <p:cBhvr>
+                                        <p:cTn id="17" dur="500"/>
+                                        <p:tgtEl>
+                                          <p:spTgt spid="17"/>
+                                        </p:tgtEl>
+                                      </p:cBhvr>
+                                    </p:animEffect>
+                                  </p:childTnLst>
+                                </p:cTn>
+                              </p:par>
+                            </p:childTnLst>
+                          </p:cTn>
+                        </p:par>
+                        <p:par>
+                          <p:cTn id="18" fill="hold">
+                            <p:stCondLst>
+                              <p:cond delay="500"/>
+                            </p:stCondLst>
+                            <p:childTnLst>
+                              <p:par>
+                                <p:cTn id="19" presetID="22" presetClass="entr" presetSubtype="8" fill="hold" nodeType="afterEffect">
+                                  <p:stCondLst>
+                                    <p:cond delay="0"/>
+                                  </p:stCondLst>
+                                  <p:childTnLst>
+                                    <p:set>
+                                      <p:cBhvr>
+                                        <p:cTn id="20" dur="1" fill="hold">
+                                          <p:stCondLst>
+                                            <p:cond delay="0"/>
+                                          </p:stCondLst>
+                                        </p:cTn>
+                                        <p:tgtEl>
+                                          <p:spTgt spid="16"/>
+                                        </p:tgtEl>
+                                        <p:attrNameLst>
+                                          <p:attrName>style.visibility</p:attrName>
+                                        </p:attrNameLst>
+                                      </p:cBhvr>
+                                      <p:to>
+                                        <p:strVal val="visible"/>
+                                      </p:to>
+                                    </p:set>
+                                    <p:animEffect transition="in" filter="wipe(left)">
+                                      <p:cBhvr>
+                                        <p:cTn id="21" dur="500"/>
+                                        <p:tgtEl>
+                                          <p:spTgt spid="16"/>
+                                        </p:tgtEl>
+                                      </p:cBhvr>
+                                    </p:animEffect>
+                                  </p:childTnLst>
+                                </p:cTn>
+                              </p:par>
+                            </p:childTnLst>
+                          </p:cTn>
+                        </p:par>
+                      </p:childTnLst>
+                    </p:cTn>
+                  </p:par>
+                  <p:par>
+                    <p:cTn id="22" fill="hold">
+                      <p:stCondLst>
+                        <p:cond delay="indefinite"/>
+                      </p:stCondLst>
+                      <p:childTnLst>
+                        <p:par>
+                          <p:cTn id="23" fill="hold">
+                            <p:stCondLst>
+                              <p:cond delay="0"/>
+                            </p:stCondLst>
+                            <p:childTnLst>
+                              <p:par>
+                                <p:cTn id="24" presetID="22" presetClass="entr" presetSubtype="8" fill="hold" grpId="0" nodeType="clickEffect">
+                                  <p:stCondLst>
+                                    <p:cond delay="0"/>
+                                  </p:stCondLst>
+                                  <p:childTnLst>
+                                    <p:set>
+                                      <p:cBhvr>
+                                        <p:cTn id="25" dur="1" fill="hold">
+                                          <p:stCondLst>
+                                            <p:cond delay="0"/>
+                                          </p:stCondLst>
+                                        </p:cTn>
+                                        <p:tgtEl>
+                                          <p:spTgt spid="14"/>
+                                        </p:tgtEl>
+                                        <p:attrNameLst>
+                                          <p:attrName>style.visibility</p:attrName>
+                                        </p:attrNameLst>
+                                      </p:cBhvr>
+                                      <p:to>
+                                        <p:strVal val="visible"/>
+                                      </p:to>
+                                    </p:set>
+                                    <p:animEffect transition="in" filter="wipe(left)">
+                                      <p:cBhvr>
+                                        <p:cTn id="26" dur="500"/>
+                                        <p:tgtEl>
+                                          <p:spTgt spid="14"/>
+                                        </p:tgtEl>
+                                      </p:cBhvr>
+                                    </p:animEffect>
+                                  </p:childTnLst>
+                                </p:cTn>
+                              </p:par>
+                            </p:childTnLst>
+                          </p:cTn>
+                        </p:par>
+                        <p:par>
+                          <p:cTn id="27" fill="hold">
+                            <p:stCondLst>
+                              <p:cond delay="500"/>
+                            </p:stCondLst>
+                            <p:childTnLst>
+                              <p:par>
+                                <p:cTn id="28" presetID="22" presetClass="entr" presetSubtype="8" fill="hold" nodeType="afterEffect">
+                                  <p:stCondLst>
+                                    <p:cond delay="0"/>
+                                  </p:stCondLst>
+                                  <p:childTnLst>
+                                    <p:set>
+                                      <p:cBhvr>
+                                        <p:cTn id="29" dur="1" fill="hold">
+                                          <p:stCondLst>
+                                            <p:cond delay="0"/>
+                                          </p:stCondLst>
+                                        </p:cTn>
+                                        <p:tgtEl>
+                                          <p:spTgt spid="15"/>
+                                        </p:tgtEl>
+                                        <p:attrNameLst>
+                                          <p:attrName>style.visibility</p:attrName>
+                                        </p:attrNameLst>
+                                      </p:cBhvr>
+                                      <p:to>
+                                        <p:strVal val="visible"/>
+                                      </p:to>
+                                    </p:set>
+                                    <p:animEffect transition="in" filter="wipe(left)">
+                                      <p:cBhvr>
+                                        <p:cTn id="30" dur="500"/>
+                                        <p:tgtEl>
+                                          <p:spTgt spid="15"/>
+                                        </p:tgtEl>
+                                      </p:cBhvr>
+                                    </p:animEffect>
+                                  </p:childTnLst>
+                                </p:cTn>
+                              </p:par>
+                            </p:childTnLst>
+                          </p:cTn>
+                        </p:par>
+                      </p:childTnLst>
+                    </p:cTn>
+                  </p:par>
+                </p:childTnLst>
+              </p:cTn>
+              <p:prevCondLst>
+                <p:cond evt="onPrev" delay="0">
+                  <p:tgtEl>
+                    <p:sldTgt/>
+                  </p:tgtEl>
+                </p:cond>
+              </p:prevCondLst>
+              <p:nextCondLst>
+                <p:cond evt="onNext" delay="0">
+                  <p:tgtEl>
+                    <p:sldTgt/>
+                  </p:tgtEl>
+                </p:cond>
+              </p:nextCondLst>
+            </p:seq>
+          </p:childTnLst>
+        </p:cTn>
+      </p:par>
+    </p:tnLst>
+    <p:bldLst>
+      <p:bldP spid="12" grpId="0" animBg="1"/>
+      <p:bldP spid="14" grpId="0" animBg="1"/>
+      <p:bldP spid="17" grpId="0" animBg="1"/>
+    </p:bldLst>
+  </p:timing>
 </p:sld>
 </file>
 
@@ -25645,72 +25947,6 @@
       </p:grpSpPr>
       <p:sp>
         <p:nvSpPr>
-          <p:cNvPr id="7" name="Title 1">
-            <a:extLst>
-              <a:ext uri="{FF2B5EF4-FFF2-40B4-BE49-F238E27FC236}">
-                <a16:creationId xmlns:a16="http://schemas.microsoft.com/office/drawing/2014/main" id="{209880CF-D588-478D-8E91-2EE390A6C31A}"/>
-              </a:ext>
-            </a:extLst>
-          </p:cNvPr>
-          <p:cNvSpPr txBox="1">
-            <a:spLocks/>
-          </p:cNvSpPr>
-          <p:nvPr/>
-        </p:nvSpPr>
-        <p:spPr>
-          <a:xfrm>
-            <a:off x="3721430" y="344779"/>
-            <a:ext cx="6622390" cy="1325563"/>
-          </a:xfrm>
-          <a:prstGeom prst="rect">
-            <a:avLst/>
-          </a:prstGeom>
-        </p:spPr>
-        <p:txBody>
-          <a:bodyPr vert="horz" lIns="91440" tIns="45720" rIns="91440" bIns="45720" rtlCol="0" anchor="ctr">
-            <a:normAutofit/>
-          </a:bodyPr>
-          <a:lstStyle>
-            <a:lvl1pPr algn="l" defTabSz="914400" rtl="0" eaLnBrk="1" latinLnBrk="0" hangingPunct="1">
-              <a:lnSpc>
-                <a:spcPct val="90000"/>
-              </a:lnSpc>
-              <a:spcBef>
-                <a:spcPct val="0"/>
-              </a:spcBef>
-              <a:buNone/>
-              <a:defRPr sz="4400" kern="1200">
-                <a:solidFill>
-                  <a:schemeClr val="tx1"/>
-                </a:solidFill>
-                <a:latin typeface="+mj-lt"/>
-                <a:ea typeface="+mj-ea"/>
-                <a:cs typeface="+mj-cs"/>
-              </a:defRPr>
-            </a:lvl1pPr>
-          </a:lstStyle>
-          <a:p>
-            <a:pPr algn="ctr"/>
-            <a:r>
-              <a:rPr lang="en-GB" dirty="0">
-                <a:solidFill>
-                  <a:schemeClr val="bg1"/>
-                </a:solidFill>
-                <a:latin typeface="Consolas" panose="020B0609020204030204" pitchFamily="49" charset="0"/>
-              </a:rPr>
-              <a:t>Demo</a:t>
-            </a:r>
-            <a:endParaRPr lang="bg-BG" dirty="0">
-              <a:solidFill>
-                <a:schemeClr val="bg1"/>
-              </a:solidFill>
-              <a:latin typeface="Consolas" panose="020B0609020204030204" pitchFamily="49" charset="0"/>
-            </a:endParaRPr>
-          </a:p>
-        </p:txBody>
-      </p:sp>
-      <p:sp>
-        <p:nvSpPr>
           <p:cNvPr id="8" name="Rectangle 7">
             <a:extLst>
               <a:ext uri="{FF2B5EF4-FFF2-40B4-BE49-F238E27FC236}">
@@ -25893,14 +26129,14 @@
             <p:ph idx="1"/>
             <p:extLst>
               <p:ext uri="{D42A27DB-BD31-4B8C-83A1-F6EECF244321}">
-                <p14:modId xmlns:p14="http://schemas.microsoft.com/office/powerpoint/2010/main" val="2543600792"/>
+                <p14:modId xmlns:p14="http://schemas.microsoft.com/office/powerpoint/2010/main" val="2899880648"/>
               </p:ext>
             </p:extLst>
           </p:nvPr>
         </p:nvGraphicFramePr>
         <p:xfrm>
-          <a:off x="3697267" y="1554479"/>
-          <a:ext cx="8098494" cy="4966853"/>
+          <a:off x="3584575" y="512763"/>
+          <a:ext cx="6950075" cy="5497221"/>
         </p:xfrm>
         <a:graphic>
           <a:graphicData uri="http://schemas.openxmlformats.org/drawingml/2006/diagram">
@@ -25918,6 +26154,290 @@
   <p:clrMapOvr>
     <a:masterClrMapping/>
   </p:clrMapOvr>
+  <p:timing>
+    <p:tnLst>
+      <p:par>
+        <p:cTn id="1" dur="indefinite" restart="never" nodeType="tmRoot">
+          <p:childTnLst>
+            <p:seq concurrent="1" nextAc="seek">
+              <p:cTn id="2" dur="indefinite" nodeType="mainSeq">
+                <p:childTnLst>
+                  <p:par>
+                    <p:cTn id="3" fill="hold">
+                      <p:stCondLst>
+                        <p:cond delay="indefinite"/>
+                        <p:cond evt="onBegin" delay="0">
+                          <p:tn val="2"/>
+                        </p:cond>
+                      </p:stCondLst>
+                      <p:childTnLst>
+                        <p:par>
+                          <p:cTn id="4" fill="hold">
+                            <p:stCondLst>
+                              <p:cond delay="0"/>
+                            </p:stCondLst>
+                            <p:childTnLst>
+                              <p:par>
+                                <p:cTn id="5" presetID="10" presetClass="entr" presetSubtype="0" fill="hold" grpId="0" nodeType="withEffect">
+                                  <p:stCondLst>
+                                    <p:cond delay="0"/>
+                                  </p:stCondLst>
+                                  <p:childTnLst>
+                                    <p:set>
+                                      <p:cBhvr>
+                                        <p:cTn id="6" dur="1" fill="hold">
+                                          <p:stCondLst>
+                                            <p:cond delay="0"/>
+                                          </p:stCondLst>
+                                        </p:cTn>
+                                        <p:tgtEl>
+                                          <p:spTgt spid="9">
+                                            <p:graphicEl>
+                                              <a:dgm id="{D33A2FF8-A78E-4539-A2A5-886A470F6DDD}"/>
+                                            </p:graphicEl>
+                                          </p:spTgt>
+                                        </p:tgtEl>
+                                        <p:attrNameLst>
+                                          <p:attrName>style.visibility</p:attrName>
+                                        </p:attrNameLst>
+                                      </p:cBhvr>
+                                      <p:to>
+                                        <p:strVal val="visible"/>
+                                      </p:to>
+                                    </p:set>
+                                    <p:animEffect transition="in" filter="fade">
+                                      <p:cBhvr>
+                                        <p:cTn id="7" dur="500"/>
+                                        <p:tgtEl>
+                                          <p:spTgt spid="9">
+                                            <p:graphicEl>
+                                              <a:dgm id="{D33A2FF8-A78E-4539-A2A5-886A470F6DDD}"/>
+                                            </p:graphicEl>
+                                          </p:spTgt>
+                                        </p:tgtEl>
+                                      </p:cBhvr>
+                                    </p:animEffect>
+                                  </p:childTnLst>
+                                </p:cTn>
+                              </p:par>
+                            </p:childTnLst>
+                          </p:cTn>
+                        </p:par>
+                      </p:childTnLst>
+                    </p:cTn>
+                  </p:par>
+                  <p:par>
+                    <p:cTn id="8" fill="hold">
+                      <p:stCondLst>
+                        <p:cond delay="indefinite"/>
+                      </p:stCondLst>
+                      <p:childTnLst>
+                        <p:par>
+                          <p:cTn id="9" fill="hold">
+                            <p:stCondLst>
+                              <p:cond delay="0"/>
+                            </p:stCondLst>
+                            <p:childTnLst>
+                              <p:par>
+                                <p:cTn id="10" presetID="10" presetClass="entr" presetSubtype="0" fill="hold" grpId="0" nodeType="clickEffect">
+                                  <p:stCondLst>
+                                    <p:cond delay="0"/>
+                                  </p:stCondLst>
+                                  <p:childTnLst>
+                                    <p:set>
+                                      <p:cBhvr>
+                                        <p:cTn id="11" dur="1" fill="hold">
+                                          <p:stCondLst>
+                                            <p:cond delay="0"/>
+                                          </p:stCondLst>
+                                        </p:cTn>
+                                        <p:tgtEl>
+                                          <p:spTgt spid="9">
+                                            <p:graphicEl>
+                                              <a:dgm id="{63635E32-510A-4D0F-A6CB-514E1BB4A76A}"/>
+                                            </p:graphicEl>
+                                          </p:spTgt>
+                                        </p:tgtEl>
+                                        <p:attrNameLst>
+                                          <p:attrName>style.visibility</p:attrName>
+                                        </p:attrNameLst>
+                                      </p:cBhvr>
+                                      <p:to>
+                                        <p:strVal val="visible"/>
+                                      </p:to>
+                                    </p:set>
+                                    <p:animEffect transition="in" filter="fade">
+                                      <p:cBhvr>
+                                        <p:cTn id="12" dur="500"/>
+                                        <p:tgtEl>
+                                          <p:spTgt spid="9">
+                                            <p:graphicEl>
+                                              <a:dgm id="{63635E32-510A-4D0F-A6CB-514E1BB4A76A}"/>
+                                            </p:graphicEl>
+                                          </p:spTgt>
+                                        </p:tgtEl>
+                                      </p:cBhvr>
+                                    </p:animEffect>
+                                  </p:childTnLst>
+                                </p:cTn>
+                              </p:par>
+                            </p:childTnLst>
+                          </p:cTn>
+                        </p:par>
+                      </p:childTnLst>
+                    </p:cTn>
+                  </p:par>
+                  <p:par>
+                    <p:cTn id="13" fill="hold">
+                      <p:stCondLst>
+                        <p:cond delay="indefinite"/>
+                      </p:stCondLst>
+                      <p:childTnLst>
+                        <p:par>
+                          <p:cTn id="14" fill="hold">
+                            <p:stCondLst>
+                              <p:cond delay="0"/>
+                            </p:stCondLst>
+                            <p:childTnLst>
+                              <p:par>
+                                <p:cTn id="15" presetID="10" presetClass="entr" presetSubtype="0" fill="hold" grpId="0" nodeType="clickEffect">
+                                  <p:stCondLst>
+                                    <p:cond delay="0"/>
+                                  </p:stCondLst>
+                                  <p:childTnLst>
+                                    <p:set>
+                                      <p:cBhvr>
+                                        <p:cTn id="16" dur="1" fill="hold">
+                                          <p:stCondLst>
+                                            <p:cond delay="0"/>
+                                          </p:stCondLst>
+                                        </p:cTn>
+                                        <p:tgtEl>
+                                          <p:spTgt spid="9">
+                                            <p:graphicEl>
+                                              <a:dgm id="{3DAD15C5-E00E-46B2-8F9F-C16C26702240}"/>
+                                            </p:graphicEl>
+                                          </p:spTgt>
+                                        </p:tgtEl>
+                                        <p:attrNameLst>
+                                          <p:attrName>style.visibility</p:attrName>
+                                        </p:attrNameLst>
+                                      </p:cBhvr>
+                                      <p:to>
+                                        <p:strVal val="visible"/>
+                                      </p:to>
+                                    </p:set>
+                                    <p:animEffect transition="in" filter="fade">
+                                      <p:cBhvr>
+                                        <p:cTn id="17" dur="500"/>
+                                        <p:tgtEl>
+                                          <p:spTgt spid="9">
+                                            <p:graphicEl>
+                                              <a:dgm id="{3DAD15C5-E00E-46B2-8F9F-C16C26702240}"/>
+                                            </p:graphicEl>
+                                          </p:spTgt>
+                                        </p:tgtEl>
+                                      </p:cBhvr>
+                                    </p:animEffect>
+                                  </p:childTnLst>
+                                </p:cTn>
+                              </p:par>
+                            </p:childTnLst>
+                          </p:cTn>
+                        </p:par>
+                      </p:childTnLst>
+                    </p:cTn>
+                  </p:par>
+                  <p:par>
+                    <p:cTn id="18" fill="hold">
+                      <p:stCondLst>
+                        <p:cond delay="indefinite"/>
+                      </p:stCondLst>
+                      <p:childTnLst>
+                        <p:par>
+                          <p:cTn id="19" fill="hold">
+                            <p:stCondLst>
+                              <p:cond delay="0"/>
+                            </p:stCondLst>
+                            <p:childTnLst>
+                              <p:par>
+                                <p:cTn id="20" presetID="10" presetClass="entr" presetSubtype="0" fill="hold" grpId="0" nodeType="clickEffect">
+                                  <p:stCondLst>
+                                    <p:cond delay="0"/>
+                                  </p:stCondLst>
+                                  <p:childTnLst>
+                                    <p:set>
+                                      <p:cBhvr>
+                                        <p:cTn id="21" dur="1" fill="hold">
+                                          <p:stCondLst>
+                                            <p:cond delay="0"/>
+                                          </p:stCondLst>
+                                        </p:cTn>
+                                        <p:tgtEl>
+                                          <p:spTgt spid="9">
+                                            <p:graphicEl>
+                                              <a:dgm id="{9F24B2B3-2DD0-4DD5-B684-2FEAB92C83D3}"/>
+                                            </p:graphicEl>
+                                          </p:spTgt>
+                                        </p:tgtEl>
+                                        <p:attrNameLst>
+                                          <p:attrName>style.visibility</p:attrName>
+                                        </p:attrNameLst>
+                                      </p:cBhvr>
+                                      <p:to>
+                                        <p:strVal val="visible"/>
+                                      </p:to>
+                                    </p:set>
+                                    <p:animEffect transition="in" filter="fade">
+                                      <p:cBhvr>
+                                        <p:cTn id="22" dur="500"/>
+                                        <p:tgtEl>
+                                          <p:spTgt spid="9">
+                                            <p:graphicEl>
+                                              <a:dgm id="{9F24B2B3-2DD0-4DD5-B684-2FEAB92C83D3}"/>
+                                            </p:graphicEl>
+                                          </p:spTgt>
+                                        </p:tgtEl>
+                                      </p:cBhvr>
+                                    </p:animEffect>
+                                  </p:childTnLst>
+                                </p:cTn>
+                              </p:par>
+                            </p:childTnLst>
+                          </p:cTn>
+                        </p:par>
+                      </p:childTnLst>
+                    </p:cTn>
+                  </p:par>
+                </p:childTnLst>
+              </p:cTn>
+              <p:prevCondLst>
+                <p:cond evt="onPrev" delay="0">
+                  <p:tgtEl>
+                    <p:sldTgt/>
+                  </p:tgtEl>
+                </p:cond>
+              </p:prevCondLst>
+              <p:nextCondLst>
+                <p:cond evt="onNext" delay="0">
+                  <p:tgtEl>
+                    <p:sldTgt/>
+                  </p:tgtEl>
+                </p:cond>
+              </p:nextCondLst>
+            </p:seq>
+          </p:childTnLst>
+        </p:cTn>
+      </p:par>
+    </p:tnLst>
+    <p:bldLst>
+      <p:bldGraphic spid="9" grpId="0" uiExpand="1">
+        <p:bldSub>
+          <a:bldDgm bld="one"/>
+        </p:bldSub>
+      </p:bldGraphic>
+    </p:bldLst>
+  </p:timing>
 </p:sld>
 </file>
 
@@ -27679,6 +28199,393 @@
   <p:clrMapOvr>
     <a:masterClrMapping/>
   </p:clrMapOvr>
+  <p:timing>
+    <p:tnLst>
+      <p:par>
+        <p:cTn id="1" dur="indefinite" restart="never" nodeType="tmRoot">
+          <p:childTnLst>
+            <p:seq concurrent="1" nextAc="seek">
+              <p:cTn id="2" dur="indefinite" nodeType="mainSeq">
+                <p:childTnLst>
+                  <p:par>
+                    <p:cTn id="3" fill="hold">
+                      <p:stCondLst>
+                        <p:cond delay="indefinite"/>
+                      </p:stCondLst>
+                      <p:childTnLst>
+                        <p:par>
+                          <p:cTn id="4" fill="hold">
+                            <p:stCondLst>
+                              <p:cond delay="0"/>
+                            </p:stCondLst>
+                            <p:childTnLst>
+                              <p:par>
+                                <p:cTn id="5" presetID="10" presetClass="entr" presetSubtype="0" fill="hold" grpId="0" nodeType="clickEffect">
+                                  <p:stCondLst>
+                                    <p:cond delay="0"/>
+                                  </p:stCondLst>
+                                  <p:childTnLst>
+                                    <p:set>
+                                      <p:cBhvr>
+                                        <p:cTn id="6" dur="1" fill="hold">
+                                          <p:stCondLst>
+                                            <p:cond delay="0"/>
+                                          </p:stCondLst>
+                                        </p:cTn>
+                                        <p:tgtEl>
+                                          <p:spTgt spid="10"/>
+                                        </p:tgtEl>
+                                        <p:attrNameLst>
+                                          <p:attrName>style.visibility</p:attrName>
+                                        </p:attrNameLst>
+                                      </p:cBhvr>
+                                      <p:to>
+                                        <p:strVal val="visible"/>
+                                      </p:to>
+                                    </p:set>
+                                    <p:animEffect transition="in" filter="fade">
+                                      <p:cBhvr>
+                                        <p:cTn id="7" dur="500"/>
+                                        <p:tgtEl>
+                                          <p:spTgt spid="10"/>
+                                        </p:tgtEl>
+                                      </p:cBhvr>
+                                    </p:animEffect>
+                                  </p:childTnLst>
+                                </p:cTn>
+                              </p:par>
+                            </p:childTnLst>
+                          </p:cTn>
+                        </p:par>
+                      </p:childTnLst>
+                    </p:cTn>
+                  </p:par>
+                  <p:par>
+                    <p:cTn id="8" fill="hold">
+                      <p:stCondLst>
+                        <p:cond delay="indefinite"/>
+                      </p:stCondLst>
+                      <p:childTnLst>
+                        <p:par>
+                          <p:cTn id="9" fill="hold">
+                            <p:stCondLst>
+                              <p:cond delay="0"/>
+                            </p:stCondLst>
+                            <p:childTnLst>
+                              <p:par>
+                                <p:cTn id="10" presetID="10" presetClass="entr" presetSubtype="0" fill="hold" grpId="0" nodeType="clickEffect">
+                                  <p:stCondLst>
+                                    <p:cond delay="0"/>
+                                  </p:stCondLst>
+                                  <p:childTnLst>
+                                    <p:set>
+                                      <p:cBhvr>
+                                        <p:cTn id="11" dur="1" fill="hold">
+                                          <p:stCondLst>
+                                            <p:cond delay="0"/>
+                                          </p:stCondLst>
+                                        </p:cTn>
+                                        <p:tgtEl>
+                                          <p:spTgt spid="6"/>
+                                        </p:tgtEl>
+                                        <p:attrNameLst>
+                                          <p:attrName>style.visibility</p:attrName>
+                                        </p:attrNameLst>
+                                      </p:cBhvr>
+                                      <p:to>
+                                        <p:strVal val="visible"/>
+                                      </p:to>
+                                    </p:set>
+                                    <p:animEffect transition="in" filter="fade">
+                                      <p:cBhvr>
+                                        <p:cTn id="12" dur="500"/>
+                                        <p:tgtEl>
+                                          <p:spTgt spid="6"/>
+                                        </p:tgtEl>
+                                      </p:cBhvr>
+                                    </p:animEffect>
+                                  </p:childTnLst>
+                                </p:cTn>
+                              </p:par>
+                            </p:childTnLst>
+                          </p:cTn>
+                        </p:par>
+                      </p:childTnLst>
+                    </p:cTn>
+                  </p:par>
+                  <p:par>
+                    <p:cTn id="13" fill="hold">
+                      <p:stCondLst>
+                        <p:cond delay="indefinite"/>
+                      </p:stCondLst>
+                      <p:childTnLst>
+                        <p:par>
+                          <p:cTn id="14" fill="hold">
+                            <p:stCondLst>
+                              <p:cond delay="0"/>
+                            </p:stCondLst>
+                            <p:childTnLst>
+                              <p:par>
+                                <p:cTn id="15" presetID="10" presetClass="entr" presetSubtype="0" fill="hold" grpId="0" nodeType="clickEffect">
+                                  <p:stCondLst>
+                                    <p:cond delay="0"/>
+                                  </p:stCondLst>
+                                  <p:childTnLst>
+                                    <p:set>
+                                      <p:cBhvr>
+                                        <p:cTn id="16" dur="1" fill="hold">
+                                          <p:stCondLst>
+                                            <p:cond delay="0"/>
+                                          </p:stCondLst>
+                                        </p:cTn>
+                                        <p:tgtEl>
+                                          <p:spTgt spid="12"/>
+                                        </p:tgtEl>
+                                        <p:attrNameLst>
+                                          <p:attrName>style.visibility</p:attrName>
+                                        </p:attrNameLst>
+                                      </p:cBhvr>
+                                      <p:to>
+                                        <p:strVal val="visible"/>
+                                      </p:to>
+                                    </p:set>
+                                    <p:animEffect transition="in" filter="fade">
+                                      <p:cBhvr>
+                                        <p:cTn id="17" dur="500"/>
+                                        <p:tgtEl>
+                                          <p:spTgt spid="12"/>
+                                        </p:tgtEl>
+                                      </p:cBhvr>
+                                    </p:animEffect>
+                                  </p:childTnLst>
+                                </p:cTn>
+                              </p:par>
+                            </p:childTnLst>
+                          </p:cTn>
+                        </p:par>
+                      </p:childTnLst>
+                    </p:cTn>
+                  </p:par>
+                  <p:par>
+                    <p:cTn id="18" fill="hold">
+                      <p:stCondLst>
+                        <p:cond delay="indefinite"/>
+                      </p:stCondLst>
+                      <p:childTnLst>
+                        <p:par>
+                          <p:cTn id="19" fill="hold">
+                            <p:stCondLst>
+                              <p:cond delay="0"/>
+                            </p:stCondLst>
+                            <p:childTnLst>
+                              <p:par>
+                                <p:cTn id="20" presetID="22" presetClass="entr" presetSubtype="2" fill="hold" nodeType="clickEffect">
+                                  <p:stCondLst>
+                                    <p:cond delay="0"/>
+                                  </p:stCondLst>
+                                  <p:childTnLst>
+                                    <p:set>
+                                      <p:cBhvr>
+                                        <p:cTn id="21" dur="1" fill="hold">
+                                          <p:stCondLst>
+                                            <p:cond delay="0"/>
+                                          </p:stCondLst>
+                                        </p:cTn>
+                                        <p:tgtEl>
+                                          <p:spTgt spid="19"/>
+                                        </p:tgtEl>
+                                        <p:attrNameLst>
+                                          <p:attrName>style.visibility</p:attrName>
+                                        </p:attrNameLst>
+                                      </p:cBhvr>
+                                      <p:to>
+                                        <p:strVal val="visible"/>
+                                      </p:to>
+                                    </p:set>
+                                    <p:animEffect transition="in" filter="wipe(right)">
+                                      <p:cBhvr>
+                                        <p:cTn id="22" dur="500"/>
+                                        <p:tgtEl>
+                                          <p:spTgt spid="19"/>
+                                        </p:tgtEl>
+                                      </p:cBhvr>
+                                    </p:animEffect>
+                                  </p:childTnLst>
+                                </p:cTn>
+                              </p:par>
+                              <p:par>
+                                <p:cTn id="23" presetID="22" presetClass="entr" presetSubtype="8" fill="hold" nodeType="withEffect">
+                                  <p:stCondLst>
+                                    <p:cond delay="0"/>
+                                  </p:stCondLst>
+                                  <p:childTnLst>
+                                    <p:set>
+                                      <p:cBhvr>
+                                        <p:cTn id="24" dur="1" fill="hold">
+                                          <p:stCondLst>
+                                            <p:cond delay="0"/>
+                                          </p:stCondLst>
+                                        </p:cTn>
+                                        <p:tgtEl>
+                                          <p:spTgt spid="22"/>
+                                        </p:tgtEl>
+                                        <p:attrNameLst>
+                                          <p:attrName>style.visibility</p:attrName>
+                                        </p:attrNameLst>
+                                      </p:cBhvr>
+                                      <p:to>
+                                        <p:strVal val="visible"/>
+                                      </p:to>
+                                    </p:set>
+                                    <p:animEffect transition="in" filter="wipe(left)">
+                                      <p:cBhvr>
+                                        <p:cTn id="25" dur="500"/>
+                                        <p:tgtEl>
+                                          <p:spTgt spid="22"/>
+                                        </p:tgtEl>
+                                      </p:cBhvr>
+                                    </p:animEffect>
+                                  </p:childTnLst>
+                                </p:cTn>
+                              </p:par>
+                              <p:par>
+                                <p:cTn id="26" presetID="22" presetClass="entr" presetSubtype="2" fill="hold" nodeType="withEffect">
+                                  <p:stCondLst>
+                                    <p:cond delay="0"/>
+                                  </p:stCondLst>
+                                  <p:childTnLst>
+                                    <p:set>
+                                      <p:cBhvr>
+                                        <p:cTn id="27" dur="1" fill="hold">
+                                          <p:stCondLst>
+                                            <p:cond delay="0"/>
+                                          </p:stCondLst>
+                                        </p:cTn>
+                                        <p:tgtEl>
+                                          <p:spTgt spid="14"/>
+                                        </p:tgtEl>
+                                        <p:attrNameLst>
+                                          <p:attrName>style.visibility</p:attrName>
+                                        </p:attrNameLst>
+                                      </p:cBhvr>
+                                      <p:to>
+                                        <p:strVal val="visible"/>
+                                      </p:to>
+                                    </p:set>
+                                    <p:animEffect transition="in" filter="wipe(right)">
+                                      <p:cBhvr>
+                                        <p:cTn id="28" dur="500"/>
+                                        <p:tgtEl>
+                                          <p:spTgt spid="14"/>
+                                        </p:tgtEl>
+                                      </p:cBhvr>
+                                    </p:animEffect>
+                                  </p:childTnLst>
+                                </p:cTn>
+                              </p:par>
+                              <p:par>
+                                <p:cTn id="29" presetID="22" presetClass="entr" presetSubtype="1" fill="hold" nodeType="withEffect">
+                                  <p:stCondLst>
+                                    <p:cond delay="0"/>
+                                  </p:stCondLst>
+                                  <p:childTnLst>
+                                    <p:set>
+                                      <p:cBhvr>
+                                        <p:cTn id="30" dur="1" fill="hold">
+                                          <p:stCondLst>
+                                            <p:cond delay="0"/>
+                                          </p:stCondLst>
+                                        </p:cTn>
+                                        <p:tgtEl>
+                                          <p:spTgt spid="18"/>
+                                        </p:tgtEl>
+                                        <p:attrNameLst>
+                                          <p:attrName>style.visibility</p:attrName>
+                                        </p:attrNameLst>
+                                      </p:cBhvr>
+                                      <p:to>
+                                        <p:strVal val="visible"/>
+                                      </p:to>
+                                    </p:set>
+                                    <p:animEffect transition="in" filter="wipe(up)">
+                                      <p:cBhvr>
+                                        <p:cTn id="31" dur="500"/>
+                                        <p:tgtEl>
+                                          <p:spTgt spid="18"/>
+                                        </p:tgtEl>
+                                      </p:cBhvr>
+                                    </p:animEffect>
+                                  </p:childTnLst>
+                                </p:cTn>
+                              </p:par>
+                              <p:par>
+                                <p:cTn id="32" presetID="22" presetClass="entr" presetSubtype="8" fill="hold" nodeType="withEffect">
+                                  <p:stCondLst>
+                                    <p:cond delay="0"/>
+                                  </p:stCondLst>
+                                  <p:childTnLst>
+                                    <p:set>
+                                      <p:cBhvr>
+                                        <p:cTn id="33" dur="1" fill="hold">
+                                          <p:stCondLst>
+                                            <p:cond delay="0"/>
+                                          </p:stCondLst>
+                                        </p:cTn>
+                                        <p:tgtEl>
+                                          <p:spTgt spid="16"/>
+                                        </p:tgtEl>
+                                        <p:attrNameLst>
+                                          <p:attrName>style.visibility</p:attrName>
+                                        </p:attrNameLst>
+                                      </p:cBhvr>
+                                      <p:to>
+                                        <p:strVal val="visible"/>
+                                      </p:to>
+                                    </p:set>
+                                    <p:animEffect transition="in" filter="wipe(left)">
+                                      <p:cBhvr>
+                                        <p:cTn id="34" dur="500"/>
+                                        <p:tgtEl>
+                                          <p:spTgt spid="16"/>
+                                        </p:tgtEl>
+                                      </p:cBhvr>
+                                    </p:animEffect>
+                                  </p:childTnLst>
+                                </p:cTn>
+                              </p:par>
+                            </p:childTnLst>
+                          </p:cTn>
+                        </p:par>
+                      </p:childTnLst>
+                    </p:cTn>
+                  </p:par>
+                </p:childTnLst>
+              </p:cTn>
+              <p:prevCondLst>
+                <p:cond evt="onPrev" delay="0">
+                  <p:tgtEl>
+                    <p:sldTgt/>
+                  </p:tgtEl>
+                </p:cond>
+              </p:prevCondLst>
+              <p:nextCondLst>
+                <p:cond evt="onNext" delay="0">
+                  <p:tgtEl>
+                    <p:sldTgt/>
+                  </p:tgtEl>
+                </p:cond>
+              </p:nextCondLst>
+            </p:seq>
+          </p:childTnLst>
+        </p:cTn>
+      </p:par>
+    </p:tnLst>
+    <p:bldLst>
+      <p:bldP spid="10" grpId="0" animBg="1"/>
+      <p:bldP spid="6" grpId="0" animBg="1"/>
+      <p:bldP spid="12" grpId="0" animBg="1"/>
+    </p:bldLst>
+  </p:timing>
 </p:sld>
 </file>
 
@@ -35393,14 +36300,14 @@
           <p:nvPr>
             <p:extLst>
               <p:ext uri="{D42A27DB-BD31-4B8C-83A1-F6EECF244321}">
-                <p14:modId xmlns:p14="http://schemas.microsoft.com/office/powerpoint/2010/main" val="1377958310"/>
+                <p14:modId xmlns:p14="http://schemas.microsoft.com/office/powerpoint/2010/main" val="3313816372"/>
               </p:ext>
             </p:extLst>
           </p:nvPr>
         </p:nvGraphicFramePr>
         <p:xfrm>
-          <a:off x="3109092" y="1599222"/>
-          <a:ext cx="7847065" cy="3659556"/>
+          <a:off x="3600450" y="438150"/>
+          <a:ext cx="6950075" cy="5245100"/>
         </p:xfrm>
         <a:graphic>
           <a:graphicData uri="http://schemas.openxmlformats.org/drawingml/2006/diagram">
@@ -35533,6 +36440,9 @@
                     <p:cTn id="3" fill="hold">
                       <p:stCondLst>
                         <p:cond delay="indefinite"/>
+                        <p:cond evt="onBegin" delay="0">
+                          <p:tn val="2"/>
+                        </p:cond>
                       </p:stCondLst>
                       <p:childTnLst>
                         <p:par>
@@ -35542,7 +36452,7 @@
                             </p:stCondLst>
                             <p:childTnLst>
                               <p:par>
-                                <p:cTn id="5" presetID="10" presetClass="entr" presetSubtype="0" fill="hold" grpId="0" nodeType="clickEffect">
+                                <p:cTn id="5" presetID="10" presetClass="entr" presetSubtype="0" fill="hold" grpId="0" nodeType="withEffect">
                                   <p:stCondLst>
                                     <p:cond delay="0"/>
                                   </p:stCondLst>
@@ -35584,15 +36494,33 @@
                                   </p:childTnLst>
                                 </p:cTn>
                               </p:par>
+                            </p:childTnLst>
+                          </p:cTn>
+                        </p:par>
+                      </p:childTnLst>
+                    </p:cTn>
+                  </p:par>
+                  <p:par>
+                    <p:cTn id="8" fill="hold">
+                      <p:stCondLst>
+                        <p:cond delay="indefinite"/>
+                      </p:stCondLst>
+                      <p:childTnLst>
+                        <p:par>
+                          <p:cTn id="9" fill="hold">
+                            <p:stCondLst>
+                              <p:cond delay="0"/>
+                            </p:stCondLst>
+                            <p:childTnLst>
                               <p:par>
-                                <p:cTn id="8" presetID="22" presetClass="entr" presetSubtype="8" fill="hold" grpId="0" nodeType="withEffect">
+                                <p:cTn id="10" presetID="22" presetClass="entr" presetSubtype="8" fill="hold" grpId="0" nodeType="clickEffect">
                                   <p:stCondLst>
                                     <p:cond delay="0"/>
                                   </p:stCondLst>
                                   <p:childTnLst>
                                     <p:set>
                                       <p:cBhvr>
-                                        <p:cTn id="9" dur="1" fill="hold">
+                                        <p:cTn id="11" dur="1" fill="hold">
                                           <p:stCondLst>
                                             <p:cond delay="0"/>
                                           </p:stCondLst>
@@ -35614,7 +36542,7 @@
                                     </p:set>
                                     <p:animEffect transition="in" filter="wipe(left)">
                                       <p:cBhvr>
-                                        <p:cTn id="10" dur="500"/>
+                                        <p:cTn id="12" dur="500"/>
                                         <p:tgtEl>
                                           <p:spTgt spid="7">
                                             <p:graphicEl>
@@ -35634,26 +36562,26 @@
                     </p:cTn>
                   </p:par>
                   <p:par>
-                    <p:cTn id="11" fill="hold">
+                    <p:cTn id="13" fill="hold">
                       <p:stCondLst>
                         <p:cond delay="indefinite"/>
                       </p:stCondLst>
                       <p:childTnLst>
                         <p:par>
-                          <p:cTn id="12" fill="hold">
+                          <p:cTn id="14" fill="hold">
                             <p:stCondLst>
                               <p:cond delay="0"/>
                             </p:stCondLst>
                             <p:childTnLst>
                               <p:par>
-                                <p:cTn id="13" presetID="22" presetClass="entr" presetSubtype="8" fill="hold" grpId="0" nodeType="clickEffect">
+                                <p:cTn id="15" presetID="22" presetClass="entr" presetSubtype="8" fill="hold" grpId="0" nodeType="clickEffect">
                                   <p:stCondLst>
                                     <p:cond delay="0"/>
                                   </p:stCondLst>
                                   <p:childTnLst>
                                     <p:set>
                                       <p:cBhvr>
-                                        <p:cTn id="14" dur="1" fill="hold">
+                                        <p:cTn id="16" dur="1" fill="hold">
                                           <p:stCondLst>
                                             <p:cond delay="0"/>
                                           </p:stCondLst>
@@ -35675,7 +36603,7 @@
                                     </p:set>
                                     <p:animEffect transition="in" filter="wipe(left)">
                                       <p:cBhvr>
-                                        <p:cTn id="15" dur="500"/>
+                                        <p:cTn id="17" dur="500"/>
                                         <p:tgtEl>
                                           <p:spTgt spid="7">
                                             <p:graphicEl>
@@ -35689,14 +36617,14 @@
                                 </p:cTn>
                               </p:par>
                               <p:par>
-                                <p:cTn id="16" presetID="22" presetClass="entr" presetSubtype="8" fill="hold" grpId="0" nodeType="withEffect">
+                                <p:cTn id="18" presetID="22" presetClass="entr" presetSubtype="8" fill="hold" grpId="0" nodeType="withEffect">
                                   <p:stCondLst>
                                     <p:cond delay="0"/>
                                   </p:stCondLst>
                                   <p:childTnLst>
                                     <p:set>
                                       <p:cBhvr>
-                                        <p:cTn id="17" dur="1" fill="hold">
+                                        <p:cTn id="19" dur="1" fill="hold">
                                           <p:stCondLst>
                                             <p:cond delay="0"/>
                                           </p:stCondLst>
@@ -35718,7 +36646,7 @@
                                     </p:set>
                                     <p:animEffect transition="in" filter="wipe(left)">
                                       <p:cBhvr>
-                                        <p:cTn id="18" dur="500"/>
+                                        <p:cTn id="20" dur="500"/>
                                         <p:tgtEl>
                                           <p:spTgt spid="7">
                                             <p:graphicEl>

--- a/ngMeetup.pptx
+++ b/ngMeetup.pptx
@@ -5,31 +5,32 @@
     <p:sldMasterId id="2147483648" r:id="rId1"/>
   </p:sldMasterIdLst>
   <p:notesMasterIdLst>
-    <p:notesMasterId r:id="rId24"/>
+    <p:notesMasterId r:id="rId25"/>
   </p:notesMasterIdLst>
   <p:sldIdLst>
     <p:sldId id="257" r:id="rId2"/>
     <p:sldId id="256" r:id="rId3"/>
-    <p:sldId id="259" r:id="rId4"/>
-    <p:sldId id="260" r:id="rId5"/>
+    <p:sldId id="260" r:id="rId4"/>
+    <p:sldId id="259" r:id="rId5"/>
     <p:sldId id="290" r:id="rId6"/>
     <p:sldId id="291" r:id="rId7"/>
     <p:sldId id="292" r:id="rId8"/>
     <p:sldId id="294" r:id="rId9"/>
     <p:sldId id="295" r:id="rId10"/>
     <p:sldId id="297" r:id="rId11"/>
-    <p:sldId id="299" r:id="rId12"/>
-    <p:sldId id="300" r:id="rId13"/>
-    <p:sldId id="301" r:id="rId14"/>
-    <p:sldId id="309" r:id="rId15"/>
-    <p:sldId id="302" r:id="rId16"/>
-    <p:sldId id="303" r:id="rId17"/>
-    <p:sldId id="305" r:id="rId18"/>
-    <p:sldId id="306" r:id="rId19"/>
-    <p:sldId id="304" r:id="rId20"/>
-    <p:sldId id="308" r:id="rId21"/>
-    <p:sldId id="307" r:id="rId22"/>
-    <p:sldId id="284" r:id="rId23"/>
+    <p:sldId id="310" r:id="rId12"/>
+    <p:sldId id="309" r:id="rId13"/>
+    <p:sldId id="299" r:id="rId14"/>
+    <p:sldId id="300" r:id="rId15"/>
+    <p:sldId id="301" r:id="rId16"/>
+    <p:sldId id="302" r:id="rId17"/>
+    <p:sldId id="303" r:id="rId18"/>
+    <p:sldId id="305" r:id="rId19"/>
+    <p:sldId id="306" r:id="rId20"/>
+    <p:sldId id="304" r:id="rId21"/>
+    <p:sldId id="308" r:id="rId22"/>
+    <p:sldId id="307" r:id="rId23"/>
+    <p:sldId id="284" r:id="rId24"/>
   </p:sldIdLst>
   <p:sldSz cx="12192000" cy="6858000"/>
   <p:notesSz cx="6858000" cy="9144000"/>
@@ -4215,7 +4216,7 @@
               </a:solidFill>
               <a:latin typeface="Consolas" panose="020B0609020204030204" pitchFamily="49" charset="0"/>
             </a:rPr>
-            <a:t>Vanilla CLI</a:t>
+            <a:t>Angular CLI</a:t>
           </a:r>
           <a:endParaRPr lang="bg-BG" dirty="0">
             <a:solidFill>
@@ -4295,6 +4296,53 @@
         </a:p>
       </dgm:t>
     </dgm:pt>
+    <dgm:pt modelId="{E9D493F8-4D6C-4AD4-8DA2-1A043CCB168D}">
+      <dgm:prSet phldrT="[Text]"/>
+      <dgm:spPr/>
+      <dgm:t>
+        <a:bodyPr/>
+        <a:lstStyle/>
+        <a:p>
+          <a:r>
+            <a:rPr lang="en-GB" dirty="0">
+              <a:solidFill>
+                <a:schemeClr val="bg1"/>
+              </a:solidFill>
+              <a:latin typeface="Consolas" panose="020B0609020204030204" pitchFamily="49" charset="0"/>
+            </a:rPr>
+            <a:t>Packages</a:t>
+          </a:r>
+          <a:endParaRPr lang="bg-BG" dirty="0">
+            <a:solidFill>
+              <a:schemeClr val="bg1"/>
+            </a:solidFill>
+            <a:latin typeface="Consolas" panose="020B0609020204030204" pitchFamily="49" charset="0"/>
+          </a:endParaRPr>
+        </a:p>
+      </dgm:t>
+    </dgm:pt>
+    <dgm:pt modelId="{297EE121-8B8D-47FE-A750-C8A645773AF8}" type="parTrans" cxnId="{98680872-8452-468E-AFC4-26F7929205BB}">
+      <dgm:prSet/>
+      <dgm:spPr/>
+      <dgm:t>
+        <a:bodyPr/>
+        <a:lstStyle/>
+        <a:p>
+          <a:endParaRPr lang="bg-BG"/>
+        </a:p>
+      </dgm:t>
+    </dgm:pt>
+    <dgm:pt modelId="{D723AAC4-0EFB-4C58-9AA5-8F702C927E54}" type="sibTrans" cxnId="{98680872-8452-468E-AFC4-26F7929205BB}">
+      <dgm:prSet/>
+      <dgm:spPr/>
+      <dgm:t>
+        <a:bodyPr/>
+        <a:lstStyle/>
+        <a:p>
+          <a:endParaRPr lang="bg-BG"/>
+        </a:p>
+      </dgm:t>
+    </dgm:pt>
     <dgm:pt modelId="{D51D8E35-DF1E-4014-8E7B-964650FFC41A}" type="pres">
       <dgm:prSet presAssocID="{BF002E63-BECE-4330-ABB5-DAD0F6D6084C}" presName="vert0" presStyleCnt="0">
         <dgm:presLayoutVars>
@@ -4306,7 +4354,7 @@
       <dgm:spPr/>
     </dgm:pt>
     <dgm:pt modelId="{57A82C8C-E481-452E-8130-B1514CAF9A98}" type="pres">
-      <dgm:prSet presAssocID="{E934F060-2B4A-4CDF-B3F0-3D0BA3D3B321}" presName="thickLine" presStyleLbl="alignNode1" presStyleIdx="0" presStyleCnt="4"/>
+      <dgm:prSet presAssocID="{E934F060-2B4A-4CDF-B3F0-3D0BA3D3B321}" presName="thickLine" presStyleLbl="alignNode1" presStyleIdx="0" presStyleCnt="5"/>
       <dgm:spPr/>
     </dgm:pt>
     <dgm:pt modelId="{36462071-F94A-4443-90B1-982EB7BF77E6}" type="pres">
@@ -4314,7 +4362,7 @@
       <dgm:spPr/>
     </dgm:pt>
     <dgm:pt modelId="{11620395-E6C7-4DAB-AA34-67485023D539}" type="pres">
-      <dgm:prSet presAssocID="{E934F060-2B4A-4CDF-B3F0-3D0BA3D3B321}" presName="tx1" presStyleLbl="revTx" presStyleIdx="0" presStyleCnt="4"/>
+      <dgm:prSet presAssocID="{E934F060-2B4A-4CDF-B3F0-3D0BA3D3B321}" presName="tx1" presStyleLbl="revTx" presStyleIdx="0" presStyleCnt="5"/>
       <dgm:spPr/>
     </dgm:pt>
     <dgm:pt modelId="{49089279-80D4-42A6-8DAC-FD787F87E29F}" type="pres">
@@ -4322,7 +4370,7 @@
       <dgm:spPr/>
     </dgm:pt>
     <dgm:pt modelId="{37FD2224-A459-4055-BC56-4ADF6DDE42A0}" type="pres">
-      <dgm:prSet presAssocID="{C3238E2F-F9B3-4293-9B7A-A7A068259777}" presName="thickLine" presStyleLbl="alignNode1" presStyleIdx="1" presStyleCnt="4"/>
+      <dgm:prSet presAssocID="{C3238E2F-F9B3-4293-9B7A-A7A068259777}" presName="thickLine" presStyleLbl="alignNode1" presStyleIdx="1" presStyleCnt="5"/>
       <dgm:spPr/>
     </dgm:pt>
     <dgm:pt modelId="{7983BEA6-1CD1-48EA-8108-C8C7086D3850}" type="pres">
@@ -4330,15 +4378,31 @@
       <dgm:spPr/>
     </dgm:pt>
     <dgm:pt modelId="{8CC7DD70-3C57-44FF-8343-8051C9ABEA4A}" type="pres">
-      <dgm:prSet presAssocID="{C3238E2F-F9B3-4293-9B7A-A7A068259777}" presName="tx1" presStyleLbl="revTx" presStyleIdx="1" presStyleCnt="4"/>
+      <dgm:prSet presAssocID="{C3238E2F-F9B3-4293-9B7A-A7A068259777}" presName="tx1" presStyleLbl="revTx" presStyleIdx="1" presStyleCnt="5"/>
       <dgm:spPr/>
     </dgm:pt>
     <dgm:pt modelId="{9C691BE6-B498-42BA-B77A-FFF1C9DEE006}" type="pres">
       <dgm:prSet presAssocID="{C3238E2F-F9B3-4293-9B7A-A7A068259777}" presName="vert1" presStyleCnt="0"/>
       <dgm:spPr/>
     </dgm:pt>
+    <dgm:pt modelId="{D41D5DDD-AAA4-41F4-9760-709E32FC30F7}" type="pres">
+      <dgm:prSet presAssocID="{E9D493F8-4D6C-4AD4-8DA2-1A043CCB168D}" presName="thickLine" presStyleLbl="alignNode1" presStyleIdx="2" presStyleCnt="5"/>
+      <dgm:spPr/>
+    </dgm:pt>
+    <dgm:pt modelId="{3875F622-FFF8-490C-BBB3-DB4D3E6D2FDD}" type="pres">
+      <dgm:prSet presAssocID="{E9D493F8-4D6C-4AD4-8DA2-1A043CCB168D}" presName="horz1" presStyleCnt="0"/>
+      <dgm:spPr/>
+    </dgm:pt>
+    <dgm:pt modelId="{CAD49209-D2F0-44D7-90D1-294D9C5B5245}" type="pres">
+      <dgm:prSet presAssocID="{E9D493F8-4D6C-4AD4-8DA2-1A043CCB168D}" presName="tx1" presStyleLbl="revTx" presStyleIdx="2" presStyleCnt="5"/>
+      <dgm:spPr/>
+    </dgm:pt>
+    <dgm:pt modelId="{72AE0DB2-3B66-430D-AF5A-576B3E4D8CD8}" type="pres">
+      <dgm:prSet presAssocID="{E9D493F8-4D6C-4AD4-8DA2-1A043CCB168D}" presName="vert1" presStyleCnt="0"/>
+      <dgm:spPr/>
+    </dgm:pt>
     <dgm:pt modelId="{0B85A86C-009A-49A4-B178-E65E2DDCCA61}" type="pres">
-      <dgm:prSet presAssocID="{693BFF5F-1CF9-49F3-A5EB-3860F8E1444F}" presName="thickLine" presStyleLbl="alignNode1" presStyleIdx="2" presStyleCnt="4"/>
+      <dgm:prSet presAssocID="{693BFF5F-1CF9-49F3-A5EB-3860F8E1444F}" presName="thickLine" presStyleLbl="alignNode1" presStyleIdx="3" presStyleCnt="5"/>
       <dgm:spPr/>
     </dgm:pt>
     <dgm:pt modelId="{F7B59A51-0197-4340-9B1E-81FAD9A50EB4}" type="pres">
@@ -4346,7 +4410,7 @@
       <dgm:spPr/>
     </dgm:pt>
     <dgm:pt modelId="{2812CB5D-8CFD-4B86-B81B-C20A90E37D47}" type="pres">
-      <dgm:prSet presAssocID="{693BFF5F-1CF9-49F3-A5EB-3860F8E1444F}" presName="tx1" presStyleLbl="revTx" presStyleIdx="2" presStyleCnt="4"/>
+      <dgm:prSet presAssocID="{693BFF5F-1CF9-49F3-A5EB-3860F8E1444F}" presName="tx1" presStyleLbl="revTx" presStyleIdx="3" presStyleCnt="5"/>
       <dgm:spPr/>
     </dgm:pt>
     <dgm:pt modelId="{F74456B9-DC3B-4329-842E-B8CCB8CA8DF6}" type="pres">
@@ -4354,7 +4418,7 @@
       <dgm:spPr/>
     </dgm:pt>
     <dgm:pt modelId="{92D48A48-E9D3-40FD-BC94-A81FFF21D217}" type="pres">
-      <dgm:prSet presAssocID="{98C1A611-1F69-4611-94CB-330B50F2E77D}" presName="thickLine" presStyleLbl="alignNode1" presStyleIdx="3" presStyleCnt="4"/>
+      <dgm:prSet presAssocID="{98C1A611-1F69-4611-94CB-330B50F2E77D}" presName="thickLine" presStyleLbl="alignNode1" presStyleIdx="4" presStyleCnt="5"/>
       <dgm:spPr/>
     </dgm:pt>
     <dgm:pt modelId="{3902F2BA-F1E7-4655-ACA2-823ED6CA5224}" type="pres">
@@ -4362,7 +4426,7 @@
       <dgm:spPr/>
     </dgm:pt>
     <dgm:pt modelId="{696AA030-65F1-402B-975B-AECE57538A65}" type="pres">
-      <dgm:prSet presAssocID="{98C1A611-1F69-4611-94CB-330B50F2E77D}" presName="tx1" presStyleLbl="revTx" presStyleIdx="3" presStyleCnt="4"/>
+      <dgm:prSet presAssocID="{98C1A611-1F69-4611-94CB-330B50F2E77D}" presName="tx1" presStyleLbl="revTx" presStyleIdx="4" presStyleCnt="5"/>
       <dgm:spPr/>
     </dgm:pt>
     <dgm:pt modelId="{C5E9F4AD-489E-44CF-B801-5F7D7DBE9FD0}" type="pres">
@@ -4373,12 +4437,14 @@
   <dgm:cxnLst>
     <dgm:cxn modelId="{E87EBE0A-F3AE-4A3D-B5B1-EBF6C3D7D371}" type="presOf" srcId="{E934F060-2B4A-4CDF-B3F0-3D0BA3D3B321}" destId="{11620395-E6C7-4DAB-AA34-67485023D539}" srcOrd="0" destOrd="0" presId="urn:microsoft.com/office/officeart/2008/layout/LinedList"/>
     <dgm:cxn modelId="{F9FF4660-03E0-4BD6-984C-F4FFFA60351C}" type="presOf" srcId="{BF002E63-BECE-4330-ABB5-DAD0F6D6084C}" destId="{D51D8E35-DF1E-4014-8E7B-964650FFC41A}" srcOrd="0" destOrd="0" presId="urn:microsoft.com/office/officeart/2008/layout/LinedList"/>
-    <dgm:cxn modelId="{D32CB07F-803B-48E7-B5CF-C4ABE8DF072D}" srcId="{BF002E63-BECE-4330-ABB5-DAD0F6D6084C}" destId="{693BFF5F-1CF9-49F3-A5EB-3860F8E1444F}" srcOrd="2" destOrd="0" parTransId="{EF13AFE3-2C24-419D-BC9B-4FD90D35A122}" sibTransId="{14578C41-D5D7-49D6-BF82-CCF8E5AB9A21}"/>
+    <dgm:cxn modelId="{98680872-8452-468E-AFC4-26F7929205BB}" srcId="{BF002E63-BECE-4330-ABB5-DAD0F6D6084C}" destId="{E9D493F8-4D6C-4AD4-8DA2-1A043CCB168D}" srcOrd="2" destOrd="0" parTransId="{297EE121-8B8D-47FE-A750-C8A645773AF8}" sibTransId="{D723AAC4-0EFB-4C58-9AA5-8F702C927E54}"/>
+    <dgm:cxn modelId="{D32CB07F-803B-48E7-B5CF-C4ABE8DF072D}" srcId="{BF002E63-BECE-4330-ABB5-DAD0F6D6084C}" destId="{693BFF5F-1CF9-49F3-A5EB-3860F8E1444F}" srcOrd="3" destOrd="0" parTransId="{EF13AFE3-2C24-419D-BC9B-4FD90D35A122}" sibTransId="{14578C41-D5D7-49D6-BF82-CCF8E5AB9A21}"/>
     <dgm:cxn modelId="{34A8438B-46DB-469E-9E4D-54F0DBA4BD7B}" type="presOf" srcId="{C3238E2F-F9B3-4293-9B7A-A7A068259777}" destId="{8CC7DD70-3C57-44FF-8343-8051C9ABEA4A}" srcOrd="0" destOrd="0" presId="urn:microsoft.com/office/officeart/2008/layout/LinedList"/>
     <dgm:cxn modelId="{B3F2FF98-D28C-427C-A742-17B889562F95}" type="presOf" srcId="{98C1A611-1F69-4611-94CB-330B50F2E77D}" destId="{696AA030-65F1-402B-975B-AECE57538A65}" srcOrd="0" destOrd="0" presId="urn:microsoft.com/office/officeart/2008/layout/LinedList"/>
     <dgm:cxn modelId="{D8FABFA1-F9E6-4411-AB46-233A58511AAB}" type="presOf" srcId="{693BFF5F-1CF9-49F3-A5EB-3860F8E1444F}" destId="{2812CB5D-8CFD-4B86-B81B-C20A90E37D47}" srcOrd="0" destOrd="0" presId="urn:microsoft.com/office/officeart/2008/layout/LinedList"/>
     <dgm:cxn modelId="{BEDD63AC-0B89-40A5-845A-DAEAFD3EBD92}" srcId="{BF002E63-BECE-4330-ABB5-DAD0F6D6084C}" destId="{E934F060-2B4A-4CDF-B3F0-3D0BA3D3B321}" srcOrd="0" destOrd="0" parTransId="{BD43F01F-1476-4975-8D68-B945D273AE02}" sibTransId="{1F86EB37-6425-4E8D-B514-636CBD47BFF0}"/>
-    <dgm:cxn modelId="{FF1A7FB7-D88D-4BBC-AA6D-F58AD866668A}" srcId="{BF002E63-BECE-4330-ABB5-DAD0F6D6084C}" destId="{98C1A611-1F69-4611-94CB-330B50F2E77D}" srcOrd="3" destOrd="0" parTransId="{DAE57B32-938B-4E27-9EB6-1B0C8A8877F4}" sibTransId="{1C86D1CE-28EC-4852-9DEB-41DDCFEF548D}"/>
+    <dgm:cxn modelId="{FF1A7FB7-D88D-4BBC-AA6D-F58AD866668A}" srcId="{BF002E63-BECE-4330-ABB5-DAD0F6D6084C}" destId="{98C1A611-1F69-4611-94CB-330B50F2E77D}" srcOrd="4" destOrd="0" parTransId="{DAE57B32-938B-4E27-9EB6-1B0C8A8877F4}" sibTransId="{1C86D1CE-28EC-4852-9DEB-41DDCFEF548D}"/>
+    <dgm:cxn modelId="{042E69C8-3BB2-4167-BC65-E419CDD2CD6A}" type="presOf" srcId="{E9D493F8-4D6C-4AD4-8DA2-1A043CCB168D}" destId="{CAD49209-D2F0-44D7-90D1-294D9C5B5245}" srcOrd="0" destOrd="0" presId="urn:microsoft.com/office/officeart/2008/layout/LinedList"/>
     <dgm:cxn modelId="{BB8095D8-E9D8-44BD-896B-03792974E56F}" srcId="{BF002E63-BECE-4330-ABB5-DAD0F6D6084C}" destId="{C3238E2F-F9B3-4293-9B7A-A7A068259777}" srcOrd="1" destOrd="0" parTransId="{E05A801D-D2EC-4F67-8DEB-F5D131970B97}" sibTransId="{F58A6501-067B-4705-89D6-6DAA1CFD3549}"/>
     <dgm:cxn modelId="{87229D0D-6CE3-4276-95DD-945D4C56192C}" type="presParOf" srcId="{D51D8E35-DF1E-4014-8E7B-964650FFC41A}" destId="{57A82C8C-E481-452E-8130-B1514CAF9A98}" srcOrd="0" destOrd="0" presId="urn:microsoft.com/office/officeart/2008/layout/LinedList"/>
     <dgm:cxn modelId="{54A11481-42B6-4EFE-90E5-535D66040EEA}" type="presParOf" srcId="{D51D8E35-DF1E-4014-8E7B-964650FFC41A}" destId="{36462071-F94A-4443-90B1-982EB7BF77E6}" srcOrd="1" destOrd="0" presId="urn:microsoft.com/office/officeart/2008/layout/LinedList"/>
@@ -4388,12 +4454,16 @@
     <dgm:cxn modelId="{81508069-76D8-4309-879E-888000E2BB4C}" type="presParOf" srcId="{D51D8E35-DF1E-4014-8E7B-964650FFC41A}" destId="{7983BEA6-1CD1-48EA-8108-C8C7086D3850}" srcOrd="3" destOrd="0" presId="urn:microsoft.com/office/officeart/2008/layout/LinedList"/>
     <dgm:cxn modelId="{10BB6C3D-0FE9-4150-94EF-E5A9AED876C2}" type="presParOf" srcId="{7983BEA6-1CD1-48EA-8108-C8C7086D3850}" destId="{8CC7DD70-3C57-44FF-8343-8051C9ABEA4A}" srcOrd="0" destOrd="0" presId="urn:microsoft.com/office/officeart/2008/layout/LinedList"/>
     <dgm:cxn modelId="{F34F1FB9-53F0-43D1-93EB-FEF2B51E2F1D}" type="presParOf" srcId="{7983BEA6-1CD1-48EA-8108-C8C7086D3850}" destId="{9C691BE6-B498-42BA-B77A-FFF1C9DEE006}" srcOrd="1" destOrd="0" presId="urn:microsoft.com/office/officeart/2008/layout/LinedList"/>
-    <dgm:cxn modelId="{988624BF-932B-44D8-A0E8-CC43FC4F79EF}" type="presParOf" srcId="{D51D8E35-DF1E-4014-8E7B-964650FFC41A}" destId="{0B85A86C-009A-49A4-B178-E65E2DDCCA61}" srcOrd="4" destOrd="0" presId="urn:microsoft.com/office/officeart/2008/layout/LinedList"/>
-    <dgm:cxn modelId="{7449E059-CB9D-40BE-BF2E-E82FF41624E9}" type="presParOf" srcId="{D51D8E35-DF1E-4014-8E7B-964650FFC41A}" destId="{F7B59A51-0197-4340-9B1E-81FAD9A50EB4}" srcOrd="5" destOrd="0" presId="urn:microsoft.com/office/officeart/2008/layout/LinedList"/>
+    <dgm:cxn modelId="{5DDA0C7B-3C4A-424E-A090-28FDC777A2C8}" type="presParOf" srcId="{D51D8E35-DF1E-4014-8E7B-964650FFC41A}" destId="{D41D5DDD-AAA4-41F4-9760-709E32FC30F7}" srcOrd="4" destOrd="0" presId="urn:microsoft.com/office/officeart/2008/layout/LinedList"/>
+    <dgm:cxn modelId="{E4DA1F4B-AE6C-4C52-A753-53D4B5E95513}" type="presParOf" srcId="{D51D8E35-DF1E-4014-8E7B-964650FFC41A}" destId="{3875F622-FFF8-490C-BBB3-DB4D3E6D2FDD}" srcOrd="5" destOrd="0" presId="urn:microsoft.com/office/officeart/2008/layout/LinedList"/>
+    <dgm:cxn modelId="{48D2656A-D27A-4FBA-A9F9-6E5CF45EC84D}" type="presParOf" srcId="{3875F622-FFF8-490C-BBB3-DB4D3E6D2FDD}" destId="{CAD49209-D2F0-44D7-90D1-294D9C5B5245}" srcOrd="0" destOrd="0" presId="urn:microsoft.com/office/officeart/2008/layout/LinedList"/>
+    <dgm:cxn modelId="{AFC81653-3BC5-43F6-A580-C510CA966D82}" type="presParOf" srcId="{3875F622-FFF8-490C-BBB3-DB4D3E6D2FDD}" destId="{72AE0DB2-3B66-430D-AF5A-576B3E4D8CD8}" srcOrd="1" destOrd="0" presId="urn:microsoft.com/office/officeart/2008/layout/LinedList"/>
+    <dgm:cxn modelId="{988624BF-932B-44D8-A0E8-CC43FC4F79EF}" type="presParOf" srcId="{D51D8E35-DF1E-4014-8E7B-964650FFC41A}" destId="{0B85A86C-009A-49A4-B178-E65E2DDCCA61}" srcOrd="6" destOrd="0" presId="urn:microsoft.com/office/officeart/2008/layout/LinedList"/>
+    <dgm:cxn modelId="{7449E059-CB9D-40BE-BF2E-E82FF41624E9}" type="presParOf" srcId="{D51D8E35-DF1E-4014-8E7B-964650FFC41A}" destId="{F7B59A51-0197-4340-9B1E-81FAD9A50EB4}" srcOrd="7" destOrd="0" presId="urn:microsoft.com/office/officeart/2008/layout/LinedList"/>
     <dgm:cxn modelId="{F8DF7F8D-A8A1-4794-918F-5B85C160E35E}" type="presParOf" srcId="{F7B59A51-0197-4340-9B1E-81FAD9A50EB4}" destId="{2812CB5D-8CFD-4B86-B81B-C20A90E37D47}" srcOrd="0" destOrd="0" presId="urn:microsoft.com/office/officeart/2008/layout/LinedList"/>
     <dgm:cxn modelId="{E398F7D4-3C54-4D79-9627-CB74787A3808}" type="presParOf" srcId="{F7B59A51-0197-4340-9B1E-81FAD9A50EB4}" destId="{F74456B9-DC3B-4329-842E-B8CCB8CA8DF6}" srcOrd="1" destOrd="0" presId="urn:microsoft.com/office/officeart/2008/layout/LinedList"/>
-    <dgm:cxn modelId="{25B79ED2-8B59-4275-8CC3-39036B4F3953}" type="presParOf" srcId="{D51D8E35-DF1E-4014-8E7B-964650FFC41A}" destId="{92D48A48-E9D3-40FD-BC94-A81FFF21D217}" srcOrd="6" destOrd="0" presId="urn:microsoft.com/office/officeart/2008/layout/LinedList"/>
-    <dgm:cxn modelId="{587C92F8-7D07-47A8-9D31-F2FDF5A2F575}" type="presParOf" srcId="{D51D8E35-DF1E-4014-8E7B-964650FFC41A}" destId="{3902F2BA-F1E7-4655-ACA2-823ED6CA5224}" srcOrd="7" destOrd="0" presId="urn:microsoft.com/office/officeart/2008/layout/LinedList"/>
+    <dgm:cxn modelId="{25B79ED2-8B59-4275-8CC3-39036B4F3953}" type="presParOf" srcId="{D51D8E35-DF1E-4014-8E7B-964650FFC41A}" destId="{92D48A48-E9D3-40FD-BC94-A81FFF21D217}" srcOrd="8" destOrd="0" presId="urn:microsoft.com/office/officeart/2008/layout/LinedList"/>
+    <dgm:cxn modelId="{587C92F8-7D07-47A8-9D31-F2FDF5A2F575}" type="presParOf" srcId="{D51D8E35-DF1E-4014-8E7B-964650FFC41A}" destId="{3902F2BA-F1E7-4655-ACA2-823ED6CA5224}" srcOrd="9" destOrd="0" presId="urn:microsoft.com/office/officeart/2008/layout/LinedList"/>
     <dgm:cxn modelId="{C972B3FE-ED13-4AC3-A08A-9DEFFDA2510A}" type="presParOf" srcId="{3902F2BA-F1E7-4655-ACA2-823ED6CA5224}" destId="{696AA030-65F1-402B-975B-AECE57538A65}" srcOrd="0" destOrd="0" presId="urn:microsoft.com/office/officeart/2008/layout/LinedList"/>
     <dgm:cxn modelId="{0C1C6D3E-0855-424B-9CDE-E81168D2CFB4}" type="presParOf" srcId="{3902F2BA-F1E7-4655-ACA2-823ED6CA5224}" destId="{C5E9F4AD-489E-44CF-B801-5F7D7DBE9FD0}" srcOrd="1" destOrd="0" presId="urn:microsoft.com/office/officeart/2008/layout/LinedList"/>
   </dgm:cxnLst>
@@ -5559,51 +5629,6 @@
         </a:p>
       </dgm:t>
     </dgm:pt>
-    <dgm:pt modelId="{6F56E5B8-9922-452D-9ABD-FAA7050C33FF}">
-      <dgm:prSet custT="1"/>
-      <dgm:spPr/>
-      <dgm:t>
-        <a:bodyPr/>
-        <a:lstStyle/>
-        <a:p>
-          <a:r>
-            <a:rPr lang="en-US" sz="2200" dirty="0">
-              <a:solidFill>
-                <a:schemeClr val="bg1"/>
-              </a:solidFill>
-            </a:rPr>
-            <a:t>Tight coupling</a:t>
-          </a:r>
-          <a:endParaRPr lang="bg-BG" sz="2200" dirty="0">
-            <a:solidFill>
-              <a:schemeClr val="bg1"/>
-            </a:solidFill>
-          </a:endParaRPr>
-        </a:p>
-      </dgm:t>
-    </dgm:pt>
-    <dgm:pt modelId="{3B47BBD9-3B42-48B2-A5CA-49CB060825DA}" type="parTrans" cxnId="{392C0B7A-10F0-4C03-ACF8-3940EA9584E2}">
-      <dgm:prSet/>
-      <dgm:spPr/>
-      <dgm:t>
-        <a:bodyPr/>
-        <a:lstStyle/>
-        <a:p>
-          <a:endParaRPr lang="bg-BG"/>
-        </a:p>
-      </dgm:t>
-    </dgm:pt>
-    <dgm:pt modelId="{C662CF02-C70E-4C8F-80CC-3D4F192D53EE}" type="sibTrans" cxnId="{392C0B7A-10F0-4C03-ACF8-3940EA9584E2}">
-      <dgm:prSet/>
-      <dgm:spPr/>
-      <dgm:t>
-        <a:bodyPr/>
-        <a:lstStyle/>
-        <a:p>
-          <a:endParaRPr lang="bg-BG"/>
-        </a:p>
-      </dgm:t>
-    </dgm:pt>
     <dgm:pt modelId="{98EEA278-1FE3-4D6E-9A9C-A473B72E5D7D}">
       <dgm:prSet custT="1"/>
       <dgm:spPr/>
@@ -5784,11 +5809,11 @@
     </dgm:pt>
   </dgm:ptLst>
   <dgm:cxnLst>
-    <dgm:cxn modelId="{3100BC05-A6D1-4D49-ACBD-E6BFD6D13873}" type="presOf" srcId="{43FE9E25-A3F0-4C02-BBE0-B3083FD9BBA9}" destId="{9F24B2B3-2DD0-4DD5-B684-2FEAB92C83D3}" srcOrd="0" destOrd="5" presId="urn:microsoft.com/office/officeart/2005/8/layout/vList2"/>
+    <dgm:cxn modelId="{3100BC05-A6D1-4D49-ACBD-E6BFD6D13873}" type="presOf" srcId="{43FE9E25-A3F0-4C02-BBE0-B3083FD9BBA9}" destId="{9F24B2B3-2DD0-4DD5-B684-2FEAB92C83D3}" srcOrd="0" destOrd="4" presId="urn:microsoft.com/office/officeart/2005/8/layout/vList2"/>
     <dgm:cxn modelId="{E26BE409-F8B2-4286-9EAB-0D7F75950A9A}" type="presOf" srcId="{D0BFF82B-A7A8-4C3D-8592-71D739244B7D}" destId="{3DAD15C5-E00E-46B2-8F9F-C16C26702240}" srcOrd="0" destOrd="0" presId="urn:microsoft.com/office/officeart/2005/8/layout/vList2"/>
     <dgm:cxn modelId="{B751C80C-6ED6-474A-9108-57C464AFDAC5}" srcId="{2D1C2C37-7B6F-40B1-A9CA-81D6ABCF60B6}" destId="{7C9A7B70-31EE-44FE-BF13-E2CACCE44270}" srcOrd="0" destOrd="0" parTransId="{1AC6EBB4-E481-4212-B73B-95A814F1147B}" sibTransId="{4470643C-F1CB-4EDB-BC3C-DA7E22024A18}"/>
     <dgm:cxn modelId="{CFFF5813-43EC-4F5E-A998-18E3787B49D0}" srcId="{2D1C2C37-7B6F-40B1-A9CA-81D6ABCF60B6}" destId="{63A2325D-5A49-4FE7-9705-61046B779206}" srcOrd="1" destOrd="0" parTransId="{84C9B08C-199C-47A7-A718-6D3DFD8AAC3D}" sibTransId="{BE6B1607-EF21-4D31-A1AA-AF5DE920C2DF}"/>
-    <dgm:cxn modelId="{BFE8CB2F-67A6-4F50-AD52-754C000DBDFD}" srcId="{D0BFF82B-A7A8-4C3D-8592-71D739244B7D}" destId="{029E01F1-CC15-4C99-AD89-1C71356C4CD0}" srcOrd="4" destOrd="0" parTransId="{5EDDBE18-39B0-4E63-AEA6-171986F5D351}" sibTransId="{3B722E7E-630A-4873-85AB-5D26368EAD2A}"/>
+    <dgm:cxn modelId="{BFE8CB2F-67A6-4F50-AD52-754C000DBDFD}" srcId="{D0BFF82B-A7A8-4C3D-8592-71D739244B7D}" destId="{029E01F1-CC15-4C99-AD89-1C71356C4CD0}" srcOrd="3" destOrd="0" parTransId="{5EDDBE18-39B0-4E63-AEA6-171986F5D351}" sibTransId="{3B722E7E-630A-4873-85AB-5D26368EAD2A}"/>
     <dgm:cxn modelId="{B886A25B-7B4C-4978-B088-742B00EAC7E7}" type="presOf" srcId="{33948E1B-3FDC-4494-A8E8-E67C02E9546F}" destId="{63635E32-510A-4D0F-A6CB-514E1BB4A76A}" srcOrd="0" destOrd="3" presId="urn:microsoft.com/office/officeart/2005/8/layout/vList2"/>
     <dgm:cxn modelId="{C788DD41-0DA1-4116-86D7-6F91473C42F1}" srcId="{2D1C2C37-7B6F-40B1-A9CA-81D6ABCF60B6}" destId="{39B4C99A-D81B-41ED-8BD5-04B764BAEAD2}" srcOrd="2" destOrd="0" parTransId="{9B035E87-8616-4E42-9EBD-D70DD168186C}" sibTransId="{64BC7690-7404-43DE-8389-6263E29612B2}"/>
     <dgm:cxn modelId="{638C6965-EB2A-4696-99CD-09333BC4C6BA}" type="presOf" srcId="{211441B8-CBE6-4FD5-8A78-520242B1878D}" destId="{9F24B2B3-2DD0-4DD5-B684-2FEAB92C83D3}" srcOrd="0" destOrd="1" presId="urn:microsoft.com/office/officeart/2005/8/layout/vList2"/>
@@ -5797,22 +5822,20 @@
     <dgm:cxn modelId="{CED2E24E-EE06-466E-A59B-079689D72EEC}" srcId="{D0BFF82B-A7A8-4C3D-8592-71D739244B7D}" destId="{211441B8-CBE6-4FD5-8A78-520242B1878D}" srcOrd="1" destOrd="0" parTransId="{5E050188-DCFC-4F26-B0C6-7A693B7CED8F}" sibTransId="{7102FD98-6C22-4865-B56A-0034B5203CB0}"/>
     <dgm:cxn modelId="{252BFE54-0B62-4A3B-ACBE-20A53ED47E29}" type="presOf" srcId="{7C9A7B70-31EE-44FE-BF13-E2CACCE44270}" destId="{63635E32-510A-4D0F-A6CB-514E1BB4A76A}" srcOrd="0" destOrd="0" presId="urn:microsoft.com/office/officeart/2005/8/layout/vList2"/>
     <dgm:cxn modelId="{97474B56-B1B9-466C-9687-64296651BC37}" type="presOf" srcId="{0E0A84E1-51A1-445D-824C-95823BD90A01}" destId="{63635E32-510A-4D0F-A6CB-514E1BB4A76A}" srcOrd="0" destOrd="5" presId="urn:microsoft.com/office/officeart/2005/8/layout/vList2"/>
-    <dgm:cxn modelId="{392C0B7A-10F0-4C03-ACF8-3940EA9584E2}" srcId="{D0BFF82B-A7A8-4C3D-8592-71D739244B7D}" destId="{6F56E5B8-9922-452D-9ABD-FAA7050C33FF}" srcOrd="2" destOrd="0" parTransId="{3B47BBD9-3B42-48B2-A5CA-49CB060825DA}" sibTransId="{C662CF02-C70E-4C8F-80CC-3D4F192D53EE}"/>
-    <dgm:cxn modelId="{CCF6947C-42D1-4ECA-ACCA-38CD38886159}" srcId="{D0BFF82B-A7A8-4C3D-8592-71D739244B7D}" destId="{98EEA278-1FE3-4D6E-9A9C-A473B72E5D7D}" srcOrd="3" destOrd="0" parTransId="{FC6055B7-E551-460D-8ADC-67F12C739A7A}" sibTransId="{976A25A1-0307-4E1B-9F81-00BB518E8052}"/>
+    <dgm:cxn modelId="{CCF6947C-42D1-4ECA-ACCA-38CD38886159}" srcId="{D0BFF82B-A7A8-4C3D-8592-71D739244B7D}" destId="{98EEA278-1FE3-4D6E-9A9C-A473B72E5D7D}" srcOrd="2" destOrd="0" parTransId="{FC6055B7-E551-460D-8ADC-67F12C739A7A}" sibTransId="{976A25A1-0307-4E1B-9F81-00BB518E8052}"/>
     <dgm:cxn modelId="{2487A87E-DE30-4748-90F3-CF9F7AC4D8AC}" srcId="{2D1C2C37-7B6F-40B1-A9CA-81D6ABCF60B6}" destId="{33948E1B-3FDC-4494-A8E8-E67C02E9546F}" srcOrd="3" destOrd="0" parTransId="{501E15BF-7896-4340-B361-3028B8C6DDA7}" sibTransId="{53241D81-C213-45B5-8CE6-FA41A9ADC69D}"/>
     <dgm:cxn modelId="{2D77A983-5A67-488C-80DA-24C0DC578B25}" type="presOf" srcId="{B13524C2-798A-4811-8898-791D44E12382}" destId="{9F24B2B3-2DD0-4DD5-B684-2FEAB92C83D3}" srcOrd="0" destOrd="0" presId="urn:microsoft.com/office/officeart/2005/8/layout/vList2"/>
-    <dgm:cxn modelId="{2AF08FB2-CDBA-42EC-B580-A320AE824770}" srcId="{D0BFF82B-A7A8-4C3D-8592-71D739244B7D}" destId="{43FE9E25-A3F0-4C02-BBE0-B3083FD9BBA9}" srcOrd="5" destOrd="0" parTransId="{B441DF63-87D4-448B-B84A-CA2D9EF87A21}" sibTransId="{D6F7074E-5B9D-42FE-A061-A822A74B51B8}"/>
+    <dgm:cxn modelId="{2AF08FB2-CDBA-42EC-B580-A320AE824770}" srcId="{D0BFF82B-A7A8-4C3D-8592-71D739244B7D}" destId="{43FE9E25-A3F0-4C02-BBE0-B3083FD9BBA9}" srcOrd="4" destOrd="0" parTransId="{B441DF63-87D4-448B-B84A-CA2D9EF87A21}" sibTransId="{D6F7074E-5B9D-42FE-A061-A822A74B51B8}"/>
     <dgm:cxn modelId="{B5D756B9-F6F0-4FDB-B698-3D0EE01A8DE3}" type="presOf" srcId="{2D1C2C37-7B6F-40B1-A9CA-81D6ABCF60B6}" destId="{D33A2FF8-A78E-4539-A2A5-886A470F6DDD}" srcOrd="0" destOrd="0" presId="urn:microsoft.com/office/officeart/2005/8/layout/vList2"/>
-    <dgm:cxn modelId="{878AEEBC-3681-4EFE-8E6D-7D3BE2DB6618}" type="presOf" srcId="{6F56E5B8-9922-452D-9ABD-FAA7050C33FF}" destId="{9F24B2B3-2DD0-4DD5-B684-2FEAB92C83D3}" srcOrd="0" destOrd="2" presId="urn:microsoft.com/office/officeart/2005/8/layout/vList2"/>
     <dgm:cxn modelId="{77ACFFBC-EFC3-4CE2-88B6-A4D2451B6389}" type="presOf" srcId="{39B4C99A-D81B-41ED-8BD5-04B764BAEAD2}" destId="{63635E32-510A-4D0F-A6CB-514E1BB4A76A}" srcOrd="0" destOrd="2" presId="urn:microsoft.com/office/officeart/2005/8/layout/vList2"/>
-    <dgm:cxn modelId="{BD3503C7-CAC1-460D-AAD1-5764C4C4A1C9}" type="presOf" srcId="{029E01F1-CC15-4C99-AD89-1C71356C4CD0}" destId="{9F24B2B3-2DD0-4DD5-B684-2FEAB92C83D3}" srcOrd="0" destOrd="4" presId="urn:microsoft.com/office/officeart/2005/8/layout/vList2"/>
+    <dgm:cxn modelId="{BD3503C7-CAC1-460D-AAD1-5764C4C4A1C9}" type="presOf" srcId="{029E01F1-CC15-4C99-AD89-1C71356C4CD0}" destId="{9F24B2B3-2DD0-4DD5-B684-2FEAB92C83D3}" srcOrd="0" destOrd="3" presId="urn:microsoft.com/office/officeart/2005/8/layout/vList2"/>
     <dgm:cxn modelId="{E47BFAC9-E0C3-41BD-9CD6-DF035F81311F}" srcId="{2D1C2C37-7B6F-40B1-A9CA-81D6ABCF60B6}" destId="{12F34BAF-6175-44AB-934D-988B384C1DCF}" srcOrd="4" destOrd="0" parTransId="{299317F3-ABD4-4213-8E2B-D403F3859BEF}" sibTransId="{6881BE96-B44D-4C62-92D3-200FD5DA1561}"/>
     <dgm:cxn modelId="{4609BFCD-0CBC-461D-9FDF-A6B847D7572F}" srcId="{C720FE5B-60A2-426B-AD66-BE5F09F21D72}" destId="{D0BFF82B-A7A8-4C3D-8592-71D739244B7D}" srcOrd="1" destOrd="0" parTransId="{09C0AC1E-AF6A-431B-AD87-FE47BD6379D1}" sibTransId="{ABC9B147-D28E-415D-B5E8-0C1D6AE032A6}"/>
     <dgm:cxn modelId="{F7BC0BDB-CD31-4604-9558-6E855A4245D4}" type="presOf" srcId="{12F34BAF-6175-44AB-934D-988B384C1DCF}" destId="{63635E32-510A-4D0F-A6CB-514E1BB4A76A}" srcOrd="0" destOrd="4" presId="urn:microsoft.com/office/officeart/2005/8/layout/vList2"/>
     <dgm:cxn modelId="{2FB3C5DC-7FFC-4912-A2B7-BDCFAD30A5FD}" srcId="{C720FE5B-60A2-426B-AD66-BE5F09F21D72}" destId="{2D1C2C37-7B6F-40B1-A9CA-81D6ABCF60B6}" srcOrd="0" destOrd="0" parTransId="{0F5B595E-3164-4D3B-A796-C49FF2732186}" sibTransId="{3215FCF6-4A80-4895-A684-DB08ED6DA671}"/>
     <dgm:cxn modelId="{8AA725EB-4E2E-40E6-BC1F-572909F044D7}" srcId="{D0BFF82B-A7A8-4C3D-8592-71D739244B7D}" destId="{B13524C2-798A-4811-8898-791D44E12382}" srcOrd="0" destOrd="0" parTransId="{FAA44413-A722-41E6-A378-5B133FBC37A9}" sibTransId="{C96264FB-ACA8-4847-AE73-AC689F44201B}"/>
     <dgm:cxn modelId="{D06C4BEF-0227-4478-AAE1-7BC4721F3C2E}" type="presOf" srcId="{C720FE5B-60A2-426B-AD66-BE5F09F21D72}" destId="{22E563E3-FF89-499C-8A40-84326503DEA1}" srcOrd="0" destOrd="0" presId="urn:microsoft.com/office/officeart/2005/8/layout/vList2"/>
-    <dgm:cxn modelId="{5ACD64F4-92F0-4B98-9515-01300379F857}" type="presOf" srcId="{98EEA278-1FE3-4D6E-9A9C-A473B72E5D7D}" destId="{9F24B2B3-2DD0-4DD5-B684-2FEAB92C83D3}" srcOrd="0" destOrd="3" presId="urn:microsoft.com/office/officeart/2005/8/layout/vList2"/>
+    <dgm:cxn modelId="{5ACD64F4-92F0-4B98-9515-01300379F857}" type="presOf" srcId="{98EEA278-1FE3-4D6E-9A9C-A473B72E5D7D}" destId="{9F24B2B3-2DD0-4DD5-B684-2FEAB92C83D3}" srcOrd="0" destOrd="2" presId="urn:microsoft.com/office/officeart/2005/8/layout/vList2"/>
     <dgm:cxn modelId="{FD0B7029-9486-489C-8991-0EF565B04EEB}" type="presParOf" srcId="{22E563E3-FF89-499C-8A40-84326503DEA1}" destId="{D33A2FF8-A78E-4539-A2A5-886A470F6DDD}" srcOrd="0" destOrd="0" presId="urn:microsoft.com/office/officeart/2005/8/layout/vList2"/>
     <dgm:cxn modelId="{AC84BA47-3DF9-4849-9D76-1802393EECE5}" type="presParOf" srcId="{22E563E3-FF89-499C-8A40-84326503DEA1}" destId="{63635E32-510A-4D0F-A6CB-514E1BB4A76A}" srcOrd="1" destOrd="0" presId="urn:microsoft.com/office/officeart/2005/8/layout/vList2"/>
     <dgm:cxn modelId="{4633B640-73D6-4A7F-B92C-9587D24FABDC}" type="presParOf" srcId="{22E563E3-FF89-499C-8A40-84326503DEA1}" destId="{3DAD15C5-E00E-46B2-8F9F-C16C26702240}" srcOrd="2" destOrd="0" presId="urn:microsoft.com/office/officeart/2005/8/layout/vList2"/>
@@ -6255,6 +6278,53 @@
         </a:p>
       </dgm:t>
     </dgm:pt>
+    <dgm:pt modelId="{A9583E49-78DF-4A6B-9E7C-D8B370B96D06}">
+      <dgm:prSet custT="1"/>
+      <dgm:spPr/>
+      <dgm:t>
+        <a:bodyPr/>
+        <a:lstStyle/>
+        <a:p>
+          <a:r>
+            <a:rPr lang="en-US" sz="2200" dirty="0">
+              <a:solidFill>
+                <a:schemeClr val="bg1"/>
+              </a:solidFill>
+              <a:latin typeface="Consolas" panose="020B0609020204030204" pitchFamily="49" charset="0"/>
+            </a:rPr>
+            <a:t>Avoid unnecessary development effort</a:t>
+          </a:r>
+          <a:endParaRPr lang="bg-BG" sz="2200" dirty="0">
+            <a:solidFill>
+              <a:schemeClr val="bg1"/>
+            </a:solidFill>
+            <a:latin typeface="Consolas" panose="020B0609020204030204" pitchFamily="49" charset="0"/>
+          </a:endParaRPr>
+        </a:p>
+      </dgm:t>
+    </dgm:pt>
+    <dgm:pt modelId="{02A5EF29-E8B9-4B76-B43C-D012A1DB035B}" type="parTrans" cxnId="{D683AD07-BE7C-4D83-ABD1-196ACBCD3B33}">
+      <dgm:prSet/>
+      <dgm:spPr/>
+      <dgm:t>
+        <a:bodyPr/>
+        <a:lstStyle/>
+        <a:p>
+          <a:endParaRPr lang="bg-BG"/>
+        </a:p>
+      </dgm:t>
+    </dgm:pt>
+    <dgm:pt modelId="{353B6727-C699-4160-A311-80F0273C94A7}" type="sibTrans" cxnId="{D683AD07-BE7C-4D83-ABD1-196ACBCD3B33}">
+      <dgm:prSet/>
+      <dgm:spPr/>
+      <dgm:t>
+        <a:bodyPr/>
+        <a:lstStyle/>
+        <a:p>
+          <a:endParaRPr lang="bg-BG"/>
+        </a:p>
+      </dgm:t>
+    </dgm:pt>
     <dgm:pt modelId="{22E563E3-FF89-499C-8A40-84326503DEA1}" type="pres">
       <dgm:prSet presAssocID="{C720FE5B-60A2-426B-AD66-BE5F09F21D72}" presName="linear" presStyleCnt="0">
         <dgm:presLayoutVars>
@@ -6300,22 +6370,24 @@
     </dgm:pt>
   </dgm:ptLst>
   <dgm:cxnLst>
+    <dgm:cxn modelId="{D683AD07-BE7C-4D83-ABD1-196ACBCD3B33}" srcId="{2D1C2C37-7B6F-40B1-A9CA-81D6ABCF60B6}" destId="{A9583E49-78DF-4A6B-9E7C-D8B370B96D06}" srcOrd="2" destOrd="0" parTransId="{02A5EF29-E8B9-4B76-B43C-D012A1DB035B}" sibTransId="{353B6727-C699-4160-A311-80F0273C94A7}"/>
     <dgm:cxn modelId="{E26BE409-F8B2-4286-9EAB-0D7F75950A9A}" type="presOf" srcId="{D0BFF82B-A7A8-4C3D-8592-71D739244B7D}" destId="{3DAD15C5-E00E-46B2-8F9F-C16C26702240}" srcOrd="0" destOrd="0" presId="urn:microsoft.com/office/officeart/2005/8/layout/vList2"/>
     <dgm:cxn modelId="{B751C80C-6ED6-474A-9108-57C464AFDAC5}" srcId="{2D1C2C37-7B6F-40B1-A9CA-81D6ABCF60B6}" destId="{7C9A7B70-31EE-44FE-BF13-E2CACCE44270}" srcOrd="0" destOrd="0" parTransId="{1AC6EBB4-E481-4212-B73B-95A814F1147B}" sibTransId="{4470643C-F1CB-4EDB-BC3C-DA7E22024A18}"/>
-    <dgm:cxn modelId="{B886A25B-7B4C-4978-B088-742B00EAC7E7}" type="presOf" srcId="{33948E1B-3FDC-4494-A8E8-E67C02E9546F}" destId="{63635E32-510A-4D0F-A6CB-514E1BB4A76A}" srcOrd="0" destOrd="2" presId="urn:microsoft.com/office/officeart/2005/8/layout/vList2"/>
+    <dgm:cxn modelId="{B886A25B-7B4C-4978-B088-742B00EAC7E7}" type="presOf" srcId="{33948E1B-3FDC-4494-A8E8-E67C02E9546F}" destId="{63635E32-510A-4D0F-A6CB-514E1BB4A76A}" srcOrd="0" destOrd="3" presId="urn:microsoft.com/office/officeart/2005/8/layout/vList2"/>
     <dgm:cxn modelId="{C788DD41-0DA1-4116-86D7-6F91473C42F1}" srcId="{2D1C2C37-7B6F-40B1-A9CA-81D6ABCF60B6}" destId="{39B4C99A-D81B-41ED-8BD5-04B764BAEAD2}" srcOrd="1" destOrd="0" parTransId="{9B035E87-8616-4E42-9EBD-D70DD168186C}" sibTransId="{64BC7690-7404-43DE-8389-6263E29612B2}"/>
     <dgm:cxn modelId="{638C6965-EB2A-4696-99CD-09333BC4C6BA}" type="presOf" srcId="{211441B8-CBE6-4FD5-8A78-520242B1878D}" destId="{9F24B2B3-2DD0-4DD5-B684-2FEAB92C83D3}" srcOrd="0" destOrd="1" presId="urn:microsoft.com/office/officeart/2005/8/layout/vList2"/>
     <dgm:cxn modelId="{CED2E24E-EE06-466E-A59B-079689D72EEC}" srcId="{D0BFF82B-A7A8-4C3D-8592-71D739244B7D}" destId="{211441B8-CBE6-4FD5-8A78-520242B1878D}" srcOrd="1" destOrd="0" parTransId="{5E050188-DCFC-4F26-B0C6-7A693B7CED8F}" sibTransId="{7102FD98-6C22-4865-B56A-0034B5203CB0}"/>
     <dgm:cxn modelId="{252BFE54-0B62-4A3B-ACBE-20A53ED47E29}" type="presOf" srcId="{7C9A7B70-31EE-44FE-BF13-E2CACCE44270}" destId="{63635E32-510A-4D0F-A6CB-514E1BB4A76A}" srcOrd="0" destOrd="0" presId="urn:microsoft.com/office/officeart/2005/8/layout/vList2"/>
     <dgm:cxn modelId="{392C0B7A-10F0-4C03-ACF8-3940EA9584E2}" srcId="{D0BFF82B-A7A8-4C3D-8592-71D739244B7D}" destId="{6F56E5B8-9922-452D-9ABD-FAA7050C33FF}" srcOrd="2" destOrd="0" parTransId="{3B47BBD9-3B42-48B2-A5CA-49CB060825DA}" sibTransId="{C662CF02-C70E-4C8F-80CC-3D4F192D53EE}"/>
-    <dgm:cxn modelId="{2487A87E-DE30-4748-90F3-CF9F7AC4D8AC}" srcId="{2D1C2C37-7B6F-40B1-A9CA-81D6ABCF60B6}" destId="{33948E1B-3FDC-4494-A8E8-E67C02E9546F}" srcOrd="2" destOrd="0" parTransId="{501E15BF-7896-4340-B361-3028B8C6DDA7}" sibTransId="{53241D81-C213-45B5-8CE6-FA41A9ADC69D}"/>
+    <dgm:cxn modelId="{2487A87E-DE30-4748-90F3-CF9F7AC4D8AC}" srcId="{2D1C2C37-7B6F-40B1-A9CA-81D6ABCF60B6}" destId="{33948E1B-3FDC-4494-A8E8-E67C02E9546F}" srcOrd="3" destOrd="0" parTransId="{501E15BF-7896-4340-B361-3028B8C6DDA7}" sibTransId="{53241D81-C213-45B5-8CE6-FA41A9ADC69D}"/>
     <dgm:cxn modelId="{2D77A983-5A67-488C-80DA-24C0DC578B25}" type="presOf" srcId="{B13524C2-798A-4811-8898-791D44E12382}" destId="{9F24B2B3-2DD0-4DD5-B684-2FEAB92C83D3}" srcOrd="0" destOrd="0" presId="urn:microsoft.com/office/officeart/2005/8/layout/vList2"/>
+    <dgm:cxn modelId="{A1C830A9-A749-4295-8619-6CDE84EA921C}" type="presOf" srcId="{A9583E49-78DF-4A6B-9E7C-D8B370B96D06}" destId="{63635E32-510A-4D0F-A6CB-514E1BB4A76A}" srcOrd="0" destOrd="2" presId="urn:microsoft.com/office/officeart/2005/8/layout/vList2"/>
     <dgm:cxn modelId="{B5D756B9-F6F0-4FDB-B698-3D0EE01A8DE3}" type="presOf" srcId="{2D1C2C37-7B6F-40B1-A9CA-81D6ABCF60B6}" destId="{D33A2FF8-A78E-4539-A2A5-886A470F6DDD}" srcOrd="0" destOrd="0" presId="urn:microsoft.com/office/officeart/2005/8/layout/vList2"/>
     <dgm:cxn modelId="{878AEEBC-3681-4EFE-8E6D-7D3BE2DB6618}" type="presOf" srcId="{6F56E5B8-9922-452D-9ABD-FAA7050C33FF}" destId="{9F24B2B3-2DD0-4DD5-B684-2FEAB92C83D3}" srcOrd="0" destOrd="2" presId="urn:microsoft.com/office/officeart/2005/8/layout/vList2"/>
     <dgm:cxn modelId="{77ACFFBC-EFC3-4CE2-88B6-A4D2451B6389}" type="presOf" srcId="{39B4C99A-D81B-41ED-8BD5-04B764BAEAD2}" destId="{63635E32-510A-4D0F-A6CB-514E1BB4A76A}" srcOrd="0" destOrd="1" presId="urn:microsoft.com/office/officeart/2005/8/layout/vList2"/>
-    <dgm:cxn modelId="{E47BFAC9-E0C3-41BD-9CD6-DF035F81311F}" srcId="{2D1C2C37-7B6F-40B1-A9CA-81D6ABCF60B6}" destId="{12F34BAF-6175-44AB-934D-988B384C1DCF}" srcOrd="3" destOrd="0" parTransId="{299317F3-ABD4-4213-8E2B-D403F3859BEF}" sibTransId="{6881BE96-B44D-4C62-92D3-200FD5DA1561}"/>
+    <dgm:cxn modelId="{E47BFAC9-E0C3-41BD-9CD6-DF035F81311F}" srcId="{2D1C2C37-7B6F-40B1-A9CA-81D6ABCF60B6}" destId="{12F34BAF-6175-44AB-934D-988B384C1DCF}" srcOrd="4" destOrd="0" parTransId="{299317F3-ABD4-4213-8E2B-D403F3859BEF}" sibTransId="{6881BE96-B44D-4C62-92D3-200FD5DA1561}"/>
     <dgm:cxn modelId="{4609BFCD-0CBC-461D-9FDF-A6B847D7572F}" srcId="{C720FE5B-60A2-426B-AD66-BE5F09F21D72}" destId="{D0BFF82B-A7A8-4C3D-8592-71D739244B7D}" srcOrd="1" destOrd="0" parTransId="{09C0AC1E-AF6A-431B-AD87-FE47BD6379D1}" sibTransId="{ABC9B147-D28E-415D-B5E8-0C1D6AE032A6}"/>
-    <dgm:cxn modelId="{F7BC0BDB-CD31-4604-9558-6E855A4245D4}" type="presOf" srcId="{12F34BAF-6175-44AB-934D-988B384C1DCF}" destId="{63635E32-510A-4D0F-A6CB-514E1BB4A76A}" srcOrd="0" destOrd="3" presId="urn:microsoft.com/office/officeart/2005/8/layout/vList2"/>
+    <dgm:cxn modelId="{F7BC0BDB-CD31-4604-9558-6E855A4245D4}" type="presOf" srcId="{12F34BAF-6175-44AB-934D-988B384C1DCF}" destId="{63635E32-510A-4D0F-A6CB-514E1BB4A76A}" srcOrd="0" destOrd="4" presId="urn:microsoft.com/office/officeart/2005/8/layout/vList2"/>
     <dgm:cxn modelId="{2FB3C5DC-7FFC-4912-A2B7-BDCFAD30A5FD}" srcId="{C720FE5B-60A2-426B-AD66-BE5F09F21D72}" destId="{2D1C2C37-7B6F-40B1-A9CA-81D6ABCF60B6}" srcOrd="0" destOrd="0" parTransId="{0F5B595E-3164-4D3B-A796-C49FF2732186}" sibTransId="{3215FCF6-4A80-4895-A684-DB08ED6DA671}"/>
     <dgm:cxn modelId="{8AA725EB-4E2E-40E6-BC1F-572909F044D7}" srcId="{D0BFF82B-A7A8-4C3D-8592-71D739244B7D}" destId="{B13524C2-798A-4811-8898-791D44E12382}" srcOrd="0" destOrd="0" parTransId="{FAA44413-A722-41E6-A378-5B133FBC37A9}" sibTransId="{C96264FB-ACA8-4847-AE73-AC689F44201B}"/>
     <dgm:cxn modelId="{D06C4BEF-0227-4478-AAE1-7BC4721F3C2E}" type="presOf" srcId="{C720FE5B-60A2-426B-AD66-BE5F09F21D72}" destId="{22E563E3-FF89-499C-8A40-84326503DEA1}" srcOrd="0" destOrd="0" presId="urn:microsoft.com/office/officeart/2005/8/layout/vList2"/>
@@ -6349,8 +6421,8 @@
       </dsp:nvSpPr>
       <dsp:spPr>
         <a:xfrm>
-          <a:off x="0" y="0"/>
-          <a:ext cx="6492875" cy="0"/>
+          <a:off x="0" y="677"/>
+          <a:ext cx="6979919" cy="0"/>
         </a:xfrm>
         <a:prstGeom prst="line">
           <a:avLst/>
@@ -6399,8 +6471,8 @@
       </dsp:nvSpPr>
       <dsp:spPr>
         <a:xfrm>
-          <a:off x="0" y="0"/>
-          <a:ext cx="6492875" cy="1276350"/>
+          <a:off x="0" y="677"/>
+          <a:ext cx="6979919" cy="1110190"/>
         </a:xfrm>
         <a:prstGeom prst="rect">
           <a:avLst/>
@@ -6424,12 +6496,12 @@
         <a:fontRef idx="minor"/>
       </dsp:style>
       <dsp:txBody>
-        <a:bodyPr spcFirstLastPara="0" vert="horz" wrap="square" lIns="228600" tIns="228600" rIns="228600" bIns="228600" numCol="1" spcCol="1270" anchor="t" anchorCtr="0">
+        <a:bodyPr spcFirstLastPara="0" vert="horz" wrap="square" lIns="198120" tIns="198120" rIns="198120" bIns="198120" numCol="1" spcCol="1270" anchor="t" anchorCtr="0">
           <a:noAutofit/>
         </a:bodyPr>
         <a:lstStyle/>
         <a:p>
-          <a:pPr marL="0" lvl="0" indent="0" algn="l" defTabSz="2667000">
+          <a:pPr marL="0" lvl="0" indent="0" algn="l" defTabSz="2311400">
             <a:lnSpc>
               <a:spcPct val="90000"/>
             </a:lnSpc>
@@ -6442,7 +6514,7 @@
             <a:buNone/>
           </a:pPr>
           <a:r>
-            <a:rPr lang="en-US" sz="6000" kern="1200" dirty="0">
+            <a:rPr lang="en-US" sz="5200" kern="1200" dirty="0">
               <a:solidFill>
                 <a:schemeClr val="bg1"/>
               </a:solidFill>
@@ -6450,7 +6522,7 @@
             </a:rPr>
             <a:t>Git Submodules</a:t>
           </a:r>
-          <a:endParaRPr lang="bg-BG" sz="6000" kern="1200" dirty="0">
+          <a:endParaRPr lang="bg-BG" sz="5200" kern="1200" dirty="0">
             <a:solidFill>
               <a:schemeClr val="bg1"/>
             </a:solidFill>
@@ -6459,8 +6531,8 @@
         </a:p>
       </dsp:txBody>
       <dsp:txXfrm>
-        <a:off x="0" y="0"/>
-        <a:ext cx="6492875" cy="1276350"/>
+        <a:off x="0" y="677"/>
+        <a:ext cx="6979919" cy="1110190"/>
       </dsp:txXfrm>
     </dsp:sp>
     <dsp:sp modelId="{37FD2224-A459-4055-BC56-4ADF6DDE42A0}">
@@ -6470,8 +6542,8 @@
       </dsp:nvSpPr>
       <dsp:spPr>
         <a:xfrm>
-          <a:off x="0" y="1276350"/>
-          <a:ext cx="6492875" cy="0"/>
+          <a:off x="0" y="1110868"/>
+          <a:ext cx="6979919" cy="0"/>
         </a:xfrm>
         <a:prstGeom prst="line">
           <a:avLst/>
@@ -6520,8 +6592,8 @@
       </dsp:nvSpPr>
       <dsp:spPr>
         <a:xfrm>
-          <a:off x="0" y="1276350"/>
-          <a:ext cx="6492875" cy="1276350"/>
+          <a:off x="0" y="1110868"/>
+          <a:ext cx="6979919" cy="1110190"/>
         </a:xfrm>
         <a:prstGeom prst="rect">
           <a:avLst/>
@@ -6545,12 +6617,12 @@
         <a:fontRef idx="minor"/>
       </dsp:style>
       <dsp:txBody>
-        <a:bodyPr spcFirstLastPara="0" vert="horz" wrap="square" lIns="228600" tIns="228600" rIns="228600" bIns="228600" numCol="1" spcCol="1270" anchor="t" anchorCtr="0">
+        <a:bodyPr spcFirstLastPara="0" vert="horz" wrap="square" lIns="198120" tIns="198120" rIns="198120" bIns="198120" numCol="1" spcCol="1270" anchor="t" anchorCtr="0">
           <a:noAutofit/>
         </a:bodyPr>
         <a:lstStyle/>
         <a:p>
-          <a:pPr marL="0" lvl="0" indent="0" algn="l" defTabSz="2667000">
+          <a:pPr marL="0" lvl="0" indent="0" algn="l" defTabSz="2311400">
             <a:lnSpc>
               <a:spcPct val="90000"/>
             </a:lnSpc>
@@ -6563,7 +6635,7 @@
             <a:buNone/>
           </a:pPr>
           <a:r>
-            <a:rPr lang="en-US" sz="6000" kern="1200" dirty="0" err="1">
+            <a:rPr lang="en-US" sz="5200" kern="1200" dirty="0" err="1">
               <a:solidFill>
                 <a:schemeClr val="bg1"/>
               </a:solidFill>
@@ -6571,7 +6643,7 @@
             </a:rPr>
             <a:t>Monorepo</a:t>
           </a:r>
-          <a:endParaRPr lang="bg-BG" sz="6000" kern="1200" dirty="0">
+          <a:endParaRPr lang="bg-BG" sz="5200" kern="1200" dirty="0">
             <a:solidFill>
               <a:schemeClr val="bg1"/>
             </a:solidFill>
@@ -6580,19 +6652,19 @@
         </a:p>
       </dsp:txBody>
       <dsp:txXfrm>
-        <a:off x="0" y="1276350"/>
-        <a:ext cx="6492875" cy="1276350"/>
+        <a:off x="0" y="1110868"/>
+        <a:ext cx="6979919" cy="1110190"/>
       </dsp:txXfrm>
     </dsp:sp>
-    <dsp:sp modelId="{0B85A86C-009A-49A4-B178-E65E2DDCCA61}">
+    <dsp:sp modelId="{D41D5DDD-AAA4-41F4-9760-709E32FC30F7}">
       <dsp:nvSpPr>
         <dsp:cNvPr id="0" name=""/>
         <dsp:cNvSpPr/>
       </dsp:nvSpPr>
       <dsp:spPr>
         <a:xfrm>
-          <a:off x="0" y="2552700"/>
-          <a:ext cx="6492875" cy="0"/>
+          <a:off x="0" y="2221058"/>
+          <a:ext cx="6979919" cy="0"/>
         </a:xfrm>
         <a:prstGeom prst="line">
           <a:avLst/>
@@ -6634,15 +6706,15 @@
         </a:fontRef>
       </dsp:style>
     </dsp:sp>
-    <dsp:sp modelId="{2812CB5D-8CFD-4B86-B81B-C20A90E37D47}">
+    <dsp:sp modelId="{CAD49209-D2F0-44D7-90D1-294D9C5B5245}">
       <dsp:nvSpPr>
         <dsp:cNvPr id="0" name=""/>
         <dsp:cNvSpPr/>
       </dsp:nvSpPr>
       <dsp:spPr>
         <a:xfrm>
-          <a:off x="0" y="2552700"/>
-          <a:ext cx="6492875" cy="1276350"/>
+          <a:off x="0" y="2221058"/>
+          <a:ext cx="6979919" cy="1110190"/>
         </a:xfrm>
         <a:prstGeom prst="rect">
           <a:avLst/>
@@ -6666,12 +6738,12 @@
         <a:fontRef idx="minor"/>
       </dsp:style>
       <dsp:txBody>
-        <a:bodyPr spcFirstLastPara="0" vert="horz" wrap="square" lIns="228600" tIns="228600" rIns="228600" bIns="228600" numCol="1" spcCol="1270" anchor="t" anchorCtr="0">
+        <a:bodyPr spcFirstLastPara="0" vert="horz" wrap="square" lIns="198120" tIns="198120" rIns="198120" bIns="198120" numCol="1" spcCol="1270" anchor="t" anchorCtr="0">
           <a:noAutofit/>
         </a:bodyPr>
         <a:lstStyle/>
         <a:p>
-          <a:pPr marL="0" lvl="0" indent="0" algn="l" defTabSz="2667000">
+          <a:pPr marL="0" lvl="0" indent="0" algn="l" defTabSz="2311400">
             <a:lnSpc>
               <a:spcPct val="90000"/>
             </a:lnSpc>
@@ -6684,15 +6756,15 @@
             <a:buNone/>
           </a:pPr>
           <a:r>
-            <a:rPr lang="en-US" sz="6000" kern="1200" dirty="0">
+            <a:rPr lang="en-GB" sz="5200" kern="1200" dirty="0">
               <a:solidFill>
                 <a:schemeClr val="bg1"/>
               </a:solidFill>
               <a:latin typeface="Consolas" panose="020B0609020204030204" pitchFamily="49" charset="0"/>
             </a:rPr>
-            <a:t>Vanilla CLI</a:t>
+            <a:t>Packages</a:t>
           </a:r>
-          <a:endParaRPr lang="bg-BG" sz="6000" kern="1200" dirty="0">
+          <a:endParaRPr lang="bg-BG" sz="5200" kern="1200" dirty="0">
             <a:solidFill>
               <a:schemeClr val="bg1"/>
             </a:solidFill>
@@ -6701,19 +6773,19 @@
         </a:p>
       </dsp:txBody>
       <dsp:txXfrm>
-        <a:off x="0" y="2552700"/>
-        <a:ext cx="6492875" cy="1276350"/>
+        <a:off x="0" y="2221058"/>
+        <a:ext cx="6979919" cy="1110190"/>
       </dsp:txXfrm>
     </dsp:sp>
-    <dsp:sp modelId="{92D48A48-E9D3-40FD-BC94-A81FFF21D217}">
+    <dsp:sp modelId="{0B85A86C-009A-49A4-B178-E65E2DDCCA61}">
       <dsp:nvSpPr>
         <dsp:cNvPr id="0" name=""/>
         <dsp:cNvSpPr/>
       </dsp:nvSpPr>
       <dsp:spPr>
         <a:xfrm>
-          <a:off x="0" y="3829050"/>
-          <a:ext cx="6492875" cy="0"/>
+          <a:off x="0" y="3331249"/>
+          <a:ext cx="6979919" cy="0"/>
         </a:xfrm>
         <a:prstGeom prst="line">
           <a:avLst/>
@@ -6755,15 +6827,15 @@
         </a:fontRef>
       </dsp:style>
     </dsp:sp>
-    <dsp:sp modelId="{696AA030-65F1-402B-975B-AECE57538A65}">
+    <dsp:sp modelId="{2812CB5D-8CFD-4B86-B81B-C20A90E37D47}">
       <dsp:nvSpPr>
         <dsp:cNvPr id="0" name=""/>
         <dsp:cNvSpPr/>
       </dsp:nvSpPr>
       <dsp:spPr>
         <a:xfrm>
-          <a:off x="0" y="3829050"/>
-          <a:ext cx="6492875" cy="1276350"/>
+          <a:off x="0" y="3331249"/>
+          <a:ext cx="6979919" cy="1110190"/>
         </a:xfrm>
         <a:prstGeom prst="rect">
           <a:avLst/>
@@ -6787,12 +6859,12 @@
         <a:fontRef idx="minor"/>
       </dsp:style>
       <dsp:txBody>
-        <a:bodyPr spcFirstLastPara="0" vert="horz" wrap="square" lIns="228600" tIns="228600" rIns="228600" bIns="228600" numCol="1" spcCol="1270" anchor="t" anchorCtr="0">
+        <a:bodyPr spcFirstLastPara="0" vert="horz" wrap="square" lIns="198120" tIns="198120" rIns="198120" bIns="198120" numCol="1" spcCol="1270" anchor="t" anchorCtr="0">
           <a:noAutofit/>
         </a:bodyPr>
         <a:lstStyle/>
         <a:p>
-          <a:pPr marL="0" lvl="0" indent="0" algn="l" defTabSz="2667000">
+          <a:pPr marL="0" lvl="0" indent="0" algn="l" defTabSz="2311400">
             <a:lnSpc>
               <a:spcPct val="90000"/>
             </a:lnSpc>
@@ -6805,15 +6877,15 @@
             <a:buNone/>
           </a:pPr>
           <a:r>
-            <a:rPr lang="en-US" sz="6000" kern="1200" dirty="0" err="1">
+            <a:rPr lang="en-US" sz="5200" kern="1200" dirty="0">
               <a:solidFill>
                 <a:schemeClr val="bg1"/>
               </a:solidFill>
               <a:latin typeface="Consolas" panose="020B0609020204030204" pitchFamily="49" charset="0"/>
             </a:rPr>
-            <a:t>Nx</a:t>
+            <a:t>Angular CLI</a:t>
           </a:r>
-          <a:endParaRPr lang="bg-BG" sz="6000" kern="1200" dirty="0">
+          <a:endParaRPr lang="bg-BG" sz="5200" kern="1200" dirty="0">
             <a:solidFill>
               <a:schemeClr val="bg1"/>
             </a:solidFill>
@@ -6822,8 +6894,129 @@
         </a:p>
       </dsp:txBody>
       <dsp:txXfrm>
-        <a:off x="0" y="3829050"/>
-        <a:ext cx="6492875" cy="1276350"/>
+        <a:off x="0" y="3331249"/>
+        <a:ext cx="6979919" cy="1110190"/>
+      </dsp:txXfrm>
+    </dsp:sp>
+    <dsp:sp modelId="{92D48A48-E9D3-40FD-BC94-A81FFF21D217}">
+      <dsp:nvSpPr>
+        <dsp:cNvPr id="0" name=""/>
+        <dsp:cNvSpPr/>
+      </dsp:nvSpPr>
+      <dsp:spPr>
+        <a:xfrm>
+          <a:off x="0" y="4441439"/>
+          <a:ext cx="6979919" cy="0"/>
+        </a:xfrm>
+        <a:prstGeom prst="line">
+          <a:avLst/>
+        </a:prstGeom>
+        <a:solidFill>
+          <a:schemeClr val="accent6">
+            <a:hueOff val="0"/>
+            <a:satOff val="0"/>
+            <a:lumOff val="0"/>
+            <a:alphaOff val="0"/>
+          </a:schemeClr>
+        </a:solidFill>
+        <a:ln w="12700" cap="flat" cmpd="sng" algn="ctr">
+          <a:solidFill>
+            <a:schemeClr val="accent6">
+              <a:hueOff val="0"/>
+              <a:satOff val="0"/>
+              <a:lumOff val="0"/>
+              <a:alphaOff val="0"/>
+            </a:schemeClr>
+          </a:solidFill>
+          <a:prstDash val="solid"/>
+          <a:miter lim="800000"/>
+        </a:ln>
+        <a:effectLst/>
+      </dsp:spPr>
+      <dsp:style>
+        <a:lnRef idx="2">
+          <a:scrgbClr r="0" g="0" b="0"/>
+        </a:lnRef>
+        <a:fillRef idx="1">
+          <a:scrgbClr r="0" g="0" b="0"/>
+        </a:fillRef>
+        <a:effectRef idx="0">
+          <a:scrgbClr r="0" g="0" b="0"/>
+        </a:effectRef>
+        <a:fontRef idx="minor">
+          <a:schemeClr val="lt1"/>
+        </a:fontRef>
+      </dsp:style>
+    </dsp:sp>
+    <dsp:sp modelId="{696AA030-65F1-402B-975B-AECE57538A65}">
+      <dsp:nvSpPr>
+        <dsp:cNvPr id="0" name=""/>
+        <dsp:cNvSpPr/>
+      </dsp:nvSpPr>
+      <dsp:spPr>
+        <a:xfrm>
+          <a:off x="0" y="4441439"/>
+          <a:ext cx="6979919" cy="1110190"/>
+        </a:xfrm>
+        <a:prstGeom prst="rect">
+          <a:avLst/>
+        </a:prstGeom>
+        <a:noFill/>
+        <a:ln>
+          <a:noFill/>
+        </a:ln>
+        <a:effectLst/>
+      </dsp:spPr>
+      <dsp:style>
+        <a:lnRef idx="0">
+          <a:scrgbClr r="0" g="0" b="0"/>
+        </a:lnRef>
+        <a:fillRef idx="0">
+          <a:scrgbClr r="0" g="0" b="0"/>
+        </a:fillRef>
+        <a:effectRef idx="0">
+          <a:scrgbClr r="0" g="0" b="0"/>
+        </a:effectRef>
+        <a:fontRef idx="minor"/>
+      </dsp:style>
+      <dsp:txBody>
+        <a:bodyPr spcFirstLastPara="0" vert="horz" wrap="square" lIns="198120" tIns="198120" rIns="198120" bIns="198120" numCol="1" spcCol="1270" anchor="t" anchorCtr="0">
+          <a:noAutofit/>
+        </a:bodyPr>
+        <a:lstStyle/>
+        <a:p>
+          <a:pPr marL="0" lvl="0" indent="0" algn="l" defTabSz="2311400">
+            <a:lnSpc>
+              <a:spcPct val="90000"/>
+            </a:lnSpc>
+            <a:spcBef>
+              <a:spcPct val="0"/>
+            </a:spcBef>
+            <a:spcAft>
+              <a:spcPct val="35000"/>
+            </a:spcAft>
+            <a:buNone/>
+          </a:pPr>
+          <a:r>
+            <a:rPr lang="en-US" sz="5200" kern="1200" dirty="0" err="1">
+              <a:solidFill>
+                <a:schemeClr val="bg1"/>
+              </a:solidFill>
+              <a:latin typeface="Consolas" panose="020B0609020204030204" pitchFamily="49" charset="0"/>
+            </a:rPr>
+            <a:t>Nx</a:t>
+          </a:r>
+          <a:endParaRPr lang="bg-BG" sz="5200" kern="1200" dirty="0">
+            <a:solidFill>
+              <a:schemeClr val="bg1"/>
+            </a:solidFill>
+            <a:latin typeface="Consolas" panose="020B0609020204030204" pitchFamily="49" charset="0"/>
+          </a:endParaRPr>
+        </a:p>
+      </dsp:txBody>
+      <dsp:txXfrm>
+        <a:off x="0" y="4441439"/>
+        <a:ext cx="6979919" cy="1110190"/>
       </dsp:txXfrm>
     </dsp:sp>
   </dsp:spTree>
@@ -7690,7 +7883,7 @@
       </dsp:nvSpPr>
       <dsp:spPr>
         <a:xfrm>
-          <a:off x="0" y="266415"/>
+          <a:off x="0" y="448575"/>
           <a:ext cx="6950075" cy="539998"/>
         </a:xfrm>
         <a:prstGeom prst="roundRect">
@@ -7748,7 +7941,7 @@
         </a:p>
       </dsp:txBody>
       <dsp:txXfrm>
-        <a:off x="26361" y="292776"/>
+        <a:off x="26361" y="474936"/>
         <a:ext cx="6897353" cy="487276"/>
       </dsp:txXfrm>
     </dsp:sp>
@@ -7759,7 +7952,7 @@
       </dsp:nvSpPr>
       <dsp:spPr>
         <a:xfrm>
-          <a:off x="0" y="840173"/>
+          <a:off x="0" y="1022333"/>
           <a:ext cx="6950075" cy="2252160"/>
         </a:xfrm>
         <a:prstGeom prst="rect">
@@ -7952,7 +8145,7 @@
         </a:p>
       </dsp:txBody>
       <dsp:txXfrm>
-        <a:off x="0" y="840173"/>
+        <a:off x="0" y="1022333"/>
         <a:ext cx="6950075" cy="2252160"/>
       </dsp:txXfrm>
     </dsp:sp>
@@ -7963,7 +8156,7 @@
       </dsp:nvSpPr>
       <dsp:spPr>
         <a:xfrm>
-          <a:off x="0" y="3406172"/>
+          <a:off x="0" y="3537564"/>
           <a:ext cx="6950075" cy="539998"/>
         </a:xfrm>
         <a:prstGeom prst="roundRect">
@@ -8026,7 +8219,7 @@
         </a:p>
       </dsp:txBody>
       <dsp:txXfrm>
-        <a:off x="26361" y="3432533"/>
+        <a:off x="26361" y="3563925"/>
         <a:ext cx="6897353" cy="487276"/>
       </dsp:txXfrm>
     </dsp:sp>
@@ -8037,8 +8230,8 @@
       </dsp:nvSpPr>
       <dsp:spPr>
         <a:xfrm>
-          <a:off x="0" y="3906968"/>
-          <a:ext cx="6950075" cy="2252160"/>
+          <a:off x="0" y="4089128"/>
+          <a:ext cx="6950075" cy="1887840"/>
         </a:xfrm>
         <a:prstGeom prst="rect">
           <a:avLst/>
@@ -8139,33 +8332,6 @@
                 <a:schemeClr val="bg1"/>
               </a:solidFill>
             </a:rPr>
-            <a:t>Tight coupling</a:t>
-          </a:r>
-          <a:endParaRPr lang="bg-BG" sz="2200" kern="1200" dirty="0">
-            <a:solidFill>
-              <a:schemeClr val="bg1"/>
-            </a:solidFill>
-          </a:endParaRPr>
-        </a:p>
-        <a:p>
-          <a:pPr marL="228600" lvl="1" indent="-228600" algn="l" defTabSz="977900">
-            <a:lnSpc>
-              <a:spcPct val="90000"/>
-            </a:lnSpc>
-            <a:spcBef>
-              <a:spcPct val="0"/>
-            </a:spcBef>
-            <a:spcAft>
-              <a:spcPct val="20000"/>
-            </a:spcAft>
-            <a:buChar char="•"/>
-          </a:pPr>
-          <a:r>
-            <a:rPr lang="en-US" sz="2200" kern="1200" dirty="0">
-              <a:solidFill>
-                <a:schemeClr val="bg1"/>
-              </a:solidFill>
-            </a:rPr>
             <a:t>Lock per-project security</a:t>
           </a:r>
           <a:endParaRPr lang="bg-BG" sz="2200" kern="1200" dirty="0">
@@ -8230,8 +8396,8 @@
         </a:p>
       </dsp:txBody>
       <dsp:txXfrm>
-        <a:off x="0" y="3906968"/>
-        <a:ext cx="6950075" cy="2252160"/>
+        <a:off x="0" y="4089128"/>
+        <a:ext cx="6950075" cy="1887840"/>
       </dsp:txXfrm>
     </dsp:sp>
   </dsp:spTree>
@@ -8322,8 +8488,8 @@
       </dsp:nvSpPr>
       <dsp:spPr>
         <a:xfrm>
-          <a:off x="0" y="863596"/>
-          <a:ext cx="6950075" cy="1457280"/>
+          <a:off x="0" y="681436"/>
+          <a:ext cx="6950075" cy="1821600"/>
         </a:xfrm>
         <a:prstGeom prst="rect">
           <a:avLst/>
@@ -8429,6 +8595,35 @@
               </a:solidFill>
               <a:latin typeface="Consolas" panose="020B0609020204030204" pitchFamily="49" charset="0"/>
             </a:rPr>
+            <a:t>Avoid unnecessary development effort</a:t>
+          </a:r>
+          <a:endParaRPr lang="bg-BG" sz="2200" kern="1200" dirty="0">
+            <a:solidFill>
+              <a:schemeClr val="bg1"/>
+            </a:solidFill>
+            <a:latin typeface="Consolas" panose="020B0609020204030204" pitchFamily="49" charset="0"/>
+          </a:endParaRPr>
+        </a:p>
+        <a:p>
+          <a:pPr marL="228600" lvl="1" indent="-228600" algn="l" defTabSz="977900">
+            <a:lnSpc>
+              <a:spcPct val="90000"/>
+            </a:lnSpc>
+            <a:spcBef>
+              <a:spcPct val="0"/>
+            </a:spcBef>
+            <a:spcAft>
+              <a:spcPct val="20000"/>
+            </a:spcAft>
+            <a:buChar char="•"/>
+          </a:pPr>
+          <a:r>
+            <a:rPr lang="en-US" sz="2200" kern="1200" dirty="0">
+              <a:solidFill>
+                <a:schemeClr val="bg1"/>
+              </a:solidFill>
+              <a:latin typeface="Consolas" panose="020B0609020204030204" pitchFamily="49" charset="0"/>
+            </a:rPr>
             <a:t>Loose coupling</a:t>
           </a:r>
           <a:endParaRPr lang="bg-BG" sz="2200" kern="1200" dirty="0">
@@ -8469,8 +8664,8 @@
         </a:p>
       </dsp:txBody>
       <dsp:txXfrm>
-        <a:off x="0" y="863596"/>
-        <a:ext cx="6950075" cy="1457280"/>
+        <a:off x="0" y="681436"/>
+        <a:ext cx="6950075" cy="1821600"/>
       </dsp:txXfrm>
     </dsp:sp>
     <dsp:sp modelId="{3DAD15C5-E00E-46B2-8F9F-C16C26702240}">
@@ -8480,7 +8675,7 @@
       </dsp:nvSpPr>
       <dsp:spPr>
         <a:xfrm>
-          <a:off x="0" y="2670435"/>
+          <a:off x="0" y="2852595"/>
           <a:ext cx="6950075" cy="539998"/>
         </a:xfrm>
         <a:prstGeom prst="roundRect">
@@ -8543,7 +8738,7 @@
         </a:p>
       </dsp:txBody>
       <dsp:txXfrm>
-        <a:off x="26361" y="2696796"/>
+        <a:off x="26361" y="2878956"/>
         <a:ext cx="6897353" cy="487276"/>
       </dsp:txXfrm>
     </dsp:sp>
@@ -8554,7 +8749,7 @@
       </dsp:nvSpPr>
       <dsp:spPr>
         <a:xfrm>
-          <a:off x="0" y="3402659"/>
+          <a:off x="0" y="3476901"/>
           <a:ext cx="6950075" cy="2020320"/>
         </a:xfrm>
         <a:prstGeom prst="rect">
@@ -8669,7 +8864,7 @@
         </a:p>
       </dsp:txBody>
       <dsp:txXfrm>
-        <a:off x="0" y="3402659"/>
+        <a:off x="0" y="3476901"/>
         <a:ext cx="6950075" cy="2020320"/>
       </dsp:txXfrm>
     </dsp:sp>
@@ -15407,7 +15602,7 @@
           <a:p>
             <a:fld id="{3C984E42-C6CA-4C97-96C7-CA2C1EC7B515}" type="datetimeFigureOut">
               <a:rPr lang="bg-BG" smtClean="0"/>
-              <a:t>12.5.2019 г.</a:t>
+              <a:t>20.5.2019 г.</a:t>
             </a:fld>
             <a:endParaRPr lang="bg-BG"/>
           </a:p>
@@ -15803,6 +15998,368 @@
           <a:bodyPr/>
           <a:lstStyle/>
           <a:p>
+            <a:pPr marL="0" marR="0" lvl="0" indent="0" algn="l" defTabSz="914400" rtl="0" eaLnBrk="1" fontAlgn="auto" latinLnBrk="0" hangingPunct="1">
+              <a:lnSpc>
+                <a:spcPct val="100000"/>
+              </a:lnSpc>
+              <a:spcBef>
+                <a:spcPts val="0"/>
+              </a:spcBef>
+              <a:spcAft>
+                <a:spcPts val="0"/>
+              </a:spcAft>
+              <a:buClrTx/>
+              <a:buSzTx/>
+              <a:buFont typeface="Arial" panose="020B0604020202020204" pitchFamily="34" charset="0"/>
+              <a:buNone/>
+              <a:tabLst/>
+              <a:defRPr/>
+            </a:pPr>
+            <a:r>
+              <a:rPr lang="en-US" dirty="0"/>
+              <a:t># Intro</a:t>
+            </a:r>
+          </a:p>
+          <a:p>
+            <a:pPr marL="0" marR="0" lvl="0" indent="0" algn="l" defTabSz="914400" rtl="0" eaLnBrk="1" fontAlgn="auto" latinLnBrk="0" hangingPunct="1">
+              <a:lnSpc>
+                <a:spcPct val="100000"/>
+              </a:lnSpc>
+              <a:spcBef>
+                <a:spcPts val="0"/>
+              </a:spcBef>
+              <a:spcAft>
+                <a:spcPts val="0"/>
+              </a:spcAft>
+              <a:buClrTx/>
+              <a:buSzTx/>
+              <a:buFont typeface="Arial" panose="020B0604020202020204" pitchFamily="34" charset="0"/>
+              <a:buNone/>
+              <a:tabLst/>
+              <a:defRPr/>
+            </a:pPr>
+            <a:r>
+              <a:rPr lang="en-US" sz="1200" dirty="0"/>
+              <a:t>"</a:t>
+            </a:r>
+            <a:r>
+              <a:rPr lang="en-US" sz="1200" dirty="0" err="1"/>
+              <a:t>Monorepo</a:t>
+            </a:r>
+            <a:r>
+              <a:rPr lang="en-US" sz="1200" dirty="0"/>
+              <a:t>" or "</a:t>
+            </a:r>
+            <a:r>
+              <a:rPr lang="en-US" sz="1200" dirty="0" err="1"/>
+              <a:t>Molonolithic</a:t>
+            </a:r>
+            <a:r>
+              <a:rPr lang="en-US" sz="1200" dirty="0"/>
+              <a:t> repository" is a software development strategy where multiple projects are stored in single repository</a:t>
+            </a:r>
+            <a:endParaRPr lang="bg-BG" sz="1200" dirty="0"/>
+          </a:p>
+          <a:p>
+            <a:pPr marL="0" marR="0" lvl="0" indent="0" algn="l" defTabSz="914400" rtl="0" eaLnBrk="1" fontAlgn="auto" latinLnBrk="0" hangingPunct="1">
+              <a:lnSpc>
+                <a:spcPct val="100000"/>
+              </a:lnSpc>
+              <a:spcBef>
+                <a:spcPts val="0"/>
+              </a:spcBef>
+              <a:spcAft>
+                <a:spcPts val="0"/>
+              </a:spcAft>
+              <a:buClrTx/>
+              <a:buSzTx/>
+              <a:buFont typeface="Arial" panose="020B0604020202020204" pitchFamily="34" charset="0"/>
+              <a:buNone/>
+              <a:tabLst/>
+              <a:defRPr/>
+            </a:pPr>
+            <a:endParaRPr lang="en-US" dirty="0"/>
+          </a:p>
+          <a:p>
+            <a:pPr marL="0" marR="0" lvl="0" indent="0" algn="l" defTabSz="914400" rtl="0" eaLnBrk="1" fontAlgn="auto" latinLnBrk="0" hangingPunct="1">
+              <a:lnSpc>
+                <a:spcPct val="100000"/>
+              </a:lnSpc>
+              <a:spcBef>
+                <a:spcPts val="0"/>
+              </a:spcBef>
+              <a:spcAft>
+                <a:spcPts val="0"/>
+              </a:spcAft>
+              <a:buClrTx/>
+              <a:buSzTx/>
+              <a:buFont typeface="Arial" panose="020B0604020202020204" pitchFamily="34" charset="0"/>
+              <a:buNone/>
+              <a:tabLst/>
+              <a:defRPr/>
+            </a:pPr>
+            <a:r>
+              <a:rPr lang="en-US" dirty="0"/>
+              <a:t># Piper: Custom </a:t>
+            </a:r>
+            <a:r>
+              <a:rPr lang="en-US" dirty="0" err="1"/>
+              <a:t>monorepo</a:t>
+            </a:r>
+            <a:r>
+              <a:rPr lang="en-US" dirty="0"/>
+              <a:t> implementation</a:t>
+            </a:r>
+          </a:p>
+          <a:p>
+            <a:pPr marL="0" marR="0" lvl="0" indent="0" algn="l" defTabSz="914400" rtl="0" eaLnBrk="1" fontAlgn="auto" latinLnBrk="0" hangingPunct="1">
+              <a:lnSpc>
+                <a:spcPct val="100000"/>
+              </a:lnSpc>
+              <a:spcBef>
+                <a:spcPts val="0"/>
+              </a:spcBef>
+              <a:spcAft>
+                <a:spcPts val="0"/>
+              </a:spcAft>
+              <a:buClrTx/>
+              <a:buSzTx/>
+              <a:buFont typeface="Arial" panose="020B0604020202020204" pitchFamily="34" charset="0"/>
+              <a:buNone/>
+              <a:tabLst/>
+              <a:defRPr/>
+            </a:pPr>
+            <a:r>
+              <a:rPr lang="en-US" dirty="0"/>
+              <a:t># Mercurial: Facebook extends Mercurial, which </a:t>
+            </a:r>
+            <a:r>
+              <a:rPr lang="en-US" sz="1200" b="0" i="0" kern="1200" dirty="0">
+                <a:solidFill>
+                  <a:schemeClr val="tx1"/>
+                </a:solidFill>
+                <a:effectLst/>
+                <a:latin typeface="+mn-lt"/>
+                <a:ea typeface="+mn-ea"/>
+                <a:cs typeface="+mn-cs"/>
+              </a:rPr>
+              <a:t>is a free, distributed source control management tool</a:t>
+            </a:r>
+            <a:endParaRPr lang="en-US" dirty="0"/>
+          </a:p>
+          <a:p>
+            <a:pPr marL="0" marR="0" lvl="0" indent="0" algn="l" defTabSz="914400" rtl="0" eaLnBrk="1" fontAlgn="auto" latinLnBrk="0" hangingPunct="1">
+              <a:lnSpc>
+                <a:spcPct val="100000"/>
+              </a:lnSpc>
+              <a:spcBef>
+                <a:spcPts val="0"/>
+              </a:spcBef>
+              <a:spcAft>
+                <a:spcPts val="0"/>
+              </a:spcAft>
+              <a:buClrTx/>
+              <a:buSzTx/>
+              <a:buFont typeface="Arial" panose="020B0604020202020204" pitchFamily="34" charset="0"/>
+              <a:buNone/>
+              <a:tabLst/>
+              <a:defRPr/>
+            </a:pPr>
+            <a:r>
+              <a:rPr lang="en-US" dirty="0"/>
+              <a:t># GVFS: </a:t>
+            </a:r>
+            <a:r>
+              <a:rPr lang="en-US" sz="1200" b="0" i="0" kern="1200" dirty="0">
+                <a:solidFill>
+                  <a:schemeClr val="tx1"/>
+                </a:solidFill>
+                <a:effectLst/>
+                <a:latin typeface="+mn-lt"/>
+                <a:ea typeface="+mn-ea"/>
+                <a:cs typeface="+mn-cs"/>
+              </a:rPr>
+              <a:t>Git Virtual File System, Microsoft extends git</a:t>
+            </a:r>
+            <a:endParaRPr lang="bg-BG" dirty="0"/>
+          </a:p>
+        </p:txBody>
+      </p:sp>
+      <p:sp>
+        <p:nvSpPr>
+          <p:cNvPr id="4" name="Slide Number Placeholder 3"/>
+          <p:cNvSpPr>
+            <a:spLocks noGrp="1"/>
+          </p:cNvSpPr>
+          <p:nvPr>
+            <p:ph type="sldNum" sz="quarter" idx="5"/>
+          </p:nvPr>
+        </p:nvSpPr>
+        <p:spPr/>
+        <p:txBody>
+          <a:bodyPr/>
+          <a:lstStyle/>
+          <a:p>
+            <a:fld id="{9571CB9B-B82F-460B-B086-0250925F788A}" type="slidenum">
+              <a:rPr lang="bg-BG" smtClean="0"/>
+              <a:t>11</a:t>
+            </a:fld>
+            <a:endParaRPr lang="bg-BG"/>
+          </a:p>
+        </p:txBody>
+      </p:sp>
+    </p:spTree>
+    <p:extLst>
+      <p:ext uri="{BB962C8B-B14F-4D97-AF65-F5344CB8AC3E}">
+        <p14:creationId xmlns:p14="http://schemas.microsoft.com/office/powerpoint/2010/main" val="4273274126"/>
+      </p:ext>
+    </p:extLst>
+  </p:cSld>
+  <p:clrMapOvr>
+    <a:masterClrMapping/>
+  </p:clrMapOvr>
+</p:notes>
+</file>
+
+<file path=ppt/notesSlides/notesSlide11.xml><?xml version="1.0" encoding="utf-8"?>
+<p:notes xmlns:a="http://schemas.openxmlformats.org/drawingml/2006/main" xmlns:r="http://schemas.openxmlformats.org/officeDocument/2006/relationships" xmlns:p="http://schemas.openxmlformats.org/presentationml/2006/main">
+  <p:cSld>
+    <p:spTree>
+      <p:nvGrpSpPr>
+        <p:cNvPr id="1" name=""/>
+        <p:cNvGrpSpPr/>
+        <p:nvPr/>
+      </p:nvGrpSpPr>
+      <p:grpSpPr>
+        <a:xfrm>
+          <a:off x="0" y="0"/>
+          <a:ext cx="0" cy="0"/>
+          <a:chOff x="0" y="0"/>
+          <a:chExt cx="0" cy="0"/>
+        </a:xfrm>
+      </p:grpSpPr>
+      <p:sp>
+        <p:nvSpPr>
+          <p:cNvPr id="2" name="Slide Image Placeholder 1"/>
+          <p:cNvSpPr>
+            <a:spLocks noGrp="1" noRot="1" noChangeAspect="1"/>
+          </p:cNvSpPr>
+          <p:nvPr>
+            <p:ph type="sldImg"/>
+          </p:nvPr>
+        </p:nvSpPr>
+        <p:spPr/>
+      </p:sp>
+      <p:sp>
+        <p:nvSpPr>
+          <p:cNvPr id="3" name="Notes Placeholder 2"/>
+          <p:cNvSpPr>
+            <a:spLocks noGrp="1"/>
+          </p:cNvSpPr>
+          <p:nvPr>
+            <p:ph type="body" idx="1"/>
+          </p:nvPr>
+        </p:nvSpPr>
+        <p:spPr/>
+        <p:txBody>
+          <a:bodyPr/>
+          <a:lstStyle/>
+          <a:p>
+            <a:pPr marL="0" indent="0">
+              <a:buNone/>
+            </a:pPr>
+            <a:endParaRPr lang="en-US" sz="1200" b="1" kern="1200" dirty="0">
+              <a:solidFill>
+                <a:schemeClr val="tx1"/>
+              </a:solidFill>
+              <a:effectLst/>
+              <a:latin typeface="+mn-lt"/>
+              <a:ea typeface="+mn-ea"/>
+              <a:cs typeface="+mn-cs"/>
+            </a:endParaRPr>
+          </a:p>
+        </p:txBody>
+      </p:sp>
+      <p:sp>
+        <p:nvSpPr>
+          <p:cNvPr id="4" name="Slide Number Placeholder 3"/>
+          <p:cNvSpPr>
+            <a:spLocks noGrp="1"/>
+          </p:cNvSpPr>
+          <p:nvPr>
+            <p:ph type="sldNum" sz="quarter" idx="5"/>
+          </p:nvPr>
+        </p:nvSpPr>
+        <p:spPr/>
+        <p:txBody>
+          <a:bodyPr/>
+          <a:lstStyle/>
+          <a:p>
+            <a:fld id="{9571CB9B-B82F-460B-B086-0250925F788A}" type="slidenum">
+              <a:rPr lang="bg-BG" smtClean="0"/>
+              <a:t>12</a:t>
+            </a:fld>
+            <a:endParaRPr lang="bg-BG"/>
+          </a:p>
+        </p:txBody>
+      </p:sp>
+    </p:spTree>
+    <p:extLst>
+      <p:ext uri="{BB962C8B-B14F-4D97-AF65-F5344CB8AC3E}">
+        <p14:creationId xmlns:p14="http://schemas.microsoft.com/office/powerpoint/2010/main" val="1026137046"/>
+      </p:ext>
+    </p:extLst>
+  </p:cSld>
+  <p:clrMapOvr>
+    <a:masterClrMapping/>
+  </p:clrMapOvr>
+</p:notes>
+</file>
+
+<file path=ppt/notesSlides/notesSlide12.xml><?xml version="1.0" encoding="utf-8"?>
+<p:notes xmlns:a="http://schemas.openxmlformats.org/drawingml/2006/main" xmlns:r="http://schemas.openxmlformats.org/officeDocument/2006/relationships" xmlns:p="http://schemas.openxmlformats.org/presentationml/2006/main">
+  <p:cSld>
+    <p:spTree>
+      <p:nvGrpSpPr>
+        <p:cNvPr id="1" name=""/>
+        <p:cNvGrpSpPr/>
+        <p:nvPr/>
+      </p:nvGrpSpPr>
+      <p:grpSpPr>
+        <a:xfrm>
+          <a:off x="0" y="0"/>
+          <a:ext cx="0" cy="0"/>
+          <a:chOff x="0" y="0"/>
+          <a:chExt cx="0" cy="0"/>
+        </a:xfrm>
+      </p:grpSpPr>
+      <p:sp>
+        <p:nvSpPr>
+          <p:cNvPr id="2" name="Slide Image Placeholder 1"/>
+          <p:cNvSpPr>
+            <a:spLocks noGrp="1" noRot="1" noChangeAspect="1"/>
+          </p:cNvSpPr>
+          <p:nvPr>
+            <p:ph type="sldImg"/>
+          </p:nvPr>
+        </p:nvSpPr>
+        <p:spPr/>
+      </p:sp>
+      <p:sp>
+        <p:nvSpPr>
+          <p:cNvPr id="3" name="Notes Placeholder 2"/>
+          <p:cNvSpPr>
+            <a:spLocks noGrp="1"/>
+          </p:cNvSpPr>
+          <p:nvPr>
+            <p:ph type="body" idx="1"/>
+          </p:nvPr>
+        </p:nvSpPr>
+        <p:spPr/>
+        <p:txBody>
+          <a:bodyPr/>
+          <a:lstStyle/>
+          <a:p>
             <a:r>
               <a:rPr lang="en-US" sz="1200" b="0" kern="1200" dirty="0">
                 <a:solidFill>
@@ -15910,7 +16467,7 @@
           <a:p>
             <a:fld id="{9571CB9B-B82F-460B-B086-0250925F788A}" type="slidenum">
               <a:rPr lang="bg-BG" smtClean="0"/>
-              <a:t>11</a:t>
+              <a:t>13</a:t>
             </a:fld>
             <a:endParaRPr lang="bg-BG"/>
           </a:p>
@@ -15929,7 +16486,7 @@
 </p:notes>
 </file>
 
-<file path=ppt/notesSlides/notesSlide11.xml><?xml version="1.0" encoding="utf-8"?>
+<file path=ppt/notesSlides/notesSlide13.xml><?xml version="1.0" encoding="utf-8"?>
 <p:notes xmlns:a="http://schemas.openxmlformats.org/drawingml/2006/main" xmlns:r="http://schemas.openxmlformats.org/officeDocument/2006/relationships" xmlns:p="http://schemas.openxmlformats.org/presentationml/2006/main">
   <p:cSld>
     <p:spTree>
@@ -16121,7 +16678,7 @@
           <a:p>
             <a:fld id="{9571CB9B-B82F-460B-B086-0250925F788A}" type="slidenum">
               <a:rPr lang="bg-BG" smtClean="0"/>
-              <a:t>12</a:t>
+              <a:t>14</a:t>
             </a:fld>
             <a:endParaRPr lang="bg-BG"/>
           </a:p>
@@ -16140,7 +16697,7 @@
 </p:notes>
 </file>
 
-<file path=ppt/notesSlides/notesSlide12.xml><?xml version="1.0" encoding="utf-8"?>
+<file path=ppt/notesSlides/notesSlide14.xml><?xml version="1.0" encoding="utf-8"?>
 <p:notes xmlns:a="http://schemas.openxmlformats.org/drawingml/2006/main" xmlns:r="http://schemas.openxmlformats.org/officeDocument/2006/relationships" xmlns:p="http://schemas.openxmlformats.org/presentationml/2006/main">
   <p:cSld>
     <p:spTree>
@@ -16216,7 +16773,7 @@
           <a:p>
             <a:fld id="{9571CB9B-B82F-460B-B086-0250925F788A}" type="slidenum">
               <a:rPr lang="bg-BG" smtClean="0"/>
-              <a:t>13</a:t>
+              <a:t>15</a:t>
             </a:fld>
             <a:endParaRPr lang="bg-BG"/>
           </a:p>
@@ -16235,102 +16792,7 @@
 </p:notes>
 </file>
 
-<file path=ppt/notesSlides/notesSlide13.xml><?xml version="1.0" encoding="utf-8"?>
-<p:notes xmlns:a="http://schemas.openxmlformats.org/drawingml/2006/main" xmlns:r="http://schemas.openxmlformats.org/officeDocument/2006/relationships" xmlns:p="http://schemas.openxmlformats.org/presentationml/2006/main">
-  <p:cSld>
-    <p:spTree>
-      <p:nvGrpSpPr>
-        <p:cNvPr id="1" name=""/>
-        <p:cNvGrpSpPr/>
-        <p:nvPr/>
-      </p:nvGrpSpPr>
-      <p:grpSpPr>
-        <a:xfrm>
-          <a:off x="0" y="0"/>
-          <a:ext cx="0" cy="0"/>
-          <a:chOff x="0" y="0"/>
-          <a:chExt cx="0" cy="0"/>
-        </a:xfrm>
-      </p:grpSpPr>
-      <p:sp>
-        <p:nvSpPr>
-          <p:cNvPr id="2" name="Slide Image Placeholder 1"/>
-          <p:cNvSpPr>
-            <a:spLocks noGrp="1" noRot="1" noChangeAspect="1"/>
-          </p:cNvSpPr>
-          <p:nvPr>
-            <p:ph type="sldImg"/>
-          </p:nvPr>
-        </p:nvSpPr>
-        <p:spPr/>
-      </p:sp>
-      <p:sp>
-        <p:nvSpPr>
-          <p:cNvPr id="3" name="Notes Placeholder 2"/>
-          <p:cNvSpPr>
-            <a:spLocks noGrp="1"/>
-          </p:cNvSpPr>
-          <p:nvPr>
-            <p:ph type="body" idx="1"/>
-          </p:nvPr>
-        </p:nvSpPr>
-        <p:spPr/>
-        <p:txBody>
-          <a:bodyPr/>
-          <a:lstStyle/>
-          <a:p>
-            <a:pPr marL="0" indent="0">
-              <a:buNone/>
-            </a:pPr>
-            <a:endParaRPr lang="en-US" sz="1200" b="1" kern="1200" dirty="0">
-              <a:solidFill>
-                <a:schemeClr val="tx1"/>
-              </a:solidFill>
-              <a:effectLst/>
-              <a:latin typeface="+mn-lt"/>
-              <a:ea typeface="+mn-ea"/>
-              <a:cs typeface="+mn-cs"/>
-            </a:endParaRPr>
-          </a:p>
-        </p:txBody>
-      </p:sp>
-      <p:sp>
-        <p:nvSpPr>
-          <p:cNvPr id="4" name="Slide Number Placeholder 3"/>
-          <p:cNvSpPr>
-            <a:spLocks noGrp="1"/>
-          </p:cNvSpPr>
-          <p:nvPr>
-            <p:ph type="sldNum" sz="quarter" idx="5"/>
-          </p:nvPr>
-        </p:nvSpPr>
-        <p:spPr/>
-        <p:txBody>
-          <a:bodyPr/>
-          <a:lstStyle/>
-          <a:p>
-            <a:fld id="{9571CB9B-B82F-460B-B086-0250925F788A}" type="slidenum">
-              <a:rPr lang="bg-BG" smtClean="0"/>
-              <a:t>14</a:t>
-            </a:fld>
-            <a:endParaRPr lang="bg-BG"/>
-          </a:p>
-        </p:txBody>
-      </p:sp>
-    </p:spTree>
-    <p:extLst>
-      <p:ext uri="{BB962C8B-B14F-4D97-AF65-F5344CB8AC3E}">
-        <p14:creationId xmlns:p14="http://schemas.microsoft.com/office/powerpoint/2010/main" val="1026137046"/>
-      </p:ext>
-    </p:extLst>
-  </p:cSld>
-  <p:clrMapOvr>
-    <a:masterClrMapping/>
-  </p:clrMapOvr>
-</p:notes>
-</file>
-
-<file path=ppt/notesSlides/notesSlide14.xml><?xml version="1.0" encoding="utf-8"?>
+<file path=ppt/notesSlides/notesSlide15.xml><?xml version="1.0" encoding="utf-8"?>
 <p:notes xmlns:a="http://schemas.openxmlformats.org/drawingml/2006/main" xmlns:r="http://schemas.openxmlformats.org/officeDocument/2006/relationships" xmlns:p="http://schemas.openxmlformats.org/presentationml/2006/main">
   <p:cSld>
     <p:spTree>
@@ -16964,7 +17426,7 @@
           <a:p>
             <a:fld id="{9571CB9B-B82F-460B-B086-0250925F788A}" type="slidenum">
               <a:rPr lang="bg-BG" smtClean="0"/>
-              <a:t>15</a:t>
+              <a:t>16</a:t>
             </a:fld>
             <a:endParaRPr lang="bg-BG"/>
           </a:p>
@@ -16974,107 +17436,6 @@
     <p:extLst>
       <p:ext uri="{BB962C8B-B14F-4D97-AF65-F5344CB8AC3E}">
         <p14:creationId xmlns:p14="http://schemas.microsoft.com/office/powerpoint/2010/main" val="2094463241"/>
-      </p:ext>
-    </p:extLst>
-  </p:cSld>
-  <p:clrMapOvr>
-    <a:masterClrMapping/>
-  </p:clrMapOvr>
-</p:notes>
-</file>
-
-<file path=ppt/notesSlides/notesSlide15.xml><?xml version="1.0" encoding="utf-8"?>
-<p:notes xmlns:a="http://schemas.openxmlformats.org/drawingml/2006/main" xmlns:r="http://schemas.openxmlformats.org/officeDocument/2006/relationships" xmlns:p="http://schemas.openxmlformats.org/presentationml/2006/main">
-  <p:cSld>
-    <p:spTree>
-      <p:nvGrpSpPr>
-        <p:cNvPr id="1" name=""/>
-        <p:cNvGrpSpPr/>
-        <p:nvPr/>
-      </p:nvGrpSpPr>
-      <p:grpSpPr>
-        <a:xfrm>
-          <a:off x="0" y="0"/>
-          <a:ext cx="0" cy="0"/>
-          <a:chOff x="0" y="0"/>
-          <a:chExt cx="0" cy="0"/>
-        </a:xfrm>
-      </p:grpSpPr>
-      <p:sp>
-        <p:nvSpPr>
-          <p:cNvPr id="2" name="Slide Image Placeholder 1"/>
-          <p:cNvSpPr>
-            <a:spLocks noGrp="1" noRot="1" noChangeAspect="1"/>
-          </p:cNvSpPr>
-          <p:nvPr>
-            <p:ph type="sldImg"/>
-          </p:nvPr>
-        </p:nvSpPr>
-        <p:spPr/>
-      </p:sp>
-      <p:sp>
-        <p:nvSpPr>
-          <p:cNvPr id="3" name="Notes Placeholder 2"/>
-          <p:cNvSpPr>
-            <a:spLocks noGrp="1"/>
-          </p:cNvSpPr>
-          <p:nvPr>
-            <p:ph type="body" idx="1"/>
-          </p:nvPr>
-        </p:nvSpPr>
-        <p:spPr/>
-        <p:txBody>
-          <a:bodyPr/>
-          <a:lstStyle/>
-          <a:p>
-            <a:pPr marL="0" marR="0" lvl="0" indent="0" algn="l" defTabSz="914400" rtl="0" eaLnBrk="1" fontAlgn="auto" latinLnBrk="0" hangingPunct="1">
-              <a:lnSpc>
-                <a:spcPct val="100000"/>
-              </a:lnSpc>
-              <a:spcBef>
-                <a:spcPts val="0"/>
-              </a:spcBef>
-              <a:spcAft>
-                <a:spcPts val="0"/>
-              </a:spcAft>
-              <a:buClrTx/>
-              <a:buSzTx/>
-              <a:buFont typeface="Arial" panose="020B0604020202020204" pitchFamily="34" charset="0"/>
-              <a:buNone/>
-              <a:tabLst/>
-              <a:defRPr/>
-            </a:pPr>
-            <a:endParaRPr lang="bg-BG" dirty="0"/>
-          </a:p>
-        </p:txBody>
-      </p:sp>
-      <p:sp>
-        <p:nvSpPr>
-          <p:cNvPr id="4" name="Slide Number Placeholder 3"/>
-          <p:cNvSpPr>
-            <a:spLocks noGrp="1"/>
-          </p:cNvSpPr>
-          <p:nvPr>
-            <p:ph type="sldNum" sz="quarter" idx="5"/>
-          </p:nvPr>
-        </p:nvSpPr>
-        <p:spPr/>
-        <p:txBody>
-          <a:bodyPr/>
-          <a:lstStyle/>
-          <a:p>
-            <a:fld id="{9571CB9B-B82F-460B-B086-0250925F788A}" type="slidenum">
-              <a:rPr lang="bg-BG" smtClean="0"/>
-              <a:t>16</a:t>
-            </a:fld>
-            <a:endParaRPr lang="bg-BG"/>
-          </a:p>
-        </p:txBody>
-      </p:sp>
-    </p:spTree>
-    <p:extLst>
-      <p:ext uri="{BB962C8B-B14F-4D97-AF65-F5344CB8AC3E}">
-        <p14:creationId xmlns:p14="http://schemas.microsoft.com/office/powerpoint/2010/main" val="65278494"/>
       </p:ext>
     </p:extLst>
   </p:cSld>
@@ -17175,7 +17536,7 @@
     </p:spTree>
     <p:extLst>
       <p:ext uri="{BB962C8B-B14F-4D97-AF65-F5344CB8AC3E}">
-        <p14:creationId xmlns:p14="http://schemas.microsoft.com/office/powerpoint/2010/main" val="1278458855"/>
+        <p14:creationId xmlns:p14="http://schemas.microsoft.com/office/powerpoint/2010/main" val="65278494"/>
       </p:ext>
     </p:extLst>
   </p:cSld>
@@ -17276,7 +17637,7 @@
     </p:spTree>
     <p:extLst>
       <p:ext uri="{BB962C8B-B14F-4D97-AF65-F5344CB8AC3E}">
-        <p14:creationId xmlns:p14="http://schemas.microsoft.com/office/powerpoint/2010/main" val="1869302177"/>
+        <p14:creationId xmlns:p14="http://schemas.microsoft.com/office/powerpoint/2010/main" val="1278458855"/>
       </p:ext>
     </p:extLst>
   </p:cSld>
@@ -17377,7 +17738,7 @@
     </p:spTree>
     <p:extLst>
       <p:ext uri="{BB962C8B-B14F-4D97-AF65-F5344CB8AC3E}">
-        <p14:creationId xmlns:p14="http://schemas.microsoft.com/office/powerpoint/2010/main" val="1627741551"/>
+        <p14:creationId xmlns:p14="http://schemas.microsoft.com/office/powerpoint/2010/main" val="1869302177"/>
       </p:ext>
     </p:extLst>
   </p:cSld>
@@ -17478,7 +17839,7 @@
     </p:spTree>
     <p:extLst>
       <p:ext uri="{BB962C8B-B14F-4D97-AF65-F5344CB8AC3E}">
-        <p14:creationId xmlns:p14="http://schemas.microsoft.com/office/powerpoint/2010/main" val="1088584607"/>
+        <p14:creationId xmlns:p14="http://schemas.microsoft.com/office/powerpoint/2010/main" val="1627741551"/>
       </p:ext>
     </p:extLst>
   </p:cSld>
@@ -17489,354 +17850,6 @@
 </file>
 
 <file path=ppt/notesSlides/notesSlide2.xml><?xml version="1.0" encoding="utf-8"?>
-<p:notes xmlns:a="http://schemas.openxmlformats.org/drawingml/2006/main" xmlns:r="http://schemas.openxmlformats.org/officeDocument/2006/relationships" xmlns:p="http://schemas.openxmlformats.org/presentationml/2006/main">
-  <p:cSld>
-    <p:spTree>
-      <p:nvGrpSpPr>
-        <p:cNvPr id="1" name=""/>
-        <p:cNvGrpSpPr/>
-        <p:nvPr/>
-      </p:nvGrpSpPr>
-      <p:grpSpPr>
-        <a:xfrm>
-          <a:off x="0" y="0"/>
-          <a:ext cx="0" cy="0"/>
-          <a:chOff x="0" y="0"/>
-          <a:chExt cx="0" cy="0"/>
-        </a:xfrm>
-      </p:grpSpPr>
-      <p:sp>
-        <p:nvSpPr>
-          <p:cNvPr id="2" name="Slide Image Placeholder 1"/>
-          <p:cNvSpPr>
-            <a:spLocks noGrp="1" noRot="1" noChangeAspect="1"/>
-          </p:cNvSpPr>
-          <p:nvPr>
-            <p:ph type="sldImg"/>
-          </p:nvPr>
-        </p:nvSpPr>
-        <p:spPr/>
-      </p:sp>
-      <p:sp>
-        <p:nvSpPr>
-          <p:cNvPr id="3" name="Notes Placeholder 2"/>
-          <p:cNvSpPr>
-            <a:spLocks noGrp="1"/>
-          </p:cNvSpPr>
-          <p:nvPr>
-            <p:ph type="body" idx="1"/>
-          </p:nvPr>
-        </p:nvSpPr>
-        <p:spPr/>
-        <p:txBody>
-          <a:bodyPr/>
-          <a:lstStyle/>
-          <a:p>
-            <a:pPr marL="171450" indent="-171450">
-              <a:buFont typeface="Arial" panose="020B0604020202020204" pitchFamily="34" charset="0"/>
-              <a:buChar char="•"/>
-            </a:pPr>
-            <a:r>
-              <a:rPr lang="en-US" dirty="0"/>
-              <a:t>Multiple teams</a:t>
-            </a:r>
-          </a:p>
-          <a:p>
-            <a:pPr marL="628650" lvl="1" indent="-171450">
-              <a:buFont typeface="Arial" panose="020B0604020202020204" pitchFamily="34" charset="0"/>
-              <a:buChar char="•"/>
-            </a:pPr>
-            <a:r>
-              <a:rPr lang="en-US" dirty="0"/>
-              <a:t>Code quality rules, like typescript + specific </a:t>
-            </a:r>
-            <a:r>
-              <a:rPr lang="en-US" dirty="0" err="1"/>
-              <a:t>ts.config</a:t>
-            </a:r>
-            <a:endParaRPr lang="en-US" dirty="0"/>
-          </a:p>
-          <a:p>
-            <a:pPr marL="628650" lvl="1" indent="-171450">
-              <a:buFont typeface="Arial" panose="020B0604020202020204" pitchFamily="34" charset="0"/>
-              <a:buChar char="•"/>
-            </a:pPr>
-            <a:r>
-              <a:rPr lang="en-US" dirty="0"/>
-              <a:t>Migrating developers between teams that are building applications the same way</a:t>
-            </a:r>
-          </a:p>
-          <a:p>
-            <a:pPr marL="628650" lvl="1" indent="-171450">
-              <a:buFont typeface="Arial" panose="020B0604020202020204" pitchFamily="34" charset="0"/>
-              <a:buChar char="•"/>
-            </a:pPr>
-            <a:endParaRPr lang="en-US" dirty="0"/>
-          </a:p>
-          <a:p>
-            <a:pPr marL="171450" lvl="0" indent="-171450">
-              <a:buFont typeface="Arial" panose="020B0604020202020204" pitchFamily="34" charset="0"/>
-              <a:buChar char="•"/>
-            </a:pPr>
-            <a:r>
-              <a:rPr lang="en-US" dirty="0"/>
-              <a:t>Multiple teams </a:t>
-            </a:r>
-          </a:p>
-          <a:p>
-            <a:pPr marL="628650" lvl="1" indent="-171450">
-              <a:buFont typeface="Arial" panose="020B0604020202020204" pitchFamily="34" charset="0"/>
-              <a:buChar char="•"/>
-            </a:pPr>
-            <a:r>
-              <a:rPr lang="en-US" dirty="0"/>
-              <a:t>UI components sharing</a:t>
-            </a:r>
-          </a:p>
-          <a:p>
-            <a:pPr marL="628650" lvl="1" indent="-171450">
-              <a:buFont typeface="Arial" panose="020B0604020202020204" pitchFamily="34" charset="0"/>
-              <a:buChar char="•"/>
-            </a:pPr>
-            <a:r>
-              <a:rPr lang="en-US" dirty="0"/>
-              <a:t>Easier onboarding when switching teams</a:t>
-            </a:r>
-          </a:p>
-          <a:p>
-            <a:pPr marL="628650" lvl="1" indent="-171450">
-              <a:buFont typeface="Arial" panose="020B0604020202020204" pitchFamily="34" charset="0"/>
-              <a:buChar char="•"/>
-            </a:pPr>
-            <a:r>
-              <a:rPr lang="en-US" dirty="0"/>
-              <a:t>Common modules for implementing a requirement, like authentication module</a:t>
-            </a:r>
-          </a:p>
-        </p:txBody>
-      </p:sp>
-      <p:sp>
-        <p:nvSpPr>
-          <p:cNvPr id="4" name="Slide Number Placeholder 3"/>
-          <p:cNvSpPr>
-            <a:spLocks noGrp="1"/>
-          </p:cNvSpPr>
-          <p:nvPr>
-            <p:ph type="sldNum" sz="quarter" idx="5"/>
-          </p:nvPr>
-        </p:nvSpPr>
-        <p:spPr/>
-        <p:txBody>
-          <a:bodyPr/>
-          <a:lstStyle/>
-          <a:p>
-            <a:fld id="{9571CB9B-B82F-460B-B086-0250925F788A}" type="slidenum">
-              <a:rPr lang="bg-BG" smtClean="0"/>
-              <a:t>3</a:t>
-            </a:fld>
-            <a:endParaRPr lang="bg-BG"/>
-          </a:p>
-        </p:txBody>
-      </p:sp>
-    </p:spTree>
-    <p:extLst>
-      <p:ext uri="{BB962C8B-B14F-4D97-AF65-F5344CB8AC3E}">
-        <p14:creationId xmlns:p14="http://schemas.microsoft.com/office/powerpoint/2010/main" val="4133759839"/>
-      </p:ext>
-    </p:extLst>
-  </p:cSld>
-  <p:clrMapOvr>
-    <a:masterClrMapping/>
-  </p:clrMapOvr>
-</p:notes>
-</file>
-
-<file path=ppt/notesSlides/notesSlide20.xml><?xml version="1.0" encoding="utf-8"?>
-<p:notes xmlns:a="http://schemas.openxmlformats.org/drawingml/2006/main" xmlns:r="http://schemas.openxmlformats.org/officeDocument/2006/relationships" xmlns:p="http://schemas.openxmlformats.org/presentationml/2006/main">
-  <p:cSld>
-    <p:spTree>
-      <p:nvGrpSpPr>
-        <p:cNvPr id="1" name=""/>
-        <p:cNvGrpSpPr/>
-        <p:nvPr/>
-      </p:nvGrpSpPr>
-      <p:grpSpPr>
-        <a:xfrm>
-          <a:off x="0" y="0"/>
-          <a:ext cx="0" cy="0"/>
-          <a:chOff x="0" y="0"/>
-          <a:chExt cx="0" cy="0"/>
-        </a:xfrm>
-      </p:grpSpPr>
-      <p:sp>
-        <p:nvSpPr>
-          <p:cNvPr id="2" name="Slide Image Placeholder 1"/>
-          <p:cNvSpPr>
-            <a:spLocks noGrp="1" noRot="1" noChangeAspect="1"/>
-          </p:cNvSpPr>
-          <p:nvPr>
-            <p:ph type="sldImg"/>
-          </p:nvPr>
-        </p:nvSpPr>
-        <p:spPr/>
-      </p:sp>
-      <p:sp>
-        <p:nvSpPr>
-          <p:cNvPr id="3" name="Notes Placeholder 2"/>
-          <p:cNvSpPr>
-            <a:spLocks noGrp="1"/>
-          </p:cNvSpPr>
-          <p:nvPr>
-            <p:ph type="body" idx="1"/>
-          </p:nvPr>
-        </p:nvSpPr>
-        <p:spPr/>
-        <p:txBody>
-          <a:bodyPr/>
-          <a:lstStyle/>
-          <a:p>
-            <a:pPr marL="0" marR="0" lvl="0" indent="0" algn="l" defTabSz="914400" rtl="0" eaLnBrk="1" fontAlgn="auto" latinLnBrk="0" hangingPunct="1">
-              <a:lnSpc>
-                <a:spcPct val="100000"/>
-              </a:lnSpc>
-              <a:spcBef>
-                <a:spcPts val="0"/>
-              </a:spcBef>
-              <a:spcAft>
-                <a:spcPts val="0"/>
-              </a:spcAft>
-              <a:buClrTx/>
-              <a:buSzTx/>
-              <a:buFont typeface="Arial" panose="020B0604020202020204" pitchFamily="34" charset="0"/>
-              <a:buNone/>
-              <a:tabLst/>
-              <a:defRPr/>
-            </a:pPr>
-            <a:endParaRPr lang="bg-BG" dirty="0"/>
-          </a:p>
-        </p:txBody>
-      </p:sp>
-      <p:sp>
-        <p:nvSpPr>
-          <p:cNvPr id="4" name="Slide Number Placeholder 3"/>
-          <p:cNvSpPr>
-            <a:spLocks noGrp="1"/>
-          </p:cNvSpPr>
-          <p:nvPr>
-            <p:ph type="sldNum" sz="quarter" idx="5"/>
-          </p:nvPr>
-        </p:nvSpPr>
-        <p:spPr/>
-        <p:txBody>
-          <a:bodyPr/>
-          <a:lstStyle/>
-          <a:p>
-            <a:fld id="{9571CB9B-B82F-460B-B086-0250925F788A}" type="slidenum">
-              <a:rPr lang="bg-BG" smtClean="0"/>
-              <a:t>21</a:t>
-            </a:fld>
-            <a:endParaRPr lang="bg-BG"/>
-          </a:p>
-        </p:txBody>
-      </p:sp>
-    </p:spTree>
-    <p:extLst>
-      <p:ext uri="{BB962C8B-B14F-4D97-AF65-F5344CB8AC3E}">
-        <p14:creationId xmlns:p14="http://schemas.microsoft.com/office/powerpoint/2010/main" val="1154542789"/>
-      </p:ext>
-    </p:extLst>
-  </p:cSld>
-  <p:clrMapOvr>
-    <a:masterClrMapping/>
-  </p:clrMapOvr>
-</p:notes>
-</file>
-
-<file path=ppt/notesSlides/notesSlide21.xml><?xml version="1.0" encoding="utf-8"?>
-<p:notes xmlns:a="http://schemas.openxmlformats.org/drawingml/2006/main" xmlns:r="http://schemas.openxmlformats.org/officeDocument/2006/relationships" xmlns:p="http://schemas.openxmlformats.org/presentationml/2006/main">
-  <p:cSld>
-    <p:spTree>
-      <p:nvGrpSpPr>
-        <p:cNvPr id="1" name=""/>
-        <p:cNvGrpSpPr/>
-        <p:nvPr/>
-      </p:nvGrpSpPr>
-      <p:grpSpPr>
-        <a:xfrm>
-          <a:off x="0" y="0"/>
-          <a:ext cx="0" cy="0"/>
-          <a:chOff x="0" y="0"/>
-          <a:chExt cx="0" cy="0"/>
-        </a:xfrm>
-      </p:grpSpPr>
-      <p:sp>
-        <p:nvSpPr>
-          <p:cNvPr id="2" name="Slide Image Placeholder 1"/>
-          <p:cNvSpPr>
-            <a:spLocks noGrp="1" noRot="1" noChangeAspect="1"/>
-          </p:cNvSpPr>
-          <p:nvPr>
-            <p:ph type="sldImg"/>
-          </p:nvPr>
-        </p:nvSpPr>
-        <p:spPr/>
-      </p:sp>
-      <p:sp>
-        <p:nvSpPr>
-          <p:cNvPr id="3" name="Notes Placeholder 2"/>
-          <p:cNvSpPr>
-            <a:spLocks noGrp="1"/>
-          </p:cNvSpPr>
-          <p:nvPr>
-            <p:ph type="body" idx="1"/>
-          </p:nvPr>
-        </p:nvSpPr>
-        <p:spPr/>
-        <p:txBody>
-          <a:bodyPr/>
-          <a:lstStyle/>
-          <a:p>
-            <a:endParaRPr lang="bg-BG" dirty="0"/>
-          </a:p>
-        </p:txBody>
-      </p:sp>
-      <p:sp>
-        <p:nvSpPr>
-          <p:cNvPr id="4" name="Slide Number Placeholder 3"/>
-          <p:cNvSpPr>
-            <a:spLocks noGrp="1"/>
-          </p:cNvSpPr>
-          <p:nvPr>
-            <p:ph type="sldNum" sz="quarter" idx="5"/>
-          </p:nvPr>
-        </p:nvSpPr>
-        <p:spPr/>
-        <p:txBody>
-          <a:bodyPr/>
-          <a:lstStyle/>
-          <a:p>
-            <a:fld id="{9571CB9B-B82F-460B-B086-0250925F788A}" type="slidenum">
-              <a:rPr lang="bg-BG" smtClean="0"/>
-              <a:t>22</a:t>
-            </a:fld>
-            <a:endParaRPr lang="bg-BG"/>
-          </a:p>
-        </p:txBody>
-      </p:sp>
-    </p:spTree>
-    <p:extLst>
-      <p:ext uri="{BB962C8B-B14F-4D97-AF65-F5344CB8AC3E}">
-        <p14:creationId xmlns:p14="http://schemas.microsoft.com/office/powerpoint/2010/main" val="3809575500"/>
-      </p:ext>
-    </p:extLst>
-  </p:cSld>
-  <p:clrMapOvr>
-    <a:masterClrMapping/>
-  </p:clrMapOvr>
-</p:notes>
-</file>
-
-<file path=ppt/notesSlides/notesSlide3.xml><?xml version="1.0" encoding="utf-8"?>
 <p:notes xmlns:a="http://schemas.openxmlformats.org/drawingml/2006/main" xmlns:r="http://schemas.openxmlformats.org/officeDocument/2006/relationships" xmlns:p="http://schemas.openxmlformats.org/presentationml/2006/main">
   <p:cSld>
     <p:spTree>
@@ -18007,6 +18020,455 @@
           <a:p>
             <a:fld id="{9571CB9B-B82F-460B-B086-0250925F788A}" type="slidenum">
               <a:rPr lang="bg-BG" smtClean="0"/>
+              <a:t>3</a:t>
+            </a:fld>
+            <a:endParaRPr lang="bg-BG"/>
+          </a:p>
+        </p:txBody>
+      </p:sp>
+    </p:spTree>
+    <p:extLst>
+      <p:ext uri="{BB962C8B-B14F-4D97-AF65-F5344CB8AC3E}">
+        <p14:creationId xmlns:p14="http://schemas.microsoft.com/office/powerpoint/2010/main" val="2021797652"/>
+      </p:ext>
+    </p:extLst>
+  </p:cSld>
+  <p:clrMapOvr>
+    <a:masterClrMapping/>
+  </p:clrMapOvr>
+</p:notes>
+</file>
+
+<file path=ppt/notesSlides/notesSlide20.xml><?xml version="1.0" encoding="utf-8"?>
+<p:notes xmlns:a="http://schemas.openxmlformats.org/drawingml/2006/main" xmlns:r="http://schemas.openxmlformats.org/officeDocument/2006/relationships" xmlns:p="http://schemas.openxmlformats.org/presentationml/2006/main">
+  <p:cSld>
+    <p:spTree>
+      <p:nvGrpSpPr>
+        <p:cNvPr id="1" name=""/>
+        <p:cNvGrpSpPr/>
+        <p:nvPr/>
+      </p:nvGrpSpPr>
+      <p:grpSpPr>
+        <a:xfrm>
+          <a:off x="0" y="0"/>
+          <a:ext cx="0" cy="0"/>
+          <a:chOff x="0" y="0"/>
+          <a:chExt cx="0" cy="0"/>
+        </a:xfrm>
+      </p:grpSpPr>
+      <p:sp>
+        <p:nvSpPr>
+          <p:cNvPr id="2" name="Slide Image Placeholder 1"/>
+          <p:cNvSpPr>
+            <a:spLocks noGrp="1" noRot="1" noChangeAspect="1"/>
+          </p:cNvSpPr>
+          <p:nvPr>
+            <p:ph type="sldImg"/>
+          </p:nvPr>
+        </p:nvSpPr>
+        <p:spPr/>
+      </p:sp>
+      <p:sp>
+        <p:nvSpPr>
+          <p:cNvPr id="3" name="Notes Placeholder 2"/>
+          <p:cNvSpPr>
+            <a:spLocks noGrp="1"/>
+          </p:cNvSpPr>
+          <p:nvPr>
+            <p:ph type="body" idx="1"/>
+          </p:nvPr>
+        </p:nvSpPr>
+        <p:spPr/>
+        <p:txBody>
+          <a:bodyPr/>
+          <a:lstStyle/>
+          <a:p>
+            <a:pPr marL="0" marR="0" lvl="0" indent="0" algn="l" defTabSz="914400" rtl="0" eaLnBrk="1" fontAlgn="auto" latinLnBrk="0" hangingPunct="1">
+              <a:lnSpc>
+                <a:spcPct val="100000"/>
+              </a:lnSpc>
+              <a:spcBef>
+                <a:spcPts val="0"/>
+              </a:spcBef>
+              <a:spcAft>
+                <a:spcPts val="0"/>
+              </a:spcAft>
+              <a:buClrTx/>
+              <a:buSzTx/>
+              <a:buFont typeface="Arial" panose="020B0604020202020204" pitchFamily="34" charset="0"/>
+              <a:buNone/>
+              <a:tabLst/>
+              <a:defRPr/>
+            </a:pPr>
+            <a:endParaRPr lang="bg-BG" dirty="0"/>
+          </a:p>
+        </p:txBody>
+      </p:sp>
+      <p:sp>
+        <p:nvSpPr>
+          <p:cNvPr id="4" name="Slide Number Placeholder 3"/>
+          <p:cNvSpPr>
+            <a:spLocks noGrp="1"/>
+          </p:cNvSpPr>
+          <p:nvPr>
+            <p:ph type="sldNum" sz="quarter" idx="5"/>
+          </p:nvPr>
+        </p:nvSpPr>
+        <p:spPr/>
+        <p:txBody>
+          <a:bodyPr/>
+          <a:lstStyle/>
+          <a:p>
+            <a:fld id="{9571CB9B-B82F-460B-B086-0250925F788A}" type="slidenum">
+              <a:rPr lang="bg-BG" smtClean="0"/>
+              <a:t>21</a:t>
+            </a:fld>
+            <a:endParaRPr lang="bg-BG"/>
+          </a:p>
+        </p:txBody>
+      </p:sp>
+    </p:spTree>
+    <p:extLst>
+      <p:ext uri="{BB962C8B-B14F-4D97-AF65-F5344CB8AC3E}">
+        <p14:creationId xmlns:p14="http://schemas.microsoft.com/office/powerpoint/2010/main" val="1088584607"/>
+      </p:ext>
+    </p:extLst>
+  </p:cSld>
+  <p:clrMapOvr>
+    <a:masterClrMapping/>
+  </p:clrMapOvr>
+</p:notes>
+</file>
+
+<file path=ppt/notesSlides/notesSlide21.xml><?xml version="1.0" encoding="utf-8"?>
+<p:notes xmlns:a="http://schemas.openxmlformats.org/drawingml/2006/main" xmlns:r="http://schemas.openxmlformats.org/officeDocument/2006/relationships" xmlns:p="http://schemas.openxmlformats.org/presentationml/2006/main">
+  <p:cSld>
+    <p:spTree>
+      <p:nvGrpSpPr>
+        <p:cNvPr id="1" name=""/>
+        <p:cNvGrpSpPr/>
+        <p:nvPr/>
+      </p:nvGrpSpPr>
+      <p:grpSpPr>
+        <a:xfrm>
+          <a:off x="0" y="0"/>
+          <a:ext cx="0" cy="0"/>
+          <a:chOff x="0" y="0"/>
+          <a:chExt cx="0" cy="0"/>
+        </a:xfrm>
+      </p:grpSpPr>
+      <p:sp>
+        <p:nvSpPr>
+          <p:cNvPr id="2" name="Slide Image Placeholder 1"/>
+          <p:cNvSpPr>
+            <a:spLocks noGrp="1" noRot="1" noChangeAspect="1"/>
+          </p:cNvSpPr>
+          <p:nvPr>
+            <p:ph type="sldImg"/>
+          </p:nvPr>
+        </p:nvSpPr>
+        <p:spPr/>
+      </p:sp>
+      <p:sp>
+        <p:nvSpPr>
+          <p:cNvPr id="3" name="Notes Placeholder 2"/>
+          <p:cNvSpPr>
+            <a:spLocks noGrp="1"/>
+          </p:cNvSpPr>
+          <p:nvPr>
+            <p:ph type="body" idx="1"/>
+          </p:nvPr>
+        </p:nvSpPr>
+        <p:spPr/>
+        <p:txBody>
+          <a:bodyPr/>
+          <a:lstStyle/>
+          <a:p>
+            <a:pPr marL="0" marR="0" lvl="0" indent="0" algn="l" defTabSz="914400" rtl="0" eaLnBrk="1" fontAlgn="auto" latinLnBrk="0" hangingPunct="1">
+              <a:lnSpc>
+                <a:spcPct val="100000"/>
+              </a:lnSpc>
+              <a:spcBef>
+                <a:spcPts val="0"/>
+              </a:spcBef>
+              <a:spcAft>
+                <a:spcPts val="0"/>
+              </a:spcAft>
+              <a:buClrTx/>
+              <a:buSzTx/>
+              <a:buFont typeface="Arial" panose="020B0604020202020204" pitchFamily="34" charset="0"/>
+              <a:buNone/>
+              <a:tabLst/>
+              <a:defRPr/>
+            </a:pPr>
+            <a:endParaRPr lang="bg-BG" dirty="0"/>
+          </a:p>
+        </p:txBody>
+      </p:sp>
+      <p:sp>
+        <p:nvSpPr>
+          <p:cNvPr id="4" name="Slide Number Placeholder 3"/>
+          <p:cNvSpPr>
+            <a:spLocks noGrp="1"/>
+          </p:cNvSpPr>
+          <p:nvPr>
+            <p:ph type="sldNum" sz="quarter" idx="5"/>
+          </p:nvPr>
+        </p:nvSpPr>
+        <p:spPr/>
+        <p:txBody>
+          <a:bodyPr/>
+          <a:lstStyle/>
+          <a:p>
+            <a:fld id="{9571CB9B-B82F-460B-B086-0250925F788A}" type="slidenum">
+              <a:rPr lang="bg-BG" smtClean="0"/>
+              <a:t>22</a:t>
+            </a:fld>
+            <a:endParaRPr lang="bg-BG"/>
+          </a:p>
+        </p:txBody>
+      </p:sp>
+    </p:spTree>
+    <p:extLst>
+      <p:ext uri="{BB962C8B-B14F-4D97-AF65-F5344CB8AC3E}">
+        <p14:creationId xmlns:p14="http://schemas.microsoft.com/office/powerpoint/2010/main" val="1154542789"/>
+      </p:ext>
+    </p:extLst>
+  </p:cSld>
+  <p:clrMapOvr>
+    <a:masterClrMapping/>
+  </p:clrMapOvr>
+</p:notes>
+</file>
+
+<file path=ppt/notesSlides/notesSlide22.xml><?xml version="1.0" encoding="utf-8"?>
+<p:notes xmlns:a="http://schemas.openxmlformats.org/drawingml/2006/main" xmlns:r="http://schemas.openxmlformats.org/officeDocument/2006/relationships" xmlns:p="http://schemas.openxmlformats.org/presentationml/2006/main">
+  <p:cSld>
+    <p:spTree>
+      <p:nvGrpSpPr>
+        <p:cNvPr id="1" name=""/>
+        <p:cNvGrpSpPr/>
+        <p:nvPr/>
+      </p:nvGrpSpPr>
+      <p:grpSpPr>
+        <a:xfrm>
+          <a:off x="0" y="0"/>
+          <a:ext cx="0" cy="0"/>
+          <a:chOff x="0" y="0"/>
+          <a:chExt cx="0" cy="0"/>
+        </a:xfrm>
+      </p:grpSpPr>
+      <p:sp>
+        <p:nvSpPr>
+          <p:cNvPr id="2" name="Slide Image Placeholder 1"/>
+          <p:cNvSpPr>
+            <a:spLocks noGrp="1" noRot="1" noChangeAspect="1"/>
+          </p:cNvSpPr>
+          <p:nvPr>
+            <p:ph type="sldImg"/>
+          </p:nvPr>
+        </p:nvSpPr>
+        <p:spPr/>
+      </p:sp>
+      <p:sp>
+        <p:nvSpPr>
+          <p:cNvPr id="3" name="Notes Placeholder 2"/>
+          <p:cNvSpPr>
+            <a:spLocks noGrp="1"/>
+          </p:cNvSpPr>
+          <p:nvPr>
+            <p:ph type="body" idx="1"/>
+          </p:nvPr>
+        </p:nvSpPr>
+        <p:spPr/>
+        <p:txBody>
+          <a:bodyPr/>
+          <a:lstStyle/>
+          <a:p>
+            <a:endParaRPr lang="bg-BG" dirty="0"/>
+          </a:p>
+        </p:txBody>
+      </p:sp>
+      <p:sp>
+        <p:nvSpPr>
+          <p:cNvPr id="4" name="Slide Number Placeholder 3"/>
+          <p:cNvSpPr>
+            <a:spLocks noGrp="1"/>
+          </p:cNvSpPr>
+          <p:nvPr>
+            <p:ph type="sldNum" sz="quarter" idx="5"/>
+          </p:nvPr>
+        </p:nvSpPr>
+        <p:spPr/>
+        <p:txBody>
+          <a:bodyPr/>
+          <a:lstStyle/>
+          <a:p>
+            <a:fld id="{9571CB9B-B82F-460B-B086-0250925F788A}" type="slidenum">
+              <a:rPr lang="bg-BG" smtClean="0"/>
+              <a:t>23</a:t>
+            </a:fld>
+            <a:endParaRPr lang="bg-BG"/>
+          </a:p>
+        </p:txBody>
+      </p:sp>
+    </p:spTree>
+    <p:extLst>
+      <p:ext uri="{BB962C8B-B14F-4D97-AF65-F5344CB8AC3E}">
+        <p14:creationId xmlns:p14="http://schemas.microsoft.com/office/powerpoint/2010/main" val="3809575500"/>
+      </p:ext>
+    </p:extLst>
+  </p:cSld>
+  <p:clrMapOvr>
+    <a:masterClrMapping/>
+  </p:clrMapOvr>
+</p:notes>
+</file>
+
+<file path=ppt/notesSlides/notesSlide3.xml><?xml version="1.0" encoding="utf-8"?>
+<p:notes xmlns:a="http://schemas.openxmlformats.org/drawingml/2006/main" xmlns:r="http://schemas.openxmlformats.org/officeDocument/2006/relationships" xmlns:p="http://schemas.openxmlformats.org/presentationml/2006/main">
+  <p:cSld>
+    <p:spTree>
+      <p:nvGrpSpPr>
+        <p:cNvPr id="1" name=""/>
+        <p:cNvGrpSpPr/>
+        <p:nvPr/>
+      </p:nvGrpSpPr>
+      <p:grpSpPr>
+        <a:xfrm>
+          <a:off x="0" y="0"/>
+          <a:ext cx="0" cy="0"/>
+          <a:chOff x="0" y="0"/>
+          <a:chExt cx="0" cy="0"/>
+        </a:xfrm>
+      </p:grpSpPr>
+      <p:sp>
+        <p:nvSpPr>
+          <p:cNvPr id="2" name="Slide Image Placeholder 1"/>
+          <p:cNvSpPr>
+            <a:spLocks noGrp="1" noRot="1" noChangeAspect="1"/>
+          </p:cNvSpPr>
+          <p:nvPr>
+            <p:ph type="sldImg"/>
+          </p:nvPr>
+        </p:nvSpPr>
+        <p:spPr/>
+      </p:sp>
+      <p:sp>
+        <p:nvSpPr>
+          <p:cNvPr id="3" name="Notes Placeholder 2"/>
+          <p:cNvSpPr>
+            <a:spLocks noGrp="1"/>
+          </p:cNvSpPr>
+          <p:nvPr>
+            <p:ph type="body" idx="1"/>
+          </p:nvPr>
+        </p:nvSpPr>
+        <p:spPr/>
+        <p:txBody>
+          <a:bodyPr/>
+          <a:lstStyle/>
+          <a:p>
+            <a:pPr marL="171450" indent="-171450">
+              <a:buFont typeface="Arial" panose="020B0604020202020204" pitchFamily="34" charset="0"/>
+              <a:buChar char="•"/>
+            </a:pPr>
+            <a:r>
+              <a:rPr lang="en-US" dirty="0"/>
+              <a:t>Multiple teams</a:t>
+            </a:r>
+          </a:p>
+          <a:p>
+            <a:pPr marL="628650" lvl="1" indent="-171450">
+              <a:buFont typeface="Arial" panose="020B0604020202020204" pitchFamily="34" charset="0"/>
+              <a:buChar char="•"/>
+            </a:pPr>
+            <a:r>
+              <a:rPr lang="en-US" dirty="0"/>
+              <a:t>Code quality rules, like typescript + specific </a:t>
+            </a:r>
+            <a:r>
+              <a:rPr lang="en-US" dirty="0" err="1"/>
+              <a:t>ts.config</a:t>
+            </a:r>
+            <a:endParaRPr lang="en-US" dirty="0"/>
+          </a:p>
+          <a:p>
+            <a:pPr marL="628650" lvl="1" indent="-171450">
+              <a:buFont typeface="Arial" panose="020B0604020202020204" pitchFamily="34" charset="0"/>
+              <a:buChar char="•"/>
+            </a:pPr>
+            <a:r>
+              <a:rPr lang="en-US" dirty="0"/>
+              <a:t>Migrating developers between teams that are building applications the same way</a:t>
+            </a:r>
+          </a:p>
+          <a:p>
+            <a:pPr marL="628650" lvl="1" indent="-171450">
+              <a:buFont typeface="Arial" panose="020B0604020202020204" pitchFamily="34" charset="0"/>
+              <a:buChar char="•"/>
+            </a:pPr>
+            <a:endParaRPr lang="en-US" dirty="0"/>
+          </a:p>
+          <a:p>
+            <a:pPr marL="171450" lvl="0" indent="-171450">
+              <a:buFont typeface="Arial" panose="020B0604020202020204" pitchFamily="34" charset="0"/>
+              <a:buChar char="•"/>
+            </a:pPr>
+            <a:r>
+              <a:rPr lang="en-US" dirty="0"/>
+              <a:t>Multiple teams </a:t>
+            </a:r>
+          </a:p>
+          <a:p>
+            <a:pPr marL="628650" lvl="1" indent="-171450">
+              <a:buFont typeface="Arial" panose="020B0604020202020204" pitchFamily="34" charset="0"/>
+              <a:buChar char="•"/>
+            </a:pPr>
+            <a:r>
+              <a:rPr lang="en-US" dirty="0"/>
+              <a:t>UI components sharing</a:t>
+            </a:r>
+          </a:p>
+          <a:p>
+            <a:pPr marL="628650" lvl="1" indent="-171450">
+              <a:buFont typeface="Arial" panose="020B0604020202020204" pitchFamily="34" charset="0"/>
+              <a:buChar char="•"/>
+            </a:pPr>
+            <a:r>
+              <a:rPr lang="en-US" dirty="0"/>
+              <a:t>Easier onboarding when switching teams</a:t>
+            </a:r>
+          </a:p>
+          <a:p>
+            <a:pPr marL="628650" lvl="1" indent="-171450">
+              <a:buFont typeface="Arial" panose="020B0604020202020204" pitchFamily="34" charset="0"/>
+              <a:buChar char="•"/>
+            </a:pPr>
+            <a:r>
+              <a:rPr lang="en-US" dirty="0"/>
+              <a:t>Common modules for implementing a requirement, like authentication module</a:t>
+            </a:r>
+          </a:p>
+        </p:txBody>
+      </p:sp>
+      <p:sp>
+        <p:nvSpPr>
+          <p:cNvPr id="4" name="Slide Number Placeholder 3"/>
+          <p:cNvSpPr>
+            <a:spLocks noGrp="1"/>
+          </p:cNvSpPr>
+          <p:nvPr>
+            <p:ph type="sldNum" sz="quarter" idx="5"/>
+          </p:nvPr>
+        </p:nvSpPr>
+        <p:spPr/>
+        <p:txBody>
+          <a:bodyPr/>
+          <a:lstStyle/>
+          <a:p>
+            <a:fld id="{9571CB9B-B82F-460B-B086-0250925F788A}" type="slidenum">
+              <a:rPr lang="bg-BG" smtClean="0"/>
               <a:t>4</a:t>
             </a:fld>
             <a:endParaRPr lang="bg-BG"/>
@@ -18016,7 +18478,7 @@
     </p:spTree>
     <p:extLst>
       <p:ext uri="{BB962C8B-B14F-4D97-AF65-F5344CB8AC3E}">
-        <p14:creationId xmlns:p14="http://schemas.microsoft.com/office/powerpoint/2010/main" val="2021797652"/>
+        <p14:creationId xmlns:p14="http://schemas.microsoft.com/office/powerpoint/2010/main" val="4133759839"/>
       </p:ext>
     </p:extLst>
   </p:cSld>
@@ -19113,7 +19575,7 @@
           <a:p>
             <a:fld id="{EEA75A29-027F-4D48-B08B-1161613C0818}" type="datetimeFigureOut">
               <a:rPr lang="bg-BG" smtClean="0"/>
-              <a:t>12.5.2019 г.</a:t>
+              <a:t>20.5.2019 г.</a:t>
             </a:fld>
             <a:endParaRPr lang="bg-BG"/>
           </a:p>
@@ -19313,7 +19775,7 @@
           <a:p>
             <a:fld id="{EEA75A29-027F-4D48-B08B-1161613C0818}" type="datetimeFigureOut">
               <a:rPr lang="bg-BG" smtClean="0"/>
-              <a:t>12.5.2019 г.</a:t>
+              <a:t>20.5.2019 г.</a:t>
             </a:fld>
             <a:endParaRPr lang="bg-BG"/>
           </a:p>
@@ -19523,7 +19985,7 @@
           <a:p>
             <a:fld id="{EEA75A29-027F-4D48-B08B-1161613C0818}" type="datetimeFigureOut">
               <a:rPr lang="bg-BG" smtClean="0"/>
-              <a:t>12.5.2019 г.</a:t>
+              <a:t>20.5.2019 г.</a:t>
             </a:fld>
             <a:endParaRPr lang="bg-BG"/>
           </a:p>
@@ -19723,7 +20185,7 @@
           <a:p>
             <a:fld id="{EEA75A29-027F-4D48-B08B-1161613C0818}" type="datetimeFigureOut">
               <a:rPr lang="bg-BG" smtClean="0"/>
-              <a:t>12.5.2019 г.</a:t>
+              <a:t>20.5.2019 г.</a:t>
             </a:fld>
             <a:endParaRPr lang="bg-BG"/>
           </a:p>
@@ -19999,7 +20461,7 @@
           <a:p>
             <a:fld id="{EEA75A29-027F-4D48-B08B-1161613C0818}" type="datetimeFigureOut">
               <a:rPr lang="bg-BG" smtClean="0"/>
-              <a:t>12.5.2019 г.</a:t>
+              <a:t>20.5.2019 г.</a:t>
             </a:fld>
             <a:endParaRPr lang="bg-BG"/>
           </a:p>
@@ -20267,7 +20729,7 @@
           <a:p>
             <a:fld id="{EEA75A29-027F-4D48-B08B-1161613C0818}" type="datetimeFigureOut">
               <a:rPr lang="bg-BG" smtClean="0"/>
-              <a:t>12.5.2019 г.</a:t>
+              <a:t>20.5.2019 г.</a:t>
             </a:fld>
             <a:endParaRPr lang="bg-BG"/>
           </a:p>
@@ -20682,7 +21144,7 @@
           <a:p>
             <a:fld id="{EEA75A29-027F-4D48-B08B-1161613C0818}" type="datetimeFigureOut">
               <a:rPr lang="bg-BG" smtClean="0"/>
-              <a:t>12.5.2019 г.</a:t>
+              <a:t>20.5.2019 г.</a:t>
             </a:fld>
             <a:endParaRPr lang="bg-BG"/>
           </a:p>
@@ -20824,7 +21286,7 @@
           <a:p>
             <a:fld id="{EEA75A29-027F-4D48-B08B-1161613C0818}" type="datetimeFigureOut">
               <a:rPr lang="bg-BG" smtClean="0"/>
-              <a:t>12.5.2019 г.</a:t>
+              <a:t>20.5.2019 г.</a:t>
             </a:fld>
             <a:endParaRPr lang="bg-BG"/>
           </a:p>
@@ -20937,7 +21399,7 @@
           <a:p>
             <a:fld id="{EEA75A29-027F-4D48-B08B-1161613C0818}" type="datetimeFigureOut">
               <a:rPr lang="bg-BG" smtClean="0"/>
-              <a:t>12.5.2019 г.</a:t>
+              <a:t>20.5.2019 г.</a:t>
             </a:fld>
             <a:endParaRPr lang="bg-BG"/>
           </a:p>
@@ -21250,7 +21712,7 @@
           <a:p>
             <a:fld id="{EEA75A29-027F-4D48-B08B-1161613C0818}" type="datetimeFigureOut">
               <a:rPr lang="bg-BG" smtClean="0"/>
-              <a:t>12.5.2019 г.</a:t>
+              <a:t>20.5.2019 г.</a:t>
             </a:fld>
             <a:endParaRPr lang="bg-BG"/>
           </a:p>
@@ -21539,7 +22001,7 @@
           <a:p>
             <a:fld id="{EEA75A29-027F-4D48-B08B-1161613C0818}" type="datetimeFigureOut">
               <a:rPr lang="bg-BG" smtClean="0"/>
-              <a:t>12.5.2019 г.</a:t>
+              <a:t>20.5.2019 г.</a:t>
             </a:fld>
             <a:endParaRPr lang="bg-BG"/>
           </a:p>
@@ -21782,7 +22244,7 @@
           <a:p>
             <a:fld id="{EEA75A29-027F-4D48-B08B-1161613C0818}" type="datetimeFigureOut">
               <a:rPr lang="bg-BG" smtClean="0"/>
-              <a:t>12.5.2019 г.</a:t>
+              <a:t>20.5.2019 г.</a:t>
             </a:fld>
             <a:endParaRPr lang="bg-BG"/>
           </a:p>
@@ -23588,7 +24050,7 @@
             <p:ph idx="1"/>
             <p:extLst>
               <p:ext uri="{D42A27DB-BD31-4B8C-83A1-F6EECF244321}">
-                <p14:modId xmlns:p14="http://schemas.microsoft.com/office/powerpoint/2010/main" val="1107967995"/>
+                <p14:modId xmlns:p14="http://schemas.microsoft.com/office/powerpoint/2010/main" val="3401581751"/>
               </p:ext>
             </p:extLst>
           </p:nvPr>
@@ -23901,6 +24363,1052 @@
 </file>
 
 <file path=ppt/slides/slide11.xml><?xml version="1.0" encoding="utf-8"?>
+<p:sld xmlns:a="http://schemas.openxmlformats.org/drawingml/2006/main" xmlns:r="http://schemas.openxmlformats.org/officeDocument/2006/relationships" xmlns:p="http://schemas.openxmlformats.org/presentationml/2006/main">
+  <p:cSld>
+    <p:bg>
+      <p:bgPr>
+        <a:solidFill>
+          <a:schemeClr val="tx1">
+            <a:lumMod val="75000"/>
+            <a:lumOff val="25000"/>
+          </a:schemeClr>
+        </a:solidFill>
+        <a:effectLst/>
+      </p:bgPr>
+    </p:bg>
+    <p:spTree>
+      <p:nvGrpSpPr>
+        <p:cNvPr id="1" name=""/>
+        <p:cNvGrpSpPr/>
+        <p:nvPr/>
+      </p:nvGrpSpPr>
+      <p:grpSpPr>
+        <a:xfrm>
+          <a:off x="0" y="0"/>
+          <a:ext cx="0" cy="0"/>
+          <a:chOff x="0" y="0"/>
+          <a:chExt cx="0" cy="0"/>
+        </a:xfrm>
+      </p:grpSpPr>
+      <p:sp>
+        <p:nvSpPr>
+          <p:cNvPr id="19" name="Rectangle 18">
+            <a:extLst>
+              <a:ext uri="{FF2B5EF4-FFF2-40B4-BE49-F238E27FC236}">
+                <a16:creationId xmlns:a16="http://schemas.microsoft.com/office/drawing/2014/main" id="{B49C84C6-3870-4392-BAB0-9CE5105EBBEC}"/>
+              </a:ext>
+            </a:extLst>
+          </p:cNvPr>
+          <p:cNvSpPr/>
+          <p:nvPr/>
+        </p:nvSpPr>
+        <p:spPr>
+          <a:xfrm>
+            <a:off x="-1" y="0"/>
+            <a:ext cx="1905001" cy="6858000"/>
+          </a:xfrm>
+          <a:prstGeom prst="rect">
+            <a:avLst/>
+          </a:prstGeom>
+          <a:solidFill>
+            <a:srgbClr val="A93843"/>
+          </a:solidFill>
+          <a:ln>
+            <a:noFill/>
+          </a:ln>
+        </p:spPr>
+        <p:style>
+          <a:lnRef idx="2">
+            <a:schemeClr val="accent1">
+              <a:shade val="50000"/>
+            </a:schemeClr>
+          </a:lnRef>
+          <a:fillRef idx="1">
+            <a:schemeClr val="accent1"/>
+          </a:fillRef>
+          <a:effectRef idx="0">
+            <a:schemeClr val="accent1"/>
+          </a:effectRef>
+          <a:fontRef idx="minor">
+            <a:schemeClr val="lt1"/>
+          </a:fontRef>
+        </p:style>
+        <p:txBody>
+          <a:bodyPr rtlCol="0" anchor="ctr"/>
+          <a:lstStyle/>
+          <a:p>
+            <a:pPr algn="ctr"/>
+            <a:endParaRPr lang="bg-BG"/>
+          </a:p>
+        </p:txBody>
+      </p:sp>
+      <p:sp>
+        <p:nvSpPr>
+          <p:cNvPr id="7" name="Title 1">
+            <a:extLst>
+              <a:ext uri="{FF2B5EF4-FFF2-40B4-BE49-F238E27FC236}">
+                <a16:creationId xmlns:a16="http://schemas.microsoft.com/office/drawing/2014/main" id="{209880CF-D588-478D-8E91-2EE390A6C31A}"/>
+              </a:ext>
+            </a:extLst>
+          </p:cNvPr>
+          <p:cNvSpPr txBox="1">
+            <a:spLocks/>
+          </p:cNvSpPr>
+          <p:nvPr/>
+        </p:nvSpPr>
+        <p:spPr>
+          <a:xfrm>
+            <a:off x="3899696" y="570634"/>
+            <a:ext cx="6265858" cy="926770"/>
+          </a:xfrm>
+          <a:prstGeom prst="rect">
+            <a:avLst/>
+          </a:prstGeom>
+        </p:spPr>
+        <p:txBody>
+          <a:bodyPr vert="horz" lIns="91440" tIns="45720" rIns="91440" bIns="45720" rtlCol="0" anchor="ctr">
+            <a:normAutofit/>
+          </a:bodyPr>
+          <a:lstStyle>
+            <a:lvl1pPr algn="l" defTabSz="914400" rtl="0" eaLnBrk="1" latinLnBrk="0" hangingPunct="1">
+              <a:lnSpc>
+                <a:spcPct val="90000"/>
+              </a:lnSpc>
+              <a:spcBef>
+                <a:spcPct val="0"/>
+              </a:spcBef>
+              <a:buNone/>
+              <a:defRPr sz="4400" kern="1200">
+                <a:solidFill>
+                  <a:schemeClr val="tx1"/>
+                </a:solidFill>
+                <a:latin typeface="+mj-lt"/>
+                <a:ea typeface="+mj-ea"/>
+                <a:cs typeface="+mj-cs"/>
+              </a:defRPr>
+            </a:lvl1pPr>
+          </a:lstStyle>
+          <a:p>
+            <a:pPr algn="ctr"/>
+            <a:r>
+              <a:rPr lang="en-GB" dirty="0">
+                <a:solidFill>
+                  <a:schemeClr val="bg1"/>
+                </a:solidFill>
+                <a:latin typeface="Consolas" panose="020B0609020204030204" pitchFamily="49" charset="0"/>
+              </a:rPr>
+              <a:t>Packages</a:t>
+            </a:r>
+            <a:endParaRPr lang="bg-BG" dirty="0">
+              <a:solidFill>
+                <a:schemeClr val="bg1"/>
+              </a:solidFill>
+              <a:latin typeface="Consolas" panose="020B0609020204030204" pitchFamily="49" charset="0"/>
+            </a:endParaRPr>
+          </a:p>
+        </p:txBody>
+      </p:sp>
+      <p:sp>
+        <p:nvSpPr>
+          <p:cNvPr id="17" name="Title 1">
+            <a:extLst>
+              <a:ext uri="{FF2B5EF4-FFF2-40B4-BE49-F238E27FC236}">
+                <a16:creationId xmlns:a16="http://schemas.microsoft.com/office/drawing/2014/main" id="{96A2D964-68D1-49AE-B66F-80C6FA362167}"/>
+              </a:ext>
+            </a:extLst>
+          </p:cNvPr>
+          <p:cNvSpPr txBox="1">
+            <a:spLocks/>
+          </p:cNvSpPr>
+          <p:nvPr/>
+        </p:nvSpPr>
+        <p:spPr>
+          <a:xfrm>
+            <a:off x="528823" y="3875074"/>
+            <a:ext cx="2752354" cy="2709275"/>
+          </a:xfrm>
+          <a:prstGeom prst="ellipse">
+            <a:avLst/>
+          </a:prstGeom>
+          <a:solidFill>
+            <a:srgbClr val="262626"/>
+          </a:solidFill>
+          <a:ln w="174625" cmpd="thinThick">
+            <a:solidFill>
+              <a:srgbClr val="262626"/>
+            </a:solidFill>
+          </a:ln>
+        </p:spPr>
+        <p:txBody>
+          <a:bodyPr vert="horz" lIns="91440" tIns="45720" rIns="91440" bIns="45720" rtlCol="0" anchor="ctr">
+            <a:normAutofit/>
+          </a:bodyPr>
+          <a:lstStyle>
+            <a:lvl1pPr algn="l" defTabSz="914400" rtl="0" eaLnBrk="1" latinLnBrk="0" hangingPunct="1">
+              <a:lnSpc>
+                <a:spcPct val="90000"/>
+              </a:lnSpc>
+              <a:spcBef>
+                <a:spcPct val="0"/>
+              </a:spcBef>
+              <a:buNone/>
+              <a:defRPr sz="4400" kern="1200">
+                <a:solidFill>
+                  <a:schemeClr val="tx1"/>
+                </a:solidFill>
+                <a:latin typeface="+mj-lt"/>
+                <a:ea typeface="+mj-ea"/>
+                <a:cs typeface="+mj-cs"/>
+              </a:defRPr>
+            </a:lvl1pPr>
+          </a:lstStyle>
+          <a:p>
+            <a:pPr algn="ctr"/>
+            <a:r>
+              <a:rPr lang="en-GB" sz="2800" dirty="0">
+                <a:solidFill>
+                  <a:schemeClr val="bg1"/>
+                </a:solidFill>
+                <a:latin typeface="Consolas" panose="020B0609020204030204" pitchFamily="49" charset="0"/>
+              </a:rPr>
+              <a:t>Packages</a:t>
+            </a:r>
+            <a:endParaRPr lang="en-US" sz="2600" dirty="0">
+              <a:solidFill>
+                <a:srgbClr val="FFFFFF"/>
+              </a:solidFill>
+            </a:endParaRPr>
+          </a:p>
+        </p:txBody>
+      </p:sp>
+      <p:pic>
+        <p:nvPicPr>
+          <p:cNvPr id="18" name="Picture 17" descr="A close up of a sign&#10;&#10;Description automatically generated">
+            <a:extLst>
+              <a:ext uri="{FF2B5EF4-FFF2-40B4-BE49-F238E27FC236}">
+                <a16:creationId xmlns:a16="http://schemas.microsoft.com/office/drawing/2014/main" id="{8839E78E-3033-4E67-A9E2-AF0BAD7FCBD4}"/>
+              </a:ext>
+            </a:extLst>
+          </p:cNvPr>
+          <p:cNvPicPr>
+            <a:picLocks noChangeAspect="1"/>
+          </p:cNvPicPr>
+          <p:nvPr/>
+        </p:nvPicPr>
+        <p:blipFill>
+          <a:blip r:embed="rId3">
+            <a:extLst>
+              <a:ext uri="{28A0092B-C50C-407E-A947-70E740481C1C}">
+                <a14:useLocalDpi xmlns:a14="http://schemas.microsoft.com/office/drawing/2010/main" val="0"/>
+              </a:ext>
+            </a:extLst>
+          </a:blip>
+          <a:stretch>
+            <a:fillRect/>
+          </a:stretch>
+        </p:blipFill>
+        <p:spPr>
+          <a:xfrm>
+            <a:off x="0" y="-58072"/>
+            <a:ext cx="1976078" cy="2131267"/>
+          </a:xfrm>
+          <a:prstGeom prst="rect">
+            <a:avLst/>
+          </a:prstGeom>
+        </p:spPr>
+      </p:pic>
+      <p:pic>
+        <p:nvPicPr>
+          <p:cNvPr id="16" name="Picture 15">
+            <a:extLst>
+              <a:ext uri="{FF2B5EF4-FFF2-40B4-BE49-F238E27FC236}">
+                <a16:creationId xmlns:a16="http://schemas.microsoft.com/office/drawing/2014/main" id="{229CF0CA-0F6D-47F5-B0B8-F921F22F5CAA}"/>
+              </a:ext>
+            </a:extLst>
+          </p:cNvPr>
+          <p:cNvPicPr>
+            <a:picLocks noChangeAspect="1"/>
+          </p:cNvPicPr>
+          <p:nvPr/>
+        </p:nvPicPr>
+        <p:blipFill>
+          <a:blip r:embed="rId4">
+            <a:extLst>
+              <a:ext uri="{28A0092B-C50C-407E-A947-70E740481C1C}">
+                <a14:useLocalDpi xmlns:a14="http://schemas.microsoft.com/office/drawing/2010/main" val="0"/>
+              </a:ext>
+            </a:extLst>
+          </a:blip>
+          <a:stretch>
+            <a:fillRect/>
+          </a:stretch>
+        </p:blipFill>
+        <p:spPr>
+          <a:xfrm>
+            <a:off x="5350780" y="1683889"/>
+            <a:ext cx="3433539" cy="1336219"/>
+          </a:xfrm>
+          <a:prstGeom prst="rect">
+            <a:avLst/>
+          </a:prstGeom>
+        </p:spPr>
+      </p:pic>
+      <p:pic>
+        <p:nvPicPr>
+          <p:cNvPr id="24" name="Picture 23">
+            <a:extLst>
+              <a:ext uri="{FF2B5EF4-FFF2-40B4-BE49-F238E27FC236}">
+                <a16:creationId xmlns:a16="http://schemas.microsoft.com/office/drawing/2014/main" id="{A3B61B13-4A5C-40C5-A3DC-87E4D2203247}"/>
+              </a:ext>
+            </a:extLst>
+          </p:cNvPr>
+          <p:cNvPicPr>
+            <a:picLocks noChangeAspect="1"/>
+          </p:cNvPicPr>
+          <p:nvPr/>
+        </p:nvPicPr>
+        <p:blipFill>
+          <a:blip r:embed="rId5">
+            <a:extLst>
+              <a:ext uri="{28A0092B-C50C-407E-A947-70E740481C1C}">
+                <a14:useLocalDpi xmlns:a14="http://schemas.microsoft.com/office/drawing/2010/main" val="0"/>
+              </a:ext>
+            </a:extLst>
+          </a:blip>
+          <a:stretch>
+            <a:fillRect/>
+          </a:stretch>
+        </p:blipFill>
+        <p:spPr>
+          <a:xfrm>
+            <a:off x="3575050" y="4169843"/>
+            <a:ext cx="3810330" cy="2293819"/>
+          </a:xfrm>
+          <a:prstGeom prst="rect">
+            <a:avLst/>
+          </a:prstGeom>
+        </p:spPr>
+      </p:pic>
+      <p:pic>
+        <p:nvPicPr>
+          <p:cNvPr id="26" name="Picture 25" descr="A picture containing indoor&#10;&#10;Description automatically generated">
+            <a:extLst>
+              <a:ext uri="{FF2B5EF4-FFF2-40B4-BE49-F238E27FC236}">
+                <a16:creationId xmlns:a16="http://schemas.microsoft.com/office/drawing/2014/main" id="{C481AA4F-4BB2-425D-ACF4-212294D8EF22}"/>
+              </a:ext>
+            </a:extLst>
+          </p:cNvPr>
+          <p:cNvPicPr>
+            <a:picLocks noChangeAspect="1"/>
+          </p:cNvPicPr>
+          <p:nvPr/>
+        </p:nvPicPr>
+        <p:blipFill>
+          <a:blip r:embed="rId6">
+            <a:extLst>
+              <a:ext uri="{28A0092B-C50C-407E-A947-70E740481C1C}">
+                <a14:useLocalDpi xmlns:a14="http://schemas.microsoft.com/office/drawing/2010/main" val="0"/>
+              </a:ext>
+            </a:extLst>
+          </a:blip>
+          <a:stretch>
+            <a:fillRect/>
+          </a:stretch>
+        </p:blipFill>
+        <p:spPr>
+          <a:xfrm>
+            <a:off x="7972745" y="3206593"/>
+            <a:ext cx="3206601" cy="2586658"/>
+          </a:xfrm>
+          <a:prstGeom prst="rect">
+            <a:avLst/>
+          </a:prstGeom>
+        </p:spPr>
+      </p:pic>
+    </p:spTree>
+    <p:extLst>
+      <p:ext uri="{BB962C8B-B14F-4D97-AF65-F5344CB8AC3E}">
+        <p14:creationId xmlns:p14="http://schemas.microsoft.com/office/powerpoint/2010/main" val="3836387748"/>
+      </p:ext>
+    </p:extLst>
+  </p:cSld>
+  <p:clrMapOvr>
+    <a:masterClrMapping/>
+  </p:clrMapOvr>
+  <p:timing>
+    <p:tnLst>
+      <p:par>
+        <p:cTn id="1" dur="indefinite" restart="never" nodeType="tmRoot">
+          <p:childTnLst>
+            <p:seq concurrent="1" nextAc="seek">
+              <p:cTn id="2" dur="indefinite" nodeType="mainSeq">
+                <p:childTnLst>
+                  <p:par>
+                    <p:cTn id="3" fill="hold">
+                      <p:stCondLst>
+                        <p:cond delay="indefinite"/>
+                      </p:stCondLst>
+                      <p:childTnLst>
+                        <p:par>
+                          <p:cTn id="4" fill="hold">
+                            <p:stCondLst>
+                              <p:cond delay="0"/>
+                            </p:stCondLst>
+                            <p:childTnLst>
+                              <p:par>
+                                <p:cTn id="5" presetID="22" presetClass="entr" presetSubtype="1" fill="hold" nodeType="clickEffect">
+                                  <p:stCondLst>
+                                    <p:cond delay="0"/>
+                                  </p:stCondLst>
+                                  <p:childTnLst>
+                                    <p:set>
+                                      <p:cBhvr>
+                                        <p:cTn id="6" dur="1" fill="hold">
+                                          <p:stCondLst>
+                                            <p:cond delay="0"/>
+                                          </p:stCondLst>
+                                        </p:cTn>
+                                        <p:tgtEl>
+                                          <p:spTgt spid="16"/>
+                                        </p:tgtEl>
+                                        <p:attrNameLst>
+                                          <p:attrName>style.visibility</p:attrName>
+                                        </p:attrNameLst>
+                                      </p:cBhvr>
+                                      <p:to>
+                                        <p:strVal val="visible"/>
+                                      </p:to>
+                                    </p:set>
+                                    <p:animEffect transition="in" filter="wipe(up)">
+                                      <p:cBhvr>
+                                        <p:cTn id="7" dur="500"/>
+                                        <p:tgtEl>
+                                          <p:spTgt spid="16"/>
+                                        </p:tgtEl>
+                                      </p:cBhvr>
+                                    </p:animEffect>
+                                  </p:childTnLst>
+                                </p:cTn>
+                              </p:par>
+                              <p:par>
+                                <p:cTn id="8" presetID="22" presetClass="entr" presetSubtype="8" fill="hold" nodeType="withEffect">
+                                  <p:stCondLst>
+                                    <p:cond delay="0"/>
+                                  </p:stCondLst>
+                                  <p:childTnLst>
+                                    <p:set>
+                                      <p:cBhvr>
+                                        <p:cTn id="9" dur="1" fill="hold">
+                                          <p:stCondLst>
+                                            <p:cond delay="0"/>
+                                          </p:stCondLst>
+                                        </p:cTn>
+                                        <p:tgtEl>
+                                          <p:spTgt spid="24"/>
+                                        </p:tgtEl>
+                                        <p:attrNameLst>
+                                          <p:attrName>style.visibility</p:attrName>
+                                        </p:attrNameLst>
+                                      </p:cBhvr>
+                                      <p:to>
+                                        <p:strVal val="visible"/>
+                                      </p:to>
+                                    </p:set>
+                                    <p:animEffect transition="in" filter="wipe(left)">
+                                      <p:cBhvr>
+                                        <p:cTn id="10" dur="500"/>
+                                        <p:tgtEl>
+                                          <p:spTgt spid="24"/>
+                                        </p:tgtEl>
+                                      </p:cBhvr>
+                                    </p:animEffect>
+                                  </p:childTnLst>
+                                </p:cTn>
+                              </p:par>
+                              <p:par>
+                                <p:cTn id="11" presetID="22" presetClass="entr" presetSubtype="2" fill="hold" nodeType="withEffect">
+                                  <p:stCondLst>
+                                    <p:cond delay="0"/>
+                                  </p:stCondLst>
+                                  <p:childTnLst>
+                                    <p:set>
+                                      <p:cBhvr>
+                                        <p:cTn id="12" dur="1" fill="hold">
+                                          <p:stCondLst>
+                                            <p:cond delay="0"/>
+                                          </p:stCondLst>
+                                        </p:cTn>
+                                        <p:tgtEl>
+                                          <p:spTgt spid="26"/>
+                                        </p:tgtEl>
+                                        <p:attrNameLst>
+                                          <p:attrName>style.visibility</p:attrName>
+                                        </p:attrNameLst>
+                                      </p:cBhvr>
+                                      <p:to>
+                                        <p:strVal val="visible"/>
+                                      </p:to>
+                                    </p:set>
+                                    <p:animEffect transition="in" filter="wipe(right)">
+                                      <p:cBhvr>
+                                        <p:cTn id="13" dur="500"/>
+                                        <p:tgtEl>
+                                          <p:spTgt spid="26"/>
+                                        </p:tgtEl>
+                                      </p:cBhvr>
+                                    </p:animEffect>
+                                  </p:childTnLst>
+                                </p:cTn>
+                              </p:par>
+                            </p:childTnLst>
+                          </p:cTn>
+                        </p:par>
+                      </p:childTnLst>
+                    </p:cTn>
+                  </p:par>
+                </p:childTnLst>
+              </p:cTn>
+              <p:prevCondLst>
+                <p:cond evt="onPrev" delay="0">
+                  <p:tgtEl>
+                    <p:sldTgt/>
+                  </p:tgtEl>
+                </p:cond>
+              </p:prevCondLst>
+              <p:nextCondLst>
+                <p:cond evt="onNext" delay="0">
+                  <p:tgtEl>
+                    <p:sldTgt/>
+                  </p:tgtEl>
+                </p:cond>
+              </p:nextCondLst>
+            </p:seq>
+          </p:childTnLst>
+        </p:cTn>
+      </p:par>
+    </p:tnLst>
+  </p:timing>
+</p:sld>
+</file>
+
+<file path=ppt/slides/slide12.xml><?xml version="1.0" encoding="utf-8"?>
+<p:sld xmlns:a="http://schemas.openxmlformats.org/drawingml/2006/main" xmlns:r="http://schemas.openxmlformats.org/officeDocument/2006/relationships" xmlns:p="http://schemas.openxmlformats.org/presentationml/2006/main">
+  <p:cSld>
+    <p:bg>
+      <p:bgPr>
+        <a:solidFill>
+          <a:schemeClr val="tx1">
+            <a:lumMod val="75000"/>
+            <a:lumOff val="25000"/>
+          </a:schemeClr>
+        </a:solidFill>
+        <a:effectLst/>
+      </p:bgPr>
+    </p:bg>
+    <p:spTree>
+      <p:nvGrpSpPr>
+        <p:cNvPr id="1" name=""/>
+        <p:cNvGrpSpPr/>
+        <p:nvPr/>
+      </p:nvGrpSpPr>
+      <p:grpSpPr>
+        <a:xfrm>
+          <a:off x="0" y="0"/>
+          <a:ext cx="0" cy="0"/>
+          <a:chOff x="0" y="0"/>
+          <a:chExt cx="0" cy="0"/>
+        </a:xfrm>
+      </p:grpSpPr>
+      <p:sp>
+        <p:nvSpPr>
+          <p:cNvPr id="8" name="Rectangle 7">
+            <a:extLst>
+              <a:ext uri="{FF2B5EF4-FFF2-40B4-BE49-F238E27FC236}">
+                <a16:creationId xmlns:a16="http://schemas.microsoft.com/office/drawing/2014/main" id="{E21DA351-6A24-4EC4-836E-1B8B899DFBD5}"/>
+              </a:ext>
+            </a:extLst>
+          </p:cNvPr>
+          <p:cNvSpPr/>
+          <p:nvPr/>
+        </p:nvSpPr>
+        <p:spPr>
+          <a:xfrm>
+            <a:off x="-1" y="0"/>
+            <a:ext cx="1905001" cy="6858000"/>
+          </a:xfrm>
+          <a:prstGeom prst="rect">
+            <a:avLst/>
+          </a:prstGeom>
+          <a:solidFill>
+            <a:srgbClr val="A93843"/>
+          </a:solidFill>
+          <a:ln>
+            <a:noFill/>
+          </a:ln>
+        </p:spPr>
+        <p:style>
+          <a:lnRef idx="2">
+            <a:schemeClr val="accent1">
+              <a:shade val="50000"/>
+            </a:schemeClr>
+          </a:lnRef>
+          <a:fillRef idx="1">
+            <a:schemeClr val="accent1"/>
+          </a:fillRef>
+          <a:effectRef idx="0">
+            <a:schemeClr val="accent1"/>
+          </a:effectRef>
+          <a:fontRef idx="minor">
+            <a:schemeClr val="lt1"/>
+          </a:fontRef>
+        </p:style>
+        <p:txBody>
+          <a:bodyPr rtlCol="0" anchor="ctr"/>
+          <a:lstStyle/>
+          <a:p>
+            <a:pPr algn="ctr"/>
+            <a:endParaRPr lang="bg-BG"/>
+          </a:p>
+        </p:txBody>
+      </p:sp>
+      <p:sp>
+        <p:nvSpPr>
+          <p:cNvPr id="10" name="Title 1">
+            <a:extLst>
+              <a:ext uri="{FF2B5EF4-FFF2-40B4-BE49-F238E27FC236}">
+                <a16:creationId xmlns:a16="http://schemas.microsoft.com/office/drawing/2014/main" id="{F92C6FE8-F550-45BB-874D-480D1302545D}"/>
+              </a:ext>
+            </a:extLst>
+          </p:cNvPr>
+          <p:cNvSpPr txBox="1">
+            <a:spLocks/>
+          </p:cNvSpPr>
+          <p:nvPr/>
+        </p:nvSpPr>
+        <p:spPr>
+          <a:xfrm>
+            <a:off x="528823" y="3875074"/>
+            <a:ext cx="2752354" cy="2709275"/>
+          </a:xfrm>
+          <a:prstGeom prst="ellipse">
+            <a:avLst/>
+          </a:prstGeom>
+          <a:solidFill>
+            <a:srgbClr val="262626"/>
+          </a:solidFill>
+          <a:ln w="174625" cmpd="thinThick">
+            <a:solidFill>
+              <a:srgbClr val="262626"/>
+            </a:solidFill>
+          </a:ln>
+        </p:spPr>
+        <p:txBody>
+          <a:bodyPr vert="horz" lIns="91440" tIns="45720" rIns="91440" bIns="45720" rtlCol="0" anchor="ctr">
+            <a:normAutofit/>
+          </a:bodyPr>
+          <a:lstStyle>
+            <a:lvl1pPr algn="l" defTabSz="914400" rtl="0" eaLnBrk="1" latinLnBrk="0" hangingPunct="1">
+              <a:lnSpc>
+                <a:spcPct val="90000"/>
+              </a:lnSpc>
+              <a:spcBef>
+                <a:spcPct val="0"/>
+              </a:spcBef>
+              <a:buNone/>
+              <a:defRPr sz="4400" kern="1200">
+                <a:solidFill>
+                  <a:schemeClr val="tx1"/>
+                </a:solidFill>
+                <a:latin typeface="+mj-lt"/>
+                <a:ea typeface="+mj-ea"/>
+                <a:cs typeface="+mj-cs"/>
+              </a:defRPr>
+            </a:lvl1pPr>
+          </a:lstStyle>
+          <a:p>
+            <a:pPr algn="ctr"/>
+            <a:r>
+              <a:rPr lang="en-GB" sz="2400" dirty="0">
+                <a:solidFill>
+                  <a:schemeClr val="bg1"/>
+                </a:solidFill>
+                <a:latin typeface="Consolas" panose="020B0609020204030204" pitchFamily="49" charset="0"/>
+              </a:rPr>
+              <a:t>Packages</a:t>
+            </a:r>
+            <a:endParaRPr lang="en-US" sz="2400" dirty="0">
+              <a:solidFill>
+                <a:srgbClr val="FFFFFF"/>
+              </a:solidFill>
+            </a:endParaRPr>
+          </a:p>
+        </p:txBody>
+      </p:sp>
+      <p:pic>
+        <p:nvPicPr>
+          <p:cNvPr id="12" name="Picture 11" descr="A close up of a sign&#10;&#10;Description automatically generated">
+            <a:extLst>
+              <a:ext uri="{FF2B5EF4-FFF2-40B4-BE49-F238E27FC236}">
+                <a16:creationId xmlns:a16="http://schemas.microsoft.com/office/drawing/2014/main" id="{D1A36478-D659-490E-A002-9DC2F5D37920}"/>
+              </a:ext>
+            </a:extLst>
+          </p:cNvPr>
+          <p:cNvPicPr>
+            <a:picLocks noChangeAspect="1"/>
+          </p:cNvPicPr>
+          <p:nvPr/>
+        </p:nvPicPr>
+        <p:blipFill>
+          <a:blip r:embed="rId3">
+            <a:extLst>
+              <a:ext uri="{28A0092B-C50C-407E-A947-70E740481C1C}">
+                <a14:useLocalDpi xmlns:a14="http://schemas.microsoft.com/office/drawing/2010/main" val="0"/>
+              </a:ext>
+            </a:extLst>
+          </a:blip>
+          <a:stretch>
+            <a:fillRect/>
+          </a:stretch>
+        </p:blipFill>
+        <p:spPr>
+          <a:xfrm>
+            <a:off x="0" y="-58072"/>
+            <a:ext cx="1976078" cy="2131267"/>
+          </a:xfrm>
+          <a:prstGeom prst="rect">
+            <a:avLst/>
+          </a:prstGeom>
+        </p:spPr>
+      </p:pic>
+      <p:graphicFrame>
+        <p:nvGraphicFramePr>
+          <p:cNvPr id="9" name="Content Placeholder 2">
+            <a:extLst>
+              <a:ext uri="{FF2B5EF4-FFF2-40B4-BE49-F238E27FC236}">
+                <a16:creationId xmlns:a16="http://schemas.microsoft.com/office/drawing/2014/main" id="{2DBA617B-CED3-474C-9531-01E2C7E59EA0}"/>
+              </a:ext>
+            </a:extLst>
+          </p:cNvPr>
+          <p:cNvGraphicFramePr>
+            <a:graphicFrameLocks noGrp="1"/>
+          </p:cNvGraphicFramePr>
+          <p:nvPr>
+            <p:ph idx="1"/>
+            <p:extLst>
+              <p:ext uri="{D42A27DB-BD31-4B8C-83A1-F6EECF244321}">
+                <p14:modId xmlns:p14="http://schemas.microsoft.com/office/powerpoint/2010/main" val="2690558631"/>
+              </p:ext>
+            </p:extLst>
+          </p:nvPr>
+        </p:nvGraphicFramePr>
+        <p:xfrm>
+          <a:off x="3584575" y="512763"/>
+          <a:ext cx="6950075" cy="5497221"/>
+        </p:xfrm>
+        <a:graphic>
+          <a:graphicData uri="http://schemas.openxmlformats.org/drawingml/2006/diagram">
+            <dgm:relIds xmlns:dgm="http://schemas.openxmlformats.org/drawingml/2006/diagram" xmlns:r="http://schemas.openxmlformats.org/officeDocument/2006/relationships" r:dm="rId4" r:lo="rId5" r:qs="rId6" r:cs="rId7"/>
+          </a:graphicData>
+        </a:graphic>
+      </p:graphicFrame>
+    </p:spTree>
+    <p:extLst>
+      <p:ext uri="{BB962C8B-B14F-4D97-AF65-F5344CB8AC3E}">
+        <p14:creationId xmlns:p14="http://schemas.microsoft.com/office/powerpoint/2010/main" val="2350165233"/>
+      </p:ext>
+    </p:extLst>
+  </p:cSld>
+  <p:clrMapOvr>
+    <a:masterClrMapping/>
+  </p:clrMapOvr>
+  <p:timing>
+    <p:tnLst>
+      <p:par>
+        <p:cTn id="1" dur="indefinite" restart="never" nodeType="tmRoot">
+          <p:childTnLst>
+            <p:seq concurrent="1" nextAc="seek">
+              <p:cTn id="2" dur="indefinite" nodeType="mainSeq">
+                <p:childTnLst>
+                  <p:par>
+                    <p:cTn id="3" fill="hold">
+                      <p:stCondLst>
+                        <p:cond delay="indefinite"/>
+                        <p:cond evt="onBegin" delay="0">
+                          <p:tn val="2"/>
+                        </p:cond>
+                      </p:stCondLst>
+                      <p:childTnLst>
+                        <p:par>
+                          <p:cTn id="4" fill="hold">
+                            <p:stCondLst>
+                              <p:cond delay="0"/>
+                            </p:stCondLst>
+                            <p:childTnLst>
+                              <p:par>
+                                <p:cTn id="5" presetID="10" presetClass="entr" presetSubtype="0" fill="hold" grpId="0" nodeType="withEffect">
+                                  <p:stCondLst>
+                                    <p:cond delay="0"/>
+                                  </p:stCondLst>
+                                  <p:childTnLst>
+                                    <p:set>
+                                      <p:cBhvr>
+                                        <p:cTn id="6" dur="1" fill="hold">
+                                          <p:stCondLst>
+                                            <p:cond delay="0"/>
+                                          </p:stCondLst>
+                                        </p:cTn>
+                                        <p:tgtEl>
+                                          <p:spTgt spid="9">
+                                            <p:graphicEl>
+                                              <a:dgm id="{D33A2FF8-A78E-4539-A2A5-886A470F6DDD}"/>
+                                            </p:graphicEl>
+                                          </p:spTgt>
+                                        </p:tgtEl>
+                                        <p:attrNameLst>
+                                          <p:attrName>style.visibility</p:attrName>
+                                        </p:attrNameLst>
+                                      </p:cBhvr>
+                                      <p:to>
+                                        <p:strVal val="visible"/>
+                                      </p:to>
+                                    </p:set>
+                                    <p:animEffect transition="in" filter="fade">
+                                      <p:cBhvr>
+                                        <p:cTn id="7" dur="500"/>
+                                        <p:tgtEl>
+                                          <p:spTgt spid="9">
+                                            <p:graphicEl>
+                                              <a:dgm id="{D33A2FF8-A78E-4539-A2A5-886A470F6DDD}"/>
+                                            </p:graphicEl>
+                                          </p:spTgt>
+                                        </p:tgtEl>
+                                      </p:cBhvr>
+                                    </p:animEffect>
+                                  </p:childTnLst>
+                                </p:cTn>
+                              </p:par>
+                            </p:childTnLst>
+                          </p:cTn>
+                        </p:par>
+                      </p:childTnLst>
+                    </p:cTn>
+                  </p:par>
+                  <p:par>
+                    <p:cTn id="8" fill="hold">
+                      <p:stCondLst>
+                        <p:cond delay="indefinite"/>
+                      </p:stCondLst>
+                      <p:childTnLst>
+                        <p:par>
+                          <p:cTn id="9" fill="hold">
+                            <p:stCondLst>
+                              <p:cond delay="0"/>
+                            </p:stCondLst>
+                            <p:childTnLst>
+                              <p:par>
+                                <p:cTn id="10" presetID="10" presetClass="entr" presetSubtype="0" fill="hold" grpId="0" nodeType="clickEffect">
+                                  <p:stCondLst>
+                                    <p:cond delay="0"/>
+                                  </p:stCondLst>
+                                  <p:childTnLst>
+                                    <p:set>
+                                      <p:cBhvr>
+                                        <p:cTn id="11" dur="1" fill="hold">
+                                          <p:stCondLst>
+                                            <p:cond delay="0"/>
+                                          </p:stCondLst>
+                                        </p:cTn>
+                                        <p:tgtEl>
+                                          <p:spTgt spid="9">
+                                            <p:graphicEl>
+                                              <a:dgm id="{63635E32-510A-4D0F-A6CB-514E1BB4A76A}"/>
+                                            </p:graphicEl>
+                                          </p:spTgt>
+                                        </p:tgtEl>
+                                        <p:attrNameLst>
+                                          <p:attrName>style.visibility</p:attrName>
+                                        </p:attrNameLst>
+                                      </p:cBhvr>
+                                      <p:to>
+                                        <p:strVal val="visible"/>
+                                      </p:to>
+                                    </p:set>
+                                    <p:animEffect transition="in" filter="fade">
+                                      <p:cBhvr>
+                                        <p:cTn id="12" dur="500"/>
+                                        <p:tgtEl>
+                                          <p:spTgt spid="9">
+                                            <p:graphicEl>
+                                              <a:dgm id="{63635E32-510A-4D0F-A6CB-514E1BB4A76A}"/>
+                                            </p:graphicEl>
+                                          </p:spTgt>
+                                        </p:tgtEl>
+                                      </p:cBhvr>
+                                    </p:animEffect>
+                                  </p:childTnLst>
+                                </p:cTn>
+                              </p:par>
+                            </p:childTnLst>
+                          </p:cTn>
+                        </p:par>
+                      </p:childTnLst>
+                    </p:cTn>
+                  </p:par>
+                  <p:par>
+                    <p:cTn id="13" fill="hold">
+                      <p:stCondLst>
+                        <p:cond delay="indefinite"/>
+                      </p:stCondLst>
+                      <p:childTnLst>
+                        <p:par>
+                          <p:cTn id="14" fill="hold">
+                            <p:stCondLst>
+                              <p:cond delay="0"/>
+                            </p:stCondLst>
+                            <p:childTnLst>
+                              <p:par>
+                                <p:cTn id="15" presetID="10" presetClass="entr" presetSubtype="0" fill="hold" grpId="0" nodeType="clickEffect">
+                                  <p:stCondLst>
+                                    <p:cond delay="0"/>
+                                  </p:stCondLst>
+                                  <p:childTnLst>
+                                    <p:set>
+                                      <p:cBhvr>
+                                        <p:cTn id="16" dur="1" fill="hold">
+                                          <p:stCondLst>
+                                            <p:cond delay="0"/>
+                                          </p:stCondLst>
+                                        </p:cTn>
+                                        <p:tgtEl>
+                                          <p:spTgt spid="9">
+                                            <p:graphicEl>
+                                              <a:dgm id="{3DAD15C5-E00E-46B2-8F9F-C16C26702240}"/>
+                                            </p:graphicEl>
+                                          </p:spTgt>
+                                        </p:tgtEl>
+                                        <p:attrNameLst>
+                                          <p:attrName>style.visibility</p:attrName>
+                                        </p:attrNameLst>
+                                      </p:cBhvr>
+                                      <p:to>
+                                        <p:strVal val="visible"/>
+                                      </p:to>
+                                    </p:set>
+                                    <p:animEffect transition="in" filter="fade">
+                                      <p:cBhvr>
+                                        <p:cTn id="17" dur="500"/>
+                                        <p:tgtEl>
+                                          <p:spTgt spid="9">
+                                            <p:graphicEl>
+                                              <a:dgm id="{3DAD15C5-E00E-46B2-8F9F-C16C26702240}"/>
+                                            </p:graphicEl>
+                                          </p:spTgt>
+                                        </p:tgtEl>
+                                      </p:cBhvr>
+                                    </p:animEffect>
+                                  </p:childTnLst>
+                                </p:cTn>
+                              </p:par>
+                            </p:childTnLst>
+                          </p:cTn>
+                        </p:par>
+                      </p:childTnLst>
+                    </p:cTn>
+                  </p:par>
+                  <p:par>
+                    <p:cTn id="18" fill="hold">
+                      <p:stCondLst>
+                        <p:cond delay="indefinite"/>
+                      </p:stCondLst>
+                      <p:childTnLst>
+                        <p:par>
+                          <p:cTn id="19" fill="hold">
+                            <p:stCondLst>
+                              <p:cond delay="0"/>
+                            </p:stCondLst>
+                            <p:childTnLst>
+                              <p:par>
+                                <p:cTn id="20" presetID="10" presetClass="entr" presetSubtype="0" fill="hold" grpId="0" nodeType="clickEffect">
+                                  <p:stCondLst>
+                                    <p:cond delay="0"/>
+                                  </p:stCondLst>
+                                  <p:childTnLst>
+                                    <p:set>
+                                      <p:cBhvr>
+                                        <p:cTn id="21" dur="1" fill="hold">
+                                          <p:stCondLst>
+                                            <p:cond delay="0"/>
+                                          </p:stCondLst>
+                                        </p:cTn>
+                                        <p:tgtEl>
+                                          <p:spTgt spid="9">
+                                            <p:graphicEl>
+                                              <a:dgm id="{9F24B2B3-2DD0-4DD5-B684-2FEAB92C83D3}"/>
+                                            </p:graphicEl>
+                                          </p:spTgt>
+                                        </p:tgtEl>
+                                        <p:attrNameLst>
+                                          <p:attrName>style.visibility</p:attrName>
+                                        </p:attrNameLst>
+                                      </p:cBhvr>
+                                      <p:to>
+                                        <p:strVal val="visible"/>
+                                      </p:to>
+                                    </p:set>
+                                    <p:animEffect transition="in" filter="fade">
+                                      <p:cBhvr>
+                                        <p:cTn id="22" dur="500"/>
+                                        <p:tgtEl>
+                                          <p:spTgt spid="9">
+                                            <p:graphicEl>
+                                              <a:dgm id="{9F24B2B3-2DD0-4DD5-B684-2FEAB92C83D3}"/>
+                                            </p:graphicEl>
+                                          </p:spTgt>
+                                        </p:tgtEl>
+                                      </p:cBhvr>
+                                    </p:animEffect>
+                                  </p:childTnLst>
+                                </p:cTn>
+                              </p:par>
+                            </p:childTnLst>
+                          </p:cTn>
+                        </p:par>
+                      </p:childTnLst>
+                    </p:cTn>
+                  </p:par>
+                </p:childTnLst>
+              </p:cTn>
+              <p:prevCondLst>
+                <p:cond evt="onPrev" delay="0">
+                  <p:tgtEl>
+                    <p:sldTgt/>
+                  </p:tgtEl>
+                </p:cond>
+              </p:prevCondLst>
+              <p:nextCondLst>
+                <p:cond evt="onNext" delay="0">
+                  <p:tgtEl>
+                    <p:sldTgt/>
+                  </p:tgtEl>
+                </p:cond>
+              </p:nextCondLst>
+            </p:seq>
+          </p:childTnLst>
+        </p:cTn>
+      </p:par>
+    </p:tnLst>
+    <p:bldLst>
+      <p:bldGraphic spid="9" grpId="0" uiExpand="1">
+        <p:bldSub>
+          <a:bldDgm bld="one"/>
+        </p:bldSub>
+      </p:bldGraphic>
+    </p:bldLst>
+  </p:timing>
+</p:sld>
+</file>
+
+<file path=ppt/slides/slide13.xml><?xml version="1.0" encoding="utf-8"?>
 <p:sld xmlns:a="http://schemas.openxmlformats.org/drawingml/2006/main" xmlns:r="http://schemas.openxmlformats.org/officeDocument/2006/relationships" xmlns:p="http://schemas.openxmlformats.org/presentationml/2006/main">
   <p:cSld>
     <p:bg>
@@ -24265,7 +25773,7 @@
 </p:sld>
 </file>
 
-<file path=ppt/slides/slide12.xml><?xml version="1.0" encoding="utf-8"?>
+<file path=ppt/slides/slide14.xml><?xml version="1.0" encoding="utf-8"?>
 <p:sld xmlns:a="http://schemas.openxmlformats.org/drawingml/2006/main" xmlns:r="http://schemas.openxmlformats.org/officeDocument/2006/relationships" xmlns:p="http://schemas.openxmlformats.org/presentationml/2006/main">
   <p:cSld>
     <p:bg>
@@ -25293,7 +26801,7 @@
 </p:sld>
 </file>
 
-<file path=ppt/slides/slide13.xml><?xml version="1.0" encoding="utf-8"?>
+<file path=ppt/slides/slide15.xml><?xml version="1.0" encoding="utf-8"?>
 <p:sld xmlns:a="http://schemas.openxmlformats.org/drawingml/2006/main" xmlns:r="http://schemas.openxmlformats.org/officeDocument/2006/relationships" xmlns:p="http://schemas.openxmlformats.org/presentationml/2006/main">
   <p:cSld>
     <p:bg>
@@ -25917,531 +27425,7 @@
 </p:sld>
 </file>
 
-<file path=ppt/slides/slide14.xml><?xml version="1.0" encoding="utf-8"?>
-<p:sld xmlns:a="http://schemas.openxmlformats.org/drawingml/2006/main" xmlns:r="http://schemas.openxmlformats.org/officeDocument/2006/relationships" xmlns:p="http://schemas.openxmlformats.org/presentationml/2006/main">
-  <p:cSld>
-    <p:bg>
-      <p:bgPr>
-        <a:solidFill>
-          <a:schemeClr val="tx1">
-            <a:lumMod val="75000"/>
-            <a:lumOff val="25000"/>
-          </a:schemeClr>
-        </a:solidFill>
-        <a:effectLst/>
-      </p:bgPr>
-    </p:bg>
-    <p:spTree>
-      <p:nvGrpSpPr>
-        <p:cNvPr id="1" name=""/>
-        <p:cNvGrpSpPr/>
-        <p:nvPr/>
-      </p:nvGrpSpPr>
-      <p:grpSpPr>
-        <a:xfrm>
-          <a:off x="0" y="0"/>
-          <a:ext cx="0" cy="0"/>
-          <a:chOff x="0" y="0"/>
-          <a:chExt cx="0" cy="0"/>
-        </a:xfrm>
-      </p:grpSpPr>
-      <p:sp>
-        <p:nvSpPr>
-          <p:cNvPr id="8" name="Rectangle 7">
-            <a:extLst>
-              <a:ext uri="{FF2B5EF4-FFF2-40B4-BE49-F238E27FC236}">
-                <a16:creationId xmlns:a16="http://schemas.microsoft.com/office/drawing/2014/main" id="{E21DA351-6A24-4EC4-836E-1B8B899DFBD5}"/>
-              </a:ext>
-            </a:extLst>
-          </p:cNvPr>
-          <p:cNvSpPr/>
-          <p:nvPr/>
-        </p:nvSpPr>
-        <p:spPr>
-          <a:xfrm>
-            <a:off x="-1" y="0"/>
-            <a:ext cx="1905001" cy="6858000"/>
-          </a:xfrm>
-          <a:prstGeom prst="rect">
-            <a:avLst/>
-          </a:prstGeom>
-          <a:solidFill>
-            <a:srgbClr val="A93843"/>
-          </a:solidFill>
-          <a:ln>
-            <a:noFill/>
-          </a:ln>
-        </p:spPr>
-        <p:style>
-          <a:lnRef idx="2">
-            <a:schemeClr val="accent1">
-              <a:shade val="50000"/>
-            </a:schemeClr>
-          </a:lnRef>
-          <a:fillRef idx="1">
-            <a:schemeClr val="accent1"/>
-          </a:fillRef>
-          <a:effectRef idx="0">
-            <a:schemeClr val="accent1"/>
-          </a:effectRef>
-          <a:fontRef idx="minor">
-            <a:schemeClr val="lt1"/>
-          </a:fontRef>
-        </p:style>
-        <p:txBody>
-          <a:bodyPr rtlCol="0" anchor="ctr"/>
-          <a:lstStyle/>
-          <a:p>
-            <a:pPr algn="ctr"/>
-            <a:endParaRPr lang="bg-BG"/>
-          </a:p>
-        </p:txBody>
-      </p:sp>
-      <p:sp>
-        <p:nvSpPr>
-          <p:cNvPr id="10" name="Title 1">
-            <a:extLst>
-              <a:ext uri="{FF2B5EF4-FFF2-40B4-BE49-F238E27FC236}">
-                <a16:creationId xmlns:a16="http://schemas.microsoft.com/office/drawing/2014/main" id="{F92C6FE8-F550-45BB-874D-480D1302545D}"/>
-              </a:ext>
-            </a:extLst>
-          </p:cNvPr>
-          <p:cNvSpPr txBox="1">
-            <a:spLocks/>
-          </p:cNvSpPr>
-          <p:nvPr/>
-        </p:nvSpPr>
-        <p:spPr>
-          <a:xfrm>
-            <a:off x="528823" y="3875074"/>
-            <a:ext cx="2752354" cy="2709275"/>
-          </a:xfrm>
-          <a:prstGeom prst="ellipse">
-            <a:avLst/>
-          </a:prstGeom>
-          <a:solidFill>
-            <a:srgbClr val="262626"/>
-          </a:solidFill>
-          <a:ln w="174625" cmpd="thinThick">
-            <a:solidFill>
-              <a:srgbClr val="262626"/>
-            </a:solidFill>
-          </a:ln>
-        </p:spPr>
-        <p:txBody>
-          <a:bodyPr vert="horz" lIns="91440" tIns="45720" rIns="91440" bIns="45720" rtlCol="0" anchor="ctr">
-            <a:normAutofit/>
-          </a:bodyPr>
-          <a:lstStyle>
-            <a:lvl1pPr algn="l" defTabSz="914400" rtl="0" eaLnBrk="1" latinLnBrk="0" hangingPunct="1">
-              <a:lnSpc>
-                <a:spcPct val="90000"/>
-              </a:lnSpc>
-              <a:spcBef>
-                <a:spcPct val="0"/>
-              </a:spcBef>
-              <a:buNone/>
-              <a:defRPr sz="4400" kern="1200">
-                <a:solidFill>
-                  <a:schemeClr val="tx1"/>
-                </a:solidFill>
-                <a:latin typeface="+mj-lt"/>
-                <a:ea typeface="+mj-ea"/>
-                <a:cs typeface="+mj-cs"/>
-              </a:defRPr>
-            </a:lvl1pPr>
-          </a:lstStyle>
-          <a:p>
-            <a:pPr algn="ctr"/>
-            <a:r>
-              <a:rPr lang="en-US" sz="2600" dirty="0">
-                <a:solidFill>
-                  <a:srgbClr val="FFFFFF"/>
-                </a:solidFill>
-              </a:rPr>
-              <a:t>ng </a:t>
-            </a:r>
-            <a:r>
-              <a:rPr lang="en-US" sz="2600" dirty="0" err="1">
-                <a:solidFill>
-                  <a:srgbClr val="FFFFFF"/>
-                </a:solidFill>
-              </a:rPr>
-              <a:t>Cli</a:t>
-            </a:r>
-            <a:endParaRPr lang="en-US" sz="2600" dirty="0">
-              <a:solidFill>
-                <a:srgbClr val="FFFFFF"/>
-              </a:solidFill>
-            </a:endParaRPr>
-          </a:p>
-        </p:txBody>
-      </p:sp>
-      <p:pic>
-        <p:nvPicPr>
-          <p:cNvPr id="12" name="Picture 11" descr="A close up of a sign&#10;&#10;Description automatically generated">
-            <a:extLst>
-              <a:ext uri="{FF2B5EF4-FFF2-40B4-BE49-F238E27FC236}">
-                <a16:creationId xmlns:a16="http://schemas.microsoft.com/office/drawing/2014/main" id="{D1A36478-D659-490E-A002-9DC2F5D37920}"/>
-              </a:ext>
-            </a:extLst>
-          </p:cNvPr>
-          <p:cNvPicPr>
-            <a:picLocks noChangeAspect="1"/>
-          </p:cNvPicPr>
-          <p:nvPr/>
-        </p:nvPicPr>
-        <p:blipFill>
-          <a:blip r:embed="rId3">
-            <a:extLst>
-              <a:ext uri="{28A0092B-C50C-407E-A947-70E740481C1C}">
-                <a14:useLocalDpi xmlns:a14="http://schemas.microsoft.com/office/drawing/2010/main" val="0"/>
-              </a:ext>
-            </a:extLst>
-          </a:blip>
-          <a:stretch>
-            <a:fillRect/>
-          </a:stretch>
-        </p:blipFill>
-        <p:spPr>
-          <a:xfrm>
-            <a:off x="0" y="-58072"/>
-            <a:ext cx="1976078" cy="2131267"/>
-          </a:xfrm>
-          <a:prstGeom prst="rect">
-            <a:avLst/>
-          </a:prstGeom>
-        </p:spPr>
-      </p:pic>
-      <p:graphicFrame>
-        <p:nvGraphicFramePr>
-          <p:cNvPr id="9" name="Content Placeholder 2">
-            <a:extLst>
-              <a:ext uri="{FF2B5EF4-FFF2-40B4-BE49-F238E27FC236}">
-                <a16:creationId xmlns:a16="http://schemas.microsoft.com/office/drawing/2014/main" id="{2DBA617B-CED3-474C-9531-01E2C7E59EA0}"/>
-              </a:ext>
-            </a:extLst>
-          </p:cNvPr>
-          <p:cNvGraphicFramePr>
-            <a:graphicFrameLocks noGrp="1"/>
-          </p:cNvGraphicFramePr>
-          <p:nvPr>
-            <p:ph idx="1"/>
-            <p:extLst>
-              <p:ext uri="{D42A27DB-BD31-4B8C-83A1-F6EECF244321}">
-                <p14:modId xmlns:p14="http://schemas.microsoft.com/office/powerpoint/2010/main" val="2899880648"/>
-              </p:ext>
-            </p:extLst>
-          </p:nvPr>
-        </p:nvGraphicFramePr>
-        <p:xfrm>
-          <a:off x="3584575" y="512763"/>
-          <a:ext cx="6950075" cy="5497221"/>
-        </p:xfrm>
-        <a:graphic>
-          <a:graphicData uri="http://schemas.openxmlformats.org/drawingml/2006/diagram">
-            <dgm:relIds xmlns:dgm="http://schemas.openxmlformats.org/drawingml/2006/diagram" xmlns:r="http://schemas.openxmlformats.org/officeDocument/2006/relationships" r:dm="rId4" r:lo="rId5" r:qs="rId6" r:cs="rId7"/>
-          </a:graphicData>
-        </a:graphic>
-      </p:graphicFrame>
-    </p:spTree>
-    <p:extLst>
-      <p:ext uri="{BB962C8B-B14F-4D97-AF65-F5344CB8AC3E}">
-        <p14:creationId xmlns:p14="http://schemas.microsoft.com/office/powerpoint/2010/main" val="2350165233"/>
-      </p:ext>
-    </p:extLst>
-  </p:cSld>
-  <p:clrMapOvr>
-    <a:masterClrMapping/>
-  </p:clrMapOvr>
-  <p:timing>
-    <p:tnLst>
-      <p:par>
-        <p:cTn id="1" dur="indefinite" restart="never" nodeType="tmRoot">
-          <p:childTnLst>
-            <p:seq concurrent="1" nextAc="seek">
-              <p:cTn id="2" dur="indefinite" nodeType="mainSeq">
-                <p:childTnLst>
-                  <p:par>
-                    <p:cTn id="3" fill="hold">
-                      <p:stCondLst>
-                        <p:cond delay="indefinite"/>
-                        <p:cond evt="onBegin" delay="0">
-                          <p:tn val="2"/>
-                        </p:cond>
-                      </p:stCondLst>
-                      <p:childTnLst>
-                        <p:par>
-                          <p:cTn id="4" fill="hold">
-                            <p:stCondLst>
-                              <p:cond delay="0"/>
-                            </p:stCondLst>
-                            <p:childTnLst>
-                              <p:par>
-                                <p:cTn id="5" presetID="10" presetClass="entr" presetSubtype="0" fill="hold" grpId="0" nodeType="withEffect">
-                                  <p:stCondLst>
-                                    <p:cond delay="0"/>
-                                  </p:stCondLst>
-                                  <p:childTnLst>
-                                    <p:set>
-                                      <p:cBhvr>
-                                        <p:cTn id="6" dur="1" fill="hold">
-                                          <p:stCondLst>
-                                            <p:cond delay="0"/>
-                                          </p:stCondLst>
-                                        </p:cTn>
-                                        <p:tgtEl>
-                                          <p:spTgt spid="9">
-                                            <p:graphicEl>
-                                              <a:dgm id="{D33A2FF8-A78E-4539-A2A5-886A470F6DDD}"/>
-                                            </p:graphicEl>
-                                          </p:spTgt>
-                                        </p:tgtEl>
-                                        <p:attrNameLst>
-                                          <p:attrName>style.visibility</p:attrName>
-                                        </p:attrNameLst>
-                                      </p:cBhvr>
-                                      <p:to>
-                                        <p:strVal val="visible"/>
-                                      </p:to>
-                                    </p:set>
-                                    <p:animEffect transition="in" filter="fade">
-                                      <p:cBhvr>
-                                        <p:cTn id="7" dur="500"/>
-                                        <p:tgtEl>
-                                          <p:spTgt spid="9">
-                                            <p:graphicEl>
-                                              <a:dgm id="{D33A2FF8-A78E-4539-A2A5-886A470F6DDD}"/>
-                                            </p:graphicEl>
-                                          </p:spTgt>
-                                        </p:tgtEl>
-                                      </p:cBhvr>
-                                    </p:animEffect>
-                                  </p:childTnLst>
-                                </p:cTn>
-                              </p:par>
-                            </p:childTnLst>
-                          </p:cTn>
-                        </p:par>
-                      </p:childTnLst>
-                    </p:cTn>
-                  </p:par>
-                  <p:par>
-                    <p:cTn id="8" fill="hold">
-                      <p:stCondLst>
-                        <p:cond delay="indefinite"/>
-                      </p:stCondLst>
-                      <p:childTnLst>
-                        <p:par>
-                          <p:cTn id="9" fill="hold">
-                            <p:stCondLst>
-                              <p:cond delay="0"/>
-                            </p:stCondLst>
-                            <p:childTnLst>
-                              <p:par>
-                                <p:cTn id="10" presetID="10" presetClass="entr" presetSubtype="0" fill="hold" grpId="0" nodeType="clickEffect">
-                                  <p:stCondLst>
-                                    <p:cond delay="0"/>
-                                  </p:stCondLst>
-                                  <p:childTnLst>
-                                    <p:set>
-                                      <p:cBhvr>
-                                        <p:cTn id="11" dur="1" fill="hold">
-                                          <p:stCondLst>
-                                            <p:cond delay="0"/>
-                                          </p:stCondLst>
-                                        </p:cTn>
-                                        <p:tgtEl>
-                                          <p:spTgt spid="9">
-                                            <p:graphicEl>
-                                              <a:dgm id="{63635E32-510A-4D0F-A6CB-514E1BB4A76A}"/>
-                                            </p:graphicEl>
-                                          </p:spTgt>
-                                        </p:tgtEl>
-                                        <p:attrNameLst>
-                                          <p:attrName>style.visibility</p:attrName>
-                                        </p:attrNameLst>
-                                      </p:cBhvr>
-                                      <p:to>
-                                        <p:strVal val="visible"/>
-                                      </p:to>
-                                    </p:set>
-                                    <p:animEffect transition="in" filter="fade">
-                                      <p:cBhvr>
-                                        <p:cTn id="12" dur="500"/>
-                                        <p:tgtEl>
-                                          <p:spTgt spid="9">
-                                            <p:graphicEl>
-                                              <a:dgm id="{63635E32-510A-4D0F-A6CB-514E1BB4A76A}"/>
-                                            </p:graphicEl>
-                                          </p:spTgt>
-                                        </p:tgtEl>
-                                      </p:cBhvr>
-                                    </p:animEffect>
-                                  </p:childTnLst>
-                                </p:cTn>
-                              </p:par>
-                            </p:childTnLst>
-                          </p:cTn>
-                        </p:par>
-                      </p:childTnLst>
-                    </p:cTn>
-                  </p:par>
-                  <p:par>
-                    <p:cTn id="13" fill="hold">
-                      <p:stCondLst>
-                        <p:cond delay="indefinite"/>
-                      </p:stCondLst>
-                      <p:childTnLst>
-                        <p:par>
-                          <p:cTn id="14" fill="hold">
-                            <p:stCondLst>
-                              <p:cond delay="0"/>
-                            </p:stCondLst>
-                            <p:childTnLst>
-                              <p:par>
-                                <p:cTn id="15" presetID="10" presetClass="entr" presetSubtype="0" fill="hold" grpId="0" nodeType="clickEffect">
-                                  <p:stCondLst>
-                                    <p:cond delay="0"/>
-                                  </p:stCondLst>
-                                  <p:childTnLst>
-                                    <p:set>
-                                      <p:cBhvr>
-                                        <p:cTn id="16" dur="1" fill="hold">
-                                          <p:stCondLst>
-                                            <p:cond delay="0"/>
-                                          </p:stCondLst>
-                                        </p:cTn>
-                                        <p:tgtEl>
-                                          <p:spTgt spid="9">
-                                            <p:graphicEl>
-                                              <a:dgm id="{3DAD15C5-E00E-46B2-8F9F-C16C26702240}"/>
-                                            </p:graphicEl>
-                                          </p:spTgt>
-                                        </p:tgtEl>
-                                        <p:attrNameLst>
-                                          <p:attrName>style.visibility</p:attrName>
-                                        </p:attrNameLst>
-                                      </p:cBhvr>
-                                      <p:to>
-                                        <p:strVal val="visible"/>
-                                      </p:to>
-                                    </p:set>
-                                    <p:animEffect transition="in" filter="fade">
-                                      <p:cBhvr>
-                                        <p:cTn id="17" dur="500"/>
-                                        <p:tgtEl>
-                                          <p:spTgt spid="9">
-                                            <p:graphicEl>
-                                              <a:dgm id="{3DAD15C5-E00E-46B2-8F9F-C16C26702240}"/>
-                                            </p:graphicEl>
-                                          </p:spTgt>
-                                        </p:tgtEl>
-                                      </p:cBhvr>
-                                    </p:animEffect>
-                                  </p:childTnLst>
-                                </p:cTn>
-                              </p:par>
-                            </p:childTnLst>
-                          </p:cTn>
-                        </p:par>
-                      </p:childTnLst>
-                    </p:cTn>
-                  </p:par>
-                  <p:par>
-                    <p:cTn id="18" fill="hold">
-                      <p:stCondLst>
-                        <p:cond delay="indefinite"/>
-                      </p:stCondLst>
-                      <p:childTnLst>
-                        <p:par>
-                          <p:cTn id="19" fill="hold">
-                            <p:stCondLst>
-                              <p:cond delay="0"/>
-                            </p:stCondLst>
-                            <p:childTnLst>
-                              <p:par>
-                                <p:cTn id="20" presetID="10" presetClass="entr" presetSubtype="0" fill="hold" grpId="0" nodeType="clickEffect">
-                                  <p:stCondLst>
-                                    <p:cond delay="0"/>
-                                  </p:stCondLst>
-                                  <p:childTnLst>
-                                    <p:set>
-                                      <p:cBhvr>
-                                        <p:cTn id="21" dur="1" fill="hold">
-                                          <p:stCondLst>
-                                            <p:cond delay="0"/>
-                                          </p:stCondLst>
-                                        </p:cTn>
-                                        <p:tgtEl>
-                                          <p:spTgt spid="9">
-                                            <p:graphicEl>
-                                              <a:dgm id="{9F24B2B3-2DD0-4DD5-B684-2FEAB92C83D3}"/>
-                                            </p:graphicEl>
-                                          </p:spTgt>
-                                        </p:tgtEl>
-                                        <p:attrNameLst>
-                                          <p:attrName>style.visibility</p:attrName>
-                                        </p:attrNameLst>
-                                      </p:cBhvr>
-                                      <p:to>
-                                        <p:strVal val="visible"/>
-                                      </p:to>
-                                    </p:set>
-                                    <p:animEffect transition="in" filter="fade">
-                                      <p:cBhvr>
-                                        <p:cTn id="22" dur="500"/>
-                                        <p:tgtEl>
-                                          <p:spTgt spid="9">
-                                            <p:graphicEl>
-                                              <a:dgm id="{9F24B2B3-2DD0-4DD5-B684-2FEAB92C83D3}"/>
-                                            </p:graphicEl>
-                                          </p:spTgt>
-                                        </p:tgtEl>
-                                      </p:cBhvr>
-                                    </p:animEffect>
-                                  </p:childTnLst>
-                                </p:cTn>
-                              </p:par>
-                            </p:childTnLst>
-                          </p:cTn>
-                        </p:par>
-                      </p:childTnLst>
-                    </p:cTn>
-                  </p:par>
-                </p:childTnLst>
-              </p:cTn>
-              <p:prevCondLst>
-                <p:cond evt="onPrev" delay="0">
-                  <p:tgtEl>
-                    <p:sldTgt/>
-                  </p:tgtEl>
-                </p:cond>
-              </p:prevCondLst>
-              <p:nextCondLst>
-                <p:cond evt="onNext" delay="0">
-                  <p:tgtEl>
-                    <p:sldTgt/>
-                  </p:tgtEl>
-                </p:cond>
-              </p:nextCondLst>
-            </p:seq>
-          </p:childTnLst>
-        </p:cTn>
-      </p:par>
-    </p:tnLst>
-    <p:bldLst>
-      <p:bldGraphic spid="9" grpId="0" uiExpand="1">
-        <p:bldSub>
-          <a:bldDgm bld="one"/>
-        </p:bldSub>
-      </p:bldGraphic>
-    </p:bldLst>
-  </p:timing>
-</p:sld>
-</file>
-
-<file path=ppt/slides/slide15.xml><?xml version="1.0" encoding="utf-8"?>
+<file path=ppt/slides/slide16.xml><?xml version="1.0" encoding="utf-8"?>
 <p:sld xmlns:a="http://schemas.openxmlformats.org/drawingml/2006/main" xmlns:r="http://schemas.openxmlformats.org/officeDocument/2006/relationships" xmlns:p="http://schemas.openxmlformats.org/presentationml/2006/main">
   <p:cSld>
     <p:bg>
@@ -26801,7 +27785,7 @@
 </p:sld>
 </file>
 
-<file path=ppt/slides/slide16.xml><?xml version="1.0" encoding="utf-8"?>
+<file path=ppt/slides/slide17.xml><?xml version="1.0" encoding="utf-8"?>
 <p:sld xmlns:a="http://schemas.openxmlformats.org/drawingml/2006/main" xmlns:r="http://schemas.openxmlformats.org/officeDocument/2006/relationships" xmlns:p="http://schemas.openxmlformats.org/presentationml/2006/main">
   <p:cSld>
     <p:bg>
@@ -27158,7 +28142,7 @@
 </p:sld>
 </file>
 
-<file path=ppt/slides/slide17.xml><?xml version="1.0" encoding="utf-8"?>
+<file path=ppt/slides/slide18.xml><?xml version="1.0" encoding="utf-8"?>
 <p:sld xmlns:a="http://schemas.openxmlformats.org/drawingml/2006/main" xmlns:r="http://schemas.openxmlformats.org/officeDocument/2006/relationships" xmlns:p="http://schemas.openxmlformats.org/presentationml/2006/main">
   <p:cSld>
     <p:bg>
@@ -27473,7 +28457,7 @@
 </p:sld>
 </file>
 
-<file path=ppt/slides/slide18.xml><?xml version="1.0" encoding="utf-8"?>
+<file path=ppt/slides/slide19.xml><?xml version="1.0" encoding="utf-8"?>
 <p:sld xmlns:a="http://schemas.openxmlformats.org/drawingml/2006/main" xmlns:r="http://schemas.openxmlformats.org/officeDocument/2006/relationships" xmlns:p="http://schemas.openxmlformats.org/presentationml/2006/main">
   <p:cSld>
     <p:bg>
@@ -28589,7 +29573,99 @@
 </p:sld>
 </file>
 
-<file path=ppt/slides/slide19.xml><?xml version="1.0" encoding="utf-8"?>
+<file path=ppt/slides/slide2.xml><?xml version="1.0" encoding="utf-8"?>
+<p:sld xmlns:a="http://schemas.openxmlformats.org/drawingml/2006/main" xmlns:r="http://schemas.openxmlformats.org/officeDocument/2006/relationships" xmlns:p="http://schemas.openxmlformats.org/presentationml/2006/main">
+  <p:cSld>
+    <p:spTree>
+      <p:nvGrpSpPr>
+        <p:cNvPr id="1" name=""/>
+        <p:cNvGrpSpPr/>
+        <p:nvPr/>
+      </p:nvGrpSpPr>
+      <p:grpSpPr>
+        <a:xfrm>
+          <a:off x="0" y="0"/>
+          <a:ext cx="0" cy="0"/>
+          <a:chOff x="0" y="0"/>
+          <a:chExt cx="0" cy="0"/>
+        </a:xfrm>
+      </p:grpSpPr>
+      <p:sp>
+        <p:nvSpPr>
+          <p:cNvPr id="2" name="Title 1">
+            <a:extLst>
+              <a:ext uri="{FF2B5EF4-FFF2-40B4-BE49-F238E27FC236}">
+                <a16:creationId xmlns:a16="http://schemas.microsoft.com/office/drawing/2014/main" id="{D0065D8F-353D-4059-9C7F-F49723F8BC46}"/>
+              </a:ext>
+            </a:extLst>
+          </p:cNvPr>
+          <p:cNvSpPr>
+            <a:spLocks noGrp="1"/>
+          </p:cNvSpPr>
+          <p:nvPr>
+            <p:ph type="ctrTitle"/>
+          </p:nvPr>
+        </p:nvSpPr>
+        <p:spPr>
+          <a:xfrm>
+            <a:off x="1524000" y="2156837"/>
+            <a:ext cx="9144000" cy="2387600"/>
+          </a:xfrm>
+        </p:spPr>
+        <p:txBody>
+          <a:bodyPr>
+            <a:normAutofit fontScale="90000"/>
+          </a:bodyPr>
+          <a:lstStyle/>
+          <a:p>
+            <a:r>
+              <a:rPr lang="en-US" dirty="0">
+                <a:latin typeface="Consolas" panose="020B0609020204030204" pitchFamily="49" charset="0"/>
+              </a:rPr>
+              <a:t>Code Sharing Strategies</a:t>
+            </a:r>
+            <a:br>
+              <a:rPr lang="en-US" dirty="0">
+                <a:latin typeface="Consolas" panose="020B0609020204030204" pitchFamily="49" charset="0"/>
+              </a:rPr>
+            </a:br>
+            <a:r>
+              <a:rPr lang="en-US" dirty="0">
+                <a:latin typeface="Consolas" panose="020B0609020204030204" pitchFamily="49" charset="0"/>
+              </a:rPr>
+              <a:t>and</a:t>
+            </a:r>
+            <a:br>
+              <a:rPr lang="en-US" dirty="0">
+                <a:latin typeface="Consolas" panose="020B0609020204030204" pitchFamily="49" charset="0"/>
+              </a:rPr>
+            </a:br>
+            <a:r>
+              <a:rPr lang="en-US" dirty="0">
+                <a:latin typeface="Consolas" panose="020B0609020204030204" pitchFamily="49" charset="0"/>
+              </a:rPr>
+              <a:t>implementations</a:t>
+            </a:r>
+            <a:endParaRPr lang="bg-BG" dirty="0">
+              <a:latin typeface="Consolas" panose="020B0609020204030204" pitchFamily="49" charset="0"/>
+            </a:endParaRPr>
+          </a:p>
+        </p:txBody>
+      </p:sp>
+    </p:spTree>
+    <p:extLst>
+      <p:ext uri="{BB962C8B-B14F-4D97-AF65-F5344CB8AC3E}">
+        <p14:creationId xmlns:p14="http://schemas.microsoft.com/office/powerpoint/2010/main" val="1749986311"/>
+      </p:ext>
+    </p:extLst>
+  </p:cSld>
+  <p:clrMapOvr>
+    <a:masterClrMapping/>
+  </p:clrMapOvr>
+</p:sld>
+</file>
+
+<file path=ppt/slides/slide20.xml><?xml version="1.0" encoding="utf-8"?>
 <p:sld xmlns:a="http://schemas.openxmlformats.org/drawingml/2006/main" xmlns:r="http://schemas.openxmlformats.org/officeDocument/2006/relationships" xmlns:p="http://schemas.openxmlformats.org/presentationml/2006/main">
   <p:cSld>
     <p:bg>
@@ -28904,99 +29980,7 @@
 </p:sld>
 </file>
 
-<file path=ppt/slides/slide2.xml><?xml version="1.0" encoding="utf-8"?>
-<p:sld xmlns:a="http://schemas.openxmlformats.org/drawingml/2006/main" xmlns:r="http://schemas.openxmlformats.org/officeDocument/2006/relationships" xmlns:p="http://schemas.openxmlformats.org/presentationml/2006/main">
-  <p:cSld>
-    <p:spTree>
-      <p:nvGrpSpPr>
-        <p:cNvPr id="1" name=""/>
-        <p:cNvGrpSpPr/>
-        <p:nvPr/>
-      </p:nvGrpSpPr>
-      <p:grpSpPr>
-        <a:xfrm>
-          <a:off x="0" y="0"/>
-          <a:ext cx="0" cy="0"/>
-          <a:chOff x="0" y="0"/>
-          <a:chExt cx="0" cy="0"/>
-        </a:xfrm>
-      </p:grpSpPr>
-      <p:sp>
-        <p:nvSpPr>
-          <p:cNvPr id="2" name="Title 1">
-            <a:extLst>
-              <a:ext uri="{FF2B5EF4-FFF2-40B4-BE49-F238E27FC236}">
-                <a16:creationId xmlns:a16="http://schemas.microsoft.com/office/drawing/2014/main" id="{D0065D8F-353D-4059-9C7F-F49723F8BC46}"/>
-              </a:ext>
-            </a:extLst>
-          </p:cNvPr>
-          <p:cNvSpPr>
-            <a:spLocks noGrp="1"/>
-          </p:cNvSpPr>
-          <p:nvPr>
-            <p:ph type="ctrTitle"/>
-          </p:nvPr>
-        </p:nvSpPr>
-        <p:spPr>
-          <a:xfrm>
-            <a:off x="1524000" y="2156837"/>
-            <a:ext cx="9144000" cy="2387600"/>
-          </a:xfrm>
-        </p:spPr>
-        <p:txBody>
-          <a:bodyPr>
-            <a:normAutofit fontScale="90000"/>
-          </a:bodyPr>
-          <a:lstStyle/>
-          <a:p>
-            <a:r>
-              <a:rPr lang="en-US" dirty="0">
-                <a:latin typeface="Consolas" panose="020B0609020204030204" pitchFamily="49" charset="0"/>
-              </a:rPr>
-              <a:t>Code Sharing Strategies</a:t>
-            </a:r>
-            <a:br>
-              <a:rPr lang="en-US" dirty="0">
-                <a:latin typeface="Consolas" panose="020B0609020204030204" pitchFamily="49" charset="0"/>
-              </a:rPr>
-            </a:br>
-            <a:r>
-              <a:rPr lang="en-US" dirty="0">
-                <a:latin typeface="Consolas" panose="020B0609020204030204" pitchFamily="49" charset="0"/>
-              </a:rPr>
-              <a:t>and</a:t>
-            </a:r>
-            <a:br>
-              <a:rPr lang="en-US" dirty="0">
-                <a:latin typeface="Consolas" panose="020B0609020204030204" pitchFamily="49" charset="0"/>
-              </a:rPr>
-            </a:br>
-            <a:r>
-              <a:rPr lang="en-US" dirty="0">
-                <a:latin typeface="Consolas" panose="020B0609020204030204" pitchFamily="49" charset="0"/>
-              </a:rPr>
-              <a:t>implementations</a:t>
-            </a:r>
-            <a:endParaRPr lang="bg-BG" dirty="0">
-              <a:latin typeface="Consolas" panose="020B0609020204030204" pitchFamily="49" charset="0"/>
-            </a:endParaRPr>
-          </a:p>
-        </p:txBody>
-      </p:sp>
-    </p:spTree>
-    <p:extLst>
-      <p:ext uri="{BB962C8B-B14F-4D97-AF65-F5344CB8AC3E}">
-        <p14:creationId xmlns:p14="http://schemas.microsoft.com/office/powerpoint/2010/main" val="1749986311"/>
-      </p:ext>
-    </p:extLst>
-  </p:cSld>
-  <p:clrMapOvr>
-    <a:masterClrMapping/>
-  </p:clrMapOvr>
-</p:sld>
-</file>
-
-<file path=ppt/slides/slide20.xml><?xml version="1.0" encoding="utf-8"?>
+<file path=ppt/slides/slide21.xml><?xml version="1.0" encoding="utf-8"?>
 <p:sld xmlns:a="http://schemas.openxmlformats.org/drawingml/2006/main" xmlns:r="http://schemas.openxmlformats.org/officeDocument/2006/relationships" xmlns:p="http://schemas.openxmlformats.org/presentationml/2006/main">
   <p:cSld>
     <p:bg>
@@ -31105,7 +32089,7 @@
 </p:sld>
 </file>
 
-<file path=ppt/slides/slide21.xml><?xml version="1.0" encoding="utf-8"?>
+<file path=ppt/slides/slide22.xml><?xml version="1.0" encoding="utf-8"?>
 <p:sld xmlns:a="http://schemas.openxmlformats.org/drawingml/2006/main" xmlns:r="http://schemas.openxmlformats.org/officeDocument/2006/relationships" xmlns:p="http://schemas.openxmlformats.org/presentationml/2006/main">
   <p:cSld>
     <p:bg>
@@ -31508,7 +32492,7 @@
 </p:sld>
 </file>
 
-<file path=ppt/slides/slide22.xml><?xml version="1.0" encoding="utf-8"?>
+<file path=ppt/slides/slide23.xml><?xml version="1.0" encoding="utf-8"?>
 <p:sld xmlns:a="http://schemas.openxmlformats.org/drawingml/2006/main" xmlns:r="http://schemas.openxmlformats.org/officeDocument/2006/relationships" xmlns:p="http://schemas.openxmlformats.org/presentationml/2006/main">
   <p:cSld>
     <p:bg>
@@ -32759,6 +33743,1248 @@
 </file>
 
 <file path=ppt/slides/slide3.xml><?xml version="1.0" encoding="utf-8"?>
+<p:sld xmlns:a="http://schemas.openxmlformats.org/drawingml/2006/main" xmlns:r="http://schemas.openxmlformats.org/officeDocument/2006/relationships" xmlns:p="http://schemas.openxmlformats.org/presentationml/2006/main">
+  <p:cSld>
+    <p:bg>
+      <p:bgPr>
+        <a:solidFill>
+          <a:schemeClr val="tx1">
+            <a:lumMod val="75000"/>
+            <a:lumOff val="25000"/>
+          </a:schemeClr>
+        </a:solidFill>
+        <a:effectLst/>
+      </p:bgPr>
+    </p:bg>
+    <p:spTree>
+      <p:nvGrpSpPr>
+        <p:cNvPr id="1" name=""/>
+        <p:cNvGrpSpPr/>
+        <p:nvPr/>
+      </p:nvGrpSpPr>
+      <p:grpSpPr>
+        <a:xfrm>
+          <a:off x="0" y="0"/>
+          <a:ext cx="0" cy="0"/>
+          <a:chOff x="0" y="0"/>
+          <a:chExt cx="0" cy="0"/>
+        </a:xfrm>
+      </p:grpSpPr>
+      <p:sp>
+        <p:nvSpPr>
+          <p:cNvPr id="2" name="Title 1">
+            <a:extLst>
+              <a:ext uri="{FF2B5EF4-FFF2-40B4-BE49-F238E27FC236}">
+                <a16:creationId xmlns:a16="http://schemas.microsoft.com/office/drawing/2014/main" id="{5C4D0B21-0753-4B41-AC6C-587C83C7DB53}"/>
+              </a:ext>
+            </a:extLst>
+          </p:cNvPr>
+          <p:cNvSpPr>
+            <a:spLocks noGrp="1"/>
+          </p:cNvSpPr>
+          <p:nvPr>
+            <p:ph type="title"/>
+          </p:nvPr>
+        </p:nvSpPr>
+        <p:spPr>
+          <a:xfrm>
+            <a:off x="3935412" y="511070"/>
+            <a:ext cx="6194425" cy="992981"/>
+          </a:xfrm>
+        </p:spPr>
+        <p:txBody>
+          <a:bodyPr/>
+          <a:lstStyle/>
+          <a:p>
+            <a:pPr algn="ctr"/>
+            <a:r>
+              <a:rPr lang="en-US" dirty="0">
+                <a:solidFill>
+                  <a:schemeClr val="bg1"/>
+                </a:solidFill>
+                <a:latin typeface="Consolas" panose="020B0609020204030204" pitchFamily="49" charset="0"/>
+              </a:rPr>
+              <a:t>Why should we care</a:t>
+            </a:r>
+            <a:endParaRPr lang="bg-BG" dirty="0">
+              <a:solidFill>
+                <a:schemeClr val="bg1"/>
+              </a:solidFill>
+              <a:latin typeface="Consolas" panose="020B0609020204030204" pitchFamily="49" charset="0"/>
+            </a:endParaRPr>
+          </a:p>
+        </p:txBody>
+      </p:sp>
+      <p:sp>
+        <p:nvSpPr>
+          <p:cNvPr id="7" name="Rectangle 6">
+            <a:extLst>
+              <a:ext uri="{FF2B5EF4-FFF2-40B4-BE49-F238E27FC236}">
+                <a16:creationId xmlns:a16="http://schemas.microsoft.com/office/drawing/2014/main" id="{1C3956DE-9326-4593-9A3C-EC93E2B54ECE}"/>
+              </a:ext>
+            </a:extLst>
+          </p:cNvPr>
+          <p:cNvSpPr/>
+          <p:nvPr/>
+        </p:nvSpPr>
+        <p:spPr>
+          <a:xfrm>
+            <a:off x="-1" y="0"/>
+            <a:ext cx="1905001" cy="6858000"/>
+          </a:xfrm>
+          <a:prstGeom prst="rect">
+            <a:avLst/>
+          </a:prstGeom>
+          <a:solidFill>
+            <a:srgbClr val="A93843"/>
+          </a:solidFill>
+          <a:ln>
+            <a:noFill/>
+          </a:ln>
+        </p:spPr>
+        <p:style>
+          <a:lnRef idx="2">
+            <a:schemeClr val="accent1">
+              <a:shade val="50000"/>
+            </a:schemeClr>
+          </a:lnRef>
+          <a:fillRef idx="1">
+            <a:schemeClr val="accent1"/>
+          </a:fillRef>
+          <a:effectRef idx="0">
+            <a:schemeClr val="accent1"/>
+          </a:effectRef>
+          <a:fontRef idx="minor">
+            <a:schemeClr val="lt1"/>
+          </a:fontRef>
+        </p:style>
+        <p:txBody>
+          <a:bodyPr rtlCol="0" anchor="ctr"/>
+          <a:lstStyle/>
+          <a:p>
+            <a:pPr algn="ctr"/>
+            <a:endParaRPr lang="bg-BG"/>
+          </a:p>
+        </p:txBody>
+      </p:sp>
+      <p:pic>
+        <p:nvPicPr>
+          <p:cNvPr id="9" name="Picture 8" descr="A close up of a sign&#10;&#10;Description automatically generated">
+            <a:extLst>
+              <a:ext uri="{FF2B5EF4-FFF2-40B4-BE49-F238E27FC236}">
+                <a16:creationId xmlns:a16="http://schemas.microsoft.com/office/drawing/2014/main" id="{8C3CD1DA-26F9-4D88-ABB9-39BCA4E4D716}"/>
+              </a:ext>
+            </a:extLst>
+          </p:cNvPr>
+          <p:cNvPicPr>
+            <a:picLocks noChangeAspect="1"/>
+          </p:cNvPicPr>
+          <p:nvPr/>
+        </p:nvPicPr>
+        <p:blipFill>
+          <a:blip r:embed="rId3">
+            <a:extLst>
+              <a:ext uri="{28A0092B-C50C-407E-A947-70E740481C1C}">
+                <a14:useLocalDpi xmlns:a14="http://schemas.microsoft.com/office/drawing/2010/main" val="0"/>
+              </a:ext>
+            </a:extLst>
+          </a:blip>
+          <a:stretch>
+            <a:fillRect/>
+          </a:stretch>
+        </p:blipFill>
+        <p:spPr>
+          <a:xfrm>
+            <a:off x="0" y="-58072"/>
+            <a:ext cx="1976078" cy="2131267"/>
+          </a:xfrm>
+          <a:prstGeom prst="rect">
+            <a:avLst/>
+          </a:prstGeom>
+        </p:spPr>
+      </p:pic>
+      <p:pic>
+        <p:nvPicPr>
+          <p:cNvPr id="6" name="Picture 5">
+            <a:extLst>
+              <a:ext uri="{FF2B5EF4-FFF2-40B4-BE49-F238E27FC236}">
+                <a16:creationId xmlns:a16="http://schemas.microsoft.com/office/drawing/2014/main" id="{4EDEB27C-079C-4993-B653-34A28E4BAD6A}"/>
+              </a:ext>
+            </a:extLst>
+          </p:cNvPr>
+          <p:cNvPicPr>
+            <a:picLocks noChangeAspect="1"/>
+          </p:cNvPicPr>
+          <p:nvPr/>
+        </p:nvPicPr>
+        <p:blipFill rotWithShape="1">
+          <a:blip r:embed="rId4">
+            <a:extLst>
+              <a:ext uri="{BEBA8EAE-BF5A-486C-A8C5-ECC9F3942E4B}">
+                <a14:imgProps xmlns:a14="http://schemas.microsoft.com/office/drawing/2010/main">
+                  <a14:imgLayer r:embed="rId5">
+                    <a14:imgEffect>
+                      <a14:artisticGlowEdges trans="25000"/>
+                    </a14:imgEffect>
+                  </a14:imgLayer>
+                </a14:imgProps>
+              </a:ext>
+              <a:ext uri="{28A0092B-C50C-407E-A947-70E740481C1C}">
+                <a14:useLocalDpi xmlns:a14="http://schemas.microsoft.com/office/drawing/2010/main" val="0"/>
+              </a:ext>
+            </a:extLst>
+          </a:blip>
+          <a:srcRect l="585" r="585"/>
+          <a:stretch/>
+        </p:blipFill>
+        <p:spPr>
+          <a:xfrm>
+            <a:off x="10575925" y="1007561"/>
+            <a:ext cx="1209675" cy="3076575"/>
+          </a:xfrm>
+          <a:prstGeom prst="rect">
+            <a:avLst/>
+          </a:prstGeom>
+        </p:spPr>
+      </p:pic>
+      <p:sp>
+        <p:nvSpPr>
+          <p:cNvPr id="17" name="Title 1">
+            <a:extLst>
+              <a:ext uri="{FF2B5EF4-FFF2-40B4-BE49-F238E27FC236}">
+                <a16:creationId xmlns:a16="http://schemas.microsoft.com/office/drawing/2014/main" id="{7375084E-1F76-47F8-8A1E-C82A9B273564}"/>
+              </a:ext>
+            </a:extLst>
+          </p:cNvPr>
+          <p:cNvSpPr txBox="1">
+            <a:spLocks/>
+          </p:cNvSpPr>
+          <p:nvPr/>
+        </p:nvSpPr>
+        <p:spPr>
+          <a:xfrm>
+            <a:off x="2203675" y="1634203"/>
+            <a:ext cx="7748587" cy="568561"/>
+          </a:xfrm>
+          <a:prstGeom prst="rect">
+            <a:avLst/>
+          </a:prstGeom>
+        </p:spPr>
+        <p:txBody>
+          <a:bodyPr vert="horz" lIns="91440" tIns="45720" rIns="91440" bIns="45720" rtlCol="0" anchor="b">
+            <a:normAutofit/>
+          </a:bodyPr>
+          <a:lstStyle>
+            <a:lvl1pPr algn="l" defTabSz="914400" rtl="0" eaLnBrk="1" latinLnBrk="0" hangingPunct="1">
+              <a:lnSpc>
+                <a:spcPct val="90000"/>
+              </a:lnSpc>
+              <a:spcBef>
+                <a:spcPct val="0"/>
+              </a:spcBef>
+              <a:buNone/>
+              <a:defRPr sz="4400" kern="1200">
+                <a:solidFill>
+                  <a:schemeClr val="tx1"/>
+                </a:solidFill>
+                <a:latin typeface="+mj-lt"/>
+                <a:ea typeface="+mj-ea"/>
+                <a:cs typeface="+mj-cs"/>
+              </a:defRPr>
+            </a:lvl1pPr>
+          </a:lstStyle>
+          <a:p>
+            <a:r>
+              <a:rPr lang="en-US" sz="2800" dirty="0" err="1">
+                <a:solidFill>
+                  <a:schemeClr val="bg1"/>
+                </a:solidFill>
+              </a:rPr>
+              <a:t>DéjàVu</a:t>
+            </a:r>
+            <a:r>
+              <a:rPr lang="en-US" sz="2800" dirty="0">
+                <a:solidFill>
+                  <a:schemeClr val="bg1"/>
+                </a:solidFill>
+              </a:rPr>
+              <a:t>: a map of code duplicates on GitHub</a:t>
+            </a:r>
+          </a:p>
+        </p:txBody>
+      </p:sp>
+      <p:sp>
+        <p:nvSpPr>
+          <p:cNvPr id="18" name="Content Placeholder 10">
+            <a:extLst>
+              <a:ext uri="{FF2B5EF4-FFF2-40B4-BE49-F238E27FC236}">
+                <a16:creationId xmlns:a16="http://schemas.microsoft.com/office/drawing/2014/main" id="{C759A347-21CB-48C4-910F-718F51BB95E7}"/>
+              </a:ext>
+            </a:extLst>
+          </p:cNvPr>
+          <p:cNvSpPr>
+            <a:spLocks noGrp="1"/>
+          </p:cNvSpPr>
+          <p:nvPr>
+            <p:ph idx="1"/>
+          </p:nvPr>
+        </p:nvSpPr>
+        <p:spPr>
+          <a:xfrm>
+            <a:off x="2221706" y="4116432"/>
+            <a:ext cx="9970294" cy="1916068"/>
+          </a:xfrm>
+        </p:spPr>
+        <p:txBody>
+          <a:bodyPr vert="horz" lIns="91440" tIns="45720" rIns="91440" bIns="45720" numCol="2" rtlCol="0" anchor="t">
+            <a:normAutofit/>
+          </a:bodyPr>
+          <a:lstStyle/>
+          <a:p>
+            <a:r>
+              <a:rPr lang="en-US" sz="2400" dirty="0">
+                <a:solidFill>
+                  <a:schemeClr val="bg1"/>
+                </a:solidFill>
+                <a:latin typeface="Agency FB" panose="020B0503020202020204" pitchFamily="34" charset="0"/>
+              </a:rPr>
+              <a:t>Continuing Change</a:t>
+            </a:r>
+          </a:p>
+          <a:p>
+            <a:r>
+              <a:rPr lang="en-US" sz="2400" dirty="0">
+                <a:solidFill>
+                  <a:schemeClr val="bg1"/>
+                </a:solidFill>
+                <a:latin typeface="Agency FB" panose="020B0503020202020204" pitchFamily="34" charset="0"/>
+              </a:rPr>
+              <a:t>Increasing Complexity</a:t>
+            </a:r>
+          </a:p>
+          <a:p>
+            <a:r>
+              <a:rPr lang="en-US" sz="2400" dirty="0">
+                <a:solidFill>
+                  <a:schemeClr val="bg1"/>
+                </a:solidFill>
+                <a:latin typeface="Agency FB" panose="020B0503020202020204" pitchFamily="34" charset="0"/>
+              </a:rPr>
+              <a:t>Self Regulation</a:t>
+            </a:r>
+          </a:p>
+          <a:p>
+            <a:r>
+              <a:rPr lang="en-US" sz="2400" dirty="0">
+                <a:solidFill>
+                  <a:schemeClr val="bg1"/>
+                </a:solidFill>
+                <a:latin typeface="Agency FB" panose="020B0503020202020204" pitchFamily="34" charset="0"/>
+              </a:rPr>
+              <a:t>Conservation of </a:t>
+            </a:r>
+            <a:r>
+              <a:rPr lang="en-US" sz="2400" dirty="0" err="1">
+                <a:solidFill>
+                  <a:schemeClr val="bg1"/>
+                </a:solidFill>
+                <a:latin typeface="Agency FB" panose="020B0503020202020204" pitchFamily="34" charset="0"/>
+              </a:rPr>
+              <a:t>Organisational</a:t>
+            </a:r>
+            <a:r>
+              <a:rPr lang="en-US" sz="2400" dirty="0">
+                <a:solidFill>
+                  <a:schemeClr val="bg1"/>
+                </a:solidFill>
+                <a:latin typeface="Agency FB" panose="020B0503020202020204" pitchFamily="34" charset="0"/>
+              </a:rPr>
+              <a:t> Stability</a:t>
+            </a:r>
+          </a:p>
+          <a:p>
+            <a:r>
+              <a:rPr lang="en-US" sz="2400" dirty="0">
+                <a:solidFill>
+                  <a:schemeClr val="bg1"/>
+                </a:solidFill>
+                <a:latin typeface="Agency FB" panose="020B0503020202020204" pitchFamily="34" charset="0"/>
+              </a:rPr>
+              <a:t>Conservation of Familiarity</a:t>
+            </a:r>
+          </a:p>
+          <a:p>
+            <a:r>
+              <a:rPr lang="en-US" sz="2400" dirty="0">
+                <a:solidFill>
+                  <a:schemeClr val="bg1"/>
+                </a:solidFill>
+                <a:latin typeface="Agency FB" panose="020B0503020202020204" pitchFamily="34" charset="0"/>
+              </a:rPr>
+              <a:t>Continuing Growth</a:t>
+            </a:r>
+          </a:p>
+          <a:p>
+            <a:r>
+              <a:rPr lang="en-US" sz="2400" dirty="0">
+                <a:solidFill>
+                  <a:schemeClr val="bg1"/>
+                </a:solidFill>
+                <a:latin typeface="Agency FB" panose="020B0503020202020204" pitchFamily="34" charset="0"/>
+              </a:rPr>
+              <a:t>Declining Quality</a:t>
+            </a:r>
+          </a:p>
+          <a:p>
+            <a:r>
+              <a:rPr lang="en-US" sz="2400" dirty="0">
+                <a:solidFill>
+                  <a:schemeClr val="bg1"/>
+                </a:solidFill>
+                <a:latin typeface="Agency FB" panose="020B0503020202020204" pitchFamily="34" charset="0"/>
+              </a:rPr>
+              <a:t>Feedback System</a:t>
+            </a:r>
+          </a:p>
+        </p:txBody>
+      </p:sp>
+      <p:sp>
+        <p:nvSpPr>
+          <p:cNvPr id="19" name="Title 1">
+            <a:extLst>
+              <a:ext uri="{FF2B5EF4-FFF2-40B4-BE49-F238E27FC236}">
+                <a16:creationId xmlns:a16="http://schemas.microsoft.com/office/drawing/2014/main" id="{C22EE3C4-72AC-4B04-AF82-22372A4DA8DE}"/>
+              </a:ext>
+            </a:extLst>
+          </p:cNvPr>
+          <p:cNvSpPr txBox="1">
+            <a:spLocks/>
+          </p:cNvSpPr>
+          <p:nvPr/>
+        </p:nvSpPr>
+        <p:spPr>
+          <a:xfrm>
+            <a:off x="2221706" y="3381139"/>
+            <a:ext cx="9398794" cy="568561"/>
+          </a:xfrm>
+          <a:prstGeom prst="rect">
+            <a:avLst/>
+          </a:prstGeom>
+        </p:spPr>
+        <p:txBody>
+          <a:bodyPr vert="horz" lIns="91440" tIns="45720" rIns="91440" bIns="45720" rtlCol="0" anchor="b">
+            <a:noAutofit/>
+          </a:bodyPr>
+          <a:lstStyle>
+            <a:lvl1pPr algn="l" defTabSz="914400" rtl="0" eaLnBrk="1" latinLnBrk="0" hangingPunct="1">
+              <a:lnSpc>
+                <a:spcPct val="90000"/>
+              </a:lnSpc>
+              <a:spcBef>
+                <a:spcPct val="0"/>
+              </a:spcBef>
+              <a:buNone/>
+              <a:defRPr sz="4400" kern="1200">
+                <a:solidFill>
+                  <a:schemeClr val="tx1"/>
+                </a:solidFill>
+                <a:latin typeface="+mj-lt"/>
+                <a:ea typeface="+mj-ea"/>
+                <a:cs typeface="+mj-cs"/>
+              </a:defRPr>
+            </a:lvl1pPr>
+          </a:lstStyle>
+          <a:p>
+            <a:r>
+              <a:rPr lang="en-US" sz="2800" dirty="0">
+                <a:solidFill>
+                  <a:schemeClr val="bg1"/>
+                </a:solidFill>
+              </a:rPr>
+              <a:t>Programs, Life Cycles, and Laws of Software Evolution</a:t>
+            </a:r>
+          </a:p>
+        </p:txBody>
+      </p:sp>
+      <p:sp>
+        <p:nvSpPr>
+          <p:cNvPr id="20" name="Content Placeholder 10">
+            <a:extLst>
+              <a:ext uri="{FF2B5EF4-FFF2-40B4-BE49-F238E27FC236}">
+                <a16:creationId xmlns:a16="http://schemas.microsoft.com/office/drawing/2014/main" id="{671023FB-7C53-4119-8F0B-74B5B41D143F}"/>
+              </a:ext>
+            </a:extLst>
+          </p:cNvPr>
+          <p:cNvSpPr txBox="1">
+            <a:spLocks/>
+          </p:cNvSpPr>
+          <p:nvPr/>
+        </p:nvSpPr>
+        <p:spPr>
+          <a:xfrm>
+            <a:off x="2221706" y="2241423"/>
+            <a:ext cx="8283141" cy="441003"/>
+          </a:xfrm>
+          <a:prstGeom prst="rect">
+            <a:avLst/>
+          </a:prstGeom>
+        </p:spPr>
+        <p:txBody>
+          <a:bodyPr vert="horz" lIns="91440" tIns="45720" rIns="91440" bIns="45720" rtlCol="0" anchor="t">
+            <a:noAutofit/>
+          </a:bodyPr>
+          <a:lstStyle>
+            <a:lvl1pPr marL="228600" indent="-228600" algn="l" defTabSz="914400" rtl="0" eaLnBrk="1" latinLnBrk="0" hangingPunct="1">
+              <a:lnSpc>
+                <a:spcPct val="90000"/>
+              </a:lnSpc>
+              <a:spcBef>
+                <a:spcPts val="1000"/>
+              </a:spcBef>
+              <a:buFont typeface="Arial" panose="020B0604020202020204" pitchFamily="34" charset="0"/>
+              <a:buChar char="•"/>
+              <a:defRPr sz="2800" kern="1200">
+                <a:solidFill>
+                  <a:schemeClr val="tx1"/>
+                </a:solidFill>
+                <a:latin typeface="+mn-lt"/>
+                <a:ea typeface="+mn-ea"/>
+                <a:cs typeface="+mn-cs"/>
+              </a:defRPr>
+            </a:lvl1pPr>
+            <a:lvl2pPr marL="685800" indent="-228600" algn="l" defTabSz="914400" rtl="0" eaLnBrk="1" latinLnBrk="0" hangingPunct="1">
+              <a:lnSpc>
+                <a:spcPct val="90000"/>
+              </a:lnSpc>
+              <a:spcBef>
+                <a:spcPts val="500"/>
+              </a:spcBef>
+              <a:buFont typeface="Arial" panose="020B0604020202020204" pitchFamily="34" charset="0"/>
+              <a:buChar char="•"/>
+              <a:defRPr sz="2400" kern="1200">
+                <a:solidFill>
+                  <a:schemeClr val="tx1"/>
+                </a:solidFill>
+                <a:latin typeface="+mn-lt"/>
+                <a:ea typeface="+mn-ea"/>
+                <a:cs typeface="+mn-cs"/>
+              </a:defRPr>
+            </a:lvl2pPr>
+            <a:lvl3pPr marL="1143000" indent="-228600" algn="l" defTabSz="914400" rtl="0" eaLnBrk="1" latinLnBrk="0" hangingPunct="1">
+              <a:lnSpc>
+                <a:spcPct val="90000"/>
+              </a:lnSpc>
+              <a:spcBef>
+                <a:spcPts val="500"/>
+              </a:spcBef>
+              <a:buFont typeface="Arial" panose="020B0604020202020204" pitchFamily="34" charset="0"/>
+              <a:buChar char="•"/>
+              <a:defRPr sz="2000" kern="1200">
+                <a:solidFill>
+                  <a:schemeClr val="tx1"/>
+                </a:solidFill>
+                <a:latin typeface="+mn-lt"/>
+                <a:ea typeface="+mn-ea"/>
+                <a:cs typeface="+mn-cs"/>
+              </a:defRPr>
+            </a:lvl3pPr>
+            <a:lvl4pPr marL="1600200" indent="-228600" algn="l" defTabSz="914400" rtl="0" eaLnBrk="1" latinLnBrk="0" hangingPunct="1">
+              <a:lnSpc>
+                <a:spcPct val="90000"/>
+              </a:lnSpc>
+              <a:spcBef>
+                <a:spcPts val="500"/>
+              </a:spcBef>
+              <a:buFont typeface="Arial" panose="020B0604020202020204" pitchFamily="34" charset="0"/>
+              <a:buChar char="•"/>
+              <a:defRPr sz="1800" kern="1200">
+                <a:solidFill>
+                  <a:schemeClr val="tx1"/>
+                </a:solidFill>
+                <a:latin typeface="+mn-lt"/>
+                <a:ea typeface="+mn-ea"/>
+                <a:cs typeface="+mn-cs"/>
+              </a:defRPr>
+            </a:lvl4pPr>
+            <a:lvl5pPr marL="2057400" indent="-228600" algn="l" defTabSz="914400" rtl="0" eaLnBrk="1" latinLnBrk="0" hangingPunct="1">
+              <a:lnSpc>
+                <a:spcPct val="90000"/>
+              </a:lnSpc>
+              <a:spcBef>
+                <a:spcPts val="500"/>
+              </a:spcBef>
+              <a:buFont typeface="Arial" panose="020B0604020202020204" pitchFamily="34" charset="0"/>
+              <a:buChar char="•"/>
+              <a:defRPr sz="1800" kern="1200">
+                <a:solidFill>
+                  <a:schemeClr val="tx1"/>
+                </a:solidFill>
+                <a:latin typeface="+mn-lt"/>
+                <a:ea typeface="+mn-ea"/>
+                <a:cs typeface="+mn-cs"/>
+              </a:defRPr>
+            </a:lvl5pPr>
+            <a:lvl6pPr marL="2514600" indent="-228600" algn="l" defTabSz="914400" rtl="0" eaLnBrk="1" latinLnBrk="0" hangingPunct="1">
+              <a:lnSpc>
+                <a:spcPct val="90000"/>
+              </a:lnSpc>
+              <a:spcBef>
+                <a:spcPts val="500"/>
+              </a:spcBef>
+              <a:buFont typeface="Arial" panose="020B0604020202020204" pitchFamily="34" charset="0"/>
+              <a:buChar char="•"/>
+              <a:defRPr sz="1800" kern="1200">
+                <a:solidFill>
+                  <a:schemeClr val="tx1"/>
+                </a:solidFill>
+                <a:latin typeface="+mn-lt"/>
+                <a:ea typeface="+mn-ea"/>
+                <a:cs typeface="+mn-cs"/>
+              </a:defRPr>
+            </a:lvl6pPr>
+            <a:lvl7pPr marL="2971800" indent="-228600" algn="l" defTabSz="914400" rtl="0" eaLnBrk="1" latinLnBrk="0" hangingPunct="1">
+              <a:lnSpc>
+                <a:spcPct val="90000"/>
+              </a:lnSpc>
+              <a:spcBef>
+                <a:spcPts val="500"/>
+              </a:spcBef>
+              <a:buFont typeface="Arial" panose="020B0604020202020204" pitchFamily="34" charset="0"/>
+              <a:buChar char="•"/>
+              <a:defRPr sz="1800" kern="1200">
+                <a:solidFill>
+                  <a:schemeClr val="tx1"/>
+                </a:solidFill>
+                <a:latin typeface="+mn-lt"/>
+                <a:ea typeface="+mn-ea"/>
+                <a:cs typeface="+mn-cs"/>
+              </a:defRPr>
+            </a:lvl7pPr>
+            <a:lvl8pPr marL="3429000" indent="-228600" algn="l" defTabSz="914400" rtl="0" eaLnBrk="1" latinLnBrk="0" hangingPunct="1">
+              <a:lnSpc>
+                <a:spcPct val="90000"/>
+              </a:lnSpc>
+              <a:spcBef>
+                <a:spcPts val="500"/>
+              </a:spcBef>
+              <a:buFont typeface="Arial" panose="020B0604020202020204" pitchFamily="34" charset="0"/>
+              <a:buChar char="•"/>
+              <a:defRPr sz="1800" kern="1200">
+                <a:solidFill>
+                  <a:schemeClr val="tx1"/>
+                </a:solidFill>
+                <a:latin typeface="+mn-lt"/>
+                <a:ea typeface="+mn-ea"/>
+                <a:cs typeface="+mn-cs"/>
+              </a:defRPr>
+            </a:lvl8pPr>
+            <a:lvl9pPr marL="3886200" indent="-228600" algn="l" defTabSz="914400" rtl="0" eaLnBrk="1" latinLnBrk="0" hangingPunct="1">
+              <a:lnSpc>
+                <a:spcPct val="90000"/>
+              </a:lnSpc>
+              <a:spcBef>
+                <a:spcPts val="500"/>
+              </a:spcBef>
+              <a:buFont typeface="Arial" panose="020B0604020202020204" pitchFamily="34" charset="0"/>
+              <a:buChar char="•"/>
+              <a:defRPr sz="1800" kern="1200">
+                <a:solidFill>
+                  <a:schemeClr val="tx1"/>
+                </a:solidFill>
+                <a:latin typeface="+mn-lt"/>
+                <a:ea typeface="+mn-ea"/>
+                <a:cs typeface="+mn-cs"/>
+              </a:defRPr>
+            </a:lvl9pPr>
+          </a:lstStyle>
+          <a:p>
+            <a:pPr marL="0" indent="0">
+              <a:buFont typeface="Arial" panose="020B0604020202020204" pitchFamily="34" charset="0"/>
+              <a:buNone/>
+            </a:pPr>
+            <a:r>
+              <a:rPr lang="en-US" sz="2400" dirty="0">
+                <a:solidFill>
+                  <a:schemeClr val="bg1"/>
+                </a:solidFill>
+                <a:latin typeface="Agency FB" panose="020B0503020202020204" pitchFamily="34" charset="0"/>
+              </a:rPr>
+              <a:t>70% of the code on </a:t>
+            </a:r>
+            <a:r>
+              <a:rPr lang="en-US" sz="2400" dirty="0" err="1">
+                <a:solidFill>
+                  <a:schemeClr val="bg1"/>
+                </a:solidFill>
+                <a:latin typeface="Agency FB" panose="020B0503020202020204" pitchFamily="34" charset="0"/>
+              </a:rPr>
+              <a:t>github</a:t>
+            </a:r>
+            <a:r>
+              <a:rPr lang="en-US" sz="2400" dirty="0">
+                <a:solidFill>
+                  <a:schemeClr val="bg1"/>
+                </a:solidFill>
+                <a:latin typeface="Agency FB" panose="020B0503020202020204" pitchFamily="34" charset="0"/>
+              </a:rPr>
+              <a:t> consists of clones of previously created files</a:t>
+            </a:r>
+          </a:p>
+        </p:txBody>
+      </p:sp>
+    </p:spTree>
+    <p:extLst>
+      <p:ext uri="{BB962C8B-B14F-4D97-AF65-F5344CB8AC3E}">
+        <p14:creationId xmlns:p14="http://schemas.microsoft.com/office/powerpoint/2010/main" val="2880931181"/>
+      </p:ext>
+    </p:extLst>
+  </p:cSld>
+  <p:clrMapOvr>
+    <a:masterClrMapping/>
+  </p:clrMapOvr>
+  <p:timing>
+    <p:tnLst>
+      <p:par>
+        <p:cTn id="1" dur="indefinite" restart="never" nodeType="tmRoot">
+          <p:childTnLst>
+            <p:seq concurrent="1" nextAc="seek">
+              <p:cTn id="2" dur="indefinite" nodeType="mainSeq">
+                <p:childTnLst>
+                  <p:par>
+                    <p:cTn id="3" fill="hold">
+                      <p:stCondLst>
+                        <p:cond delay="indefinite"/>
+                      </p:stCondLst>
+                      <p:childTnLst>
+                        <p:par>
+                          <p:cTn id="4" fill="hold">
+                            <p:stCondLst>
+                              <p:cond delay="0"/>
+                            </p:stCondLst>
+                            <p:childTnLst>
+                              <p:par>
+                                <p:cTn id="5" presetID="10" presetClass="entr" presetSubtype="0" fill="hold" grpId="0" nodeType="clickEffect">
+                                  <p:stCondLst>
+                                    <p:cond delay="0"/>
+                                  </p:stCondLst>
+                                  <p:childTnLst>
+                                    <p:set>
+                                      <p:cBhvr>
+                                        <p:cTn id="6" dur="1" fill="hold">
+                                          <p:stCondLst>
+                                            <p:cond delay="0"/>
+                                          </p:stCondLst>
+                                        </p:cTn>
+                                        <p:tgtEl>
+                                          <p:spTgt spid="17"/>
+                                        </p:tgtEl>
+                                        <p:attrNameLst>
+                                          <p:attrName>style.visibility</p:attrName>
+                                        </p:attrNameLst>
+                                      </p:cBhvr>
+                                      <p:to>
+                                        <p:strVal val="visible"/>
+                                      </p:to>
+                                    </p:set>
+                                    <p:animEffect transition="in" filter="fade">
+                                      <p:cBhvr>
+                                        <p:cTn id="7" dur="500"/>
+                                        <p:tgtEl>
+                                          <p:spTgt spid="17"/>
+                                        </p:tgtEl>
+                                      </p:cBhvr>
+                                    </p:animEffect>
+                                  </p:childTnLst>
+                                </p:cTn>
+                              </p:par>
+                              <p:par>
+                                <p:cTn id="8" presetID="10" presetClass="entr" presetSubtype="0" fill="hold" grpId="0" nodeType="withEffect">
+                                  <p:stCondLst>
+                                    <p:cond delay="0"/>
+                                  </p:stCondLst>
+                                  <p:childTnLst>
+                                    <p:set>
+                                      <p:cBhvr>
+                                        <p:cTn id="9" dur="1" fill="hold">
+                                          <p:stCondLst>
+                                            <p:cond delay="0"/>
+                                          </p:stCondLst>
+                                        </p:cTn>
+                                        <p:tgtEl>
+                                          <p:spTgt spid="20"/>
+                                        </p:tgtEl>
+                                        <p:attrNameLst>
+                                          <p:attrName>style.visibility</p:attrName>
+                                        </p:attrNameLst>
+                                      </p:cBhvr>
+                                      <p:to>
+                                        <p:strVal val="visible"/>
+                                      </p:to>
+                                    </p:set>
+                                    <p:animEffect transition="in" filter="fade">
+                                      <p:cBhvr>
+                                        <p:cTn id="10" dur="500"/>
+                                        <p:tgtEl>
+                                          <p:spTgt spid="20"/>
+                                        </p:tgtEl>
+                                      </p:cBhvr>
+                                    </p:animEffect>
+                                  </p:childTnLst>
+                                </p:cTn>
+                              </p:par>
+                            </p:childTnLst>
+                          </p:cTn>
+                        </p:par>
+                      </p:childTnLst>
+                    </p:cTn>
+                  </p:par>
+                  <p:par>
+                    <p:cTn id="11" fill="hold">
+                      <p:stCondLst>
+                        <p:cond delay="indefinite"/>
+                      </p:stCondLst>
+                      <p:childTnLst>
+                        <p:par>
+                          <p:cTn id="12" fill="hold">
+                            <p:stCondLst>
+                              <p:cond delay="0"/>
+                            </p:stCondLst>
+                            <p:childTnLst>
+                              <p:par>
+                                <p:cTn id="13" presetID="10" presetClass="entr" presetSubtype="0" fill="hold" grpId="0" nodeType="clickEffect">
+                                  <p:stCondLst>
+                                    <p:cond delay="0"/>
+                                  </p:stCondLst>
+                                  <p:childTnLst>
+                                    <p:set>
+                                      <p:cBhvr>
+                                        <p:cTn id="14" dur="1" fill="hold">
+                                          <p:stCondLst>
+                                            <p:cond delay="0"/>
+                                          </p:stCondLst>
+                                        </p:cTn>
+                                        <p:tgtEl>
+                                          <p:spTgt spid="19"/>
+                                        </p:tgtEl>
+                                        <p:attrNameLst>
+                                          <p:attrName>style.visibility</p:attrName>
+                                        </p:attrNameLst>
+                                      </p:cBhvr>
+                                      <p:to>
+                                        <p:strVal val="visible"/>
+                                      </p:to>
+                                    </p:set>
+                                    <p:animEffect transition="in" filter="fade">
+                                      <p:cBhvr>
+                                        <p:cTn id="15" dur="500"/>
+                                        <p:tgtEl>
+                                          <p:spTgt spid="19"/>
+                                        </p:tgtEl>
+                                      </p:cBhvr>
+                                    </p:animEffect>
+                                  </p:childTnLst>
+                                </p:cTn>
+                              </p:par>
+                            </p:childTnLst>
+                          </p:cTn>
+                        </p:par>
+                      </p:childTnLst>
+                    </p:cTn>
+                  </p:par>
+                  <p:par>
+                    <p:cTn id="16" fill="hold">
+                      <p:stCondLst>
+                        <p:cond delay="indefinite"/>
+                      </p:stCondLst>
+                      <p:childTnLst>
+                        <p:par>
+                          <p:cTn id="17" fill="hold">
+                            <p:stCondLst>
+                              <p:cond delay="0"/>
+                            </p:stCondLst>
+                            <p:childTnLst>
+                              <p:par>
+                                <p:cTn id="18" presetID="10" presetClass="entr" presetSubtype="0" fill="hold" grpId="0" nodeType="clickEffect">
+                                  <p:stCondLst>
+                                    <p:cond delay="0"/>
+                                  </p:stCondLst>
+                                  <p:childTnLst>
+                                    <p:set>
+                                      <p:cBhvr>
+                                        <p:cTn id="19" dur="1" fill="hold">
+                                          <p:stCondLst>
+                                            <p:cond delay="0"/>
+                                          </p:stCondLst>
+                                        </p:cTn>
+                                        <p:tgtEl>
+                                          <p:spTgt spid="18">
+                                            <p:txEl>
+                                              <p:pRg st="0" end="0"/>
+                                            </p:txEl>
+                                          </p:spTgt>
+                                        </p:tgtEl>
+                                        <p:attrNameLst>
+                                          <p:attrName>style.visibility</p:attrName>
+                                        </p:attrNameLst>
+                                      </p:cBhvr>
+                                      <p:to>
+                                        <p:strVal val="visible"/>
+                                      </p:to>
+                                    </p:set>
+                                    <p:animEffect transition="in" filter="fade">
+                                      <p:cBhvr>
+                                        <p:cTn id="20" dur="500"/>
+                                        <p:tgtEl>
+                                          <p:spTgt spid="18">
+                                            <p:txEl>
+                                              <p:pRg st="0" end="0"/>
+                                            </p:txEl>
+                                          </p:spTgt>
+                                        </p:tgtEl>
+                                      </p:cBhvr>
+                                    </p:animEffect>
+                                  </p:childTnLst>
+                                </p:cTn>
+                              </p:par>
+                              <p:par>
+                                <p:cTn id="21" presetID="10" presetClass="entr" presetSubtype="0" fill="hold" grpId="0" nodeType="withEffect">
+                                  <p:stCondLst>
+                                    <p:cond delay="0"/>
+                                  </p:stCondLst>
+                                  <p:childTnLst>
+                                    <p:set>
+                                      <p:cBhvr>
+                                        <p:cTn id="22" dur="1" fill="hold">
+                                          <p:stCondLst>
+                                            <p:cond delay="0"/>
+                                          </p:stCondLst>
+                                        </p:cTn>
+                                        <p:tgtEl>
+                                          <p:spTgt spid="18">
+                                            <p:txEl>
+                                              <p:pRg st="1" end="1"/>
+                                            </p:txEl>
+                                          </p:spTgt>
+                                        </p:tgtEl>
+                                        <p:attrNameLst>
+                                          <p:attrName>style.visibility</p:attrName>
+                                        </p:attrNameLst>
+                                      </p:cBhvr>
+                                      <p:to>
+                                        <p:strVal val="visible"/>
+                                      </p:to>
+                                    </p:set>
+                                    <p:animEffect transition="in" filter="fade">
+                                      <p:cBhvr>
+                                        <p:cTn id="23" dur="500"/>
+                                        <p:tgtEl>
+                                          <p:spTgt spid="18">
+                                            <p:txEl>
+                                              <p:pRg st="1" end="1"/>
+                                            </p:txEl>
+                                          </p:spTgt>
+                                        </p:tgtEl>
+                                      </p:cBhvr>
+                                    </p:animEffect>
+                                  </p:childTnLst>
+                                </p:cTn>
+                              </p:par>
+                              <p:par>
+                                <p:cTn id="24" presetID="10" presetClass="entr" presetSubtype="0" fill="hold" grpId="0" nodeType="withEffect">
+                                  <p:stCondLst>
+                                    <p:cond delay="0"/>
+                                  </p:stCondLst>
+                                  <p:childTnLst>
+                                    <p:set>
+                                      <p:cBhvr>
+                                        <p:cTn id="25" dur="1" fill="hold">
+                                          <p:stCondLst>
+                                            <p:cond delay="0"/>
+                                          </p:stCondLst>
+                                        </p:cTn>
+                                        <p:tgtEl>
+                                          <p:spTgt spid="18">
+                                            <p:txEl>
+                                              <p:pRg st="2" end="2"/>
+                                            </p:txEl>
+                                          </p:spTgt>
+                                        </p:tgtEl>
+                                        <p:attrNameLst>
+                                          <p:attrName>style.visibility</p:attrName>
+                                        </p:attrNameLst>
+                                      </p:cBhvr>
+                                      <p:to>
+                                        <p:strVal val="visible"/>
+                                      </p:to>
+                                    </p:set>
+                                    <p:animEffect transition="in" filter="fade">
+                                      <p:cBhvr>
+                                        <p:cTn id="26" dur="500"/>
+                                        <p:tgtEl>
+                                          <p:spTgt spid="18">
+                                            <p:txEl>
+                                              <p:pRg st="2" end="2"/>
+                                            </p:txEl>
+                                          </p:spTgt>
+                                        </p:tgtEl>
+                                      </p:cBhvr>
+                                    </p:animEffect>
+                                  </p:childTnLst>
+                                </p:cTn>
+                              </p:par>
+                              <p:par>
+                                <p:cTn id="27" presetID="10" presetClass="entr" presetSubtype="0" fill="hold" grpId="0" nodeType="withEffect">
+                                  <p:stCondLst>
+                                    <p:cond delay="0"/>
+                                  </p:stCondLst>
+                                  <p:childTnLst>
+                                    <p:set>
+                                      <p:cBhvr>
+                                        <p:cTn id="28" dur="1" fill="hold">
+                                          <p:stCondLst>
+                                            <p:cond delay="0"/>
+                                          </p:stCondLst>
+                                        </p:cTn>
+                                        <p:tgtEl>
+                                          <p:spTgt spid="18">
+                                            <p:txEl>
+                                              <p:pRg st="3" end="3"/>
+                                            </p:txEl>
+                                          </p:spTgt>
+                                        </p:tgtEl>
+                                        <p:attrNameLst>
+                                          <p:attrName>style.visibility</p:attrName>
+                                        </p:attrNameLst>
+                                      </p:cBhvr>
+                                      <p:to>
+                                        <p:strVal val="visible"/>
+                                      </p:to>
+                                    </p:set>
+                                    <p:animEffect transition="in" filter="fade">
+                                      <p:cBhvr>
+                                        <p:cTn id="29" dur="500"/>
+                                        <p:tgtEl>
+                                          <p:spTgt spid="18">
+                                            <p:txEl>
+                                              <p:pRg st="3" end="3"/>
+                                            </p:txEl>
+                                          </p:spTgt>
+                                        </p:tgtEl>
+                                      </p:cBhvr>
+                                    </p:animEffect>
+                                  </p:childTnLst>
+                                </p:cTn>
+                              </p:par>
+                              <p:par>
+                                <p:cTn id="30" presetID="10" presetClass="entr" presetSubtype="0" fill="hold" grpId="0" nodeType="withEffect">
+                                  <p:stCondLst>
+                                    <p:cond delay="0"/>
+                                  </p:stCondLst>
+                                  <p:childTnLst>
+                                    <p:set>
+                                      <p:cBhvr>
+                                        <p:cTn id="31" dur="1" fill="hold">
+                                          <p:stCondLst>
+                                            <p:cond delay="0"/>
+                                          </p:stCondLst>
+                                        </p:cTn>
+                                        <p:tgtEl>
+                                          <p:spTgt spid="18">
+                                            <p:txEl>
+                                              <p:pRg st="4" end="4"/>
+                                            </p:txEl>
+                                          </p:spTgt>
+                                        </p:tgtEl>
+                                        <p:attrNameLst>
+                                          <p:attrName>style.visibility</p:attrName>
+                                        </p:attrNameLst>
+                                      </p:cBhvr>
+                                      <p:to>
+                                        <p:strVal val="visible"/>
+                                      </p:to>
+                                    </p:set>
+                                    <p:animEffect transition="in" filter="fade">
+                                      <p:cBhvr>
+                                        <p:cTn id="32" dur="500"/>
+                                        <p:tgtEl>
+                                          <p:spTgt spid="18">
+                                            <p:txEl>
+                                              <p:pRg st="4" end="4"/>
+                                            </p:txEl>
+                                          </p:spTgt>
+                                        </p:tgtEl>
+                                      </p:cBhvr>
+                                    </p:animEffect>
+                                  </p:childTnLst>
+                                </p:cTn>
+                              </p:par>
+                              <p:par>
+                                <p:cTn id="33" presetID="10" presetClass="entr" presetSubtype="0" fill="hold" grpId="0" nodeType="withEffect">
+                                  <p:stCondLst>
+                                    <p:cond delay="0"/>
+                                  </p:stCondLst>
+                                  <p:childTnLst>
+                                    <p:set>
+                                      <p:cBhvr>
+                                        <p:cTn id="34" dur="1" fill="hold">
+                                          <p:stCondLst>
+                                            <p:cond delay="0"/>
+                                          </p:stCondLst>
+                                        </p:cTn>
+                                        <p:tgtEl>
+                                          <p:spTgt spid="18">
+                                            <p:txEl>
+                                              <p:pRg st="5" end="5"/>
+                                            </p:txEl>
+                                          </p:spTgt>
+                                        </p:tgtEl>
+                                        <p:attrNameLst>
+                                          <p:attrName>style.visibility</p:attrName>
+                                        </p:attrNameLst>
+                                      </p:cBhvr>
+                                      <p:to>
+                                        <p:strVal val="visible"/>
+                                      </p:to>
+                                    </p:set>
+                                    <p:animEffect transition="in" filter="fade">
+                                      <p:cBhvr>
+                                        <p:cTn id="35" dur="500"/>
+                                        <p:tgtEl>
+                                          <p:spTgt spid="18">
+                                            <p:txEl>
+                                              <p:pRg st="5" end="5"/>
+                                            </p:txEl>
+                                          </p:spTgt>
+                                        </p:tgtEl>
+                                      </p:cBhvr>
+                                    </p:animEffect>
+                                  </p:childTnLst>
+                                </p:cTn>
+                              </p:par>
+                              <p:par>
+                                <p:cTn id="36" presetID="10" presetClass="entr" presetSubtype="0" fill="hold" grpId="0" nodeType="withEffect">
+                                  <p:stCondLst>
+                                    <p:cond delay="0"/>
+                                  </p:stCondLst>
+                                  <p:childTnLst>
+                                    <p:set>
+                                      <p:cBhvr>
+                                        <p:cTn id="37" dur="1" fill="hold">
+                                          <p:stCondLst>
+                                            <p:cond delay="0"/>
+                                          </p:stCondLst>
+                                        </p:cTn>
+                                        <p:tgtEl>
+                                          <p:spTgt spid="18">
+                                            <p:txEl>
+                                              <p:pRg st="6" end="6"/>
+                                            </p:txEl>
+                                          </p:spTgt>
+                                        </p:tgtEl>
+                                        <p:attrNameLst>
+                                          <p:attrName>style.visibility</p:attrName>
+                                        </p:attrNameLst>
+                                      </p:cBhvr>
+                                      <p:to>
+                                        <p:strVal val="visible"/>
+                                      </p:to>
+                                    </p:set>
+                                    <p:animEffect transition="in" filter="fade">
+                                      <p:cBhvr>
+                                        <p:cTn id="38" dur="500"/>
+                                        <p:tgtEl>
+                                          <p:spTgt spid="18">
+                                            <p:txEl>
+                                              <p:pRg st="6" end="6"/>
+                                            </p:txEl>
+                                          </p:spTgt>
+                                        </p:tgtEl>
+                                      </p:cBhvr>
+                                    </p:animEffect>
+                                  </p:childTnLst>
+                                </p:cTn>
+                              </p:par>
+                              <p:par>
+                                <p:cTn id="39" presetID="10" presetClass="entr" presetSubtype="0" fill="hold" grpId="0" nodeType="withEffect">
+                                  <p:stCondLst>
+                                    <p:cond delay="0"/>
+                                  </p:stCondLst>
+                                  <p:childTnLst>
+                                    <p:set>
+                                      <p:cBhvr>
+                                        <p:cTn id="40" dur="1" fill="hold">
+                                          <p:stCondLst>
+                                            <p:cond delay="0"/>
+                                          </p:stCondLst>
+                                        </p:cTn>
+                                        <p:tgtEl>
+                                          <p:spTgt spid="18">
+                                            <p:txEl>
+                                              <p:pRg st="7" end="7"/>
+                                            </p:txEl>
+                                          </p:spTgt>
+                                        </p:tgtEl>
+                                        <p:attrNameLst>
+                                          <p:attrName>style.visibility</p:attrName>
+                                        </p:attrNameLst>
+                                      </p:cBhvr>
+                                      <p:to>
+                                        <p:strVal val="visible"/>
+                                      </p:to>
+                                    </p:set>
+                                    <p:animEffect transition="in" filter="fade">
+                                      <p:cBhvr>
+                                        <p:cTn id="41" dur="500"/>
+                                        <p:tgtEl>
+                                          <p:spTgt spid="18">
+                                            <p:txEl>
+                                              <p:pRg st="7" end="7"/>
+                                            </p:txEl>
+                                          </p:spTgt>
+                                        </p:tgtEl>
+                                      </p:cBhvr>
+                                    </p:animEffect>
+                                  </p:childTnLst>
+                                </p:cTn>
+                              </p:par>
+                            </p:childTnLst>
+                          </p:cTn>
+                        </p:par>
+                      </p:childTnLst>
+                    </p:cTn>
+                  </p:par>
+                </p:childTnLst>
+              </p:cTn>
+              <p:prevCondLst>
+                <p:cond evt="onPrev" delay="0">
+                  <p:tgtEl>
+                    <p:sldTgt/>
+                  </p:tgtEl>
+                </p:cond>
+              </p:prevCondLst>
+              <p:nextCondLst>
+                <p:cond evt="onNext" delay="0">
+                  <p:tgtEl>
+                    <p:sldTgt/>
+                  </p:tgtEl>
+                </p:cond>
+              </p:nextCondLst>
+            </p:seq>
+          </p:childTnLst>
+        </p:cTn>
+      </p:par>
+    </p:tnLst>
+    <p:bldLst>
+      <p:bldP spid="17" grpId="0"/>
+      <p:bldP spid="18" grpId="0" uiExpand="1" build="p"/>
+      <p:bldP spid="19" grpId="0"/>
+      <p:bldP spid="20" grpId="0"/>
+    </p:bldLst>
+  </p:timing>
+</p:sld>
+</file>
+
+<file path=ppt/slides/slide4.xml><?xml version="1.0" encoding="utf-8"?>
 <p:sld xmlns:a="http://schemas.openxmlformats.org/drawingml/2006/main" xmlns:r="http://schemas.openxmlformats.org/officeDocument/2006/relationships" xmlns:p="http://schemas.openxmlformats.org/presentationml/2006/main">
   <p:cSld>
     <p:bg>
@@ -34171,1248 +36397,6 @@
 </p:sld>
 </file>
 
-<file path=ppt/slides/slide4.xml><?xml version="1.0" encoding="utf-8"?>
-<p:sld xmlns:a="http://schemas.openxmlformats.org/drawingml/2006/main" xmlns:r="http://schemas.openxmlformats.org/officeDocument/2006/relationships" xmlns:p="http://schemas.openxmlformats.org/presentationml/2006/main">
-  <p:cSld>
-    <p:bg>
-      <p:bgPr>
-        <a:solidFill>
-          <a:schemeClr val="tx1">
-            <a:lumMod val="75000"/>
-            <a:lumOff val="25000"/>
-          </a:schemeClr>
-        </a:solidFill>
-        <a:effectLst/>
-      </p:bgPr>
-    </p:bg>
-    <p:spTree>
-      <p:nvGrpSpPr>
-        <p:cNvPr id="1" name=""/>
-        <p:cNvGrpSpPr/>
-        <p:nvPr/>
-      </p:nvGrpSpPr>
-      <p:grpSpPr>
-        <a:xfrm>
-          <a:off x="0" y="0"/>
-          <a:ext cx="0" cy="0"/>
-          <a:chOff x="0" y="0"/>
-          <a:chExt cx="0" cy="0"/>
-        </a:xfrm>
-      </p:grpSpPr>
-      <p:sp>
-        <p:nvSpPr>
-          <p:cNvPr id="2" name="Title 1">
-            <a:extLst>
-              <a:ext uri="{FF2B5EF4-FFF2-40B4-BE49-F238E27FC236}">
-                <a16:creationId xmlns:a16="http://schemas.microsoft.com/office/drawing/2014/main" id="{5C4D0B21-0753-4B41-AC6C-587C83C7DB53}"/>
-              </a:ext>
-            </a:extLst>
-          </p:cNvPr>
-          <p:cNvSpPr>
-            <a:spLocks noGrp="1"/>
-          </p:cNvSpPr>
-          <p:nvPr>
-            <p:ph type="title"/>
-          </p:nvPr>
-        </p:nvSpPr>
-        <p:spPr>
-          <a:xfrm>
-            <a:off x="3935412" y="511070"/>
-            <a:ext cx="6194425" cy="992981"/>
-          </a:xfrm>
-        </p:spPr>
-        <p:txBody>
-          <a:bodyPr/>
-          <a:lstStyle/>
-          <a:p>
-            <a:pPr algn="ctr"/>
-            <a:r>
-              <a:rPr lang="en-US" dirty="0">
-                <a:solidFill>
-                  <a:schemeClr val="bg1"/>
-                </a:solidFill>
-                <a:latin typeface="Consolas" panose="020B0609020204030204" pitchFamily="49" charset="0"/>
-              </a:rPr>
-              <a:t>Why should we care</a:t>
-            </a:r>
-            <a:endParaRPr lang="bg-BG" dirty="0">
-              <a:solidFill>
-                <a:schemeClr val="bg1"/>
-              </a:solidFill>
-              <a:latin typeface="Consolas" panose="020B0609020204030204" pitchFamily="49" charset="0"/>
-            </a:endParaRPr>
-          </a:p>
-        </p:txBody>
-      </p:sp>
-      <p:sp>
-        <p:nvSpPr>
-          <p:cNvPr id="7" name="Rectangle 6">
-            <a:extLst>
-              <a:ext uri="{FF2B5EF4-FFF2-40B4-BE49-F238E27FC236}">
-                <a16:creationId xmlns:a16="http://schemas.microsoft.com/office/drawing/2014/main" id="{1C3956DE-9326-4593-9A3C-EC93E2B54ECE}"/>
-              </a:ext>
-            </a:extLst>
-          </p:cNvPr>
-          <p:cNvSpPr/>
-          <p:nvPr/>
-        </p:nvSpPr>
-        <p:spPr>
-          <a:xfrm>
-            <a:off x="-1" y="0"/>
-            <a:ext cx="1905001" cy="6858000"/>
-          </a:xfrm>
-          <a:prstGeom prst="rect">
-            <a:avLst/>
-          </a:prstGeom>
-          <a:solidFill>
-            <a:srgbClr val="A93843"/>
-          </a:solidFill>
-          <a:ln>
-            <a:noFill/>
-          </a:ln>
-        </p:spPr>
-        <p:style>
-          <a:lnRef idx="2">
-            <a:schemeClr val="accent1">
-              <a:shade val="50000"/>
-            </a:schemeClr>
-          </a:lnRef>
-          <a:fillRef idx="1">
-            <a:schemeClr val="accent1"/>
-          </a:fillRef>
-          <a:effectRef idx="0">
-            <a:schemeClr val="accent1"/>
-          </a:effectRef>
-          <a:fontRef idx="minor">
-            <a:schemeClr val="lt1"/>
-          </a:fontRef>
-        </p:style>
-        <p:txBody>
-          <a:bodyPr rtlCol="0" anchor="ctr"/>
-          <a:lstStyle/>
-          <a:p>
-            <a:pPr algn="ctr"/>
-            <a:endParaRPr lang="bg-BG"/>
-          </a:p>
-        </p:txBody>
-      </p:sp>
-      <p:pic>
-        <p:nvPicPr>
-          <p:cNvPr id="9" name="Picture 8" descr="A close up of a sign&#10;&#10;Description automatically generated">
-            <a:extLst>
-              <a:ext uri="{FF2B5EF4-FFF2-40B4-BE49-F238E27FC236}">
-                <a16:creationId xmlns:a16="http://schemas.microsoft.com/office/drawing/2014/main" id="{8C3CD1DA-26F9-4D88-ABB9-39BCA4E4D716}"/>
-              </a:ext>
-            </a:extLst>
-          </p:cNvPr>
-          <p:cNvPicPr>
-            <a:picLocks noChangeAspect="1"/>
-          </p:cNvPicPr>
-          <p:nvPr/>
-        </p:nvPicPr>
-        <p:blipFill>
-          <a:blip r:embed="rId3">
-            <a:extLst>
-              <a:ext uri="{28A0092B-C50C-407E-A947-70E740481C1C}">
-                <a14:useLocalDpi xmlns:a14="http://schemas.microsoft.com/office/drawing/2010/main" val="0"/>
-              </a:ext>
-            </a:extLst>
-          </a:blip>
-          <a:stretch>
-            <a:fillRect/>
-          </a:stretch>
-        </p:blipFill>
-        <p:spPr>
-          <a:xfrm>
-            <a:off x="0" y="-58072"/>
-            <a:ext cx="1976078" cy="2131267"/>
-          </a:xfrm>
-          <a:prstGeom prst="rect">
-            <a:avLst/>
-          </a:prstGeom>
-        </p:spPr>
-      </p:pic>
-      <p:pic>
-        <p:nvPicPr>
-          <p:cNvPr id="6" name="Picture 5">
-            <a:extLst>
-              <a:ext uri="{FF2B5EF4-FFF2-40B4-BE49-F238E27FC236}">
-                <a16:creationId xmlns:a16="http://schemas.microsoft.com/office/drawing/2014/main" id="{4EDEB27C-079C-4993-B653-34A28E4BAD6A}"/>
-              </a:ext>
-            </a:extLst>
-          </p:cNvPr>
-          <p:cNvPicPr>
-            <a:picLocks noChangeAspect="1"/>
-          </p:cNvPicPr>
-          <p:nvPr/>
-        </p:nvPicPr>
-        <p:blipFill rotWithShape="1">
-          <a:blip r:embed="rId4">
-            <a:extLst>
-              <a:ext uri="{BEBA8EAE-BF5A-486C-A8C5-ECC9F3942E4B}">
-                <a14:imgProps xmlns:a14="http://schemas.microsoft.com/office/drawing/2010/main">
-                  <a14:imgLayer r:embed="rId5">
-                    <a14:imgEffect>
-                      <a14:artisticGlowEdges trans="25000"/>
-                    </a14:imgEffect>
-                  </a14:imgLayer>
-                </a14:imgProps>
-              </a:ext>
-              <a:ext uri="{28A0092B-C50C-407E-A947-70E740481C1C}">
-                <a14:useLocalDpi xmlns:a14="http://schemas.microsoft.com/office/drawing/2010/main" val="0"/>
-              </a:ext>
-            </a:extLst>
-          </a:blip>
-          <a:srcRect l="585" r="585"/>
-          <a:stretch/>
-        </p:blipFill>
-        <p:spPr>
-          <a:xfrm>
-            <a:off x="10575925" y="1007561"/>
-            <a:ext cx="1209675" cy="3076575"/>
-          </a:xfrm>
-          <a:prstGeom prst="rect">
-            <a:avLst/>
-          </a:prstGeom>
-        </p:spPr>
-      </p:pic>
-      <p:sp>
-        <p:nvSpPr>
-          <p:cNvPr id="17" name="Title 1">
-            <a:extLst>
-              <a:ext uri="{FF2B5EF4-FFF2-40B4-BE49-F238E27FC236}">
-                <a16:creationId xmlns:a16="http://schemas.microsoft.com/office/drawing/2014/main" id="{7375084E-1F76-47F8-8A1E-C82A9B273564}"/>
-              </a:ext>
-            </a:extLst>
-          </p:cNvPr>
-          <p:cNvSpPr txBox="1">
-            <a:spLocks/>
-          </p:cNvSpPr>
-          <p:nvPr/>
-        </p:nvSpPr>
-        <p:spPr>
-          <a:xfrm>
-            <a:off x="2203675" y="1634203"/>
-            <a:ext cx="7748587" cy="568561"/>
-          </a:xfrm>
-          <a:prstGeom prst="rect">
-            <a:avLst/>
-          </a:prstGeom>
-        </p:spPr>
-        <p:txBody>
-          <a:bodyPr vert="horz" lIns="91440" tIns="45720" rIns="91440" bIns="45720" rtlCol="0" anchor="b">
-            <a:normAutofit/>
-          </a:bodyPr>
-          <a:lstStyle>
-            <a:lvl1pPr algn="l" defTabSz="914400" rtl="0" eaLnBrk="1" latinLnBrk="0" hangingPunct="1">
-              <a:lnSpc>
-                <a:spcPct val="90000"/>
-              </a:lnSpc>
-              <a:spcBef>
-                <a:spcPct val="0"/>
-              </a:spcBef>
-              <a:buNone/>
-              <a:defRPr sz="4400" kern="1200">
-                <a:solidFill>
-                  <a:schemeClr val="tx1"/>
-                </a:solidFill>
-                <a:latin typeface="+mj-lt"/>
-                <a:ea typeface="+mj-ea"/>
-                <a:cs typeface="+mj-cs"/>
-              </a:defRPr>
-            </a:lvl1pPr>
-          </a:lstStyle>
-          <a:p>
-            <a:r>
-              <a:rPr lang="en-US" sz="2800" dirty="0" err="1">
-                <a:solidFill>
-                  <a:schemeClr val="bg1"/>
-                </a:solidFill>
-              </a:rPr>
-              <a:t>DéjàVu</a:t>
-            </a:r>
-            <a:r>
-              <a:rPr lang="en-US" sz="2800" dirty="0">
-                <a:solidFill>
-                  <a:schemeClr val="bg1"/>
-                </a:solidFill>
-              </a:rPr>
-              <a:t>: a map of code duplicates on GitHub</a:t>
-            </a:r>
-          </a:p>
-        </p:txBody>
-      </p:sp>
-      <p:sp>
-        <p:nvSpPr>
-          <p:cNvPr id="18" name="Content Placeholder 10">
-            <a:extLst>
-              <a:ext uri="{FF2B5EF4-FFF2-40B4-BE49-F238E27FC236}">
-                <a16:creationId xmlns:a16="http://schemas.microsoft.com/office/drawing/2014/main" id="{C759A347-21CB-48C4-910F-718F51BB95E7}"/>
-              </a:ext>
-            </a:extLst>
-          </p:cNvPr>
-          <p:cNvSpPr>
-            <a:spLocks noGrp="1"/>
-          </p:cNvSpPr>
-          <p:nvPr>
-            <p:ph idx="1"/>
-          </p:nvPr>
-        </p:nvSpPr>
-        <p:spPr>
-          <a:xfrm>
-            <a:off x="2221706" y="4116432"/>
-            <a:ext cx="9970294" cy="1916068"/>
-          </a:xfrm>
-        </p:spPr>
-        <p:txBody>
-          <a:bodyPr vert="horz" lIns="91440" tIns="45720" rIns="91440" bIns="45720" numCol="2" rtlCol="0" anchor="t">
-            <a:normAutofit/>
-          </a:bodyPr>
-          <a:lstStyle/>
-          <a:p>
-            <a:r>
-              <a:rPr lang="en-US" sz="2400" dirty="0">
-                <a:solidFill>
-                  <a:schemeClr val="bg1"/>
-                </a:solidFill>
-                <a:latin typeface="Agency FB" panose="020B0503020202020204" pitchFamily="34" charset="0"/>
-              </a:rPr>
-              <a:t>Continuing Change</a:t>
-            </a:r>
-          </a:p>
-          <a:p>
-            <a:r>
-              <a:rPr lang="en-US" sz="2400" dirty="0">
-                <a:solidFill>
-                  <a:schemeClr val="bg1"/>
-                </a:solidFill>
-                <a:latin typeface="Agency FB" panose="020B0503020202020204" pitchFamily="34" charset="0"/>
-              </a:rPr>
-              <a:t>Increasing Complexity</a:t>
-            </a:r>
-          </a:p>
-          <a:p>
-            <a:r>
-              <a:rPr lang="en-US" sz="2400" dirty="0">
-                <a:solidFill>
-                  <a:schemeClr val="bg1"/>
-                </a:solidFill>
-                <a:latin typeface="Agency FB" panose="020B0503020202020204" pitchFamily="34" charset="0"/>
-              </a:rPr>
-              <a:t>Self Regulation</a:t>
-            </a:r>
-          </a:p>
-          <a:p>
-            <a:r>
-              <a:rPr lang="en-US" sz="2400" dirty="0">
-                <a:solidFill>
-                  <a:schemeClr val="bg1"/>
-                </a:solidFill>
-                <a:latin typeface="Agency FB" panose="020B0503020202020204" pitchFamily="34" charset="0"/>
-              </a:rPr>
-              <a:t>Conservation of </a:t>
-            </a:r>
-            <a:r>
-              <a:rPr lang="en-US" sz="2400" dirty="0" err="1">
-                <a:solidFill>
-                  <a:schemeClr val="bg1"/>
-                </a:solidFill>
-                <a:latin typeface="Agency FB" panose="020B0503020202020204" pitchFamily="34" charset="0"/>
-              </a:rPr>
-              <a:t>Organisational</a:t>
-            </a:r>
-            <a:r>
-              <a:rPr lang="en-US" sz="2400" dirty="0">
-                <a:solidFill>
-                  <a:schemeClr val="bg1"/>
-                </a:solidFill>
-                <a:latin typeface="Agency FB" panose="020B0503020202020204" pitchFamily="34" charset="0"/>
-              </a:rPr>
-              <a:t> Stability</a:t>
-            </a:r>
-          </a:p>
-          <a:p>
-            <a:r>
-              <a:rPr lang="en-US" sz="2400" dirty="0">
-                <a:solidFill>
-                  <a:schemeClr val="bg1"/>
-                </a:solidFill>
-                <a:latin typeface="Agency FB" panose="020B0503020202020204" pitchFamily="34" charset="0"/>
-              </a:rPr>
-              <a:t>Conservation of Familiarity</a:t>
-            </a:r>
-          </a:p>
-          <a:p>
-            <a:r>
-              <a:rPr lang="en-US" sz="2400" dirty="0">
-                <a:solidFill>
-                  <a:schemeClr val="bg1"/>
-                </a:solidFill>
-                <a:latin typeface="Agency FB" panose="020B0503020202020204" pitchFamily="34" charset="0"/>
-              </a:rPr>
-              <a:t>Continuing Growth</a:t>
-            </a:r>
-          </a:p>
-          <a:p>
-            <a:r>
-              <a:rPr lang="en-US" sz="2400" dirty="0">
-                <a:solidFill>
-                  <a:schemeClr val="bg1"/>
-                </a:solidFill>
-                <a:latin typeface="Agency FB" panose="020B0503020202020204" pitchFamily="34" charset="0"/>
-              </a:rPr>
-              <a:t>Declining Quality</a:t>
-            </a:r>
-          </a:p>
-          <a:p>
-            <a:r>
-              <a:rPr lang="en-US" sz="2400" dirty="0">
-                <a:solidFill>
-                  <a:schemeClr val="bg1"/>
-                </a:solidFill>
-                <a:latin typeface="Agency FB" panose="020B0503020202020204" pitchFamily="34" charset="0"/>
-              </a:rPr>
-              <a:t>Feedback System</a:t>
-            </a:r>
-          </a:p>
-        </p:txBody>
-      </p:sp>
-      <p:sp>
-        <p:nvSpPr>
-          <p:cNvPr id="19" name="Title 1">
-            <a:extLst>
-              <a:ext uri="{FF2B5EF4-FFF2-40B4-BE49-F238E27FC236}">
-                <a16:creationId xmlns:a16="http://schemas.microsoft.com/office/drawing/2014/main" id="{C22EE3C4-72AC-4B04-AF82-22372A4DA8DE}"/>
-              </a:ext>
-            </a:extLst>
-          </p:cNvPr>
-          <p:cNvSpPr txBox="1">
-            <a:spLocks/>
-          </p:cNvSpPr>
-          <p:nvPr/>
-        </p:nvSpPr>
-        <p:spPr>
-          <a:xfrm>
-            <a:off x="2221706" y="3381139"/>
-            <a:ext cx="9398794" cy="568561"/>
-          </a:xfrm>
-          <a:prstGeom prst="rect">
-            <a:avLst/>
-          </a:prstGeom>
-        </p:spPr>
-        <p:txBody>
-          <a:bodyPr vert="horz" lIns="91440" tIns="45720" rIns="91440" bIns="45720" rtlCol="0" anchor="b">
-            <a:noAutofit/>
-          </a:bodyPr>
-          <a:lstStyle>
-            <a:lvl1pPr algn="l" defTabSz="914400" rtl="0" eaLnBrk="1" latinLnBrk="0" hangingPunct="1">
-              <a:lnSpc>
-                <a:spcPct val="90000"/>
-              </a:lnSpc>
-              <a:spcBef>
-                <a:spcPct val="0"/>
-              </a:spcBef>
-              <a:buNone/>
-              <a:defRPr sz="4400" kern="1200">
-                <a:solidFill>
-                  <a:schemeClr val="tx1"/>
-                </a:solidFill>
-                <a:latin typeface="+mj-lt"/>
-                <a:ea typeface="+mj-ea"/>
-                <a:cs typeface="+mj-cs"/>
-              </a:defRPr>
-            </a:lvl1pPr>
-          </a:lstStyle>
-          <a:p>
-            <a:r>
-              <a:rPr lang="en-US" sz="2800" dirty="0">
-                <a:solidFill>
-                  <a:schemeClr val="bg1"/>
-                </a:solidFill>
-              </a:rPr>
-              <a:t>Programs, Life Cycles, and Laws of Software Evolution</a:t>
-            </a:r>
-          </a:p>
-        </p:txBody>
-      </p:sp>
-      <p:sp>
-        <p:nvSpPr>
-          <p:cNvPr id="20" name="Content Placeholder 10">
-            <a:extLst>
-              <a:ext uri="{FF2B5EF4-FFF2-40B4-BE49-F238E27FC236}">
-                <a16:creationId xmlns:a16="http://schemas.microsoft.com/office/drawing/2014/main" id="{671023FB-7C53-4119-8F0B-74B5B41D143F}"/>
-              </a:ext>
-            </a:extLst>
-          </p:cNvPr>
-          <p:cNvSpPr txBox="1">
-            <a:spLocks/>
-          </p:cNvSpPr>
-          <p:nvPr/>
-        </p:nvSpPr>
-        <p:spPr>
-          <a:xfrm>
-            <a:off x="2221706" y="2241423"/>
-            <a:ext cx="8283141" cy="441003"/>
-          </a:xfrm>
-          <a:prstGeom prst="rect">
-            <a:avLst/>
-          </a:prstGeom>
-        </p:spPr>
-        <p:txBody>
-          <a:bodyPr vert="horz" lIns="91440" tIns="45720" rIns="91440" bIns="45720" rtlCol="0" anchor="t">
-            <a:noAutofit/>
-          </a:bodyPr>
-          <a:lstStyle>
-            <a:lvl1pPr marL="228600" indent="-228600" algn="l" defTabSz="914400" rtl="0" eaLnBrk="1" latinLnBrk="0" hangingPunct="1">
-              <a:lnSpc>
-                <a:spcPct val="90000"/>
-              </a:lnSpc>
-              <a:spcBef>
-                <a:spcPts val="1000"/>
-              </a:spcBef>
-              <a:buFont typeface="Arial" panose="020B0604020202020204" pitchFamily="34" charset="0"/>
-              <a:buChar char="•"/>
-              <a:defRPr sz="2800" kern="1200">
-                <a:solidFill>
-                  <a:schemeClr val="tx1"/>
-                </a:solidFill>
-                <a:latin typeface="+mn-lt"/>
-                <a:ea typeface="+mn-ea"/>
-                <a:cs typeface="+mn-cs"/>
-              </a:defRPr>
-            </a:lvl1pPr>
-            <a:lvl2pPr marL="685800" indent="-228600" algn="l" defTabSz="914400" rtl="0" eaLnBrk="1" latinLnBrk="0" hangingPunct="1">
-              <a:lnSpc>
-                <a:spcPct val="90000"/>
-              </a:lnSpc>
-              <a:spcBef>
-                <a:spcPts val="500"/>
-              </a:spcBef>
-              <a:buFont typeface="Arial" panose="020B0604020202020204" pitchFamily="34" charset="0"/>
-              <a:buChar char="•"/>
-              <a:defRPr sz="2400" kern="1200">
-                <a:solidFill>
-                  <a:schemeClr val="tx1"/>
-                </a:solidFill>
-                <a:latin typeface="+mn-lt"/>
-                <a:ea typeface="+mn-ea"/>
-                <a:cs typeface="+mn-cs"/>
-              </a:defRPr>
-            </a:lvl2pPr>
-            <a:lvl3pPr marL="1143000" indent="-228600" algn="l" defTabSz="914400" rtl="0" eaLnBrk="1" latinLnBrk="0" hangingPunct="1">
-              <a:lnSpc>
-                <a:spcPct val="90000"/>
-              </a:lnSpc>
-              <a:spcBef>
-                <a:spcPts val="500"/>
-              </a:spcBef>
-              <a:buFont typeface="Arial" panose="020B0604020202020204" pitchFamily="34" charset="0"/>
-              <a:buChar char="•"/>
-              <a:defRPr sz="2000" kern="1200">
-                <a:solidFill>
-                  <a:schemeClr val="tx1"/>
-                </a:solidFill>
-                <a:latin typeface="+mn-lt"/>
-                <a:ea typeface="+mn-ea"/>
-                <a:cs typeface="+mn-cs"/>
-              </a:defRPr>
-            </a:lvl3pPr>
-            <a:lvl4pPr marL="1600200" indent="-228600" algn="l" defTabSz="914400" rtl="0" eaLnBrk="1" latinLnBrk="0" hangingPunct="1">
-              <a:lnSpc>
-                <a:spcPct val="90000"/>
-              </a:lnSpc>
-              <a:spcBef>
-                <a:spcPts val="500"/>
-              </a:spcBef>
-              <a:buFont typeface="Arial" panose="020B0604020202020204" pitchFamily="34" charset="0"/>
-              <a:buChar char="•"/>
-              <a:defRPr sz="1800" kern="1200">
-                <a:solidFill>
-                  <a:schemeClr val="tx1"/>
-                </a:solidFill>
-                <a:latin typeface="+mn-lt"/>
-                <a:ea typeface="+mn-ea"/>
-                <a:cs typeface="+mn-cs"/>
-              </a:defRPr>
-            </a:lvl4pPr>
-            <a:lvl5pPr marL="2057400" indent="-228600" algn="l" defTabSz="914400" rtl="0" eaLnBrk="1" latinLnBrk="0" hangingPunct="1">
-              <a:lnSpc>
-                <a:spcPct val="90000"/>
-              </a:lnSpc>
-              <a:spcBef>
-                <a:spcPts val="500"/>
-              </a:spcBef>
-              <a:buFont typeface="Arial" panose="020B0604020202020204" pitchFamily="34" charset="0"/>
-              <a:buChar char="•"/>
-              <a:defRPr sz="1800" kern="1200">
-                <a:solidFill>
-                  <a:schemeClr val="tx1"/>
-                </a:solidFill>
-                <a:latin typeface="+mn-lt"/>
-                <a:ea typeface="+mn-ea"/>
-                <a:cs typeface="+mn-cs"/>
-              </a:defRPr>
-            </a:lvl5pPr>
-            <a:lvl6pPr marL="2514600" indent="-228600" algn="l" defTabSz="914400" rtl="0" eaLnBrk="1" latinLnBrk="0" hangingPunct="1">
-              <a:lnSpc>
-                <a:spcPct val="90000"/>
-              </a:lnSpc>
-              <a:spcBef>
-                <a:spcPts val="500"/>
-              </a:spcBef>
-              <a:buFont typeface="Arial" panose="020B0604020202020204" pitchFamily="34" charset="0"/>
-              <a:buChar char="•"/>
-              <a:defRPr sz="1800" kern="1200">
-                <a:solidFill>
-                  <a:schemeClr val="tx1"/>
-                </a:solidFill>
-                <a:latin typeface="+mn-lt"/>
-                <a:ea typeface="+mn-ea"/>
-                <a:cs typeface="+mn-cs"/>
-              </a:defRPr>
-            </a:lvl6pPr>
-            <a:lvl7pPr marL="2971800" indent="-228600" algn="l" defTabSz="914400" rtl="0" eaLnBrk="1" latinLnBrk="0" hangingPunct="1">
-              <a:lnSpc>
-                <a:spcPct val="90000"/>
-              </a:lnSpc>
-              <a:spcBef>
-                <a:spcPts val="500"/>
-              </a:spcBef>
-              <a:buFont typeface="Arial" panose="020B0604020202020204" pitchFamily="34" charset="0"/>
-              <a:buChar char="•"/>
-              <a:defRPr sz="1800" kern="1200">
-                <a:solidFill>
-                  <a:schemeClr val="tx1"/>
-                </a:solidFill>
-                <a:latin typeface="+mn-lt"/>
-                <a:ea typeface="+mn-ea"/>
-                <a:cs typeface="+mn-cs"/>
-              </a:defRPr>
-            </a:lvl7pPr>
-            <a:lvl8pPr marL="3429000" indent="-228600" algn="l" defTabSz="914400" rtl="0" eaLnBrk="1" latinLnBrk="0" hangingPunct="1">
-              <a:lnSpc>
-                <a:spcPct val="90000"/>
-              </a:lnSpc>
-              <a:spcBef>
-                <a:spcPts val="500"/>
-              </a:spcBef>
-              <a:buFont typeface="Arial" panose="020B0604020202020204" pitchFamily="34" charset="0"/>
-              <a:buChar char="•"/>
-              <a:defRPr sz="1800" kern="1200">
-                <a:solidFill>
-                  <a:schemeClr val="tx1"/>
-                </a:solidFill>
-                <a:latin typeface="+mn-lt"/>
-                <a:ea typeface="+mn-ea"/>
-                <a:cs typeface="+mn-cs"/>
-              </a:defRPr>
-            </a:lvl8pPr>
-            <a:lvl9pPr marL="3886200" indent="-228600" algn="l" defTabSz="914400" rtl="0" eaLnBrk="1" latinLnBrk="0" hangingPunct="1">
-              <a:lnSpc>
-                <a:spcPct val="90000"/>
-              </a:lnSpc>
-              <a:spcBef>
-                <a:spcPts val="500"/>
-              </a:spcBef>
-              <a:buFont typeface="Arial" panose="020B0604020202020204" pitchFamily="34" charset="0"/>
-              <a:buChar char="•"/>
-              <a:defRPr sz="1800" kern="1200">
-                <a:solidFill>
-                  <a:schemeClr val="tx1"/>
-                </a:solidFill>
-                <a:latin typeface="+mn-lt"/>
-                <a:ea typeface="+mn-ea"/>
-                <a:cs typeface="+mn-cs"/>
-              </a:defRPr>
-            </a:lvl9pPr>
-          </a:lstStyle>
-          <a:p>
-            <a:pPr marL="0" indent="0">
-              <a:buFont typeface="Arial" panose="020B0604020202020204" pitchFamily="34" charset="0"/>
-              <a:buNone/>
-            </a:pPr>
-            <a:r>
-              <a:rPr lang="en-US" sz="2400" dirty="0">
-                <a:solidFill>
-                  <a:schemeClr val="bg1"/>
-                </a:solidFill>
-                <a:latin typeface="Agency FB" panose="020B0503020202020204" pitchFamily="34" charset="0"/>
-              </a:rPr>
-              <a:t>70% of the code on </a:t>
-            </a:r>
-            <a:r>
-              <a:rPr lang="en-US" sz="2400" dirty="0" err="1">
-                <a:solidFill>
-                  <a:schemeClr val="bg1"/>
-                </a:solidFill>
-                <a:latin typeface="Agency FB" panose="020B0503020202020204" pitchFamily="34" charset="0"/>
-              </a:rPr>
-              <a:t>github</a:t>
-            </a:r>
-            <a:r>
-              <a:rPr lang="en-US" sz="2400" dirty="0">
-                <a:solidFill>
-                  <a:schemeClr val="bg1"/>
-                </a:solidFill>
-                <a:latin typeface="Agency FB" panose="020B0503020202020204" pitchFamily="34" charset="0"/>
-              </a:rPr>
-              <a:t> consists of clones of previously created files</a:t>
-            </a:r>
-          </a:p>
-        </p:txBody>
-      </p:sp>
-    </p:spTree>
-    <p:extLst>
-      <p:ext uri="{BB962C8B-B14F-4D97-AF65-F5344CB8AC3E}">
-        <p14:creationId xmlns:p14="http://schemas.microsoft.com/office/powerpoint/2010/main" val="2880931181"/>
-      </p:ext>
-    </p:extLst>
-  </p:cSld>
-  <p:clrMapOvr>
-    <a:masterClrMapping/>
-  </p:clrMapOvr>
-  <p:timing>
-    <p:tnLst>
-      <p:par>
-        <p:cTn id="1" dur="indefinite" restart="never" nodeType="tmRoot">
-          <p:childTnLst>
-            <p:seq concurrent="1" nextAc="seek">
-              <p:cTn id="2" dur="indefinite" nodeType="mainSeq">
-                <p:childTnLst>
-                  <p:par>
-                    <p:cTn id="3" fill="hold">
-                      <p:stCondLst>
-                        <p:cond delay="indefinite"/>
-                      </p:stCondLst>
-                      <p:childTnLst>
-                        <p:par>
-                          <p:cTn id="4" fill="hold">
-                            <p:stCondLst>
-                              <p:cond delay="0"/>
-                            </p:stCondLst>
-                            <p:childTnLst>
-                              <p:par>
-                                <p:cTn id="5" presetID="10" presetClass="entr" presetSubtype="0" fill="hold" grpId="0" nodeType="clickEffect">
-                                  <p:stCondLst>
-                                    <p:cond delay="0"/>
-                                  </p:stCondLst>
-                                  <p:childTnLst>
-                                    <p:set>
-                                      <p:cBhvr>
-                                        <p:cTn id="6" dur="1" fill="hold">
-                                          <p:stCondLst>
-                                            <p:cond delay="0"/>
-                                          </p:stCondLst>
-                                        </p:cTn>
-                                        <p:tgtEl>
-                                          <p:spTgt spid="17"/>
-                                        </p:tgtEl>
-                                        <p:attrNameLst>
-                                          <p:attrName>style.visibility</p:attrName>
-                                        </p:attrNameLst>
-                                      </p:cBhvr>
-                                      <p:to>
-                                        <p:strVal val="visible"/>
-                                      </p:to>
-                                    </p:set>
-                                    <p:animEffect transition="in" filter="fade">
-                                      <p:cBhvr>
-                                        <p:cTn id="7" dur="500"/>
-                                        <p:tgtEl>
-                                          <p:spTgt spid="17"/>
-                                        </p:tgtEl>
-                                      </p:cBhvr>
-                                    </p:animEffect>
-                                  </p:childTnLst>
-                                </p:cTn>
-                              </p:par>
-                              <p:par>
-                                <p:cTn id="8" presetID="10" presetClass="entr" presetSubtype="0" fill="hold" grpId="0" nodeType="withEffect">
-                                  <p:stCondLst>
-                                    <p:cond delay="0"/>
-                                  </p:stCondLst>
-                                  <p:childTnLst>
-                                    <p:set>
-                                      <p:cBhvr>
-                                        <p:cTn id="9" dur="1" fill="hold">
-                                          <p:stCondLst>
-                                            <p:cond delay="0"/>
-                                          </p:stCondLst>
-                                        </p:cTn>
-                                        <p:tgtEl>
-                                          <p:spTgt spid="20"/>
-                                        </p:tgtEl>
-                                        <p:attrNameLst>
-                                          <p:attrName>style.visibility</p:attrName>
-                                        </p:attrNameLst>
-                                      </p:cBhvr>
-                                      <p:to>
-                                        <p:strVal val="visible"/>
-                                      </p:to>
-                                    </p:set>
-                                    <p:animEffect transition="in" filter="fade">
-                                      <p:cBhvr>
-                                        <p:cTn id="10" dur="500"/>
-                                        <p:tgtEl>
-                                          <p:spTgt spid="20"/>
-                                        </p:tgtEl>
-                                      </p:cBhvr>
-                                    </p:animEffect>
-                                  </p:childTnLst>
-                                </p:cTn>
-                              </p:par>
-                            </p:childTnLst>
-                          </p:cTn>
-                        </p:par>
-                      </p:childTnLst>
-                    </p:cTn>
-                  </p:par>
-                  <p:par>
-                    <p:cTn id="11" fill="hold">
-                      <p:stCondLst>
-                        <p:cond delay="indefinite"/>
-                      </p:stCondLst>
-                      <p:childTnLst>
-                        <p:par>
-                          <p:cTn id="12" fill="hold">
-                            <p:stCondLst>
-                              <p:cond delay="0"/>
-                            </p:stCondLst>
-                            <p:childTnLst>
-                              <p:par>
-                                <p:cTn id="13" presetID="10" presetClass="entr" presetSubtype="0" fill="hold" grpId="0" nodeType="clickEffect">
-                                  <p:stCondLst>
-                                    <p:cond delay="0"/>
-                                  </p:stCondLst>
-                                  <p:childTnLst>
-                                    <p:set>
-                                      <p:cBhvr>
-                                        <p:cTn id="14" dur="1" fill="hold">
-                                          <p:stCondLst>
-                                            <p:cond delay="0"/>
-                                          </p:stCondLst>
-                                        </p:cTn>
-                                        <p:tgtEl>
-                                          <p:spTgt spid="19"/>
-                                        </p:tgtEl>
-                                        <p:attrNameLst>
-                                          <p:attrName>style.visibility</p:attrName>
-                                        </p:attrNameLst>
-                                      </p:cBhvr>
-                                      <p:to>
-                                        <p:strVal val="visible"/>
-                                      </p:to>
-                                    </p:set>
-                                    <p:animEffect transition="in" filter="fade">
-                                      <p:cBhvr>
-                                        <p:cTn id="15" dur="500"/>
-                                        <p:tgtEl>
-                                          <p:spTgt spid="19"/>
-                                        </p:tgtEl>
-                                      </p:cBhvr>
-                                    </p:animEffect>
-                                  </p:childTnLst>
-                                </p:cTn>
-                              </p:par>
-                            </p:childTnLst>
-                          </p:cTn>
-                        </p:par>
-                      </p:childTnLst>
-                    </p:cTn>
-                  </p:par>
-                  <p:par>
-                    <p:cTn id="16" fill="hold">
-                      <p:stCondLst>
-                        <p:cond delay="indefinite"/>
-                      </p:stCondLst>
-                      <p:childTnLst>
-                        <p:par>
-                          <p:cTn id="17" fill="hold">
-                            <p:stCondLst>
-                              <p:cond delay="0"/>
-                            </p:stCondLst>
-                            <p:childTnLst>
-                              <p:par>
-                                <p:cTn id="18" presetID="10" presetClass="entr" presetSubtype="0" fill="hold" grpId="0" nodeType="clickEffect">
-                                  <p:stCondLst>
-                                    <p:cond delay="0"/>
-                                  </p:stCondLst>
-                                  <p:childTnLst>
-                                    <p:set>
-                                      <p:cBhvr>
-                                        <p:cTn id="19" dur="1" fill="hold">
-                                          <p:stCondLst>
-                                            <p:cond delay="0"/>
-                                          </p:stCondLst>
-                                        </p:cTn>
-                                        <p:tgtEl>
-                                          <p:spTgt spid="18">
-                                            <p:txEl>
-                                              <p:pRg st="0" end="0"/>
-                                            </p:txEl>
-                                          </p:spTgt>
-                                        </p:tgtEl>
-                                        <p:attrNameLst>
-                                          <p:attrName>style.visibility</p:attrName>
-                                        </p:attrNameLst>
-                                      </p:cBhvr>
-                                      <p:to>
-                                        <p:strVal val="visible"/>
-                                      </p:to>
-                                    </p:set>
-                                    <p:animEffect transition="in" filter="fade">
-                                      <p:cBhvr>
-                                        <p:cTn id="20" dur="500"/>
-                                        <p:tgtEl>
-                                          <p:spTgt spid="18">
-                                            <p:txEl>
-                                              <p:pRg st="0" end="0"/>
-                                            </p:txEl>
-                                          </p:spTgt>
-                                        </p:tgtEl>
-                                      </p:cBhvr>
-                                    </p:animEffect>
-                                  </p:childTnLst>
-                                </p:cTn>
-                              </p:par>
-                              <p:par>
-                                <p:cTn id="21" presetID="10" presetClass="entr" presetSubtype="0" fill="hold" grpId="0" nodeType="withEffect">
-                                  <p:stCondLst>
-                                    <p:cond delay="0"/>
-                                  </p:stCondLst>
-                                  <p:childTnLst>
-                                    <p:set>
-                                      <p:cBhvr>
-                                        <p:cTn id="22" dur="1" fill="hold">
-                                          <p:stCondLst>
-                                            <p:cond delay="0"/>
-                                          </p:stCondLst>
-                                        </p:cTn>
-                                        <p:tgtEl>
-                                          <p:spTgt spid="18">
-                                            <p:txEl>
-                                              <p:pRg st="1" end="1"/>
-                                            </p:txEl>
-                                          </p:spTgt>
-                                        </p:tgtEl>
-                                        <p:attrNameLst>
-                                          <p:attrName>style.visibility</p:attrName>
-                                        </p:attrNameLst>
-                                      </p:cBhvr>
-                                      <p:to>
-                                        <p:strVal val="visible"/>
-                                      </p:to>
-                                    </p:set>
-                                    <p:animEffect transition="in" filter="fade">
-                                      <p:cBhvr>
-                                        <p:cTn id="23" dur="500"/>
-                                        <p:tgtEl>
-                                          <p:spTgt spid="18">
-                                            <p:txEl>
-                                              <p:pRg st="1" end="1"/>
-                                            </p:txEl>
-                                          </p:spTgt>
-                                        </p:tgtEl>
-                                      </p:cBhvr>
-                                    </p:animEffect>
-                                  </p:childTnLst>
-                                </p:cTn>
-                              </p:par>
-                              <p:par>
-                                <p:cTn id="24" presetID="10" presetClass="entr" presetSubtype="0" fill="hold" grpId="0" nodeType="withEffect">
-                                  <p:stCondLst>
-                                    <p:cond delay="0"/>
-                                  </p:stCondLst>
-                                  <p:childTnLst>
-                                    <p:set>
-                                      <p:cBhvr>
-                                        <p:cTn id="25" dur="1" fill="hold">
-                                          <p:stCondLst>
-                                            <p:cond delay="0"/>
-                                          </p:stCondLst>
-                                        </p:cTn>
-                                        <p:tgtEl>
-                                          <p:spTgt spid="18">
-                                            <p:txEl>
-                                              <p:pRg st="2" end="2"/>
-                                            </p:txEl>
-                                          </p:spTgt>
-                                        </p:tgtEl>
-                                        <p:attrNameLst>
-                                          <p:attrName>style.visibility</p:attrName>
-                                        </p:attrNameLst>
-                                      </p:cBhvr>
-                                      <p:to>
-                                        <p:strVal val="visible"/>
-                                      </p:to>
-                                    </p:set>
-                                    <p:animEffect transition="in" filter="fade">
-                                      <p:cBhvr>
-                                        <p:cTn id="26" dur="500"/>
-                                        <p:tgtEl>
-                                          <p:spTgt spid="18">
-                                            <p:txEl>
-                                              <p:pRg st="2" end="2"/>
-                                            </p:txEl>
-                                          </p:spTgt>
-                                        </p:tgtEl>
-                                      </p:cBhvr>
-                                    </p:animEffect>
-                                  </p:childTnLst>
-                                </p:cTn>
-                              </p:par>
-                              <p:par>
-                                <p:cTn id="27" presetID="10" presetClass="entr" presetSubtype="0" fill="hold" grpId="0" nodeType="withEffect">
-                                  <p:stCondLst>
-                                    <p:cond delay="0"/>
-                                  </p:stCondLst>
-                                  <p:childTnLst>
-                                    <p:set>
-                                      <p:cBhvr>
-                                        <p:cTn id="28" dur="1" fill="hold">
-                                          <p:stCondLst>
-                                            <p:cond delay="0"/>
-                                          </p:stCondLst>
-                                        </p:cTn>
-                                        <p:tgtEl>
-                                          <p:spTgt spid="18">
-                                            <p:txEl>
-                                              <p:pRg st="3" end="3"/>
-                                            </p:txEl>
-                                          </p:spTgt>
-                                        </p:tgtEl>
-                                        <p:attrNameLst>
-                                          <p:attrName>style.visibility</p:attrName>
-                                        </p:attrNameLst>
-                                      </p:cBhvr>
-                                      <p:to>
-                                        <p:strVal val="visible"/>
-                                      </p:to>
-                                    </p:set>
-                                    <p:animEffect transition="in" filter="fade">
-                                      <p:cBhvr>
-                                        <p:cTn id="29" dur="500"/>
-                                        <p:tgtEl>
-                                          <p:spTgt spid="18">
-                                            <p:txEl>
-                                              <p:pRg st="3" end="3"/>
-                                            </p:txEl>
-                                          </p:spTgt>
-                                        </p:tgtEl>
-                                      </p:cBhvr>
-                                    </p:animEffect>
-                                  </p:childTnLst>
-                                </p:cTn>
-                              </p:par>
-                              <p:par>
-                                <p:cTn id="30" presetID="10" presetClass="entr" presetSubtype="0" fill="hold" grpId="0" nodeType="withEffect">
-                                  <p:stCondLst>
-                                    <p:cond delay="0"/>
-                                  </p:stCondLst>
-                                  <p:childTnLst>
-                                    <p:set>
-                                      <p:cBhvr>
-                                        <p:cTn id="31" dur="1" fill="hold">
-                                          <p:stCondLst>
-                                            <p:cond delay="0"/>
-                                          </p:stCondLst>
-                                        </p:cTn>
-                                        <p:tgtEl>
-                                          <p:spTgt spid="18">
-                                            <p:txEl>
-                                              <p:pRg st="4" end="4"/>
-                                            </p:txEl>
-                                          </p:spTgt>
-                                        </p:tgtEl>
-                                        <p:attrNameLst>
-                                          <p:attrName>style.visibility</p:attrName>
-                                        </p:attrNameLst>
-                                      </p:cBhvr>
-                                      <p:to>
-                                        <p:strVal val="visible"/>
-                                      </p:to>
-                                    </p:set>
-                                    <p:animEffect transition="in" filter="fade">
-                                      <p:cBhvr>
-                                        <p:cTn id="32" dur="500"/>
-                                        <p:tgtEl>
-                                          <p:spTgt spid="18">
-                                            <p:txEl>
-                                              <p:pRg st="4" end="4"/>
-                                            </p:txEl>
-                                          </p:spTgt>
-                                        </p:tgtEl>
-                                      </p:cBhvr>
-                                    </p:animEffect>
-                                  </p:childTnLst>
-                                </p:cTn>
-                              </p:par>
-                              <p:par>
-                                <p:cTn id="33" presetID="10" presetClass="entr" presetSubtype="0" fill="hold" grpId="0" nodeType="withEffect">
-                                  <p:stCondLst>
-                                    <p:cond delay="0"/>
-                                  </p:stCondLst>
-                                  <p:childTnLst>
-                                    <p:set>
-                                      <p:cBhvr>
-                                        <p:cTn id="34" dur="1" fill="hold">
-                                          <p:stCondLst>
-                                            <p:cond delay="0"/>
-                                          </p:stCondLst>
-                                        </p:cTn>
-                                        <p:tgtEl>
-                                          <p:spTgt spid="18">
-                                            <p:txEl>
-                                              <p:pRg st="5" end="5"/>
-                                            </p:txEl>
-                                          </p:spTgt>
-                                        </p:tgtEl>
-                                        <p:attrNameLst>
-                                          <p:attrName>style.visibility</p:attrName>
-                                        </p:attrNameLst>
-                                      </p:cBhvr>
-                                      <p:to>
-                                        <p:strVal val="visible"/>
-                                      </p:to>
-                                    </p:set>
-                                    <p:animEffect transition="in" filter="fade">
-                                      <p:cBhvr>
-                                        <p:cTn id="35" dur="500"/>
-                                        <p:tgtEl>
-                                          <p:spTgt spid="18">
-                                            <p:txEl>
-                                              <p:pRg st="5" end="5"/>
-                                            </p:txEl>
-                                          </p:spTgt>
-                                        </p:tgtEl>
-                                      </p:cBhvr>
-                                    </p:animEffect>
-                                  </p:childTnLst>
-                                </p:cTn>
-                              </p:par>
-                              <p:par>
-                                <p:cTn id="36" presetID="10" presetClass="entr" presetSubtype="0" fill="hold" grpId="0" nodeType="withEffect">
-                                  <p:stCondLst>
-                                    <p:cond delay="0"/>
-                                  </p:stCondLst>
-                                  <p:childTnLst>
-                                    <p:set>
-                                      <p:cBhvr>
-                                        <p:cTn id="37" dur="1" fill="hold">
-                                          <p:stCondLst>
-                                            <p:cond delay="0"/>
-                                          </p:stCondLst>
-                                        </p:cTn>
-                                        <p:tgtEl>
-                                          <p:spTgt spid="18">
-                                            <p:txEl>
-                                              <p:pRg st="6" end="6"/>
-                                            </p:txEl>
-                                          </p:spTgt>
-                                        </p:tgtEl>
-                                        <p:attrNameLst>
-                                          <p:attrName>style.visibility</p:attrName>
-                                        </p:attrNameLst>
-                                      </p:cBhvr>
-                                      <p:to>
-                                        <p:strVal val="visible"/>
-                                      </p:to>
-                                    </p:set>
-                                    <p:animEffect transition="in" filter="fade">
-                                      <p:cBhvr>
-                                        <p:cTn id="38" dur="500"/>
-                                        <p:tgtEl>
-                                          <p:spTgt spid="18">
-                                            <p:txEl>
-                                              <p:pRg st="6" end="6"/>
-                                            </p:txEl>
-                                          </p:spTgt>
-                                        </p:tgtEl>
-                                      </p:cBhvr>
-                                    </p:animEffect>
-                                  </p:childTnLst>
-                                </p:cTn>
-                              </p:par>
-                              <p:par>
-                                <p:cTn id="39" presetID="10" presetClass="entr" presetSubtype="0" fill="hold" grpId="0" nodeType="withEffect">
-                                  <p:stCondLst>
-                                    <p:cond delay="0"/>
-                                  </p:stCondLst>
-                                  <p:childTnLst>
-                                    <p:set>
-                                      <p:cBhvr>
-                                        <p:cTn id="40" dur="1" fill="hold">
-                                          <p:stCondLst>
-                                            <p:cond delay="0"/>
-                                          </p:stCondLst>
-                                        </p:cTn>
-                                        <p:tgtEl>
-                                          <p:spTgt spid="18">
-                                            <p:txEl>
-                                              <p:pRg st="7" end="7"/>
-                                            </p:txEl>
-                                          </p:spTgt>
-                                        </p:tgtEl>
-                                        <p:attrNameLst>
-                                          <p:attrName>style.visibility</p:attrName>
-                                        </p:attrNameLst>
-                                      </p:cBhvr>
-                                      <p:to>
-                                        <p:strVal val="visible"/>
-                                      </p:to>
-                                    </p:set>
-                                    <p:animEffect transition="in" filter="fade">
-                                      <p:cBhvr>
-                                        <p:cTn id="41" dur="500"/>
-                                        <p:tgtEl>
-                                          <p:spTgt spid="18">
-                                            <p:txEl>
-                                              <p:pRg st="7" end="7"/>
-                                            </p:txEl>
-                                          </p:spTgt>
-                                        </p:tgtEl>
-                                      </p:cBhvr>
-                                    </p:animEffect>
-                                  </p:childTnLst>
-                                </p:cTn>
-                              </p:par>
-                            </p:childTnLst>
-                          </p:cTn>
-                        </p:par>
-                      </p:childTnLst>
-                    </p:cTn>
-                  </p:par>
-                </p:childTnLst>
-              </p:cTn>
-              <p:prevCondLst>
-                <p:cond evt="onPrev" delay="0">
-                  <p:tgtEl>
-                    <p:sldTgt/>
-                  </p:tgtEl>
-                </p:cond>
-              </p:prevCondLst>
-              <p:nextCondLst>
-                <p:cond evt="onNext" delay="0">
-                  <p:tgtEl>
-                    <p:sldTgt/>
-                  </p:tgtEl>
-                </p:cond>
-              </p:nextCondLst>
-            </p:seq>
-          </p:childTnLst>
-        </p:cTn>
-      </p:par>
-    </p:tnLst>
-    <p:bldLst>
-      <p:bldP spid="17" grpId="0"/>
-      <p:bldP spid="18" grpId="0" uiExpand="1" build="p"/>
-      <p:bldP spid="19" grpId="0"/>
-      <p:bldP spid="20" grpId="0"/>
-    </p:bldLst>
-  </p:timing>
-</p:sld>
-</file>
-
 <file path=ppt/slides/slide5.xml><?xml version="1.0" encoding="utf-8"?>
 <p:sld xmlns:a="http://schemas.openxmlformats.org/drawingml/2006/main" xmlns:r="http://schemas.openxmlformats.org/officeDocument/2006/relationships" xmlns:p="http://schemas.openxmlformats.org/presentationml/2006/main" showMasterSp="0">
   <p:cSld>
@@ -35506,14 +36490,14 @@
           <p:nvPr>
             <p:extLst>
               <p:ext uri="{D42A27DB-BD31-4B8C-83A1-F6EECF244321}">
-                <p14:modId xmlns:p14="http://schemas.microsoft.com/office/powerpoint/2010/main" val="1449830783"/>
+                <p14:modId xmlns:p14="http://schemas.microsoft.com/office/powerpoint/2010/main" val="24541608"/>
               </p:ext>
             </p:extLst>
           </p:nvPr>
         </p:nvGraphicFramePr>
         <p:xfrm>
-          <a:off x="3810001" y="865909"/>
-          <a:ext cx="6492875" cy="5105400"/>
+          <a:off x="3580131" y="865909"/>
+          <a:ext cx="6979919" cy="5552308"/>
         </p:xfrm>
         <a:graphic>
           <a:graphicData uri="http://schemas.openxmlformats.org/drawingml/2006/diagram">
@@ -35583,7 +36567,7 @@
                   <a:srgbClr val="FFFFFF"/>
                 </a:solidFill>
               </a:rPr>
-              <a:t>Git</a:t>
+              <a:t>Topic</a:t>
             </a:r>
           </a:p>
         </p:txBody>
@@ -35772,7 +36756,7 @@
                 </a:solidFill>
                 <a:latin typeface="Consolas" panose="020B0609020204030204" pitchFamily="49" charset="0"/>
               </a:rPr>
-              <a:t>What are git Submodules</a:t>
+              <a:t>git Submodules</a:t>
             </a:r>
             <a:endParaRPr lang="bg-BG" dirty="0">
               <a:solidFill>
@@ -36825,15 +37809,6 @@
           </a:lstStyle>
           <a:p>
             <a:pPr algn="ctr"/>
-            <a:r>
-              <a:rPr lang="en-GB" dirty="0">
-                <a:solidFill>
-                  <a:schemeClr val="bg1"/>
-                </a:solidFill>
-                <a:latin typeface="Consolas" panose="020B0609020204030204" pitchFamily="49" charset="0"/>
-              </a:rPr>
-              <a:t>What is </a:t>
-            </a:r>
             <a:r>
               <a:rPr lang="en-GB" dirty="0" err="1">
                 <a:solidFill>

--- a/ngMeetup.pptx
+++ b/ngMeetup.pptx
@@ -4352,6 +4352,13 @@
         </dgm:presLayoutVars>
       </dgm:prSet>
       <dgm:spPr/>
+      <dgm:t>
+        <a:bodyPr/>
+        <a:lstStyle/>
+        <a:p>
+          <a:endParaRPr lang="bg-BG"/>
+        </a:p>
+      </dgm:t>
     </dgm:pt>
     <dgm:pt modelId="{57A82C8C-E481-452E-8130-B1514CAF9A98}" type="pres">
       <dgm:prSet presAssocID="{E934F060-2B4A-4CDF-B3F0-3D0BA3D3B321}" presName="thickLine" presStyleLbl="alignNode1" presStyleIdx="0" presStyleCnt="5"/>
@@ -4364,6 +4371,13 @@
     <dgm:pt modelId="{11620395-E6C7-4DAB-AA34-67485023D539}" type="pres">
       <dgm:prSet presAssocID="{E934F060-2B4A-4CDF-B3F0-3D0BA3D3B321}" presName="tx1" presStyleLbl="revTx" presStyleIdx="0" presStyleCnt="5"/>
       <dgm:spPr/>
+      <dgm:t>
+        <a:bodyPr/>
+        <a:lstStyle/>
+        <a:p>
+          <a:endParaRPr lang="bg-BG"/>
+        </a:p>
+      </dgm:t>
     </dgm:pt>
     <dgm:pt modelId="{49089279-80D4-42A6-8DAC-FD787F87E29F}" type="pres">
       <dgm:prSet presAssocID="{E934F060-2B4A-4CDF-B3F0-3D0BA3D3B321}" presName="vert1" presStyleCnt="0"/>
@@ -4380,6 +4394,13 @@
     <dgm:pt modelId="{8CC7DD70-3C57-44FF-8343-8051C9ABEA4A}" type="pres">
       <dgm:prSet presAssocID="{C3238E2F-F9B3-4293-9B7A-A7A068259777}" presName="tx1" presStyleLbl="revTx" presStyleIdx="1" presStyleCnt="5"/>
       <dgm:spPr/>
+      <dgm:t>
+        <a:bodyPr/>
+        <a:lstStyle/>
+        <a:p>
+          <a:endParaRPr lang="bg-BG"/>
+        </a:p>
+      </dgm:t>
     </dgm:pt>
     <dgm:pt modelId="{9C691BE6-B498-42BA-B77A-FFF1C9DEE006}" type="pres">
       <dgm:prSet presAssocID="{C3238E2F-F9B3-4293-9B7A-A7A068259777}" presName="vert1" presStyleCnt="0"/>
@@ -4396,6 +4417,13 @@
     <dgm:pt modelId="{CAD49209-D2F0-44D7-90D1-294D9C5B5245}" type="pres">
       <dgm:prSet presAssocID="{E9D493F8-4D6C-4AD4-8DA2-1A043CCB168D}" presName="tx1" presStyleLbl="revTx" presStyleIdx="2" presStyleCnt="5"/>
       <dgm:spPr/>
+      <dgm:t>
+        <a:bodyPr/>
+        <a:lstStyle/>
+        <a:p>
+          <a:endParaRPr lang="bg-BG"/>
+        </a:p>
+      </dgm:t>
     </dgm:pt>
     <dgm:pt modelId="{72AE0DB2-3B66-430D-AF5A-576B3E4D8CD8}" type="pres">
       <dgm:prSet presAssocID="{E9D493F8-4D6C-4AD4-8DA2-1A043CCB168D}" presName="vert1" presStyleCnt="0"/>
@@ -4412,6 +4440,13 @@
     <dgm:pt modelId="{2812CB5D-8CFD-4B86-B81B-C20A90E37D47}" type="pres">
       <dgm:prSet presAssocID="{693BFF5F-1CF9-49F3-A5EB-3860F8E1444F}" presName="tx1" presStyleLbl="revTx" presStyleIdx="3" presStyleCnt="5"/>
       <dgm:spPr/>
+      <dgm:t>
+        <a:bodyPr/>
+        <a:lstStyle/>
+        <a:p>
+          <a:endParaRPr lang="bg-BG"/>
+        </a:p>
+      </dgm:t>
     </dgm:pt>
     <dgm:pt modelId="{F74456B9-DC3B-4329-842E-B8CCB8CA8DF6}" type="pres">
       <dgm:prSet presAssocID="{693BFF5F-1CF9-49F3-A5EB-3860F8E1444F}" presName="vert1" presStyleCnt="0"/>
@@ -4428,6 +4463,13 @@
     <dgm:pt modelId="{696AA030-65F1-402B-975B-AECE57538A65}" type="pres">
       <dgm:prSet presAssocID="{98C1A611-1F69-4611-94CB-330B50F2E77D}" presName="tx1" presStyleLbl="revTx" presStyleIdx="4" presStyleCnt="5"/>
       <dgm:spPr/>
+      <dgm:t>
+        <a:bodyPr/>
+        <a:lstStyle/>
+        <a:p>
+          <a:endParaRPr lang="bg-BG"/>
+        </a:p>
+      </dgm:t>
     </dgm:pt>
     <dgm:pt modelId="{C5E9F4AD-489E-44CF-B801-5F7D7DBE9FD0}" type="pres">
       <dgm:prSet presAssocID="{98C1A611-1F69-4611-94CB-330B50F2E77D}" presName="vert1" presStyleCnt="0"/>
@@ -4435,17 +4477,17 @@
     </dgm:pt>
   </dgm:ptLst>
   <dgm:cxnLst>
-    <dgm:cxn modelId="{E87EBE0A-F3AE-4A3D-B5B1-EBF6C3D7D371}" type="presOf" srcId="{E934F060-2B4A-4CDF-B3F0-3D0BA3D3B321}" destId="{11620395-E6C7-4DAB-AA34-67485023D539}" srcOrd="0" destOrd="0" presId="urn:microsoft.com/office/officeart/2008/layout/LinedList"/>
+    <dgm:cxn modelId="{34A8438B-46DB-469E-9E4D-54F0DBA4BD7B}" type="presOf" srcId="{C3238E2F-F9B3-4293-9B7A-A7A068259777}" destId="{8CC7DD70-3C57-44FF-8343-8051C9ABEA4A}" srcOrd="0" destOrd="0" presId="urn:microsoft.com/office/officeart/2008/layout/LinedList"/>
+    <dgm:cxn modelId="{BB8095D8-E9D8-44BD-896B-03792974E56F}" srcId="{BF002E63-BECE-4330-ABB5-DAD0F6D6084C}" destId="{C3238E2F-F9B3-4293-9B7A-A7A068259777}" srcOrd="1" destOrd="0" parTransId="{E05A801D-D2EC-4F67-8DEB-F5D131970B97}" sibTransId="{F58A6501-067B-4705-89D6-6DAA1CFD3549}"/>
+    <dgm:cxn modelId="{042E69C8-3BB2-4167-BC65-E419CDD2CD6A}" type="presOf" srcId="{E9D493F8-4D6C-4AD4-8DA2-1A043CCB168D}" destId="{CAD49209-D2F0-44D7-90D1-294D9C5B5245}" srcOrd="0" destOrd="0" presId="urn:microsoft.com/office/officeart/2008/layout/LinedList"/>
+    <dgm:cxn modelId="{FF1A7FB7-D88D-4BBC-AA6D-F58AD866668A}" srcId="{BF002E63-BECE-4330-ABB5-DAD0F6D6084C}" destId="{98C1A611-1F69-4611-94CB-330B50F2E77D}" srcOrd="4" destOrd="0" parTransId="{DAE57B32-938B-4E27-9EB6-1B0C8A8877F4}" sibTransId="{1C86D1CE-28EC-4852-9DEB-41DDCFEF548D}"/>
     <dgm:cxn modelId="{F9FF4660-03E0-4BD6-984C-F4FFFA60351C}" type="presOf" srcId="{BF002E63-BECE-4330-ABB5-DAD0F6D6084C}" destId="{D51D8E35-DF1E-4014-8E7B-964650FFC41A}" srcOrd="0" destOrd="0" presId="urn:microsoft.com/office/officeart/2008/layout/LinedList"/>
+    <dgm:cxn modelId="{BEDD63AC-0B89-40A5-845A-DAEAFD3EBD92}" srcId="{BF002E63-BECE-4330-ABB5-DAD0F6D6084C}" destId="{E934F060-2B4A-4CDF-B3F0-3D0BA3D3B321}" srcOrd="0" destOrd="0" parTransId="{BD43F01F-1476-4975-8D68-B945D273AE02}" sibTransId="{1F86EB37-6425-4E8D-B514-636CBD47BFF0}"/>
+    <dgm:cxn modelId="{D32CB07F-803B-48E7-B5CF-C4ABE8DF072D}" srcId="{BF002E63-BECE-4330-ABB5-DAD0F6D6084C}" destId="{693BFF5F-1CF9-49F3-A5EB-3860F8E1444F}" srcOrd="3" destOrd="0" parTransId="{EF13AFE3-2C24-419D-BC9B-4FD90D35A122}" sibTransId="{14578C41-D5D7-49D6-BF82-CCF8E5AB9A21}"/>
     <dgm:cxn modelId="{98680872-8452-468E-AFC4-26F7929205BB}" srcId="{BF002E63-BECE-4330-ABB5-DAD0F6D6084C}" destId="{E9D493F8-4D6C-4AD4-8DA2-1A043CCB168D}" srcOrd="2" destOrd="0" parTransId="{297EE121-8B8D-47FE-A750-C8A645773AF8}" sibTransId="{D723AAC4-0EFB-4C58-9AA5-8F702C927E54}"/>
-    <dgm:cxn modelId="{D32CB07F-803B-48E7-B5CF-C4ABE8DF072D}" srcId="{BF002E63-BECE-4330-ABB5-DAD0F6D6084C}" destId="{693BFF5F-1CF9-49F3-A5EB-3860F8E1444F}" srcOrd="3" destOrd="0" parTransId="{EF13AFE3-2C24-419D-BC9B-4FD90D35A122}" sibTransId="{14578C41-D5D7-49D6-BF82-CCF8E5AB9A21}"/>
-    <dgm:cxn modelId="{34A8438B-46DB-469E-9E4D-54F0DBA4BD7B}" type="presOf" srcId="{C3238E2F-F9B3-4293-9B7A-A7A068259777}" destId="{8CC7DD70-3C57-44FF-8343-8051C9ABEA4A}" srcOrd="0" destOrd="0" presId="urn:microsoft.com/office/officeart/2008/layout/LinedList"/>
     <dgm:cxn modelId="{B3F2FF98-D28C-427C-A742-17B889562F95}" type="presOf" srcId="{98C1A611-1F69-4611-94CB-330B50F2E77D}" destId="{696AA030-65F1-402B-975B-AECE57538A65}" srcOrd="0" destOrd="0" presId="urn:microsoft.com/office/officeart/2008/layout/LinedList"/>
     <dgm:cxn modelId="{D8FABFA1-F9E6-4411-AB46-233A58511AAB}" type="presOf" srcId="{693BFF5F-1CF9-49F3-A5EB-3860F8E1444F}" destId="{2812CB5D-8CFD-4B86-B81B-C20A90E37D47}" srcOrd="0" destOrd="0" presId="urn:microsoft.com/office/officeart/2008/layout/LinedList"/>
-    <dgm:cxn modelId="{BEDD63AC-0B89-40A5-845A-DAEAFD3EBD92}" srcId="{BF002E63-BECE-4330-ABB5-DAD0F6D6084C}" destId="{E934F060-2B4A-4CDF-B3F0-3D0BA3D3B321}" srcOrd="0" destOrd="0" parTransId="{BD43F01F-1476-4975-8D68-B945D273AE02}" sibTransId="{1F86EB37-6425-4E8D-B514-636CBD47BFF0}"/>
-    <dgm:cxn modelId="{FF1A7FB7-D88D-4BBC-AA6D-F58AD866668A}" srcId="{BF002E63-BECE-4330-ABB5-DAD0F6D6084C}" destId="{98C1A611-1F69-4611-94CB-330B50F2E77D}" srcOrd="4" destOrd="0" parTransId="{DAE57B32-938B-4E27-9EB6-1B0C8A8877F4}" sibTransId="{1C86D1CE-28EC-4852-9DEB-41DDCFEF548D}"/>
-    <dgm:cxn modelId="{042E69C8-3BB2-4167-BC65-E419CDD2CD6A}" type="presOf" srcId="{E9D493F8-4D6C-4AD4-8DA2-1A043CCB168D}" destId="{CAD49209-D2F0-44D7-90D1-294D9C5B5245}" srcOrd="0" destOrd="0" presId="urn:microsoft.com/office/officeart/2008/layout/LinedList"/>
-    <dgm:cxn modelId="{BB8095D8-E9D8-44BD-896B-03792974E56F}" srcId="{BF002E63-BECE-4330-ABB5-DAD0F6D6084C}" destId="{C3238E2F-F9B3-4293-9B7A-A7A068259777}" srcOrd="1" destOrd="0" parTransId="{E05A801D-D2EC-4F67-8DEB-F5D131970B97}" sibTransId="{F58A6501-067B-4705-89D6-6DAA1CFD3549}"/>
+    <dgm:cxn modelId="{E87EBE0A-F3AE-4A3D-B5B1-EBF6C3D7D371}" type="presOf" srcId="{E934F060-2B4A-4CDF-B3F0-3D0BA3D3B321}" destId="{11620395-E6C7-4DAB-AA34-67485023D539}" srcOrd="0" destOrd="0" presId="urn:microsoft.com/office/officeart/2008/layout/LinedList"/>
     <dgm:cxn modelId="{87229D0D-6CE3-4276-95DD-945D4C56192C}" type="presParOf" srcId="{D51D8E35-DF1E-4014-8E7B-964650FFC41A}" destId="{57A82C8C-E481-452E-8130-B1514CAF9A98}" srcOrd="0" destOrd="0" presId="urn:microsoft.com/office/officeart/2008/layout/LinedList"/>
     <dgm:cxn modelId="{54A11481-42B6-4EFE-90E5-535D66040EEA}" type="presParOf" srcId="{D51D8E35-DF1E-4014-8E7B-964650FFC41A}" destId="{36462071-F94A-4443-90B1-982EB7BF77E6}" srcOrd="1" destOrd="0" presId="urn:microsoft.com/office/officeart/2008/layout/LinedList"/>
     <dgm:cxn modelId="{977CDCE6-365F-4C3A-8ED8-0C14258AF612}" type="presParOf" srcId="{36462071-F94A-4443-90B1-982EB7BF77E6}" destId="{11620395-E6C7-4DAB-AA34-67485023D539}" srcOrd="0" destOrd="0" presId="urn:microsoft.com/office/officeart/2008/layout/LinedList"/>
@@ -4693,6 +4735,13 @@
         </dgm:presLayoutVars>
       </dgm:prSet>
       <dgm:spPr/>
+      <dgm:t>
+        <a:bodyPr/>
+        <a:lstStyle/>
+        <a:p>
+          <a:endParaRPr lang="bg-BG"/>
+        </a:p>
+      </dgm:t>
     </dgm:pt>
     <dgm:pt modelId="{1B1873E2-300E-4C3F-8FC1-D86554207304}" type="pres">
       <dgm:prSet presAssocID="{7815C104-CE43-4919-8BA2-CB502E811F4F}" presName="hierFlow" presStyleCnt="0"/>
@@ -4719,6 +4768,13 @@
         </dgm:presLayoutVars>
       </dgm:prSet>
       <dgm:spPr/>
+      <dgm:t>
+        <a:bodyPr/>
+        <a:lstStyle/>
+        <a:p>
+          <a:endParaRPr lang="bg-BG"/>
+        </a:p>
+      </dgm:t>
     </dgm:pt>
     <dgm:pt modelId="{FB1A6526-621F-4D4A-9D11-F076C656F6B1}" type="pres">
       <dgm:prSet presAssocID="{F9EC044C-F551-43FE-A6D0-D285910A7989}" presName="hierChild2" presStyleCnt="0"/>
@@ -4727,6 +4783,13 @@
     <dgm:pt modelId="{A73CB5F1-7DCD-49AB-B428-44C1CA3A1151}" type="pres">
       <dgm:prSet presAssocID="{401941FF-D3C1-410F-8D2B-36404BFDB751}" presName="Name19" presStyleLbl="parChTrans1D2" presStyleIdx="0" presStyleCnt="2"/>
       <dgm:spPr/>
+      <dgm:t>
+        <a:bodyPr/>
+        <a:lstStyle/>
+        <a:p>
+          <a:endParaRPr lang="bg-BG"/>
+        </a:p>
+      </dgm:t>
     </dgm:pt>
     <dgm:pt modelId="{D9802415-09FA-4FCC-9C76-191DB225D005}" type="pres">
       <dgm:prSet presAssocID="{CE868991-77D9-405C-B0D0-C064682CC355}" presName="Name21" presStyleCnt="0"/>
@@ -4735,6 +4798,13 @@
     <dgm:pt modelId="{1DC5E6C5-8B97-442C-B959-B6C6D9A032AF}" type="pres">
       <dgm:prSet presAssocID="{CE868991-77D9-405C-B0D0-C064682CC355}" presName="level2Shape" presStyleLbl="node2" presStyleIdx="0" presStyleCnt="2" custScaleX="170946"/>
       <dgm:spPr/>
+      <dgm:t>
+        <a:bodyPr/>
+        <a:lstStyle/>
+        <a:p>
+          <a:endParaRPr lang="bg-BG"/>
+        </a:p>
+      </dgm:t>
     </dgm:pt>
     <dgm:pt modelId="{0C366B68-98A6-4C33-BC03-3ACD0A751B83}" type="pres">
       <dgm:prSet presAssocID="{CE868991-77D9-405C-B0D0-C064682CC355}" presName="hierChild3" presStyleCnt="0"/>
@@ -4743,6 +4813,13 @@
     <dgm:pt modelId="{872A211C-8F61-4BEB-84D9-9919B7907D6D}" type="pres">
       <dgm:prSet presAssocID="{B4E40442-031D-4EAF-BDF5-B1EF5E170995}" presName="Name19" presStyleLbl="parChTrans1D3" presStyleIdx="0" presStyleCnt="1"/>
       <dgm:spPr/>
+      <dgm:t>
+        <a:bodyPr/>
+        <a:lstStyle/>
+        <a:p>
+          <a:endParaRPr lang="bg-BG"/>
+        </a:p>
+      </dgm:t>
     </dgm:pt>
     <dgm:pt modelId="{A25E7CBE-21A5-4962-A0CA-F982AFA2D913}" type="pres">
       <dgm:prSet presAssocID="{63C96641-D50D-4C2F-AF75-A400C080658F}" presName="Name21" presStyleCnt="0"/>
@@ -4751,6 +4828,13 @@
     <dgm:pt modelId="{514531DF-6B95-4A30-AC19-8E767D2A770C}" type="pres">
       <dgm:prSet presAssocID="{63C96641-D50D-4C2F-AF75-A400C080658F}" presName="level2Shape" presStyleLbl="node3" presStyleIdx="0" presStyleCnt="1" custLinFactNeighborX="36519" custLinFactNeighborY="-14131"/>
       <dgm:spPr/>
+      <dgm:t>
+        <a:bodyPr/>
+        <a:lstStyle/>
+        <a:p>
+          <a:endParaRPr lang="bg-BG"/>
+        </a:p>
+      </dgm:t>
     </dgm:pt>
     <dgm:pt modelId="{4C901517-0D28-4F24-8CB7-446020811487}" type="pres">
       <dgm:prSet presAssocID="{63C96641-D50D-4C2F-AF75-A400C080658F}" presName="hierChild3" presStyleCnt="0"/>
@@ -4759,6 +4843,13 @@
     <dgm:pt modelId="{F29FB13E-D40A-4430-9594-C9D1D78FA1F9}" type="pres">
       <dgm:prSet presAssocID="{9BC8C20F-0F3F-4E46-97E4-912597A0C190}" presName="Name19" presStyleLbl="parChTrans1D2" presStyleIdx="1" presStyleCnt="2"/>
       <dgm:spPr/>
+      <dgm:t>
+        <a:bodyPr/>
+        <a:lstStyle/>
+        <a:p>
+          <a:endParaRPr lang="bg-BG"/>
+        </a:p>
+      </dgm:t>
     </dgm:pt>
     <dgm:pt modelId="{82EBFBD4-5C05-4D33-A4BD-7F7C938CFE69}" type="pres">
       <dgm:prSet presAssocID="{1391D3B3-5D9D-4FC6-B869-3C93ADF5740C}" presName="Name21" presStyleCnt="0"/>
@@ -4767,6 +4858,13 @@
     <dgm:pt modelId="{0CC7890C-655F-43F1-8FD5-1019139AC18C}" type="pres">
       <dgm:prSet presAssocID="{1391D3B3-5D9D-4FC6-B869-3C93ADF5740C}" presName="level2Shape" presStyleLbl="node2" presStyleIdx="1" presStyleCnt="2" custScaleX="159461"/>
       <dgm:spPr/>
+      <dgm:t>
+        <a:bodyPr/>
+        <a:lstStyle/>
+        <a:p>
+          <a:endParaRPr lang="bg-BG"/>
+        </a:p>
+      </dgm:t>
     </dgm:pt>
     <dgm:pt modelId="{0D0FE326-A0DF-46A5-A378-14FB51ADAE39}" type="pres">
       <dgm:prSet presAssocID="{1391D3B3-5D9D-4FC6-B869-3C93ADF5740C}" presName="hierChild3" presStyleCnt="0"/>
@@ -4778,18 +4876,18 @@
     </dgm:pt>
   </dgm:ptLst>
   <dgm:cxnLst>
-    <dgm:cxn modelId="{A5F29903-1555-4283-98FC-E484390577B1}" type="presOf" srcId="{1391D3B3-5D9D-4FC6-B869-3C93ADF5740C}" destId="{0CC7890C-655F-43F1-8FD5-1019139AC18C}" srcOrd="0" destOrd="0" presId="urn:microsoft.com/office/officeart/2005/8/layout/hierarchy6"/>
-    <dgm:cxn modelId="{85ABA807-2548-4893-BBAB-94C9F281E1CC}" type="presOf" srcId="{F9EC044C-F551-43FE-A6D0-D285910A7989}" destId="{D6D5882B-BCF9-4B6F-B30C-A730A850569E}" srcOrd="0" destOrd="0" presId="urn:microsoft.com/office/officeart/2005/8/layout/hierarchy6"/>
     <dgm:cxn modelId="{79F69C29-A058-4C01-9CEF-690804572E89}" srcId="{F9EC044C-F551-43FE-A6D0-D285910A7989}" destId="{1391D3B3-5D9D-4FC6-B869-3C93ADF5740C}" srcOrd="1" destOrd="0" parTransId="{9BC8C20F-0F3F-4E46-97E4-912597A0C190}" sibTransId="{8442ECBB-E55B-40D3-A2DB-286AD0CAC442}"/>
-    <dgm:cxn modelId="{463C405F-566D-43EE-BC4F-57E9CA3A642A}" type="presOf" srcId="{B4E40442-031D-4EAF-BDF5-B1EF5E170995}" destId="{872A211C-8F61-4BEB-84D9-9919B7907D6D}" srcOrd="0" destOrd="0" presId="urn:microsoft.com/office/officeart/2005/8/layout/hierarchy6"/>
+    <dgm:cxn modelId="{7771EA71-EEC9-4338-BCF8-7BFA5EFE3F09}" type="presOf" srcId="{9BC8C20F-0F3F-4E46-97E4-912597A0C190}" destId="{F29FB13E-D40A-4430-9594-C9D1D78FA1F9}" srcOrd="0" destOrd="0" presId="urn:microsoft.com/office/officeart/2005/8/layout/hierarchy6"/>
     <dgm:cxn modelId="{B6E58E65-5517-494E-B29B-58AD2EA7480F}" srcId="{F9EC044C-F551-43FE-A6D0-D285910A7989}" destId="{CE868991-77D9-405C-B0D0-C064682CC355}" srcOrd="0" destOrd="0" parTransId="{401941FF-D3C1-410F-8D2B-36404BFDB751}" sibTransId="{CEF30C8D-007A-41A7-A053-49C38EA6F7BF}"/>
-    <dgm:cxn modelId="{7771EA71-EEC9-4338-BCF8-7BFA5EFE3F09}" type="presOf" srcId="{9BC8C20F-0F3F-4E46-97E4-912597A0C190}" destId="{F29FB13E-D40A-4430-9594-C9D1D78FA1F9}" srcOrd="0" destOrd="0" presId="urn:microsoft.com/office/officeart/2005/8/layout/hierarchy6"/>
-    <dgm:cxn modelId="{470C9856-DAD0-41EF-A096-BB4F89F2FDBA}" type="presOf" srcId="{7815C104-CE43-4919-8BA2-CB502E811F4F}" destId="{DB7C2712-CB49-45E6-8501-31EA4FD7F60E}" srcOrd="0" destOrd="0" presId="urn:microsoft.com/office/officeart/2005/8/layout/hierarchy6"/>
-    <dgm:cxn modelId="{7DDCCEB1-7BFB-4321-B837-5D53AEFCC41F}" srcId="{7815C104-CE43-4919-8BA2-CB502E811F4F}" destId="{F9EC044C-F551-43FE-A6D0-D285910A7989}" srcOrd="0" destOrd="0" parTransId="{14132376-322A-4293-8A12-2FD068C30131}" sibTransId="{F977148C-4874-433D-80DA-B9C0E1B20BA6}"/>
-    <dgm:cxn modelId="{DE398FB8-9B4A-468F-897B-B0CAFEBDF49A}" type="presOf" srcId="{401941FF-D3C1-410F-8D2B-36404BFDB751}" destId="{A73CB5F1-7DCD-49AB-B428-44C1CA3A1151}" srcOrd="0" destOrd="0" presId="urn:microsoft.com/office/officeart/2005/8/layout/hierarchy6"/>
-    <dgm:cxn modelId="{9B57C4D0-8888-4803-B28D-B91AB21B7D7B}" srcId="{CE868991-77D9-405C-B0D0-C064682CC355}" destId="{63C96641-D50D-4C2F-AF75-A400C080658F}" srcOrd="0" destOrd="0" parTransId="{B4E40442-031D-4EAF-BDF5-B1EF5E170995}" sibTransId="{03BA262C-39B9-433D-A93D-5C898DDD0612}"/>
     <dgm:cxn modelId="{FE45DDE7-EB3A-4832-BBCB-63C2BAAC5689}" type="presOf" srcId="{CE868991-77D9-405C-B0D0-C064682CC355}" destId="{1DC5E6C5-8B97-442C-B959-B6C6D9A032AF}" srcOrd="0" destOrd="0" presId="urn:microsoft.com/office/officeart/2005/8/layout/hierarchy6"/>
     <dgm:cxn modelId="{7515C5E8-8E56-4124-934D-AFF3B909DB2D}" type="presOf" srcId="{63C96641-D50D-4C2F-AF75-A400C080658F}" destId="{514531DF-6B95-4A30-AC19-8E767D2A770C}" srcOrd="0" destOrd="0" presId="urn:microsoft.com/office/officeart/2005/8/layout/hierarchy6"/>
+    <dgm:cxn modelId="{85ABA807-2548-4893-BBAB-94C9F281E1CC}" type="presOf" srcId="{F9EC044C-F551-43FE-A6D0-D285910A7989}" destId="{D6D5882B-BCF9-4B6F-B30C-A730A850569E}" srcOrd="0" destOrd="0" presId="urn:microsoft.com/office/officeart/2005/8/layout/hierarchy6"/>
+    <dgm:cxn modelId="{DE398FB8-9B4A-468F-897B-B0CAFEBDF49A}" type="presOf" srcId="{401941FF-D3C1-410F-8D2B-36404BFDB751}" destId="{A73CB5F1-7DCD-49AB-B428-44C1CA3A1151}" srcOrd="0" destOrd="0" presId="urn:microsoft.com/office/officeart/2005/8/layout/hierarchy6"/>
+    <dgm:cxn modelId="{7DDCCEB1-7BFB-4321-B837-5D53AEFCC41F}" srcId="{7815C104-CE43-4919-8BA2-CB502E811F4F}" destId="{F9EC044C-F551-43FE-A6D0-D285910A7989}" srcOrd="0" destOrd="0" parTransId="{14132376-322A-4293-8A12-2FD068C30131}" sibTransId="{F977148C-4874-433D-80DA-B9C0E1B20BA6}"/>
+    <dgm:cxn modelId="{A5F29903-1555-4283-98FC-E484390577B1}" type="presOf" srcId="{1391D3B3-5D9D-4FC6-B869-3C93ADF5740C}" destId="{0CC7890C-655F-43F1-8FD5-1019139AC18C}" srcOrd="0" destOrd="0" presId="urn:microsoft.com/office/officeart/2005/8/layout/hierarchy6"/>
+    <dgm:cxn modelId="{463C405F-566D-43EE-BC4F-57E9CA3A642A}" type="presOf" srcId="{B4E40442-031D-4EAF-BDF5-B1EF5E170995}" destId="{872A211C-8F61-4BEB-84D9-9919B7907D6D}" srcOrd="0" destOrd="0" presId="urn:microsoft.com/office/officeart/2005/8/layout/hierarchy6"/>
+    <dgm:cxn modelId="{470C9856-DAD0-41EF-A096-BB4F89F2FDBA}" type="presOf" srcId="{7815C104-CE43-4919-8BA2-CB502E811F4F}" destId="{DB7C2712-CB49-45E6-8501-31EA4FD7F60E}" srcOrd="0" destOrd="0" presId="urn:microsoft.com/office/officeart/2005/8/layout/hierarchy6"/>
+    <dgm:cxn modelId="{9B57C4D0-8888-4803-B28D-B91AB21B7D7B}" srcId="{CE868991-77D9-405C-B0D0-C064682CC355}" destId="{63C96641-D50D-4C2F-AF75-A400C080658F}" srcOrd="0" destOrd="0" parTransId="{B4E40442-031D-4EAF-BDF5-B1EF5E170995}" sibTransId="{03BA262C-39B9-433D-A93D-5C898DDD0612}"/>
     <dgm:cxn modelId="{CBC3A50E-D9EE-437E-9A70-0D6356BA110B}" type="presParOf" srcId="{DB7C2712-CB49-45E6-8501-31EA4FD7F60E}" destId="{1B1873E2-300E-4C3F-8FC1-D86554207304}" srcOrd="0" destOrd="0" presId="urn:microsoft.com/office/officeart/2005/8/layout/hierarchy6"/>
     <dgm:cxn modelId="{59BDF059-1EE8-4E94-BF1B-60F2432B0892}" type="presParOf" srcId="{1B1873E2-300E-4C3F-8FC1-D86554207304}" destId="{0210FCAF-90F9-4324-AD83-D943C925A10C}" srcOrd="0" destOrd="0" presId="urn:microsoft.com/office/officeart/2005/8/layout/hierarchy6"/>
     <dgm:cxn modelId="{88681A99-0D36-4B8C-A034-B809D8D19C9F}" type="presParOf" srcId="{0210FCAF-90F9-4324-AD83-D943C925A10C}" destId="{92941F0F-E39C-4CD1-97F6-2E8C0113BCB0}" srcOrd="0" destOrd="0" presId="urn:microsoft.com/office/officeart/2005/8/layout/hierarchy6"/>
@@ -5103,6 +5201,13 @@
         </dgm:presLayoutVars>
       </dgm:prSet>
       <dgm:spPr/>
+      <dgm:t>
+        <a:bodyPr/>
+        <a:lstStyle/>
+        <a:p>
+          <a:endParaRPr lang="bg-BG"/>
+        </a:p>
+      </dgm:t>
     </dgm:pt>
     <dgm:pt modelId="{F3C0160D-62DE-4D28-AFE7-840307F4971D}" type="pres">
       <dgm:prSet presAssocID="{BFD62342-2858-433B-9E49-4A360742A97C}" presName="parentText" presStyleLbl="node1" presStyleIdx="0" presStyleCnt="2" custScaleX="100000" custScaleY="45072" custLinFactNeighborX="-726" custLinFactNeighborY="-89769">
@@ -5112,6 +5217,13 @@
         </dgm:presLayoutVars>
       </dgm:prSet>
       <dgm:spPr/>
+      <dgm:t>
+        <a:bodyPr/>
+        <a:lstStyle/>
+        <a:p>
+          <a:endParaRPr lang="bg-BG"/>
+        </a:p>
+      </dgm:t>
     </dgm:pt>
     <dgm:pt modelId="{33CAD0CA-F247-4C11-B45F-154431F80891}" type="pres">
       <dgm:prSet presAssocID="{BFD62342-2858-433B-9E49-4A360742A97C}" presName="childText" presStyleLbl="revTx" presStyleIdx="0" presStyleCnt="2" custLinFactNeighborX="503" custLinFactNeighborY="-38193">
@@ -5120,6 +5232,13 @@
         </dgm:presLayoutVars>
       </dgm:prSet>
       <dgm:spPr/>
+      <dgm:t>
+        <a:bodyPr/>
+        <a:lstStyle/>
+        <a:p>
+          <a:endParaRPr lang="bg-BG"/>
+        </a:p>
+      </dgm:t>
     </dgm:pt>
     <dgm:pt modelId="{A985ECAE-33B7-43B0-807C-F3A6C3D12D21}" type="pres">
       <dgm:prSet presAssocID="{54FF214C-6D65-4118-BF0B-B5030B49763B}" presName="parentText" presStyleLbl="node1" presStyleIdx="1" presStyleCnt="2" custScaleY="45072" custLinFactNeighborX="251" custLinFactNeighborY="-4793">
@@ -5129,6 +5248,13 @@
         </dgm:presLayoutVars>
       </dgm:prSet>
       <dgm:spPr/>
+      <dgm:t>
+        <a:bodyPr/>
+        <a:lstStyle/>
+        <a:p>
+          <a:endParaRPr lang="bg-BG"/>
+        </a:p>
+      </dgm:t>
     </dgm:pt>
     <dgm:pt modelId="{2E878F7A-8040-489B-9DCD-94B7E0D8E9BA}" type="pres">
       <dgm:prSet presAssocID="{54FF214C-6D65-4118-BF0B-B5030B49763B}" presName="childText" presStyleLbl="revTx" presStyleIdx="1" presStyleCnt="2" custLinFactNeighborX="503" custLinFactNeighborY="39126">
@@ -5137,22 +5263,29 @@
         </dgm:presLayoutVars>
       </dgm:prSet>
       <dgm:spPr/>
+      <dgm:t>
+        <a:bodyPr/>
+        <a:lstStyle/>
+        <a:p>
+          <a:endParaRPr lang="bg-BG"/>
+        </a:p>
+      </dgm:t>
     </dgm:pt>
   </dgm:ptLst>
   <dgm:cxnLst>
+    <dgm:cxn modelId="{1CAA79CB-FC9E-4F76-9420-7C195EC83CF5}" type="presOf" srcId="{DE39E3AE-1ADC-4AB1-89B6-58D60D7CE403}" destId="{2E878F7A-8040-489B-9DCD-94B7E0D8E9BA}" srcOrd="0" destOrd="1" presId="urn:microsoft.com/office/officeart/2005/8/layout/vList2"/>
+    <dgm:cxn modelId="{5F0E4461-F176-4B20-8183-7726FD41AD92}" srcId="{B2EBE465-4CA6-4D78-A17E-2C5573D89BEA}" destId="{54FF214C-6D65-4118-BF0B-B5030B49763B}" srcOrd="1" destOrd="0" parTransId="{046C2A46-5EFB-416C-B9AB-828B39CC9C63}" sibTransId="{9914721A-065C-430F-A8D9-C8B6C3EAAD9B}"/>
+    <dgm:cxn modelId="{82E6B3D4-27DE-4013-8468-E601D533C651}" srcId="{BFD62342-2858-433B-9E49-4A360742A97C}" destId="{F9604D3C-37E4-4A81-B68B-04748BDEDE65}" srcOrd="0" destOrd="0" parTransId="{9A928B76-FB8B-46F4-AE87-C24F7DFB1682}" sibTransId="{1CE68B62-6907-4694-AAFB-2059A742D2FE}"/>
+    <dgm:cxn modelId="{3705675B-D6CF-49A1-82C4-B256F86F99D5}" srcId="{BFD62342-2858-433B-9E49-4A360742A97C}" destId="{B9961A41-FA67-422E-9EDC-3DB56E2B000C}" srcOrd="1" destOrd="0" parTransId="{23262922-AE12-4F7D-AFA0-160FD927F1A9}" sibTransId="{55A804E7-6526-4F6A-A900-D4A2141D2BEF}"/>
+    <dgm:cxn modelId="{C96BA939-92F2-4FE6-B89C-A5391AA4D604}" type="presOf" srcId="{B2EBE465-4CA6-4D78-A17E-2C5573D89BEA}" destId="{F59A9D11-B89E-49E7-8B35-DF6342FD8DD8}" srcOrd="0" destOrd="0" presId="urn:microsoft.com/office/officeart/2005/8/layout/vList2"/>
+    <dgm:cxn modelId="{C89E0EAD-13F1-4E52-AD3A-9D82D22DA4DB}" type="presOf" srcId="{B9961A41-FA67-422E-9EDC-3DB56E2B000C}" destId="{33CAD0CA-F247-4C11-B45F-154431F80891}" srcOrd="0" destOrd="1" presId="urn:microsoft.com/office/officeart/2005/8/layout/vList2"/>
+    <dgm:cxn modelId="{BF55C25B-7A2F-4FB9-B2A8-F640B5A06DF7}" type="presOf" srcId="{B8ABC560-8CE4-45E7-9785-1BC8189CA404}" destId="{2E878F7A-8040-489B-9DCD-94B7E0D8E9BA}" srcOrd="0" destOrd="0" presId="urn:microsoft.com/office/officeart/2005/8/layout/vList2"/>
+    <dgm:cxn modelId="{E99AB7E3-A4AD-486C-BA86-F9815AE4E129}" type="presOf" srcId="{BFD62342-2858-433B-9E49-4A360742A97C}" destId="{F3C0160D-62DE-4D28-AFE7-840307F4971D}" srcOrd="0" destOrd="0" presId="urn:microsoft.com/office/officeart/2005/8/layout/vList2"/>
+    <dgm:cxn modelId="{51287633-CBD2-4FEF-9C9F-C6A288BE47F3}" srcId="{54FF214C-6D65-4118-BF0B-B5030B49763B}" destId="{B8ABC560-8CE4-45E7-9785-1BC8189CA404}" srcOrd="0" destOrd="0" parTransId="{DBF0C10D-DB3C-4A52-99A1-27CDCE24AE2A}" sibTransId="{132D2B08-8854-4FCB-BB92-9C5C4D5EEABA}"/>
+    <dgm:cxn modelId="{705C5F13-4ABF-4121-B40B-4708AA2585B0}" srcId="{B2EBE465-4CA6-4D78-A17E-2C5573D89BEA}" destId="{BFD62342-2858-433B-9E49-4A360742A97C}" srcOrd="0" destOrd="0" parTransId="{35B3C802-9D67-426F-8DC3-684D034ED7BC}" sibTransId="{010D0905-6439-4E9D-B5FD-1BCB38E59633}"/>
     <dgm:cxn modelId="{1E612D08-FD39-4889-BF89-B22B209501C4}" type="presOf" srcId="{54FF214C-6D65-4118-BF0B-B5030B49763B}" destId="{A985ECAE-33B7-43B0-807C-F3A6C3D12D21}" srcOrd="0" destOrd="0" presId="urn:microsoft.com/office/officeart/2005/8/layout/vList2"/>
-    <dgm:cxn modelId="{705C5F13-4ABF-4121-B40B-4708AA2585B0}" srcId="{B2EBE465-4CA6-4D78-A17E-2C5573D89BEA}" destId="{BFD62342-2858-433B-9E49-4A360742A97C}" srcOrd="0" destOrd="0" parTransId="{35B3C802-9D67-426F-8DC3-684D034ED7BC}" sibTransId="{010D0905-6439-4E9D-B5FD-1BCB38E59633}"/>
-    <dgm:cxn modelId="{51287633-CBD2-4FEF-9C9F-C6A288BE47F3}" srcId="{54FF214C-6D65-4118-BF0B-B5030B49763B}" destId="{B8ABC560-8CE4-45E7-9785-1BC8189CA404}" srcOrd="0" destOrd="0" parTransId="{DBF0C10D-DB3C-4A52-99A1-27CDCE24AE2A}" sibTransId="{132D2B08-8854-4FCB-BB92-9C5C4D5EEABA}"/>
-    <dgm:cxn modelId="{C96BA939-92F2-4FE6-B89C-A5391AA4D604}" type="presOf" srcId="{B2EBE465-4CA6-4D78-A17E-2C5573D89BEA}" destId="{F59A9D11-B89E-49E7-8B35-DF6342FD8DD8}" srcOrd="0" destOrd="0" presId="urn:microsoft.com/office/officeart/2005/8/layout/vList2"/>
-    <dgm:cxn modelId="{3705675B-D6CF-49A1-82C4-B256F86F99D5}" srcId="{BFD62342-2858-433B-9E49-4A360742A97C}" destId="{B9961A41-FA67-422E-9EDC-3DB56E2B000C}" srcOrd="1" destOrd="0" parTransId="{23262922-AE12-4F7D-AFA0-160FD927F1A9}" sibTransId="{55A804E7-6526-4F6A-A900-D4A2141D2BEF}"/>
-    <dgm:cxn modelId="{BF55C25B-7A2F-4FB9-B2A8-F640B5A06DF7}" type="presOf" srcId="{B8ABC560-8CE4-45E7-9785-1BC8189CA404}" destId="{2E878F7A-8040-489B-9DCD-94B7E0D8E9BA}" srcOrd="0" destOrd="0" presId="urn:microsoft.com/office/officeart/2005/8/layout/vList2"/>
-    <dgm:cxn modelId="{5F0E4461-F176-4B20-8183-7726FD41AD92}" srcId="{B2EBE465-4CA6-4D78-A17E-2C5573D89BEA}" destId="{54FF214C-6D65-4118-BF0B-B5030B49763B}" srcOrd="1" destOrd="0" parTransId="{046C2A46-5EFB-416C-B9AB-828B39CC9C63}" sibTransId="{9914721A-065C-430F-A8D9-C8B6C3EAAD9B}"/>
     <dgm:cxn modelId="{CEE24D43-4961-4655-AC87-EEF10A8D7929}" srcId="{54FF214C-6D65-4118-BF0B-B5030B49763B}" destId="{DE39E3AE-1ADC-4AB1-89B6-58D60D7CE403}" srcOrd="1" destOrd="0" parTransId="{9165A0F7-E743-4547-A093-544C4C5449B6}" sibTransId="{1AC45741-334A-4968-AF49-62CAB345C222}"/>
-    <dgm:cxn modelId="{C89E0EAD-13F1-4E52-AD3A-9D82D22DA4DB}" type="presOf" srcId="{B9961A41-FA67-422E-9EDC-3DB56E2B000C}" destId="{33CAD0CA-F247-4C11-B45F-154431F80891}" srcOrd="0" destOrd="1" presId="urn:microsoft.com/office/officeart/2005/8/layout/vList2"/>
     <dgm:cxn modelId="{8567AAC4-46EB-4675-998B-53F1ADAE0288}" type="presOf" srcId="{F9604D3C-37E4-4A81-B68B-04748BDEDE65}" destId="{33CAD0CA-F247-4C11-B45F-154431F80891}" srcOrd="0" destOrd="0" presId="urn:microsoft.com/office/officeart/2005/8/layout/vList2"/>
-    <dgm:cxn modelId="{1CAA79CB-FC9E-4F76-9420-7C195EC83CF5}" type="presOf" srcId="{DE39E3AE-1ADC-4AB1-89B6-58D60D7CE403}" destId="{2E878F7A-8040-489B-9DCD-94B7E0D8E9BA}" srcOrd="0" destOrd="1" presId="urn:microsoft.com/office/officeart/2005/8/layout/vList2"/>
-    <dgm:cxn modelId="{82E6B3D4-27DE-4013-8468-E601D533C651}" srcId="{BFD62342-2858-433B-9E49-4A360742A97C}" destId="{F9604D3C-37E4-4A81-B68B-04748BDEDE65}" srcOrd="0" destOrd="0" parTransId="{9A928B76-FB8B-46F4-AE87-C24F7DFB1682}" sibTransId="{1CE68B62-6907-4694-AAFB-2059A742D2FE}"/>
-    <dgm:cxn modelId="{E99AB7E3-A4AD-486C-BA86-F9815AE4E129}" type="presOf" srcId="{BFD62342-2858-433B-9E49-4A360742A97C}" destId="{F3C0160D-62DE-4D28-AFE7-840307F4971D}" srcOrd="0" destOrd="0" presId="urn:microsoft.com/office/officeart/2005/8/layout/vList2"/>
     <dgm:cxn modelId="{7A0636A1-6653-43A5-81E1-F2B4AD5E5C25}" type="presParOf" srcId="{F59A9D11-B89E-49E7-8B35-DF6342FD8DD8}" destId="{F3C0160D-62DE-4D28-AFE7-840307F4971D}" srcOrd="0" destOrd="0" presId="urn:microsoft.com/office/officeart/2005/8/layout/vList2"/>
     <dgm:cxn modelId="{DB4CB8C9-21A1-44F0-A6E5-83E26499AAA1}" type="presParOf" srcId="{F59A9D11-B89E-49E7-8B35-DF6342FD8DD8}" destId="{33CAD0CA-F247-4C11-B45F-154431F80891}" srcOrd="1" destOrd="0" presId="urn:microsoft.com/office/officeart/2005/8/layout/vList2"/>
     <dgm:cxn modelId="{6A3011A9-3961-44C2-A2FA-F92200DABC39}" type="presParOf" srcId="{F59A9D11-B89E-49E7-8B35-DF6342FD8DD8}" destId="{A985ECAE-33B7-43B0-807C-F3A6C3D12D21}" srcOrd="2" destOrd="0" presId="urn:microsoft.com/office/officeart/2005/8/layout/vList2"/>
@@ -5772,6 +5905,13 @@
         </dgm:presLayoutVars>
       </dgm:prSet>
       <dgm:spPr/>
+      <dgm:t>
+        <a:bodyPr/>
+        <a:lstStyle/>
+        <a:p>
+          <a:endParaRPr lang="bg-BG"/>
+        </a:p>
+      </dgm:t>
     </dgm:pt>
     <dgm:pt modelId="{D33A2FF8-A78E-4539-A2A5-886A470F6DDD}" type="pres">
       <dgm:prSet presAssocID="{2D1C2C37-7B6F-40B1-A9CA-81D6ABCF60B6}" presName="parentText" presStyleLbl="node1" presStyleIdx="0" presStyleCnt="2" custScaleY="45072" custLinFactNeighborY="-1499">
@@ -5781,6 +5921,13 @@
         </dgm:presLayoutVars>
       </dgm:prSet>
       <dgm:spPr/>
+      <dgm:t>
+        <a:bodyPr/>
+        <a:lstStyle/>
+        <a:p>
+          <a:endParaRPr lang="bg-BG"/>
+        </a:p>
+      </dgm:t>
     </dgm:pt>
     <dgm:pt modelId="{63635E32-510A-4D0F-A6CB-514E1BB4A76A}" type="pres">
       <dgm:prSet presAssocID="{2D1C2C37-7B6F-40B1-A9CA-81D6ABCF60B6}" presName="childText" presStyleLbl="revTx" presStyleIdx="0" presStyleCnt="2">
@@ -5789,6 +5936,13 @@
         </dgm:presLayoutVars>
       </dgm:prSet>
       <dgm:spPr/>
+      <dgm:t>
+        <a:bodyPr/>
+        <a:lstStyle/>
+        <a:p>
+          <a:endParaRPr lang="bg-BG"/>
+        </a:p>
+      </dgm:t>
     </dgm:pt>
     <dgm:pt modelId="{3DAD15C5-E00E-46B2-8F9F-C16C26702240}" type="pres">
       <dgm:prSet presAssocID="{D0BFF82B-A7A8-4C3D-8592-71D739244B7D}" presName="parentText" presStyleLbl="node1" presStyleIdx="1" presStyleCnt="2" custScaleY="45072" custLinFactNeighborX="251" custLinFactNeighborY="13935">
@@ -5798,6 +5952,13 @@
         </dgm:presLayoutVars>
       </dgm:prSet>
       <dgm:spPr/>
+      <dgm:t>
+        <a:bodyPr/>
+        <a:lstStyle/>
+        <a:p>
+          <a:endParaRPr lang="bg-BG"/>
+        </a:p>
+      </dgm:t>
     </dgm:pt>
     <dgm:pt modelId="{9F24B2B3-2DD0-4DD5-B684-2FEAB92C83D3}" type="pres">
       <dgm:prSet presAssocID="{D0BFF82B-A7A8-4C3D-8592-71D739244B7D}" presName="childText" presStyleLbl="revTx" presStyleIdx="1" presStyleCnt="2" custLinFactNeighborY="22923">
@@ -5806,36 +5967,43 @@
         </dgm:presLayoutVars>
       </dgm:prSet>
       <dgm:spPr/>
+      <dgm:t>
+        <a:bodyPr/>
+        <a:lstStyle/>
+        <a:p>
+          <a:endParaRPr lang="bg-BG"/>
+        </a:p>
+      </dgm:t>
     </dgm:pt>
   </dgm:ptLst>
   <dgm:cxnLst>
+    <dgm:cxn modelId="{2AF08FB2-CDBA-42EC-B580-A320AE824770}" srcId="{D0BFF82B-A7A8-4C3D-8592-71D739244B7D}" destId="{43FE9E25-A3F0-4C02-BBE0-B3083FD9BBA9}" srcOrd="4" destOrd="0" parTransId="{B441DF63-87D4-448B-B84A-CA2D9EF87A21}" sibTransId="{D6F7074E-5B9D-42FE-A061-A822A74B51B8}"/>
+    <dgm:cxn modelId="{97474B56-B1B9-466C-9687-64296651BC37}" type="presOf" srcId="{0E0A84E1-51A1-445D-824C-95823BD90A01}" destId="{63635E32-510A-4D0F-A6CB-514E1BB4A76A}" srcOrd="0" destOrd="5" presId="urn:microsoft.com/office/officeart/2005/8/layout/vList2"/>
+    <dgm:cxn modelId="{638C6965-EB2A-4696-99CD-09333BC4C6BA}" type="presOf" srcId="{211441B8-CBE6-4FD5-8A78-520242B1878D}" destId="{9F24B2B3-2DD0-4DD5-B684-2FEAB92C83D3}" srcOrd="0" destOrd="1" presId="urn:microsoft.com/office/officeart/2005/8/layout/vList2"/>
+    <dgm:cxn modelId="{E47BFAC9-E0C3-41BD-9CD6-DF035F81311F}" srcId="{2D1C2C37-7B6F-40B1-A9CA-81D6ABCF60B6}" destId="{12F34BAF-6175-44AB-934D-988B384C1DCF}" srcOrd="4" destOrd="0" parTransId="{299317F3-ABD4-4213-8E2B-D403F3859BEF}" sibTransId="{6881BE96-B44D-4C62-92D3-200FD5DA1561}"/>
+    <dgm:cxn modelId="{F7BC0BDB-CD31-4604-9558-6E855A4245D4}" type="presOf" srcId="{12F34BAF-6175-44AB-934D-988B384C1DCF}" destId="{63635E32-510A-4D0F-A6CB-514E1BB4A76A}" srcOrd="0" destOrd="4" presId="urn:microsoft.com/office/officeart/2005/8/layout/vList2"/>
     <dgm:cxn modelId="{3100BC05-A6D1-4D49-ACBD-E6BFD6D13873}" type="presOf" srcId="{43FE9E25-A3F0-4C02-BBE0-B3083FD9BBA9}" destId="{9F24B2B3-2DD0-4DD5-B684-2FEAB92C83D3}" srcOrd="0" destOrd="4" presId="urn:microsoft.com/office/officeart/2005/8/layout/vList2"/>
+    <dgm:cxn modelId="{BD3503C7-CAC1-460D-AAD1-5764C4C4A1C9}" type="presOf" srcId="{029E01F1-CC15-4C99-AD89-1C71356C4CD0}" destId="{9F24B2B3-2DD0-4DD5-B684-2FEAB92C83D3}" srcOrd="0" destOrd="3" presId="urn:microsoft.com/office/officeart/2005/8/layout/vList2"/>
+    <dgm:cxn modelId="{252BFE54-0B62-4A3B-ACBE-20A53ED47E29}" type="presOf" srcId="{7C9A7B70-31EE-44FE-BF13-E2CACCE44270}" destId="{63635E32-510A-4D0F-A6CB-514E1BB4A76A}" srcOrd="0" destOrd="0" presId="urn:microsoft.com/office/officeart/2005/8/layout/vList2"/>
+    <dgm:cxn modelId="{5ACD64F4-92F0-4B98-9515-01300379F857}" type="presOf" srcId="{98EEA278-1FE3-4D6E-9A9C-A473B72E5D7D}" destId="{9F24B2B3-2DD0-4DD5-B684-2FEAB92C83D3}" srcOrd="0" destOrd="2" presId="urn:microsoft.com/office/officeart/2005/8/layout/vList2"/>
+    <dgm:cxn modelId="{77ACFFBC-EFC3-4CE2-88B6-A4D2451B6389}" type="presOf" srcId="{39B4C99A-D81B-41ED-8BD5-04B764BAEAD2}" destId="{63635E32-510A-4D0F-A6CB-514E1BB4A76A}" srcOrd="0" destOrd="2" presId="urn:microsoft.com/office/officeart/2005/8/layout/vList2"/>
+    <dgm:cxn modelId="{D06C4BEF-0227-4478-AAE1-7BC4721F3C2E}" type="presOf" srcId="{C720FE5B-60A2-426B-AD66-BE5F09F21D72}" destId="{22E563E3-FF89-499C-8A40-84326503DEA1}" srcOrd="0" destOrd="0" presId="urn:microsoft.com/office/officeart/2005/8/layout/vList2"/>
+    <dgm:cxn modelId="{B751C80C-6ED6-474A-9108-57C464AFDAC5}" srcId="{2D1C2C37-7B6F-40B1-A9CA-81D6ABCF60B6}" destId="{7C9A7B70-31EE-44FE-BF13-E2CACCE44270}" srcOrd="0" destOrd="0" parTransId="{1AC6EBB4-E481-4212-B73B-95A814F1147B}" sibTransId="{4470643C-F1CB-4EDB-BC3C-DA7E22024A18}"/>
     <dgm:cxn modelId="{E26BE409-F8B2-4286-9EAB-0D7F75950A9A}" type="presOf" srcId="{D0BFF82B-A7A8-4C3D-8592-71D739244B7D}" destId="{3DAD15C5-E00E-46B2-8F9F-C16C26702240}" srcOrd="0" destOrd="0" presId="urn:microsoft.com/office/officeart/2005/8/layout/vList2"/>
-    <dgm:cxn modelId="{B751C80C-6ED6-474A-9108-57C464AFDAC5}" srcId="{2D1C2C37-7B6F-40B1-A9CA-81D6ABCF60B6}" destId="{7C9A7B70-31EE-44FE-BF13-E2CACCE44270}" srcOrd="0" destOrd="0" parTransId="{1AC6EBB4-E481-4212-B73B-95A814F1147B}" sibTransId="{4470643C-F1CB-4EDB-BC3C-DA7E22024A18}"/>
+    <dgm:cxn modelId="{CED2E24E-EE06-466E-A59B-079689D72EEC}" srcId="{D0BFF82B-A7A8-4C3D-8592-71D739244B7D}" destId="{211441B8-CBE6-4FD5-8A78-520242B1878D}" srcOrd="1" destOrd="0" parTransId="{5E050188-DCFC-4F26-B0C6-7A693B7CED8F}" sibTransId="{7102FD98-6C22-4865-B56A-0034B5203CB0}"/>
     <dgm:cxn modelId="{CFFF5813-43EC-4F5E-A998-18E3787B49D0}" srcId="{2D1C2C37-7B6F-40B1-A9CA-81D6ABCF60B6}" destId="{63A2325D-5A49-4FE7-9705-61046B779206}" srcOrd="1" destOrd="0" parTransId="{84C9B08C-199C-47A7-A718-6D3DFD8AAC3D}" sibTransId="{BE6B1607-EF21-4D31-A1AA-AF5DE920C2DF}"/>
+    <dgm:cxn modelId="{8AA725EB-4E2E-40E6-BC1F-572909F044D7}" srcId="{D0BFF82B-A7A8-4C3D-8592-71D739244B7D}" destId="{B13524C2-798A-4811-8898-791D44E12382}" srcOrd="0" destOrd="0" parTransId="{FAA44413-A722-41E6-A378-5B133FBC37A9}" sibTransId="{C96264FB-ACA8-4847-AE73-AC689F44201B}"/>
+    <dgm:cxn modelId="{B5D756B9-F6F0-4FDB-B698-3D0EE01A8DE3}" type="presOf" srcId="{2D1C2C37-7B6F-40B1-A9CA-81D6ABCF60B6}" destId="{D33A2FF8-A78E-4539-A2A5-886A470F6DDD}" srcOrd="0" destOrd="0" presId="urn:microsoft.com/office/officeart/2005/8/layout/vList2"/>
+    <dgm:cxn modelId="{B845826C-B806-480C-9849-13D939DD4D92}" srcId="{2D1C2C37-7B6F-40B1-A9CA-81D6ABCF60B6}" destId="{0E0A84E1-51A1-445D-824C-95823BD90A01}" srcOrd="5" destOrd="0" parTransId="{3BE6AB21-6891-4430-B5C4-CE08A9B6D738}" sibTransId="{0194A8C2-0011-4372-8A6A-25F38FA1FC99}"/>
     <dgm:cxn modelId="{BFE8CB2F-67A6-4F50-AD52-754C000DBDFD}" srcId="{D0BFF82B-A7A8-4C3D-8592-71D739244B7D}" destId="{029E01F1-CC15-4C99-AD89-1C71356C4CD0}" srcOrd="3" destOrd="0" parTransId="{5EDDBE18-39B0-4E63-AEA6-171986F5D351}" sibTransId="{3B722E7E-630A-4873-85AB-5D26368EAD2A}"/>
+    <dgm:cxn modelId="{4609BFCD-0CBC-461D-9FDF-A6B847D7572F}" srcId="{C720FE5B-60A2-426B-AD66-BE5F09F21D72}" destId="{D0BFF82B-A7A8-4C3D-8592-71D739244B7D}" srcOrd="1" destOrd="0" parTransId="{09C0AC1E-AF6A-431B-AD87-FE47BD6379D1}" sibTransId="{ABC9B147-D28E-415D-B5E8-0C1D6AE032A6}"/>
     <dgm:cxn modelId="{B886A25B-7B4C-4978-B088-742B00EAC7E7}" type="presOf" srcId="{33948E1B-3FDC-4494-A8E8-E67C02E9546F}" destId="{63635E32-510A-4D0F-A6CB-514E1BB4A76A}" srcOrd="0" destOrd="3" presId="urn:microsoft.com/office/officeart/2005/8/layout/vList2"/>
     <dgm:cxn modelId="{C788DD41-0DA1-4116-86D7-6F91473C42F1}" srcId="{2D1C2C37-7B6F-40B1-A9CA-81D6ABCF60B6}" destId="{39B4C99A-D81B-41ED-8BD5-04B764BAEAD2}" srcOrd="2" destOrd="0" parTransId="{9B035E87-8616-4E42-9EBD-D70DD168186C}" sibTransId="{64BC7690-7404-43DE-8389-6263E29612B2}"/>
-    <dgm:cxn modelId="{638C6965-EB2A-4696-99CD-09333BC4C6BA}" type="presOf" srcId="{211441B8-CBE6-4FD5-8A78-520242B1878D}" destId="{9F24B2B3-2DD0-4DD5-B684-2FEAB92C83D3}" srcOrd="0" destOrd="1" presId="urn:microsoft.com/office/officeart/2005/8/layout/vList2"/>
+    <dgm:cxn modelId="{2FB3C5DC-7FFC-4912-A2B7-BDCFAD30A5FD}" srcId="{C720FE5B-60A2-426B-AD66-BE5F09F21D72}" destId="{2D1C2C37-7B6F-40B1-A9CA-81D6ABCF60B6}" srcOrd="0" destOrd="0" parTransId="{0F5B595E-3164-4D3B-A796-C49FF2732186}" sibTransId="{3215FCF6-4A80-4895-A684-DB08ED6DA671}"/>
+    <dgm:cxn modelId="{2D77A983-5A67-488C-80DA-24C0DC578B25}" type="presOf" srcId="{B13524C2-798A-4811-8898-791D44E12382}" destId="{9F24B2B3-2DD0-4DD5-B684-2FEAB92C83D3}" srcOrd="0" destOrd="0" presId="urn:microsoft.com/office/officeart/2005/8/layout/vList2"/>
     <dgm:cxn modelId="{E080E665-3D34-4C22-871C-0CC027695333}" type="presOf" srcId="{63A2325D-5A49-4FE7-9705-61046B779206}" destId="{63635E32-510A-4D0F-A6CB-514E1BB4A76A}" srcOrd="0" destOrd="1" presId="urn:microsoft.com/office/officeart/2005/8/layout/vList2"/>
-    <dgm:cxn modelId="{B845826C-B806-480C-9849-13D939DD4D92}" srcId="{2D1C2C37-7B6F-40B1-A9CA-81D6ABCF60B6}" destId="{0E0A84E1-51A1-445D-824C-95823BD90A01}" srcOrd="5" destOrd="0" parTransId="{3BE6AB21-6891-4430-B5C4-CE08A9B6D738}" sibTransId="{0194A8C2-0011-4372-8A6A-25F38FA1FC99}"/>
-    <dgm:cxn modelId="{CED2E24E-EE06-466E-A59B-079689D72EEC}" srcId="{D0BFF82B-A7A8-4C3D-8592-71D739244B7D}" destId="{211441B8-CBE6-4FD5-8A78-520242B1878D}" srcOrd="1" destOrd="0" parTransId="{5E050188-DCFC-4F26-B0C6-7A693B7CED8F}" sibTransId="{7102FD98-6C22-4865-B56A-0034B5203CB0}"/>
-    <dgm:cxn modelId="{252BFE54-0B62-4A3B-ACBE-20A53ED47E29}" type="presOf" srcId="{7C9A7B70-31EE-44FE-BF13-E2CACCE44270}" destId="{63635E32-510A-4D0F-A6CB-514E1BB4A76A}" srcOrd="0" destOrd="0" presId="urn:microsoft.com/office/officeart/2005/8/layout/vList2"/>
-    <dgm:cxn modelId="{97474B56-B1B9-466C-9687-64296651BC37}" type="presOf" srcId="{0E0A84E1-51A1-445D-824C-95823BD90A01}" destId="{63635E32-510A-4D0F-A6CB-514E1BB4A76A}" srcOrd="0" destOrd="5" presId="urn:microsoft.com/office/officeart/2005/8/layout/vList2"/>
     <dgm:cxn modelId="{CCF6947C-42D1-4ECA-ACCA-38CD38886159}" srcId="{D0BFF82B-A7A8-4C3D-8592-71D739244B7D}" destId="{98EEA278-1FE3-4D6E-9A9C-A473B72E5D7D}" srcOrd="2" destOrd="0" parTransId="{FC6055B7-E551-460D-8ADC-67F12C739A7A}" sibTransId="{976A25A1-0307-4E1B-9F81-00BB518E8052}"/>
     <dgm:cxn modelId="{2487A87E-DE30-4748-90F3-CF9F7AC4D8AC}" srcId="{2D1C2C37-7B6F-40B1-A9CA-81D6ABCF60B6}" destId="{33948E1B-3FDC-4494-A8E8-E67C02E9546F}" srcOrd="3" destOrd="0" parTransId="{501E15BF-7896-4340-B361-3028B8C6DDA7}" sibTransId="{53241D81-C213-45B5-8CE6-FA41A9ADC69D}"/>
-    <dgm:cxn modelId="{2D77A983-5A67-488C-80DA-24C0DC578B25}" type="presOf" srcId="{B13524C2-798A-4811-8898-791D44E12382}" destId="{9F24B2B3-2DD0-4DD5-B684-2FEAB92C83D3}" srcOrd="0" destOrd="0" presId="urn:microsoft.com/office/officeart/2005/8/layout/vList2"/>
-    <dgm:cxn modelId="{2AF08FB2-CDBA-42EC-B580-A320AE824770}" srcId="{D0BFF82B-A7A8-4C3D-8592-71D739244B7D}" destId="{43FE9E25-A3F0-4C02-BBE0-B3083FD9BBA9}" srcOrd="4" destOrd="0" parTransId="{B441DF63-87D4-448B-B84A-CA2D9EF87A21}" sibTransId="{D6F7074E-5B9D-42FE-A061-A822A74B51B8}"/>
-    <dgm:cxn modelId="{B5D756B9-F6F0-4FDB-B698-3D0EE01A8DE3}" type="presOf" srcId="{2D1C2C37-7B6F-40B1-A9CA-81D6ABCF60B6}" destId="{D33A2FF8-A78E-4539-A2A5-886A470F6DDD}" srcOrd="0" destOrd="0" presId="urn:microsoft.com/office/officeart/2005/8/layout/vList2"/>
-    <dgm:cxn modelId="{77ACFFBC-EFC3-4CE2-88B6-A4D2451B6389}" type="presOf" srcId="{39B4C99A-D81B-41ED-8BD5-04B764BAEAD2}" destId="{63635E32-510A-4D0F-A6CB-514E1BB4A76A}" srcOrd="0" destOrd="2" presId="urn:microsoft.com/office/officeart/2005/8/layout/vList2"/>
-    <dgm:cxn modelId="{BD3503C7-CAC1-460D-AAD1-5764C4C4A1C9}" type="presOf" srcId="{029E01F1-CC15-4C99-AD89-1C71356C4CD0}" destId="{9F24B2B3-2DD0-4DD5-B684-2FEAB92C83D3}" srcOrd="0" destOrd="3" presId="urn:microsoft.com/office/officeart/2005/8/layout/vList2"/>
-    <dgm:cxn modelId="{E47BFAC9-E0C3-41BD-9CD6-DF035F81311F}" srcId="{2D1C2C37-7B6F-40B1-A9CA-81D6ABCF60B6}" destId="{12F34BAF-6175-44AB-934D-988B384C1DCF}" srcOrd="4" destOrd="0" parTransId="{299317F3-ABD4-4213-8E2B-D403F3859BEF}" sibTransId="{6881BE96-B44D-4C62-92D3-200FD5DA1561}"/>
-    <dgm:cxn modelId="{4609BFCD-0CBC-461D-9FDF-A6B847D7572F}" srcId="{C720FE5B-60A2-426B-AD66-BE5F09F21D72}" destId="{D0BFF82B-A7A8-4C3D-8592-71D739244B7D}" srcOrd="1" destOrd="0" parTransId="{09C0AC1E-AF6A-431B-AD87-FE47BD6379D1}" sibTransId="{ABC9B147-D28E-415D-B5E8-0C1D6AE032A6}"/>
-    <dgm:cxn modelId="{F7BC0BDB-CD31-4604-9558-6E855A4245D4}" type="presOf" srcId="{12F34BAF-6175-44AB-934D-988B384C1DCF}" destId="{63635E32-510A-4D0F-A6CB-514E1BB4A76A}" srcOrd="0" destOrd="4" presId="urn:microsoft.com/office/officeart/2005/8/layout/vList2"/>
-    <dgm:cxn modelId="{2FB3C5DC-7FFC-4912-A2B7-BDCFAD30A5FD}" srcId="{C720FE5B-60A2-426B-AD66-BE5F09F21D72}" destId="{2D1C2C37-7B6F-40B1-A9CA-81D6ABCF60B6}" srcOrd="0" destOrd="0" parTransId="{0F5B595E-3164-4D3B-A796-C49FF2732186}" sibTransId="{3215FCF6-4A80-4895-A684-DB08ED6DA671}"/>
-    <dgm:cxn modelId="{8AA725EB-4E2E-40E6-BC1F-572909F044D7}" srcId="{D0BFF82B-A7A8-4C3D-8592-71D739244B7D}" destId="{B13524C2-798A-4811-8898-791D44E12382}" srcOrd="0" destOrd="0" parTransId="{FAA44413-A722-41E6-A378-5B133FBC37A9}" sibTransId="{C96264FB-ACA8-4847-AE73-AC689F44201B}"/>
-    <dgm:cxn modelId="{D06C4BEF-0227-4478-AAE1-7BC4721F3C2E}" type="presOf" srcId="{C720FE5B-60A2-426B-AD66-BE5F09F21D72}" destId="{22E563E3-FF89-499C-8A40-84326503DEA1}" srcOrd="0" destOrd="0" presId="urn:microsoft.com/office/officeart/2005/8/layout/vList2"/>
-    <dgm:cxn modelId="{5ACD64F4-92F0-4B98-9515-01300379F857}" type="presOf" srcId="{98EEA278-1FE3-4D6E-9A9C-A473B72E5D7D}" destId="{9F24B2B3-2DD0-4DD5-B684-2FEAB92C83D3}" srcOrd="0" destOrd="2" presId="urn:microsoft.com/office/officeart/2005/8/layout/vList2"/>
     <dgm:cxn modelId="{FD0B7029-9486-489C-8991-0EF565B04EEB}" type="presParOf" srcId="{22E563E3-FF89-499C-8A40-84326503DEA1}" destId="{D33A2FF8-A78E-4539-A2A5-886A470F6DDD}" srcOrd="0" destOrd="0" presId="urn:microsoft.com/office/officeart/2005/8/layout/vList2"/>
     <dgm:cxn modelId="{AC84BA47-3DF9-4849-9D76-1802393EECE5}" type="presParOf" srcId="{22E563E3-FF89-499C-8A40-84326503DEA1}" destId="{63635E32-510A-4D0F-A6CB-514E1BB4A76A}" srcOrd="1" destOrd="0" presId="urn:microsoft.com/office/officeart/2005/8/layout/vList2"/>
     <dgm:cxn modelId="{4633B640-73D6-4A7F-B92C-9587D24FABDC}" type="presParOf" srcId="{22E563E3-FF89-499C-8A40-84326503DEA1}" destId="{3DAD15C5-E00E-46B2-8F9F-C16C26702240}" srcOrd="2" destOrd="0" presId="urn:microsoft.com/office/officeart/2005/8/layout/vList2"/>
@@ -6333,6 +6501,13 @@
         </dgm:presLayoutVars>
       </dgm:prSet>
       <dgm:spPr/>
+      <dgm:t>
+        <a:bodyPr/>
+        <a:lstStyle/>
+        <a:p>
+          <a:endParaRPr lang="bg-BG"/>
+        </a:p>
+      </dgm:t>
     </dgm:pt>
     <dgm:pt modelId="{D33A2FF8-A78E-4539-A2A5-886A470F6DDD}" type="pres">
       <dgm:prSet presAssocID="{2D1C2C37-7B6F-40B1-A9CA-81D6ABCF60B6}" presName="parentText" presStyleLbl="node1" presStyleIdx="0" presStyleCnt="2" custScaleY="45072" custLinFactNeighborX="114" custLinFactNeighborY="-34209">
@@ -6342,6 +6517,13 @@
         </dgm:presLayoutVars>
       </dgm:prSet>
       <dgm:spPr/>
+      <dgm:t>
+        <a:bodyPr/>
+        <a:lstStyle/>
+        <a:p>
+          <a:endParaRPr lang="bg-BG"/>
+        </a:p>
+      </dgm:t>
     </dgm:pt>
     <dgm:pt modelId="{63635E32-510A-4D0F-A6CB-514E1BB4A76A}" type="pres">
       <dgm:prSet presAssocID="{2D1C2C37-7B6F-40B1-A9CA-81D6ABCF60B6}" presName="childText" presStyleLbl="revTx" presStyleIdx="0" presStyleCnt="2" custLinFactNeighborX="114" custLinFactNeighborY="-12204">
@@ -6350,6 +6532,13 @@
         </dgm:presLayoutVars>
       </dgm:prSet>
       <dgm:spPr/>
+      <dgm:t>
+        <a:bodyPr/>
+        <a:lstStyle/>
+        <a:p>
+          <a:endParaRPr lang="bg-BG"/>
+        </a:p>
+      </dgm:t>
     </dgm:pt>
     <dgm:pt modelId="{3DAD15C5-E00E-46B2-8F9F-C16C26702240}" type="pres">
       <dgm:prSet presAssocID="{D0BFF82B-A7A8-4C3D-8592-71D739244B7D}" presName="parentText" presStyleLbl="node1" presStyleIdx="1" presStyleCnt="2" custScaleY="45072" custLinFactNeighborX="114" custLinFactNeighborY="10065">
@@ -6359,6 +6548,13 @@
         </dgm:presLayoutVars>
       </dgm:prSet>
       <dgm:spPr/>
+      <dgm:t>
+        <a:bodyPr/>
+        <a:lstStyle/>
+        <a:p>
+          <a:endParaRPr lang="bg-BG"/>
+        </a:p>
+      </dgm:t>
     </dgm:pt>
     <dgm:pt modelId="{9F24B2B3-2DD0-4DD5-B684-2FEAB92C83D3}" type="pres">
       <dgm:prSet presAssocID="{D0BFF82B-A7A8-4C3D-8592-71D739244B7D}" presName="childText" presStyleLbl="revTx" presStyleIdx="1" presStyleCnt="2" custLinFactNeighborX="114" custLinFactNeighborY="33017">
@@ -6367,30 +6563,37 @@
         </dgm:presLayoutVars>
       </dgm:prSet>
       <dgm:spPr/>
+      <dgm:t>
+        <a:bodyPr/>
+        <a:lstStyle/>
+        <a:p>
+          <a:endParaRPr lang="bg-BG"/>
+        </a:p>
+      </dgm:t>
     </dgm:pt>
   </dgm:ptLst>
   <dgm:cxnLst>
+    <dgm:cxn modelId="{878AEEBC-3681-4EFE-8E6D-7D3BE2DB6618}" type="presOf" srcId="{6F56E5B8-9922-452D-9ABD-FAA7050C33FF}" destId="{9F24B2B3-2DD0-4DD5-B684-2FEAB92C83D3}" srcOrd="0" destOrd="2" presId="urn:microsoft.com/office/officeart/2005/8/layout/vList2"/>
+    <dgm:cxn modelId="{E47BFAC9-E0C3-41BD-9CD6-DF035F81311F}" srcId="{2D1C2C37-7B6F-40B1-A9CA-81D6ABCF60B6}" destId="{12F34BAF-6175-44AB-934D-988B384C1DCF}" srcOrd="4" destOrd="0" parTransId="{299317F3-ABD4-4213-8E2B-D403F3859BEF}" sibTransId="{6881BE96-B44D-4C62-92D3-200FD5DA1561}"/>
+    <dgm:cxn modelId="{638C6965-EB2A-4696-99CD-09333BC4C6BA}" type="presOf" srcId="{211441B8-CBE6-4FD5-8A78-520242B1878D}" destId="{9F24B2B3-2DD0-4DD5-B684-2FEAB92C83D3}" srcOrd="0" destOrd="1" presId="urn:microsoft.com/office/officeart/2005/8/layout/vList2"/>
+    <dgm:cxn modelId="{F7BC0BDB-CD31-4604-9558-6E855A4245D4}" type="presOf" srcId="{12F34BAF-6175-44AB-934D-988B384C1DCF}" destId="{63635E32-510A-4D0F-A6CB-514E1BB4A76A}" srcOrd="0" destOrd="4" presId="urn:microsoft.com/office/officeart/2005/8/layout/vList2"/>
+    <dgm:cxn modelId="{252BFE54-0B62-4A3B-ACBE-20A53ED47E29}" type="presOf" srcId="{7C9A7B70-31EE-44FE-BF13-E2CACCE44270}" destId="{63635E32-510A-4D0F-A6CB-514E1BB4A76A}" srcOrd="0" destOrd="0" presId="urn:microsoft.com/office/officeart/2005/8/layout/vList2"/>
+    <dgm:cxn modelId="{A1C830A9-A749-4295-8619-6CDE84EA921C}" type="presOf" srcId="{A9583E49-78DF-4A6B-9E7C-D8B370B96D06}" destId="{63635E32-510A-4D0F-A6CB-514E1BB4A76A}" srcOrd="0" destOrd="2" presId="urn:microsoft.com/office/officeart/2005/8/layout/vList2"/>
+    <dgm:cxn modelId="{77ACFFBC-EFC3-4CE2-88B6-A4D2451B6389}" type="presOf" srcId="{39B4C99A-D81B-41ED-8BD5-04B764BAEAD2}" destId="{63635E32-510A-4D0F-A6CB-514E1BB4A76A}" srcOrd="0" destOrd="1" presId="urn:microsoft.com/office/officeart/2005/8/layout/vList2"/>
+    <dgm:cxn modelId="{D06C4BEF-0227-4478-AAE1-7BC4721F3C2E}" type="presOf" srcId="{C720FE5B-60A2-426B-AD66-BE5F09F21D72}" destId="{22E563E3-FF89-499C-8A40-84326503DEA1}" srcOrd="0" destOrd="0" presId="urn:microsoft.com/office/officeart/2005/8/layout/vList2"/>
+    <dgm:cxn modelId="{B751C80C-6ED6-474A-9108-57C464AFDAC5}" srcId="{2D1C2C37-7B6F-40B1-A9CA-81D6ABCF60B6}" destId="{7C9A7B70-31EE-44FE-BF13-E2CACCE44270}" srcOrd="0" destOrd="0" parTransId="{1AC6EBB4-E481-4212-B73B-95A814F1147B}" sibTransId="{4470643C-F1CB-4EDB-BC3C-DA7E22024A18}"/>
     <dgm:cxn modelId="{D683AD07-BE7C-4D83-ABD1-196ACBCD3B33}" srcId="{2D1C2C37-7B6F-40B1-A9CA-81D6ABCF60B6}" destId="{A9583E49-78DF-4A6B-9E7C-D8B370B96D06}" srcOrd="2" destOrd="0" parTransId="{02A5EF29-E8B9-4B76-B43C-D012A1DB035B}" sibTransId="{353B6727-C699-4160-A311-80F0273C94A7}"/>
     <dgm:cxn modelId="{E26BE409-F8B2-4286-9EAB-0D7F75950A9A}" type="presOf" srcId="{D0BFF82B-A7A8-4C3D-8592-71D739244B7D}" destId="{3DAD15C5-E00E-46B2-8F9F-C16C26702240}" srcOrd="0" destOrd="0" presId="urn:microsoft.com/office/officeart/2005/8/layout/vList2"/>
-    <dgm:cxn modelId="{B751C80C-6ED6-474A-9108-57C464AFDAC5}" srcId="{2D1C2C37-7B6F-40B1-A9CA-81D6ABCF60B6}" destId="{7C9A7B70-31EE-44FE-BF13-E2CACCE44270}" srcOrd="0" destOrd="0" parTransId="{1AC6EBB4-E481-4212-B73B-95A814F1147B}" sibTransId="{4470643C-F1CB-4EDB-BC3C-DA7E22024A18}"/>
+    <dgm:cxn modelId="{CED2E24E-EE06-466E-A59B-079689D72EEC}" srcId="{D0BFF82B-A7A8-4C3D-8592-71D739244B7D}" destId="{211441B8-CBE6-4FD5-8A78-520242B1878D}" srcOrd="1" destOrd="0" parTransId="{5E050188-DCFC-4F26-B0C6-7A693B7CED8F}" sibTransId="{7102FD98-6C22-4865-B56A-0034B5203CB0}"/>
+    <dgm:cxn modelId="{8AA725EB-4E2E-40E6-BC1F-572909F044D7}" srcId="{D0BFF82B-A7A8-4C3D-8592-71D739244B7D}" destId="{B13524C2-798A-4811-8898-791D44E12382}" srcOrd="0" destOrd="0" parTransId="{FAA44413-A722-41E6-A378-5B133FBC37A9}" sibTransId="{C96264FB-ACA8-4847-AE73-AC689F44201B}"/>
+    <dgm:cxn modelId="{B5D756B9-F6F0-4FDB-B698-3D0EE01A8DE3}" type="presOf" srcId="{2D1C2C37-7B6F-40B1-A9CA-81D6ABCF60B6}" destId="{D33A2FF8-A78E-4539-A2A5-886A470F6DDD}" srcOrd="0" destOrd="0" presId="urn:microsoft.com/office/officeart/2005/8/layout/vList2"/>
+    <dgm:cxn modelId="{4609BFCD-0CBC-461D-9FDF-A6B847D7572F}" srcId="{C720FE5B-60A2-426B-AD66-BE5F09F21D72}" destId="{D0BFF82B-A7A8-4C3D-8592-71D739244B7D}" srcOrd="1" destOrd="0" parTransId="{09C0AC1E-AF6A-431B-AD87-FE47BD6379D1}" sibTransId="{ABC9B147-D28E-415D-B5E8-0C1D6AE032A6}"/>
+    <dgm:cxn modelId="{392C0B7A-10F0-4C03-ACF8-3940EA9584E2}" srcId="{D0BFF82B-A7A8-4C3D-8592-71D739244B7D}" destId="{6F56E5B8-9922-452D-9ABD-FAA7050C33FF}" srcOrd="2" destOrd="0" parTransId="{3B47BBD9-3B42-48B2-A5CA-49CB060825DA}" sibTransId="{C662CF02-C70E-4C8F-80CC-3D4F192D53EE}"/>
     <dgm:cxn modelId="{B886A25B-7B4C-4978-B088-742B00EAC7E7}" type="presOf" srcId="{33948E1B-3FDC-4494-A8E8-E67C02E9546F}" destId="{63635E32-510A-4D0F-A6CB-514E1BB4A76A}" srcOrd="0" destOrd="3" presId="urn:microsoft.com/office/officeart/2005/8/layout/vList2"/>
     <dgm:cxn modelId="{C788DD41-0DA1-4116-86D7-6F91473C42F1}" srcId="{2D1C2C37-7B6F-40B1-A9CA-81D6ABCF60B6}" destId="{39B4C99A-D81B-41ED-8BD5-04B764BAEAD2}" srcOrd="1" destOrd="0" parTransId="{9B035E87-8616-4E42-9EBD-D70DD168186C}" sibTransId="{64BC7690-7404-43DE-8389-6263E29612B2}"/>
-    <dgm:cxn modelId="{638C6965-EB2A-4696-99CD-09333BC4C6BA}" type="presOf" srcId="{211441B8-CBE6-4FD5-8A78-520242B1878D}" destId="{9F24B2B3-2DD0-4DD5-B684-2FEAB92C83D3}" srcOrd="0" destOrd="1" presId="urn:microsoft.com/office/officeart/2005/8/layout/vList2"/>
-    <dgm:cxn modelId="{CED2E24E-EE06-466E-A59B-079689D72EEC}" srcId="{D0BFF82B-A7A8-4C3D-8592-71D739244B7D}" destId="{211441B8-CBE6-4FD5-8A78-520242B1878D}" srcOrd="1" destOrd="0" parTransId="{5E050188-DCFC-4F26-B0C6-7A693B7CED8F}" sibTransId="{7102FD98-6C22-4865-B56A-0034B5203CB0}"/>
-    <dgm:cxn modelId="{252BFE54-0B62-4A3B-ACBE-20A53ED47E29}" type="presOf" srcId="{7C9A7B70-31EE-44FE-BF13-E2CACCE44270}" destId="{63635E32-510A-4D0F-A6CB-514E1BB4A76A}" srcOrd="0" destOrd="0" presId="urn:microsoft.com/office/officeart/2005/8/layout/vList2"/>
-    <dgm:cxn modelId="{392C0B7A-10F0-4C03-ACF8-3940EA9584E2}" srcId="{D0BFF82B-A7A8-4C3D-8592-71D739244B7D}" destId="{6F56E5B8-9922-452D-9ABD-FAA7050C33FF}" srcOrd="2" destOrd="0" parTransId="{3B47BBD9-3B42-48B2-A5CA-49CB060825DA}" sibTransId="{C662CF02-C70E-4C8F-80CC-3D4F192D53EE}"/>
+    <dgm:cxn modelId="{2FB3C5DC-7FFC-4912-A2B7-BDCFAD30A5FD}" srcId="{C720FE5B-60A2-426B-AD66-BE5F09F21D72}" destId="{2D1C2C37-7B6F-40B1-A9CA-81D6ABCF60B6}" srcOrd="0" destOrd="0" parTransId="{0F5B595E-3164-4D3B-A796-C49FF2732186}" sibTransId="{3215FCF6-4A80-4895-A684-DB08ED6DA671}"/>
+    <dgm:cxn modelId="{2D77A983-5A67-488C-80DA-24C0DC578B25}" type="presOf" srcId="{B13524C2-798A-4811-8898-791D44E12382}" destId="{9F24B2B3-2DD0-4DD5-B684-2FEAB92C83D3}" srcOrd="0" destOrd="0" presId="urn:microsoft.com/office/officeart/2005/8/layout/vList2"/>
     <dgm:cxn modelId="{2487A87E-DE30-4748-90F3-CF9F7AC4D8AC}" srcId="{2D1C2C37-7B6F-40B1-A9CA-81D6ABCF60B6}" destId="{33948E1B-3FDC-4494-A8E8-E67C02E9546F}" srcOrd="3" destOrd="0" parTransId="{501E15BF-7896-4340-B361-3028B8C6DDA7}" sibTransId="{53241D81-C213-45B5-8CE6-FA41A9ADC69D}"/>
-    <dgm:cxn modelId="{2D77A983-5A67-488C-80DA-24C0DC578B25}" type="presOf" srcId="{B13524C2-798A-4811-8898-791D44E12382}" destId="{9F24B2B3-2DD0-4DD5-B684-2FEAB92C83D3}" srcOrd="0" destOrd="0" presId="urn:microsoft.com/office/officeart/2005/8/layout/vList2"/>
-    <dgm:cxn modelId="{A1C830A9-A749-4295-8619-6CDE84EA921C}" type="presOf" srcId="{A9583E49-78DF-4A6B-9E7C-D8B370B96D06}" destId="{63635E32-510A-4D0F-A6CB-514E1BB4A76A}" srcOrd="0" destOrd="2" presId="urn:microsoft.com/office/officeart/2005/8/layout/vList2"/>
-    <dgm:cxn modelId="{B5D756B9-F6F0-4FDB-B698-3D0EE01A8DE3}" type="presOf" srcId="{2D1C2C37-7B6F-40B1-A9CA-81D6ABCF60B6}" destId="{D33A2FF8-A78E-4539-A2A5-886A470F6DDD}" srcOrd="0" destOrd="0" presId="urn:microsoft.com/office/officeart/2005/8/layout/vList2"/>
-    <dgm:cxn modelId="{878AEEBC-3681-4EFE-8E6D-7D3BE2DB6618}" type="presOf" srcId="{6F56E5B8-9922-452D-9ABD-FAA7050C33FF}" destId="{9F24B2B3-2DD0-4DD5-B684-2FEAB92C83D3}" srcOrd="0" destOrd="2" presId="urn:microsoft.com/office/officeart/2005/8/layout/vList2"/>
-    <dgm:cxn modelId="{77ACFFBC-EFC3-4CE2-88B6-A4D2451B6389}" type="presOf" srcId="{39B4C99A-D81B-41ED-8BD5-04B764BAEAD2}" destId="{63635E32-510A-4D0F-A6CB-514E1BB4A76A}" srcOrd="0" destOrd="1" presId="urn:microsoft.com/office/officeart/2005/8/layout/vList2"/>
-    <dgm:cxn modelId="{E47BFAC9-E0C3-41BD-9CD6-DF035F81311F}" srcId="{2D1C2C37-7B6F-40B1-A9CA-81D6ABCF60B6}" destId="{12F34BAF-6175-44AB-934D-988B384C1DCF}" srcOrd="4" destOrd="0" parTransId="{299317F3-ABD4-4213-8E2B-D403F3859BEF}" sibTransId="{6881BE96-B44D-4C62-92D3-200FD5DA1561}"/>
-    <dgm:cxn modelId="{4609BFCD-0CBC-461D-9FDF-A6B847D7572F}" srcId="{C720FE5B-60A2-426B-AD66-BE5F09F21D72}" destId="{D0BFF82B-A7A8-4C3D-8592-71D739244B7D}" srcOrd="1" destOrd="0" parTransId="{09C0AC1E-AF6A-431B-AD87-FE47BD6379D1}" sibTransId="{ABC9B147-D28E-415D-B5E8-0C1D6AE032A6}"/>
-    <dgm:cxn modelId="{F7BC0BDB-CD31-4604-9558-6E855A4245D4}" type="presOf" srcId="{12F34BAF-6175-44AB-934D-988B384C1DCF}" destId="{63635E32-510A-4D0F-A6CB-514E1BB4A76A}" srcOrd="0" destOrd="4" presId="urn:microsoft.com/office/officeart/2005/8/layout/vList2"/>
-    <dgm:cxn modelId="{2FB3C5DC-7FFC-4912-A2B7-BDCFAD30A5FD}" srcId="{C720FE5B-60A2-426B-AD66-BE5F09F21D72}" destId="{2D1C2C37-7B6F-40B1-A9CA-81D6ABCF60B6}" srcOrd="0" destOrd="0" parTransId="{0F5B595E-3164-4D3B-A796-C49FF2732186}" sibTransId="{3215FCF6-4A80-4895-A684-DB08ED6DA671}"/>
-    <dgm:cxn modelId="{8AA725EB-4E2E-40E6-BC1F-572909F044D7}" srcId="{D0BFF82B-A7A8-4C3D-8592-71D739244B7D}" destId="{B13524C2-798A-4811-8898-791D44E12382}" srcOrd="0" destOrd="0" parTransId="{FAA44413-A722-41E6-A378-5B133FBC37A9}" sibTransId="{C96264FB-ACA8-4847-AE73-AC689F44201B}"/>
-    <dgm:cxn modelId="{D06C4BEF-0227-4478-AAE1-7BC4721F3C2E}" type="presOf" srcId="{C720FE5B-60A2-426B-AD66-BE5F09F21D72}" destId="{22E563E3-FF89-499C-8A40-84326503DEA1}" srcOrd="0" destOrd="0" presId="urn:microsoft.com/office/officeart/2005/8/layout/vList2"/>
     <dgm:cxn modelId="{FD0B7029-9486-489C-8991-0EF565B04EEB}" type="presParOf" srcId="{22E563E3-FF89-499C-8A40-84326503DEA1}" destId="{D33A2FF8-A78E-4539-A2A5-886A470F6DDD}" srcOrd="0" destOrd="0" presId="urn:microsoft.com/office/officeart/2005/8/layout/vList2"/>
     <dgm:cxn modelId="{AC84BA47-3DF9-4849-9D76-1802393EECE5}" type="presParOf" srcId="{22E563E3-FF89-499C-8A40-84326503DEA1}" destId="{63635E32-510A-4D0F-A6CB-514E1BB4A76A}" srcOrd="1" destOrd="0" presId="urn:microsoft.com/office/officeart/2005/8/layout/vList2"/>
     <dgm:cxn modelId="{4633B640-73D6-4A7F-B92C-9587D24FABDC}" type="presParOf" srcId="{22E563E3-FF89-499C-8A40-84326503DEA1}" destId="{3DAD15C5-E00E-46B2-8F9F-C16C26702240}" srcOrd="2" destOrd="0" presId="urn:microsoft.com/office/officeart/2005/8/layout/vList2"/>
@@ -6501,7 +6704,7 @@
         </a:bodyPr>
         <a:lstStyle/>
         <a:p>
-          <a:pPr marL="0" lvl="0" indent="0" algn="l" defTabSz="2311400">
+          <a:pPr lvl="0" algn="l" defTabSz="2311400">
             <a:lnSpc>
               <a:spcPct val="90000"/>
             </a:lnSpc>
@@ -6511,7 +6714,6 @@
             <a:spcAft>
               <a:spcPct val="35000"/>
             </a:spcAft>
-            <a:buNone/>
           </a:pPr>
           <a:r>
             <a:rPr lang="en-US" sz="5200" kern="1200" dirty="0">
@@ -6622,7 +6824,7 @@
         </a:bodyPr>
         <a:lstStyle/>
         <a:p>
-          <a:pPr marL="0" lvl="0" indent="0" algn="l" defTabSz="2311400">
+          <a:pPr lvl="0" algn="l" defTabSz="2311400">
             <a:lnSpc>
               <a:spcPct val="90000"/>
             </a:lnSpc>
@@ -6632,7 +6834,6 @@
             <a:spcAft>
               <a:spcPct val="35000"/>
             </a:spcAft>
-            <a:buNone/>
           </a:pPr>
           <a:r>
             <a:rPr lang="en-US" sz="5200" kern="1200" dirty="0" err="1">
@@ -6743,7 +6944,7 @@
         </a:bodyPr>
         <a:lstStyle/>
         <a:p>
-          <a:pPr marL="0" lvl="0" indent="0" algn="l" defTabSz="2311400">
+          <a:pPr lvl="0" algn="l" defTabSz="2311400">
             <a:lnSpc>
               <a:spcPct val="90000"/>
             </a:lnSpc>
@@ -6753,7 +6954,6 @@
             <a:spcAft>
               <a:spcPct val="35000"/>
             </a:spcAft>
-            <a:buNone/>
           </a:pPr>
           <a:r>
             <a:rPr lang="en-GB" sz="5200" kern="1200" dirty="0">
@@ -6864,7 +7064,7 @@
         </a:bodyPr>
         <a:lstStyle/>
         <a:p>
-          <a:pPr marL="0" lvl="0" indent="0" algn="l" defTabSz="2311400">
+          <a:pPr lvl="0" algn="l" defTabSz="2311400">
             <a:lnSpc>
               <a:spcPct val="90000"/>
             </a:lnSpc>
@@ -6874,7 +7074,6 @@
             <a:spcAft>
               <a:spcPct val="35000"/>
             </a:spcAft>
-            <a:buNone/>
           </a:pPr>
           <a:r>
             <a:rPr lang="en-US" sz="5200" kern="1200" dirty="0">
@@ -6985,7 +7184,7 @@
         </a:bodyPr>
         <a:lstStyle/>
         <a:p>
-          <a:pPr marL="0" lvl="0" indent="0" algn="l" defTabSz="2311400">
+          <a:pPr lvl="0" algn="l" defTabSz="2311400">
             <a:lnSpc>
               <a:spcPct val="90000"/>
             </a:lnSpc>
@@ -6995,7 +7194,6 @@
             <a:spcAft>
               <a:spcPct val="35000"/>
             </a:spcAft>
-            <a:buNone/>
           </a:pPr>
           <a:r>
             <a:rPr lang="en-US" sz="5200" kern="1200" dirty="0" err="1">
@@ -7083,7 +7281,7 @@
         </a:bodyPr>
         <a:lstStyle/>
         <a:p>
-          <a:pPr marL="0" lvl="0" indent="0" algn="ctr" defTabSz="1289050">
+          <a:pPr lvl="0" algn="ctr" defTabSz="1289050">
             <a:lnSpc>
               <a:spcPct val="90000"/>
             </a:lnSpc>
@@ -7093,7 +7291,6 @@
             <a:spcAft>
               <a:spcPct val="35000"/>
             </a:spcAft>
-            <a:buNone/>
           </a:pPr>
           <a:r>
             <a:rPr lang="en-US" sz="2900" kern="1200" dirty="0"/>
@@ -7218,7 +7415,7 @@
         </a:bodyPr>
         <a:lstStyle/>
         <a:p>
-          <a:pPr marL="0" lvl="0" indent="0" algn="ctr" defTabSz="1289050">
+          <a:pPr lvl="0" algn="ctr" defTabSz="1289050">
             <a:lnSpc>
               <a:spcPct val="90000"/>
             </a:lnSpc>
@@ -7228,7 +7425,6 @@
             <a:spcAft>
               <a:spcPct val="35000"/>
             </a:spcAft>
-            <a:buNone/>
           </a:pPr>
           <a:r>
             <a:rPr lang="en-US" sz="2900" kern="1200" dirty="0"/>
@@ -7353,7 +7549,7 @@
         </a:bodyPr>
         <a:lstStyle/>
         <a:p>
-          <a:pPr marL="0" lvl="0" indent="0" algn="ctr" defTabSz="1289050">
+          <a:pPr lvl="0" algn="ctr" defTabSz="1289050">
             <a:lnSpc>
               <a:spcPct val="90000"/>
             </a:lnSpc>
@@ -7363,7 +7559,6 @@
             <a:spcAft>
               <a:spcPct val="35000"/>
             </a:spcAft>
-            <a:buNone/>
           </a:pPr>
           <a:r>
             <a:rPr lang="en-US" sz="2900" kern="1200" dirty="0"/>
@@ -7488,7 +7683,7 @@
         </a:bodyPr>
         <a:lstStyle/>
         <a:p>
-          <a:pPr marL="0" lvl="0" indent="0" algn="ctr" defTabSz="1289050">
+          <a:pPr lvl="0" algn="ctr" defTabSz="1289050">
             <a:lnSpc>
               <a:spcPct val="90000"/>
             </a:lnSpc>
@@ -7498,7 +7693,6 @@
             <a:spcAft>
               <a:spcPct val="35000"/>
             </a:spcAft>
-            <a:buNone/>
           </a:pPr>
           <a:r>
             <a:rPr lang="en-US" sz="2900" kern="1200" dirty="0"/>
@@ -7574,7 +7768,7 @@
         </a:bodyPr>
         <a:lstStyle/>
         <a:p>
-          <a:pPr marL="0" lvl="0" indent="0" algn="l" defTabSz="1244600">
+          <a:pPr lvl="0" algn="l" defTabSz="1244600">
             <a:lnSpc>
               <a:spcPct val="90000"/>
             </a:lnSpc>
@@ -7584,7 +7778,6 @@
             <a:spcAft>
               <a:spcPct val="35000"/>
             </a:spcAft>
-            <a:buNone/>
           </a:pPr>
           <a:r>
             <a:rPr lang="en-US" sz="2800" kern="1200" dirty="0"/>
@@ -7645,7 +7838,7 @@
             <a:spcAft>
               <a:spcPct val="20000"/>
             </a:spcAft>
-            <a:buChar char="•"/>
+            <a:buChar char="••"/>
           </a:pPr>
           <a:r>
             <a:rPr lang="en-US" sz="2200" kern="1200" dirty="0">
@@ -7672,7 +7865,7 @@
             <a:spcAft>
               <a:spcPct val="20000"/>
             </a:spcAft>
-            <a:buChar char="•"/>
+            <a:buChar char="••"/>
           </a:pPr>
           <a:r>
             <a:rPr lang="en-US" sz="2200" kern="1200" dirty="0">
@@ -7744,7 +7937,7 @@
         </a:bodyPr>
         <a:lstStyle/>
         <a:p>
-          <a:pPr marL="0" lvl="0" indent="0" algn="l" defTabSz="1244600">
+          <a:pPr lvl="0" algn="l" defTabSz="1244600">
             <a:lnSpc>
               <a:spcPct val="90000"/>
             </a:lnSpc>
@@ -7754,7 +7947,6 @@
             <a:spcAft>
               <a:spcPct val="35000"/>
             </a:spcAft>
-            <a:buNone/>
           </a:pPr>
           <a:r>
             <a:rPr lang="en-US" sz="2800" kern="1200" dirty="0"/>
@@ -7815,7 +8007,7 @@
             <a:spcAft>
               <a:spcPct val="20000"/>
             </a:spcAft>
-            <a:buChar char="•"/>
+            <a:buChar char="••"/>
           </a:pPr>
           <a:r>
             <a:rPr lang="en-US" sz="2200" kern="1200" dirty="0">
@@ -7842,7 +8034,7 @@
             <a:spcAft>
               <a:spcPct val="20000"/>
             </a:spcAft>
-            <a:buChar char="•"/>
+            <a:buChar char="••"/>
           </a:pPr>
           <a:r>
             <a:rPr lang="en-US" sz="2200" kern="1200" dirty="0">
@@ -7921,7 +8113,7 @@
         </a:bodyPr>
         <a:lstStyle/>
         <a:p>
-          <a:pPr marL="0" lvl="0" indent="0" algn="l" defTabSz="1244600">
+          <a:pPr lvl="0" algn="l" defTabSz="1244600">
             <a:lnSpc>
               <a:spcPct val="90000"/>
             </a:lnSpc>
@@ -7931,7 +8123,6 @@
             <a:spcAft>
               <a:spcPct val="35000"/>
             </a:spcAft>
-            <a:buNone/>
           </a:pPr>
           <a:r>
             <a:rPr lang="en-US" sz="2800" kern="1200" dirty="0"/>
@@ -7992,7 +8183,7 @@
             <a:spcAft>
               <a:spcPct val="20000"/>
             </a:spcAft>
-            <a:buChar char="•"/>
+            <a:buChar char="••"/>
           </a:pPr>
           <a:r>
             <a:rPr lang="en-US" sz="2200" kern="1200" dirty="0">
@@ -8019,7 +8210,7 @@
             <a:spcAft>
               <a:spcPct val="20000"/>
             </a:spcAft>
-            <a:buChar char="•"/>
+            <a:buChar char="••"/>
           </a:pPr>
           <a:r>
             <a:rPr lang="en-US" sz="2200" kern="1200" dirty="0">
@@ -8046,7 +8237,7 @@
             <a:spcAft>
               <a:spcPct val="20000"/>
             </a:spcAft>
-            <a:buChar char="•"/>
+            <a:buChar char="••"/>
           </a:pPr>
           <a:r>
             <a:rPr lang="en-US" sz="2200" kern="1200" dirty="0">
@@ -8073,7 +8264,7 @@
             <a:spcAft>
               <a:spcPct val="20000"/>
             </a:spcAft>
-            <a:buChar char="•"/>
+            <a:buChar char="••"/>
           </a:pPr>
           <a:r>
             <a:rPr lang="en-US" sz="2200" kern="1200" dirty="0">
@@ -8100,7 +8291,7 @@
             <a:spcAft>
               <a:spcPct val="20000"/>
             </a:spcAft>
-            <a:buChar char="•"/>
+            <a:buChar char="••"/>
           </a:pPr>
           <a:r>
             <a:rPr lang="en-US" sz="2200" kern="1200">
@@ -8127,7 +8318,7 @@
             <a:spcAft>
               <a:spcPct val="20000"/>
             </a:spcAft>
-            <a:buChar char="•"/>
+            <a:buChar char="••"/>
           </a:pPr>
           <a:r>
             <a:rPr lang="en-US" sz="2200" kern="1200" dirty="0">
@@ -8199,7 +8390,7 @@
         </a:bodyPr>
         <a:lstStyle/>
         <a:p>
-          <a:pPr marL="0" lvl="0" indent="0" algn="l" defTabSz="1244600">
+          <a:pPr lvl="0" algn="l" defTabSz="1244600">
             <a:lnSpc>
               <a:spcPct val="90000"/>
             </a:lnSpc>
@@ -8209,7 +8400,6 @@
             <a:spcAft>
               <a:spcPct val="35000"/>
             </a:spcAft>
-            <a:buNone/>
           </a:pPr>
           <a:r>
             <a:rPr lang="en-US" sz="2800" kern="1200" dirty="0"/>
@@ -8270,7 +8460,7 @@
             <a:spcAft>
               <a:spcPct val="20000"/>
             </a:spcAft>
-            <a:buChar char="•"/>
+            <a:buChar char="••"/>
           </a:pPr>
           <a:r>
             <a:rPr lang="en-US" sz="2200" kern="1200">
@@ -8297,7 +8487,7 @@
             <a:spcAft>
               <a:spcPct val="20000"/>
             </a:spcAft>
-            <a:buChar char="•"/>
+            <a:buChar char="••"/>
           </a:pPr>
           <a:r>
             <a:rPr lang="en-US" sz="2200" kern="1200" dirty="0">
@@ -8324,7 +8514,7 @@
             <a:spcAft>
               <a:spcPct val="20000"/>
             </a:spcAft>
-            <a:buChar char="•"/>
+            <a:buChar char="••"/>
           </a:pPr>
           <a:r>
             <a:rPr lang="en-US" sz="2200" kern="1200" dirty="0">
@@ -8351,7 +8541,7 @@
             <a:spcAft>
               <a:spcPct val="20000"/>
             </a:spcAft>
-            <a:buChar char="•"/>
+            <a:buChar char="••"/>
           </a:pPr>
           <a:r>
             <a:rPr lang="en-US" sz="2200" kern="1200">
@@ -8378,7 +8568,7 @@
             <a:spcAft>
               <a:spcPct val="20000"/>
             </a:spcAft>
-            <a:buChar char="•"/>
+            <a:buChar char="••"/>
           </a:pPr>
           <a:r>
             <a:rPr lang="en-US" sz="2200" kern="1200" dirty="0">
@@ -8457,7 +8647,7 @@
         </a:bodyPr>
         <a:lstStyle/>
         <a:p>
-          <a:pPr marL="0" lvl="0" indent="0" algn="l" defTabSz="1244600">
+          <a:pPr lvl="0" algn="l" defTabSz="1244600">
             <a:lnSpc>
               <a:spcPct val="90000"/>
             </a:lnSpc>
@@ -8467,7 +8657,6 @@
             <a:spcAft>
               <a:spcPct val="35000"/>
             </a:spcAft>
-            <a:buNone/>
           </a:pPr>
           <a:r>
             <a:rPr lang="en-US" sz="2800" kern="1200" dirty="0"/>
@@ -8528,7 +8717,7 @@
             <a:spcAft>
               <a:spcPct val="20000"/>
             </a:spcAft>
-            <a:buChar char="•"/>
+            <a:buChar char="••"/>
           </a:pPr>
           <a:r>
             <a:rPr lang="en-US" sz="2200" kern="1200" dirty="0">
@@ -8557,7 +8746,7 @@
             <a:spcAft>
               <a:spcPct val="20000"/>
             </a:spcAft>
-            <a:buChar char="•"/>
+            <a:buChar char="••"/>
           </a:pPr>
           <a:r>
             <a:rPr lang="en-US" sz="2200" kern="1200" dirty="0">
@@ -8586,7 +8775,7 @@
             <a:spcAft>
               <a:spcPct val="20000"/>
             </a:spcAft>
-            <a:buChar char="•"/>
+            <a:buChar char="••"/>
           </a:pPr>
           <a:r>
             <a:rPr lang="en-US" sz="2200" kern="1200" dirty="0">
@@ -8615,7 +8804,7 @@
             <a:spcAft>
               <a:spcPct val="20000"/>
             </a:spcAft>
-            <a:buChar char="•"/>
+            <a:buChar char="••"/>
           </a:pPr>
           <a:r>
             <a:rPr lang="en-US" sz="2200" kern="1200" dirty="0">
@@ -8644,7 +8833,7 @@
             <a:spcAft>
               <a:spcPct val="20000"/>
             </a:spcAft>
-            <a:buChar char="•"/>
+            <a:buChar char="••"/>
           </a:pPr>
           <a:r>
             <a:rPr lang="en-US" sz="2200" kern="1200" dirty="0">
@@ -8718,7 +8907,7 @@
         </a:bodyPr>
         <a:lstStyle/>
         <a:p>
-          <a:pPr marL="0" lvl="0" indent="0" algn="l" defTabSz="1244600">
+          <a:pPr lvl="0" algn="l" defTabSz="1244600">
             <a:lnSpc>
               <a:spcPct val="90000"/>
             </a:lnSpc>
@@ -8728,7 +8917,6 @@
             <a:spcAft>
               <a:spcPct val="35000"/>
             </a:spcAft>
-            <a:buNone/>
           </a:pPr>
           <a:r>
             <a:rPr lang="en-US" sz="2800" kern="1200" dirty="0"/>
@@ -8789,7 +8977,7 @@
             <a:spcAft>
               <a:spcPct val="20000"/>
             </a:spcAft>
-            <a:buChar char="•"/>
+            <a:buChar char="••"/>
           </a:pPr>
           <a:r>
             <a:rPr lang="en-US" sz="2200" kern="1200" dirty="0">
@@ -8817,7 +9005,7 @@
             <a:spcAft>
               <a:spcPct val="20000"/>
             </a:spcAft>
-            <a:buChar char="•"/>
+            <a:buChar char="••"/>
           </a:pPr>
           <a:r>
             <a:rPr lang="en-US" sz="2200" kern="1200" dirty="0">
@@ -8845,7 +9033,7 @@
             <a:spcAft>
               <a:spcPct val="20000"/>
             </a:spcAft>
-            <a:buChar char="•"/>
+            <a:buChar char="••"/>
           </a:pPr>
           <a:r>
             <a:rPr lang="en-US" sz="2200" kern="1200" dirty="0">
@@ -15602,7 +15790,7 @@
           <a:p>
             <a:fld id="{3C984E42-C6CA-4C97-96C7-CA2C1EC7B515}" type="datetimeFigureOut">
               <a:rPr lang="bg-BG" smtClean="0"/>
-              <a:t>20.5.2019 г.</a:t>
+              <a:t>21.05.2019</a:t>
             </a:fld>
             <a:endParaRPr lang="bg-BG"/>
           </a:p>
@@ -17907,6 +18095,18 @@
             </a:r>
           </a:p>
           <a:p>
+            <a:r>
+              <a:rPr lang="en-US" sz="1200" b="0" kern="1200" dirty="0">
+                <a:solidFill>
+                  <a:schemeClr val="tx1"/>
+                </a:solidFill>
+                <a:effectLst/>
+                <a:latin typeface="+mn-lt"/>
+                <a:ea typeface="+mn-ea"/>
+                <a:cs typeface="+mn-cs"/>
+              </a:rPr>
+              <a:t/>
+            </a:r>
             <a:br>
               <a:rPr lang="en-US" sz="1200" b="0" kern="1200" dirty="0">
                 <a:solidFill>
@@ -17932,6 +18132,18 @@
             </a:r>
           </a:p>
           <a:p>
+            <a:r>
+              <a:rPr lang="en-US" sz="1200" b="0" kern="1200" dirty="0">
+                <a:solidFill>
+                  <a:schemeClr val="tx1"/>
+                </a:solidFill>
+                <a:effectLst/>
+                <a:latin typeface="+mn-lt"/>
+                <a:ea typeface="+mn-ea"/>
+                <a:cs typeface="+mn-cs"/>
+              </a:rPr>
+              <a:t/>
+            </a:r>
             <a:br>
               <a:rPr lang="en-US" sz="1200" b="0" kern="1200" dirty="0">
                 <a:solidFill>
@@ -19448,7 +19660,7 @@
           <p:cNvPr id="2" name="Title 1">
             <a:extLst>
               <a:ext uri="{FF2B5EF4-FFF2-40B4-BE49-F238E27FC236}">
-                <a16:creationId xmlns:a16="http://schemas.microsoft.com/office/drawing/2014/main" id="{F52F329B-8F4D-4D34-9A20-EC9D37A6EA6F}"/>
+                <a16:creationId xmlns:a16="http://schemas.microsoft.com/office/drawing/2014/main" xmlns="" id="{F52F329B-8F4D-4D34-9A20-EC9D37A6EA6F}"/>
               </a:ext>
             </a:extLst>
           </p:cNvPr>
@@ -19486,7 +19698,7 @@
           <p:cNvPr id="3" name="Subtitle 2">
             <a:extLst>
               <a:ext uri="{FF2B5EF4-FFF2-40B4-BE49-F238E27FC236}">
-                <a16:creationId xmlns:a16="http://schemas.microsoft.com/office/drawing/2014/main" id="{F5B77F27-1E37-4511-B960-48A1347242BE}"/>
+                <a16:creationId xmlns:a16="http://schemas.microsoft.com/office/drawing/2014/main" xmlns="" id="{F5B77F27-1E37-4511-B960-48A1347242BE}"/>
               </a:ext>
             </a:extLst>
           </p:cNvPr>
@@ -19557,7 +19769,7 @@
           <p:cNvPr id="4" name="Date Placeholder 3">
             <a:extLst>
               <a:ext uri="{FF2B5EF4-FFF2-40B4-BE49-F238E27FC236}">
-                <a16:creationId xmlns:a16="http://schemas.microsoft.com/office/drawing/2014/main" id="{C601E8AD-EC4C-47B9-A42C-9156ACC995BD}"/>
+                <a16:creationId xmlns:a16="http://schemas.microsoft.com/office/drawing/2014/main" xmlns="" id="{C601E8AD-EC4C-47B9-A42C-9156ACC995BD}"/>
               </a:ext>
             </a:extLst>
           </p:cNvPr>
@@ -19575,7 +19787,7 @@
           <a:p>
             <a:fld id="{EEA75A29-027F-4D48-B08B-1161613C0818}" type="datetimeFigureOut">
               <a:rPr lang="bg-BG" smtClean="0"/>
-              <a:t>20.5.2019 г.</a:t>
+              <a:t>21.05.2019</a:t>
             </a:fld>
             <a:endParaRPr lang="bg-BG"/>
           </a:p>
@@ -19586,7 +19798,7 @@
           <p:cNvPr id="5" name="Footer Placeholder 4">
             <a:extLst>
               <a:ext uri="{FF2B5EF4-FFF2-40B4-BE49-F238E27FC236}">
-                <a16:creationId xmlns:a16="http://schemas.microsoft.com/office/drawing/2014/main" id="{3B1988CD-5B6D-4F0B-8B16-F638D10042F8}"/>
+                <a16:creationId xmlns:a16="http://schemas.microsoft.com/office/drawing/2014/main" xmlns="" id="{3B1988CD-5B6D-4F0B-8B16-F638D10042F8}"/>
               </a:ext>
             </a:extLst>
           </p:cNvPr>
@@ -19611,7 +19823,7 @@
           <p:cNvPr id="6" name="Slide Number Placeholder 5">
             <a:extLst>
               <a:ext uri="{FF2B5EF4-FFF2-40B4-BE49-F238E27FC236}">
-                <a16:creationId xmlns:a16="http://schemas.microsoft.com/office/drawing/2014/main" id="{207D070E-1DF5-454F-86BC-E61AA6A56FBD}"/>
+                <a16:creationId xmlns:a16="http://schemas.microsoft.com/office/drawing/2014/main" xmlns="" id="{207D070E-1DF5-454F-86BC-E61AA6A56FBD}"/>
               </a:ext>
             </a:extLst>
           </p:cNvPr>
@@ -19670,7 +19882,7 @@
           <p:cNvPr id="2" name="Title 1">
             <a:extLst>
               <a:ext uri="{FF2B5EF4-FFF2-40B4-BE49-F238E27FC236}">
-                <a16:creationId xmlns:a16="http://schemas.microsoft.com/office/drawing/2014/main" id="{AD6C6CA6-2395-442E-A4AA-BFBD8D857358}"/>
+                <a16:creationId xmlns:a16="http://schemas.microsoft.com/office/drawing/2014/main" xmlns="" id="{AD6C6CA6-2395-442E-A4AA-BFBD8D857358}"/>
               </a:ext>
             </a:extLst>
           </p:cNvPr>
@@ -19699,7 +19911,7 @@
           <p:cNvPr id="3" name="Vertical Text Placeholder 2">
             <a:extLst>
               <a:ext uri="{FF2B5EF4-FFF2-40B4-BE49-F238E27FC236}">
-                <a16:creationId xmlns:a16="http://schemas.microsoft.com/office/drawing/2014/main" id="{0139AA31-FD62-4FCB-982C-F22C6405F614}"/>
+                <a16:creationId xmlns:a16="http://schemas.microsoft.com/office/drawing/2014/main" xmlns="" id="{0139AA31-FD62-4FCB-982C-F22C6405F614}"/>
               </a:ext>
             </a:extLst>
           </p:cNvPr>
@@ -19757,7 +19969,7 @@
           <p:cNvPr id="4" name="Date Placeholder 3">
             <a:extLst>
               <a:ext uri="{FF2B5EF4-FFF2-40B4-BE49-F238E27FC236}">
-                <a16:creationId xmlns:a16="http://schemas.microsoft.com/office/drawing/2014/main" id="{DE3FFBBE-5BD3-438C-A2F5-198F5F87F570}"/>
+                <a16:creationId xmlns:a16="http://schemas.microsoft.com/office/drawing/2014/main" xmlns="" id="{DE3FFBBE-5BD3-438C-A2F5-198F5F87F570}"/>
               </a:ext>
             </a:extLst>
           </p:cNvPr>
@@ -19775,7 +19987,7 @@
           <a:p>
             <a:fld id="{EEA75A29-027F-4D48-B08B-1161613C0818}" type="datetimeFigureOut">
               <a:rPr lang="bg-BG" smtClean="0"/>
-              <a:t>20.5.2019 г.</a:t>
+              <a:t>21.05.2019</a:t>
             </a:fld>
             <a:endParaRPr lang="bg-BG"/>
           </a:p>
@@ -19786,7 +19998,7 @@
           <p:cNvPr id="5" name="Footer Placeholder 4">
             <a:extLst>
               <a:ext uri="{FF2B5EF4-FFF2-40B4-BE49-F238E27FC236}">
-                <a16:creationId xmlns:a16="http://schemas.microsoft.com/office/drawing/2014/main" id="{FE025B39-2326-4AC9-8DCC-E340AC398D86}"/>
+                <a16:creationId xmlns:a16="http://schemas.microsoft.com/office/drawing/2014/main" xmlns="" id="{FE025B39-2326-4AC9-8DCC-E340AC398D86}"/>
               </a:ext>
             </a:extLst>
           </p:cNvPr>
@@ -19811,7 +20023,7 @@
           <p:cNvPr id="6" name="Slide Number Placeholder 5">
             <a:extLst>
               <a:ext uri="{FF2B5EF4-FFF2-40B4-BE49-F238E27FC236}">
-                <a16:creationId xmlns:a16="http://schemas.microsoft.com/office/drawing/2014/main" id="{E5C1BF7B-431E-408F-9076-97CDF2605450}"/>
+                <a16:creationId xmlns:a16="http://schemas.microsoft.com/office/drawing/2014/main" xmlns="" id="{E5C1BF7B-431E-408F-9076-97CDF2605450}"/>
               </a:ext>
             </a:extLst>
           </p:cNvPr>
@@ -19870,7 +20082,7 @@
           <p:cNvPr id="2" name="Vertical Title 1">
             <a:extLst>
               <a:ext uri="{FF2B5EF4-FFF2-40B4-BE49-F238E27FC236}">
-                <a16:creationId xmlns:a16="http://schemas.microsoft.com/office/drawing/2014/main" id="{91A66527-2452-4D8B-BF5D-54D5FFB33125}"/>
+                <a16:creationId xmlns:a16="http://schemas.microsoft.com/office/drawing/2014/main" xmlns="" id="{91A66527-2452-4D8B-BF5D-54D5FFB33125}"/>
               </a:ext>
             </a:extLst>
           </p:cNvPr>
@@ -19904,7 +20116,7 @@
           <p:cNvPr id="3" name="Vertical Text Placeholder 2">
             <a:extLst>
               <a:ext uri="{FF2B5EF4-FFF2-40B4-BE49-F238E27FC236}">
-                <a16:creationId xmlns:a16="http://schemas.microsoft.com/office/drawing/2014/main" id="{CAB8B2E5-AA57-4039-BCAC-1B6BDF04D621}"/>
+                <a16:creationId xmlns:a16="http://schemas.microsoft.com/office/drawing/2014/main" xmlns="" id="{CAB8B2E5-AA57-4039-BCAC-1B6BDF04D621}"/>
               </a:ext>
             </a:extLst>
           </p:cNvPr>
@@ -19967,7 +20179,7 @@
           <p:cNvPr id="4" name="Date Placeholder 3">
             <a:extLst>
               <a:ext uri="{FF2B5EF4-FFF2-40B4-BE49-F238E27FC236}">
-                <a16:creationId xmlns:a16="http://schemas.microsoft.com/office/drawing/2014/main" id="{E2E4D11A-A720-42C9-8902-A303288DF63E}"/>
+                <a16:creationId xmlns:a16="http://schemas.microsoft.com/office/drawing/2014/main" xmlns="" id="{E2E4D11A-A720-42C9-8902-A303288DF63E}"/>
               </a:ext>
             </a:extLst>
           </p:cNvPr>
@@ -19985,7 +20197,7 @@
           <a:p>
             <a:fld id="{EEA75A29-027F-4D48-B08B-1161613C0818}" type="datetimeFigureOut">
               <a:rPr lang="bg-BG" smtClean="0"/>
-              <a:t>20.5.2019 г.</a:t>
+              <a:t>21.05.2019</a:t>
             </a:fld>
             <a:endParaRPr lang="bg-BG"/>
           </a:p>
@@ -19996,7 +20208,7 @@
           <p:cNvPr id="5" name="Footer Placeholder 4">
             <a:extLst>
               <a:ext uri="{FF2B5EF4-FFF2-40B4-BE49-F238E27FC236}">
-                <a16:creationId xmlns:a16="http://schemas.microsoft.com/office/drawing/2014/main" id="{CDC9BE18-F0AB-42F9-B0B0-4C1636235DD0}"/>
+                <a16:creationId xmlns:a16="http://schemas.microsoft.com/office/drawing/2014/main" xmlns="" id="{CDC9BE18-F0AB-42F9-B0B0-4C1636235DD0}"/>
               </a:ext>
             </a:extLst>
           </p:cNvPr>
@@ -20021,7 +20233,7 @@
           <p:cNvPr id="6" name="Slide Number Placeholder 5">
             <a:extLst>
               <a:ext uri="{FF2B5EF4-FFF2-40B4-BE49-F238E27FC236}">
-                <a16:creationId xmlns:a16="http://schemas.microsoft.com/office/drawing/2014/main" id="{109AE838-56B7-4AB0-9C1A-7A8FE9EFBD3D}"/>
+                <a16:creationId xmlns:a16="http://schemas.microsoft.com/office/drawing/2014/main" xmlns="" id="{109AE838-56B7-4AB0-9C1A-7A8FE9EFBD3D}"/>
               </a:ext>
             </a:extLst>
           </p:cNvPr>
@@ -20080,7 +20292,7 @@
           <p:cNvPr id="2" name="Title 1">
             <a:extLst>
               <a:ext uri="{FF2B5EF4-FFF2-40B4-BE49-F238E27FC236}">
-                <a16:creationId xmlns:a16="http://schemas.microsoft.com/office/drawing/2014/main" id="{93232693-D83E-496D-B1F0-18FD480E8F6F}"/>
+                <a16:creationId xmlns:a16="http://schemas.microsoft.com/office/drawing/2014/main" xmlns="" id="{93232693-D83E-496D-B1F0-18FD480E8F6F}"/>
               </a:ext>
             </a:extLst>
           </p:cNvPr>
@@ -20109,7 +20321,7 @@
           <p:cNvPr id="3" name="Content Placeholder 2">
             <a:extLst>
               <a:ext uri="{FF2B5EF4-FFF2-40B4-BE49-F238E27FC236}">
-                <a16:creationId xmlns:a16="http://schemas.microsoft.com/office/drawing/2014/main" id="{D7124242-15EA-4F8F-B8C2-C9A78655494B}"/>
+                <a16:creationId xmlns:a16="http://schemas.microsoft.com/office/drawing/2014/main" xmlns="" id="{D7124242-15EA-4F8F-B8C2-C9A78655494B}"/>
               </a:ext>
             </a:extLst>
           </p:cNvPr>
@@ -20167,7 +20379,7 @@
           <p:cNvPr id="4" name="Date Placeholder 3">
             <a:extLst>
               <a:ext uri="{FF2B5EF4-FFF2-40B4-BE49-F238E27FC236}">
-                <a16:creationId xmlns:a16="http://schemas.microsoft.com/office/drawing/2014/main" id="{0D33C9EA-53D6-4F1F-92EF-8CE3257DE475}"/>
+                <a16:creationId xmlns:a16="http://schemas.microsoft.com/office/drawing/2014/main" xmlns="" id="{0D33C9EA-53D6-4F1F-92EF-8CE3257DE475}"/>
               </a:ext>
             </a:extLst>
           </p:cNvPr>
@@ -20185,7 +20397,7 @@
           <a:p>
             <a:fld id="{EEA75A29-027F-4D48-B08B-1161613C0818}" type="datetimeFigureOut">
               <a:rPr lang="bg-BG" smtClean="0"/>
-              <a:t>20.5.2019 г.</a:t>
+              <a:t>21.05.2019</a:t>
             </a:fld>
             <a:endParaRPr lang="bg-BG"/>
           </a:p>
@@ -20196,7 +20408,7 @@
           <p:cNvPr id="5" name="Footer Placeholder 4">
             <a:extLst>
               <a:ext uri="{FF2B5EF4-FFF2-40B4-BE49-F238E27FC236}">
-                <a16:creationId xmlns:a16="http://schemas.microsoft.com/office/drawing/2014/main" id="{2B69D87B-7004-49FB-A3A9-D69E867363C9}"/>
+                <a16:creationId xmlns:a16="http://schemas.microsoft.com/office/drawing/2014/main" xmlns="" id="{2B69D87B-7004-49FB-A3A9-D69E867363C9}"/>
               </a:ext>
             </a:extLst>
           </p:cNvPr>
@@ -20221,7 +20433,7 @@
           <p:cNvPr id="6" name="Slide Number Placeholder 5">
             <a:extLst>
               <a:ext uri="{FF2B5EF4-FFF2-40B4-BE49-F238E27FC236}">
-                <a16:creationId xmlns:a16="http://schemas.microsoft.com/office/drawing/2014/main" id="{22F55DA7-F5F4-4DA6-9A0C-A678C7BCC506}"/>
+                <a16:creationId xmlns:a16="http://schemas.microsoft.com/office/drawing/2014/main" xmlns="" id="{22F55DA7-F5F4-4DA6-9A0C-A678C7BCC506}"/>
               </a:ext>
             </a:extLst>
           </p:cNvPr>
@@ -20280,7 +20492,7 @@
           <p:cNvPr id="2" name="Title 1">
             <a:extLst>
               <a:ext uri="{FF2B5EF4-FFF2-40B4-BE49-F238E27FC236}">
-                <a16:creationId xmlns:a16="http://schemas.microsoft.com/office/drawing/2014/main" id="{3A7F5CED-A21C-48A1-AB1B-D3467B455802}"/>
+                <a16:creationId xmlns:a16="http://schemas.microsoft.com/office/drawing/2014/main" xmlns="" id="{3A7F5CED-A21C-48A1-AB1B-D3467B455802}"/>
               </a:ext>
             </a:extLst>
           </p:cNvPr>
@@ -20318,7 +20530,7 @@
           <p:cNvPr id="3" name="Text Placeholder 2">
             <a:extLst>
               <a:ext uri="{FF2B5EF4-FFF2-40B4-BE49-F238E27FC236}">
-                <a16:creationId xmlns:a16="http://schemas.microsoft.com/office/drawing/2014/main" id="{D3D4040B-60D3-4CF2-BB0C-992C021A6951}"/>
+                <a16:creationId xmlns:a16="http://schemas.microsoft.com/office/drawing/2014/main" xmlns="" id="{D3D4040B-60D3-4CF2-BB0C-992C021A6951}"/>
               </a:ext>
             </a:extLst>
           </p:cNvPr>
@@ -20443,7 +20655,7 @@
           <p:cNvPr id="4" name="Date Placeholder 3">
             <a:extLst>
               <a:ext uri="{FF2B5EF4-FFF2-40B4-BE49-F238E27FC236}">
-                <a16:creationId xmlns:a16="http://schemas.microsoft.com/office/drawing/2014/main" id="{C7658605-40AC-4FD4-9546-A13FABE6B36A}"/>
+                <a16:creationId xmlns:a16="http://schemas.microsoft.com/office/drawing/2014/main" xmlns="" id="{C7658605-40AC-4FD4-9546-A13FABE6B36A}"/>
               </a:ext>
             </a:extLst>
           </p:cNvPr>
@@ -20461,7 +20673,7 @@
           <a:p>
             <a:fld id="{EEA75A29-027F-4D48-B08B-1161613C0818}" type="datetimeFigureOut">
               <a:rPr lang="bg-BG" smtClean="0"/>
-              <a:t>20.5.2019 г.</a:t>
+              <a:t>21.05.2019</a:t>
             </a:fld>
             <a:endParaRPr lang="bg-BG"/>
           </a:p>
@@ -20472,7 +20684,7 @@
           <p:cNvPr id="5" name="Footer Placeholder 4">
             <a:extLst>
               <a:ext uri="{FF2B5EF4-FFF2-40B4-BE49-F238E27FC236}">
-                <a16:creationId xmlns:a16="http://schemas.microsoft.com/office/drawing/2014/main" id="{5CCBA4AD-AE6E-4907-BA96-345519E50CB3}"/>
+                <a16:creationId xmlns:a16="http://schemas.microsoft.com/office/drawing/2014/main" xmlns="" id="{5CCBA4AD-AE6E-4907-BA96-345519E50CB3}"/>
               </a:ext>
             </a:extLst>
           </p:cNvPr>
@@ -20497,7 +20709,7 @@
           <p:cNvPr id="6" name="Slide Number Placeholder 5">
             <a:extLst>
               <a:ext uri="{FF2B5EF4-FFF2-40B4-BE49-F238E27FC236}">
-                <a16:creationId xmlns:a16="http://schemas.microsoft.com/office/drawing/2014/main" id="{55D38E3D-2A6B-46B5-9A1B-936EAC403EF2}"/>
+                <a16:creationId xmlns:a16="http://schemas.microsoft.com/office/drawing/2014/main" xmlns="" id="{55D38E3D-2A6B-46B5-9A1B-936EAC403EF2}"/>
               </a:ext>
             </a:extLst>
           </p:cNvPr>
@@ -20556,7 +20768,7 @@
           <p:cNvPr id="2" name="Title 1">
             <a:extLst>
               <a:ext uri="{FF2B5EF4-FFF2-40B4-BE49-F238E27FC236}">
-                <a16:creationId xmlns:a16="http://schemas.microsoft.com/office/drawing/2014/main" id="{C3385F55-7DE7-4613-A710-50EB0BAD14BE}"/>
+                <a16:creationId xmlns:a16="http://schemas.microsoft.com/office/drawing/2014/main" xmlns="" id="{C3385F55-7DE7-4613-A710-50EB0BAD14BE}"/>
               </a:ext>
             </a:extLst>
           </p:cNvPr>
@@ -20585,7 +20797,7 @@
           <p:cNvPr id="3" name="Content Placeholder 2">
             <a:extLst>
               <a:ext uri="{FF2B5EF4-FFF2-40B4-BE49-F238E27FC236}">
-                <a16:creationId xmlns:a16="http://schemas.microsoft.com/office/drawing/2014/main" id="{A70042DF-4845-4EB9-A64A-08AFFBB91D3B}"/>
+                <a16:creationId xmlns:a16="http://schemas.microsoft.com/office/drawing/2014/main" xmlns="" id="{A70042DF-4845-4EB9-A64A-08AFFBB91D3B}"/>
               </a:ext>
             </a:extLst>
           </p:cNvPr>
@@ -20648,7 +20860,7 @@
           <p:cNvPr id="4" name="Content Placeholder 3">
             <a:extLst>
               <a:ext uri="{FF2B5EF4-FFF2-40B4-BE49-F238E27FC236}">
-                <a16:creationId xmlns:a16="http://schemas.microsoft.com/office/drawing/2014/main" id="{0CE2A731-9DFD-4A75-9630-3A93EA4414D6}"/>
+                <a16:creationId xmlns:a16="http://schemas.microsoft.com/office/drawing/2014/main" xmlns="" id="{0CE2A731-9DFD-4A75-9630-3A93EA4414D6}"/>
               </a:ext>
             </a:extLst>
           </p:cNvPr>
@@ -20711,7 +20923,7 @@
           <p:cNvPr id="5" name="Date Placeholder 4">
             <a:extLst>
               <a:ext uri="{FF2B5EF4-FFF2-40B4-BE49-F238E27FC236}">
-                <a16:creationId xmlns:a16="http://schemas.microsoft.com/office/drawing/2014/main" id="{1A784A54-E630-49CB-9644-A68C17FF00FC}"/>
+                <a16:creationId xmlns:a16="http://schemas.microsoft.com/office/drawing/2014/main" xmlns="" id="{1A784A54-E630-49CB-9644-A68C17FF00FC}"/>
               </a:ext>
             </a:extLst>
           </p:cNvPr>
@@ -20729,7 +20941,7 @@
           <a:p>
             <a:fld id="{EEA75A29-027F-4D48-B08B-1161613C0818}" type="datetimeFigureOut">
               <a:rPr lang="bg-BG" smtClean="0"/>
-              <a:t>20.5.2019 г.</a:t>
+              <a:t>21.05.2019</a:t>
             </a:fld>
             <a:endParaRPr lang="bg-BG"/>
           </a:p>
@@ -20740,7 +20952,7 @@
           <p:cNvPr id="6" name="Footer Placeholder 5">
             <a:extLst>
               <a:ext uri="{FF2B5EF4-FFF2-40B4-BE49-F238E27FC236}">
-                <a16:creationId xmlns:a16="http://schemas.microsoft.com/office/drawing/2014/main" id="{16E664AE-B7BE-4F74-9238-3752F763AD6A}"/>
+                <a16:creationId xmlns:a16="http://schemas.microsoft.com/office/drawing/2014/main" xmlns="" id="{16E664AE-B7BE-4F74-9238-3752F763AD6A}"/>
               </a:ext>
             </a:extLst>
           </p:cNvPr>
@@ -20765,7 +20977,7 @@
           <p:cNvPr id="7" name="Slide Number Placeholder 6">
             <a:extLst>
               <a:ext uri="{FF2B5EF4-FFF2-40B4-BE49-F238E27FC236}">
-                <a16:creationId xmlns:a16="http://schemas.microsoft.com/office/drawing/2014/main" id="{BC6BEAE7-D177-4EEF-BB4D-7F63857CD168}"/>
+                <a16:creationId xmlns:a16="http://schemas.microsoft.com/office/drawing/2014/main" xmlns="" id="{BC6BEAE7-D177-4EEF-BB4D-7F63857CD168}"/>
               </a:ext>
             </a:extLst>
           </p:cNvPr>
@@ -20824,7 +21036,7 @@
           <p:cNvPr id="2" name="Title 1">
             <a:extLst>
               <a:ext uri="{FF2B5EF4-FFF2-40B4-BE49-F238E27FC236}">
-                <a16:creationId xmlns:a16="http://schemas.microsoft.com/office/drawing/2014/main" id="{1EF4249D-FFEA-4E39-A413-6F7E03564681}"/>
+                <a16:creationId xmlns:a16="http://schemas.microsoft.com/office/drawing/2014/main" xmlns="" id="{1EF4249D-FFEA-4E39-A413-6F7E03564681}"/>
               </a:ext>
             </a:extLst>
           </p:cNvPr>
@@ -20858,7 +21070,7 @@
           <p:cNvPr id="3" name="Text Placeholder 2">
             <a:extLst>
               <a:ext uri="{FF2B5EF4-FFF2-40B4-BE49-F238E27FC236}">
-                <a16:creationId xmlns:a16="http://schemas.microsoft.com/office/drawing/2014/main" id="{A7C6EABA-3E75-436F-B822-8F4380F015BC}"/>
+                <a16:creationId xmlns:a16="http://schemas.microsoft.com/office/drawing/2014/main" xmlns="" id="{A7C6EABA-3E75-436F-B822-8F4380F015BC}"/>
               </a:ext>
             </a:extLst>
           </p:cNvPr>
@@ -20929,7 +21141,7 @@
           <p:cNvPr id="4" name="Content Placeholder 3">
             <a:extLst>
               <a:ext uri="{FF2B5EF4-FFF2-40B4-BE49-F238E27FC236}">
-                <a16:creationId xmlns:a16="http://schemas.microsoft.com/office/drawing/2014/main" id="{A9BFBE24-58EF-4117-B98C-A45C671CFCBB}"/>
+                <a16:creationId xmlns:a16="http://schemas.microsoft.com/office/drawing/2014/main" xmlns="" id="{A9BFBE24-58EF-4117-B98C-A45C671CFCBB}"/>
               </a:ext>
             </a:extLst>
           </p:cNvPr>
@@ -20992,7 +21204,7 @@
           <p:cNvPr id="5" name="Text Placeholder 4">
             <a:extLst>
               <a:ext uri="{FF2B5EF4-FFF2-40B4-BE49-F238E27FC236}">
-                <a16:creationId xmlns:a16="http://schemas.microsoft.com/office/drawing/2014/main" id="{D4C3D482-EE97-4FF2-A53E-8FC86DA14764}"/>
+                <a16:creationId xmlns:a16="http://schemas.microsoft.com/office/drawing/2014/main" xmlns="" id="{D4C3D482-EE97-4FF2-A53E-8FC86DA14764}"/>
               </a:ext>
             </a:extLst>
           </p:cNvPr>
@@ -21063,7 +21275,7 @@
           <p:cNvPr id="6" name="Content Placeholder 5">
             <a:extLst>
               <a:ext uri="{FF2B5EF4-FFF2-40B4-BE49-F238E27FC236}">
-                <a16:creationId xmlns:a16="http://schemas.microsoft.com/office/drawing/2014/main" id="{3259BEDD-0EA1-494B-A170-6680DDDF6114}"/>
+                <a16:creationId xmlns:a16="http://schemas.microsoft.com/office/drawing/2014/main" xmlns="" id="{3259BEDD-0EA1-494B-A170-6680DDDF6114}"/>
               </a:ext>
             </a:extLst>
           </p:cNvPr>
@@ -21126,7 +21338,7 @@
           <p:cNvPr id="7" name="Date Placeholder 6">
             <a:extLst>
               <a:ext uri="{FF2B5EF4-FFF2-40B4-BE49-F238E27FC236}">
-                <a16:creationId xmlns:a16="http://schemas.microsoft.com/office/drawing/2014/main" id="{88859E15-D2BF-4BD6-976C-1C0A4A40F469}"/>
+                <a16:creationId xmlns:a16="http://schemas.microsoft.com/office/drawing/2014/main" xmlns="" id="{88859E15-D2BF-4BD6-976C-1C0A4A40F469}"/>
               </a:ext>
             </a:extLst>
           </p:cNvPr>
@@ -21144,7 +21356,7 @@
           <a:p>
             <a:fld id="{EEA75A29-027F-4D48-B08B-1161613C0818}" type="datetimeFigureOut">
               <a:rPr lang="bg-BG" smtClean="0"/>
-              <a:t>20.5.2019 г.</a:t>
+              <a:t>21.05.2019</a:t>
             </a:fld>
             <a:endParaRPr lang="bg-BG"/>
           </a:p>
@@ -21155,7 +21367,7 @@
           <p:cNvPr id="8" name="Footer Placeholder 7">
             <a:extLst>
               <a:ext uri="{FF2B5EF4-FFF2-40B4-BE49-F238E27FC236}">
-                <a16:creationId xmlns:a16="http://schemas.microsoft.com/office/drawing/2014/main" id="{A1D2603C-8E07-43E2-BD2F-4C3F709DED92}"/>
+                <a16:creationId xmlns:a16="http://schemas.microsoft.com/office/drawing/2014/main" xmlns="" id="{A1D2603C-8E07-43E2-BD2F-4C3F709DED92}"/>
               </a:ext>
             </a:extLst>
           </p:cNvPr>
@@ -21180,7 +21392,7 @@
           <p:cNvPr id="9" name="Slide Number Placeholder 8">
             <a:extLst>
               <a:ext uri="{FF2B5EF4-FFF2-40B4-BE49-F238E27FC236}">
-                <a16:creationId xmlns:a16="http://schemas.microsoft.com/office/drawing/2014/main" id="{C25A8261-B0DA-4FFE-9EBF-C1D0C909685C}"/>
+                <a16:creationId xmlns:a16="http://schemas.microsoft.com/office/drawing/2014/main" xmlns="" id="{C25A8261-B0DA-4FFE-9EBF-C1D0C909685C}"/>
               </a:ext>
             </a:extLst>
           </p:cNvPr>
@@ -21239,7 +21451,7 @@
           <p:cNvPr id="2" name="Title 1">
             <a:extLst>
               <a:ext uri="{FF2B5EF4-FFF2-40B4-BE49-F238E27FC236}">
-                <a16:creationId xmlns:a16="http://schemas.microsoft.com/office/drawing/2014/main" id="{68199B5D-168F-4BCC-8B41-FAAA053FC84C}"/>
+                <a16:creationId xmlns:a16="http://schemas.microsoft.com/office/drawing/2014/main" xmlns="" id="{68199B5D-168F-4BCC-8B41-FAAA053FC84C}"/>
               </a:ext>
             </a:extLst>
           </p:cNvPr>
@@ -21268,7 +21480,7 @@
           <p:cNvPr id="3" name="Date Placeholder 2">
             <a:extLst>
               <a:ext uri="{FF2B5EF4-FFF2-40B4-BE49-F238E27FC236}">
-                <a16:creationId xmlns:a16="http://schemas.microsoft.com/office/drawing/2014/main" id="{E50AED76-4DC9-451C-B0CB-73FF4B908FA6}"/>
+                <a16:creationId xmlns:a16="http://schemas.microsoft.com/office/drawing/2014/main" xmlns="" id="{E50AED76-4DC9-451C-B0CB-73FF4B908FA6}"/>
               </a:ext>
             </a:extLst>
           </p:cNvPr>
@@ -21286,7 +21498,7 @@
           <a:p>
             <a:fld id="{EEA75A29-027F-4D48-B08B-1161613C0818}" type="datetimeFigureOut">
               <a:rPr lang="bg-BG" smtClean="0"/>
-              <a:t>20.5.2019 г.</a:t>
+              <a:t>21.05.2019</a:t>
             </a:fld>
             <a:endParaRPr lang="bg-BG"/>
           </a:p>
@@ -21297,7 +21509,7 @@
           <p:cNvPr id="4" name="Footer Placeholder 3">
             <a:extLst>
               <a:ext uri="{FF2B5EF4-FFF2-40B4-BE49-F238E27FC236}">
-                <a16:creationId xmlns:a16="http://schemas.microsoft.com/office/drawing/2014/main" id="{30116E03-A51E-44FA-A4FC-4E2CF1A7B86D}"/>
+                <a16:creationId xmlns:a16="http://schemas.microsoft.com/office/drawing/2014/main" xmlns="" id="{30116E03-A51E-44FA-A4FC-4E2CF1A7B86D}"/>
               </a:ext>
             </a:extLst>
           </p:cNvPr>
@@ -21322,7 +21534,7 @@
           <p:cNvPr id="5" name="Slide Number Placeholder 4">
             <a:extLst>
               <a:ext uri="{FF2B5EF4-FFF2-40B4-BE49-F238E27FC236}">
-                <a16:creationId xmlns:a16="http://schemas.microsoft.com/office/drawing/2014/main" id="{E8BB72F7-F4A4-45A6-AF88-74990BEEC45C}"/>
+                <a16:creationId xmlns:a16="http://schemas.microsoft.com/office/drawing/2014/main" xmlns="" id="{E8BB72F7-F4A4-45A6-AF88-74990BEEC45C}"/>
               </a:ext>
             </a:extLst>
           </p:cNvPr>
@@ -21381,7 +21593,7 @@
           <p:cNvPr id="2" name="Date Placeholder 1">
             <a:extLst>
               <a:ext uri="{FF2B5EF4-FFF2-40B4-BE49-F238E27FC236}">
-                <a16:creationId xmlns:a16="http://schemas.microsoft.com/office/drawing/2014/main" id="{7098F6A1-6902-4C8F-8C89-58FCAC8DE877}"/>
+                <a16:creationId xmlns:a16="http://schemas.microsoft.com/office/drawing/2014/main" xmlns="" id="{7098F6A1-6902-4C8F-8C89-58FCAC8DE877}"/>
               </a:ext>
             </a:extLst>
           </p:cNvPr>
@@ -21399,7 +21611,7 @@
           <a:p>
             <a:fld id="{EEA75A29-027F-4D48-B08B-1161613C0818}" type="datetimeFigureOut">
               <a:rPr lang="bg-BG" smtClean="0"/>
-              <a:t>20.5.2019 г.</a:t>
+              <a:t>21.05.2019</a:t>
             </a:fld>
             <a:endParaRPr lang="bg-BG"/>
           </a:p>
@@ -21410,7 +21622,7 @@
           <p:cNvPr id="3" name="Footer Placeholder 2">
             <a:extLst>
               <a:ext uri="{FF2B5EF4-FFF2-40B4-BE49-F238E27FC236}">
-                <a16:creationId xmlns:a16="http://schemas.microsoft.com/office/drawing/2014/main" id="{2210603F-7217-47C4-B45F-87B24133ACB3}"/>
+                <a16:creationId xmlns:a16="http://schemas.microsoft.com/office/drawing/2014/main" xmlns="" id="{2210603F-7217-47C4-B45F-87B24133ACB3}"/>
               </a:ext>
             </a:extLst>
           </p:cNvPr>
@@ -21435,7 +21647,7 @@
           <p:cNvPr id="4" name="Slide Number Placeholder 3">
             <a:extLst>
               <a:ext uri="{FF2B5EF4-FFF2-40B4-BE49-F238E27FC236}">
-                <a16:creationId xmlns:a16="http://schemas.microsoft.com/office/drawing/2014/main" id="{DD807AA2-F6E9-43C0-BE01-02161404E726}"/>
+                <a16:creationId xmlns:a16="http://schemas.microsoft.com/office/drawing/2014/main" xmlns="" id="{DD807AA2-F6E9-43C0-BE01-02161404E726}"/>
               </a:ext>
             </a:extLst>
           </p:cNvPr>
@@ -21494,7 +21706,7 @@
           <p:cNvPr id="2" name="Title 1">
             <a:extLst>
               <a:ext uri="{FF2B5EF4-FFF2-40B4-BE49-F238E27FC236}">
-                <a16:creationId xmlns:a16="http://schemas.microsoft.com/office/drawing/2014/main" id="{274E79D0-4A57-4D72-8BFF-AA07E2DBE2AA}"/>
+                <a16:creationId xmlns:a16="http://schemas.microsoft.com/office/drawing/2014/main" xmlns="" id="{274E79D0-4A57-4D72-8BFF-AA07E2DBE2AA}"/>
               </a:ext>
             </a:extLst>
           </p:cNvPr>
@@ -21532,7 +21744,7 @@
           <p:cNvPr id="3" name="Content Placeholder 2">
             <a:extLst>
               <a:ext uri="{FF2B5EF4-FFF2-40B4-BE49-F238E27FC236}">
-                <a16:creationId xmlns:a16="http://schemas.microsoft.com/office/drawing/2014/main" id="{C5F10B8E-BD65-4618-9F2A-8174963C8555}"/>
+                <a16:creationId xmlns:a16="http://schemas.microsoft.com/office/drawing/2014/main" xmlns="" id="{C5F10B8E-BD65-4618-9F2A-8174963C8555}"/>
               </a:ext>
             </a:extLst>
           </p:cNvPr>
@@ -21623,7 +21835,7 @@
           <p:cNvPr id="4" name="Text Placeholder 3">
             <a:extLst>
               <a:ext uri="{FF2B5EF4-FFF2-40B4-BE49-F238E27FC236}">
-                <a16:creationId xmlns:a16="http://schemas.microsoft.com/office/drawing/2014/main" id="{04CB69F9-BEF2-4790-B07A-274061846E82}"/>
+                <a16:creationId xmlns:a16="http://schemas.microsoft.com/office/drawing/2014/main" xmlns="" id="{04CB69F9-BEF2-4790-B07A-274061846E82}"/>
               </a:ext>
             </a:extLst>
           </p:cNvPr>
@@ -21694,7 +21906,7 @@
           <p:cNvPr id="5" name="Date Placeholder 4">
             <a:extLst>
               <a:ext uri="{FF2B5EF4-FFF2-40B4-BE49-F238E27FC236}">
-                <a16:creationId xmlns:a16="http://schemas.microsoft.com/office/drawing/2014/main" id="{51F1382C-CD99-4075-AB4B-9EF791ACA926}"/>
+                <a16:creationId xmlns:a16="http://schemas.microsoft.com/office/drawing/2014/main" xmlns="" id="{51F1382C-CD99-4075-AB4B-9EF791ACA926}"/>
               </a:ext>
             </a:extLst>
           </p:cNvPr>
@@ -21712,7 +21924,7 @@
           <a:p>
             <a:fld id="{EEA75A29-027F-4D48-B08B-1161613C0818}" type="datetimeFigureOut">
               <a:rPr lang="bg-BG" smtClean="0"/>
-              <a:t>20.5.2019 г.</a:t>
+              <a:t>21.05.2019</a:t>
             </a:fld>
             <a:endParaRPr lang="bg-BG"/>
           </a:p>
@@ -21723,7 +21935,7 @@
           <p:cNvPr id="6" name="Footer Placeholder 5">
             <a:extLst>
               <a:ext uri="{FF2B5EF4-FFF2-40B4-BE49-F238E27FC236}">
-                <a16:creationId xmlns:a16="http://schemas.microsoft.com/office/drawing/2014/main" id="{C25DFF43-D3BE-4042-BDFC-2998A5097955}"/>
+                <a16:creationId xmlns:a16="http://schemas.microsoft.com/office/drawing/2014/main" xmlns="" id="{C25DFF43-D3BE-4042-BDFC-2998A5097955}"/>
               </a:ext>
             </a:extLst>
           </p:cNvPr>
@@ -21748,7 +21960,7 @@
           <p:cNvPr id="7" name="Slide Number Placeholder 6">
             <a:extLst>
               <a:ext uri="{FF2B5EF4-FFF2-40B4-BE49-F238E27FC236}">
-                <a16:creationId xmlns:a16="http://schemas.microsoft.com/office/drawing/2014/main" id="{06312CA7-204D-43D7-993D-3F5D401DEB6E}"/>
+                <a16:creationId xmlns:a16="http://schemas.microsoft.com/office/drawing/2014/main" xmlns="" id="{06312CA7-204D-43D7-993D-3F5D401DEB6E}"/>
               </a:ext>
             </a:extLst>
           </p:cNvPr>
@@ -21807,7 +22019,7 @@
           <p:cNvPr id="2" name="Title 1">
             <a:extLst>
               <a:ext uri="{FF2B5EF4-FFF2-40B4-BE49-F238E27FC236}">
-                <a16:creationId xmlns:a16="http://schemas.microsoft.com/office/drawing/2014/main" id="{4D5B6D33-81B3-45CB-8DD1-3D215D78BD4A}"/>
+                <a16:creationId xmlns:a16="http://schemas.microsoft.com/office/drawing/2014/main" xmlns="" id="{4D5B6D33-81B3-45CB-8DD1-3D215D78BD4A}"/>
               </a:ext>
             </a:extLst>
           </p:cNvPr>
@@ -21845,7 +22057,7 @@
           <p:cNvPr id="3" name="Picture Placeholder 2">
             <a:extLst>
               <a:ext uri="{FF2B5EF4-FFF2-40B4-BE49-F238E27FC236}">
-                <a16:creationId xmlns:a16="http://schemas.microsoft.com/office/drawing/2014/main" id="{F496AEA4-445B-4253-90DA-EBFB28926940}"/>
+                <a16:creationId xmlns:a16="http://schemas.microsoft.com/office/drawing/2014/main" xmlns="" id="{F496AEA4-445B-4253-90DA-EBFB28926940}"/>
               </a:ext>
             </a:extLst>
           </p:cNvPr>
@@ -21912,7 +22124,7 @@
           <p:cNvPr id="4" name="Text Placeholder 3">
             <a:extLst>
               <a:ext uri="{FF2B5EF4-FFF2-40B4-BE49-F238E27FC236}">
-                <a16:creationId xmlns:a16="http://schemas.microsoft.com/office/drawing/2014/main" id="{82B8DA4B-177D-4CF9-8759-9FB35161325F}"/>
+                <a16:creationId xmlns:a16="http://schemas.microsoft.com/office/drawing/2014/main" xmlns="" id="{82B8DA4B-177D-4CF9-8759-9FB35161325F}"/>
               </a:ext>
             </a:extLst>
           </p:cNvPr>
@@ -21983,7 +22195,7 @@
           <p:cNvPr id="5" name="Date Placeholder 4">
             <a:extLst>
               <a:ext uri="{FF2B5EF4-FFF2-40B4-BE49-F238E27FC236}">
-                <a16:creationId xmlns:a16="http://schemas.microsoft.com/office/drawing/2014/main" id="{F5F44FF0-3C9E-4E02-AFCD-418CFDA06F99}"/>
+                <a16:creationId xmlns:a16="http://schemas.microsoft.com/office/drawing/2014/main" xmlns="" id="{F5F44FF0-3C9E-4E02-AFCD-418CFDA06F99}"/>
               </a:ext>
             </a:extLst>
           </p:cNvPr>
@@ -22001,7 +22213,7 @@
           <a:p>
             <a:fld id="{EEA75A29-027F-4D48-B08B-1161613C0818}" type="datetimeFigureOut">
               <a:rPr lang="bg-BG" smtClean="0"/>
-              <a:t>20.5.2019 г.</a:t>
+              <a:t>21.05.2019</a:t>
             </a:fld>
             <a:endParaRPr lang="bg-BG"/>
           </a:p>
@@ -22012,7 +22224,7 @@
           <p:cNvPr id="6" name="Footer Placeholder 5">
             <a:extLst>
               <a:ext uri="{FF2B5EF4-FFF2-40B4-BE49-F238E27FC236}">
-                <a16:creationId xmlns:a16="http://schemas.microsoft.com/office/drawing/2014/main" id="{5097DF82-2BBD-4019-848B-5FAC6D1F14ED}"/>
+                <a16:creationId xmlns:a16="http://schemas.microsoft.com/office/drawing/2014/main" xmlns="" id="{5097DF82-2BBD-4019-848B-5FAC6D1F14ED}"/>
               </a:ext>
             </a:extLst>
           </p:cNvPr>
@@ -22037,7 +22249,7 @@
           <p:cNvPr id="7" name="Slide Number Placeholder 6">
             <a:extLst>
               <a:ext uri="{FF2B5EF4-FFF2-40B4-BE49-F238E27FC236}">
-                <a16:creationId xmlns:a16="http://schemas.microsoft.com/office/drawing/2014/main" id="{F564C5BD-4D43-49A7-B528-9F4922E17A39}"/>
+                <a16:creationId xmlns:a16="http://schemas.microsoft.com/office/drawing/2014/main" xmlns="" id="{F564C5BD-4D43-49A7-B528-9F4922E17A39}"/>
               </a:ext>
             </a:extLst>
           </p:cNvPr>
@@ -22101,7 +22313,7 @@
           <p:cNvPr id="2" name="Title Placeholder 1">
             <a:extLst>
               <a:ext uri="{FF2B5EF4-FFF2-40B4-BE49-F238E27FC236}">
-                <a16:creationId xmlns:a16="http://schemas.microsoft.com/office/drawing/2014/main" id="{C62B9201-D64F-4E73-9D97-CDD35AFA9CD9}"/>
+                <a16:creationId xmlns:a16="http://schemas.microsoft.com/office/drawing/2014/main" xmlns="" id="{C62B9201-D64F-4E73-9D97-CDD35AFA9CD9}"/>
               </a:ext>
             </a:extLst>
           </p:cNvPr>
@@ -22140,7 +22352,7 @@
           <p:cNvPr id="3" name="Text Placeholder 2">
             <a:extLst>
               <a:ext uri="{FF2B5EF4-FFF2-40B4-BE49-F238E27FC236}">
-                <a16:creationId xmlns:a16="http://schemas.microsoft.com/office/drawing/2014/main" id="{750AD475-A6DB-444D-9126-24701712235D}"/>
+                <a16:creationId xmlns:a16="http://schemas.microsoft.com/office/drawing/2014/main" xmlns="" id="{750AD475-A6DB-444D-9126-24701712235D}"/>
               </a:ext>
             </a:extLst>
           </p:cNvPr>
@@ -22208,7 +22420,7 @@
           <p:cNvPr id="4" name="Date Placeholder 3">
             <a:extLst>
               <a:ext uri="{FF2B5EF4-FFF2-40B4-BE49-F238E27FC236}">
-                <a16:creationId xmlns:a16="http://schemas.microsoft.com/office/drawing/2014/main" id="{EAEEC826-FC13-4DC6-8680-1989B58B8840}"/>
+                <a16:creationId xmlns:a16="http://schemas.microsoft.com/office/drawing/2014/main" xmlns="" id="{EAEEC826-FC13-4DC6-8680-1989B58B8840}"/>
               </a:ext>
             </a:extLst>
           </p:cNvPr>
@@ -22244,7 +22456,7 @@
           <a:p>
             <a:fld id="{EEA75A29-027F-4D48-B08B-1161613C0818}" type="datetimeFigureOut">
               <a:rPr lang="bg-BG" smtClean="0"/>
-              <a:t>20.5.2019 г.</a:t>
+              <a:t>21.05.2019</a:t>
             </a:fld>
             <a:endParaRPr lang="bg-BG"/>
           </a:p>
@@ -22255,7 +22467,7 @@
           <p:cNvPr id="5" name="Footer Placeholder 4">
             <a:extLst>
               <a:ext uri="{FF2B5EF4-FFF2-40B4-BE49-F238E27FC236}">
-                <a16:creationId xmlns:a16="http://schemas.microsoft.com/office/drawing/2014/main" id="{CA44FEEC-545C-4523-8E78-9730A4DEA230}"/>
+                <a16:creationId xmlns:a16="http://schemas.microsoft.com/office/drawing/2014/main" xmlns="" id="{CA44FEEC-545C-4523-8E78-9730A4DEA230}"/>
               </a:ext>
             </a:extLst>
           </p:cNvPr>
@@ -22298,7 +22510,7 @@
           <p:cNvPr id="6" name="Slide Number Placeholder 5">
             <a:extLst>
               <a:ext uri="{FF2B5EF4-FFF2-40B4-BE49-F238E27FC236}">
-                <a16:creationId xmlns:a16="http://schemas.microsoft.com/office/drawing/2014/main" id="{73D22FDB-48CD-4DC6-AA72-C4D498CB8BE3}"/>
+                <a16:creationId xmlns:a16="http://schemas.microsoft.com/office/drawing/2014/main" xmlns="" id="{73D22FDB-48CD-4DC6-AA72-C4D498CB8BE3}"/>
               </a:ext>
             </a:extLst>
           </p:cNvPr>
@@ -22666,7 +22878,7 @@
           <p:cNvPr id="4" name="Picture 3">
             <a:extLst>
               <a:ext uri="{FF2B5EF4-FFF2-40B4-BE49-F238E27FC236}">
-                <a16:creationId xmlns:a16="http://schemas.microsoft.com/office/drawing/2014/main" id="{E806A265-91A3-44D3-A845-B5E74D32A225}"/>
+                <a16:creationId xmlns:a16="http://schemas.microsoft.com/office/drawing/2014/main" xmlns="" id="{E806A265-91A3-44D3-A845-B5E74D32A225}"/>
               </a:ext>
             </a:extLst>
           </p:cNvPr>
@@ -22713,7 +22925,7 @@
           <p:cNvPr id="5" name="Picture 4">
             <a:extLst>
               <a:ext uri="{FF2B5EF4-FFF2-40B4-BE49-F238E27FC236}">
-                <a16:creationId xmlns:a16="http://schemas.microsoft.com/office/drawing/2014/main" id="{1C373431-9E7B-4576-8831-13D67AF33226}"/>
+                <a16:creationId xmlns:a16="http://schemas.microsoft.com/office/drawing/2014/main" xmlns="" id="{1C373431-9E7B-4576-8831-13D67AF33226}"/>
               </a:ext>
             </a:extLst>
           </p:cNvPr>
@@ -22749,7 +22961,7 @@
           <p:cNvPr id="6" name="Text Placeholder 7">
             <a:extLst>
               <a:ext uri="{FF2B5EF4-FFF2-40B4-BE49-F238E27FC236}">
-                <a16:creationId xmlns:a16="http://schemas.microsoft.com/office/drawing/2014/main" id="{B7D9A7E4-7BA3-4E93-8912-98EFE09BB28A}"/>
+                <a16:creationId xmlns:a16="http://schemas.microsoft.com/office/drawing/2014/main" xmlns="" id="{B7D9A7E4-7BA3-4E93-8912-98EFE09BB28A}"/>
               </a:ext>
             </a:extLst>
           </p:cNvPr>
@@ -23002,7 +23214,7 @@
           <p:cNvPr id="7" name="Text Placeholder 7">
             <a:extLst>
               <a:ext uri="{FF2B5EF4-FFF2-40B4-BE49-F238E27FC236}">
-                <a16:creationId xmlns:a16="http://schemas.microsoft.com/office/drawing/2014/main" id="{C9C80F1A-C35F-401C-BE9E-EA2D52A62214}"/>
+                <a16:creationId xmlns:a16="http://schemas.microsoft.com/office/drawing/2014/main" xmlns="" id="{C9C80F1A-C35F-401C-BE9E-EA2D52A62214}"/>
               </a:ext>
             </a:extLst>
           </p:cNvPr>
@@ -23255,7 +23467,7 @@
           <p:cNvPr id="9" name="Picture 8">
             <a:extLst>
               <a:ext uri="{FF2B5EF4-FFF2-40B4-BE49-F238E27FC236}">
-                <a16:creationId xmlns:a16="http://schemas.microsoft.com/office/drawing/2014/main" id="{C4DC195B-1A46-49CD-A653-ED9AB3DD20A4}"/>
+                <a16:creationId xmlns:a16="http://schemas.microsoft.com/office/drawing/2014/main" xmlns="" id="{C4DC195B-1A46-49CD-A653-ED9AB3DD20A4}"/>
               </a:ext>
             </a:extLst>
           </p:cNvPr>
@@ -23315,7 +23527,7 @@
           <p:cNvPr id="11" name="Text Placeholder 7">
             <a:extLst>
               <a:ext uri="{FF2B5EF4-FFF2-40B4-BE49-F238E27FC236}">
-                <a16:creationId xmlns:a16="http://schemas.microsoft.com/office/drawing/2014/main" id="{61993706-1D78-48D5-9CE6-9BC974868574}"/>
+                <a16:creationId xmlns:a16="http://schemas.microsoft.com/office/drawing/2014/main" xmlns="" id="{61993706-1D78-48D5-9CE6-9BC974868574}"/>
               </a:ext>
             </a:extLst>
           </p:cNvPr>
@@ -23576,7 +23788,7 @@
           <p:cNvPr id="13" name="Text Placeholder 7">
             <a:extLst>
               <a:ext uri="{FF2B5EF4-FFF2-40B4-BE49-F238E27FC236}">
-                <a16:creationId xmlns:a16="http://schemas.microsoft.com/office/drawing/2014/main" id="{A40570BA-6911-4970-9388-25F376540204}"/>
+                <a16:creationId xmlns:a16="http://schemas.microsoft.com/office/drawing/2014/main" xmlns="" id="{A40570BA-6911-4970-9388-25F376540204}"/>
               </a:ext>
             </a:extLst>
           </p:cNvPr>
@@ -23879,7 +24091,7 @@
           <p:cNvPr id="12" name="Rectangle 11">
             <a:extLst>
               <a:ext uri="{FF2B5EF4-FFF2-40B4-BE49-F238E27FC236}">
-                <a16:creationId xmlns:a16="http://schemas.microsoft.com/office/drawing/2014/main" id="{671E1465-D9AF-4456-9D16-E6C4D4EB6166}"/>
+                <a16:creationId xmlns:a16="http://schemas.microsoft.com/office/drawing/2014/main" xmlns="" id="{671E1465-D9AF-4456-9D16-E6C4D4EB6166}"/>
               </a:ext>
             </a:extLst>
           </p:cNvPr>
@@ -23931,7 +24143,7 @@
           <p:cNvPr id="7" name="Title 1">
             <a:extLst>
               <a:ext uri="{FF2B5EF4-FFF2-40B4-BE49-F238E27FC236}">
-                <a16:creationId xmlns:a16="http://schemas.microsoft.com/office/drawing/2014/main" id="{EA4ED1E2-43CC-4240-9328-AB3D316B0079}"/>
+                <a16:creationId xmlns:a16="http://schemas.microsoft.com/office/drawing/2014/main" xmlns="" id="{EA4ED1E2-43CC-4240-9328-AB3D316B0079}"/>
               </a:ext>
             </a:extLst>
           </p:cNvPr>
@@ -24003,7 +24215,7 @@
           <p:cNvPr id="8" name="Picture 7" descr="A close up of a sign&#10;&#10;Description automatically generated">
             <a:extLst>
               <a:ext uri="{FF2B5EF4-FFF2-40B4-BE49-F238E27FC236}">
-                <a16:creationId xmlns:a16="http://schemas.microsoft.com/office/drawing/2014/main" id="{6FAD962E-B296-4448-974D-DD58D2D470E3}"/>
+                <a16:creationId xmlns:a16="http://schemas.microsoft.com/office/drawing/2014/main" xmlns="" id="{6FAD962E-B296-4448-974D-DD58D2D470E3}"/>
               </a:ext>
             </a:extLst>
           </p:cNvPr>
@@ -24039,7 +24251,7 @@
           <p:cNvPr id="3" name="Content Placeholder 2">
             <a:extLst>
               <a:ext uri="{FF2B5EF4-FFF2-40B4-BE49-F238E27FC236}">
-                <a16:creationId xmlns:a16="http://schemas.microsoft.com/office/drawing/2014/main" id="{D1A277BF-201F-4AC6-85E9-F27CF57D6FB3}"/>
+                <a16:creationId xmlns:a16="http://schemas.microsoft.com/office/drawing/2014/main" xmlns="" id="{D1A277BF-201F-4AC6-85E9-F27CF57D6FB3}"/>
               </a:ext>
             </a:extLst>
           </p:cNvPr>
@@ -24395,7 +24607,7 @@
           <p:cNvPr id="19" name="Rectangle 18">
             <a:extLst>
               <a:ext uri="{FF2B5EF4-FFF2-40B4-BE49-F238E27FC236}">
-                <a16:creationId xmlns:a16="http://schemas.microsoft.com/office/drawing/2014/main" id="{B49C84C6-3870-4392-BAB0-9CE5105EBBEC}"/>
+                <a16:creationId xmlns:a16="http://schemas.microsoft.com/office/drawing/2014/main" xmlns="" id="{B49C84C6-3870-4392-BAB0-9CE5105EBBEC}"/>
               </a:ext>
             </a:extLst>
           </p:cNvPr>
@@ -24447,7 +24659,7 @@
           <p:cNvPr id="7" name="Title 1">
             <a:extLst>
               <a:ext uri="{FF2B5EF4-FFF2-40B4-BE49-F238E27FC236}">
-                <a16:creationId xmlns:a16="http://schemas.microsoft.com/office/drawing/2014/main" id="{209880CF-D588-478D-8E91-2EE390A6C31A}"/>
+                <a16:creationId xmlns:a16="http://schemas.microsoft.com/office/drawing/2014/main" xmlns="" id="{209880CF-D588-478D-8E91-2EE390A6C31A}"/>
               </a:ext>
             </a:extLst>
           </p:cNvPr>
@@ -24513,7 +24725,7 @@
           <p:cNvPr id="17" name="Title 1">
             <a:extLst>
               <a:ext uri="{FF2B5EF4-FFF2-40B4-BE49-F238E27FC236}">
-                <a16:creationId xmlns:a16="http://schemas.microsoft.com/office/drawing/2014/main" id="{96A2D964-68D1-49AE-B66F-80C6FA362167}"/>
+                <a16:creationId xmlns:a16="http://schemas.microsoft.com/office/drawing/2014/main" xmlns="" id="{96A2D964-68D1-49AE-B66F-80C6FA362167}"/>
               </a:ext>
             </a:extLst>
           </p:cNvPr>
@@ -24586,7 +24798,7 @@
           <p:cNvPr id="18" name="Picture 17" descr="A close up of a sign&#10;&#10;Description automatically generated">
             <a:extLst>
               <a:ext uri="{FF2B5EF4-FFF2-40B4-BE49-F238E27FC236}">
-                <a16:creationId xmlns:a16="http://schemas.microsoft.com/office/drawing/2014/main" id="{8839E78E-3033-4E67-A9E2-AF0BAD7FCBD4}"/>
+                <a16:creationId xmlns:a16="http://schemas.microsoft.com/office/drawing/2014/main" xmlns="" id="{8839E78E-3033-4E67-A9E2-AF0BAD7FCBD4}"/>
               </a:ext>
             </a:extLst>
           </p:cNvPr>
@@ -24622,7 +24834,7 @@
           <p:cNvPr id="16" name="Picture 15">
             <a:extLst>
               <a:ext uri="{FF2B5EF4-FFF2-40B4-BE49-F238E27FC236}">
-                <a16:creationId xmlns:a16="http://schemas.microsoft.com/office/drawing/2014/main" id="{229CF0CA-0F6D-47F5-B0B8-F921F22F5CAA}"/>
+                <a16:creationId xmlns:a16="http://schemas.microsoft.com/office/drawing/2014/main" xmlns="" id="{229CF0CA-0F6D-47F5-B0B8-F921F22F5CAA}"/>
               </a:ext>
             </a:extLst>
           </p:cNvPr>
@@ -24632,7 +24844,7 @@
           <p:nvPr/>
         </p:nvPicPr>
         <p:blipFill>
-          <a:blip r:embed="rId4">
+          <a:blip r:embed="rId4" cstate="print">
             <a:extLst>
               <a:ext uri="{28A0092B-C50C-407E-A947-70E740481C1C}">
                 <a14:useLocalDpi xmlns:a14="http://schemas.microsoft.com/office/drawing/2010/main" val="0"/>
@@ -24658,7 +24870,7 @@
           <p:cNvPr id="24" name="Picture 23">
             <a:extLst>
               <a:ext uri="{FF2B5EF4-FFF2-40B4-BE49-F238E27FC236}">
-                <a16:creationId xmlns:a16="http://schemas.microsoft.com/office/drawing/2014/main" id="{A3B61B13-4A5C-40C5-A3DC-87E4D2203247}"/>
+                <a16:creationId xmlns:a16="http://schemas.microsoft.com/office/drawing/2014/main" xmlns="" id="{A3B61B13-4A5C-40C5-A3DC-87E4D2203247}"/>
               </a:ext>
             </a:extLst>
           </p:cNvPr>
@@ -24694,7 +24906,7 @@
           <p:cNvPr id="26" name="Picture 25" descr="A picture containing indoor&#10;&#10;Description automatically generated">
             <a:extLst>
               <a:ext uri="{FF2B5EF4-FFF2-40B4-BE49-F238E27FC236}">
-                <a16:creationId xmlns:a16="http://schemas.microsoft.com/office/drawing/2014/main" id="{C481AA4F-4BB2-425D-ACF4-212294D8EF22}"/>
+                <a16:creationId xmlns:a16="http://schemas.microsoft.com/office/drawing/2014/main" xmlns="" id="{C481AA4F-4BB2-425D-ACF4-212294D8EF22}"/>
               </a:ext>
             </a:extLst>
           </p:cNvPr>
@@ -24924,7 +25136,7 @@
           <p:cNvPr id="8" name="Rectangle 7">
             <a:extLst>
               <a:ext uri="{FF2B5EF4-FFF2-40B4-BE49-F238E27FC236}">
-                <a16:creationId xmlns:a16="http://schemas.microsoft.com/office/drawing/2014/main" id="{E21DA351-6A24-4EC4-836E-1B8B899DFBD5}"/>
+                <a16:creationId xmlns:a16="http://schemas.microsoft.com/office/drawing/2014/main" xmlns="" id="{E21DA351-6A24-4EC4-836E-1B8B899DFBD5}"/>
               </a:ext>
             </a:extLst>
           </p:cNvPr>
@@ -24976,7 +25188,7 @@
           <p:cNvPr id="10" name="Title 1">
             <a:extLst>
               <a:ext uri="{FF2B5EF4-FFF2-40B4-BE49-F238E27FC236}">
-                <a16:creationId xmlns:a16="http://schemas.microsoft.com/office/drawing/2014/main" id="{F92C6FE8-F550-45BB-874D-480D1302545D}"/>
+                <a16:creationId xmlns:a16="http://schemas.microsoft.com/office/drawing/2014/main" xmlns="" id="{F92C6FE8-F550-45BB-874D-480D1302545D}"/>
               </a:ext>
             </a:extLst>
           </p:cNvPr>
@@ -25049,7 +25261,7 @@
           <p:cNvPr id="12" name="Picture 11" descr="A close up of a sign&#10;&#10;Description automatically generated">
             <a:extLst>
               <a:ext uri="{FF2B5EF4-FFF2-40B4-BE49-F238E27FC236}">
-                <a16:creationId xmlns:a16="http://schemas.microsoft.com/office/drawing/2014/main" id="{D1A36478-D659-490E-A002-9DC2F5D37920}"/>
+                <a16:creationId xmlns:a16="http://schemas.microsoft.com/office/drawing/2014/main" xmlns="" id="{D1A36478-D659-490E-A002-9DC2F5D37920}"/>
               </a:ext>
             </a:extLst>
           </p:cNvPr>
@@ -25085,7 +25297,7 @@
           <p:cNvPr id="9" name="Content Placeholder 2">
             <a:extLst>
               <a:ext uri="{FF2B5EF4-FFF2-40B4-BE49-F238E27FC236}">
-                <a16:creationId xmlns:a16="http://schemas.microsoft.com/office/drawing/2014/main" id="{2DBA617B-CED3-474C-9531-01E2C7E59EA0}"/>
+                <a16:creationId xmlns:a16="http://schemas.microsoft.com/office/drawing/2014/main" xmlns="" id="{2DBA617B-CED3-474C-9531-01E2C7E59EA0}"/>
               </a:ext>
             </a:extLst>
           </p:cNvPr>
@@ -25441,7 +25653,7 @@
           <p:cNvPr id="15" name="Rectangle 14">
             <a:extLst>
               <a:ext uri="{FF2B5EF4-FFF2-40B4-BE49-F238E27FC236}">
-                <a16:creationId xmlns:a16="http://schemas.microsoft.com/office/drawing/2014/main" id="{60A1D206-85E2-4B19-87DF-37FB6145C4C2}"/>
+                <a16:creationId xmlns:a16="http://schemas.microsoft.com/office/drawing/2014/main" xmlns="" id="{60A1D206-85E2-4B19-87DF-37FB6145C4C2}"/>
               </a:ext>
             </a:extLst>
           </p:cNvPr>
@@ -25493,7 +25705,7 @@
           <p:cNvPr id="7" name="Title 1">
             <a:extLst>
               <a:ext uri="{FF2B5EF4-FFF2-40B4-BE49-F238E27FC236}">
-                <a16:creationId xmlns:a16="http://schemas.microsoft.com/office/drawing/2014/main" id="{209880CF-D588-478D-8E91-2EE390A6C31A}"/>
+                <a16:creationId xmlns:a16="http://schemas.microsoft.com/office/drawing/2014/main" xmlns="" id="{209880CF-D588-478D-8E91-2EE390A6C31A}"/>
               </a:ext>
             </a:extLst>
           </p:cNvPr>
@@ -25559,7 +25771,7 @@
           <p:cNvPr id="10" name="Picture 9" descr="A close up of a sign&#10;&#10;Description automatically generated">
             <a:extLst>
               <a:ext uri="{FF2B5EF4-FFF2-40B4-BE49-F238E27FC236}">
-                <a16:creationId xmlns:a16="http://schemas.microsoft.com/office/drawing/2014/main" id="{BF094C0C-70B6-4199-B4D5-6C0C49EAB20E}"/>
+                <a16:creationId xmlns:a16="http://schemas.microsoft.com/office/drawing/2014/main" xmlns="" id="{BF094C0C-70B6-4199-B4D5-6C0C49EAB20E}"/>
               </a:ext>
             </a:extLst>
           </p:cNvPr>
@@ -25595,7 +25807,7 @@
           <p:cNvPr id="12" name="Rectangle 11">
             <a:extLst>
               <a:ext uri="{FF2B5EF4-FFF2-40B4-BE49-F238E27FC236}">
-                <a16:creationId xmlns:a16="http://schemas.microsoft.com/office/drawing/2014/main" id="{B2F5E93B-8001-4D4E-885C-B96E87E1A4E3}"/>
+                <a16:creationId xmlns:a16="http://schemas.microsoft.com/office/drawing/2014/main" xmlns="" id="{B2F5E93B-8001-4D4E-885C-B96E87E1A4E3}"/>
               </a:ext>
             </a:extLst>
           </p:cNvPr>
@@ -25649,7 +25861,7 @@
           <p:cNvPr id="13" name="Title 1">
             <a:extLst>
               <a:ext uri="{FF2B5EF4-FFF2-40B4-BE49-F238E27FC236}">
-                <a16:creationId xmlns:a16="http://schemas.microsoft.com/office/drawing/2014/main" id="{F303E8E1-E375-4D05-ACE3-CB8A68E7D46F}"/>
+                <a16:creationId xmlns:a16="http://schemas.microsoft.com/office/drawing/2014/main" xmlns="" id="{F303E8E1-E375-4D05-ACE3-CB8A68E7D46F}"/>
               </a:ext>
             </a:extLst>
           </p:cNvPr>
@@ -25729,7 +25941,7 @@
           <p:cNvPr id="14" name="Picture 13" descr="A close up of a sign&#10;&#10;Description automatically generated">
             <a:extLst>
               <a:ext uri="{FF2B5EF4-FFF2-40B4-BE49-F238E27FC236}">
-                <a16:creationId xmlns:a16="http://schemas.microsoft.com/office/drawing/2014/main" id="{519F8101-3124-49C9-9D45-BCD3C8CAA16B}"/>
+                <a16:creationId xmlns:a16="http://schemas.microsoft.com/office/drawing/2014/main" xmlns="" id="{519F8101-3124-49C9-9D45-BCD3C8CAA16B}"/>
               </a:ext>
             </a:extLst>
           </p:cNvPr>
@@ -25806,7 +26018,7 @@
           <p:cNvPr id="7" name="Title 1">
             <a:extLst>
               <a:ext uri="{FF2B5EF4-FFF2-40B4-BE49-F238E27FC236}">
-                <a16:creationId xmlns:a16="http://schemas.microsoft.com/office/drawing/2014/main" id="{209880CF-D588-478D-8E91-2EE390A6C31A}"/>
+                <a16:creationId xmlns:a16="http://schemas.microsoft.com/office/drawing/2014/main" xmlns="" id="{209880CF-D588-478D-8E91-2EE390A6C31A}"/>
               </a:ext>
             </a:extLst>
           </p:cNvPr>
@@ -25872,7 +26084,7 @@
           <p:cNvPr id="13" name="Graphic 12">
             <a:extLst>
               <a:ext uri="{FF2B5EF4-FFF2-40B4-BE49-F238E27FC236}">
-                <a16:creationId xmlns:a16="http://schemas.microsoft.com/office/drawing/2014/main" id="{83CA5CBD-8536-49CA-97FF-655ABC90752D}"/>
+                <a16:creationId xmlns:a16="http://schemas.microsoft.com/office/drawing/2014/main" xmlns="" id="{83CA5CBD-8536-49CA-97FF-655ABC90752D}"/>
               </a:ext>
             </a:extLst>
           </p:cNvPr>
@@ -25882,13 +26094,13 @@
           <p:nvPr/>
         </p:nvPicPr>
         <p:blipFill>
-          <a:blip r:embed="rId3">
+          <a:blip r:embed="rId3" cstate="print">
             <a:extLst>
               <a:ext uri="{28A0092B-C50C-407E-A947-70E740481C1C}">
                 <a14:useLocalDpi xmlns:a14="http://schemas.microsoft.com/office/drawing/2010/main" val="0"/>
               </a:ext>
               <a:ext uri="{96DAC541-7B7A-43D3-8B79-37D633B846F1}">
-                <asvg:svgBlip xmlns:asvg="http://schemas.microsoft.com/office/drawing/2016/SVG/main" r:embed="rId4"/>
+                <asvg:svgBlip xmlns:asvg="http://schemas.microsoft.com/office/drawing/2016/SVG/main" xmlns="" r:embed="rId4"/>
               </a:ext>
             </a:extLst>
           </a:blip>
@@ -25911,7 +26123,7 @@
           <p:cNvPr id="15" name="Picture 14">
             <a:extLst>
               <a:ext uri="{FF2B5EF4-FFF2-40B4-BE49-F238E27FC236}">
-                <a16:creationId xmlns:a16="http://schemas.microsoft.com/office/drawing/2014/main" id="{367083EE-7C4A-4C24-9475-8165A2B25772}"/>
+                <a16:creationId xmlns:a16="http://schemas.microsoft.com/office/drawing/2014/main" xmlns="" id="{367083EE-7C4A-4C24-9475-8165A2B25772}"/>
               </a:ext>
             </a:extLst>
           </p:cNvPr>
@@ -25921,7 +26133,7 @@
           <p:nvPr/>
         </p:nvPicPr>
         <p:blipFill>
-          <a:blip r:embed="rId5">
+          <a:blip r:embed="rId5" cstate="print">
             <a:extLst>
               <a:ext uri="{28A0092B-C50C-407E-A947-70E740481C1C}">
                 <a14:useLocalDpi xmlns:a14="http://schemas.microsoft.com/office/drawing/2010/main" val="0"/>
@@ -25947,7 +26159,7 @@
           <p:cNvPr id="12" name="Arrow: Right 11">
             <a:extLst>
               <a:ext uri="{FF2B5EF4-FFF2-40B4-BE49-F238E27FC236}">
-                <a16:creationId xmlns:a16="http://schemas.microsoft.com/office/drawing/2014/main" id="{2B777478-1D7E-4211-A8DD-BCD06FA8DE3D}"/>
+                <a16:creationId xmlns:a16="http://schemas.microsoft.com/office/drawing/2014/main" xmlns="" id="{2B777478-1D7E-4211-A8DD-BCD06FA8DE3D}"/>
               </a:ext>
             </a:extLst>
           </p:cNvPr>
@@ -26032,7 +26244,7 @@
           <p:cNvPr id="14" name="Arrow: Right 13">
             <a:extLst>
               <a:ext uri="{FF2B5EF4-FFF2-40B4-BE49-F238E27FC236}">
-                <a16:creationId xmlns:a16="http://schemas.microsoft.com/office/drawing/2014/main" id="{9ACF86F7-9C0F-46A8-B466-5614EFE34F81}"/>
+                <a16:creationId xmlns:a16="http://schemas.microsoft.com/office/drawing/2014/main" xmlns="" id="{9ACF86F7-9C0F-46A8-B466-5614EFE34F81}"/>
               </a:ext>
             </a:extLst>
           </p:cNvPr>
@@ -26133,7 +26345,7 @@
           <p:cNvPr id="16" name="Picture 15" descr="A close up of a sign&#10;&#10;Description automatically generated">
             <a:extLst>
               <a:ext uri="{FF2B5EF4-FFF2-40B4-BE49-F238E27FC236}">
-                <a16:creationId xmlns:a16="http://schemas.microsoft.com/office/drawing/2014/main" id="{1FF3DF26-5301-47F3-8414-25D674205BD9}"/>
+                <a16:creationId xmlns:a16="http://schemas.microsoft.com/office/drawing/2014/main" xmlns="" id="{1FF3DF26-5301-47F3-8414-25D674205BD9}"/>
               </a:ext>
             </a:extLst>
           </p:cNvPr>
@@ -26169,7 +26381,7 @@
           <p:cNvPr id="17" name="Arrow: Right 16">
             <a:extLst>
               <a:ext uri="{FF2B5EF4-FFF2-40B4-BE49-F238E27FC236}">
-                <a16:creationId xmlns:a16="http://schemas.microsoft.com/office/drawing/2014/main" id="{0E46E182-5BA8-4A56-B03A-7179509D51C6}"/>
+                <a16:creationId xmlns:a16="http://schemas.microsoft.com/office/drawing/2014/main" xmlns="" id="{0E46E182-5BA8-4A56-B03A-7179509D51C6}"/>
               </a:ext>
             </a:extLst>
           </p:cNvPr>
@@ -26254,7 +26466,7 @@
           <p:cNvPr id="18" name="Picture 17" descr="A close up of a sign&#10;&#10;Description automatically generated">
             <a:extLst>
               <a:ext uri="{FF2B5EF4-FFF2-40B4-BE49-F238E27FC236}">
-                <a16:creationId xmlns:a16="http://schemas.microsoft.com/office/drawing/2014/main" id="{16FB8DAA-BE33-4AB3-82E1-26114D5C2972}"/>
+                <a16:creationId xmlns:a16="http://schemas.microsoft.com/office/drawing/2014/main" xmlns="" id="{16FB8DAA-BE33-4AB3-82E1-26114D5C2972}"/>
               </a:ext>
             </a:extLst>
           </p:cNvPr>
@@ -26290,7 +26502,7 @@
           <p:cNvPr id="19" name="Rectangle 18">
             <a:extLst>
               <a:ext uri="{FF2B5EF4-FFF2-40B4-BE49-F238E27FC236}">
-                <a16:creationId xmlns:a16="http://schemas.microsoft.com/office/drawing/2014/main" id="{467A38B0-BE9B-4470-AE5D-10B4B49E5FDB}"/>
+                <a16:creationId xmlns:a16="http://schemas.microsoft.com/office/drawing/2014/main" xmlns="" id="{467A38B0-BE9B-4470-AE5D-10B4B49E5FDB}"/>
               </a:ext>
             </a:extLst>
           </p:cNvPr>
@@ -26342,7 +26554,7 @@
           <p:cNvPr id="20" name="Title 1">
             <a:extLst>
               <a:ext uri="{FF2B5EF4-FFF2-40B4-BE49-F238E27FC236}">
-                <a16:creationId xmlns:a16="http://schemas.microsoft.com/office/drawing/2014/main" id="{AF4246FB-EDFE-461E-A341-4B2FC251403C}"/>
+                <a16:creationId xmlns:a16="http://schemas.microsoft.com/office/drawing/2014/main" xmlns="" id="{AF4246FB-EDFE-461E-A341-4B2FC251403C}"/>
               </a:ext>
             </a:extLst>
           </p:cNvPr>
@@ -26422,7 +26634,7 @@
           <p:cNvPr id="21" name="Picture 20" descr="A close up of a sign&#10;&#10;Description automatically generated">
             <a:extLst>
               <a:ext uri="{FF2B5EF4-FFF2-40B4-BE49-F238E27FC236}">
-                <a16:creationId xmlns:a16="http://schemas.microsoft.com/office/drawing/2014/main" id="{65DBA793-2192-475F-8B6A-630B96D92A52}"/>
+                <a16:creationId xmlns:a16="http://schemas.microsoft.com/office/drawing/2014/main" xmlns="" id="{65DBA793-2192-475F-8B6A-630B96D92A52}"/>
               </a:ext>
             </a:extLst>
           </p:cNvPr>
@@ -26834,7 +27046,7 @@
           <p:cNvPr id="7" name="Title 1">
             <a:extLst>
               <a:ext uri="{FF2B5EF4-FFF2-40B4-BE49-F238E27FC236}">
-                <a16:creationId xmlns:a16="http://schemas.microsoft.com/office/drawing/2014/main" id="{209880CF-D588-478D-8E91-2EE390A6C31A}"/>
+                <a16:creationId xmlns:a16="http://schemas.microsoft.com/office/drawing/2014/main" xmlns="" id="{209880CF-D588-478D-8E91-2EE390A6C31A}"/>
               </a:ext>
             </a:extLst>
           </p:cNvPr>
@@ -26900,7 +27112,7 @@
           <p:cNvPr id="5" name="TextBox 4">
             <a:extLst>
               <a:ext uri="{FF2B5EF4-FFF2-40B4-BE49-F238E27FC236}">
-                <a16:creationId xmlns:a16="http://schemas.microsoft.com/office/drawing/2014/main" id="{DB53004D-8D44-4D37-A89D-15E8DC3E2A6B}"/>
+                <a16:creationId xmlns:a16="http://schemas.microsoft.com/office/drawing/2014/main" xmlns="" id="{DB53004D-8D44-4D37-A89D-15E8DC3E2A6B}"/>
               </a:ext>
             </a:extLst>
           </p:cNvPr>
@@ -27249,7 +27461,7 @@
           <p:cNvPr id="8" name="Rectangle 7">
             <a:extLst>
               <a:ext uri="{FF2B5EF4-FFF2-40B4-BE49-F238E27FC236}">
-                <a16:creationId xmlns:a16="http://schemas.microsoft.com/office/drawing/2014/main" id="{E21DA351-6A24-4EC4-836E-1B8B899DFBD5}"/>
+                <a16:creationId xmlns:a16="http://schemas.microsoft.com/office/drawing/2014/main" xmlns="" id="{E21DA351-6A24-4EC4-836E-1B8B899DFBD5}"/>
               </a:ext>
             </a:extLst>
           </p:cNvPr>
@@ -27301,7 +27513,7 @@
           <p:cNvPr id="10" name="Title 1">
             <a:extLst>
               <a:ext uri="{FF2B5EF4-FFF2-40B4-BE49-F238E27FC236}">
-                <a16:creationId xmlns:a16="http://schemas.microsoft.com/office/drawing/2014/main" id="{F92C6FE8-F550-45BB-874D-480D1302545D}"/>
+                <a16:creationId xmlns:a16="http://schemas.microsoft.com/office/drawing/2014/main" xmlns="" id="{F92C6FE8-F550-45BB-874D-480D1302545D}"/>
               </a:ext>
             </a:extLst>
           </p:cNvPr>
@@ -27381,7 +27593,7 @@
           <p:cNvPr id="12" name="Picture 11" descr="A close up of a sign&#10;&#10;Description automatically generated">
             <a:extLst>
               <a:ext uri="{FF2B5EF4-FFF2-40B4-BE49-F238E27FC236}">
-                <a16:creationId xmlns:a16="http://schemas.microsoft.com/office/drawing/2014/main" id="{D1A36478-D659-490E-A002-9DC2F5D37920}"/>
+                <a16:creationId xmlns:a16="http://schemas.microsoft.com/office/drawing/2014/main" xmlns="" id="{D1A36478-D659-490E-A002-9DC2F5D37920}"/>
               </a:ext>
             </a:extLst>
           </p:cNvPr>
@@ -27458,7 +27670,7 @@
           <p:cNvPr id="7" name="Title 1">
             <a:extLst>
               <a:ext uri="{FF2B5EF4-FFF2-40B4-BE49-F238E27FC236}">
-                <a16:creationId xmlns:a16="http://schemas.microsoft.com/office/drawing/2014/main" id="{209880CF-D588-478D-8E91-2EE390A6C31A}"/>
+                <a16:creationId xmlns:a16="http://schemas.microsoft.com/office/drawing/2014/main" xmlns="" id="{209880CF-D588-478D-8E91-2EE390A6C31A}"/>
               </a:ext>
             </a:extLst>
           </p:cNvPr>
@@ -27542,7 +27754,7 @@
           <p:cNvPr id="8" name="Picture 7">
             <a:extLst>
               <a:ext uri="{FF2B5EF4-FFF2-40B4-BE49-F238E27FC236}">
-                <a16:creationId xmlns:a16="http://schemas.microsoft.com/office/drawing/2014/main" id="{424BFA06-FBFE-4CD6-B3C1-B4CB68D3EAE1}"/>
+                <a16:creationId xmlns:a16="http://schemas.microsoft.com/office/drawing/2014/main" xmlns="" id="{424BFA06-FBFE-4CD6-B3C1-B4CB68D3EAE1}"/>
               </a:ext>
             </a:extLst>
           </p:cNvPr>
@@ -27552,7 +27764,7 @@
           <p:nvPr/>
         </p:nvPicPr>
         <p:blipFill>
-          <a:blip r:embed="rId3">
+          <a:blip r:embed="rId3" cstate="print">
             <a:extLst>
               <a:ext uri="{28A0092B-C50C-407E-A947-70E740481C1C}">
                 <a14:useLocalDpi xmlns:a14="http://schemas.microsoft.com/office/drawing/2010/main" val="0"/>
@@ -27581,7 +27793,7 @@
           <p:cNvPr id="6" name="Picture 5">
             <a:extLst>
               <a:ext uri="{FF2B5EF4-FFF2-40B4-BE49-F238E27FC236}">
-                <a16:creationId xmlns:a16="http://schemas.microsoft.com/office/drawing/2014/main" id="{1B42E9B9-09FA-45ED-8947-AA3CC5A0DB4A}"/>
+                <a16:creationId xmlns:a16="http://schemas.microsoft.com/office/drawing/2014/main" xmlns="" id="{1B42E9B9-09FA-45ED-8947-AA3CC5A0DB4A}"/>
               </a:ext>
             </a:extLst>
           </p:cNvPr>
@@ -27617,7 +27829,7 @@
           <p:cNvPr id="15" name="Rectangle 14">
             <a:extLst>
               <a:ext uri="{FF2B5EF4-FFF2-40B4-BE49-F238E27FC236}">
-                <a16:creationId xmlns:a16="http://schemas.microsoft.com/office/drawing/2014/main" id="{4833C5D2-688C-47E0-AB3B-2A639668C7E7}"/>
+                <a16:creationId xmlns:a16="http://schemas.microsoft.com/office/drawing/2014/main" xmlns="" id="{4833C5D2-688C-47E0-AB3B-2A639668C7E7}"/>
               </a:ext>
             </a:extLst>
           </p:cNvPr>
@@ -27669,7 +27881,7 @@
           <p:cNvPr id="16" name="Title 1">
             <a:extLst>
               <a:ext uri="{FF2B5EF4-FFF2-40B4-BE49-F238E27FC236}">
-                <a16:creationId xmlns:a16="http://schemas.microsoft.com/office/drawing/2014/main" id="{DA2FF94D-683B-4220-B11B-33A608694FAE}"/>
+                <a16:creationId xmlns:a16="http://schemas.microsoft.com/office/drawing/2014/main" xmlns="" id="{DA2FF94D-683B-4220-B11B-33A608694FAE}"/>
               </a:ext>
             </a:extLst>
           </p:cNvPr>
@@ -27741,7 +27953,7 @@
           <p:cNvPr id="17" name="Picture 16" descr="A close up of a sign&#10;&#10;Description automatically generated">
             <a:extLst>
               <a:ext uri="{FF2B5EF4-FFF2-40B4-BE49-F238E27FC236}">
-                <a16:creationId xmlns:a16="http://schemas.microsoft.com/office/drawing/2014/main" id="{ECF72F38-4372-4C21-B983-F7CFACD983F0}"/>
+                <a16:creationId xmlns:a16="http://schemas.microsoft.com/office/drawing/2014/main" xmlns="" id="{ECF72F38-4372-4C21-B983-F7CFACD983F0}"/>
               </a:ext>
             </a:extLst>
           </p:cNvPr>
@@ -27818,7 +28030,7 @@
           <p:cNvPr id="7" name="Title 1">
             <a:extLst>
               <a:ext uri="{FF2B5EF4-FFF2-40B4-BE49-F238E27FC236}">
-                <a16:creationId xmlns:a16="http://schemas.microsoft.com/office/drawing/2014/main" id="{209880CF-D588-478D-8E91-2EE390A6C31A}"/>
+                <a16:creationId xmlns:a16="http://schemas.microsoft.com/office/drawing/2014/main" xmlns="" id="{209880CF-D588-478D-8E91-2EE390A6C31A}"/>
               </a:ext>
             </a:extLst>
           </p:cNvPr>
@@ -27902,7 +28114,7 @@
           <p:cNvPr id="4" name="Picture 3" descr="A screenshot of a cell phone&#10;&#10;Description automatically generated">
             <a:extLst>
               <a:ext uri="{FF2B5EF4-FFF2-40B4-BE49-F238E27FC236}">
-                <a16:creationId xmlns:a16="http://schemas.microsoft.com/office/drawing/2014/main" id="{58F244DB-1913-4494-B439-DB3D2997B9D5}"/>
+                <a16:creationId xmlns:a16="http://schemas.microsoft.com/office/drawing/2014/main" xmlns="" id="{58F244DB-1913-4494-B439-DB3D2997B9D5}"/>
               </a:ext>
             </a:extLst>
           </p:cNvPr>
@@ -27938,7 +28150,7 @@
           <p:cNvPr id="12" name="Picture 11" descr="A screenshot of a cell phone&#10;&#10;Description automatically generated">
             <a:extLst>
               <a:ext uri="{FF2B5EF4-FFF2-40B4-BE49-F238E27FC236}">
-                <a16:creationId xmlns:a16="http://schemas.microsoft.com/office/drawing/2014/main" id="{23BB32DB-2667-4AB0-9250-44C83FAB6977}"/>
+                <a16:creationId xmlns:a16="http://schemas.microsoft.com/office/drawing/2014/main" xmlns="" id="{23BB32DB-2667-4AB0-9250-44C83FAB6977}"/>
               </a:ext>
             </a:extLst>
           </p:cNvPr>
@@ -27974,7 +28186,7 @@
           <p:cNvPr id="8" name="Rectangle 7">
             <a:extLst>
               <a:ext uri="{FF2B5EF4-FFF2-40B4-BE49-F238E27FC236}">
-                <a16:creationId xmlns:a16="http://schemas.microsoft.com/office/drawing/2014/main" id="{48B0B13E-0792-4645-9F7C-504E77FF8D34}"/>
+                <a16:creationId xmlns:a16="http://schemas.microsoft.com/office/drawing/2014/main" xmlns="" id="{48B0B13E-0792-4645-9F7C-504E77FF8D34}"/>
               </a:ext>
             </a:extLst>
           </p:cNvPr>
@@ -28026,7 +28238,7 @@
           <p:cNvPr id="10" name="Title 1">
             <a:extLst>
               <a:ext uri="{FF2B5EF4-FFF2-40B4-BE49-F238E27FC236}">
-                <a16:creationId xmlns:a16="http://schemas.microsoft.com/office/drawing/2014/main" id="{7B5CFEF7-4363-4E8D-A054-C1BC69526296}"/>
+                <a16:creationId xmlns:a16="http://schemas.microsoft.com/office/drawing/2014/main" xmlns="" id="{7B5CFEF7-4363-4E8D-A054-C1BC69526296}"/>
               </a:ext>
             </a:extLst>
           </p:cNvPr>
@@ -28098,7 +28310,7 @@
           <p:cNvPr id="13" name="Picture 12" descr="A close up of a sign&#10;&#10;Description automatically generated">
             <a:extLst>
               <a:ext uri="{FF2B5EF4-FFF2-40B4-BE49-F238E27FC236}">
-                <a16:creationId xmlns:a16="http://schemas.microsoft.com/office/drawing/2014/main" id="{A9A45C45-79DE-4E57-BD34-6DA9D609664C}"/>
+                <a16:creationId xmlns:a16="http://schemas.microsoft.com/office/drawing/2014/main" xmlns="" id="{A9A45C45-79DE-4E57-BD34-6DA9D609664C}"/>
               </a:ext>
             </a:extLst>
           </p:cNvPr>
@@ -28175,7 +28387,7 @@
           <p:cNvPr id="8" name="Picture 7" descr="A picture containing LEGO, toy, sky, table&#10;&#10;Description automatically generated">
             <a:extLst>
               <a:ext uri="{FF2B5EF4-FFF2-40B4-BE49-F238E27FC236}">
-                <a16:creationId xmlns:a16="http://schemas.microsoft.com/office/drawing/2014/main" id="{4EF484C6-9F8F-49D9-B9D0-A827575BD4FD}"/>
+                <a16:creationId xmlns:a16="http://schemas.microsoft.com/office/drawing/2014/main" xmlns="" id="{4EF484C6-9F8F-49D9-B9D0-A827575BD4FD}"/>
               </a:ext>
             </a:extLst>
           </p:cNvPr>
@@ -28214,7 +28426,7 @@
           <p:cNvPr id="7" name="Title 1">
             <a:extLst>
               <a:ext uri="{FF2B5EF4-FFF2-40B4-BE49-F238E27FC236}">
-                <a16:creationId xmlns:a16="http://schemas.microsoft.com/office/drawing/2014/main" id="{209880CF-D588-478D-8E91-2EE390A6C31A}"/>
+                <a16:creationId xmlns:a16="http://schemas.microsoft.com/office/drawing/2014/main" xmlns="" id="{209880CF-D588-478D-8E91-2EE390A6C31A}"/>
               </a:ext>
             </a:extLst>
           </p:cNvPr>
@@ -28289,7 +28501,7 @@
           <p:cNvPr id="10" name="Rectangle 9">
             <a:extLst>
               <a:ext uri="{FF2B5EF4-FFF2-40B4-BE49-F238E27FC236}">
-                <a16:creationId xmlns:a16="http://schemas.microsoft.com/office/drawing/2014/main" id="{93E72654-0376-4B7D-9608-5F70B1CD36CA}"/>
+                <a16:creationId xmlns:a16="http://schemas.microsoft.com/office/drawing/2014/main" xmlns="" id="{93E72654-0376-4B7D-9608-5F70B1CD36CA}"/>
               </a:ext>
             </a:extLst>
           </p:cNvPr>
@@ -28341,7 +28553,7 @@
           <p:cNvPr id="12" name="Title 1">
             <a:extLst>
               <a:ext uri="{FF2B5EF4-FFF2-40B4-BE49-F238E27FC236}">
-                <a16:creationId xmlns:a16="http://schemas.microsoft.com/office/drawing/2014/main" id="{5F1C4A69-3398-4821-A81C-FFF5615D2D3B}"/>
+                <a16:creationId xmlns:a16="http://schemas.microsoft.com/office/drawing/2014/main" xmlns="" id="{5F1C4A69-3398-4821-A81C-FFF5615D2D3B}"/>
               </a:ext>
             </a:extLst>
           </p:cNvPr>
@@ -28413,7 +28625,7 @@
           <p:cNvPr id="13" name="Picture 12" descr="A close up of a sign&#10;&#10;Description automatically generated">
             <a:extLst>
               <a:ext uri="{FF2B5EF4-FFF2-40B4-BE49-F238E27FC236}">
-                <a16:creationId xmlns:a16="http://schemas.microsoft.com/office/drawing/2014/main" id="{97B3B54C-0CBB-4FC5-AF1D-88ECBC213CBA}"/>
+                <a16:creationId xmlns:a16="http://schemas.microsoft.com/office/drawing/2014/main" xmlns="" id="{97B3B54C-0CBB-4FC5-AF1D-88ECBC213CBA}"/>
               </a:ext>
             </a:extLst>
           </p:cNvPr>
@@ -28490,7 +28702,7 @@
           <p:cNvPr id="7" name="Title 1">
             <a:extLst>
               <a:ext uri="{FF2B5EF4-FFF2-40B4-BE49-F238E27FC236}">
-                <a16:creationId xmlns:a16="http://schemas.microsoft.com/office/drawing/2014/main" id="{209880CF-D588-478D-8E91-2EE390A6C31A}"/>
+                <a16:creationId xmlns:a16="http://schemas.microsoft.com/office/drawing/2014/main" xmlns="" id="{209880CF-D588-478D-8E91-2EE390A6C31A}"/>
               </a:ext>
             </a:extLst>
           </p:cNvPr>
@@ -28556,7 +28768,7 @@
           <p:cNvPr id="5" name="Rectangle 4">
             <a:extLst>
               <a:ext uri="{FF2B5EF4-FFF2-40B4-BE49-F238E27FC236}">
-                <a16:creationId xmlns:a16="http://schemas.microsoft.com/office/drawing/2014/main" id="{F21FA67F-ECFE-4470-A39C-BF56F3ACAE30}"/>
+                <a16:creationId xmlns:a16="http://schemas.microsoft.com/office/drawing/2014/main" xmlns="" id="{F21FA67F-ECFE-4470-A39C-BF56F3ACAE30}"/>
               </a:ext>
             </a:extLst>
           </p:cNvPr>
@@ -28610,7 +28822,7 @@
           <p:cNvPr id="19" name="Straight Arrow Connector 18">
             <a:extLst>
               <a:ext uri="{FF2B5EF4-FFF2-40B4-BE49-F238E27FC236}">
-                <a16:creationId xmlns:a16="http://schemas.microsoft.com/office/drawing/2014/main" id="{BAD4B051-F3B1-4E69-AD05-3267C5BAF21A}"/>
+                <a16:creationId xmlns:a16="http://schemas.microsoft.com/office/drawing/2014/main" xmlns="" id="{BAD4B051-F3B1-4E69-AD05-3267C5BAF21A}"/>
               </a:ext>
             </a:extLst>
           </p:cNvPr>
@@ -28659,7 +28871,7 @@
           <p:cNvPr id="22" name="Straight Arrow Connector 21">
             <a:extLst>
               <a:ext uri="{FF2B5EF4-FFF2-40B4-BE49-F238E27FC236}">
-                <a16:creationId xmlns:a16="http://schemas.microsoft.com/office/drawing/2014/main" id="{5B19A76B-1E13-43B0-80D3-F56FD02BD633}"/>
+                <a16:creationId xmlns:a16="http://schemas.microsoft.com/office/drawing/2014/main" xmlns="" id="{5B19A76B-1E13-43B0-80D3-F56FD02BD633}"/>
               </a:ext>
             </a:extLst>
           </p:cNvPr>
@@ -28708,7 +28920,7 @@
           <p:cNvPr id="10" name="Rectangle 9">
             <a:extLst>
               <a:ext uri="{FF2B5EF4-FFF2-40B4-BE49-F238E27FC236}">
-                <a16:creationId xmlns:a16="http://schemas.microsoft.com/office/drawing/2014/main" id="{06472AFD-E5B9-4398-8763-AEC4093E2F5A}"/>
+                <a16:creationId xmlns:a16="http://schemas.microsoft.com/office/drawing/2014/main" xmlns="" id="{06472AFD-E5B9-4398-8763-AEC4093E2F5A}"/>
               </a:ext>
             </a:extLst>
           </p:cNvPr>
@@ -28762,7 +28974,7 @@
           <p:cNvPr id="6" name="Rectangle 5">
             <a:extLst>
               <a:ext uri="{FF2B5EF4-FFF2-40B4-BE49-F238E27FC236}">
-                <a16:creationId xmlns:a16="http://schemas.microsoft.com/office/drawing/2014/main" id="{F340A076-DF64-48A8-BB35-F6F7A70B171D}"/>
+                <a16:creationId xmlns:a16="http://schemas.microsoft.com/office/drawing/2014/main" xmlns="" id="{F340A076-DF64-48A8-BB35-F6F7A70B171D}"/>
               </a:ext>
             </a:extLst>
           </p:cNvPr>
@@ -28819,7 +29031,7 @@
           <p:cNvPr id="14" name="Straight Arrow Connector 13">
             <a:extLst>
               <a:ext uri="{FF2B5EF4-FFF2-40B4-BE49-F238E27FC236}">
-                <a16:creationId xmlns:a16="http://schemas.microsoft.com/office/drawing/2014/main" id="{96A19D33-F88A-4C0A-A3C7-0C182B4DB85E}"/>
+                <a16:creationId xmlns:a16="http://schemas.microsoft.com/office/drawing/2014/main" xmlns="" id="{96A19D33-F88A-4C0A-A3C7-0C182B4DB85E}"/>
               </a:ext>
             </a:extLst>
           </p:cNvPr>
@@ -28866,7 +29078,7 @@
           <p:cNvPr id="16" name="Straight Arrow Connector 15">
             <a:extLst>
               <a:ext uri="{FF2B5EF4-FFF2-40B4-BE49-F238E27FC236}">
-                <a16:creationId xmlns:a16="http://schemas.microsoft.com/office/drawing/2014/main" id="{8ABC1DF4-DE04-4AA1-8AB6-9CCFC3F1693B}"/>
+                <a16:creationId xmlns:a16="http://schemas.microsoft.com/office/drawing/2014/main" xmlns="" id="{8ABC1DF4-DE04-4AA1-8AB6-9CCFC3F1693B}"/>
               </a:ext>
             </a:extLst>
           </p:cNvPr>
@@ -28913,7 +29125,7 @@
           <p:cNvPr id="18" name="Straight Arrow Connector 17">
             <a:extLst>
               <a:ext uri="{FF2B5EF4-FFF2-40B4-BE49-F238E27FC236}">
-                <a16:creationId xmlns:a16="http://schemas.microsoft.com/office/drawing/2014/main" id="{4DF941A7-3D2E-4B85-B956-CC9F4912105B}"/>
+                <a16:creationId xmlns:a16="http://schemas.microsoft.com/office/drawing/2014/main" xmlns="" id="{4DF941A7-3D2E-4B85-B956-CC9F4912105B}"/>
               </a:ext>
             </a:extLst>
           </p:cNvPr>
@@ -28961,7 +29173,7 @@
           <p:cNvPr id="12" name="Rectangle 11">
             <a:extLst>
               <a:ext uri="{FF2B5EF4-FFF2-40B4-BE49-F238E27FC236}">
-                <a16:creationId xmlns:a16="http://schemas.microsoft.com/office/drawing/2014/main" id="{85F06A79-CFD5-44B3-9B62-2A8A22FD4380}"/>
+                <a16:creationId xmlns:a16="http://schemas.microsoft.com/office/drawing/2014/main" xmlns="" id="{85F06A79-CFD5-44B3-9B62-2A8A22FD4380}"/>
               </a:ext>
             </a:extLst>
           </p:cNvPr>
@@ -29018,7 +29230,7 @@
           <p:cNvPr id="15" name="Rectangle 14">
             <a:extLst>
               <a:ext uri="{FF2B5EF4-FFF2-40B4-BE49-F238E27FC236}">
-                <a16:creationId xmlns:a16="http://schemas.microsoft.com/office/drawing/2014/main" id="{0CDD83FD-77EC-4179-8C8E-5D2711ABDECD}"/>
+                <a16:creationId xmlns:a16="http://schemas.microsoft.com/office/drawing/2014/main" xmlns="" id="{0CDD83FD-77EC-4179-8C8E-5D2711ABDECD}"/>
               </a:ext>
             </a:extLst>
           </p:cNvPr>
@@ -29070,7 +29282,7 @@
           <p:cNvPr id="17" name="Title 1">
             <a:extLst>
               <a:ext uri="{FF2B5EF4-FFF2-40B4-BE49-F238E27FC236}">
-                <a16:creationId xmlns:a16="http://schemas.microsoft.com/office/drawing/2014/main" id="{3E755E0F-D4EB-4B46-A600-BFB10D8A7D95}"/>
+                <a16:creationId xmlns:a16="http://schemas.microsoft.com/office/drawing/2014/main" xmlns="" id="{3E755E0F-D4EB-4B46-A600-BFB10D8A7D95}"/>
               </a:ext>
             </a:extLst>
           </p:cNvPr>
@@ -29142,7 +29354,7 @@
           <p:cNvPr id="20" name="Picture 19" descr="A close up of a sign&#10;&#10;Description automatically generated">
             <a:extLst>
               <a:ext uri="{FF2B5EF4-FFF2-40B4-BE49-F238E27FC236}">
-                <a16:creationId xmlns:a16="http://schemas.microsoft.com/office/drawing/2014/main" id="{87133D51-CF92-435C-809B-E21C312CEAB6}"/>
+                <a16:creationId xmlns:a16="http://schemas.microsoft.com/office/drawing/2014/main" xmlns="" id="{87133D51-CF92-435C-809B-E21C312CEAB6}"/>
               </a:ext>
             </a:extLst>
           </p:cNvPr>
@@ -29595,7 +29807,7 @@
           <p:cNvPr id="2" name="Title 1">
             <a:extLst>
               <a:ext uri="{FF2B5EF4-FFF2-40B4-BE49-F238E27FC236}">
-                <a16:creationId xmlns:a16="http://schemas.microsoft.com/office/drawing/2014/main" id="{D0065D8F-353D-4059-9C7F-F49723F8BC46}"/>
+                <a16:creationId xmlns:a16="http://schemas.microsoft.com/office/drawing/2014/main" xmlns="" id="{D0065D8F-353D-4059-9C7F-F49723F8BC46}"/>
               </a:ext>
             </a:extLst>
           </p:cNvPr>
@@ -29698,7 +29910,7 @@
           <p:cNvPr id="7" name="Title 1">
             <a:extLst>
               <a:ext uri="{FF2B5EF4-FFF2-40B4-BE49-F238E27FC236}">
-                <a16:creationId xmlns:a16="http://schemas.microsoft.com/office/drawing/2014/main" id="{209880CF-D588-478D-8E91-2EE390A6C31A}"/>
+                <a16:creationId xmlns:a16="http://schemas.microsoft.com/office/drawing/2014/main" xmlns="" id="{209880CF-D588-478D-8E91-2EE390A6C31A}"/>
               </a:ext>
             </a:extLst>
           </p:cNvPr>
@@ -29773,7 +29985,7 @@
           <p:cNvPr id="8" name="Picture 7" descr="A close up of a logo&#10;&#10;Description automatically generated">
             <a:extLst>
               <a:ext uri="{FF2B5EF4-FFF2-40B4-BE49-F238E27FC236}">
-                <a16:creationId xmlns:a16="http://schemas.microsoft.com/office/drawing/2014/main" id="{37F01F2D-BF2B-4EFE-ACF5-26C4CC1EE5C0}"/>
+                <a16:creationId xmlns:a16="http://schemas.microsoft.com/office/drawing/2014/main" xmlns="" id="{37F01F2D-BF2B-4EFE-ACF5-26C4CC1EE5C0}"/>
               </a:ext>
             </a:extLst>
           </p:cNvPr>
@@ -29812,7 +30024,7 @@
           <p:cNvPr id="10" name="Rectangle 9">
             <a:extLst>
               <a:ext uri="{FF2B5EF4-FFF2-40B4-BE49-F238E27FC236}">
-                <a16:creationId xmlns:a16="http://schemas.microsoft.com/office/drawing/2014/main" id="{A88380BE-B1FC-4C2A-AF15-39D27DB90AC1}"/>
+                <a16:creationId xmlns:a16="http://schemas.microsoft.com/office/drawing/2014/main" xmlns="" id="{A88380BE-B1FC-4C2A-AF15-39D27DB90AC1}"/>
               </a:ext>
             </a:extLst>
           </p:cNvPr>
@@ -29864,7 +30076,7 @@
           <p:cNvPr id="12" name="Title 1">
             <a:extLst>
               <a:ext uri="{FF2B5EF4-FFF2-40B4-BE49-F238E27FC236}">
-                <a16:creationId xmlns:a16="http://schemas.microsoft.com/office/drawing/2014/main" id="{C454B0CF-D76C-4D1D-9044-2EC3F2E384FE}"/>
+                <a16:creationId xmlns:a16="http://schemas.microsoft.com/office/drawing/2014/main" xmlns="" id="{C454B0CF-D76C-4D1D-9044-2EC3F2E384FE}"/>
               </a:ext>
             </a:extLst>
           </p:cNvPr>
@@ -29936,7 +30148,7 @@
           <p:cNvPr id="13" name="Picture 12" descr="A close up of a sign&#10;&#10;Description automatically generated">
             <a:extLst>
               <a:ext uri="{FF2B5EF4-FFF2-40B4-BE49-F238E27FC236}">
-                <a16:creationId xmlns:a16="http://schemas.microsoft.com/office/drawing/2014/main" id="{189DE8A0-4062-41EF-A95B-570B70CF5835}"/>
+                <a16:creationId xmlns:a16="http://schemas.microsoft.com/office/drawing/2014/main" xmlns="" id="{189DE8A0-4062-41EF-A95B-570B70CF5835}"/>
               </a:ext>
             </a:extLst>
           </p:cNvPr>
@@ -30013,7 +30225,7 @@
           <p:cNvPr id="7" name="Title 1">
             <a:extLst>
               <a:ext uri="{FF2B5EF4-FFF2-40B4-BE49-F238E27FC236}">
-                <a16:creationId xmlns:a16="http://schemas.microsoft.com/office/drawing/2014/main" id="{209880CF-D588-478D-8E91-2EE390A6C31A}"/>
+                <a16:creationId xmlns:a16="http://schemas.microsoft.com/office/drawing/2014/main" xmlns="" id="{209880CF-D588-478D-8E91-2EE390A6C31A}"/>
               </a:ext>
             </a:extLst>
           </p:cNvPr>
@@ -30088,7 +30300,7 @@
           <p:cNvPr id="10" name="Rectangle 9">
             <a:extLst>
               <a:ext uri="{FF2B5EF4-FFF2-40B4-BE49-F238E27FC236}">
-                <a16:creationId xmlns:a16="http://schemas.microsoft.com/office/drawing/2014/main" id="{A88380BE-B1FC-4C2A-AF15-39D27DB90AC1}"/>
+                <a16:creationId xmlns:a16="http://schemas.microsoft.com/office/drawing/2014/main" xmlns="" id="{A88380BE-B1FC-4C2A-AF15-39D27DB90AC1}"/>
               </a:ext>
             </a:extLst>
           </p:cNvPr>
@@ -30140,7 +30352,7 @@
           <p:cNvPr id="12" name="Title 1">
             <a:extLst>
               <a:ext uri="{FF2B5EF4-FFF2-40B4-BE49-F238E27FC236}">
-                <a16:creationId xmlns:a16="http://schemas.microsoft.com/office/drawing/2014/main" id="{C454B0CF-D76C-4D1D-9044-2EC3F2E384FE}"/>
+                <a16:creationId xmlns:a16="http://schemas.microsoft.com/office/drawing/2014/main" xmlns="" id="{C454B0CF-D76C-4D1D-9044-2EC3F2E384FE}"/>
               </a:ext>
             </a:extLst>
           </p:cNvPr>
@@ -30212,7 +30424,7 @@
           <p:cNvPr id="13" name="Picture 12" descr="A close up of a sign&#10;&#10;Description automatically generated">
             <a:extLst>
               <a:ext uri="{FF2B5EF4-FFF2-40B4-BE49-F238E27FC236}">
-                <a16:creationId xmlns:a16="http://schemas.microsoft.com/office/drawing/2014/main" id="{189DE8A0-4062-41EF-A95B-570B70CF5835}"/>
+                <a16:creationId xmlns:a16="http://schemas.microsoft.com/office/drawing/2014/main" xmlns="" id="{189DE8A0-4062-41EF-A95B-570B70CF5835}"/>
               </a:ext>
             </a:extLst>
           </p:cNvPr>
@@ -30248,7 +30460,7 @@
           <p:cNvPr id="2" name="Rectangle 1">
             <a:extLst>
               <a:ext uri="{FF2B5EF4-FFF2-40B4-BE49-F238E27FC236}">
-                <a16:creationId xmlns:a16="http://schemas.microsoft.com/office/drawing/2014/main" id="{B19BB28E-B5FA-4A49-AF6E-A37815D81BC6}"/>
+                <a16:creationId xmlns:a16="http://schemas.microsoft.com/office/drawing/2014/main" xmlns="" id="{B19BB28E-B5FA-4A49-AF6E-A37815D81BC6}"/>
               </a:ext>
             </a:extLst>
           </p:cNvPr>
@@ -30300,7 +30512,7 @@
           <p:cNvPr id="3" name="TextBox 2">
             <a:extLst>
               <a:ext uri="{FF2B5EF4-FFF2-40B4-BE49-F238E27FC236}">
-                <a16:creationId xmlns:a16="http://schemas.microsoft.com/office/drawing/2014/main" id="{9728A677-DEF1-4B4C-9A6A-07CA8AAF2BFF}"/>
+                <a16:creationId xmlns:a16="http://schemas.microsoft.com/office/drawing/2014/main" xmlns="" id="{9728A677-DEF1-4B4C-9A6A-07CA8AAF2BFF}"/>
               </a:ext>
             </a:extLst>
           </p:cNvPr>
@@ -30347,7 +30559,7 @@
           <p:cNvPr id="4" name="Rectangle 3">
             <a:extLst>
               <a:ext uri="{FF2B5EF4-FFF2-40B4-BE49-F238E27FC236}">
-                <a16:creationId xmlns:a16="http://schemas.microsoft.com/office/drawing/2014/main" id="{BE7D0391-CD46-4B99-A77C-4470DE0C60F5}"/>
+                <a16:creationId xmlns:a16="http://schemas.microsoft.com/office/drawing/2014/main" xmlns="" id="{BE7D0391-CD46-4B99-A77C-4470DE0C60F5}"/>
               </a:ext>
             </a:extLst>
           </p:cNvPr>
@@ -30407,7 +30619,7 @@
           <p:cNvPr id="16" name="Rectangle 15">
             <a:extLst>
               <a:ext uri="{FF2B5EF4-FFF2-40B4-BE49-F238E27FC236}">
-                <a16:creationId xmlns:a16="http://schemas.microsoft.com/office/drawing/2014/main" id="{11201D1D-788B-48AB-992A-842C01EA399C}"/>
+                <a16:creationId xmlns:a16="http://schemas.microsoft.com/office/drawing/2014/main" xmlns="" id="{11201D1D-788B-48AB-992A-842C01EA399C}"/>
               </a:ext>
             </a:extLst>
           </p:cNvPr>
@@ -30467,7 +30679,7 @@
           <p:cNvPr id="17" name="Rectangle 16">
             <a:extLst>
               <a:ext uri="{FF2B5EF4-FFF2-40B4-BE49-F238E27FC236}">
-                <a16:creationId xmlns:a16="http://schemas.microsoft.com/office/drawing/2014/main" id="{E26F3AA3-3F5F-4FA9-B20D-2A3323F2270E}"/>
+                <a16:creationId xmlns:a16="http://schemas.microsoft.com/office/drawing/2014/main" xmlns="" id="{E26F3AA3-3F5F-4FA9-B20D-2A3323F2270E}"/>
               </a:ext>
             </a:extLst>
           </p:cNvPr>
@@ -30519,7 +30731,7 @@
           <p:cNvPr id="18" name="TextBox 17">
             <a:extLst>
               <a:ext uri="{FF2B5EF4-FFF2-40B4-BE49-F238E27FC236}">
-                <a16:creationId xmlns:a16="http://schemas.microsoft.com/office/drawing/2014/main" id="{383F52C6-967D-46D6-8105-9B2C1FEF36C5}"/>
+                <a16:creationId xmlns:a16="http://schemas.microsoft.com/office/drawing/2014/main" xmlns="" id="{383F52C6-967D-46D6-8105-9B2C1FEF36C5}"/>
               </a:ext>
             </a:extLst>
           </p:cNvPr>
@@ -30565,7 +30777,7 @@
           <p:cNvPr id="20" name="Rectangle 19">
             <a:extLst>
               <a:ext uri="{FF2B5EF4-FFF2-40B4-BE49-F238E27FC236}">
-                <a16:creationId xmlns:a16="http://schemas.microsoft.com/office/drawing/2014/main" id="{14FB7255-7001-411C-8423-078FCC7647BC}"/>
+                <a16:creationId xmlns:a16="http://schemas.microsoft.com/office/drawing/2014/main" xmlns="" id="{14FB7255-7001-411C-8423-078FCC7647BC}"/>
               </a:ext>
             </a:extLst>
           </p:cNvPr>
@@ -30625,7 +30837,7 @@
           <p:cNvPr id="21" name="Rectangle 20">
             <a:extLst>
               <a:ext uri="{FF2B5EF4-FFF2-40B4-BE49-F238E27FC236}">
-                <a16:creationId xmlns:a16="http://schemas.microsoft.com/office/drawing/2014/main" id="{A808E69E-1AA1-4DCE-831A-14CF6C04E30E}"/>
+                <a16:creationId xmlns:a16="http://schemas.microsoft.com/office/drawing/2014/main" xmlns="" id="{A808E69E-1AA1-4DCE-831A-14CF6C04E30E}"/>
               </a:ext>
             </a:extLst>
           </p:cNvPr>
@@ -30692,7 +30904,7 @@
           <p:cNvPr id="22" name="Rectangle 21">
             <a:extLst>
               <a:ext uri="{FF2B5EF4-FFF2-40B4-BE49-F238E27FC236}">
-                <a16:creationId xmlns:a16="http://schemas.microsoft.com/office/drawing/2014/main" id="{DBB420FE-4D7D-4F78-BD16-D2154783A2D7}"/>
+                <a16:creationId xmlns:a16="http://schemas.microsoft.com/office/drawing/2014/main" xmlns="" id="{DBB420FE-4D7D-4F78-BD16-D2154783A2D7}"/>
               </a:ext>
             </a:extLst>
           </p:cNvPr>
@@ -30752,7 +30964,7 @@
           <p:cNvPr id="35" name="Rectangle 34">
             <a:extLst>
               <a:ext uri="{FF2B5EF4-FFF2-40B4-BE49-F238E27FC236}">
-                <a16:creationId xmlns:a16="http://schemas.microsoft.com/office/drawing/2014/main" id="{A8BB3B84-DA0C-4771-BAC4-516AD86FC8F7}"/>
+                <a16:creationId xmlns:a16="http://schemas.microsoft.com/office/drawing/2014/main" xmlns="" id="{A8BB3B84-DA0C-4771-BAC4-516AD86FC8F7}"/>
               </a:ext>
             </a:extLst>
           </p:cNvPr>
@@ -30804,7 +31016,7 @@
           <p:cNvPr id="36" name="TextBox 35">
             <a:extLst>
               <a:ext uri="{FF2B5EF4-FFF2-40B4-BE49-F238E27FC236}">
-                <a16:creationId xmlns:a16="http://schemas.microsoft.com/office/drawing/2014/main" id="{C6BFAECC-AB86-4A5E-B257-829EDD5462CB}"/>
+                <a16:creationId xmlns:a16="http://schemas.microsoft.com/office/drawing/2014/main" xmlns="" id="{C6BFAECC-AB86-4A5E-B257-829EDD5462CB}"/>
               </a:ext>
             </a:extLst>
           </p:cNvPr>
@@ -30850,7 +31062,7 @@
           <p:cNvPr id="37" name="Rectangle 36">
             <a:extLst>
               <a:ext uri="{FF2B5EF4-FFF2-40B4-BE49-F238E27FC236}">
-                <a16:creationId xmlns:a16="http://schemas.microsoft.com/office/drawing/2014/main" id="{20D53999-8EBD-43D7-AE88-1C7F94343D45}"/>
+                <a16:creationId xmlns:a16="http://schemas.microsoft.com/office/drawing/2014/main" xmlns="" id="{20D53999-8EBD-43D7-AE88-1C7F94343D45}"/>
               </a:ext>
             </a:extLst>
           </p:cNvPr>
@@ -30910,7 +31122,7 @@
           <p:cNvPr id="38" name="Rectangle 37">
             <a:extLst>
               <a:ext uri="{FF2B5EF4-FFF2-40B4-BE49-F238E27FC236}">
-                <a16:creationId xmlns:a16="http://schemas.microsoft.com/office/drawing/2014/main" id="{8B3306C2-7DE1-4B40-93FC-3BDBC7F49949}"/>
+                <a16:creationId xmlns:a16="http://schemas.microsoft.com/office/drawing/2014/main" xmlns="" id="{8B3306C2-7DE1-4B40-93FC-3BDBC7F49949}"/>
               </a:ext>
             </a:extLst>
           </p:cNvPr>
@@ -30977,7 +31189,7 @@
           <p:cNvPr id="39" name="Rectangle 38">
             <a:extLst>
               <a:ext uri="{FF2B5EF4-FFF2-40B4-BE49-F238E27FC236}">
-                <a16:creationId xmlns:a16="http://schemas.microsoft.com/office/drawing/2014/main" id="{9C6C5D12-DD1C-4E5A-9477-1A476EF71665}"/>
+                <a16:creationId xmlns:a16="http://schemas.microsoft.com/office/drawing/2014/main" xmlns="" id="{9C6C5D12-DD1C-4E5A-9477-1A476EF71665}"/>
               </a:ext>
             </a:extLst>
           </p:cNvPr>
@@ -31037,7 +31249,7 @@
           <p:cNvPr id="41" name="Rectangle 40">
             <a:extLst>
               <a:ext uri="{FF2B5EF4-FFF2-40B4-BE49-F238E27FC236}">
-                <a16:creationId xmlns:a16="http://schemas.microsoft.com/office/drawing/2014/main" id="{D63FDFAA-C7B8-4CD8-B1DC-B72D4B34935B}"/>
+                <a16:creationId xmlns:a16="http://schemas.microsoft.com/office/drawing/2014/main" xmlns="" id="{D63FDFAA-C7B8-4CD8-B1DC-B72D4B34935B}"/>
               </a:ext>
             </a:extLst>
           </p:cNvPr>
@@ -31089,7 +31301,7 @@
           <p:cNvPr id="42" name="TextBox 41">
             <a:extLst>
               <a:ext uri="{FF2B5EF4-FFF2-40B4-BE49-F238E27FC236}">
-                <a16:creationId xmlns:a16="http://schemas.microsoft.com/office/drawing/2014/main" id="{C693EB59-C2A3-46EF-A5BB-84C5B4C07C28}"/>
+                <a16:creationId xmlns:a16="http://schemas.microsoft.com/office/drawing/2014/main" xmlns="" id="{C693EB59-C2A3-46EF-A5BB-84C5B4C07C28}"/>
               </a:ext>
             </a:extLst>
           </p:cNvPr>
@@ -31136,7 +31348,7 @@
           <p:cNvPr id="43" name="Rectangle 42">
             <a:extLst>
               <a:ext uri="{FF2B5EF4-FFF2-40B4-BE49-F238E27FC236}">
-                <a16:creationId xmlns:a16="http://schemas.microsoft.com/office/drawing/2014/main" id="{F341A98F-8F3C-488D-8492-CB33FD4A7477}"/>
+                <a16:creationId xmlns:a16="http://schemas.microsoft.com/office/drawing/2014/main" xmlns="" id="{F341A98F-8F3C-488D-8492-CB33FD4A7477}"/>
               </a:ext>
             </a:extLst>
           </p:cNvPr>
@@ -31196,7 +31408,7 @@
           <p:cNvPr id="44" name="Rectangle 43">
             <a:extLst>
               <a:ext uri="{FF2B5EF4-FFF2-40B4-BE49-F238E27FC236}">
-                <a16:creationId xmlns:a16="http://schemas.microsoft.com/office/drawing/2014/main" id="{AC8FE27E-3399-4A4E-93B2-153DE3B2ABF9}"/>
+                <a16:creationId xmlns:a16="http://schemas.microsoft.com/office/drawing/2014/main" xmlns="" id="{AC8FE27E-3399-4A4E-93B2-153DE3B2ABF9}"/>
               </a:ext>
             </a:extLst>
           </p:cNvPr>
@@ -31263,7 +31475,7 @@
           <p:cNvPr id="45" name="Rectangle 44">
             <a:extLst>
               <a:ext uri="{FF2B5EF4-FFF2-40B4-BE49-F238E27FC236}">
-                <a16:creationId xmlns:a16="http://schemas.microsoft.com/office/drawing/2014/main" id="{B2E1C277-E905-4BE5-A25E-8D43EB1FA4A5}"/>
+                <a16:creationId xmlns:a16="http://schemas.microsoft.com/office/drawing/2014/main" xmlns="" id="{B2E1C277-E905-4BE5-A25E-8D43EB1FA4A5}"/>
               </a:ext>
             </a:extLst>
           </p:cNvPr>
@@ -31323,7 +31535,7 @@
           <p:cNvPr id="46" name="Rectangle 45">
             <a:extLst>
               <a:ext uri="{FF2B5EF4-FFF2-40B4-BE49-F238E27FC236}">
-                <a16:creationId xmlns:a16="http://schemas.microsoft.com/office/drawing/2014/main" id="{D81BCC78-6CF4-4DAC-80EC-3D04671B97AD}"/>
+                <a16:creationId xmlns:a16="http://schemas.microsoft.com/office/drawing/2014/main" xmlns="" id="{D81BCC78-6CF4-4DAC-80EC-3D04671B97AD}"/>
               </a:ext>
             </a:extLst>
           </p:cNvPr>
@@ -31375,7 +31587,7 @@
           <p:cNvPr id="47" name="TextBox 46">
             <a:extLst>
               <a:ext uri="{FF2B5EF4-FFF2-40B4-BE49-F238E27FC236}">
-                <a16:creationId xmlns:a16="http://schemas.microsoft.com/office/drawing/2014/main" id="{42A700F5-1DFD-4188-8428-E6D1DE60429B}"/>
+                <a16:creationId xmlns:a16="http://schemas.microsoft.com/office/drawing/2014/main" xmlns="" id="{42A700F5-1DFD-4188-8428-E6D1DE60429B}"/>
               </a:ext>
             </a:extLst>
           </p:cNvPr>
@@ -31421,7 +31633,7 @@
           <p:cNvPr id="48" name="Rectangle 47">
             <a:extLst>
               <a:ext uri="{FF2B5EF4-FFF2-40B4-BE49-F238E27FC236}">
-                <a16:creationId xmlns:a16="http://schemas.microsoft.com/office/drawing/2014/main" id="{0665E50F-B9D2-44BD-9BA4-F71D25B3088A}"/>
+                <a16:creationId xmlns:a16="http://schemas.microsoft.com/office/drawing/2014/main" xmlns="" id="{0665E50F-B9D2-44BD-9BA4-F71D25B3088A}"/>
               </a:ext>
             </a:extLst>
           </p:cNvPr>
@@ -31481,7 +31693,7 @@
           <p:cNvPr id="49" name="Rectangle 48">
             <a:extLst>
               <a:ext uri="{FF2B5EF4-FFF2-40B4-BE49-F238E27FC236}">
-                <a16:creationId xmlns:a16="http://schemas.microsoft.com/office/drawing/2014/main" id="{1A4BA154-8685-4CA3-B37F-354390A8AD95}"/>
+                <a16:creationId xmlns:a16="http://schemas.microsoft.com/office/drawing/2014/main" xmlns="" id="{1A4BA154-8685-4CA3-B37F-354390A8AD95}"/>
               </a:ext>
             </a:extLst>
           </p:cNvPr>
@@ -31541,7 +31753,7 @@
           <p:cNvPr id="50" name="Rectangle 49">
             <a:extLst>
               <a:ext uri="{FF2B5EF4-FFF2-40B4-BE49-F238E27FC236}">
-                <a16:creationId xmlns:a16="http://schemas.microsoft.com/office/drawing/2014/main" id="{1E3551EA-8C14-4161-91CD-2A01BBBE4178}"/>
+                <a16:creationId xmlns:a16="http://schemas.microsoft.com/office/drawing/2014/main" xmlns="" id="{1E3551EA-8C14-4161-91CD-2A01BBBE4178}"/>
               </a:ext>
             </a:extLst>
           </p:cNvPr>
@@ -31608,7 +31820,7 @@
           <p:cNvPr id="51" name="Rectangle 50">
             <a:extLst>
               <a:ext uri="{FF2B5EF4-FFF2-40B4-BE49-F238E27FC236}">
-                <a16:creationId xmlns:a16="http://schemas.microsoft.com/office/drawing/2014/main" id="{A1D23643-2C82-4ACA-97F0-3EF6BB5DB992}"/>
+                <a16:creationId xmlns:a16="http://schemas.microsoft.com/office/drawing/2014/main" xmlns="" id="{A1D23643-2C82-4ACA-97F0-3EF6BB5DB992}"/>
               </a:ext>
             </a:extLst>
           </p:cNvPr>
@@ -31660,7 +31872,7 @@
           <p:cNvPr id="52" name="TextBox 51">
             <a:extLst>
               <a:ext uri="{FF2B5EF4-FFF2-40B4-BE49-F238E27FC236}">
-                <a16:creationId xmlns:a16="http://schemas.microsoft.com/office/drawing/2014/main" id="{F292CDBA-0C10-4B50-88C3-B49B65ABB76D}"/>
+                <a16:creationId xmlns:a16="http://schemas.microsoft.com/office/drawing/2014/main" xmlns="" id="{F292CDBA-0C10-4B50-88C3-B49B65ABB76D}"/>
               </a:ext>
             </a:extLst>
           </p:cNvPr>
@@ -31707,7 +31919,7 @@
           <p:cNvPr id="53" name="Rectangle 52">
             <a:extLst>
               <a:ext uri="{FF2B5EF4-FFF2-40B4-BE49-F238E27FC236}">
-                <a16:creationId xmlns:a16="http://schemas.microsoft.com/office/drawing/2014/main" id="{DC44DFC0-4E86-42EB-A8C4-15126FBBAA7D}"/>
+                <a16:creationId xmlns:a16="http://schemas.microsoft.com/office/drawing/2014/main" xmlns="" id="{DC44DFC0-4E86-42EB-A8C4-15126FBBAA7D}"/>
               </a:ext>
             </a:extLst>
           </p:cNvPr>
@@ -31767,7 +31979,7 @@
           <p:cNvPr id="54" name="Rectangle 53">
             <a:extLst>
               <a:ext uri="{FF2B5EF4-FFF2-40B4-BE49-F238E27FC236}">
-                <a16:creationId xmlns:a16="http://schemas.microsoft.com/office/drawing/2014/main" id="{F49D68D3-722F-4471-8653-2C279A59FBD1}"/>
+                <a16:creationId xmlns:a16="http://schemas.microsoft.com/office/drawing/2014/main" xmlns="" id="{F49D68D3-722F-4471-8653-2C279A59FBD1}"/>
               </a:ext>
             </a:extLst>
           </p:cNvPr>
@@ -31834,7 +32046,7 @@
           <p:cNvPr id="55" name="Rectangle 54">
             <a:extLst>
               <a:ext uri="{FF2B5EF4-FFF2-40B4-BE49-F238E27FC236}">
-                <a16:creationId xmlns:a16="http://schemas.microsoft.com/office/drawing/2014/main" id="{F41CA784-A202-4D55-A706-AE4D20F8524E}"/>
+                <a16:creationId xmlns:a16="http://schemas.microsoft.com/office/drawing/2014/main" xmlns="" id="{F41CA784-A202-4D55-A706-AE4D20F8524E}"/>
               </a:ext>
             </a:extLst>
           </p:cNvPr>
@@ -31894,7 +32106,7 @@
           <p:cNvPr id="56" name="Rectangle 55">
             <a:extLst>
               <a:ext uri="{FF2B5EF4-FFF2-40B4-BE49-F238E27FC236}">
-                <a16:creationId xmlns:a16="http://schemas.microsoft.com/office/drawing/2014/main" id="{836316DC-FB36-4B43-8C7E-4E8FB254E63C}"/>
+                <a16:creationId xmlns:a16="http://schemas.microsoft.com/office/drawing/2014/main" xmlns="" id="{836316DC-FB36-4B43-8C7E-4E8FB254E63C}"/>
               </a:ext>
             </a:extLst>
           </p:cNvPr>
@@ -31961,7 +32173,7 @@
           <p:cNvPr id="57" name="Rectangle 56">
             <a:extLst>
               <a:ext uri="{FF2B5EF4-FFF2-40B4-BE49-F238E27FC236}">
-                <a16:creationId xmlns:a16="http://schemas.microsoft.com/office/drawing/2014/main" id="{8631A8AA-1DA8-4078-8327-1023A5975537}"/>
+                <a16:creationId xmlns:a16="http://schemas.microsoft.com/office/drawing/2014/main" xmlns="" id="{8631A8AA-1DA8-4078-8327-1023A5975537}"/>
               </a:ext>
             </a:extLst>
           </p:cNvPr>
@@ -32021,7 +32233,7 @@
           <p:cNvPr id="58" name="Rectangle 57">
             <a:extLst>
               <a:ext uri="{FF2B5EF4-FFF2-40B4-BE49-F238E27FC236}">
-                <a16:creationId xmlns:a16="http://schemas.microsoft.com/office/drawing/2014/main" id="{F7A8CC35-15A7-4C33-A454-AFDC1E2721E9}"/>
+                <a16:creationId xmlns:a16="http://schemas.microsoft.com/office/drawing/2014/main" xmlns="" id="{F7A8CC35-15A7-4C33-A454-AFDC1E2721E9}"/>
               </a:ext>
             </a:extLst>
           </p:cNvPr>
@@ -32122,7 +32334,7 @@
           <p:cNvPr id="7" name="Title 1">
             <a:extLst>
               <a:ext uri="{FF2B5EF4-FFF2-40B4-BE49-F238E27FC236}">
-                <a16:creationId xmlns:a16="http://schemas.microsoft.com/office/drawing/2014/main" id="{209880CF-D588-478D-8E91-2EE390A6C31A}"/>
+                <a16:creationId xmlns:a16="http://schemas.microsoft.com/office/drawing/2014/main" xmlns="" id="{209880CF-D588-478D-8E91-2EE390A6C31A}"/>
               </a:ext>
             </a:extLst>
           </p:cNvPr>
@@ -32205,7 +32417,7 @@
           <p:cNvPr id="3" name="Rectangle 2">
             <a:extLst>
               <a:ext uri="{FF2B5EF4-FFF2-40B4-BE49-F238E27FC236}">
-                <a16:creationId xmlns:a16="http://schemas.microsoft.com/office/drawing/2014/main" id="{E2F3B396-4755-4263-B8C6-896C40C75BC8}"/>
+                <a16:creationId xmlns:a16="http://schemas.microsoft.com/office/drawing/2014/main" xmlns="" id="{E2F3B396-4755-4263-B8C6-896C40C75BC8}"/>
               </a:ext>
             </a:extLst>
           </p:cNvPr>
@@ -32239,7 +32451,7 @@
           <p:cNvPr id="4" name="TextBox 3">
             <a:extLst>
               <a:ext uri="{FF2B5EF4-FFF2-40B4-BE49-F238E27FC236}">
-                <a16:creationId xmlns:a16="http://schemas.microsoft.com/office/drawing/2014/main" id="{00999AC4-312C-4330-9DE3-CB65DFE33E46}"/>
+                <a16:creationId xmlns:a16="http://schemas.microsoft.com/office/drawing/2014/main" xmlns="" id="{00999AC4-312C-4330-9DE3-CB65DFE33E46}"/>
               </a:ext>
             </a:extLst>
           </p:cNvPr>
@@ -32324,7 +32536,7 @@
           <p:cNvPr id="13" name="Rectangle 12">
             <a:extLst>
               <a:ext uri="{FF2B5EF4-FFF2-40B4-BE49-F238E27FC236}">
-                <a16:creationId xmlns:a16="http://schemas.microsoft.com/office/drawing/2014/main" id="{22561A0E-A335-4350-A10C-1407B0C77B4B}"/>
+                <a16:creationId xmlns:a16="http://schemas.microsoft.com/office/drawing/2014/main" xmlns="" id="{22561A0E-A335-4350-A10C-1407B0C77B4B}"/>
               </a:ext>
             </a:extLst>
           </p:cNvPr>
@@ -32376,7 +32588,7 @@
           <p:cNvPr id="15" name="Picture 14" descr="A close up of a sign&#10;&#10;Description automatically generated">
             <a:extLst>
               <a:ext uri="{FF2B5EF4-FFF2-40B4-BE49-F238E27FC236}">
-                <a16:creationId xmlns:a16="http://schemas.microsoft.com/office/drawing/2014/main" id="{864209A5-60B9-4A51-B31F-BC70C3CB5B5E}"/>
+                <a16:creationId xmlns:a16="http://schemas.microsoft.com/office/drawing/2014/main" xmlns="" id="{864209A5-60B9-4A51-B31F-BC70C3CB5B5E}"/>
               </a:ext>
             </a:extLst>
           </p:cNvPr>
@@ -32412,7 +32624,7 @@
           <p:cNvPr id="16" name="Title 1">
             <a:extLst>
               <a:ext uri="{FF2B5EF4-FFF2-40B4-BE49-F238E27FC236}">
-                <a16:creationId xmlns:a16="http://schemas.microsoft.com/office/drawing/2014/main" id="{AAE351AF-DAF9-44F4-82B1-0FBEE2931854}"/>
+                <a16:creationId xmlns:a16="http://schemas.microsoft.com/office/drawing/2014/main" xmlns="" id="{AAE351AF-DAF9-44F4-82B1-0FBEE2931854}"/>
               </a:ext>
             </a:extLst>
           </p:cNvPr>
@@ -32525,7 +32737,7 @@
           <p:cNvPr id="4" name="Picture 3">
             <a:extLst>
               <a:ext uri="{FF2B5EF4-FFF2-40B4-BE49-F238E27FC236}">
-                <a16:creationId xmlns:a16="http://schemas.microsoft.com/office/drawing/2014/main" id="{E806A265-91A3-44D3-A845-B5E74D32A225}"/>
+                <a16:creationId xmlns:a16="http://schemas.microsoft.com/office/drawing/2014/main" xmlns="" id="{E806A265-91A3-44D3-A845-B5E74D32A225}"/>
               </a:ext>
             </a:extLst>
           </p:cNvPr>
@@ -32572,7 +32784,7 @@
           <p:cNvPr id="5" name="Picture 4">
             <a:extLst>
               <a:ext uri="{FF2B5EF4-FFF2-40B4-BE49-F238E27FC236}">
-                <a16:creationId xmlns:a16="http://schemas.microsoft.com/office/drawing/2014/main" id="{1C373431-9E7B-4576-8831-13D67AF33226}"/>
+                <a16:creationId xmlns:a16="http://schemas.microsoft.com/office/drawing/2014/main" xmlns="" id="{1C373431-9E7B-4576-8831-13D67AF33226}"/>
               </a:ext>
             </a:extLst>
           </p:cNvPr>
@@ -32608,7 +32820,7 @@
           <p:cNvPr id="6" name="Text Placeholder 7">
             <a:extLst>
               <a:ext uri="{FF2B5EF4-FFF2-40B4-BE49-F238E27FC236}">
-                <a16:creationId xmlns:a16="http://schemas.microsoft.com/office/drawing/2014/main" id="{B7D9A7E4-7BA3-4E93-8912-98EFE09BB28A}"/>
+                <a16:creationId xmlns:a16="http://schemas.microsoft.com/office/drawing/2014/main" xmlns="" id="{B7D9A7E4-7BA3-4E93-8912-98EFE09BB28A}"/>
               </a:ext>
             </a:extLst>
           </p:cNvPr>
@@ -32865,7 +33077,7 @@
           <p:cNvPr id="7" name="Text Placeholder 7">
             <a:extLst>
               <a:ext uri="{FF2B5EF4-FFF2-40B4-BE49-F238E27FC236}">
-                <a16:creationId xmlns:a16="http://schemas.microsoft.com/office/drawing/2014/main" id="{C9C80F1A-C35F-401C-BE9E-EA2D52A62214}"/>
+                <a16:creationId xmlns:a16="http://schemas.microsoft.com/office/drawing/2014/main" xmlns="" id="{C9C80F1A-C35F-401C-BE9E-EA2D52A62214}"/>
               </a:ext>
             </a:extLst>
           </p:cNvPr>
@@ -33122,7 +33334,7 @@
           <p:cNvPr id="9" name="Picture 8">
             <a:extLst>
               <a:ext uri="{FF2B5EF4-FFF2-40B4-BE49-F238E27FC236}">
-                <a16:creationId xmlns:a16="http://schemas.microsoft.com/office/drawing/2014/main" id="{C4DC195B-1A46-49CD-A653-ED9AB3DD20A4}"/>
+                <a16:creationId xmlns:a16="http://schemas.microsoft.com/office/drawing/2014/main" xmlns="" id="{C4DC195B-1A46-49CD-A653-ED9AB3DD20A4}"/>
               </a:ext>
             </a:extLst>
           </p:cNvPr>
@@ -33132,7 +33344,7 @@
           <p:nvPr/>
         </p:nvPicPr>
         <p:blipFill>
-          <a:blip r:embed="rId5">
+          <a:blip r:embed="rId5" cstate="print">
             <a:extLst>
               <a:ext uri="{28A0092B-C50C-407E-A947-70E740481C1C}">
                 <a14:useLocalDpi xmlns:a14="http://schemas.microsoft.com/office/drawing/2010/main" val="0"/>
@@ -33182,7 +33394,7 @@
           <p:cNvPr id="11" name="Text Placeholder 7">
             <a:extLst>
               <a:ext uri="{FF2B5EF4-FFF2-40B4-BE49-F238E27FC236}">
-                <a16:creationId xmlns:a16="http://schemas.microsoft.com/office/drawing/2014/main" id="{61993706-1D78-48D5-9CE6-9BC974868574}"/>
+                <a16:creationId xmlns:a16="http://schemas.microsoft.com/office/drawing/2014/main" xmlns="" id="{61993706-1D78-48D5-9CE6-9BC974868574}"/>
               </a:ext>
             </a:extLst>
           </p:cNvPr>
@@ -33455,7 +33667,7 @@
           <p:cNvPr id="2" name="Rectangle 1">
             <a:extLst>
               <a:ext uri="{FF2B5EF4-FFF2-40B4-BE49-F238E27FC236}">
-                <a16:creationId xmlns:a16="http://schemas.microsoft.com/office/drawing/2014/main" id="{1BA08570-1616-4217-B1E1-F2BCDD93CE6D}"/>
+                <a16:creationId xmlns:a16="http://schemas.microsoft.com/office/drawing/2014/main" xmlns="" id="{1BA08570-1616-4217-B1E1-F2BCDD93CE6D}"/>
               </a:ext>
             </a:extLst>
           </p:cNvPr>
@@ -33535,7 +33747,7 @@
           <p:cNvPr id="14" name="Rectangle 13">
             <a:extLst>
               <a:ext uri="{FF2B5EF4-FFF2-40B4-BE49-F238E27FC236}">
-                <a16:creationId xmlns:a16="http://schemas.microsoft.com/office/drawing/2014/main" id="{77A59420-E26F-4E43-84C7-97C5F97C0C69}"/>
+                <a16:creationId xmlns:a16="http://schemas.microsoft.com/office/drawing/2014/main" xmlns="" id="{77A59420-E26F-4E43-84C7-97C5F97C0C69}"/>
               </a:ext>
             </a:extLst>
           </p:cNvPr>
@@ -33579,7 +33791,7 @@
           <p:cNvPr id="18" name="Rectangle 17">
             <a:extLst>
               <a:ext uri="{FF2B5EF4-FFF2-40B4-BE49-F238E27FC236}">
-                <a16:creationId xmlns:a16="http://schemas.microsoft.com/office/drawing/2014/main" id="{D6053829-81FD-4458-85BA-F4CB80745FA3}"/>
+                <a16:creationId xmlns:a16="http://schemas.microsoft.com/office/drawing/2014/main" xmlns="" id="{D6053829-81FD-4458-85BA-F4CB80745FA3}"/>
               </a:ext>
             </a:extLst>
           </p:cNvPr>
@@ -33631,7 +33843,7 @@
           <p:cNvPr id="20" name="Picture 19" descr="A close up of a sign&#10;&#10;Description automatically generated">
             <a:extLst>
               <a:ext uri="{FF2B5EF4-FFF2-40B4-BE49-F238E27FC236}">
-                <a16:creationId xmlns:a16="http://schemas.microsoft.com/office/drawing/2014/main" id="{F5661A8F-3C92-4183-822C-8EA4939C52D7}"/>
+                <a16:creationId xmlns:a16="http://schemas.microsoft.com/office/drawing/2014/main" xmlns="" id="{F5661A8F-3C92-4183-822C-8EA4939C52D7}"/>
               </a:ext>
             </a:extLst>
           </p:cNvPr>
@@ -33667,7 +33879,7 @@
           <p:cNvPr id="21" name="Title 1">
             <a:extLst>
               <a:ext uri="{FF2B5EF4-FFF2-40B4-BE49-F238E27FC236}">
-                <a16:creationId xmlns:a16="http://schemas.microsoft.com/office/drawing/2014/main" id="{DF1E8401-11A8-4985-AEEA-BBEF508FF32F}"/>
+                <a16:creationId xmlns:a16="http://schemas.microsoft.com/office/drawing/2014/main" xmlns="" id="{DF1E8401-11A8-4985-AEEA-BBEF508FF32F}"/>
               </a:ext>
             </a:extLst>
           </p:cNvPr>
@@ -33775,7 +33987,7 @@
           <p:cNvPr id="2" name="Title 1">
             <a:extLst>
               <a:ext uri="{FF2B5EF4-FFF2-40B4-BE49-F238E27FC236}">
-                <a16:creationId xmlns:a16="http://schemas.microsoft.com/office/drawing/2014/main" id="{5C4D0B21-0753-4B41-AC6C-587C83C7DB53}"/>
+                <a16:creationId xmlns:a16="http://schemas.microsoft.com/office/drawing/2014/main" xmlns="" id="{5C4D0B21-0753-4B41-AC6C-587C83C7DB53}"/>
               </a:ext>
             </a:extLst>
           </p:cNvPr>
@@ -33820,7 +34032,7 @@
           <p:cNvPr id="7" name="Rectangle 6">
             <a:extLst>
               <a:ext uri="{FF2B5EF4-FFF2-40B4-BE49-F238E27FC236}">
-                <a16:creationId xmlns:a16="http://schemas.microsoft.com/office/drawing/2014/main" id="{1C3956DE-9326-4593-9A3C-EC93E2B54ECE}"/>
+                <a16:creationId xmlns:a16="http://schemas.microsoft.com/office/drawing/2014/main" xmlns="" id="{1C3956DE-9326-4593-9A3C-EC93E2B54ECE}"/>
               </a:ext>
             </a:extLst>
           </p:cNvPr>
@@ -33872,7 +34084,7 @@
           <p:cNvPr id="9" name="Picture 8" descr="A close up of a sign&#10;&#10;Description automatically generated">
             <a:extLst>
               <a:ext uri="{FF2B5EF4-FFF2-40B4-BE49-F238E27FC236}">
-                <a16:creationId xmlns:a16="http://schemas.microsoft.com/office/drawing/2014/main" id="{8C3CD1DA-26F9-4D88-ABB9-39BCA4E4D716}"/>
+                <a16:creationId xmlns:a16="http://schemas.microsoft.com/office/drawing/2014/main" xmlns="" id="{8C3CD1DA-26F9-4D88-ABB9-39BCA4E4D716}"/>
               </a:ext>
             </a:extLst>
           </p:cNvPr>
@@ -33908,7 +34120,7 @@
           <p:cNvPr id="6" name="Picture 5">
             <a:extLst>
               <a:ext uri="{FF2B5EF4-FFF2-40B4-BE49-F238E27FC236}">
-                <a16:creationId xmlns:a16="http://schemas.microsoft.com/office/drawing/2014/main" id="{4EDEB27C-079C-4993-B653-34A28E4BAD6A}"/>
+                <a16:creationId xmlns:a16="http://schemas.microsoft.com/office/drawing/2014/main" xmlns="" id="{4EDEB27C-079C-4993-B653-34A28E4BAD6A}"/>
               </a:ext>
             </a:extLst>
           </p:cNvPr>
@@ -33952,7 +34164,7 @@
           <p:cNvPr id="17" name="Title 1">
             <a:extLst>
               <a:ext uri="{FF2B5EF4-FFF2-40B4-BE49-F238E27FC236}">
-                <a16:creationId xmlns:a16="http://schemas.microsoft.com/office/drawing/2014/main" id="{7375084E-1F76-47F8-8A1E-C82A9B273564}"/>
+                <a16:creationId xmlns:a16="http://schemas.microsoft.com/office/drawing/2014/main" xmlns="" id="{7375084E-1F76-47F8-8A1E-C82A9B273564}"/>
               </a:ext>
             </a:extLst>
           </p:cNvPr>
@@ -34018,7 +34230,7 @@
           <p:cNvPr id="18" name="Content Placeholder 10">
             <a:extLst>
               <a:ext uri="{FF2B5EF4-FFF2-40B4-BE49-F238E27FC236}">
-                <a16:creationId xmlns:a16="http://schemas.microsoft.com/office/drawing/2014/main" id="{C759A347-21CB-48C4-910F-718F51BB95E7}"/>
+                <a16:creationId xmlns:a16="http://schemas.microsoft.com/office/drawing/2014/main" xmlns="" id="{C759A347-21CB-48C4-910F-718F51BB95E7}"/>
               </a:ext>
             </a:extLst>
           </p:cNvPr>
@@ -34153,7 +34365,7 @@
           <p:cNvPr id="19" name="Title 1">
             <a:extLst>
               <a:ext uri="{FF2B5EF4-FFF2-40B4-BE49-F238E27FC236}">
-                <a16:creationId xmlns:a16="http://schemas.microsoft.com/office/drawing/2014/main" id="{C22EE3C4-72AC-4B04-AF82-22372A4DA8DE}"/>
+                <a16:creationId xmlns:a16="http://schemas.microsoft.com/office/drawing/2014/main" xmlns="" id="{C22EE3C4-72AC-4B04-AF82-22372A4DA8DE}"/>
               </a:ext>
             </a:extLst>
           </p:cNvPr>
@@ -34211,7 +34423,7 @@
           <p:cNvPr id="20" name="Content Placeholder 10">
             <a:extLst>
               <a:ext uri="{FF2B5EF4-FFF2-40B4-BE49-F238E27FC236}">
-                <a16:creationId xmlns:a16="http://schemas.microsoft.com/office/drawing/2014/main" id="{671023FB-7C53-4119-8F0B-74B5B41D143F}"/>
+                <a16:creationId xmlns:a16="http://schemas.microsoft.com/office/drawing/2014/main" xmlns="" id="{671023FB-7C53-4119-8F0B-74B5B41D143F}"/>
               </a:ext>
             </a:extLst>
           </p:cNvPr>
@@ -35017,7 +35229,7 @@
           <p:cNvPr id="10" name="Content Placeholder 9">
             <a:extLst>
               <a:ext uri="{FF2B5EF4-FFF2-40B4-BE49-F238E27FC236}">
-                <a16:creationId xmlns:a16="http://schemas.microsoft.com/office/drawing/2014/main" id="{FA530467-8F23-4217-9082-0E932DD1816D}"/>
+                <a16:creationId xmlns:a16="http://schemas.microsoft.com/office/drawing/2014/main" xmlns="" id="{FA530467-8F23-4217-9082-0E932DD1816D}"/>
               </a:ext>
             </a:extLst>
           </p:cNvPr>
@@ -35108,10 +35320,10 @@
           <p:cNvPr id="28" name="Freeform: Shape 27">
             <a:extLst>
               <a:ext uri="{FF2B5EF4-FFF2-40B4-BE49-F238E27FC236}">
-                <a16:creationId xmlns:a16="http://schemas.microsoft.com/office/drawing/2014/main" id="{CF62D2A7-8207-488C-9F46-316BA81A16C8}"/>
+                <a16:creationId xmlns:a16="http://schemas.microsoft.com/office/drawing/2014/main" xmlns="" id="{CF62D2A7-8207-488C-9F46-316BA81A16C8}"/>
               </a:ext>
               <a:ext uri="{C183D7F6-B498-43B3-948B-1728B52AA6E4}">
-                <adec:decorative xmlns:adec="http://schemas.microsoft.com/office/drawing/2017/decorative" val="1"/>
+                <adec:decorative xmlns:adec="http://schemas.microsoft.com/office/drawing/2017/decorative" xmlns="" val="1"/>
               </a:ext>
             </a:extLst>
           </p:cNvPr>
@@ -35121,7 +35333,7 @@
           <p:nvPr>
             <p:extLst>
               <p:ext uri="{386F3935-93C4-4BCD-93E2-E3B085C9AB24}">
-                <p16:designElem xmlns:p16="http://schemas.microsoft.com/office/powerpoint/2015/main" val="1"/>
+                <p16:designElem xmlns:p16="http://schemas.microsoft.com/office/powerpoint/2015/main" xmlns="" val="1"/>
               </p:ext>
             </p:extLst>
           </p:nvPr>
@@ -35275,7 +35487,7 @@
           <p:cNvPr id="23" name="Content Placeholder 4">
             <a:extLst>
               <a:ext uri="{FF2B5EF4-FFF2-40B4-BE49-F238E27FC236}">
-                <a16:creationId xmlns:a16="http://schemas.microsoft.com/office/drawing/2014/main" id="{80A64381-DDDA-41B6-8692-7D1CD7E4E200}"/>
+                <a16:creationId xmlns:a16="http://schemas.microsoft.com/office/drawing/2014/main" xmlns="" id="{80A64381-DDDA-41B6-8692-7D1CD7E4E200}"/>
               </a:ext>
             </a:extLst>
           </p:cNvPr>
@@ -35383,7 +35595,7 @@
           <p:cNvPr id="6" name="Rectangle 5">
             <a:extLst>
               <a:ext uri="{FF2B5EF4-FFF2-40B4-BE49-F238E27FC236}">
-                <a16:creationId xmlns:a16="http://schemas.microsoft.com/office/drawing/2014/main" id="{DCA317E3-E0E0-4A07-BF58-49C10179A22C}"/>
+                <a16:creationId xmlns:a16="http://schemas.microsoft.com/office/drawing/2014/main" xmlns="" id="{DCA317E3-E0E0-4A07-BF58-49C10179A22C}"/>
               </a:ext>
             </a:extLst>
           </p:cNvPr>
@@ -35435,7 +35647,7 @@
           <p:cNvPr id="8" name="Picture 7" descr="A close up of a sign&#10;&#10;Description automatically generated">
             <a:extLst>
               <a:ext uri="{FF2B5EF4-FFF2-40B4-BE49-F238E27FC236}">
-                <a16:creationId xmlns:a16="http://schemas.microsoft.com/office/drawing/2014/main" id="{82639D57-CE97-4882-854A-0DA3EFB7B4D3}"/>
+                <a16:creationId xmlns:a16="http://schemas.microsoft.com/office/drawing/2014/main" xmlns="" id="{82639D57-CE97-4882-854A-0DA3EFB7B4D3}"/>
               </a:ext>
             </a:extLst>
           </p:cNvPr>
@@ -35471,7 +35683,7 @@
           <p:cNvPr id="2" name="Title 1">
             <a:extLst>
               <a:ext uri="{FF2B5EF4-FFF2-40B4-BE49-F238E27FC236}">
-                <a16:creationId xmlns:a16="http://schemas.microsoft.com/office/drawing/2014/main" id="{2F078983-C003-476C-AF76-9D9D733F76FD}"/>
+                <a16:creationId xmlns:a16="http://schemas.microsoft.com/office/drawing/2014/main" xmlns="" id="{2F078983-C003-476C-AF76-9D9D733F76FD}"/>
               </a:ext>
             </a:extLst>
           </p:cNvPr>
@@ -36430,7 +36642,7 @@
           <p:cNvPr id="25" name="Rectangle 24">
             <a:extLst>
               <a:ext uri="{FF2B5EF4-FFF2-40B4-BE49-F238E27FC236}">
-                <a16:creationId xmlns:a16="http://schemas.microsoft.com/office/drawing/2014/main" id="{D5C04BB7-F1AA-4084-9AB8-2AF9D920F532}"/>
+                <a16:creationId xmlns:a16="http://schemas.microsoft.com/office/drawing/2014/main" xmlns="" id="{D5C04BB7-F1AA-4084-9AB8-2AF9D920F532}"/>
               </a:ext>
             </a:extLst>
           </p:cNvPr>
@@ -36482,7 +36694,7 @@
           <p:cNvPr id="8" name="Diagram 7">
             <a:extLst>
               <a:ext uri="{FF2B5EF4-FFF2-40B4-BE49-F238E27FC236}">
-                <a16:creationId xmlns:a16="http://schemas.microsoft.com/office/drawing/2014/main" id="{1728488C-D370-4605-BAE5-D9CF2C99DFAC}"/>
+                <a16:creationId xmlns:a16="http://schemas.microsoft.com/office/drawing/2014/main" xmlns="" id="{1728488C-D370-4605-BAE5-D9CF2C99DFAC}"/>
               </a:ext>
             </a:extLst>
           </p:cNvPr>
@@ -36510,7 +36722,7 @@
           <p:cNvPr id="12" name="Title 1">
             <a:extLst>
               <a:ext uri="{FF2B5EF4-FFF2-40B4-BE49-F238E27FC236}">
-                <a16:creationId xmlns:a16="http://schemas.microsoft.com/office/drawing/2014/main" id="{FFDB862C-4665-49ED-82C7-572587F8CD89}"/>
+                <a16:creationId xmlns:a16="http://schemas.microsoft.com/office/drawing/2014/main" xmlns="" id="{FFDB862C-4665-49ED-82C7-572587F8CD89}"/>
               </a:ext>
             </a:extLst>
           </p:cNvPr>
@@ -36577,7 +36789,7 @@
           <p:cNvPr id="6" name="Picture 5" descr="A close up of a sign&#10;&#10;Description automatically generated">
             <a:extLst>
               <a:ext uri="{FF2B5EF4-FFF2-40B4-BE49-F238E27FC236}">
-                <a16:creationId xmlns:a16="http://schemas.microsoft.com/office/drawing/2014/main" id="{96C78CFD-6730-4D11-B7F0-70866814CCC5}"/>
+                <a16:creationId xmlns:a16="http://schemas.microsoft.com/office/drawing/2014/main" xmlns="" id="{96C78CFD-6730-4D11-B7F0-70866814CCC5}"/>
               </a:ext>
             </a:extLst>
           </p:cNvPr>
@@ -36654,7 +36866,7 @@
           <p:cNvPr id="14" name="Rectangle 13">
             <a:extLst>
               <a:ext uri="{FF2B5EF4-FFF2-40B4-BE49-F238E27FC236}">
-                <a16:creationId xmlns:a16="http://schemas.microsoft.com/office/drawing/2014/main" id="{2F3C37D1-BF1C-4B1F-85B8-B73DE62BF4BF}"/>
+                <a16:creationId xmlns:a16="http://schemas.microsoft.com/office/drawing/2014/main" xmlns="" id="{2F3C37D1-BF1C-4B1F-85B8-B73DE62BF4BF}"/>
               </a:ext>
             </a:extLst>
           </p:cNvPr>
@@ -36706,7 +36918,7 @@
           <p:cNvPr id="7" name="Title 1">
             <a:extLst>
               <a:ext uri="{FF2B5EF4-FFF2-40B4-BE49-F238E27FC236}">
-                <a16:creationId xmlns:a16="http://schemas.microsoft.com/office/drawing/2014/main" id="{209880CF-D588-478D-8E91-2EE390A6C31A}"/>
+                <a16:creationId xmlns:a16="http://schemas.microsoft.com/office/drawing/2014/main" xmlns="" id="{209880CF-D588-478D-8E91-2EE390A6C31A}"/>
               </a:ext>
             </a:extLst>
           </p:cNvPr>
@@ -36772,7 +36984,7 @@
           <p:cNvPr id="4" name="Diagram 3">
             <a:extLst>
               <a:ext uri="{FF2B5EF4-FFF2-40B4-BE49-F238E27FC236}">
-                <a16:creationId xmlns:a16="http://schemas.microsoft.com/office/drawing/2014/main" id="{066C6809-CCAA-4BE3-B632-C475CAE1A6B9}"/>
+                <a16:creationId xmlns:a16="http://schemas.microsoft.com/office/drawing/2014/main" xmlns="" id="{066C6809-CCAA-4BE3-B632-C475CAE1A6B9}"/>
               </a:ext>
             </a:extLst>
           </p:cNvPr>
@@ -36800,7 +37012,7 @@
           <p:cNvPr id="10" name="Title 1">
             <a:extLst>
               <a:ext uri="{FF2B5EF4-FFF2-40B4-BE49-F238E27FC236}">
-                <a16:creationId xmlns:a16="http://schemas.microsoft.com/office/drawing/2014/main" id="{21D713B0-5273-4FEA-BE02-3DF6010A0A2D}"/>
+                <a16:creationId xmlns:a16="http://schemas.microsoft.com/office/drawing/2014/main" xmlns="" id="{21D713B0-5273-4FEA-BE02-3DF6010A0A2D}"/>
               </a:ext>
             </a:extLst>
           </p:cNvPr>
@@ -36867,7 +37079,7 @@
           <p:cNvPr id="12" name="Picture 11" descr="A close up of a sign&#10;&#10;Description automatically generated">
             <a:extLst>
               <a:ext uri="{FF2B5EF4-FFF2-40B4-BE49-F238E27FC236}">
-                <a16:creationId xmlns:a16="http://schemas.microsoft.com/office/drawing/2014/main" id="{F178F5F7-B9F1-449B-A16E-DEC487A266B4}"/>
+                <a16:creationId xmlns:a16="http://schemas.microsoft.com/office/drawing/2014/main" xmlns="" id="{F178F5F7-B9F1-449B-A16E-DEC487A266B4}"/>
               </a:ext>
             </a:extLst>
           </p:cNvPr>
@@ -36944,7 +37156,7 @@
           <p:cNvPr id="5" name="Content Placeholder 4">
             <a:extLst>
               <a:ext uri="{FF2B5EF4-FFF2-40B4-BE49-F238E27FC236}">
-                <a16:creationId xmlns:a16="http://schemas.microsoft.com/office/drawing/2014/main" id="{66498839-B648-4944-A396-CC077C7722CA}"/>
+                <a16:creationId xmlns:a16="http://schemas.microsoft.com/office/drawing/2014/main" xmlns="" id="{66498839-B648-4944-A396-CC077C7722CA}"/>
               </a:ext>
             </a:extLst>
           </p:cNvPr>
@@ -36982,7 +37194,7 @@
           <p:cNvPr id="6" name="TextBox 5">
             <a:extLst>
               <a:ext uri="{FF2B5EF4-FFF2-40B4-BE49-F238E27FC236}">
-                <a16:creationId xmlns:a16="http://schemas.microsoft.com/office/drawing/2014/main" id="{EE3E83F4-BCB9-421A-B709-B87DF261BB68}"/>
+                <a16:creationId xmlns:a16="http://schemas.microsoft.com/office/drawing/2014/main" xmlns="" id="{EE3E83F4-BCB9-421A-B709-B87DF261BB68}"/>
               </a:ext>
             </a:extLst>
           </p:cNvPr>
@@ -37028,7 +37240,7 @@
           <p:cNvPr id="14" name="Rectangle 13">
             <a:extLst>
               <a:ext uri="{FF2B5EF4-FFF2-40B4-BE49-F238E27FC236}">
-                <a16:creationId xmlns:a16="http://schemas.microsoft.com/office/drawing/2014/main" id="{82FC7932-E09E-484F-A3FE-34FE9CBA0868}"/>
+                <a16:creationId xmlns:a16="http://schemas.microsoft.com/office/drawing/2014/main" xmlns="" id="{82FC7932-E09E-484F-A3FE-34FE9CBA0868}"/>
               </a:ext>
             </a:extLst>
           </p:cNvPr>
@@ -37080,7 +37292,7 @@
           <p:cNvPr id="15" name="Title 1">
             <a:extLst>
               <a:ext uri="{FF2B5EF4-FFF2-40B4-BE49-F238E27FC236}">
-                <a16:creationId xmlns:a16="http://schemas.microsoft.com/office/drawing/2014/main" id="{6A9E8B6F-9953-4370-A336-17EE09973A9A}"/>
+                <a16:creationId xmlns:a16="http://schemas.microsoft.com/office/drawing/2014/main" xmlns="" id="{6A9E8B6F-9953-4370-A336-17EE09973A9A}"/>
               </a:ext>
             </a:extLst>
           </p:cNvPr>
@@ -37147,7 +37359,7 @@
           <p:cNvPr id="16" name="Picture 15" descr="A close up of a sign&#10;&#10;Description automatically generated">
             <a:extLst>
               <a:ext uri="{FF2B5EF4-FFF2-40B4-BE49-F238E27FC236}">
-                <a16:creationId xmlns:a16="http://schemas.microsoft.com/office/drawing/2014/main" id="{3852385A-2217-4A65-AC24-E91115356902}"/>
+                <a16:creationId xmlns:a16="http://schemas.microsoft.com/office/drawing/2014/main" xmlns="" id="{3852385A-2217-4A65-AC24-E91115356902}"/>
               </a:ext>
             </a:extLst>
           </p:cNvPr>
@@ -37224,7 +37436,7 @@
           <p:cNvPr id="13" name="Rectangle 12">
             <a:extLst>
               <a:ext uri="{FF2B5EF4-FFF2-40B4-BE49-F238E27FC236}">
-                <a16:creationId xmlns:a16="http://schemas.microsoft.com/office/drawing/2014/main" id="{09983E22-73EC-484C-AF60-0FF3C68FC312}"/>
+                <a16:creationId xmlns:a16="http://schemas.microsoft.com/office/drawing/2014/main" xmlns="" id="{09983E22-73EC-484C-AF60-0FF3C68FC312}"/>
               </a:ext>
             </a:extLst>
           </p:cNvPr>
@@ -37276,7 +37488,7 @@
           <p:cNvPr id="7" name="Diagram 6">
             <a:extLst>
               <a:ext uri="{FF2B5EF4-FFF2-40B4-BE49-F238E27FC236}">
-                <a16:creationId xmlns:a16="http://schemas.microsoft.com/office/drawing/2014/main" id="{EE19E956-EF1A-4DF2-B8A5-CEE74BF3A33C}"/>
+                <a16:creationId xmlns:a16="http://schemas.microsoft.com/office/drawing/2014/main" xmlns="" id="{EE19E956-EF1A-4DF2-B8A5-CEE74BF3A33C}"/>
               </a:ext>
             </a:extLst>
           </p:cNvPr>
@@ -37304,7 +37516,7 @@
           <p:cNvPr id="10" name="Title 1">
             <a:extLst>
               <a:ext uri="{FF2B5EF4-FFF2-40B4-BE49-F238E27FC236}">
-                <a16:creationId xmlns:a16="http://schemas.microsoft.com/office/drawing/2014/main" id="{365B29A0-B140-4099-9BA3-A1D4A9FE2AD5}"/>
+                <a16:creationId xmlns:a16="http://schemas.microsoft.com/office/drawing/2014/main" xmlns="" id="{365B29A0-B140-4099-9BA3-A1D4A9FE2AD5}"/>
               </a:ext>
             </a:extLst>
           </p:cNvPr>
@@ -37371,7 +37583,7 @@
           <p:cNvPr id="12" name="Picture 11" descr="A close up of a sign&#10;&#10;Description automatically generated">
             <a:extLst>
               <a:ext uri="{FF2B5EF4-FFF2-40B4-BE49-F238E27FC236}">
-                <a16:creationId xmlns:a16="http://schemas.microsoft.com/office/drawing/2014/main" id="{E6589E5E-73A9-4643-BDE1-EC091201BCB9}"/>
+                <a16:creationId xmlns:a16="http://schemas.microsoft.com/office/drawing/2014/main" xmlns="" id="{E6589E5E-73A9-4643-BDE1-EC091201BCB9}"/>
               </a:ext>
             </a:extLst>
           </p:cNvPr>
@@ -37714,7 +37926,7 @@
           <p:cNvPr id="19" name="Rectangle 18">
             <a:extLst>
               <a:ext uri="{FF2B5EF4-FFF2-40B4-BE49-F238E27FC236}">
-                <a16:creationId xmlns:a16="http://schemas.microsoft.com/office/drawing/2014/main" id="{B49C84C6-3870-4392-BAB0-9CE5105EBBEC}"/>
+                <a16:creationId xmlns:a16="http://schemas.microsoft.com/office/drawing/2014/main" xmlns="" id="{B49C84C6-3870-4392-BAB0-9CE5105EBBEC}"/>
               </a:ext>
             </a:extLst>
           </p:cNvPr>
@@ -37766,7 +37978,7 @@
           <p:cNvPr id="7" name="Title 1">
             <a:extLst>
               <a:ext uri="{FF2B5EF4-FFF2-40B4-BE49-F238E27FC236}">
-                <a16:creationId xmlns:a16="http://schemas.microsoft.com/office/drawing/2014/main" id="{209880CF-D588-478D-8E91-2EE390A6C31A}"/>
+                <a16:creationId xmlns:a16="http://schemas.microsoft.com/office/drawing/2014/main" xmlns="" id="{209880CF-D588-478D-8E91-2EE390A6C31A}"/>
               </a:ext>
             </a:extLst>
           </p:cNvPr>
@@ -37832,7 +38044,7 @@
           <p:cNvPr id="10" name="Title 1">
             <a:extLst>
               <a:ext uri="{FF2B5EF4-FFF2-40B4-BE49-F238E27FC236}">
-                <a16:creationId xmlns:a16="http://schemas.microsoft.com/office/drawing/2014/main" id="{0BFA36DA-FD5A-4774-B74F-D98515421C50}"/>
+                <a16:creationId xmlns:a16="http://schemas.microsoft.com/office/drawing/2014/main" xmlns="" id="{0BFA36DA-FD5A-4774-B74F-D98515421C50}"/>
               </a:ext>
             </a:extLst>
           </p:cNvPr>
@@ -37933,7 +38145,7 @@
           <p:cNvPr id="4" name="Picture 3">
             <a:extLst>
               <a:ext uri="{FF2B5EF4-FFF2-40B4-BE49-F238E27FC236}">
-                <a16:creationId xmlns:a16="http://schemas.microsoft.com/office/drawing/2014/main" id="{02C59DA9-B0F6-4E80-9B82-95D4506E0520}"/>
+                <a16:creationId xmlns:a16="http://schemas.microsoft.com/office/drawing/2014/main" xmlns="" id="{02C59DA9-B0F6-4E80-9B82-95D4506E0520}"/>
               </a:ext>
             </a:extLst>
           </p:cNvPr>
@@ -37943,7 +38155,7 @@
           <p:nvPr/>
         </p:nvPicPr>
         <p:blipFill>
-          <a:blip r:embed="rId3">
+          <a:blip r:embed="rId3" cstate="print">
             <a:extLst>
               <a:ext uri="{28A0092B-C50C-407E-A947-70E740481C1C}">
                 <a14:useLocalDpi xmlns:a14="http://schemas.microsoft.com/office/drawing/2010/main" val="0"/>
@@ -37969,7 +38181,7 @@
           <p:cNvPr id="6" name="Picture 5">
             <a:extLst>
               <a:ext uri="{FF2B5EF4-FFF2-40B4-BE49-F238E27FC236}">
-                <a16:creationId xmlns:a16="http://schemas.microsoft.com/office/drawing/2014/main" id="{45B2F205-0B4F-4E6E-8257-FAD87424E93E}"/>
+                <a16:creationId xmlns:a16="http://schemas.microsoft.com/office/drawing/2014/main" xmlns="" id="{45B2F205-0B4F-4E6E-8257-FAD87424E93E}"/>
               </a:ext>
             </a:extLst>
           </p:cNvPr>
@@ -38005,7 +38217,7 @@
           <p:cNvPr id="12" name="Picture 11">
             <a:extLst>
               <a:ext uri="{FF2B5EF4-FFF2-40B4-BE49-F238E27FC236}">
-                <a16:creationId xmlns:a16="http://schemas.microsoft.com/office/drawing/2014/main" id="{83F2AC82-5988-4C11-86E7-EB71CA357D47}"/>
+                <a16:creationId xmlns:a16="http://schemas.microsoft.com/office/drawing/2014/main" xmlns="" id="{83F2AC82-5988-4C11-86E7-EB71CA357D47}"/>
               </a:ext>
             </a:extLst>
           </p:cNvPr>
@@ -38041,7 +38253,7 @@
           <p:cNvPr id="13" name="TextBox 12">
             <a:extLst>
               <a:ext uri="{FF2B5EF4-FFF2-40B4-BE49-F238E27FC236}">
-                <a16:creationId xmlns:a16="http://schemas.microsoft.com/office/drawing/2014/main" id="{1BA5E8AA-DBD7-42CE-95FF-45754CB8D761}"/>
+                <a16:creationId xmlns:a16="http://schemas.microsoft.com/office/drawing/2014/main" xmlns="" id="{1BA5E8AA-DBD7-42CE-95FF-45754CB8D761}"/>
               </a:ext>
             </a:extLst>
           </p:cNvPr>
@@ -38086,7 +38298,7 @@
           <p:cNvPr id="14" name="TextBox 13">
             <a:extLst>
               <a:ext uri="{FF2B5EF4-FFF2-40B4-BE49-F238E27FC236}">
-                <a16:creationId xmlns:a16="http://schemas.microsoft.com/office/drawing/2014/main" id="{44B7EFF6-4E16-46F7-B864-FEFEAAC25CB2}"/>
+                <a16:creationId xmlns:a16="http://schemas.microsoft.com/office/drawing/2014/main" xmlns="" id="{44B7EFF6-4E16-46F7-B864-FEFEAAC25CB2}"/>
               </a:ext>
             </a:extLst>
           </p:cNvPr>
@@ -38126,7 +38338,7 @@
           <p:cNvPr id="15" name="TextBox 14">
             <a:extLst>
               <a:ext uri="{FF2B5EF4-FFF2-40B4-BE49-F238E27FC236}">
-                <a16:creationId xmlns:a16="http://schemas.microsoft.com/office/drawing/2014/main" id="{2302E2AA-A9EE-400B-95F9-D7CDDFC30754}"/>
+                <a16:creationId xmlns:a16="http://schemas.microsoft.com/office/drawing/2014/main" xmlns="" id="{2302E2AA-A9EE-400B-95F9-D7CDDFC30754}"/>
               </a:ext>
             </a:extLst>
           </p:cNvPr>
@@ -38171,7 +38383,7 @@
           <p:cNvPr id="17" name="Title 1">
             <a:extLst>
               <a:ext uri="{FF2B5EF4-FFF2-40B4-BE49-F238E27FC236}">
-                <a16:creationId xmlns:a16="http://schemas.microsoft.com/office/drawing/2014/main" id="{96A2D964-68D1-49AE-B66F-80C6FA362167}"/>
+                <a16:creationId xmlns:a16="http://schemas.microsoft.com/office/drawing/2014/main" xmlns="" id="{96A2D964-68D1-49AE-B66F-80C6FA362167}"/>
               </a:ext>
             </a:extLst>
           </p:cNvPr>
@@ -38243,7 +38455,7 @@
           <p:cNvPr id="18" name="Picture 17" descr="A close up of a sign&#10;&#10;Description automatically generated">
             <a:extLst>
               <a:ext uri="{FF2B5EF4-FFF2-40B4-BE49-F238E27FC236}">
-                <a16:creationId xmlns:a16="http://schemas.microsoft.com/office/drawing/2014/main" id="{8839E78E-3033-4E67-A9E2-AF0BAD7FCBD4}"/>
+                <a16:creationId xmlns:a16="http://schemas.microsoft.com/office/drawing/2014/main" xmlns="" id="{8839E78E-3033-4E67-A9E2-AF0BAD7FCBD4}"/>
               </a:ext>
             </a:extLst>
           </p:cNvPr>

--- a/ngMeetup.pptx
+++ b/ngMeetup.pptx
@@ -4352,13 +4352,6 @@
         </dgm:presLayoutVars>
       </dgm:prSet>
       <dgm:spPr/>
-      <dgm:t>
-        <a:bodyPr/>
-        <a:lstStyle/>
-        <a:p>
-          <a:endParaRPr lang="bg-BG"/>
-        </a:p>
-      </dgm:t>
     </dgm:pt>
     <dgm:pt modelId="{57A82C8C-E481-452E-8130-B1514CAF9A98}" type="pres">
       <dgm:prSet presAssocID="{E934F060-2B4A-4CDF-B3F0-3D0BA3D3B321}" presName="thickLine" presStyleLbl="alignNode1" presStyleIdx="0" presStyleCnt="5"/>
@@ -4371,13 +4364,6 @@
     <dgm:pt modelId="{11620395-E6C7-4DAB-AA34-67485023D539}" type="pres">
       <dgm:prSet presAssocID="{E934F060-2B4A-4CDF-B3F0-3D0BA3D3B321}" presName="tx1" presStyleLbl="revTx" presStyleIdx="0" presStyleCnt="5"/>
       <dgm:spPr/>
-      <dgm:t>
-        <a:bodyPr/>
-        <a:lstStyle/>
-        <a:p>
-          <a:endParaRPr lang="bg-BG"/>
-        </a:p>
-      </dgm:t>
     </dgm:pt>
     <dgm:pt modelId="{49089279-80D4-42A6-8DAC-FD787F87E29F}" type="pres">
       <dgm:prSet presAssocID="{E934F060-2B4A-4CDF-B3F0-3D0BA3D3B321}" presName="vert1" presStyleCnt="0"/>
@@ -4394,13 +4380,6 @@
     <dgm:pt modelId="{8CC7DD70-3C57-44FF-8343-8051C9ABEA4A}" type="pres">
       <dgm:prSet presAssocID="{C3238E2F-F9B3-4293-9B7A-A7A068259777}" presName="tx1" presStyleLbl="revTx" presStyleIdx="1" presStyleCnt="5"/>
       <dgm:spPr/>
-      <dgm:t>
-        <a:bodyPr/>
-        <a:lstStyle/>
-        <a:p>
-          <a:endParaRPr lang="bg-BG"/>
-        </a:p>
-      </dgm:t>
     </dgm:pt>
     <dgm:pt modelId="{9C691BE6-B498-42BA-B77A-FFF1C9DEE006}" type="pres">
       <dgm:prSet presAssocID="{C3238E2F-F9B3-4293-9B7A-A7A068259777}" presName="vert1" presStyleCnt="0"/>
@@ -4417,13 +4396,6 @@
     <dgm:pt modelId="{CAD49209-D2F0-44D7-90D1-294D9C5B5245}" type="pres">
       <dgm:prSet presAssocID="{E9D493F8-4D6C-4AD4-8DA2-1A043CCB168D}" presName="tx1" presStyleLbl="revTx" presStyleIdx="2" presStyleCnt="5"/>
       <dgm:spPr/>
-      <dgm:t>
-        <a:bodyPr/>
-        <a:lstStyle/>
-        <a:p>
-          <a:endParaRPr lang="bg-BG"/>
-        </a:p>
-      </dgm:t>
     </dgm:pt>
     <dgm:pt modelId="{72AE0DB2-3B66-430D-AF5A-576B3E4D8CD8}" type="pres">
       <dgm:prSet presAssocID="{E9D493F8-4D6C-4AD4-8DA2-1A043CCB168D}" presName="vert1" presStyleCnt="0"/>
@@ -4440,13 +4412,6 @@
     <dgm:pt modelId="{2812CB5D-8CFD-4B86-B81B-C20A90E37D47}" type="pres">
       <dgm:prSet presAssocID="{693BFF5F-1CF9-49F3-A5EB-3860F8E1444F}" presName="tx1" presStyleLbl="revTx" presStyleIdx="3" presStyleCnt="5"/>
       <dgm:spPr/>
-      <dgm:t>
-        <a:bodyPr/>
-        <a:lstStyle/>
-        <a:p>
-          <a:endParaRPr lang="bg-BG"/>
-        </a:p>
-      </dgm:t>
     </dgm:pt>
     <dgm:pt modelId="{F74456B9-DC3B-4329-842E-B8CCB8CA8DF6}" type="pres">
       <dgm:prSet presAssocID="{693BFF5F-1CF9-49F3-A5EB-3860F8E1444F}" presName="vert1" presStyleCnt="0"/>
@@ -4463,13 +4428,6 @@
     <dgm:pt modelId="{696AA030-65F1-402B-975B-AECE57538A65}" type="pres">
       <dgm:prSet presAssocID="{98C1A611-1F69-4611-94CB-330B50F2E77D}" presName="tx1" presStyleLbl="revTx" presStyleIdx="4" presStyleCnt="5"/>
       <dgm:spPr/>
-      <dgm:t>
-        <a:bodyPr/>
-        <a:lstStyle/>
-        <a:p>
-          <a:endParaRPr lang="bg-BG"/>
-        </a:p>
-      </dgm:t>
     </dgm:pt>
     <dgm:pt modelId="{C5E9F4AD-489E-44CF-B801-5F7D7DBE9FD0}" type="pres">
       <dgm:prSet presAssocID="{98C1A611-1F69-4611-94CB-330B50F2E77D}" presName="vert1" presStyleCnt="0"/>
@@ -4477,17 +4435,17 @@
     </dgm:pt>
   </dgm:ptLst>
   <dgm:cxnLst>
+    <dgm:cxn modelId="{E87EBE0A-F3AE-4A3D-B5B1-EBF6C3D7D371}" type="presOf" srcId="{E934F060-2B4A-4CDF-B3F0-3D0BA3D3B321}" destId="{11620395-E6C7-4DAB-AA34-67485023D539}" srcOrd="0" destOrd="0" presId="urn:microsoft.com/office/officeart/2008/layout/LinedList"/>
+    <dgm:cxn modelId="{F9FF4660-03E0-4BD6-984C-F4FFFA60351C}" type="presOf" srcId="{BF002E63-BECE-4330-ABB5-DAD0F6D6084C}" destId="{D51D8E35-DF1E-4014-8E7B-964650FFC41A}" srcOrd="0" destOrd="0" presId="urn:microsoft.com/office/officeart/2008/layout/LinedList"/>
+    <dgm:cxn modelId="{98680872-8452-468E-AFC4-26F7929205BB}" srcId="{BF002E63-BECE-4330-ABB5-DAD0F6D6084C}" destId="{E9D493F8-4D6C-4AD4-8DA2-1A043CCB168D}" srcOrd="2" destOrd="0" parTransId="{297EE121-8B8D-47FE-A750-C8A645773AF8}" sibTransId="{D723AAC4-0EFB-4C58-9AA5-8F702C927E54}"/>
+    <dgm:cxn modelId="{D32CB07F-803B-48E7-B5CF-C4ABE8DF072D}" srcId="{BF002E63-BECE-4330-ABB5-DAD0F6D6084C}" destId="{693BFF5F-1CF9-49F3-A5EB-3860F8E1444F}" srcOrd="3" destOrd="0" parTransId="{EF13AFE3-2C24-419D-BC9B-4FD90D35A122}" sibTransId="{14578C41-D5D7-49D6-BF82-CCF8E5AB9A21}"/>
     <dgm:cxn modelId="{34A8438B-46DB-469E-9E4D-54F0DBA4BD7B}" type="presOf" srcId="{C3238E2F-F9B3-4293-9B7A-A7A068259777}" destId="{8CC7DD70-3C57-44FF-8343-8051C9ABEA4A}" srcOrd="0" destOrd="0" presId="urn:microsoft.com/office/officeart/2008/layout/LinedList"/>
-    <dgm:cxn modelId="{BB8095D8-E9D8-44BD-896B-03792974E56F}" srcId="{BF002E63-BECE-4330-ABB5-DAD0F6D6084C}" destId="{C3238E2F-F9B3-4293-9B7A-A7A068259777}" srcOrd="1" destOrd="0" parTransId="{E05A801D-D2EC-4F67-8DEB-F5D131970B97}" sibTransId="{F58A6501-067B-4705-89D6-6DAA1CFD3549}"/>
-    <dgm:cxn modelId="{042E69C8-3BB2-4167-BC65-E419CDD2CD6A}" type="presOf" srcId="{E9D493F8-4D6C-4AD4-8DA2-1A043CCB168D}" destId="{CAD49209-D2F0-44D7-90D1-294D9C5B5245}" srcOrd="0" destOrd="0" presId="urn:microsoft.com/office/officeart/2008/layout/LinedList"/>
-    <dgm:cxn modelId="{FF1A7FB7-D88D-4BBC-AA6D-F58AD866668A}" srcId="{BF002E63-BECE-4330-ABB5-DAD0F6D6084C}" destId="{98C1A611-1F69-4611-94CB-330B50F2E77D}" srcOrd="4" destOrd="0" parTransId="{DAE57B32-938B-4E27-9EB6-1B0C8A8877F4}" sibTransId="{1C86D1CE-28EC-4852-9DEB-41DDCFEF548D}"/>
-    <dgm:cxn modelId="{F9FF4660-03E0-4BD6-984C-F4FFFA60351C}" type="presOf" srcId="{BF002E63-BECE-4330-ABB5-DAD0F6D6084C}" destId="{D51D8E35-DF1E-4014-8E7B-964650FFC41A}" srcOrd="0" destOrd="0" presId="urn:microsoft.com/office/officeart/2008/layout/LinedList"/>
-    <dgm:cxn modelId="{BEDD63AC-0B89-40A5-845A-DAEAFD3EBD92}" srcId="{BF002E63-BECE-4330-ABB5-DAD0F6D6084C}" destId="{E934F060-2B4A-4CDF-B3F0-3D0BA3D3B321}" srcOrd="0" destOrd="0" parTransId="{BD43F01F-1476-4975-8D68-B945D273AE02}" sibTransId="{1F86EB37-6425-4E8D-B514-636CBD47BFF0}"/>
-    <dgm:cxn modelId="{D32CB07F-803B-48E7-B5CF-C4ABE8DF072D}" srcId="{BF002E63-BECE-4330-ABB5-DAD0F6D6084C}" destId="{693BFF5F-1CF9-49F3-A5EB-3860F8E1444F}" srcOrd="3" destOrd="0" parTransId="{EF13AFE3-2C24-419D-BC9B-4FD90D35A122}" sibTransId="{14578C41-D5D7-49D6-BF82-CCF8E5AB9A21}"/>
-    <dgm:cxn modelId="{98680872-8452-468E-AFC4-26F7929205BB}" srcId="{BF002E63-BECE-4330-ABB5-DAD0F6D6084C}" destId="{E9D493F8-4D6C-4AD4-8DA2-1A043CCB168D}" srcOrd="2" destOrd="0" parTransId="{297EE121-8B8D-47FE-A750-C8A645773AF8}" sibTransId="{D723AAC4-0EFB-4C58-9AA5-8F702C927E54}"/>
     <dgm:cxn modelId="{B3F2FF98-D28C-427C-A742-17B889562F95}" type="presOf" srcId="{98C1A611-1F69-4611-94CB-330B50F2E77D}" destId="{696AA030-65F1-402B-975B-AECE57538A65}" srcOrd="0" destOrd="0" presId="urn:microsoft.com/office/officeart/2008/layout/LinedList"/>
     <dgm:cxn modelId="{D8FABFA1-F9E6-4411-AB46-233A58511AAB}" type="presOf" srcId="{693BFF5F-1CF9-49F3-A5EB-3860F8E1444F}" destId="{2812CB5D-8CFD-4B86-B81B-C20A90E37D47}" srcOrd="0" destOrd="0" presId="urn:microsoft.com/office/officeart/2008/layout/LinedList"/>
-    <dgm:cxn modelId="{E87EBE0A-F3AE-4A3D-B5B1-EBF6C3D7D371}" type="presOf" srcId="{E934F060-2B4A-4CDF-B3F0-3D0BA3D3B321}" destId="{11620395-E6C7-4DAB-AA34-67485023D539}" srcOrd="0" destOrd="0" presId="urn:microsoft.com/office/officeart/2008/layout/LinedList"/>
+    <dgm:cxn modelId="{BEDD63AC-0B89-40A5-845A-DAEAFD3EBD92}" srcId="{BF002E63-BECE-4330-ABB5-DAD0F6D6084C}" destId="{E934F060-2B4A-4CDF-B3F0-3D0BA3D3B321}" srcOrd="0" destOrd="0" parTransId="{BD43F01F-1476-4975-8D68-B945D273AE02}" sibTransId="{1F86EB37-6425-4E8D-B514-636CBD47BFF0}"/>
+    <dgm:cxn modelId="{FF1A7FB7-D88D-4BBC-AA6D-F58AD866668A}" srcId="{BF002E63-BECE-4330-ABB5-DAD0F6D6084C}" destId="{98C1A611-1F69-4611-94CB-330B50F2E77D}" srcOrd="4" destOrd="0" parTransId="{DAE57B32-938B-4E27-9EB6-1B0C8A8877F4}" sibTransId="{1C86D1CE-28EC-4852-9DEB-41DDCFEF548D}"/>
+    <dgm:cxn modelId="{042E69C8-3BB2-4167-BC65-E419CDD2CD6A}" type="presOf" srcId="{E9D493F8-4D6C-4AD4-8DA2-1A043CCB168D}" destId="{CAD49209-D2F0-44D7-90D1-294D9C5B5245}" srcOrd="0" destOrd="0" presId="urn:microsoft.com/office/officeart/2008/layout/LinedList"/>
+    <dgm:cxn modelId="{BB8095D8-E9D8-44BD-896B-03792974E56F}" srcId="{BF002E63-BECE-4330-ABB5-DAD0F6D6084C}" destId="{C3238E2F-F9B3-4293-9B7A-A7A068259777}" srcOrd="1" destOrd="0" parTransId="{E05A801D-D2EC-4F67-8DEB-F5D131970B97}" sibTransId="{F58A6501-067B-4705-89D6-6DAA1CFD3549}"/>
     <dgm:cxn modelId="{87229D0D-6CE3-4276-95DD-945D4C56192C}" type="presParOf" srcId="{D51D8E35-DF1E-4014-8E7B-964650FFC41A}" destId="{57A82C8C-E481-452E-8130-B1514CAF9A98}" srcOrd="0" destOrd="0" presId="urn:microsoft.com/office/officeart/2008/layout/LinedList"/>
     <dgm:cxn modelId="{54A11481-42B6-4EFE-90E5-535D66040EEA}" type="presParOf" srcId="{D51D8E35-DF1E-4014-8E7B-964650FFC41A}" destId="{36462071-F94A-4443-90B1-982EB7BF77E6}" srcOrd="1" destOrd="0" presId="urn:microsoft.com/office/officeart/2008/layout/LinedList"/>
     <dgm:cxn modelId="{977CDCE6-365F-4C3A-8ED8-0C14258AF612}" type="presParOf" srcId="{36462071-F94A-4443-90B1-982EB7BF77E6}" destId="{11620395-E6C7-4DAB-AA34-67485023D539}" srcOrd="0" destOrd="0" presId="urn:microsoft.com/office/officeart/2008/layout/LinedList"/>
@@ -4735,13 +4693,6 @@
         </dgm:presLayoutVars>
       </dgm:prSet>
       <dgm:spPr/>
-      <dgm:t>
-        <a:bodyPr/>
-        <a:lstStyle/>
-        <a:p>
-          <a:endParaRPr lang="bg-BG"/>
-        </a:p>
-      </dgm:t>
     </dgm:pt>
     <dgm:pt modelId="{1B1873E2-300E-4C3F-8FC1-D86554207304}" type="pres">
       <dgm:prSet presAssocID="{7815C104-CE43-4919-8BA2-CB502E811F4F}" presName="hierFlow" presStyleCnt="0"/>
@@ -4768,13 +4719,6 @@
         </dgm:presLayoutVars>
       </dgm:prSet>
       <dgm:spPr/>
-      <dgm:t>
-        <a:bodyPr/>
-        <a:lstStyle/>
-        <a:p>
-          <a:endParaRPr lang="bg-BG"/>
-        </a:p>
-      </dgm:t>
     </dgm:pt>
     <dgm:pt modelId="{FB1A6526-621F-4D4A-9D11-F076C656F6B1}" type="pres">
       <dgm:prSet presAssocID="{F9EC044C-F551-43FE-A6D0-D285910A7989}" presName="hierChild2" presStyleCnt="0"/>
@@ -4783,13 +4727,6 @@
     <dgm:pt modelId="{A73CB5F1-7DCD-49AB-B428-44C1CA3A1151}" type="pres">
       <dgm:prSet presAssocID="{401941FF-D3C1-410F-8D2B-36404BFDB751}" presName="Name19" presStyleLbl="parChTrans1D2" presStyleIdx="0" presStyleCnt="2"/>
       <dgm:spPr/>
-      <dgm:t>
-        <a:bodyPr/>
-        <a:lstStyle/>
-        <a:p>
-          <a:endParaRPr lang="bg-BG"/>
-        </a:p>
-      </dgm:t>
     </dgm:pt>
     <dgm:pt modelId="{D9802415-09FA-4FCC-9C76-191DB225D005}" type="pres">
       <dgm:prSet presAssocID="{CE868991-77D9-405C-B0D0-C064682CC355}" presName="Name21" presStyleCnt="0"/>
@@ -4798,13 +4735,6 @@
     <dgm:pt modelId="{1DC5E6C5-8B97-442C-B959-B6C6D9A032AF}" type="pres">
       <dgm:prSet presAssocID="{CE868991-77D9-405C-B0D0-C064682CC355}" presName="level2Shape" presStyleLbl="node2" presStyleIdx="0" presStyleCnt="2" custScaleX="170946"/>
       <dgm:spPr/>
-      <dgm:t>
-        <a:bodyPr/>
-        <a:lstStyle/>
-        <a:p>
-          <a:endParaRPr lang="bg-BG"/>
-        </a:p>
-      </dgm:t>
     </dgm:pt>
     <dgm:pt modelId="{0C366B68-98A6-4C33-BC03-3ACD0A751B83}" type="pres">
       <dgm:prSet presAssocID="{CE868991-77D9-405C-B0D0-C064682CC355}" presName="hierChild3" presStyleCnt="0"/>
@@ -4813,13 +4743,6 @@
     <dgm:pt modelId="{872A211C-8F61-4BEB-84D9-9919B7907D6D}" type="pres">
       <dgm:prSet presAssocID="{B4E40442-031D-4EAF-BDF5-B1EF5E170995}" presName="Name19" presStyleLbl="parChTrans1D3" presStyleIdx="0" presStyleCnt="1"/>
       <dgm:spPr/>
-      <dgm:t>
-        <a:bodyPr/>
-        <a:lstStyle/>
-        <a:p>
-          <a:endParaRPr lang="bg-BG"/>
-        </a:p>
-      </dgm:t>
     </dgm:pt>
     <dgm:pt modelId="{A25E7CBE-21A5-4962-A0CA-F982AFA2D913}" type="pres">
       <dgm:prSet presAssocID="{63C96641-D50D-4C2F-AF75-A400C080658F}" presName="Name21" presStyleCnt="0"/>
@@ -4828,13 +4751,6 @@
     <dgm:pt modelId="{514531DF-6B95-4A30-AC19-8E767D2A770C}" type="pres">
       <dgm:prSet presAssocID="{63C96641-D50D-4C2F-AF75-A400C080658F}" presName="level2Shape" presStyleLbl="node3" presStyleIdx="0" presStyleCnt="1" custLinFactNeighborX="36519" custLinFactNeighborY="-14131"/>
       <dgm:spPr/>
-      <dgm:t>
-        <a:bodyPr/>
-        <a:lstStyle/>
-        <a:p>
-          <a:endParaRPr lang="bg-BG"/>
-        </a:p>
-      </dgm:t>
     </dgm:pt>
     <dgm:pt modelId="{4C901517-0D28-4F24-8CB7-446020811487}" type="pres">
       <dgm:prSet presAssocID="{63C96641-D50D-4C2F-AF75-A400C080658F}" presName="hierChild3" presStyleCnt="0"/>
@@ -4843,13 +4759,6 @@
     <dgm:pt modelId="{F29FB13E-D40A-4430-9594-C9D1D78FA1F9}" type="pres">
       <dgm:prSet presAssocID="{9BC8C20F-0F3F-4E46-97E4-912597A0C190}" presName="Name19" presStyleLbl="parChTrans1D2" presStyleIdx="1" presStyleCnt="2"/>
       <dgm:spPr/>
-      <dgm:t>
-        <a:bodyPr/>
-        <a:lstStyle/>
-        <a:p>
-          <a:endParaRPr lang="bg-BG"/>
-        </a:p>
-      </dgm:t>
     </dgm:pt>
     <dgm:pt modelId="{82EBFBD4-5C05-4D33-A4BD-7F7C938CFE69}" type="pres">
       <dgm:prSet presAssocID="{1391D3B3-5D9D-4FC6-B869-3C93ADF5740C}" presName="Name21" presStyleCnt="0"/>
@@ -4858,13 +4767,6 @@
     <dgm:pt modelId="{0CC7890C-655F-43F1-8FD5-1019139AC18C}" type="pres">
       <dgm:prSet presAssocID="{1391D3B3-5D9D-4FC6-B869-3C93ADF5740C}" presName="level2Shape" presStyleLbl="node2" presStyleIdx="1" presStyleCnt="2" custScaleX="159461"/>
       <dgm:spPr/>
-      <dgm:t>
-        <a:bodyPr/>
-        <a:lstStyle/>
-        <a:p>
-          <a:endParaRPr lang="bg-BG"/>
-        </a:p>
-      </dgm:t>
     </dgm:pt>
     <dgm:pt modelId="{0D0FE326-A0DF-46A5-A378-14FB51ADAE39}" type="pres">
       <dgm:prSet presAssocID="{1391D3B3-5D9D-4FC6-B869-3C93ADF5740C}" presName="hierChild3" presStyleCnt="0"/>
@@ -4876,18 +4778,18 @@
     </dgm:pt>
   </dgm:ptLst>
   <dgm:cxnLst>
+    <dgm:cxn modelId="{A5F29903-1555-4283-98FC-E484390577B1}" type="presOf" srcId="{1391D3B3-5D9D-4FC6-B869-3C93ADF5740C}" destId="{0CC7890C-655F-43F1-8FD5-1019139AC18C}" srcOrd="0" destOrd="0" presId="urn:microsoft.com/office/officeart/2005/8/layout/hierarchy6"/>
+    <dgm:cxn modelId="{85ABA807-2548-4893-BBAB-94C9F281E1CC}" type="presOf" srcId="{F9EC044C-F551-43FE-A6D0-D285910A7989}" destId="{D6D5882B-BCF9-4B6F-B30C-A730A850569E}" srcOrd="0" destOrd="0" presId="urn:microsoft.com/office/officeart/2005/8/layout/hierarchy6"/>
     <dgm:cxn modelId="{79F69C29-A058-4C01-9CEF-690804572E89}" srcId="{F9EC044C-F551-43FE-A6D0-D285910A7989}" destId="{1391D3B3-5D9D-4FC6-B869-3C93ADF5740C}" srcOrd="1" destOrd="0" parTransId="{9BC8C20F-0F3F-4E46-97E4-912597A0C190}" sibTransId="{8442ECBB-E55B-40D3-A2DB-286AD0CAC442}"/>
+    <dgm:cxn modelId="{463C405F-566D-43EE-BC4F-57E9CA3A642A}" type="presOf" srcId="{B4E40442-031D-4EAF-BDF5-B1EF5E170995}" destId="{872A211C-8F61-4BEB-84D9-9919B7907D6D}" srcOrd="0" destOrd="0" presId="urn:microsoft.com/office/officeart/2005/8/layout/hierarchy6"/>
+    <dgm:cxn modelId="{B6E58E65-5517-494E-B29B-58AD2EA7480F}" srcId="{F9EC044C-F551-43FE-A6D0-D285910A7989}" destId="{CE868991-77D9-405C-B0D0-C064682CC355}" srcOrd="0" destOrd="0" parTransId="{401941FF-D3C1-410F-8D2B-36404BFDB751}" sibTransId="{CEF30C8D-007A-41A7-A053-49C38EA6F7BF}"/>
     <dgm:cxn modelId="{7771EA71-EEC9-4338-BCF8-7BFA5EFE3F09}" type="presOf" srcId="{9BC8C20F-0F3F-4E46-97E4-912597A0C190}" destId="{F29FB13E-D40A-4430-9594-C9D1D78FA1F9}" srcOrd="0" destOrd="0" presId="urn:microsoft.com/office/officeart/2005/8/layout/hierarchy6"/>
-    <dgm:cxn modelId="{B6E58E65-5517-494E-B29B-58AD2EA7480F}" srcId="{F9EC044C-F551-43FE-A6D0-D285910A7989}" destId="{CE868991-77D9-405C-B0D0-C064682CC355}" srcOrd="0" destOrd="0" parTransId="{401941FF-D3C1-410F-8D2B-36404BFDB751}" sibTransId="{CEF30C8D-007A-41A7-A053-49C38EA6F7BF}"/>
+    <dgm:cxn modelId="{470C9856-DAD0-41EF-A096-BB4F89F2FDBA}" type="presOf" srcId="{7815C104-CE43-4919-8BA2-CB502E811F4F}" destId="{DB7C2712-CB49-45E6-8501-31EA4FD7F60E}" srcOrd="0" destOrd="0" presId="urn:microsoft.com/office/officeart/2005/8/layout/hierarchy6"/>
+    <dgm:cxn modelId="{7DDCCEB1-7BFB-4321-B837-5D53AEFCC41F}" srcId="{7815C104-CE43-4919-8BA2-CB502E811F4F}" destId="{F9EC044C-F551-43FE-A6D0-D285910A7989}" srcOrd="0" destOrd="0" parTransId="{14132376-322A-4293-8A12-2FD068C30131}" sibTransId="{F977148C-4874-433D-80DA-B9C0E1B20BA6}"/>
+    <dgm:cxn modelId="{DE398FB8-9B4A-468F-897B-B0CAFEBDF49A}" type="presOf" srcId="{401941FF-D3C1-410F-8D2B-36404BFDB751}" destId="{A73CB5F1-7DCD-49AB-B428-44C1CA3A1151}" srcOrd="0" destOrd="0" presId="urn:microsoft.com/office/officeart/2005/8/layout/hierarchy6"/>
+    <dgm:cxn modelId="{9B57C4D0-8888-4803-B28D-B91AB21B7D7B}" srcId="{CE868991-77D9-405C-B0D0-C064682CC355}" destId="{63C96641-D50D-4C2F-AF75-A400C080658F}" srcOrd="0" destOrd="0" parTransId="{B4E40442-031D-4EAF-BDF5-B1EF5E170995}" sibTransId="{03BA262C-39B9-433D-A93D-5C898DDD0612}"/>
     <dgm:cxn modelId="{FE45DDE7-EB3A-4832-BBCB-63C2BAAC5689}" type="presOf" srcId="{CE868991-77D9-405C-B0D0-C064682CC355}" destId="{1DC5E6C5-8B97-442C-B959-B6C6D9A032AF}" srcOrd="0" destOrd="0" presId="urn:microsoft.com/office/officeart/2005/8/layout/hierarchy6"/>
     <dgm:cxn modelId="{7515C5E8-8E56-4124-934D-AFF3B909DB2D}" type="presOf" srcId="{63C96641-D50D-4C2F-AF75-A400C080658F}" destId="{514531DF-6B95-4A30-AC19-8E767D2A770C}" srcOrd="0" destOrd="0" presId="urn:microsoft.com/office/officeart/2005/8/layout/hierarchy6"/>
-    <dgm:cxn modelId="{85ABA807-2548-4893-BBAB-94C9F281E1CC}" type="presOf" srcId="{F9EC044C-F551-43FE-A6D0-D285910A7989}" destId="{D6D5882B-BCF9-4B6F-B30C-A730A850569E}" srcOrd="0" destOrd="0" presId="urn:microsoft.com/office/officeart/2005/8/layout/hierarchy6"/>
-    <dgm:cxn modelId="{DE398FB8-9B4A-468F-897B-B0CAFEBDF49A}" type="presOf" srcId="{401941FF-D3C1-410F-8D2B-36404BFDB751}" destId="{A73CB5F1-7DCD-49AB-B428-44C1CA3A1151}" srcOrd="0" destOrd="0" presId="urn:microsoft.com/office/officeart/2005/8/layout/hierarchy6"/>
-    <dgm:cxn modelId="{7DDCCEB1-7BFB-4321-B837-5D53AEFCC41F}" srcId="{7815C104-CE43-4919-8BA2-CB502E811F4F}" destId="{F9EC044C-F551-43FE-A6D0-D285910A7989}" srcOrd="0" destOrd="0" parTransId="{14132376-322A-4293-8A12-2FD068C30131}" sibTransId="{F977148C-4874-433D-80DA-B9C0E1B20BA6}"/>
-    <dgm:cxn modelId="{A5F29903-1555-4283-98FC-E484390577B1}" type="presOf" srcId="{1391D3B3-5D9D-4FC6-B869-3C93ADF5740C}" destId="{0CC7890C-655F-43F1-8FD5-1019139AC18C}" srcOrd="0" destOrd="0" presId="urn:microsoft.com/office/officeart/2005/8/layout/hierarchy6"/>
-    <dgm:cxn modelId="{463C405F-566D-43EE-BC4F-57E9CA3A642A}" type="presOf" srcId="{B4E40442-031D-4EAF-BDF5-B1EF5E170995}" destId="{872A211C-8F61-4BEB-84D9-9919B7907D6D}" srcOrd="0" destOrd="0" presId="urn:microsoft.com/office/officeart/2005/8/layout/hierarchy6"/>
-    <dgm:cxn modelId="{470C9856-DAD0-41EF-A096-BB4F89F2FDBA}" type="presOf" srcId="{7815C104-CE43-4919-8BA2-CB502E811F4F}" destId="{DB7C2712-CB49-45E6-8501-31EA4FD7F60E}" srcOrd="0" destOrd="0" presId="urn:microsoft.com/office/officeart/2005/8/layout/hierarchy6"/>
-    <dgm:cxn modelId="{9B57C4D0-8888-4803-B28D-B91AB21B7D7B}" srcId="{CE868991-77D9-405C-B0D0-C064682CC355}" destId="{63C96641-D50D-4C2F-AF75-A400C080658F}" srcOrd="0" destOrd="0" parTransId="{B4E40442-031D-4EAF-BDF5-B1EF5E170995}" sibTransId="{03BA262C-39B9-433D-A93D-5C898DDD0612}"/>
     <dgm:cxn modelId="{CBC3A50E-D9EE-437E-9A70-0D6356BA110B}" type="presParOf" srcId="{DB7C2712-CB49-45E6-8501-31EA4FD7F60E}" destId="{1B1873E2-300E-4C3F-8FC1-D86554207304}" srcOrd="0" destOrd="0" presId="urn:microsoft.com/office/officeart/2005/8/layout/hierarchy6"/>
     <dgm:cxn modelId="{59BDF059-1EE8-4E94-BF1B-60F2432B0892}" type="presParOf" srcId="{1B1873E2-300E-4C3F-8FC1-D86554207304}" destId="{0210FCAF-90F9-4324-AD83-D943C925A10C}" srcOrd="0" destOrd="0" presId="urn:microsoft.com/office/officeart/2005/8/layout/hierarchy6"/>
     <dgm:cxn modelId="{88681A99-0D36-4B8C-A034-B809D8D19C9F}" type="presParOf" srcId="{0210FCAF-90F9-4324-AD83-D943C925A10C}" destId="{92941F0F-E39C-4CD1-97F6-2E8C0113BCB0}" srcOrd="0" destOrd="0" presId="urn:microsoft.com/office/officeart/2005/8/layout/hierarchy6"/>
@@ -5193,13 +5095,31 @@
         </a:p>
       </dgm:t>
     </dgm:pt>
-    <dgm:pt modelId="{F59A9D11-B89E-49E7-8B35-DF6342FD8DD8}" type="pres">
-      <dgm:prSet presAssocID="{B2EBE465-4CA6-4D78-A17E-2C5573D89BEA}" presName="linear" presStyleCnt="0">
-        <dgm:presLayoutVars>
-          <dgm:animLvl val="lvl"/>
-          <dgm:resizeHandles val="exact"/>
-        </dgm:presLayoutVars>
-      </dgm:prSet>
+    <dgm:pt modelId="{CC1A2379-7D97-4237-AE2C-1EFA4388D43B}">
+      <dgm:prSet phldrT="[Text]" custT="1"/>
+      <dgm:spPr/>
+      <dgm:t>
+        <a:bodyPr/>
+        <a:lstStyle/>
+        <a:p>
+          <a:r>
+            <a:rPr lang="en-US" sz="2200" dirty="0">
+              <a:solidFill>
+                <a:schemeClr val="bg1"/>
+              </a:solidFill>
+            </a:rPr>
+            <a:t>Git Native</a:t>
+          </a:r>
+          <a:endParaRPr lang="bg-BG" sz="2200" dirty="0">
+            <a:solidFill>
+              <a:schemeClr val="bg1"/>
+            </a:solidFill>
+          </a:endParaRPr>
+        </a:p>
+      </dgm:t>
+    </dgm:pt>
+    <dgm:pt modelId="{54ACDD85-D640-4F08-AB7C-49AB74661178}" type="parTrans" cxnId="{F8022D1C-CCAD-454F-BEF2-1D7F679CEA91}">
+      <dgm:prSet/>
       <dgm:spPr/>
       <dgm:t>
         <a:bodyPr/>
@@ -5209,13 +5129,8 @@
         </a:p>
       </dgm:t>
     </dgm:pt>
-    <dgm:pt modelId="{F3C0160D-62DE-4D28-AFE7-840307F4971D}" type="pres">
-      <dgm:prSet presAssocID="{BFD62342-2858-433B-9E49-4A360742A97C}" presName="parentText" presStyleLbl="node1" presStyleIdx="0" presStyleCnt="2" custScaleX="100000" custScaleY="45072" custLinFactNeighborX="-726" custLinFactNeighborY="-89769">
-        <dgm:presLayoutVars>
-          <dgm:chMax val="0"/>
-          <dgm:bulletEnabled val="1"/>
-        </dgm:presLayoutVars>
-      </dgm:prSet>
+    <dgm:pt modelId="{E671F43A-6636-47AA-AC3C-902B4ED960A4}" type="sibTrans" cxnId="{F8022D1C-CCAD-454F-BEF2-1D7F679CEA91}">
+      <dgm:prSet/>
       <dgm:spPr/>
       <dgm:t>
         <a:bodyPr/>
@@ -5225,12 +5140,31 @@
         </a:p>
       </dgm:t>
     </dgm:pt>
-    <dgm:pt modelId="{33CAD0CA-F247-4C11-B45F-154431F80891}" type="pres">
-      <dgm:prSet presAssocID="{BFD62342-2858-433B-9E49-4A360742A97C}" presName="childText" presStyleLbl="revTx" presStyleIdx="0" presStyleCnt="2" custLinFactNeighborX="503" custLinFactNeighborY="-38193">
-        <dgm:presLayoutVars>
-          <dgm:bulletEnabled val="1"/>
-        </dgm:presLayoutVars>
-      </dgm:prSet>
+    <dgm:pt modelId="{48526C21-9B1E-4AD4-9DC4-F0699A376983}">
+      <dgm:prSet phldrT="[Text]" custT="1"/>
+      <dgm:spPr/>
+      <dgm:t>
+        <a:bodyPr/>
+        <a:lstStyle/>
+        <a:p>
+          <a:r>
+            <a:rPr lang="en-US" sz="2200" dirty="0">
+              <a:solidFill>
+                <a:schemeClr val="bg1"/>
+              </a:solidFill>
+            </a:rPr>
+            <a:t>Detailed docs</a:t>
+          </a:r>
+          <a:endParaRPr lang="bg-BG" sz="2200" dirty="0">
+            <a:solidFill>
+              <a:schemeClr val="bg1"/>
+            </a:solidFill>
+          </a:endParaRPr>
+        </a:p>
+      </dgm:t>
+    </dgm:pt>
+    <dgm:pt modelId="{E7E159DD-3C42-476A-A8C7-B5462BE8A004}" type="parTrans" cxnId="{3734289C-92F9-4BEB-A0FE-370CB46E0494}">
+      <dgm:prSet/>
       <dgm:spPr/>
       <dgm:t>
         <a:bodyPr/>
@@ -5240,13 +5174,8 @@
         </a:p>
       </dgm:t>
     </dgm:pt>
-    <dgm:pt modelId="{A985ECAE-33B7-43B0-807C-F3A6C3D12D21}" type="pres">
-      <dgm:prSet presAssocID="{54FF214C-6D65-4118-BF0B-B5030B49763B}" presName="parentText" presStyleLbl="node1" presStyleIdx="1" presStyleCnt="2" custScaleY="45072" custLinFactNeighborX="251" custLinFactNeighborY="-4793">
-        <dgm:presLayoutVars>
-          <dgm:chMax val="0"/>
-          <dgm:bulletEnabled val="1"/>
-        </dgm:presLayoutVars>
-      </dgm:prSet>
+    <dgm:pt modelId="{34B11FC4-CD73-47E4-982A-484180469AA1}" type="sibTrans" cxnId="{3734289C-92F9-4BEB-A0FE-370CB46E0494}">
+      <dgm:prSet/>
       <dgm:spPr/>
       <dgm:t>
         <a:bodyPr/>
@@ -5256,6 +5185,41 @@
         </a:p>
       </dgm:t>
     </dgm:pt>
+    <dgm:pt modelId="{F59A9D11-B89E-49E7-8B35-DF6342FD8DD8}" type="pres">
+      <dgm:prSet presAssocID="{B2EBE465-4CA6-4D78-A17E-2C5573D89BEA}" presName="linear" presStyleCnt="0">
+        <dgm:presLayoutVars>
+          <dgm:animLvl val="lvl"/>
+          <dgm:resizeHandles val="exact"/>
+        </dgm:presLayoutVars>
+      </dgm:prSet>
+      <dgm:spPr/>
+    </dgm:pt>
+    <dgm:pt modelId="{F3C0160D-62DE-4D28-AFE7-840307F4971D}" type="pres">
+      <dgm:prSet presAssocID="{BFD62342-2858-433B-9E49-4A360742A97C}" presName="parentText" presStyleLbl="node1" presStyleIdx="0" presStyleCnt="2" custScaleX="100000" custScaleY="45072" custLinFactNeighborX="-726" custLinFactNeighborY="-89769">
+        <dgm:presLayoutVars>
+          <dgm:chMax val="0"/>
+          <dgm:bulletEnabled val="1"/>
+        </dgm:presLayoutVars>
+      </dgm:prSet>
+      <dgm:spPr/>
+    </dgm:pt>
+    <dgm:pt modelId="{33CAD0CA-F247-4C11-B45F-154431F80891}" type="pres">
+      <dgm:prSet presAssocID="{BFD62342-2858-433B-9E49-4A360742A97C}" presName="childText" presStyleLbl="revTx" presStyleIdx="0" presStyleCnt="2" custLinFactNeighborX="503" custLinFactNeighborY="-38193">
+        <dgm:presLayoutVars>
+          <dgm:bulletEnabled val="1"/>
+        </dgm:presLayoutVars>
+      </dgm:prSet>
+      <dgm:spPr/>
+    </dgm:pt>
+    <dgm:pt modelId="{A985ECAE-33B7-43B0-807C-F3A6C3D12D21}" type="pres">
+      <dgm:prSet presAssocID="{54FF214C-6D65-4118-BF0B-B5030B49763B}" presName="parentText" presStyleLbl="node1" presStyleIdx="1" presStyleCnt="2" custScaleY="45072" custLinFactNeighborX="251" custLinFactNeighborY="-4793">
+        <dgm:presLayoutVars>
+          <dgm:chMax val="0"/>
+          <dgm:bulletEnabled val="1"/>
+        </dgm:presLayoutVars>
+      </dgm:prSet>
+      <dgm:spPr/>
+    </dgm:pt>
     <dgm:pt modelId="{2E878F7A-8040-489B-9DCD-94B7E0D8E9BA}" type="pres">
       <dgm:prSet presAssocID="{54FF214C-6D65-4118-BF0B-B5030B49763B}" presName="childText" presStyleLbl="revTx" presStyleIdx="1" presStyleCnt="2" custLinFactNeighborX="503" custLinFactNeighborY="39126">
         <dgm:presLayoutVars>
@@ -5263,29 +5227,26 @@
         </dgm:presLayoutVars>
       </dgm:prSet>
       <dgm:spPr/>
-      <dgm:t>
-        <a:bodyPr/>
-        <a:lstStyle/>
-        <a:p>
-          <a:endParaRPr lang="bg-BG"/>
-        </a:p>
-      </dgm:t>
     </dgm:pt>
   </dgm:ptLst>
   <dgm:cxnLst>
+    <dgm:cxn modelId="{1E612D08-FD39-4889-BF89-B22B209501C4}" type="presOf" srcId="{54FF214C-6D65-4118-BF0B-B5030B49763B}" destId="{A985ECAE-33B7-43B0-807C-F3A6C3D12D21}" srcOrd="0" destOrd="0" presId="urn:microsoft.com/office/officeart/2005/8/layout/vList2"/>
+    <dgm:cxn modelId="{705C5F13-4ABF-4121-B40B-4708AA2585B0}" srcId="{B2EBE465-4CA6-4D78-A17E-2C5573D89BEA}" destId="{BFD62342-2858-433B-9E49-4A360742A97C}" srcOrd="0" destOrd="0" parTransId="{35B3C802-9D67-426F-8DC3-684D034ED7BC}" sibTransId="{010D0905-6439-4E9D-B5FD-1BCB38E59633}"/>
+    <dgm:cxn modelId="{F8022D1C-CCAD-454F-BEF2-1D7F679CEA91}" srcId="{BFD62342-2858-433B-9E49-4A360742A97C}" destId="{CC1A2379-7D97-4237-AE2C-1EFA4388D43B}" srcOrd="2" destOrd="0" parTransId="{54ACDD85-D640-4F08-AB7C-49AB74661178}" sibTransId="{E671F43A-6636-47AA-AC3C-902B4ED960A4}"/>
+    <dgm:cxn modelId="{51287633-CBD2-4FEF-9C9F-C6A288BE47F3}" srcId="{54FF214C-6D65-4118-BF0B-B5030B49763B}" destId="{B8ABC560-8CE4-45E7-9785-1BC8189CA404}" srcOrd="0" destOrd="0" parTransId="{DBF0C10D-DB3C-4A52-99A1-27CDCE24AE2A}" sibTransId="{132D2B08-8854-4FCB-BB92-9C5C4D5EEABA}"/>
+    <dgm:cxn modelId="{C96BA939-92F2-4FE6-B89C-A5391AA4D604}" type="presOf" srcId="{B2EBE465-4CA6-4D78-A17E-2C5573D89BEA}" destId="{F59A9D11-B89E-49E7-8B35-DF6342FD8DD8}" srcOrd="0" destOrd="0" presId="urn:microsoft.com/office/officeart/2005/8/layout/vList2"/>
+    <dgm:cxn modelId="{3705675B-D6CF-49A1-82C4-B256F86F99D5}" srcId="{BFD62342-2858-433B-9E49-4A360742A97C}" destId="{B9961A41-FA67-422E-9EDC-3DB56E2B000C}" srcOrd="1" destOrd="0" parTransId="{23262922-AE12-4F7D-AFA0-160FD927F1A9}" sibTransId="{55A804E7-6526-4F6A-A900-D4A2141D2BEF}"/>
+    <dgm:cxn modelId="{BF55C25B-7A2F-4FB9-B2A8-F640B5A06DF7}" type="presOf" srcId="{B8ABC560-8CE4-45E7-9785-1BC8189CA404}" destId="{2E878F7A-8040-489B-9DCD-94B7E0D8E9BA}" srcOrd="0" destOrd="0" presId="urn:microsoft.com/office/officeart/2005/8/layout/vList2"/>
+    <dgm:cxn modelId="{5F0E4461-F176-4B20-8183-7726FD41AD92}" srcId="{B2EBE465-4CA6-4D78-A17E-2C5573D89BEA}" destId="{54FF214C-6D65-4118-BF0B-B5030B49763B}" srcOrd="1" destOrd="0" parTransId="{046C2A46-5EFB-416C-B9AB-828B39CC9C63}" sibTransId="{9914721A-065C-430F-A8D9-C8B6C3EAAD9B}"/>
+    <dgm:cxn modelId="{CEE24D43-4961-4655-AC87-EEF10A8D7929}" srcId="{54FF214C-6D65-4118-BF0B-B5030B49763B}" destId="{DE39E3AE-1ADC-4AB1-89B6-58D60D7CE403}" srcOrd="1" destOrd="0" parTransId="{9165A0F7-E743-4547-A093-544C4C5449B6}" sibTransId="{1AC45741-334A-4968-AF49-62CAB345C222}"/>
+    <dgm:cxn modelId="{3734289C-92F9-4BEB-A0FE-370CB46E0494}" srcId="{BFD62342-2858-433B-9E49-4A360742A97C}" destId="{48526C21-9B1E-4AD4-9DC4-F0699A376983}" srcOrd="3" destOrd="0" parTransId="{E7E159DD-3C42-476A-A8C7-B5462BE8A004}" sibTransId="{34B11FC4-CD73-47E4-982A-484180469AA1}"/>
+    <dgm:cxn modelId="{C89E0EAD-13F1-4E52-AD3A-9D82D22DA4DB}" type="presOf" srcId="{B9961A41-FA67-422E-9EDC-3DB56E2B000C}" destId="{33CAD0CA-F247-4C11-B45F-154431F80891}" srcOrd="0" destOrd="1" presId="urn:microsoft.com/office/officeart/2005/8/layout/vList2"/>
+    <dgm:cxn modelId="{5DC77EC4-1E24-4B3C-8800-815767326DBD}" type="presOf" srcId="{CC1A2379-7D97-4237-AE2C-1EFA4388D43B}" destId="{33CAD0CA-F247-4C11-B45F-154431F80891}" srcOrd="0" destOrd="2" presId="urn:microsoft.com/office/officeart/2005/8/layout/vList2"/>
+    <dgm:cxn modelId="{8567AAC4-46EB-4675-998B-53F1ADAE0288}" type="presOf" srcId="{F9604D3C-37E4-4A81-B68B-04748BDEDE65}" destId="{33CAD0CA-F247-4C11-B45F-154431F80891}" srcOrd="0" destOrd="0" presId="urn:microsoft.com/office/officeart/2005/8/layout/vList2"/>
     <dgm:cxn modelId="{1CAA79CB-FC9E-4F76-9420-7C195EC83CF5}" type="presOf" srcId="{DE39E3AE-1ADC-4AB1-89B6-58D60D7CE403}" destId="{2E878F7A-8040-489B-9DCD-94B7E0D8E9BA}" srcOrd="0" destOrd="1" presId="urn:microsoft.com/office/officeart/2005/8/layout/vList2"/>
-    <dgm:cxn modelId="{5F0E4461-F176-4B20-8183-7726FD41AD92}" srcId="{B2EBE465-4CA6-4D78-A17E-2C5573D89BEA}" destId="{54FF214C-6D65-4118-BF0B-B5030B49763B}" srcOrd="1" destOrd="0" parTransId="{046C2A46-5EFB-416C-B9AB-828B39CC9C63}" sibTransId="{9914721A-065C-430F-A8D9-C8B6C3EAAD9B}"/>
     <dgm:cxn modelId="{82E6B3D4-27DE-4013-8468-E601D533C651}" srcId="{BFD62342-2858-433B-9E49-4A360742A97C}" destId="{F9604D3C-37E4-4A81-B68B-04748BDEDE65}" srcOrd="0" destOrd="0" parTransId="{9A928B76-FB8B-46F4-AE87-C24F7DFB1682}" sibTransId="{1CE68B62-6907-4694-AAFB-2059A742D2FE}"/>
-    <dgm:cxn modelId="{3705675B-D6CF-49A1-82C4-B256F86F99D5}" srcId="{BFD62342-2858-433B-9E49-4A360742A97C}" destId="{B9961A41-FA67-422E-9EDC-3DB56E2B000C}" srcOrd="1" destOrd="0" parTransId="{23262922-AE12-4F7D-AFA0-160FD927F1A9}" sibTransId="{55A804E7-6526-4F6A-A900-D4A2141D2BEF}"/>
-    <dgm:cxn modelId="{C96BA939-92F2-4FE6-B89C-A5391AA4D604}" type="presOf" srcId="{B2EBE465-4CA6-4D78-A17E-2C5573D89BEA}" destId="{F59A9D11-B89E-49E7-8B35-DF6342FD8DD8}" srcOrd="0" destOrd="0" presId="urn:microsoft.com/office/officeart/2005/8/layout/vList2"/>
-    <dgm:cxn modelId="{C89E0EAD-13F1-4E52-AD3A-9D82D22DA4DB}" type="presOf" srcId="{B9961A41-FA67-422E-9EDC-3DB56E2B000C}" destId="{33CAD0CA-F247-4C11-B45F-154431F80891}" srcOrd="0" destOrd="1" presId="urn:microsoft.com/office/officeart/2005/8/layout/vList2"/>
-    <dgm:cxn modelId="{BF55C25B-7A2F-4FB9-B2A8-F640B5A06DF7}" type="presOf" srcId="{B8ABC560-8CE4-45E7-9785-1BC8189CA404}" destId="{2E878F7A-8040-489B-9DCD-94B7E0D8E9BA}" srcOrd="0" destOrd="0" presId="urn:microsoft.com/office/officeart/2005/8/layout/vList2"/>
+    <dgm:cxn modelId="{A2E983D7-587D-4A9D-9478-1D1A7B289FA2}" type="presOf" srcId="{48526C21-9B1E-4AD4-9DC4-F0699A376983}" destId="{33CAD0CA-F247-4C11-B45F-154431F80891}" srcOrd="0" destOrd="3" presId="urn:microsoft.com/office/officeart/2005/8/layout/vList2"/>
     <dgm:cxn modelId="{E99AB7E3-A4AD-486C-BA86-F9815AE4E129}" type="presOf" srcId="{BFD62342-2858-433B-9E49-4A360742A97C}" destId="{F3C0160D-62DE-4D28-AFE7-840307F4971D}" srcOrd="0" destOrd="0" presId="urn:microsoft.com/office/officeart/2005/8/layout/vList2"/>
-    <dgm:cxn modelId="{51287633-CBD2-4FEF-9C9F-C6A288BE47F3}" srcId="{54FF214C-6D65-4118-BF0B-B5030B49763B}" destId="{B8ABC560-8CE4-45E7-9785-1BC8189CA404}" srcOrd="0" destOrd="0" parTransId="{DBF0C10D-DB3C-4A52-99A1-27CDCE24AE2A}" sibTransId="{132D2B08-8854-4FCB-BB92-9C5C4D5EEABA}"/>
-    <dgm:cxn modelId="{705C5F13-4ABF-4121-B40B-4708AA2585B0}" srcId="{B2EBE465-4CA6-4D78-A17E-2C5573D89BEA}" destId="{BFD62342-2858-433B-9E49-4A360742A97C}" srcOrd="0" destOrd="0" parTransId="{35B3C802-9D67-426F-8DC3-684D034ED7BC}" sibTransId="{010D0905-6439-4E9D-B5FD-1BCB38E59633}"/>
-    <dgm:cxn modelId="{1E612D08-FD39-4889-BF89-B22B209501C4}" type="presOf" srcId="{54FF214C-6D65-4118-BF0B-B5030B49763B}" destId="{A985ECAE-33B7-43B0-807C-F3A6C3D12D21}" srcOrd="0" destOrd="0" presId="urn:microsoft.com/office/officeart/2005/8/layout/vList2"/>
-    <dgm:cxn modelId="{CEE24D43-4961-4655-AC87-EEF10A8D7929}" srcId="{54FF214C-6D65-4118-BF0B-B5030B49763B}" destId="{DE39E3AE-1ADC-4AB1-89B6-58D60D7CE403}" srcOrd="1" destOrd="0" parTransId="{9165A0F7-E743-4547-A093-544C4C5449B6}" sibTransId="{1AC45741-334A-4968-AF49-62CAB345C222}"/>
-    <dgm:cxn modelId="{8567AAC4-46EB-4675-998B-53F1ADAE0288}" type="presOf" srcId="{F9604D3C-37E4-4A81-B68B-04748BDEDE65}" destId="{33CAD0CA-F247-4C11-B45F-154431F80891}" srcOrd="0" destOrd="0" presId="urn:microsoft.com/office/officeart/2005/8/layout/vList2"/>
     <dgm:cxn modelId="{7A0636A1-6653-43A5-81E1-F2B4AD5E5C25}" type="presParOf" srcId="{F59A9D11-B89E-49E7-8B35-DF6342FD8DD8}" destId="{F3C0160D-62DE-4D28-AFE7-840307F4971D}" srcOrd="0" destOrd="0" presId="urn:microsoft.com/office/officeart/2005/8/layout/vList2"/>
     <dgm:cxn modelId="{DB4CB8C9-21A1-44F0-A6E5-83E26499AAA1}" type="presParOf" srcId="{F59A9D11-B89E-49E7-8B35-DF6342FD8DD8}" destId="{33CAD0CA-F247-4C11-B45F-154431F80891}" srcOrd="1" destOrd="0" presId="urn:microsoft.com/office/officeart/2005/8/layout/vList2"/>
     <dgm:cxn modelId="{6A3011A9-3961-44C2-A2FA-F92200DABC39}" type="presParOf" srcId="{F59A9D11-B89E-49E7-8B35-DF6342FD8DD8}" destId="{A985ECAE-33B7-43B0-807C-F3A6C3D12D21}" srcOrd="2" destOrd="0" presId="urn:microsoft.com/office/officeart/2005/8/layout/vList2"/>
@@ -5897,13 +5858,31 @@
         </a:p>
       </dgm:t>
     </dgm:pt>
-    <dgm:pt modelId="{22E563E3-FF89-499C-8A40-84326503DEA1}" type="pres">
-      <dgm:prSet presAssocID="{C720FE5B-60A2-426B-AD66-BE5F09F21D72}" presName="linear" presStyleCnt="0">
-        <dgm:presLayoutVars>
-          <dgm:animLvl val="lvl"/>
-          <dgm:resizeHandles val="exact"/>
-        </dgm:presLayoutVars>
-      </dgm:prSet>
+    <dgm:pt modelId="{62A038F1-8C2A-491D-9161-743753B6B2E6}">
+      <dgm:prSet custT="1"/>
+      <dgm:spPr/>
+      <dgm:t>
+        <a:bodyPr/>
+        <a:lstStyle/>
+        <a:p>
+          <a:r>
+            <a:rPr lang="en-US" sz="2200" dirty="0">
+              <a:solidFill>
+                <a:schemeClr val="bg1"/>
+              </a:solidFill>
+            </a:rPr>
+            <a:t>Single lint, build, test and release process</a:t>
+          </a:r>
+          <a:endParaRPr lang="bg-BG" sz="2200" dirty="0">
+            <a:solidFill>
+              <a:schemeClr val="bg1"/>
+            </a:solidFill>
+          </a:endParaRPr>
+        </a:p>
+      </dgm:t>
+    </dgm:pt>
+    <dgm:pt modelId="{CCCB8D4F-1432-41DD-AC17-FB1F3E742968}" type="parTrans" cxnId="{70868BF0-FCD1-41D6-BFC7-E03432603744}">
+      <dgm:prSet/>
       <dgm:spPr/>
       <dgm:t>
         <a:bodyPr/>
@@ -5913,13 +5892,8 @@
         </a:p>
       </dgm:t>
     </dgm:pt>
-    <dgm:pt modelId="{D33A2FF8-A78E-4539-A2A5-886A470F6DDD}" type="pres">
-      <dgm:prSet presAssocID="{2D1C2C37-7B6F-40B1-A9CA-81D6ABCF60B6}" presName="parentText" presStyleLbl="node1" presStyleIdx="0" presStyleCnt="2" custScaleY="45072" custLinFactNeighborY="-1499">
-        <dgm:presLayoutVars>
-          <dgm:chMax val="0"/>
-          <dgm:bulletEnabled val="1"/>
-        </dgm:presLayoutVars>
-      </dgm:prSet>
+    <dgm:pt modelId="{4E723DA3-7217-439A-9645-2A4B4A1CADCC}" type="sibTrans" cxnId="{70868BF0-FCD1-41D6-BFC7-E03432603744}">
+      <dgm:prSet/>
       <dgm:spPr/>
       <dgm:t>
         <a:bodyPr/>
@@ -5929,6 +5903,24 @@
         </a:p>
       </dgm:t>
     </dgm:pt>
+    <dgm:pt modelId="{22E563E3-FF89-499C-8A40-84326503DEA1}" type="pres">
+      <dgm:prSet presAssocID="{C720FE5B-60A2-426B-AD66-BE5F09F21D72}" presName="linear" presStyleCnt="0">
+        <dgm:presLayoutVars>
+          <dgm:animLvl val="lvl"/>
+          <dgm:resizeHandles val="exact"/>
+        </dgm:presLayoutVars>
+      </dgm:prSet>
+      <dgm:spPr/>
+    </dgm:pt>
+    <dgm:pt modelId="{D33A2FF8-A78E-4539-A2A5-886A470F6DDD}" type="pres">
+      <dgm:prSet presAssocID="{2D1C2C37-7B6F-40B1-A9CA-81D6ABCF60B6}" presName="parentText" presStyleLbl="node1" presStyleIdx="0" presStyleCnt="2" custScaleY="45072" custLinFactNeighborY="-1499">
+        <dgm:presLayoutVars>
+          <dgm:chMax val="0"/>
+          <dgm:bulletEnabled val="1"/>
+        </dgm:presLayoutVars>
+      </dgm:prSet>
+      <dgm:spPr/>
+    </dgm:pt>
     <dgm:pt modelId="{63635E32-510A-4D0F-A6CB-514E1BB4A76A}" type="pres">
       <dgm:prSet presAssocID="{2D1C2C37-7B6F-40B1-A9CA-81D6ABCF60B6}" presName="childText" presStyleLbl="revTx" presStyleIdx="0" presStyleCnt="2">
         <dgm:presLayoutVars>
@@ -5936,13 +5928,6 @@
         </dgm:presLayoutVars>
       </dgm:prSet>
       <dgm:spPr/>
-      <dgm:t>
-        <a:bodyPr/>
-        <a:lstStyle/>
-        <a:p>
-          <a:endParaRPr lang="bg-BG"/>
-        </a:p>
-      </dgm:t>
     </dgm:pt>
     <dgm:pt modelId="{3DAD15C5-E00E-46B2-8F9F-C16C26702240}" type="pres">
       <dgm:prSet presAssocID="{D0BFF82B-A7A8-4C3D-8592-71D739244B7D}" presName="parentText" presStyleLbl="node1" presStyleIdx="1" presStyleCnt="2" custScaleY="45072" custLinFactNeighborX="251" custLinFactNeighborY="13935">
@@ -5952,13 +5937,6 @@
         </dgm:presLayoutVars>
       </dgm:prSet>
       <dgm:spPr/>
-      <dgm:t>
-        <a:bodyPr/>
-        <a:lstStyle/>
-        <a:p>
-          <a:endParaRPr lang="bg-BG"/>
-        </a:p>
-      </dgm:t>
     </dgm:pt>
     <dgm:pt modelId="{9F24B2B3-2DD0-4DD5-B684-2FEAB92C83D3}" type="pres">
       <dgm:prSet presAssocID="{D0BFF82B-A7A8-4C3D-8592-71D739244B7D}" presName="childText" presStyleLbl="revTx" presStyleIdx="1" presStyleCnt="2" custLinFactNeighborY="22923">
@@ -5967,43 +5945,38 @@
         </dgm:presLayoutVars>
       </dgm:prSet>
       <dgm:spPr/>
-      <dgm:t>
-        <a:bodyPr/>
-        <a:lstStyle/>
-        <a:p>
-          <a:endParaRPr lang="bg-BG"/>
-        </a:p>
-      </dgm:t>
     </dgm:pt>
   </dgm:ptLst>
   <dgm:cxnLst>
-    <dgm:cxn modelId="{2AF08FB2-CDBA-42EC-B580-A320AE824770}" srcId="{D0BFF82B-A7A8-4C3D-8592-71D739244B7D}" destId="{43FE9E25-A3F0-4C02-BBE0-B3083FD9BBA9}" srcOrd="4" destOrd="0" parTransId="{B441DF63-87D4-448B-B84A-CA2D9EF87A21}" sibTransId="{D6F7074E-5B9D-42FE-A061-A822A74B51B8}"/>
-    <dgm:cxn modelId="{97474B56-B1B9-466C-9687-64296651BC37}" type="presOf" srcId="{0E0A84E1-51A1-445D-824C-95823BD90A01}" destId="{63635E32-510A-4D0F-A6CB-514E1BB4A76A}" srcOrd="0" destOrd="5" presId="urn:microsoft.com/office/officeart/2005/8/layout/vList2"/>
-    <dgm:cxn modelId="{638C6965-EB2A-4696-99CD-09333BC4C6BA}" type="presOf" srcId="{211441B8-CBE6-4FD5-8A78-520242B1878D}" destId="{9F24B2B3-2DD0-4DD5-B684-2FEAB92C83D3}" srcOrd="0" destOrd="1" presId="urn:microsoft.com/office/officeart/2005/8/layout/vList2"/>
-    <dgm:cxn modelId="{E47BFAC9-E0C3-41BD-9CD6-DF035F81311F}" srcId="{2D1C2C37-7B6F-40B1-A9CA-81D6ABCF60B6}" destId="{12F34BAF-6175-44AB-934D-988B384C1DCF}" srcOrd="4" destOrd="0" parTransId="{299317F3-ABD4-4213-8E2B-D403F3859BEF}" sibTransId="{6881BE96-B44D-4C62-92D3-200FD5DA1561}"/>
-    <dgm:cxn modelId="{F7BC0BDB-CD31-4604-9558-6E855A4245D4}" type="presOf" srcId="{12F34BAF-6175-44AB-934D-988B384C1DCF}" destId="{63635E32-510A-4D0F-A6CB-514E1BB4A76A}" srcOrd="0" destOrd="4" presId="urn:microsoft.com/office/officeart/2005/8/layout/vList2"/>
     <dgm:cxn modelId="{3100BC05-A6D1-4D49-ACBD-E6BFD6D13873}" type="presOf" srcId="{43FE9E25-A3F0-4C02-BBE0-B3083FD9BBA9}" destId="{9F24B2B3-2DD0-4DD5-B684-2FEAB92C83D3}" srcOrd="0" destOrd="4" presId="urn:microsoft.com/office/officeart/2005/8/layout/vList2"/>
-    <dgm:cxn modelId="{BD3503C7-CAC1-460D-AAD1-5764C4C4A1C9}" type="presOf" srcId="{029E01F1-CC15-4C99-AD89-1C71356C4CD0}" destId="{9F24B2B3-2DD0-4DD5-B684-2FEAB92C83D3}" srcOrd="0" destOrd="3" presId="urn:microsoft.com/office/officeart/2005/8/layout/vList2"/>
-    <dgm:cxn modelId="{252BFE54-0B62-4A3B-ACBE-20A53ED47E29}" type="presOf" srcId="{7C9A7B70-31EE-44FE-BF13-E2CACCE44270}" destId="{63635E32-510A-4D0F-A6CB-514E1BB4A76A}" srcOrd="0" destOrd="0" presId="urn:microsoft.com/office/officeart/2005/8/layout/vList2"/>
-    <dgm:cxn modelId="{5ACD64F4-92F0-4B98-9515-01300379F857}" type="presOf" srcId="{98EEA278-1FE3-4D6E-9A9C-A473B72E5D7D}" destId="{9F24B2B3-2DD0-4DD5-B684-2FEAB92C83D3}" srcOrd="0" destOrd="2" presId="urn:microsoft.com/office/officeart/2005/8/layout/vList2"/>
-    <dgm:cxn modelId="{77ACFFBC-EFC3-4CE2-88B6-A4D2451B6389}" type="presOf" srcId="{39B4C99A-D81B-41ED-8BD5-04B764BAEAD2}" destId="{63635E32-510A-4D0F-A6CB-514E1BB4A76A}" srcOrd="0" destOrd="2" presId="urn:microsoft.com/office/officeart/2005/8/layout/vList2"/>
-    <dgm:cxn modelId="{D06C4BEF-0227-4478-AAE1-7BC4721F3C2E}" type="presOf" srcId="{C720FE5B-60A2-426B-AD66-BE5F09F21D72}" destId="{22E563E3-FF89-499C-8A40-84326503DEA1}" srcOrd="0" destOrd="0" presId="urn:microsoft.com/office/officeart/2005/8/layout/vList2"/>
+    <dgm:cxn modelId="{E26BE409-F8B2-4286-9EAB-0D7F75950A9A}" type="presOf" srcId="{D0BFF82B-A7A8-4C3D-8592-71D739244B7D}" destId="{3DAD15C5-E00E-46B2-8F9F-C16C26702240}" srcOrd="0" destOrd="0" presId="urn:microsoft.com/office/officeart/2005/8/layout/vList2"/>
     <dgm:cxn modelId="{B751C80C-6ED6-474A-9108-57C464AFDAC5}" srcId="{2D1C2C37-7B6F-40B1-A9CA-81D6ABCF60B6}" destId="{7C9A7B70-31EE-44FE-BF13-E2CACCE44270}" srcOrd="0" destOrd="0" parTransId="{1AC6EBB4-E481-4212-B73B-95A814F1147B}" sibTransId="{4470643C-F1CB-4EDB-BC3C-DA7E22024A18}"/>
-    <dgm:cxn modelId="{E26BE409-F8B2-4286-9EAB-0D7F75950A9A}" type="presOf" srcId="{D0BFF82B-A7A8-4C3D-8592-71D739244B7D}" destId="{3DAD15C5-E00E-46B2-8F9F-C16C26702240}" srcOrd="0" destOrd="0" presId="urn:microsoft.com/office/officeart/2005/8/layout/vList2"/>
-    <dgm:cxn modelId="{CED2E24E-EE06-466E-A59B-079689D72EEC}" srcId="{D0BFF82B-A7A8-4C3D-8592-71D739244B7D}" destId="{211441B8-CBE6-4FD5-8A78-520242B1878D}" srcOrd="1" destOrd="0" parTransId="{5E050188-DCFC-4F26-B0C6-7A693B7CED8F}" sibTransId="{7102FD98-6C22-4865-B56A-0034B5203CB0}"/>
     <dgm:cxn modelId="{CFFF5813-43EC-4F5E-A998-18E3787B49D0}" srcId="{2D1C2C37-7B6F-40B1-A9CA-81D6ABCF60B6}" destId="{63A2325D-5A49-4FE7-9705-61046B779206}" srcOrd="1" destOrd="0" parTransId="{84C9B08C-199C-47A7-A718-6D3DFD8AAC3D}" sibTransId="{BE6B1607-EF21-4D31-A1AA-AF5DE920C2DF}"/>
-    <dgm:cxn modelId="{8AA725EB-4E2E-40E6-BC1F-572909F044D7}" srcId="{D0BFF82B-A7A8-4C3D-8592-71D739244B7D}" destId="{B13524C2-798A-4811-8898-791D44E12382}" srcOrd="0" destOrd="0" parTransId="{FAA44413-A722-41E6-A378-5B133FBC37A9}" sibTransId="{C96264FB-ACA8-4847-AE73-AC689F44201B}"/>
-    <dgm:cxn modelId="{B5D756B9-F6F0-4FDB-B698-3D0EE01A8DE3}" type="presOf" srcId="{2D1C2C37-7B6F-40B1-A9CA-81D6ABCF60B6}" destId="{D33A2FF8-A78E-4539-A2A5-886A470F6DDD}" srcOrd="0" destOrd="0" presId="urn:microsoft.com/office/officeart/2005/8/layout/vList2"/>
-    <dgm:cxn modelId="{B845826C-B806-480C-9849-13D939DD4D92}" srcId="{2D1C2C37-7B6F-40B1-A9CA-81D6ABCF60B6}" destId="{0E0A84E1-51A1-445D-824C-95823BD90A01}" srcOrd="5" destOrd="0" parTransId="{3BE6AB21-6891-4430-B5C4-CE08A9B6D738}" sibTransId="{0194A8C2-0011-4372-8A6A-25F38FA1FC99}"/>
     <dgm:cxn modelId="{BFE8CB2F-67A6-4F50-AD52-754C000DBDFD}" srcId="{D0BFF82B-A7A8-4C3D-8592-71D739244B7D}" destId="{029E01F1-CC15-4C99-AD89-1C71356C4CD0}" srcOrd="3" destOrd="0" parTransId="{5EDDBE18-39B0-4E63-AEA6-171986F5D351}" sibTransId="{3B722E7E-630A-4873-85AB-5D26368EAD2A}"/>
-    <dgm:cxn modelId="{4609BFCD-0CBC-461D-9FDF-A6B847D7572F}" srcId="{C720FE5B-60A2-426B-AD66-BE5F09F21D72}" destId="{D0BFF82B-A7A8-4C3D-8592-71D739244B7D}" srcOrd="1" destOrd="0" parTransId="{09C0AC1E-AF6A-431B-AD87-FE47BD6379D1}" sibTransId="{ABC9B147-D28E-415D-B5E8-0C1D6AE032A6}"/>
     <dgm:cxn modelId="{B886A25B-7B4C-4978-B088-742B00EAC7E7}" type="presOf" srcId="{33948E1B-3FDC-4494-A8E8-E67C02E9546F}" destId="{63635E32-510A-4D0F-A6CB-514E1BB4A76A}" srcOrd="0" destOrd="3" presId="urn:microsoft.com/office/officeart/2005/8/layout/vList2"/>
     <dgm:cxn modelId="{C788DD41-0DA1-4116-86D7-6F91473C42F1}" srcId="{2D1C2C37-7B6F-40B1-A9CA-81D6ABCF60B6}" destId="{39B4C99A-D81B-41ED-8BD5-04B764BAEAD2}" srcOrd="2" destOrd="0" parTransId="{9B035E87-8616-4E42-9EBD-D70DD168186C}" sibTransId="{64BC7690-7404-43DE-8389-6263E29612B2}"/>
-    <dgm:cxn modelId="{2FB3C5DC-7FFC-4912-A2B7-BDCFAD30A5FD}" srcId="{C720FE5B-60A2-426B-AD66-BE5F09F21D72}" destId="{2D1C2C37-7B6F-40B1-A9CA-81D6ABCF60B6}" srcOrd="0" destOrd="0" parTransId="{0F5B595E-3164-4D3B-A796-C49FF2732186}" sibTransId="{3215FCF6-4A80-4895-A684-DB08ED6DA671}"/>
-    <dgm:cxn modelId="{2D77A983-5A67-488C-80DA-24C0DC578B25}" type="presOf" srcId="{B13524C2-798A-4811-8898-791D44E12382}" destId="{9F24B2B3-2DD0-4DD5-B684-2FEAB92C83D3}" srcOrd="0" destOrd="0" presId="urn:microsoft.com/office/officeart/2005/8/layout/vList2"/>
+    <dgm:cxn modelId="{638C6965-EB2A-4696-99CD-09333BC4C6BA}" type="presOf" srcId="{211441B8-CBE6-4FD5-8A78-520242B1878D}" destId="{9F24B2B3-2DD0-4DD5-B684-2FEAB92C83D3}" srcOrd="0" destOrd="1" presId="urn:microsoft.com/office/officeart/2005/8/layout/vList2"/>
     <dgm:cxn modelId="{E080E665-3D34-4C22-871C-0CC027695333}" type="presOf" srcId="{63A2325D-5A49-4FE7-9705-61046B779206}" destId="{63635E32-510A-4D0F-A6CB-514E1BB4A76A}" srcOrd="0" destOrd="1" presId="urn:microsoft.com/office/officeart/2005/8/layout/vList2"/>
+    <dgm:cxn modelId="{B845826C-B806-480C-9849-13D939DD4D92}" srcId="{2D1C2C37-7B6F-40B1-A9CA-81D6ABCF60B6}" destId="{0E0A84E1-51A1-445D-824C-95823BD90A01}" srcOrd="5" destOrd="0" parTransId="{3BE6AB21-6891-4430-B5C4-CE08A9B6D738}" sibTransId="{0194A8C2-0011-4372-8A6A-25F38FA1FC99}"/>
+    <dgm:cxn modelId="{CED2E24E-EE06-466E-A59B-079689D72EEC}" srcId="{D0BFF82B-A7A8-4C3D-8592-71D739244B7D}" destId="{211441B8-CBE6-4FD5-8A78-520242B1878D}" srcOrd="1" destOrd="0" parTransId="{5E050188-DCFC-4F26-B0C6-7A693B7CED8F}" sibTransId="{7102FD98-6C22-4865-B56A-0034B5203CB0}"/>
+    <dgm:cxn modelId="{252BFE54-0B62-4A3B-ACBE-20A53ED47E29}" type="presOf" srcId="{7C9A7B70-31EE-44FE-BF13-E2CACCE44270}" destId="{63635E32-510A-4D0F-A6CB-514E1BB4A76A}" srcOrd="0" destOrd="0" presId="urn:microsoft.com/office/officeart/2005/8/layout/vList2"/>
+    <dgm:cxn modelId="{97474B56-B1B9-466C-9687-64296651BC37}" type="presOf" srcId="{0E0A84E1-51A1-445D-824C-95823BD90A01}" destId="{63635E32-510A-4D0F-A6CB-514E1BB4A76A}" srcOrd="0" destOrd="5" presId="urn:microsoft.com/office/officeart/2005/8/layout/vList2"/>
     <dgm:cxn modelId="{CCF6947C-42D1-4ECA-ACCA-38CD38886159}" srcId="{D0BFF82B-A7A8-4C3D-8592-71D739244B7D}" destId="{98EEA278-1FE3-4D6E-9A9C-A473B72E5D7D}" srcOrd="2" destOrd="0" parTransId="{FC6055B7-E551-460D-8ADC-67F12C739A7A}" sibTransId="{976A25A1-0307-4E1B-9F81-00BB518E8052}"/>
     <dgm:cxn modelId="{2487A87E-DE30-4748-90F3-CF9F7AC4D8AC}" srcId="{2D1C2C37-7B6F-40B1-A9CA-81D6ABCF60B6}" destId="{33948E1B-3FDC-4494-A8E8-E67C02E9546F}" srcOrd="3" destOrd="0" parTransId="{501E15BF-7896-4340-B361-3028B8C6DDA7}" sibTransId="{53241D81-C213-45B5-8CE6-FA41A9ADC69D}"/>
+    <dgm:cxn modelId="{2D77A983-5A67-488C-80DA-24C0DC578B25}" type="presOf" srcId="{B13524C2-798A-4811-8898-791D44E12382}" destId="{9F24B2B3-2DD0-4DD5-B684-2FEAB92C83D3}" srcOrd="0" destOrd="0" presId="urn:microsoft.com/office/officeart/2005/8/layout/vList2"/>
+    <dgm:cxn modelId="{2AF08FB2-CDBA-42EC-B580-A320AE824770}" srcId="{D0BFF82B-A7A8-4C3D-8592-71D739244B7D}" destId="{43FE9E25-A3F0-4C02-BBE0-B3083FD9BBA9}" srcOrd="4" destOrd="0" parTransId="{B441DF63-87D4-448B-B84A-CA2D9EF87A21}" sibTransId="{D6F7074E-5B9D-42FE-A061-A822A74B51B8}"/>
+    <dgm:cxn modelId="{B5D756B9-F6F0-4FDB-B698-3D0EE01A8DE3}" type="presOf" srcId="{2D1C2C37-7B6F-40B1-A9CA-81D6ABCF60B6}" destId="{D33A2FF8-A78E-4539-A2A5-886A470F6DDD}" srcOrd="0" destOrd="0" presId="urn:microsoft.com/office/officeart/2005/8/layout/vList2"/>
+    <dgm:cxn modelId="{77ACFFBC-EFC3-4CE2-88B6-A4D2451B6389}" type="presOf" srcId="{39B4C99A-D81B-41ED-8BD5-04B764BAEAD2}" destId="{63635E32-510A-4D0F-A6CB-514E1BB4A76A}" srcOrd="0" destOrd="2" presId="urn:microsoft.com/office/officeart/2005/8/layout/vList2"/>
+    <dgm:cxn modelId="{BD3503C7-CAC1-460D-AAD1-5764C4C4A1C9}" type="presOf" srcId="{029E01F1-CC15-4C99-AD89-1C71356C4CD0}" destId="{9F24B2B3-2DD0-4DD5-B684-2FEAB92C83D3}" srcOrd="0" destOrd="3" presId="urn:microsoft.com/office/officeart/2005/8/layout/vList2"/>
+    <dgm:cxn modelId="{E47BFAC9-E0C3-41BD-9CD6-DF035F81311F}" srcId="{2D1C2C37-7B6F-40B1-A9CA-81D6ABCF60B6}" destId="{12F34BAF-6175-44AB-934D-988B384C1DCF}" srcOrd="4" destOrd="0" parTransId="{299317F3-ABD4-4213-8E2B-D403F3859BEF}" sibTransId="{6881BE96-B44D-4C62-92D3-200FD5DA1561}"/>
+    <dgm:cxn modelId="{4609BFCD-0CBC-461D-9FDF-A6B847D7572F}" srcId="{C720FE5B-60A2-426B-AD66-BE5F09F21D72}" destId="{D0BFF82B-A7A8-4C3D-8592-71D739244B7D}" srcOrd="1" destOrd="0" parTransId="{09C0AC1E-AF6A-431B-AD87-FE47BD6379D1}" sibTransId="{ABC9B147-D28E-415D-B5E8-0C1D6AE032A6}"/>
+    <dgm:cxn modelId="{F7BC0BDB-CD31-4604-9558-6E855A4245D4}" type="presOf" srcId="{12F34BAF-6175-44AB-934D-988B384C1DCF}" destId="{63635E32-510A-4D0F-A6CB-514E1BB4A76A}" srcOrd="0" destOrd="4" presId="urn:microsoft.com/office/officeart/2005/8/layout/vList2"/>
+    <dgm:cxn modelId="{2FB3C5DC-7FFC-4912-A2B7-BDCFAD30A5FD}" srcId="{C720FE5B-60A2-426B-AD66-BE5F09F21D72}" destId="{2D1C2C37-7B6F-40B1-A9CA-81D6ABCF60B6}" srcOrd="0" destOrd="0" parTransId="{0F5B595E-3164-4D3B-A796-C49FF2732186}" sibTransId="{3215FCF6-4A80-4895-A684-DB08ED6DA671}"/>
+    <dgm:cxn modelId="{4F9B44E1-E116-4958-AA6C-6D9C01D414DF}" type="presOf" srcId="{62A038F1-8C2A-491D-9161-743753B6B2E6}" destId="{63635E32-510A-4D0F-A6CB-514E1BB4A76A}" srcOrd="0" destOrd="6" presId="urn:microsoft.com/office/officeart/2005/8/layout/vList2"/>
+    <dgm:cxn modelId="{8AA725EB-4E2E-40E6-BC1F-572909F044D7}" srcId="{D0BFF82B-A7A8-4C3D-8592-71D739244B7D}" destId="{B13524C2-798A-4811-8898-791D44E12382}" srcOrd="0" destOrd="0" parTransId="{FAA44413-A722-41E6-A378-5B133FBC37A9}" sibTransId="{C96264FB-ACA8-4847-AE73-AC689F44201B}"/>
+    <dgm:cxn modelId="{D06C4BEF-0227-4478-AAE1-7BC4721F3C2E}" type="presOf" srcId="{C720FE5B-60A2-426B-AD66-BE5F09F21D72}" destId="{22E563E3-FF89-499C-8A40-84326503DEA1}" srcOrd="0" destOrd="0" presId="urn:microsoft.com/office/officeart/2005/8/layout/vList2"/>
+    <dgm:cxn modelId="{70868BF0-FCD1-41D6-BFC7-E03432603744}" srcId="{2D1C2C37-7B6F-40B1-A9CA-81D6ABCF60B6}" destId="{62A038F1-8C2A-491D-9161-743753B6B2E6}" srcOrd="6" destOrd="0" parTransId="{CCCB8D4F-1432-41DD-AC17-FB1F3E742968}" sibTransId="{4E723DA3-7217-439A-9645-2A4B4A1CADCC}"/>
+    <dgm:cxn modelId="{5ACD64F4-92F0-4B98-9515-01300379F857}" type="presOf" srcId="{98EEA278-1FE3-4D6E-9A9C-A473B72E5D7D}" destId="{9F24B2B3-2DD0-4DD5-B684-2FEAB92C83D3}" srcOrd="0" destOrd="2" presId="urn:microsoft.com/office/officeart/2005/8/layout/vList2"/>
     <dgm:cxn modelId="{FD0B7029-9486-489C-8991-0EF565B04EEB}" type="presParOf" srcId="{22E563E3-FF89-499C-8A40-84326503DEA1}" destId="{D33A2FF8-A78E-4539-A2A5-886A470F6DDD}" srcOrd="0" destOrd="0" presId="urn:microsoft.com/office/officeart/2005/8/layout/vList2"/>
     <dgm:cxn modelId="{AC84BA47-3DF9-4849-9D76-1802393EECE5}" type="presParOf" srcId="{22E563E3-FF89-499C-8A40-84326503DEA1}" destId="{63635E32-510A-4D0F-A6CB-514E1BB4A76A}" srcOrd="1" destOrd="0" presId="urn:microsoft.com/office/officeart/2005/8/layout/vList2"/>
     <dgm:cxn modelId="{4633B640-73D6-4A7F-B92C-9587D24FABDC}" type="presParOf" srcId="{22E563E3-FF89-499C-8A40-84326503DEA1}" destId="{3DAD15C5-E00E-46B2-8F9F-C16C26702240}" srcOrd="2" destOrd="0" presId="urn:microsoft.com/office/officeart/2005/8/layout/vList2"/>
@@ -6501,13 +6474,6 @@
         </dgm:presLayoutVars>
       </dgm:prSet>
       <dgm:spPr/>
-      <dgm:t>
-        <a:bodyPr/>
-        <a:lstStyle/>
-        <a:p>
-          <a:endParaRPr lang="bg-BG"/>
-        </a:p>
-      </dgm:t>
     </dgm:pt>
     <dgm:pt modelId="{D33A2FF8-A78E-4539-A2A5-886A470F6DDD}" type="pres">
       <dgm:prSet presAssocID="{2D1C2C37-7B6F-40B1-A9CA-81D6ABCF60B6}" presName="parentText" presStyleLbl="node1" presStyleIdx="0" presStyleCnt="2" custScaleY="45072" custLinFactNeighborX="114" custLinFactNeighborY="-34209">
@@ -6517,13 +6483,6 @@
         </dgm:presLayoutVars>
       </dgm:prSet>
       <dgm:spPr/>
-      <dgm:t>
-        <a:bodyPr/>
-        <a:lstStyle/>
-        <a:p>
-          <a:endParaRPr lang="bg-BG"/>
-        </a:p>
-      </dgm:t>
     </dgm:pt>
     <dgm:pt modelId="{63635E32-510A-4D0F-A6CB-514E1BB4A76A}" type="pres">
       <dgm:prSet presAssocID="{2D1C2C37-7B6F-40B1-A9CA-81D6ABCF60B6}" presName="childText" presStyleLbl="revTx" presStyleIdx="0" presStyleCnt="2" custLinFactNeighborX="114" custLinFactNeighborY="-12204">
@@ -6532,13 +6491,6 @@
         </dgm:presLayoutVars>
       </dgm:prSet>
       <dgm:spPr/>
-      <dgm:t>
-        <a:bodyPr/>
-        <a:lstStyle/>
-        <a:p>
-          <a:endParaRPr lang="bg-BG"/>
-        </a:p>
-      </dgm:t>
     </dgm:pt>
     <dgm:pt modelId="{3DAD15C5-E00E-46B2-8F9F-C16C26702240}" type="pres">
       <dgm:prSet presAssocID="{D0BFF82B-A7A8-4C3D-8592-71D739244B7D}" presName="parentText" presStyleLbl="node1" presStyleIdx="1" presStyleCnt="2" custScaleY="45072" custLinFactNeighborX="114" custLinFactNeighborY="10065">
@@ -6548,13 +6500,6 @@
         </dgm:presLayoutVars>
       </dgm:prSet>
       <dgm:spPr/>
-      <dgm:t>
-        <a:bodyPr/>
-        <a:lstStyle/>
-        <a:p>
-          <a:endParaRPr lang="bg-BG"/>
-        </a:p>
-      </dgm:t>
     </dgm:pt>
     <dgm:pt modelId="{9F24B2B3-2DD0-4DD5-B684-2FEAB92C83D3}" type="pres">
       <dgm:prSet presAssocID="{D0BFF82B-A7A8-4C3D-8592-71D739244B7D}" presName="childText" presStyleLbl="revTx" presStyleIdx="1" presStyleCnt="2" custLinFactNeighborX="114" custLinFactNeighborY="33017">
@@ -6563,37 +6508,30 @@
         </dgm:presLayoutVars>
       </dgm:prSet>
       <dgm:spPr/>
-      <dgm:t>
-        <a:bodyPr/>
-        <a:lstStyle/>
-        <a:p>
-          <a:endParaRPr lang="bg-BG"/>
-        </a:p>
-      </dgm:t>
     </dgm:pt>
   </dgm:ptLst>
   <dgm:cxnLst>
-    <dgm:cxn modelId="{878AEEBC-3681-4EFE-8E6D-7D3BE2DB6618}" type="presOf" srcId="{6F56E5B8-9922-452D-9ABD-FAA7050C33FF}" destId="{9F24B2B3-2DD0-4DD5-B684-2FEAB92C83D3}" srcOrd="0" destOrd="2" presId="urn:microsoft.com/office/officeart/2005/8/layout/vList2"/>
-    <dgm:cxn modelId="{E47BFAC9-E0C3-41BD-9CD6-DF035F81311F}" srcId="{2D1C2C37-7B6F-40B1-A9CA-81D6ABCF60B6}" destId="{12F34BAF-6175-44AB-934D-988B384C1DCF}" srcOrd="4" destOrd="0" parTransId="{299317F3-ABD4-4213-8E2B-D403F3859BEF}" sibTransId="{6881BE96-B44D-4C62-92D3-200FD5DA1561}"/>
-    <dgm:cxn modelId="{638C6965-EB2A-4696-99CD-09333BC4C6BA}" type="presOf" srcId="{211441B8-CBE6-4FD5-8A78-520242B1878D}" destId="{9F24B2B3-2DD0-4DD5-B684-2FEAB92C83D3}" srcOrd="0" destOrd="1" presId="urn:microsoft.com/office/officeart/2005/8/layout/vList2"/>
-    <dgm:cxn modelId="{F7BC0BDB-CD31-4604-9558-6E855A4245D4}" type="presOf" srcId="{12F34BAF-6175-44AB-934D-988B384C1DCF}" destId="{63635E32-510A-4D0F-A6CB-514E1BB4A76A}" srcOrd="0" destOrd="4" presId="urn:microsoft.com/office/officeart/2005/8/layout/vList2"/>
-    <dgm:cxn modelId="{252BFE54-0B62-4A3B-ACBE-20A53ED47E29}" type="presOf" srcId="{7C9A7B70-31EE-44FE-BF13-E2CACCE44270}" destId="{63635E32-510A-4D0F-A6CB-514E1BB4A76A}" srcOrd="0" destOrd="0" presId="urn:microsoft.com/office/officeart/2005/8/layout/vList2"/>
-    <dgm:cxn modelId="{A1C830A9-A749-4295-8619-6CDE84EA921C}" type="presOf" srcId="{A9583E49-78DF-4A6B-9E7C-D8B370B96D06}" destId="{63635E32-510A-4D0F-A6CB-514E1BB4A76A}" srcOrd="0" destOrd="2" presId="urn:microsoft.com/office/officeart/2005/8/layout/vList2"/>
-    <dgm:cxn modelId="{77ACFFBC-EFC3-4CE2-88B6-A4D2451B6389}" type="presOf" srcId="{39B4C99A-D81B-41ED-8BD5-04B764BAEAD2}" destId="{63635E32-510A-4D0F-A6CB-514E1BB4A76A}" srcOrd="0" destOrd="1" presId="urn:microsoft.com/office/officeart/2005/8/layout/vList2"/>
-    <dgm:cxn modelId="{D06C4BEF-0227-4478-AAE1-7BC4721F3C2E}" type="presOf" srcId="{C720FE5B-60A2-426B-AD66-BE5F09F21D72}" destId="{22E563E3-FF89-499C-8A40-84326503DEA1}" srcOrd="0" destOrd="0" presId="urn:microsoft.com/office/officeart/2005/8/layout/vList2"/>
-    <dgm:cxn modelId="{B751C80C-6ED6-474A-9108-57C464AFDAC5}" srcId="{2D1C2C37-7B6F-40B1-A9CA-81D6ABCF60B6}" destId="{7C9A7B70-31EE-44FE-BF13-E2CACCE44270}" srcOrd="0" destOrd="0" parTransId="{1AC6EBB4-E481-4212-B73B-95A814F1147B}" sibTransId="{4470643C-F1CB-4EDB-BC3C-DA7E22024A18}"/>
     <dgm:cxn modelId="{D683AD07-BE7C-4D83-ABD1-196ACBCD3B33}" srcId="{2D1C2C37-7B6F-40B1-A9CA-81D6ABCF60B6}" destId="{A9583E49-78DF-4A6B-9E7C-D8B370B96D06}" srcOrd="2" destOrd="0" parTransId="{02A5EF29-E8B9-4B76-B43C-D012A1DB035B}" sibTransId="{353B6727-C699-4160-A311-80F0273C94A7}"/>
     <dgm:cxn modelId="{E26BE409-F8B2-4286-9EAB-0D7F75950A9A}" type="presOf" srcId="{D0BFF82B-A7A8-4C3D-8592-71D739244B7D}" destId="{3DAD15C5-E00E-46B2-8F9F-C16C26702240}" srcOrd="0" destOrd="0" presId="urn:microsoft.com/office/officeart/2005/8/layout/vList2"/>
-    <dgm:cxn modelId="{CED2E24E-EE06-466E-A59B-079689D72EEC}" srcId="{D0BFF82B-A7A8-4C3D-8592-71D739244B7D}" destId="{211441B8-CBE6-4FD5-8A78-520242B1878D}" srcOrd="1" destOrd="0" parTransId="{5E050188-DCFC-4F26-B0C6-7A693B7CED8F}" sibTransId="{7102FD98-6C22-4865-B56A-0034B5203CB0}"/>
-    <dgm:cxn modelId="{8AA725EB-4E2E-40E6-BC1F-572909F044D7}" srcId="{D0BFF82B-A7A8-4C3D-8592-71D739244B7D}" destId="{B13524C2-798A-4811-8898-791D44E12382}" srcOrd="0" destOrd="0" parTransId="{FAA44413-A722-41E6-A378-5B133FBC37A9}" sibTransId="{C96264FB-ACA8-4847-AE73-AC689F44201B}"/>
-    <dgm:cxn modelId="{B5D756B9-F6F0-4FDB-B698-3D0EE01A8DE3}" type="presOf" srcId="{2D1C2C37-7B6F-40B1-A9CA-81D6ABCF60B6}" destId="{D33A2FF8-A78E-4539-A2A5-886A470F6DDD}" srcOrd="0" destOrd="0" presId="urn:microsoft.com/office/officeart/2005/8/layout/vList2"/>
-    <dgm:cxn modelId="{4609BFCD-0CBC-461D-9FDF-A6B847D7572F}" srcId="{C720FE5B-60A2-426B-AD66-BE5F09F21D72}" destId="{D0BFF82B-A7A8-4C3D-8592-71D739244B7D}" srcOrd="1" destOrd="0" parTransId="{09C0AC1E-AF6A-431B-AD87-FE47BD6379D1}" sibTransId="{ABC9B147-D28E-415D-B5E8-0C1D6AE032A6}"/>
-    <dgm:cxn modelId="{392C0B7A-10F0-4C03-ACF8-3940EA9584E2}" srcId="{D0BFF82B-A7A8-4C3D-8592-71D739244B7D}" destId="{6F56E5B8-9922-452D-9ABD-FAA7050C33FF}" srcOrd="2" destOrd="0" parTransId="{3B47BBD9-3B42-48B2-A5CA-49CB060825DA}" sibTransId="{C662CF02-C70E-4C8F-80CC-3D4F192D53EE}"/>
+    <dgm:cxn modelId="{B751C80C-6ED6-474A-9108-57C464AFDAC5}" srcId="{2D1C2C37-7B6F-40B1-A9CA-81D6ABCF60B6}" destId="{7C9A7B70-31EE-44FE-BF13-E2CACCE44270}" srcOrd="0" destOrd="0" parTransId="{1AC6EBB4-E481-4212-B73B-95A814F1147B}" sibTransId="{4470643C-F1CB-4EDB-BC3C-DA7E22024A18}"/>
     <dgm:cxn modelId="{B886A25B-7B4C-4978-B088-742B00EAC7E7}" type="presOf" srcId="{33948E1B-3FDC-4494-A8E8-E67C02E9546F}" destId="{63635E32-510A-4D0F-A6CB-514E1BB4A76A}" srcOrd="0" destOrd="3" presId="urn:microsoft.com/office/officeart/2005/8/layout/vList2"/>
     <dgm:cxn modelId="{C788DD41-0DA1-4116-86D7-6F91473C42F1}" srcId="{2D1C2C37-7B6F-40B1-A9CA-81D6ABCF60B6}" destId="{39B4C99A-D81B-41ED-8BD5-04B764BAEAD2}" srcOrd="1" destOrd="0" parTransId="{9B035E87-8616-4E42-9EBD-D70DD168186C}" sibTransId="{64BC7690-7404-43DE-8389-6263E29612B2}"/>
+    <dgm:cxn modelId="{638C6965-EB2A-4696-99CD-09333BC4C6BA}" type="presOf" srcId="{211441B8-CBE6-4FD5-8A78-520242B1878D}" destId="{9F24B2B3-2DD0-4DD5-B684-2FEAB92C83D3}" srcOrd="0" destOrd="1" presId="urn:microsoft.com/office/officeart/2005/8/layout/vList2"/>
+    <dgm:cxn modelId="{CED2E24E-EE06-466E-A59B-079689D72EEC}" srcId="{D0BFF82B-A7A8-4C3D-8592-71D739244B7D}" destId="{211441B8-CBE6-4FD5-8A78-520242B1878D}" srcOrd="1" destOrd="0" parTransId="{5E050188-DCFC-4F26-B0C6-7A693B7CED8F}" sibTransId="{7102FD98-6C22-4865-B56A-0034B5203CB0}"/>
+    <dgm:cxn modelId="{252BFE54-0B62-4A3B-ACBE-20A53ED47E29}" type="presOf" srcId="{7C9A7B70-31EE-44FE-BF13-E2CACCE44270}" destId="{63635E32-510A-4D0F-A6CB-514E1BB4A76A}" srcOrd="0" destOrd="0" presId="urn:microsoft.com/office/officeart/2005/8/layout/vList2"/>
+    <dgm:cxn modelId="{392C0B7A-10F0-4C03-ACF8-3940EA9584E2}" srcId="{D0BFF82B-A7A8-4C3D-8592-71D739244B7D}" destId="{6F56E5B8-9922-452D-9ABD-FAA7050C33FF}" srcOrd="2" destOrd="0" parTransId="{3B47BBD9-3B42-48B2-A5CA-49CB060825DA}" sibTransId="{C662CF02-C70E-4C8F-80CC-3D4F192D53EE}"/>
+    <dgm:cxn modelId="{2487A87E-DE30-4748-90F3-CF9F7AC4D8AC}" srcId="{2D1C2C37-7B6F-40B1-A9CA-81D6ABCF60B6}" destId="{33948E1B-3FDC-4494-A8E8-E67C02E9546F}" srcOrd="3" destOrd="0" parTransId="{501E15BF-7896-4340-B361-3028B8C6DDA7}" sibTransId="{53241D81-C213-45B5-8CE6-FA41A9ADC69D}"/>
+    <dgm:cxn modelId="{2D77A983-5A67-488C-80DA-24C0DC578B25}" type="presOf" srcId="{B13524C2-798A-4811-8898-791D44E12382}" destId="{9F24B2B3-2DD0-4DD5-B684-2FEAB92C83D3}" srcOrd="0" destOrd="0" presId="urn:microsoft.com/office/officeart/2005/8/layout/vList2"/>
+    <dgm:cxn modelId="{A1C830A9-A749-4295-8619-6CDE84EA921C}" type="presOf" srcId="{A9583E49-78DF-4A6B-9E7C-D8B370B96D06}" destId="{63635E32-510A-4D0F-A6CB-514E1BB4A76A}" srcOrd="0" destOrd="2" presId="urn:microsoft.com/office/officeart/2005/8/layout/vList2"/>
+    <dgm:cxn modelId="{B5D756B9-F6F0-4FDB-B698-3D0EE01A8DE3}" type="presOf" srcId="{2D1C2C37-7B6F-40B1-A9CA-81D6ABCF60B6}" destId="{D33A2FF8-A78E-4539-A2A5-886A470F6DDD}" srcOrd="0" destOrd="0" presId="urn:microsoft.com/office/officeart/2005/8/layout/vList2"/>
+    <dgm:cxn modelId="{878AEEBC-3681-4EFE-8E6D-7D3BE2DB6618}" type="presOf" srcId="{6F56E5B8-9922-452D-9ABD-FAA7050C33FF}" destId="{9F24B2B3-2DD0-4DD5-B684-2FEAB92C83D3}" srcOrd="0" destOrd="2" presId="urn:microsoft.com/office/officeart/2005/8/layout/vList2"/>
+    <dgm:cxn modelId="{77ACFFBC-EFC3-4CE2-88B6-A4D2451B6389}" type="presOf" srcId="{39B4C99A-D81B-41ED-8BD5-04B764BAEAD2}" destId="{63635E32-510A-4D0F-A6CB-514E1BB4A76A}" srcOrd="0" destOrd="1" presId="urn:microsoft.com/office/officeart/2005/8/layout/vList2"/>
+    <dgm:cxn modelId="{E47BFAC9-E0C3-41BD-9CD6-DF035F81311F}" srcId="{2D1C2C37-7B6F-40B1-A9CA-81D6ABCF60B6}" destId="{12F34BAF-6175-44AB-934D-988B384C1DCF}" srcOrd="4" destOrd="0" parTransId="{299317F3-ABD4-4213-8E2B-D403F3859BEF}" sibTransId="{6881BE96-B44D-4C62-92D3-200FD5DA1561}"/>
+    <dgm:cxn modelId="{4609BFCD-0CBC-461D-9FDF-A6B847D7572F}" srcId="{C720FE5B-60A2-426B-AD66-BE5F09F21D72}" destId="{D0BFF82B-A7A8-4C3D-8592-71D739244B7D}" srcOrd="1" destOrd="0" parTransId="{09C0AC1E-AF6A-431B-AD87-FE47BD6379D1}" sibTransId="{ABC9B147-D28E-415D-B5E8-0C1D6AE032A6}"/>
+    <dgm:cxn modelId="{F7BC0BDB-CD31-4604-9558-6E855A4245D4}" type="presOf" srcId="{12F34BAF-6175-44AB-934D-988B384C1DCF}" destId="{63635E32-510A-4D0F-A6CB-514E1BB4A76A}" srcOrd="0" destOrd="4" presId="urn:microsoft.com/office/officeart/2005/8/layout/vList2"/>
     <dgm:cxn modelId="{2FB3C5DC-7FFC-4912-A2B7-BDCFAD30A5FD}" srcId="{C720FE5B-60A2-426B-AD66-BE5F09F21D72}" destId="{2D1C2C37-7B6F-40B1-A9CA-81D6ABCF60B6}" srcOrd="0" destOrd="0" parTransId="{0F5B595E-3164-4D3B-A796-C49FF2732186}" sibTransId="{3215FCF6-4A80-4895-A684-DB08ED6DA671}"/>
-    <dgm:cxn modelId="{2D77A983-5A67-488C-80DA-24C0DC578B25}" type="presOf" srcId="{B13524C2-798A-4811-8898-791D44E12382}" destId="{9F24B2B3-2DD0-4DD5-B684-2FEAB92C83D3}" srcOrd="0" destOrd="0" presId="urn:microsoft.com/office/officeart/2005/8/layout/vList2"/>
-    <dgm:cxn modelId="{2487A87E-DE30-4748-90F3-CF9F7AC4D8AC}" srcId="{2D1C2C37-7B6F-40B1-A9CA-81D6ABCF60B6}" destId="{33948E1B-3FDC-4494-A8E8-E67C02E9546F}" srcOrd="3" destOrd="0" parTransId="{501E15BF-7896-4340-B361-3028B8C6DDA7}" sibTransId="{53241D81-C213-45B5-8CE6-FA41A9ADC69D}"/>
+    <dgm:cxn modelId="{8AA725EB-4E2E-40E6-BC1F-572909F044D7}" srcId="{D0BFF82B-A7A8-4C3D-8592-71D739244B7D}" destId="{B13524C2-798A-4811-8898-791D44E12382}" srcOrd="0" destOrd="0" parTransId="{FAA44413-A722-41E6-A378-5B133FBC37A9}" sibTransId="{C96264FB-ACA8-4847-AE73-AC689F44201B}"/>
+    <dgm:cxn modelId="{D06C4BEF-0227-4478-AAE1-7BC4721F3C2E}" type="presOf" srcId="{C720FE5B-60A2-426B-AD66-BE5F09F21D72}" destId="{22E563E3-FF89-499C-8A40-84326503DEA1}" srcOrd="0" destOrd="0" presId="urn:microsoft.com/office/officeart/2005/8/layout/vList2"/>
     <dgm:cxn modelId="{FD0B7029-9486-489C-8991-0EF565B04EEB}" type="presParOf" srcId="{22E563E3-FF89-499C-8A40-84326503DEA1}" destId="{D33A2FF8-A78E-4539-A2A5-886A470F6DDD}" srcOrd="0" destOrd="0" presId="urn:microsoft.com/office/officeart/2005/8/layout/vList2"/>
     <dgm:cxn modelId="{AC84BA47-3DF9-4849-9D76-1802393EECE5}" type="presParOf" srcId="{22E563E3-FF89-499C-8A40-84326503DEA1}" destId="{63635E32-510A-4D0F-A6CB-514E1BB4A76A}" srcOrd="1" destOrd="0" presId="urn:microsoft.com/office/officeart/2005/8/layout/vList2"/>
     <dgm:cxn modelId="{4633B640-73D6-4A7F-B92C-9587D24FABDC}" type="presParOf" srcId="{22E563E3-FF89-499C-8A40-84326503DEA1}" destId="{3DAD15C5-E00E-46B2-8F9F-C16C26702240}" srcOrd="2" destOrd="0" presId="urn:microsoft.com/office/officeart/2005/8/layout/vList2"/>
@@ -6704,7 +6642,7 @@
         </a:bodyPr>
         <a:lstStyle/>
         <a:p>
-          <a:pPr lvl="0" algn="l" defTabSz="2311400">
+          <a:pPr marL="0" lvl="0" indent="0" algn="l" defTabSz="2311400">
             <a:lnSpc>
               <a:spcPct val="90000"/>
             </a:lnSpc>
@@ -6714,6 +6652,7 @@
             <a:spcAft>
               <a:spcPct val="35000"/>
             </a:spcAft>
+            <a:buNone/>
           </a:pPr>
           <a:r>
             <a:rPr lang="en-US" sz="5200" kern="1200" dirty="0">
@@ -6824,7 +6763,7 @@
         </a:bodyPr>
         <a:lstStyle/>
         <a:p>
-          <a:pPr lvl="0" algn="l" defTabSz="2311400">
+          <a:pPr marL="0" lvl="0" indent="0" algn="l" defTabSz="2311400">
             <a:lnSpc>
               <a:spcPct val="90000"/>
             </a:lnSpc>
@@ -6834,6 +6773,7 @@
             <a:spcAft>
               <a:spcPct val="35000"/>
             </a:spcAft>
+            <a:buNone/>
           </a:pPr>
           <a:r>
             <a:rPr lang="en-US" sz="5200" kern="1200" dirty="0" err="1">
@@ -6944,7 +6884,7 @@
         </a:bodyPr>
         <a:lstStyle/>
         <a:p>
-          <a:pPr lvl="0" algn="l" defTabSz="2311400">
+          <a:pPr marL="0" lvl="0" indent="0" algn="l" defTabSz="2311400">
             <a:lnSpc>
               <a:spcPct val="90000"/>
             </a:lnSpc>
@@ -6954,6 +6894,7 @@
             <a:spcAft>
               <a:spcPct val="35000"/>
             </a:spcAft>
+            <a:buNone/>
           </a:pPr>
           <a:r>
             <a:rPr lang="en-GB" sz="5200" kern="1200" dirty="0">
@@ -7064,7 +7005,7 @@
         </a:bodyPr>
         <a:lstStyle/>
         <a:p>
-          <a:pPr lvl="0" algn="l" defTabSz="2311400">
+          <a:pPr marL="0" lvl="0" indent="0" algn="l" defTabSz="2311400">
             <a:lnSpc>
               <a:spcPct val="90000"/>
             </a:lnSpc>
@@ -7074,6 +7015,7 @@
             <a:spcAft>
               <a:spcPct val="35000"/>
             </a:spcAft>
+            <a:buNone/>
           </a:pPr>
           <a:r>
             <a:rPr lang="en-US" sz="5200" kern="1200" dirty="0">
@@ -7184,7 +7126,7 @@
         </a:bodyPr>
         <a:lstStyle/>
         <a:p>
-          <a:pPr lvl="0" algn="l" defTabSz="2311400">
+          <a:pPr marL="0" lvl="0" indent="0" algn="l" defTabSz="2311400">
             <a:lnSpc>
               <a:spcPct val="90000"/>
             </a:lnSpc>
@@ -7194,6 +7136,7 @@
             <a:spcAft>
               <a:spcPct val="35000"/>
             </a:spcAft>
+            <a:buNone/>
           </a:pPr>
           <a:r>
             <a:rPr lang="en-US" sz="5200" kern="1200" dirty="0" err="1">
@@ -7281,7 +7224,7 @@
         </a:bodyPr>
         <a:lstStyle/>
         <a:p>
-          <a:pPr lvl="0" algn="ctr" defTabSz="1289050">
+          <a:pPr marL="0" lvl="0" indent="0" algn="ctr" defTabSz="1289050">
             <a:lnSpc>
               <a:spcPct val="90000"/>
             </a:lnSpc>
@@ -7291,6 +7234,7 @@
             <a:spcAft>
               <a:spcPct val="35000"/>
             </a:spcAft>
+            <a:buNone/>
           </a:pPr>
           <a:r>
             <a:rPr lang="en-US" sz="2900" kern="1200" dirty="0"/>
@@ -7415,7 +7359,7 @@
         </a:bodyPr>
         <a:lstStyle/>
         <a:p>
-          <a:pPr lvl="0" algn="ctr" defTabSz="1289050">
+          <a:pPr marL="0" lvl="0" indent="0" algn="ctr" defTabSz="1289050">
             <a:lnSpc>
               <a:spcPct val="90000"/>
             </a:lnSpc>
@@ -7425,6 +7369,7 @@
             <a:spcAft>
               <a:spcPct val="35000"/>
             </a:spcAft>
+            <a:buNone/>
           </a:pPr>
           <a:r>
             <a:rPr lang="en-US" sz="2900" kern="1200" dirty="0"/>
@@ -7549,7 +7494,7 @@
         </a:bodyPr>
         <a:lstStyle/>
         <a:p>
-          <a:pPr lvl="0" algn="ctr" defTabSz="1289050">
+          <a:pPr marL="0" lvl="0" indent="0" algn="ctr" defTabSz="1289050">
             <a:lnSpc>
               <a:spcPct val="90000"/>
             </a:lnSpc>
@@ -7559,6 +7504,7 @@
             <a:spcAft>
               <a:spcPct val="35000"/>
             </a:spcAft>
+            <a:buNone/>
           </a:pPr>
           <a:r>
             <a:rPr lang="en-US" sz="2900" kern="1200" dirty="0"/>
@@ -7683,7 +7629,7 @@
         </a:bodyPr>
         <a:lstStyle/>
         <a:p>
-          <a:pPr lvl="0" algn="ctr" defTabSz="1289050">
+          <a:pPr marL="0" lvl="0" indent="0" algn="ctr" defTabSz="1289050">
             <a:lnSpc>
               <a:spcPct val="90000"/>
             </a:lnSpc>
@@ -7693,6 +7639,7 @@
             <a:spcAft>
               <a:spcPct val="35000"/>
             </a:spcAft>
+            <a:buNone/>
           </a:pPr>
           <a:r>
             <a:rPr lang="en-US" sz="2900" kern="1200" dirty="0"/>
@@ -7725,7 +7672,7 @@
       </dsp:nvSpPr>
       <dsp:spPr>
         <a:xfrm>
-          <a:off x="0" y="71303"/>
+          <a:off x="0" y="0"/>
           <a:ext cx="6950075" cy="539998"/>
         </a:xfrm>
         <a:prstGeom prst="roundRect">
@@ -7768,7 +7715,7 @@
         </a:bodyPr>
         <a:lstStyle/>
         <a:p>
-          <a:pPr lvl="0" algn="l" defTabSz="1244600">
+          <a:pPr marL="0" lvl="0" indent="0" algn="l" defTabSz="1244600">
             <a:lnSpc>
               <a:spcPct val="90000"/>
             </a:lnSpc>
@@ -7778,6 +7725,7 @@
             <a:spcAft>
               <a:spcPct val="35000"/>
             </a:spcAft>
+            <a:buNone/>
           </a:pPr>
           <a:r>
             <a:rPr lang="en-US" sz="2800" kern="1200" dirty="0"/>
@@ -7787,7 +7735,7 @@
         </a:p>
       </dsp:txBody>
       <dsp:txXfrm>
-        <a:off x="26361" y="97664"/>
+        <a:off x="26361" y="26361"/>
         <a:ext cx="6897353" cy="487276"/>
       </dsp:txXfrm>
     </dsp:sp>
@@ -7798,8 +7746,8 @@
       </dsp:nvSpPr>
       <dsp:spPr>
         <a:xfrm>
-          <a:off x="0" y="1105127"/>
-          <a:ext cx="6950075" cy="1059840"/>
+          <a:off x="0" y="889847"/>
+          <a:ext cx="6950075" cy="1490400"/>
         </a:xfrm>
         <a:prstGeom prst="rect">
           <a:avLst/>
@@ -7838,7 +7786,7 @@
             <a:spcAft>
               <a:spcPct val="20000"/>
             </a:spcAft>
-            <a:buChar char="••"/>
+            <a:buChar char="•"/>
           </a:pPr>
           <a:r>
             <a:rPr lang="en-US" sz="2200" kern="1200" dirty="0">
@@ -7865,7 +7813,7 @@
             <a:spcAft>
               <a:spcPct val="20000"/>
             </a:spcAft>
-            <a:buChar char="••"/>
+            <a:buChar char="•"/>
           </a:pPr>
           <a:r>
             <a:rPr lang="en-US" sz="2200" kern="1200" dirty="0">
@@ -7881,10 +7829,64 @@
             </a:solidFill>
           </a:endParaRPr>
         </a:p>
+        <a:p>
+          <a:pPr marL="228600" lvl="1" indent="-228600" algn="l" defTabSz="977900">
+            <a:lnSpc>
+              <a:spcPct val="90000"/>
+            </a:lnSpc>
+            <a:spcBef>
+              <a:spcPct val="0"/>
+            </a:spcBef>
+            <a:spcAft>
+              <a:spcPct val="20000"/>
+            </a:spcAft>
+            <a:buChar char="•"/>
+          </a:pPr>
+          <a:r>
+            <a:rPr lang="en-US" sz="2200" kern="1200" dirty="0">
+              <a:solidFill>
+                <a:schemeClr val="bg1"/>
+              </a:solidFill>
+            </a:rPr>
+            <a:t>Git Native</a:t>
+          </a:r>
+          <a:endParaRPr lang="bg-BG" sz="2200" kern="1200" dirty="0">
+            <a:solidFill>
+              <a:schemeClr val="bg1"/>
+            </a:solidFill>
+          </a:endParaRPr>
+        </a:p>
+        <a:p>
+          <a:pPr marL="228600" lvl="1" indent="-228600" algn="l" defTabSz="977900">
+            <a:lnSpc>
+              <a:spcPct val="90000"/>
+            </a:lnSpc>
+            <a:spcBef>
+              <a:spcPct val="0"/>
+            </a:spcBef>
+            <a:spcAft>
+              <a:spcPct val="20000"/>
+            </a:spcAft>
+            <a:buChar char="•"/>
+          </a:pPr>
+          <a:r>
+            <a:rPr lang="en-US" sz="2200" kern="1200" dirty="0">
+              <a:solidFill>
+                <a:schemeClr val="bg1"/>
+              </a:solidFill>
+            </a:rPr>
+            <a:t>Detailed docs</a:t>
+          </a:r>
+          <a:endParaRPr lang="bg-BG" sz="2200" kern="1200" dirty="0">
+            <a:solidFill>
+              <a:schemeClr val="bg1"/>
+            </a:solidFill>
+          </a:endParaRPr>
+        </a:p>
       </dsp:txBody>
       <dsp:txXfrm>
-        <a:off x="0" y="1105127"/>
-        <a:ext cx="6950075" cy="1059840"/>
+        <a:off x="0" y="889847"/>
+        <a:ext cx="6950075" cy="1490400"/>
       </dsp:txXfrm>
     </dsp:sp>
     <dsp:sp modelId="{A985ECAE-33B7-43B0-807C-F3A6C3D12D21}">
@@ -7894,7 +7896,7 @@
       </dsp:nvSpPr>
       <dsp:spPr>
         <a:xfrm>
-          <a:off x="0" y="2571751"/>
+          <a:off x="0" y="2787031"/>
           <a:ext cx="6950075" cy="539998"/>
         </a:xfrm>
         <a:prstGeom prst="roundRect">
@@ -7937,7 +7939,7 @@
         </a:bodyPr>
         <a:lstStyle/>
         <a:p>
-          <a:pPr lvl="0" algn="l" defTabSz="1244600">
+          <a:pPr marL="0" lvl="0" indent="0" algn="l" defTabSz="1244600">
             <a:lnSpc>
               <a:spcPct val="90000"/>
             </a:lnSpc>
@@ -7947,6 +7949,7 @@
             <a:spcAft>
               <a:spcPct val="35000"/>
             </a:spcAft>
+            <a:buNone/>
           </a:pPr>
           <a:r>
             <a:rPr lang="en-US" sz="2800" kern="1200" dirty="0"/>
@@ -7956,7 +7959,7 @@
         </a:p>
       </dsp:txBody>
       <dsp:txXfrm>
-        <a:off x="26361" y="2598112"/>
+        <a:off x="26361" y="2813392"/>
         <a:ext cx="6897353" cy="487276"/>
       </dsp:txXfrm>
     </dsp:sp>
@@ -7967,7 +7970,7 @@
       </dsp:nvSpPr>
       <dsp:spPr>
         <a:xfrm>
-          <a:off x="0" y="3631309"/>
+          <a:off x="0" y="3846589"/>
           <a:ext cx="6950075" cy="1059840"/>
         </a:xfrm>
         <a:prstGeom prst="rect">
@@ -8007,7 +8010,7 @@
             <a:spcAft>
               <a:spcPct val="20000"/>
             </a:spcAft>
-            <a:buChar char="••"/>
+            <a:buChar char="•"/>
           </a:pPr>
           <a:r>
             <a:rPr lang="en-US" sz="2200" kern="1200" dirty="0">
@@ -8034,7 +8037,7 @@
             <a:spcAft>
               <a:spcPct val="20000"/>
             </a:spcAft>
-            <a:buChar char="••"/>
+            <a:buChar char="•"/>
           </a:pPr>
           <a:r>
             <a:rPr lang="en-US" sz="2200" kern="1200" dirty="0">
@@ -8052,7 +8055,7 @@
         </a:p>
       </dsp:txBody>
       <dsp:txXfrm>
-        <a:off x="0" y="3631309"/>
+        <a:off x="0" y="3846589"/>
         <a:ext cx="6950075" cy="1059840"/>
       </dsp:txXfrm>
     </dsp:sp>
@@ -8075,7 +8078,7 @@
       </dsp:nvSpPr>
       <dsp:spPr>
         <a:xfrm>
-          <a:off x="0" y="448575"/>
+          <a:off x="0" y="313747"/>
           <a:ext cx="6950075" cy="539998"/>
         </a:xfrm>
         <a:prstGeom prst="roundRect">
@@ -8113,7 +8116,7 @@
         </a:bodyPr>
         <a:lstStyle/>
         <a:p>
-          <a:pPr lvl="0" algn="l" defTabSz="1244600">
+          <a:pPr marL="0" lvl="0" indent="0" algn="l" defTabSz="1244600">
             <a:lnSpc>
               <a:spcPct val="90000"/>
             </a:lnSpc>
@@ -8123,6 +8126,7 @@
             <a:spcAft>
               <a:spcPct val="35000"/>
             </a:spcAft>
+            <a:buNone/>
           </a:pPr>
           <a:r>
             <a:rPr lang="en-US" sz="2800" kern="1200" dirty="0"/>
@@ -8132,7 +8136,7 @@
         </a:p>
       </dsp:txBody>
       <dsp:txXfrm>
-        <a:off x="26361" y="474936"/>
+        <a:off x="26361" y="340108"/>
         <a:ext cx="6897353" cy="487276"/>
       </dsp:txXfrm>
     </dsp:sp>
@@ -8143,8 +8147,8 @@
       </dsp:nvSpPr>
       <dsp:spPr>
         <a:xfrm>
-          <a:off x="0" y="1022333"/>
-          <a:ext cx="6950075" cy="2252160"/>
+          <a:off x="0" y="893463"/>
+          <a:ext cx="6950075" cy="2649600"/>
         </a:xfrm>
         <a:prstGeom prst="rect">
           <a:avLst/>
@@ -8183,7 +8187,7 @@
             <a:spcAft>
               <a:spcPct val="20000"/>
             </a:spcAft>
-            <a:buChar char="••"/>
+            <a:buChar char="•"/>
           </a:pPr>
           <a:r>
             <a:rPr lang="en-US" sz="2200" kern="1200" dirty="0">
@@ -8210,7 +8214,7 @@
             <a:spcAft>
               <a:spcPct val="20000"/>
             </a:spcAft>
-            <a:buChar char="••"/>
+            <a:buChar char="•"/>
           </a:pPr>
           <a:r>
             <a:rPr lang="en-US" sz="2200" kern="1200" dirty="0">
@@ -8237,7 +8241,7 @@
             <a:spcAft>
               <a:spcPct val="20000"/>
             </a:spcAft>
-            <a:buChar char="••"/>
+            <a:buChar char="•"/>
           </a:pPr>
           <a:r>
             <a:rPr lang="en-US" sz="2200" kern="1200" dirty="0">
@@ -8264,7 +8268,7 @@
             <a:spcAft>
               <a:spcPct val="20000"/>
             </a:spcAft>
-            <a:buChar char="••"/>
+            <a:buChar char="•"/>
           </a:pPr>
           <a:r>
             <a:rPr lang="en-US" sz="2200" kern="1200" dirty="0">
@@ -8291,7 +8295,7 @@
             <a:spcAft>
               <a:spcPct val="20000"/>
             </a:spcAft>
-            <a:buChar char="••"/>
+            <a:buChar char="•"/>
           </a:pPr>
           <a:r>
             <a:rPr lang="en-US" sz="2200" kern="1200">
@@ -8318,7 +8322,7 @@
             <a:spcAft>
               <a:spcPct val="20000"/>
             </a:spcAft>
-            <a:buChar char="••"/>
+            <a:buChar char="•"/>
           </a:pPr>
           <a:r>
             <a:rPr lang="en-US" sz="2200" kern="1200" dirty="0">
@@ -8334,10 +8338,37 @@
             </a:solidFill>
           </a:endParaRPr>
         </a:p>
+        <a:p>
+          <a:pPr marL="228600" lvl="1" indent="-228600" algn="l" defTabSz="977900">
+            <a:lnSpc>
+              <a:spcPct val="90000"/>
+            </a:lnSpc>
+            <a:spcBef>
+              <a:spcPct val="0"/>
+            </a:spcBef>
+            <a:spcAft>
+              <a:spcPct val="20000"/>
+            </a:spcAft>
+            <a:buChar char="•"/>
+          </a:pPr>
+          <a:r>
+            <a:rPr lang="en-US" sz="2200" kern="1200" dirty="0">
+              <a:solidFill>
+                <a:schemeClr val="bg1"/>
+              </a:solidFill>
+            </a:rPr>
+            <a:t>Single lint, build, test and release process</a:t>
+          </a:r>
+          <a:endParaRPr lang="bg-BG" sz="2200" kern="1200" dirty="0">
+            <a:solidFill>
+              <a:schemeClr val="bg1"/>
+            </a:solidFill>
+          </a:endParaRPr>
+        </a:p>
       </dsp:txBody>
       <dsp:txXfrm>
-        <a:off x="0" y="1022333"/>
-        <a:ext cx="6950075" cy="2252160"/>
+        <a:off x="0" y="893463"/>
+        <a:ext cx="6950075" cy="2649600"/>
       </dsp:txXfrm>
     </dsp:sp>
     <dsp:sp modelId="{3DAD15C5-E00E-46B2-8F9F-C16C26702240}">
@@ -8347,7 +8378,7 @@
       </dsp:nvSpPr>
       <dsp:spPr>
         <a:xfrm>
-          <a:off x="0" y="3537564"/>
+          <a:off x="0" y="3806134"/>
           <a:ext cx="6950075" cy="539998"/>
         </a:xfrm>
         <a:prstGeom prst="roundRect">
@@ -8390,7 +8421,7 @@
         </a:bodyPr>
         <a:lstStyle/>
         <a:p>
-          <a:pPr lvl="0" algn="l" defTabSz="1244600">
+          <a:pPr marL="0" lvl="0" indent="0" algn="l" defTabSz="1244600">
             <a:lnSpc>
               <a:spcPct val="90000"/>
             </a:lnSpc>
@@ -8400,6 +8431,7 @@
             <a:spcAft>
               <a:spcPct val="35000"/>
             </a:spcAft>
+            <a:buNone/>
           </a:pPr>
           <a:r>
             <a:rPr lang="en-US" sz="2800" kern="1200" dirty="0"/>
@@ -8409,7 +8441,7 @@
         </a:p>
       </dsp:txBody>
       <dsp:txXfrm>
-        <a:off x="26361" y="3563925"/>
+        <a:off x="26361" y="3832495"/>
         <a:ext cx="6897353" cy="487276"/>
       </dsp:txXfrm>
     </dsp:sp>
@@ -8420,7 +8452,7 @@
       </dsp:nvSpPr>
       <dsp:spPr>
         <a:xfrm>
-          <a:off x="0" y="4089128"/>
+          <a:off x="0" y="4357698"/>
           <a:ext cx="6950075" cy="1887840"/>
         </a:xfrm>
         <a:prstGeom prst="rect">
@@ -8460,7 +8492,7 @@
             <a:spcAft>
               <a:spcPct val="20000"/>
             </a:spcAft>
-            <a:buChar char="••"/>
+            <a:buChar char="•"/>
           </a:pPr>
           <a:r>
             <a:rPr lang="en-US" sz="2200" kern="1200">
@@ -8487,7 +8519,7 @@
             <a:spcAft>
               <a:spcPct val="20000"/>
             </a:spcAft>
-            <a:buChar char="••"/>
+            <a:buChar char="•"/>
           </a:pPr>
           <a:r>
             <a:rPr lang="en-US" sz="2200" kern="1200" dirty="0">
@@ -8514,7 +8546,7 @@
             <a:spcAft>
               <a:spcPct val="20000"/>
             </a:spcAft>
-            <a:buChar char="••"/>
+            <a:buChar char="•"/>
           </a:pPr>
           <a:r>
             <a:rPr lang="en-US" sz="2200" kern="1200" dirty="0">
@@ -8541,7 +8573,7 @@
             <a:spcAft>
               <a:spcPct val="20000"/>
             </a:spcAft>
-            <a:buChar char="••"/>
+            <a:buChar char="•"/>
           </a:pPr>
           <a:r>
             <a:rPr lang="en-US" sz="2200" kern="1200">
@@ -8568,7 +8600,7 @@
             <a:spcAft>
               <a:spcPct val="20000"/>
             </a:spcAft>
-            <a:buChar char="••"/>
+            <a:buChar char="•"/>
           </a:pPr>
           <a:r>
             <a:rPr lang="en-US" sz="2200" kern="1200" dirty="0">
@@ -8586,7 +8618,7 @@
         </a:p>
       </dsp:txBody>
       <dsp:txXfrm>
-        <a:off x="0" y="4089128"/>
+        <a:off x="0" y="4357698"/>
         <a:ext cx="6950075" cy="1887840"/>
       </dsp:txXfrm>
     </dsp:sp>
@@ -8647,7 +8679,7 @@
         </a:bodyPr>
         <a:lstStyle/>
         <a:p>
-          <a:pPr lvl="0" algn="l" defTabSz="1244600">
+          <a:pPr marL="0" lvl="0" indent="0" algn="l" defTabSz="1244600">
             <a:lnSpc>
               <a:spcPct val="90000"/>
             </a:lnSpc>
@@ -8657,6 +8689,7 @@
             <a:spcAft>
               <a:spcPct val="35000"/>
             </a:spcAft>
+            <a:buNone/>
           </a:pPr>
           <a:r>
             <a:rPr lang="en-US" sz="2800" kern="1200" dirty="0"/>
@@ -8717,7 +8750,7 @@
             <a:spcAft>
               <a:spcPct val="20000"/>
             </a:spcAft>
-            <a:buChar char="••"/>
+            <a:buChar char="•"/>
           </a:pPr>
           <a:r>
             <a:rPr lang="en-US" sz="2200" kern="1200" dirty="0">
@@ -8746,7 +8779,7 @@
             <a:spcAft>
               <a:spcPct val="20000"/>
             </a:spcAft>
-            <a:buChar char="••"/>
+            <a:buChar char="•"/>
           </a:pPr>
           <a:r>
             <a:rPr lang="en-US" sz="2200" kern="1200" dirty="0">
@@ -8775,7 +8808,7 @@
             <a:spcAft>
               <a:spcPct val="20000"/>
             </a:spcAft>
-            <a:buChar char="••"/>
+            <a:buChar char="•"/>
           </a:pPr>
           <a:r>
             <a:rPr lang="en-US" sz="2200" kern="1200" dirty="0">
@@ -8804,7 +8837,7 @@
             <a:spcAft>
               <a:spcPct val="20000"/>
             </a:spcAft>
-            <a:buChar char="••"/>
+            <a:buChar char="•"/>
           </a:pPr>
           <a:r>
             <a:rPr lang="en-US" sz="2200" kern="1200" dirty="0">
@@ -8833,7 +8866,7 @@
             <a:spcAft>
               <a:spcPct val="20000"/>
             </a:spcAft>
-            <a:buChar char="••"/>
+            <a:buChar char="•"/>
           </a:pPr>
           <a:r>
             <a:rPr lang="en-US" sz="2200" kern="1200" dirty="0">
@@ -8907,7 +8940,7 @@
         </a:bodyPr>
         <a:lstStyle/>
         <a:p>
-          <a:pPr lvl="0" algn="l" defTabSz="1244600">
+          <a:pPr marL="0" lvl="0" indent="0" algn="l" defTabSz="1244600">
             <a:lnSpc>
               <a:spcPct val="90000"/>
             </a:lnSpc>
@@ -8917,6 +8950,7 @@
             <a:spcAft>
               <a:spcPct val="35000"/>
             </a:spcAft>
+            <a:buNone/>
           </a:pPr>
           <a:r>
             <a:rPr lang="en-US" sz="2800" kern="1200" dirty="0"/>
@@ -8977,7 +9011,7 @@
             <a:spcAft>
               <a:spcPct val="20000"/>
             </a:spcAft>
-            <a:buChar char="••"/>
+            <a:buChar char="•"/>
           </a:pPr>
           <a:r>
             <a:rPr lang="en-US" sz="2200" kern="1200" dirty="0">
@@ -9005,7 +9039,7 @@
             <a:spcAft>
               <a:spcPct val="20000"/>
             </a:spcAft>
-            <a:buChar char="••"/>
+            <a:buChar char="•"/>
           </a:pPr>
           <a:r>
             <a:rPr lang="en-US" sz="2200" kern="1200" dirty="0">
@@ -9033,7 +9067,7 @@
             <a:spcAft>
               <a:spcPct val="20000"/>
             </a:spcAft>
-            <a:buChar char="••"/>
+            <a:buChar char="•"/>
           </a:pPr>
           <a:r>
             <a:rPr lang="en-US" sz="2200" kern="1200" dirty="0">
@@ -15790,7 +15824,7 @@
           <a:p>
             <a:fld id="{3C984E42-C6CA-4C97-96C7-CA2C1EC7B515}" type="datetimeFigureOut">
               <a:rPr lang="bg-BG" smtClean="0"/>
-              <a:t>21.05.2019</a:t>
+              <a:t>22.5.2019 г.</a:t>
             </a:fld>
             <a:endParaRPr lang="bg-BG"/>
           </a:p>
@@ -16186,27 +16220,535 @@
           <a:bodyPr/>
           <a:lstStyle/>
           <a:p>
-            <a:pPr marL="0" marR="0" lvl="0" indent="0" algn="l" defTabSz="914400" rtl="0" eaLnBrk="1" fontAlgn="auto" latinLnBrk="0" hangingPunct="1">
-              <a:lnSpc>
-                <a:spcPct val="100000"/>
-              </a:lnSpc>
-              <a:spcBef>
-                <a:spcPts val="0"/>
-              </a:spcBef>
-              <a:spcAft>
-                <a:spcPts val="0"/>
-              </a:spcAft>
-              <a:buClrTx/>
-              <a:buSzTx/>
-              <a:buFont typeface="Arial" panose="020B0604020202020204" pitchFamily="34" charset="0"/>
-              <a:buNone/>
-              <a:tabLst/>
-              <a:defRPr/>
-            </a:pPr>
             <a:r>
-              <a:rPr lang="en-US" dirty="0"/>
-              <a:t># Intro</a:t>
+              <a:rPr lang="en-US" sz="1200" b="0" i="0" kern="1200" dirty="0">
+                <a:solidFill>
+                  <a:schemeClr val="tx1"/>
+                </a:solidFill>
+                <a:effectLst/>
+                <a:latin typeface="+mn-lt"/>
+                <a:ea typeface="+mn-ea"/>
+                <a:cs typeface="+mn-cs"/>
+              </a:rPr>
+              <a:t>Packages are basically a way of code sharing, which purpose is to share already written code that tackles common problems</a:t>
             </a:r>
+          </a:p>
+          <a:p>
+            <a:endParaRPr lang="en-US" sz="1200" b="0" i="0" kern="1200" dirty="0">
+              <a:solidFill>
+                <a:schemeClr val="tx1"/>
+              </a:solidFill>
+              <a:effectLst/>
+              <a:latin typeface="+mn-lt"/>
+              <a:ea typeface="+mn-ea"/>
+              <a:cs typeface="+mn-cs"/>
+            </a:endParaRPr>
+          </a:p>
+          <a:p>
+            <a:r>
+              <a:rPr lang="en-US" sz="1200" b="0" i="0" kern="1200" dirty="0">
+                <a:solidFill>
+                  <a:schemeClr val="tx1"/>
+                </a:solidFill>
+                <a:effectLst/>
+                <a:latin typeface="+mn-lt"/>
+                <a:ea typeface="+mn-ea"/>
+                <a:cs typeface="+mn-cs"/>
+              </a:rPr>
+              <a:t>Clojure has </a:t>
+            </a:r>
+            <a:r>
+              <a:rPr lang="en-US" sz="1200" b="0" i="0" u="sng" kern="1200" dirty="0" err="1">
+                <a:solidFill>
+                  <a:schemeClr val="tx1"/>
+                </a:solidFill>
+                <a:effectLst/>
+                <a:latin typeface="+mn-lt"/>
+                <a:ea typeface="+mn-ea"/>
+                <a:cs typeface="+mn-cs"/>
+                <a:hlinkClick r:id="rId3"/>
+              </a:rPr>
+              <a:t>Clojars</a:t>
+            </a:r>
+            <a:r>
+              <a:rPr lang="en-US" sz="1200" b="0" i="0" u="sng" kern="1200" dirty="0">
+                <a:solidFill>
+                  <a:schemeClr val="tx1"/>
+                </a:solidFill>
+                <a:effectLst/>
+                <a:latin typeface="+mn-lt"/>
+                <a:ea typeface="+mn-ea"/>
+                <a:cs typeface="+mn-cs"/>
+              </a:rPr>
+              <a:t>, </a:t>
+            </a:r>
+            <a:r>
+              <a:rPr lang="en-US" sz="1200" b="0" i="0" kern="1200" dirty="0">
+                <a:solidFill>
+                  <a:schemeClr val="tx1"/>
+                </a:solidFill>
+                <a:effectLst/>
+                <a:latin typeface="+mn-lt"/>
+                <a:ea typeface="+mn-ea"/>
+                <a:cs typeface="+mn-cs"/>
+              </a:rPr>
+              <a:t>Erlang has </a:t>
+            </a:r>
+            <a:r>
+              <a:rPr lang="en-US" sz="1200" b="0" i="0" u="sng" kern="1200" dirty="0">
+                <a:solidFill>
+                  <a:schemeClr val="tx1"/>
+                </a:solidFill>
+                <a:effectLst/>
+                <a:latin typeface="+mn-lt"/>
+                <a:ea typeface="+mn-ea"/>
+                <a:cs typeface="+mn-cs"/>
+                <a:hlinkClick r:id="rId4"/>
+              </a:rPr>
+              <a:t>Hex</a:t>
+            </a:r>
+            <a:r>
+              <a:rPr lang="en-US" sz="1200" b="0" i="0" u="sng" kern="1200" dirty="0">
+                <a:solidFill>
+                  <a:schemeClr val="tx1"/>
+                </a:solidFill>
+                <a:effectLst/>
+                <a:latin typeface="+mn-lt"/>
+                <a:ea typeface="+mn-ea"/>
+                <a:cs typeface="+mn-cs"/>
+              </a:rPr>
+              <a:t>, </a:t>
+            </a:r>
+            <a:r>
+              <a:rPr lang="en-US" sz="1200" b="0" i="0" kern="1200" dirty="0">
+                <a:solidFill>
+                  <a:schemeClr val="tx1"/>
+                </a:solidFill>
+                <a:effectLst/>
+                <a:latin typeface="+mn-lt"/>
+                <a:ea typeface="+mn-ea"/>
+                <a:cs typeface="+mn-cs"/>
+              </a:rPr>
+              <a:t>Go has </a:t>
+            </a:r>
+            <a:r>
+              <a:rPr lang="en-US" sz="1200" b="0" i="0" u="sng" kern="1200" dirty="0" err="1">
+                <a:solidFill>
+                  <a:schemeClr val="tx1"/>
+                </a:solidFill>
+                <a:effectLst/>
+                <a:latin typeface="+mn-lt"/>
+                <a:ea typeface="+mn-ea"/>
+                <a:cs typeface="+mn-cs"/>
+                <a:hlinkClick r:id="rId5"/>
+              </a:rPr>
+              <a:t>GoDoc</a:t>
+            </a:r>
+            <a:r>
+              <a:rPr lang="en-US" sz="1200" b="0" i="0" u="sng" kern="1200" dirty="0">
+                <a:solidFill>
+                  <a:schemeClr val="tx1"/>
+                </a:solidFill>
+                <a:effectLst/>
+                <a:latin typeface="+mn-lt"/>
+                <a:ea typeface="+mn-ea"/>
+                <a:cs typeface="+mn-cs"/>
+              </a:rPr>
+              <a:t>, </a:t>
+            </a:r>
+            <a:r>
+              <a:rPr lang="en-US" sz="1200" b="0" i="0" kern="1200" dirty="0">
+                <a:solidFill>
+                  <a:schemeClr val="tx1"/>
+                </a:solidFill>
+                <a:effectLst/>
+                <a:latin typeface="+mn-lt"/>
+                <a:ea typeface="+mn-ea"/>
+                <a:cs typeface="+mn-cs"/>
+              </a:rPr>
+              <a:t>Haskell has </a:t>
+            </a:r>
+            <a:r>
+              <a:rPr lang="en-US" sz="1200" b="0" i="0" u="sng" kern="1200" dirty="0" err="1">
+                <a:solidFill>
+                  <a:schemeClr val="tx1"/>
+                </a:solidFill>
+                <a:effectLst/>
+                <a:latin typeface="+mn-lt"/>
+                <a:ea typeface="+mn-ea"/>
+                <a:cs typeface="+mn-cs"/>
+                <a:hlinkClick r:id="rId6"/>
+              </a:rPr>
+              <a:t>Hackage</a:t>
+            </a:r>
+            <a:r>
+              <a:rPr lang="en-US" sz="1200" b="0" i="0" u="sng" kern="1200" dirty="0">
+                <a:solidFill>
+                  <a:schemeClr val="tx1"/>
+                </a:solidFill>
+                <a:effectLst/>
+                <a:latin typeface="+mn-lt"/>
+                <a:ea typeface="+mn-ea"/>
+                <a:cs typeface="+mn-cs"/>
+              </a:rPr>
+              <a:t>, </a:t>
+            </a:r>
+            <a:r>
+              <a:rPr lang="en-US" sz="1200" b="0" i="0" kern="1200" dirty="0">
+                <a:solidFill>
+                  <a:schemeClr val="tx1"/>
+                </a:solidFill>
+                <a:effectLst/>
+                <a:latin typeface="+mn-lt"/>
+                <a:ea typeface="+mn-ea"/>
+                <a:cs typeface="+mn-cs"/>
+              </a:rPr>
+              <a:t>Java has </a:t>
+            </a:r>
+            <a:r>
+              <a:rPr lang="en-US" sz="1200" b="0" i="0" u="sng" kern="1200" dirty="0">
+                <a:solidFill>
+                  <a:schemeClr val="tx1"/>
+                </a:solidFill>
+                <a:effectLst/>
+                <a:latin typeface="+mn-lt"/>
+                <a:ea typeface="+mn-ea"/>
+                <a:cs typeface="+mn-cs"/>
+                <a:hlinkClick r:id="rId7"/>
+              </a:rPr>
+              <a:t>Maven Central</a:t>
+            </a:r>
+            <a:r>
+              <a:rPr lang="en-US" sz="1200" b="0" i="0" u="sng" kern="1200" dirty="0">
+                <a:solidFill>
+                  <a:schemeClr val="tx1"/>
+                </a:solidFill>
+                <a:effectLst/>
+                <a:latin typeface="+mn-lt"/>
+                <a:ea typeface="+mn-ea"/>
+                <a:cs typeface="+mn-cs"/>
+              </a:rPr>
+              <a:t>, </a:t>
+            </a:r>
+            <a:r>
+              <a:rPr lang="en-US" sz="1200" b="0" i="0" kern="1200" dirty="0">
+                <a:solidFill>
+                  <a:schemeClr val="tx1"/>
+                </a:solidFill>
+                <a:effectLst/>
+                <a:latin typeface="+mn-lt"/>
+                <a:ea typeface="+mn-ea"/>
+                <a:cs typeface="+mn-cs"/>
+              </a:rPr>
+              <a:t>JavaScript has </a:t>
+            </a:r>
+            <a:r>
+              <a:rPr lang="en-US" sz="1200" b="0" i="0" u="sng" kern="1200" dirty="0" err="1">
+                <a:solidFill>
+                  <a:schemeClr val="tx1"/>
+                </a:solidFill>
+                <a:effectLst/>
+                <a:latin typeface="+mn-lt"/>
+                <a:ea typeface="+mn-ea"/>
+                <a:cs typeface="+mn-cs"/>
+                <a:hlinkClick r:id="rId8"/>
+              </a:rPr>
+              <a:t>npm</a:t>
+            </a:r>
+            <a:r>
+              <a:rPr lang="en-US" sz="1200" b="0" i="0" kern="1200" dirty="0">
+                <a:solidFill>
+                  <a:schemeClr val="tx1"/>
+                </a:solidFill>
+                <a:effectLst/>
+                <a:latin typeface="+mn-lt"/>
+                <a:ea typeface="+mn-ea"/>
+                <a:cs typeface="+mn-cs"/>
+              </a:rPr>
+              <a:t> and </a:t>
+            </a:r>
+            <a:r>
+              <a:rPr lang="en-US" sz="1200" b="0" i="0" u="sng" kern="1200" dirty="0">
+                <a:solidFill>
+                  <a:schemeClr val="tx1"/>
+                </a:solidFill>
+                <a:effectLst/>
+                <a:latin typeface="+mn-lt"/>
+                <a:ea typeface="+mn-ea"/>
+                <a:cs typeface="+mn-cs"/>
+                <a:hlinkClick r:id="rId9"/>
+              </a:rPr>
+              <a:t>Bower</a:t>
+            </a:r>
+            <a:r>
+              <a:rPr lang="en-US" sz="1200" b="0" i="0" kern="1200" dirty="0">
+                <a:solidFill>
+                  <a:schemeClr val="tx1"/>
+                </a:solidFill>
+                <a:effectLst/>
+                <a:latin typeface="+mn-lt"/>
+                <a:ea typeface="+mn-ea"/>
+                <a:cs typeface="+mn-cs"/>
+              </a:rPr>
+              <a:t> (and others, too), NET has </a:t>
+            </a:r>
+            <a:r>
+              <a:rPr lang="en-US" sz="1200" b="0" i="0" u="sng" kern="1200" dirty="0" err="1">
+                <a:solidFill>
+                  <a:schemeClr val="tx1"/>
+                </a:solidFill>
+                <a:effectLst/>
+                <a:latin typeface="+mn-lt"/>
+                <a:ea typeface="+mn-ea"/>
+                <a:cs typeface="+mn-cs"/>
+                <a:hlinkClick r:id="rId10"/>
+              </a:rPr>
+              <a:t>nuget</a:t>
+            </a:r>
+            <a:r>
+              <a:rPr lang="en-US" sz="1200" b="0" i="0" u="sng" kern="1200" dirty="0">
+                <a:solidFill>
+                  <a:schemeClr val="tx1"/>
+                </a:solidFill>
+                <a:effectLst/>
+                <a:latin typeface="+mn-lt"/>
+                <a:ea typeface="+mn-ea"/>
+                <a:cs typeface="+mn-cs"/>
+              </a:rPr>
+              <a:t>, </a:t>
+            </a:r>
+            <a:r>
+              <a:rPr lang="en-US" sz="1200" b="0" i="0" kern="1200" dirty="0">
+                <a:solidFill>
+                  <a:schemeClr val="tx1"/>
+                </a:solidFill>
+                <a:effectLst/>
+                <a:latin typeface="+mn-lt"/>
+                <a:ea typeface="+mn-ea"/>
+                <a:cs typeface="+mn-cs"/>
+              </a:rPr>
+              <a:t>Objective-C has </a:t>
+            </a:r>
+            <a:r>
+              <a:rPr lang="en-US" sz="1200" b="0" i="0" u="sng" kern="1200" dirty="0" err="1">
+                <a:solidFill>
+                  <a:schemeClr val="tx1"/>
+                </a:solidFill>
+                <a:effectLst/>
+                <a:latin typeface="+mn-lt"/>
+                <a:ea typeface="+mn-ea"/>
+                <a:cs typeface="+mn-cs"/>
+                <a:hlinkClick r:id="rId11"/>
+              </a:rPr>
+              <a:t>CocoaPods</a:t>
+            </a:r>
+            <a:r>
+              <a:rPr lang="en-US" sz="1200" b="0" i="0" u="sng" kern="1200" dirty="0">
+                <a:solidFill>
+                  <a:schemeClr val="tx1"/>
+                </a:solidFill>
+                <a:effectLst/>
+                <a:latin typeface="+mn-lt"/>
+                <a:ea typeface="+mn-ea"/>
+                <a:cs typeface="+mn-cs"/>
+              </a:rPr>
+              <a:t>, </a:t>
+            </a:r>
+            <a:r>
+              <a:rPr lang="en-US" sz="1200" b="0" i="0" kern="1200" dirty="0">
+                <a:solidFill>
+                  <a:schemeClr val="tx1"/>
+                </a:solidFill>
+                <a:effectLst/>
+                <a:latin typeface="+mn-lt"/>
+                <a:ea typeface="+mn-ea"/>
+                <a:cs typeface="+mn-cs"/>
+              </a:rPr>
+              <a:t>Perl has </a:t>
+            </a:r>
+            <a:r>
+              <a:rPr lang="en-US" sz="1200" b="0" i="0" u="sng" kern="1200" dirty="0">
+                <a:solidFill>
+                  <a:schemeClr val="tx1"/>
+                </a:solidFill>
+                <a:effectLst/>
+                <a:latin typeface="+mn-lt"/>
+                <a:ea typeface="+mn-ea"/>
+                <a:cs typeface="+mn-cs"/>
+                <a:hlinkClick r:id="rId12"/>
+              </a:rPr>
+              <a:t>CPAN</a:t>
+            </a:r>
+            <a:r>
+              <a:rPr lang="en-US" sz="1200" b="0" i="0" u="sng" kern="1200" dirty="0">
+                <a:solidFill>
+                  <a:schemeClr val="tx1"/>
+                </a:solidFill>
+                <a:effectLst/>
+                <a:latin typeface="+mn-lt"/>
+                <a:ea typeface="+mn-ea"/>
+                <a:cs typeface="+mn-cs"/>
+              </a:rPr>
+              <a:t>, </a:t>
+            </a:r>
+            <a:r>
+              <a:rPr lang="en-US" sz="1200" b="0" i="0" kern="1200" dirty="0">
+                <a:solidFill>
+                  <a:schemeClr val="tx1"/>
+                </a:solidFill>
+                <a:effectLst/>
+                <a:latin typeface="+mn-lt"/>
+                <a:ea typeface="+mn-ea"/>
+                <a:cs typeface="+mn-cs"/>
+              </a:rPr>
+              <a:t>PHP has </a:t>
+            </a:r>
+            <a:r>
+              <a:rPr lang="en-US" sz="1200" b="0" i="0" u="sng" kern="1200" dirty="0">
+                <a:solidFill>
+                  <a:schemeClr val="tx1"/>
+                </a:solidFill>
+                <a:effectLst/>
+                <a:latin typeface="+mn-lt"/>
+                <a:ea typeface="+mn-ea"/>
+                <a:cs typeface="+mn-cs"/>
+                <a:hlinkClick r:id="rId13"/>
+              </a:rPr>
+              <a:t>Composer</a:t>
+            </a:r>
+            <a:r>
+              <a:rPr lang="en-US" sz="1200" b="0" i="0" kern="1200" dirty="0">
+                <a:solidFill>
+                  <a:schemeClr val="tx1"/>
+                </a:solidFill>
+                <a:effectLst/>
+                <a:latin typeface="+mn-lt"/>
+                <a:ea typeface="+mn-ea"/>
+                <a:cs typeface="+mn-cs"/>
+              </a:rPr>
+              <a:t>, Python has </a:t>
+            </a:r>
+            <a:r>
+              <a:rPr lang="en-US" sz="1200" b="0" i="0" u="sng" kern="1200" dirty="0" err="1">
+                <a:solidFill>
+                  <a:schemeClr val="tx1"/>
+                </a:solidFill>
+                <a:effectLst/>
+                <a:latin typeface="+mn-lt"/>
+                <a:ea typeface="+mn-ea"/>
+                <a:cs typeface="+mn-cs"/>
+                <a:hlinkClick r:id="rId14"/>
+              </a:rPr>
+              <a:t>PyPI</a:t>
+            </a:r>
+            <a:r>
+              <a:rPr lang="en-US" sz="1200" b="0" i="0" u="sng" kern="1200" dirty="0">
+                <a:solidFill>
+                  <a:schemeClr val="tx1"/>
+                </a:solidFill>
+                <a:effectLst/>
+                <a:latin typeface="+mn-lt"/>
+                <a:ea typeface="+mn-ea"/>
+                <a:cs typeface="+mn-cs"/>
+              </a:rPr>
+              <a:t>, </a:t>
+            </a:r>
+            <a:r>
+              <a:rPr lang="en-US" sz="1200" b="0" i="0" kern="1200" dirty="0">
+                <a:solidFill>
+                  <a:schemeClr val="tx1"/>
+                </a:solidFill>
+                <a:effectLst/>
+                <a:latin typeface="+mn-lt"/>
+                <a:ea typeface="+mn-ea"/>
+                <a:cs typeface="+mn-cs"/>
+              </a:rPr>
+              <a:t>Ruby has </a:t>
+            </a:r>
+            <a:r>
+              <a:rPr lang="en-US" sz="1200" b="0" i="0" u="sng" kern="1200" dirty="0">
+                <a:solidFill>
+                  <a:schemeClr val="tx1"/>
+                </a:solidFill>
+                <a:effectLst/>
+                <a:latin typeface="+mn-lt"/>
+                <a:ea typeface="+mn-ea"/>
+                <a:cs typeface="+mn-cs"/>
+                <a:hlinkClick r:id="rId15"/>
+              </a:rPr>
+              <a:t>Bundler</a:t>
+            </a:r>
+            <a:r>
+              <a:rPr lang="en-US" sz="1200" b="0" i="0" kern="1200" dirty="0">
+                <a:solidFill>
+                  <a:schemeClr val="tx1"/>
+                </a:solidFill>
+                <a:effectLst/>
+                <a:latin typeface="+mn-lt"/>
+                <a:ea typeface="+mn-ea"/>
+                <a:cs typeface="+mn-cs"/>
+              </a:rPr>
+              <a:t> and </a:t>
+            </a:r>
+            <a:r>
+              <a:rPr lang="en-US" sz="1200" b="0" i="0" u="sng" kern="1200" dirty="0" err="1">
+                <a:solidFill>
+                  <a:schemeClr val="tx1"/>
+                </a:solidFill>
+                <a:effectLst/>
+                <a:latin typeface="+mn-lt"/>
+                <a:ea typeface="+mn-ea"/>
+                <a:cs typeface="+mn-cs"/>
+                <a:hlinkClick r:id="rId16"/>
+              </a:rPr>
+              <a:t>Rubygems</a:t>
+            </a:r>
+            <a:r>
+              <a:rPr lang="en-US" sz="1200" b="0" i="0" u="sng" kern="1200" dirty="0">
+                <a:solidFill>
+                  <a:schemeClr val="tx1"/>
+                </a:solidFill>
+                <a:effectLst/>
+                <a:latin typeface="+mn-lt"/>
+                <a:ea typeface="+mn-ea"/>
+                <a:cs typeface="+mn-cs"/>
+              </a:rPr>
+              <a:t>, </a:t>
+            </a:r>
+            <a:r>
+              <a:rPr lang="en-US" sz="1200" b="0" i="0" kern="1200" dirty="0">
+                <a:solidFill>
+                  <a:schemeClr val="tx1"/>
+                </a:solidFill>
+                <a:effectLst/>
+                <a:latin typeface="+mn-lt"/>
+                <a:ea typeface="+mn-ea"/>
+                <a:cs typeface="+mn-cs"/>
+              </a:rPr>
+              <a:t>Rust has </a:t>
+            </a:r>
+            <a:r>
+              <a:rPr lang="en-US" sz="1200" b="0" i="0" u="sng" kern="1200" dirty="0">
+                <a:solidFill>
+                  <a:schemeClr val="tx1"/>
+                </a:solidFill>
+                <a:effectLst/>
+                <a:latin typeface="+mn-lt"/>
+                <a:ea typeface="+mn-ea"/>
+                <a:cs typeface="+mn-cs"/>
+                <a:hlinkClick r:id="rId17"/>
+              </a:rPr>
+              <a:t>Crates</a:t>
+            </a:r>
+            <a:endParaRPr lang="en-US" sz="1200" b="0" i="0" kern="1200" dirty="0">
+              <a:solidFill>
+                <a:schemeClr val="tx1"/>
+              </a:solidFill>
+              <a:effectLst/>
+              <a:latin typeface="+mn-lt"/>
+              <a:ea typeface="+mn-ea"/>
+              <a:cs typeface="+mn-cs"/>
+            </a:endParaRPr>
           </a:p>
           <a:p>
             <a:pPr marL="0" marR="0" lvl="0" indent="0" algn="l" defTabSz="914400" rtl="0" eaLnBrk="1" fontAlgn="auto" latinLnBrk="0" hangingPunct="1">
@@ -16226,149 +16768,6 @@
               <a:tabLst/>
               <a:defRPr/>
             </a:pPr>
-            <a:r>
-              <a:rPr lang="en-US" sz="1200" dirty="0"/>
-              <a:t>"</a:t>
-            </a:r>
-            <a:r>
-              <a:rPr lang="en-US" sz="1200" dirty="0" err="1"/>
-              <a:t>Monorepo</a:t>
-            </a:r>
-            <a:r>
-              <a:rPr lang="en-US" sz="1200" dirty="0"/>
-              <a:t>" or "</a:t>
-            </a:r>
-            <a:r>
-              <a:rPr lang="en-US" sz="1200" dirty="0" err="1"/>
-              <a:t>Molonolithic</a:t>
-            </a:r>
-            <a:r>
-              <a:rPr lang="en-US" sz="1200" dirty="0"/>
-              <a:t> repository" is a software development strategy where multiple projects are stored in single repository</a:t>
-            </a:r>
-            <a:endParaRPr lang="bg-BG" sz="1200" dirty="0"/>
-          </a:p>
-          <a:p>
-            <a:pPr marL="0" marR="0" lvl="0" indent="0" algn="l" defTabSz="914400" rtl="0" eaLnBrk="1" fontAlgn="auto" latinLnBrk="0" hangingPunct="1">
-              <a:lnSpc>
-                <a:spcPct val="100000"/>
-              </a:lnSpc>
-              <a:spcBef>
-                <a:spcPts val="0"/>
-              </a:spcBef>
-              <a:spcAft>
-                <a:spcPts val="0"/>
-              </a:spcAft>
-              <a:buClrTx/>
-              <a:buSzTx/>
-              <a:buFont typeface="Arial" panose="020B0604020202020204" pitchFamily="34" charset="0"/>
-              <a:buNone/>
-              <a:tabLst/>
-              <a:defRPr/>
-            </a:pPr>
-            <a:endParaRPr lang="en-US" dirty="0"/>
-          </a:p>
-          <a:p>
-            <a:pPr marL="0" marR="0" lvl="0" indent="0" algn="l" defTabSz="914400" rtl="0" eaLnBrk="1" fontAlgn="auto" latinLnBrk="0" hangingPunct="1">
-              <a:lnSpc>
-                <a:spcPct val="100000"/>
-              </a:lnSpc>
-              <a:spcBef>
-                <a:spcPts val="0"/>
-              </a:spcBef>
-              <a:spcAft>
-                <a:spcPts val="0"/>
-              </a:spcAft>
-              <a:buClrTx/>
-              <a:buSzTx/>
-              <a:buFont typeface="Arial" panose="020B0604020202020204" pitchFamily="34" charset="0"/>
-              <a:buNone/>
-              <a:tabLst/>
-              <a:defRPr/>
-            </a:pPr>
-            <a:r>
-              <a:rPr lang="en-US" dirty="0"/>
-              <a:t># Piper: Custom </a:t>
-            </a:r>
-            <a:r>
-              <a:rPr lang="en-US" dirty="0" err="1"/>
-              <a:t>monorepo</a:t>
-            </a:r>
-            <a:r>
-              <a:rPr lang="en-US" dirty="0"/>
-              <a:t> implementation</a:t>
-            </a:r>
-          </a:p>
-          <a:p>
-            <a:pPr marL="0" marR="0" lvl="0" indent="0" algn="l" defTabSz="914400" rtl="0" eaLnBrk="1" fontAlgn="auto" latinLnBrk="0" hangingPunct="1">
-              <a:lnSpc>
-                <a:spcPct val="100000"/>
-              </a:lnSpc>
-              <a:spcBef>
-                <a:spcPts val="0"/>
-              </a:spcBef>
-              <a:spcAft>
-                <a:spcPts val="0"/>
-              </a:spcAft>
-              <a:buClrTx/>
-              <a:buSzTx/>
-              <a:buFont typeface="Arial" panose="020B0604020202020204" pitchFamily="34" charset="0"/>
-              <a:buNone/>
-              <a:tabLst/>
-              <a:defRPr/>
-            </a:pPr>
-            <a:r>
-              <a:rPr lang="en-US" dirty="0"/>
-              <a:t># Mercurial: Facebook extends Mercurial, which </a:t>
-            </a:r>
-            <a:r>
-              <a:rPr lang="en-US" sz="1200" b="0" i="0" kern="1200" dirty="0">
-                <a:solidFill>
-                  <a:schemeClr val="tx1"/>
-                </a:solidFill>
-                <a:effectLst/>
-                <a:latin typeface="+mn-lt"/>
-                <a:ea typeface="+mn-ea"/>
-                <a:cs typeface="+mn-cs"/>
-              </a:rPr>
-              <a:t>is a free, distributed source control management tool</a:t>
-            </a:r>
-            <a:endParaRPr lang="en-US" dirty="0"/>
-          </a:p>
-          <a:p>
-            <a:pPr marL="0" marR="0" lvl="0" indent="0" algn="l" defTabSz="914400" rtl="0" eaLnBrk="1" fontAlgn="auto" latinLnBrk="0" hangingPunct="1">
-              <a:lnSpc>
-                <a:spcPct val="100000"/>
-              </a:lnSpc>
-              <a:spcBef>
-                <a:spcPts val="0"/>
-              </a:spcBef>
-              <a:spcAft>
-                <a:spcPts val="0"/>
-              </a:spcAft>
-              <a:buClrTx/>
-              <a:buSzTx/>
-              <a:buFont typeface="Arial" panose="020B0604020202020204" pitchFamily="34" charset="0"/>
-              <a:buNone/>
-              <a:tabLst/>
-              <a:defRPr/>
-            </a:pPr>
-            <a:r>
-              <a:rPr lang="en-US" dirty="0"/>
-              <a:t># GVFS: </a:t>
-            </a:r>
-            <a:r>
-              <a:rPr lang="en-US" sz="1200" b="0" i="0" kern="1200" dirty="0">
-                <a:solidFill>
-                  <a:schemeClr val="tx1"/>
-                </a:solidFill>
-                <a:effectLst/>
-                <a:latin typeface="+mn-lt"/>
-                <a:ea typeface="+mn-ea"/>
-                <a:cs typeface="+mn-cs"/>
-              </a:rPr>
-              <a:t>Git Virtual File System, Microsoft extends git</a:t>
-            </a:r>
             <a:endParaRPr lang="bg-BG" dirty="0"/>
           </a:p>
         </p:txBody>
@@ -16574,6 +16973,55 @@
           </a:p>
           <a:p>
             <a:r>
+              <a:rPr lang="en-US" sz="1200" b="0" kern="1200" dirty="0">
+                <a:solidFill>
+                  <a:schemeClr val="tx1"/>
+                </a:solidFill>
+                <a:effectLst/>
+                <a:latin typeface="+mn-lt"/>
+                <a:ea typeface="+mn-ea"/>
+                <a:cs typeface="+mn-cs"/>
+              </a:rPr>
+              <a:t>Version 6 supports workspace and lib generation(trough </a:t>
+            </a:r>
+            <a:r>
+              <a:rPr lang="en-US" sz="1200" b="0" kern="1200" dirty="0" err="1">
+                <a:solidFill>
+                  <a:schemeClr val="tx1"/>
+                </a:solidFill>
+                <a:effectLst/>
+                <a:latin typeface="+mn-lt"/>
+                <a:ea typeface="+mn-ea"/>
+                <a:cs typeface="+mn-cs"/>
+              </a:rPr>
+              <a:t>ngPackagr</a:t>
+            </a:r>
+            <a:r>
+              <a:rPr lang="en-US" sz="1200" b="0" kern="1200" dirty="0">
+                <a:solidFill>
+                  <a:schemeClr val="tx1"/>
+                </a:solidFill>
+                <a:effectLst/>
+                <a:latin typeface="+mn-lt"/>
+                <a:ea typeface="+mn-ea"/>
+                <a:cs typeface="+mn-cs"/>
+              </a:rPr>
+              <a:t>) out of the box.</a:t>
+            </a:r>
+          </a:p>
+          <a:p>
+            <a:endParaRPr lang="en-US" sz="1200" b="0" kern="1200" dirty="0">
+              <a:solidFill>
+                <a:schemeClr val="tx1"/>
+              </a:solidFill>
+              <a:effectLst/>
+              <a:latin typeface="+mn-lt"/>
+              <a:ea typeface="+mn-ea"/>
+              <a:cs typeface="+mn-cs"/>
+            </a:endParaRPr>
+          </a:p>
+          <a:p>
+            <a:r>
               <a:rPr lang="en-US" sz="1200" b="1" kern="1200" dirty="0">
                 <a:solidFill>
                   <a:schemeClr val="tx1"/>
@@ -16722,7 +17170,7 @@
               <a:buAutoNum type="arabicPeriod"/>
             </a:pPr>
             <a:r>
-              <a:rPr lang="en-US" sz="1200" b="1" kern="1200" dirty="0">
+              <a:rPr lang="en-US" sz="1050" b="0" kern="1200" dirty="0">
                 <a:solidFill>
                   <a:schemeClr val="tx1"/>
                 </a:solidFill>
@@ -16739,7 +17187,7 @@
               <a:buAutoNum type="arabicPeriod"/>
             </a:pPr>
             <a:r>
-              <a:rPr lang="en-US" sz="1200" b="1" kern="1200" dirty="0">
+              <a:rPr lang="en-US" sz="1050" b="0" kern="1200" dirty="0">
                 <a:solidFill>
                   <a:schemeClr val="tx1"/>
                 </a:solidFill>
@@ -16751,7 +17199,7 @@
               <a:t>Create lib (with the help of the </a:t>
             </a:r>
             <a:r>
-              <a:rPr lang="en-US" sz="1200" b="1" kern="1200" dirty="0" err="1">
+              <a:rPr lang="en-US" sz="1050" b="0" kern="1200" dirty="0" err="1">
                 <a:solidFill>
                   <a:schemeClr val="tx1"/>
                 </a:solidFill>
@@ -16763,7 +17211,7 @@
               <a:t>ngPackagr</a:t>
             </a:r>
             <a:r>
-              <a:rPr lang="en-US" sz="1200" b="1" kern="1200" dirty="0">
+              <a:rPr lang="en-US" sz="1050" b="0" kern="1200" dirty="0">
                 <a:solidFill>
                   <a:schemeClr val="tx1"/>
                 </a:solidFill>
@@ -16780,7 +17228,7 @@
               <a:buNone/>
             </a:pPr>
             <a:r>
-              <a:rPr lang="en-US" sz="1200" b="1" kern="1200" dirty="0">
+              <a:rPr lang="en-US" sz="1050" b="0" kern="1200" dirty="0">
                 <a:solidFill>
                   <a:schemeClr val="tx1"/>
                 </a:solidFill>
@@ -16792,7 +17240,7 @@
               <a:t> - The lib will automatically follow the APF (Angular package format), which is google defined format, which is </a:t>
             </a:r>
             <a:r>
-              <a:rPr lang="en-US" sz="1200" b="1" kern="1200" dirty="0" err="1">
+              <a:rPr lang="en-US" sz="1050" b="0" kern="1200" dirty="0" err="1">
                 <a:solidFill>
                   <a:schemeClr val="tx1"/>
                 </a:solidFill>
@@ -16804,7 +17252,7 @@
               <a:t>npm</a:t>
             </a:r>
             <a:r>
-              <a:rPr lang="en-US" sz="1200" b="1" kern="1200" dirty="0">
+              <a:rPr lang="en-US" sz="1050" b="0" kern="1200" dirty="0">
                 <a:solidFill>
                   <a:schemeClr val="tx1"/>
                 </a:solidFill>
@@ -16820,22 +17268,8 @@
             <a:pPr marL="0" indent="0">
               <a:buNone/>
             </a:pPr>
-            <a:endParaRPr lang="en-US" sz="1200" b="1" kern="1200" dirty="0">
-              <a:solidFill>
-                <a:schemeClr val="tx1"/>
-              </a:solidFill>
-              <a:effectLst/>
-              <a:latin typeface="+mn-lt"/>
-              <a:ea typeface="+mn-ea"/>
-              <a:cs typeface="+mn-cs"/>
-            </a:endParaRPr>
-          </a:p>
-          <a:p>
-            <a:pPr marL="0" indent="0">
-              <a:buNone/>
-            </a:pPr>
             <a:r>
-              <a:rPr lang="en-US" sz="1200" b="1" kern="1200" dirty="0">
+              <a:rPr lang="en-US" sz="1050" b="0" kern="1200" dirty="0">
                 <a:solidFill>
                   <a:schemeClr val="tx1"/>
                 </a:solidFill>
@@ -16845,6 +17279,23 @@
                 <a:cs typeface="+mn-cs"/>
               </a:rPr>
               <a:t>3. Publish the package to whatever host you like </a:t>
+            </a:r>
+          </a:p>
+          <a:p>
+            <a:pPr marL="0" indent="0">
+              <a:buNone/>
+            </a:pPr>
+            <a:r>
+              <a:rPr lang="en-US" sz="1050" b="0" kern="1200" dirty="0">
+                <a:solidFill>
+                  <a:schemeClr val="tx1"/>
+                </a:solidFill>
+                <a:effectLst/>
+                <a:latin typeface="+mn-lt"/>
+                <a:ea typeface="+mn-ea"/>
+                <a:cs typeface="+mn-cs"/>
+              </a:rPr>
+              <a:t>4. Use it inside your repository any way you like</a:t>
             </a:r>
           </a:p>
         </p:txBody>
@@ -18095,18 +18546,6 @@
             </a:r>
           </a:p>
           <a:p>
-            <a:r>
-              <a:rPr lang="en-US" sz="1200" b="0" kern="1200" dirty="0">
-                <a:solidFill>
-                  <a:schemeClr val="tx1"/>
-                </a:solidFill>
-                <a:effectLst/>
-                <a:latin typeface="+mn-lt"/>
-                <a:ea typeface="+mn-ea"/>
-                <a:cs typeface="+mn-cs"/>
-              </a:rPr>
-              <a:t/>
-            </a:r>
             <a:br>
               <a:rPr lang="en-US" sz="1200" b="0" kern="1200" dirty="0">
                 <a:solidFill>
@@ -18132,18 +18571,6 @@
             </a:r>
           </a:p>
           <a:p>
-            <a:r>
-              <a:rPr lang="en-US" sz="1200" b="0" kern="1200" dirty="0">
-                <a:solidFill>
-                  <a:schemeClr val="tx1"/>
-                </a:solidFill>
-                <a:effectLst/>
-                <a:latin typeface="+mn-lt"/>
-                <a:ea typeface="+mn-ea"/>
-                <a:cs typeface="+mn-cs"/>
-              </a:rPr>
-              <a:t/>
-            </a:r>
             <a:br>
               <a:rPr lang="en-US" sz="1200" b="0" kern="1200" dirty="0">
                 <a:solidFill>
@@ -18597,6 +19024,16 @@
             </a:pPr>
             <a:r>
               <a:rPr lang="en-US" dirty="0"/>
+              <a:t>A lot of developers in the company – 10 people an enforce them themselves but what about 500</a:t>
+            </a:r>
+          </a:p>
+          <a:p>
+            <a:pPr marL="628650" lvl="1" indent="-171450">
+              <a:buFont typeface="Arial" panose="020B0604020202020204" pitchFamily="34" charset="0"/>
+              <a:buChar char="•"/>
+            </a:pPr>
+            <a:r>
+              <a:rPr lang="en-US" dirty="0"/>
               <a:t>Code quality rules, like typescript + specific </a:t>
             </a:r>
             <a:r>
@@ -18612,8 +19049,13 @@
             </a:pPr>
             <a:r>
               <a:rPr lang="en-US" dirty="0"/>
-              <a:t>Migrating developers between teams that are building applications the same way</a:t>
+              <a:t>Migrating developers between teams that are building applications the same way – decrease cost per developer transfer because he will work in the same code </a:t>
             </a:r>
+            <a:r>
+              <a:rPr lang="en-US" dirty="0" err="1"/>
+              <a:t>enviroment</a:t>
+            </a:r>
+            <a:endParaRPr lang="en-US" dirty="0"/>
           </a:p>
           <a:p>
             <a:pPr marL="628650" lvl="1" indent="-171450">
@@ -18629,7 +19071,7 @@
             </a:pPr>
             <a:r>
               <a:rPr lang="en-US" dirty="0"/>
-              <a:t>Multiple teams </a:t>
+              <a:t>Multiple applications </a:t>
             </a:r>
           </a:p>
           <a:p>
@@ -18744,7 +19186,7 @@
           <a:bodyPr/>
           <a:lstStyle/>
           <a:p>
-            <a:pPr marL="0" marR="0" lvl="0" indent="0" algn="l" defTabSz="914400" rtl="0" eaLnBrk="1" fontAlgn="auto" latinLnBrk="0" hangingPunct="1">
+            <a:pPr marL="171450" marR="0" lvl="0" indent="-171450" algn="l" defTabSz="914400" rtl="0" eaLnBrk="1" fontAlgn="auto" latinLnBrk="0" hangingPunct="1">
               <a:lnSpc>
                 <a:spcPct val="100000"/>
               </a:lnSpc>
@@ -18757,10 +19199,53 @@
               <a:buClrTx/>
               <a:buSzTx/>
               <a:buFont typeface="Arial" panose="020B0604020202020204" pitchFamily="34" charset="0"/>
-              <a:buNone/>
+              <a:buChar char="•"/>
               <a:tabLst/>
               <a:defRPr/>
             </a:pPr>
+            <a:r>
+              <a:rPr lang="en-US" dirty="0"/>
+              <a:t>Look at some code sharing strategies</a:t>
+            </a:r>
+          </a:p>
+          <a:p>
+            <a:pPr marL="171450" marR="0" lvl="0" indent="-171450" algn="l" defTabSz="914400" rtl="0" eaLnBrk="1" fontAlgn="auto" latinLnBrk="0" hangingPunct="1">
+              <a:lnSpc>
+                <a:spcPct val="100000"/>
+              </a:lnSpc>
+              <a:spcBef>
+                <a:spcPts val="0"/>
+              </a:spcBef>
+              <a:spcAft>
+                <a:spcPts val="0"/>
+              </a:spcAft>
+              <a:buClrTx/>
+              <a:buSzTx/>
+              <a:buFont typeface="Arial" panose="020B0604020202020204" pitchFamily="34" charset="0"/>
+              <a:buChar char="•"/>
+              <a:tabLst/>
+              <a:defRPr/>
+            </a:pPr>
+            <a:r>
+              <a:rPr lang="en-US" dirty="0"/>
+              <a:t>Look at angular specific implementations / where </a:t>
+            </a:r>
+            <a:r>
+              <a:rPr lang="en-US" dirty="0" err="1"/>
+              <a:t>Nx</a:t>
+            </a:r>
+            <a:r>
+              <a:rPr lang="en-US" dirty="0"/>
+              <a:t> is applicable for </a:t>
+            </a:r>
+            <a:r>
+              <a:rPr lang="en-US" dirty="0" err="1"/>
+              <a:t>js</a:t>
+            </a:r>
+            <a:r>
+              <a:rPr lang="en-US" dirty="0"/>
+              <a:t> projects overall</a:t>
+            </a:r>
             <a:endParaRPr lang="bg-BG" dirty="0"/>
           </a:p>
         </p:txBody>
@@ -18885,6 +19370,133 @@
               <a:tabLst/>
               <a:defRPr/>
             </a:pPr>
+            <a:endParaRPr lang="en-US" dirty="0"/>
+          </a:p>
+          <a:p>
+            <a:pPr marL="0" marR="0" lvl="0" indent="0" algn="l" defTabSz="914400" rtl="0" eaLnBrk="1" fontAlgn="auto" latinLnBrk="0" hangingPunct="1">
+              <a:lnSpc>
+                <a:spcPct val="100000"/>
+              </a:lnSpc>
+              <a:spcBef>
+                <a:spcPts val="0"/>
+              </a:spcBef>
+              <a:spcAft>
+                <a:spcPts val="0"/>
+              </a:spcAft>
+              <a:buClrTx/>
+              <a:buSzTx/>
+              <a:buFont typeface="Arial" panose="020B0604020202020204" pitchFamily="34" charset="0"/>
+              <a:buNone/>
+              <a:tabLst/>
+              <a:defRPr/>
+            </a:pPr>
+            <a:r>
+              <a:rPr lang="en-US" sz="1200" b="0" i="1" kern="1200" dirty="0">
+                <a:solidFill>
+                  <a:schemeClr val="tx1"/>
+                </a:solidFill>
+                <a:effectLst/>
+                <a:latin typeface="+mn-lt"/>
+                <a:ea typeface="+mn-ea"/>
+                <a:cs typeface="+mn-cs"/>
+              </a:rPr>
+              <a:t>If the technological context allows for </a:t>
+            </a:r>
+            <a:r>
+              <a:rPr lang="en-US" sz="1200" b="0" i="0" kern="1200" dirty="0">
+                <a:solidFill>
+                  <a:schemeClr val="tx1"/>
+                </a:solidFill>
+                <a:effectLst/>
+                <a:latin typeface="+mn-lt"/>
+                <a:ea typeface="+mn-ea"/>
+                <a:cs typeface="+mn-cs"/>
+              </a:rPr>
+              <a:t>packaging </a:t>
+            </a:r>
+            <a:r>
+              <a:rPr lang="en-US" sz="1200" b="0" i="1" kern="1200" dirty="0">
+                <a:solidFill>
+                  <a:schemeClr val="tx1"/>
+                </a:solidFill>
+                <a:effectLst/>
+                <a:latin typeface="+mn-lt"/>
+                <a:ea typeface="+mn-ea"/>
+                <a:cs typeface="+mn-cs"/>
+              </a:rPr>
+              <a:t>and formal dependency management, you should absolutely go this route.</a:t>
+            </a:r>
+          </a:p>
+          <a:p>
+            <a:pPr marL="0" marR="0" lvl="0" indent="0" algn="l" defTabSz="914400" rtl="0" eaLnBrk="1" fontAlgn="auto" latinLnBrk="0" hangingPunct="1">
+              <a:lnSpc>
+                <a:spcPct val="100000"/>
+              </a:lnSpc>
+              <a:spcBef>
+                <a:spcPts val="0"/>
+              </a:spcBef>
+              <a:spcAft>
+                <a:spcPts val="0"/>
+              </a:spcAft>
+              <a:buClrTx/>
+              <a:buSzTx/>
+              <a:buFont typeface="Arial" panose="020B0604020202020204" pitchFamily="34" charset="0"/>
+              <a:buNone/>
+              <a:tabLst/>
+              <a:defRPr/>
+            </a:pPr>
+            <a:endParaRPr lang="en-US" sz="1200" b="0" i="1" kern="1200" dirty="0">
+              <a:solidFill>
+                <a:schemeClr val="tx1"/>
+              </a:solidFill>
+              <a:effectLst/>
+              <a:latin typeface="+mn-lt"/>
+              <a:ea typeface="+mn-ea"/>
+              <a:cs typeface="+mn-cs"/>
+            </a:endParaRPr>
+          </a:p>
+          <a:p>
+            <a:pPr marL="0" marR="0" lvl="0" indent="0" algn="l" defTabSz="914400" rtl="0" eaLnBrk="1" fontAlgn="auto" latinLnBrk="0" hangingPunct="1">
+              <a:lnSpc>
+                <a:spcPct val="100000"/>
+              </a:lnSpc>
+              <a:spcBef>
+                <a:spcPts val="0"/>
+              </a:spcBef>
+              <a:spcAft>
+                <a:spcPts val="0"/>
+              </a:spcAft>
+              <a:buClrTx/>
+              <a:buSzTx/>
+              <a:buFont typeface="Arial" panose="020B0604020202020204" pitchFamily="34" charset="0"/>
+              <a:buNone/>
+              <a:tabLst/>
+              <a:defRPr/>
+            </a:pPr>
+            <a:r>
+              <a:rPr lang="en-US" sz="1200" b="1" i="0" kern="1200" dirty="0">
+                <a:solidFill>
+                  <a:schemeClr val="tx1"/>
+                </a:solidFill>
+                <a:effectLst/>
+                <a:latin typeface="+mn-lt"/>
+                <a:ea typeface="+mn-ea"/>
+                <a:cs typeface="+mn-cs"/>
+              </a:rPr>
+              <a:t>Therefore be mindful of your current directory when reading your prompt or typing commands</a:t>
+            </a:r>
+            <a:r>
+              <a:rPr lang="en-US" sz="1200" b="0" i="0" kern="1200" dirty="0">
+                <a:solidFill>
+                  <a:schemeClr val="tx1"/>
+                </a:solidFill>
+                <a:effectLst/>
+                <a:latin typeface="+mn-lt"/>
+                <a:ea typeface="+mn-ea"/>
+                <a:cs typeface="+mn-cs"/>
+              </a:rPr>
+              <a:t>:</a:t>
+            </a:r>
             <a:endParaRPr lang="bg-BG" dirty="0"/>
           </a:p>
         </p:txBody>
@@ -19230,6 +19842,43 @@
               <a:rPr lang="en-US" dirty="0"/>
               <a:t>When using submodule update without pushing the submodules changes, they will be lost (the changes inside the submodule)</a:t>
             </a:r>
+          </a:p>
+          <a:p>
+            <a:pPr marL="171450" indent="-171450">
+              <a:buFont typeface="Arial" panose="020B0604020202020204" pitchFamily="34" charset="0"/>
+              <a:buChar char="•"/>
+            </a:pPr>
+            <a:endParaRPr lang="en-US" dirty="0"/>
+          </a:p>
+          <a:p>
+            <a:pPr marL="171450" indent="-171450">
+              <a:buFont typeface="Arial" panose="020B0604020202020204" pitchFamily="34" charset="0"/>
+              <a:buChar char="•"/>
+            </a:pPr>
+            <a:r>
+              <a:rPr lang="en-US" sz="1200" b="0" i="0" kern="1200" dirty="0">
+                <a:solidFill>
+                  <a:schemeClr val="tx1"/>
+                </a:solidFill>
+                <a:effectLst/>
+                <a:latin typeface="+mn-lt"/>
+                <a:ea typeface="+mn-ea"/>
+                <a:cs typeface="+mn-cs"/>
+              </a:rPr>
+              <a:t> Because </a:t>
+            </a:r>
+            <a:r>
+              <a:rPr lang="en-US" sz="1200" b="1" i="0" kern="1200" dirty="0">
+                <a:solidFill>
+                  <a:schemeClr val="tx1"/>
+                </a:solidFill>
+                <a:effectLst/>
+                <a:latin typeface="+mn-lt"/>
+                <a:ea typeface="+mn-ea"/>
+                <a:cs typeface="+mn-cs"/>
+              </a:rPr>
+              <a:t>constant vigilance does not work. Ever.</a:t>
+            </a:r>
             <a:endParaRPr lang="bg-BG" dirty="0"/>
           </a:p>
         </p:txBody>
@@ -19372,7 +20021,7 @@
             </a:r>
             <a:r>
               <a:rPr lang="en-US" sz="1200" dirty="0"/>
-              <a:t> repository" is a software development strategy where multiple projects are stored in single repository</a:t>
+              <a:t> repository" is a software development strategy where multiple projects/packages are stored in single repository in a non coupled way</a:t>
             </a:r>
             <a:endParaRPr lang="bg-BG" sz="1200" dirty="0"/>
           </a:p>
@@ -19598,6 +20247,150 @@
               <a:tabLst/>
               <a:defRPr/>
             </a:pPr>
+            <a:r>
+              <a:rPr lang="en-US" dirty="0"/>
+              <a:t>+ pros</a:t>
+            </a:r>
+          </a:p>
+          <a:p>
+            <a:pPr marL="0" marR="0" lvl="0" indent="0" algn="l" defTabSz="914400" rtl="0" eaLnBrk="1" fontAlgn="auto" latinLnBrk="0" hangingPunct="1">
+              <a:lnSpc>
+                <a:spcPct val="100000"/>
+              </a:lnSpc>
+              <a:spcBef>
+                <a:spcPts val="0"/>
+              </a:spcBef>
+              <a:spcAft>
+                <a:spcPts val="0"/>
+              </a:spcAft>
+              <a:buClrTx/>
+              <a:buSzTx/>
+              <a:buFont typeface="Arial" panose="020B0604020202020204" pitchFamily="34" charset="0"/>
+              <a:buNone/>
+              <a:tabLst/>
+              <a:defRPr/>
+            </a:pPr>
+            <a:r>
+              <a:rPr lang="en-US" sz="1200" b="0" i="0" kern="1200" dirty="0">
+                <a:solidFill>
+                  <a:schemeClr val="tx1"/>
+                </a:solidFill>
+                <a:effectLst/>
+                <a:latin typeface="+mn-lt"/>
+                <a:ea typeface="+mn-ea"/>
+                <a:cs typeface="+mn-cs"/>
+              </a:rPr>
+              <a:t>Single place to report issues</a:t>
+            </a:r>
+          </a:p>
+          <a:p>
+            <a:pPr marL="0" marR="0" lvl="0" indent="0" algn="l" defTabSz="914400" rtl="0" eaLnBrk="1" fontAlgn="auto" latinLnBrk="0" hangingPunct="1">
+              <a:lnSpc>
+                <a:spcPct val="100000"/>
+              </a:lnSpc>
+              <a:spcBef>
+                <a:spcPts val="0"/>
+              </a:spcBef>
+              <a:spcAft>
+                <a:spcPts val="0"/>
+              </a:spcAft>
+              <a:buClrTx/>
+              <a:buSzTx/>
+              <a:buFont typeface="Arial" panose="020B0604020202020204" pitchFamily="34" charset="0"/>
+              <a:buNone/>
+              <a:tabLst/>
+              <a:defRPr/>
+            </a:pPr>
+            <a:r>
+              <a:rPr lang="en-US" sz="1200" b="0" i="0" kern="1200" dirty="0">
+                <a:solidFill>
+                  <a:schemeClr val="tx1"/>
+                </a:solidFill>
+                <a:effectLst/>
+                <a:latin typeface="+mn-lt"/>
+                <a:ea typeface="+mn-ea"/>
+                <a:cs typeface="+mn-cs"/>
+              </a:rPr>
+              <a:t>Tests across modules are run together</a:t>
+            </a:r>
+          </a:p>
+          <a:p>
+            <a:pPr marL="0" marR="0" lvl="0" indent="0" algn="l" defTabSz="914400" rtl="0" eaLnBrk="1" fontAlgn="auto" latinLnBrk="0" hangingPunct="1">
+              <a:lnSpc>
+                <a:spcPct val="100000"/>
+              </a:lnSpc>
+              <a:spcBef>
+                <a:spcPts val="0"/>
+              </a:spcBef>
+              <a:spcAft>
+                <a:spcPts val="0"/>
+              </a:spcAft>
+              <a:buClrTx/>
+              <a:buSzTx/>
+              <a:buFont typeface="Arial" panose="020B0604020202020204" pitchFamily="34" charset="0"/>
+              <a:buNone/>
+              <a:tabLst/>
+              <a:defRPr/>
+            </a:pPr>
+            <a:r>
+              <a:rPr lang="en-US" sz="1200" b="1" i="0" kern="1200" dirty="0">
+                <a:solidFill>
+                  <a:schemeClr val="tx1"/>
+                </a:solidFill>
+                <a:effectLst/>
+                <a:latin typeface="+mn-lt"/>
+                <a:ea typeface="+mn-ea"/>
+                <a:cs typeface="+mn-cs"/>
+              </a:rPr>
+              <a:t>Cross-project changes</a:t>
+            </a:r>
+          </a:p>
+          <a:p>
+            <a:pPr marL="0" marR="0" lvl="0" indent="0" algn="l" defTabSz="914400" rtl="0" eaLnBrk="1" fontAlgn="auto" latinLnBrk="0" hangingPunct="1">
+              <a:lnSpc>
+                <a:spcPct val="100000"/>
+              </a:lnSpc>
+              <a:spcBef>
+                <a:spcPts val="0"/>
+              </a:spcBef>
+              <a:spcAft>
+                <a:spcPts val="0"/>
+              </a:spcAft>
+              <a:buClrTx/>
+              <a:buSzTx/>
+              <a:buFont typeface="Arial" panose="020B0604020202020204" pitchFamily="34" charset="0"/>
+              <a:buNone/>
+              <a:tabLst/>
+              <a:defRPr/>
+            </a:pPr>
+            <a:endParaRPr lang="en-US" sz="1200" b="0" i="0" kern="1200" dirty="0">
+              <a:solidFill>
+                <a:schemeClr val="tx1"/>
+              </a:solidFill>
+              <a:effectLst/>
+              <a:latin typeface="+mn-lt"/>
+              <a:ea typeface="+mn-ea"/>
+              <a:cs typeface="+mn-cs"/>
+            </a:endParaRPr>
+          </a:p>
+          <a:p>
+            <a:pPr marL="0" marR="0" lvl="0" indent="0" algn="l" defTabSz="914400" rtl="0" eaLnBrk="1" fontAlgn="auto" latinLnBrk="0" hangingPunct="1">
+              <a:lnSpc>
+                <a:spcPct val="100000"/>
+              </a:lnSpc>
+              <a:spcBef>
+                <a:spcPts val="0"/>
+              </a:spcBef>
+              <a:spcAft>
+                <a:spcPts val="0"/>
+              </a:spcAft>
+              <a:buClrTx/>
+              <a:buSzTx/>
+              <a:buFont typeface="Arial" panose="020B0604020202020204" pitchFamily="34" charset="0"/>
+              <a:buNone/>
+              <a:tabLst/>
+              <a:defRPr/>
+            </a:pPr>
             <a:endParaRPr lang="bg-BG" dirty="0"/>
           </a:p>
         </p:txBody>
@@ -19660,7 +20453,7 @@
           <p:cNvPr id="2" name="Title 1">
             <a:extLst>
               <a:ext uri="{FF2B5EF4-FFF2-40B4-BE49-F238E27FC236}">
-                <a16:creationId xmlns:a16="http://schemas.microsoft.com/office/drawing/2014/main" xmlns="" id="{F52F329B-8F4D-4D34-9A20-EC9D37A6EA6F}"/>
+                <a16:creationId xmlns:a16="http://schemas.microsoft.com/office/drawing/2014/main" id="{F52F329B-8F4D-4D34-9A20-EC9D37A6EA6F}"/>
               </a:ext>
             </a:extLst>
           </p:cNvPr>
@@ -19698,7 +20491,7 @@
           <p:cNvPr id="3" name="Subtitle 2">
             <a:extLst>
               <a:ext uri="{FF2B5EF4-FFF2-40B4-BE49-F238E27FC236}">
-                <a16:creationId xmlns:a16="http://schemas.microsoft.com/office/drawing/2014/main" xmlns="" id="{F5B77F27-1E37-4511-B960-48A1347242BE}"/>
+                <a16:creationId xmlns:a16="http://schemas.microsoft.com/office/drawing/2014/main" id="{F5B77F27-1E37-4511-B960-48A1347242BE}"/>
               </a:ext>
             </a:extLst>
           </p:cNvPr>
@@ -19769,7 +20562,7 @@
           <p:cNvPr id="4" name="Date Placeholder 3">
             <a:extLst>
               <a:ext uri="{FF2B5EF4-FFF2-40B4-BE49-F238E27FC236}">
-                <a16:creationId xmlns:a16="http://schemas.microsoft.com/office/drawing/2014/main" xmlns="" id="{C601E8AD-EC4C-47B9-A42C-9156ACC995BD}"/>
+                <a16:creationId xmlns:a16="http://schemas.microsoft.com/office/drawing/2014/main" id="{C601E8AD-EC4C-47B9-A42C-9156ACC995BD}"/>
               </a:ext>
             </a:extLst>
           </p:cNvPr>
@@ -19787,7 +20580,7 @@
           <a:p>
             <a:fld id="{EEA75A29-027F-4D48-B08B-1161613C0818}" type="datetimeFigureOut">
               <a:rPr lang="bg-BG" smtClean="0"/>
-              <a:t>21.05.2019</a:t>
+              <a:t>22.5.2019 г.</a:t>
             </a:fld>
             <a:endParaRPr lang="bg-BG"/>
           </a:p>
@@ -19798,7 +20591,7 @@
           <p:cNvPr id="5" name="Footer Placeholder 4">
             <a:extLst>
               <a:ext uri="{FF2B5EF4-FFF2-40B4-BE49-F238E27FC236}">
-                <a16:creationId xmlns:a16="http://schemas.microsoft.com/office/drawing/2014/main" xmlns="" id="{3B1988CD-5B6D-4F0B-8B16-F638D10042F8}"/>
+                <a16:creationId xmlns:a16="http://schemas.microsoft.com/office/drawing/2014/main" id="{3B1988CD-5B6D-4F0B-8B16-F638D10042F8}"/>
               </a:ext>
             </a:extLst>
           </p:cNvPr>
@@ -19823,7 +20616,7 @@
           <p:cNvPr id="6" name="Slide Number Placeholder 5">
             <a:extLst>
               <a:ext uri="{FF2B5EF4-FFF2-40B4-BE49-F238E27FC236}">
-                <a16:creationId xmlns:a16="http://schemas.microsoft.com/office/drawing/2014/main" xmlns="" id="{207D070E-1DF5-454F-86BC-E61AA6A56FBD}"/>
+                <a16:creationId xmlns:a16="http://schemas.microsoft.com/office/drawing/2014/main" id="{207D070E-1DF5-454F-86BC-E61AA6A56FBD}"/>
               </a:ext>
             </a:extLst>
           </p:cNvPr>
@@ -19882,7 +20675,7 @@
           <p:cNvPr id="2" name="Title 1">
             <a:extLst>
               <a:ext uri="{FF2B5EF4-FFF2-40B4-BE49-F238E27FC236}">
-                <a16:creationId xmlns:a16="http://schemas.microsoft.com/office/drawing/2014/main" xmlns="" id="{AD6C6CA6-2395-442E-A4AA-BFBD8D857358}"/>
+                <a16:creationId xmlns:a16="http://schemas.microsoft.com/office/drawing/2014/main" id="{AD6C6CA6-2395-442E-A4AA-BFBD8D857358}"/>
               </a:ext>
             </a:extLst>
           </p:cNvPr>
@@ -19911,7 +20704,7 @@
           <p:cNvPr id="3" name="Vertical Text Placeholder 2">
             <a:extLst>
               <a:ext uri="{FF2B5EF4-FFF2-40B4-BE49-F238E27FC236}">
-                <a16:creationId xmlns:a16="http://schemas.microsoft.com/office/drawing/2014/main" xmlns="" id="{0139AA31-FD62-4FCB-982C-F22C6405F614}"/>
+                <a16:creationId xmlns:a16="http://schemas.microsoft.com/office/drawing/2014/main" id="{0139AA31-FD62-4FCB-982C-F22C6405F614}"/>
               </a:ext>
             </a:extLst>
           </p:cNvPr>
@@ -19969,7 +20762,7 @@
           <p:cNvPr id="4" name="Date Placeholder 3">
             <a:extLst>
               <a:ext uri="{FF2B5EF4-FFF2-40B4-BE49-F238E27FC236}">
-                <a16:creationId xmlns:a16="http://schemas.microsoft.com/office/drawing/2014/main" xmlns="" id="{DE3FFBBE-5BD3-438C-A2F5-198F5F87F570}"/>
+                <a16:creationId xmlns:a16="http://schemas.microsoft.com/office/drawing/2014/main" id="{DE3FFBBE-5BD3-438C-A2F5-198F5F87F570}"/>
               </a:ext>
             </a:extLst>
           </p:cNvPr>
@@ -19987,7 +20780,7 @@
           <a:p>
             <a:fld id="{EEA75A29-027F-4D48-B08B-1161613C0818}" type="datetimeFigureOut">
               <a:rPr lang="bg-BG" smtClean="0"/>
-              <a:t>21.05.2019</a:t>
+              <a:t>22.5.2019 г.</a:t>
             </a:fld>
             <a:endParaRPr lang="bg-BG"/>
           </a:p>
@@ -19998,7 +20791,7 @@
           <p:cNvPr id="5" name="Footer Placeholder 4">
             <a:extLst>
               <a:ext uri="{FF2B5EF4-FFF2-40B4-BE49-F238E27FC236}">
-                <a16:creationId xmlns:a16="http://schemas.microsoft.com/office/drawing/2014/main" xmlns="" id="{FE025B39-2326-4AC9-8DCC-E340AC398D86}"/>
+                <a16:creationId xmlns:a16="http://schemas.microsoft.com/office/drawing/2014/main" id="{FE025B39-2326-4AC9-8DCC-E340AC398D86}"/>
               </a:ext>
             </a:extLst>
           </p:cNvPr>
@@ -20023,7 +20816,7 @@
           <p:cNvPr id="6" name="Slide Number Placeholder 5">
             <a:extLst>
               <a:ext uri="{FF2B5EF4-FFF2-40B4-BE49-F238E27FC236}">
-                <a16:creationId xmlns:a16="http://schemas.microsoft.com/office/drawing/2014/main" xmlns="" id="{E5C1BF7B-431E-408F-9076-97CDF2605450}"/>
+                <a16:creationId xmlns:a16="http://schemas.microsoft.com/office/drawing/2014/main" id="{E5C1BF7B-431E-408F-9076-97CDF2605450}"/>
               </a:ext>
             </a:extLst>
           </p:cNvPr>
@@ -20082,7 +20875,7 @@
           <p:cNvPr id="2" name="Vertical Title 1">
             <a:extLst>
               <a:ext uri="{FF2B5EF4-FFF2-40B4-BE49-F238E27FC236}">
-                <a16:creationId xmlns:a16="http://schemas.microsoft.com/office/drawing/2014/main" xmlns="" id="{91A66527-2452-4D8B-BF5D-54D5FFB33125}"/>
+                <a16:creationId xmlns:a16="http://schemas.microsoft.com/office/drawing/2014/main" id="{91A66527-2452-4D8B-BF5D-54D5FFB33125}"/>
               </a:ext>
             </a:extLst>
           </p:cNvPr>
@@ -20116,7 +20909,7 @@
           <p:cNvPr id="3" name="Vertical Text Placeholder 2">
             <a:extLst>
               <a:ext uri="{FF2B5EF4-FFF2-40B4-BE49-F238E27FC236}">
-                <a16:creationId xmlns:a16="http://schemas.microsoft.com/office/drawing/2014/main" xmlns="" id="{CAB8B2E5-AA57-4039-BCAC-1B6BDF04D621}"/>
+                <a16:creationId xmlns:a16="http://schemas.microsoft.com/office/drawing/2014/main" id="{CAB8B2E5-AA57-4039-BCAC-1B6BDF04D621}"/>
               </a:ext>
             </a:extLst>
           </p:cNvPr>
@@ -20179,7 +20972,7 @@
           <p:cNvPr id="4" name="Date Placeholder 3">
             <a:extLst>
               <a:ext uri="{FF2B5EF4-FFF2-40B4-BE49-F238E27FC236}">
-                <a16:creationId xmlns:a16="http://schemas.microsoft.com/office/drawing/2014/main" xmlns="" id="{E2E4D11A-A720-42C9-8902-A303288DF63E}"/>
+                <a16:creationId xmlns:a16="http://schemas.microsoft.com/office/drawing/2014/main" id="{E2E4D11A-A720-42C9-8902-A303288DF63E}"/>
               </a:ext>
             </a:extLst>
           </p:cNvPr>
@@ -20197,7 +20990,7 @@
           <a:p>
             <a:fld id="{EEA75A29-027F-4D48-B08B-1161613C0818}" type="datetimeFigureOut">
               <a:rPr lang="bg-BG" smtClean="0"/>
-              <a:t>21.05.2019</a:t>
+              <a:t>22.5.2019 г.</a:t>
             </a:fld>
             <a:endParaRPr lang="bg-BG"/>
           </a:p>
@@ -20208,7 +21001,7 @@
           <p:cNvPr id="5" name="Footer Placeholder 4">
             <a:extLst>
               <a:ext uri="{FF2B5EF4-FFF2-40B4-BE49-F238E27FC236}">
-                <a16:creationId xmlns:a16="http://schemas.microsoft.com/office/drawing/2014/main" xmlns="" id="{CDC9BE18-F0AB-42F9-B0B0-4C1636235DD0}"/>
+                <a16:creationId xmlns:a16="http://schemas.microsoft.com/office/drawing/2014/main" id="{CDC9BE18-F0AB-42F9-B0B0-4C1636235DD0}"/>
               </a:ext>
             </a:extLst>
           </p:cNvPr>
@@ -20233,7 +21026,7 @@
           <p:cNvPr id="6" name="Slide Number Placeholder 5">
             <a:extLst>
               <a:ext uri="{FF2B5EF4-FFF2-40B4-BE49-F238E27FC236}">
-                <a16:creationId xmlns:a16="http://schemas.microsoft.com/office/drawing/2014/main" xmlns="" id="{109AE838-56B7-4AB0-9C1A-7A8FE9EFBD3D}"/>
+                <a16:creationId xmlns:a16="http://schemas.microsoft.com/office/drawing/2014/main" id="{109AE838-56B7-4AB0-9C1A-7A8FE9EFBD3D}"/>
               </a:ext>
             </a:extLst>
           </p:cNvPr>
@@ -20292,7 +21085,7 @@
           <p:cNvPr id="2" name="Title 1">
             <a:extLst>
               <a:ext uri="{FF2B5EF4-FFF2-40B4-BE49-F238E27FC236}">
-                <a16:creationId xmlns:a16="http://schemas.microsoft.com/office/drawing/2014/main" xmlns="" id="{93232693-D83E-496D-B1F0-18FD480E8F6F}"/>
+                <a16:creationId xmlns:a16="http://schemas.microsoft.com/office/drawing/2014/main" id="{93232693-D83E-496D-B1F0-18FD480E8F6F}"/>
               </a:ext>
             </a:extLst>
           </p:cNvPr>
@@ -20321,7 +21114,7 @@
           <p:cNvPr id="3" name="Content Placeholder 2">
             <a:extLst>
               <a:ext uri="{FF2B5EF4-FFF2-40B4-BE49-F238E27FC236}">
-                <a16:creationId xmlns:a16="http://schemas.microsoft.com/office/drawing/2014/main" xmlns="" id="{D7124242-15EA-4F8F-B8C2-C9A78655494B}"/>
+                <a16:creationId xmlns:a16="http://schemas.microsoft.com/office/drawing/2014/main" id="{D7124242-15EA-4F8F-B8C2-C9A78655494B}"/>
               </a:ext>
             </a:extLst>
           </p:cNvPr>
@@ -20379,7 +21172,7 @@
           <p:cNvPr id="4" name="Date Placeholder 3">
             <a:extLst>
               <a:ext uri="{FF2B5EF4-FFF2-40B4-BE49-F238E27FC236}">
-                <a16:creationId xmlns:a16="http://schemas.microsoft.com/office/drawing/2014/main" xmlns="" id="{0D33C9EA-53D6-4F1F-92EF-8CE3257DE475}"/>
+                <a16:creationId xmlns:a16="http://schemas.microsoft.com/office/drawing/2014/main" id="{0D33C9EA-53D6-4F1F-92EF-8CE3257DE475}"/>
               </a:ext>
             </a:extLst>
           </p:cNvPr>
@@ -20397,7 +21190,7 @@
           <a:p>
             <a:fld id="{EEA75A29-027F-4D48-B08B-1161613C0818}" type="datetimeFigureOut">
               <a:rPr lang="bg-BG" smtClean="0"/>
-              <a:t>21.05.2019</a:t>
+              <a:t>22.5.2019 г.</a:t>
             </a:fld>
             <a:endParaRPr lang="bg-BG"/>
           </a:p>
@@ -20408,7 +21201,7 @@
           <p:cNvPr id="5" name="Footer Placeholder 4">
             <a:extLst>
               <a:ext uri="{FF2B5EF4-FFF2-40B4-BE49-F238E27FC236}">
-                <a16:creationId xmlns:a16="http://schemas.microsoft.com/office/drawing/2014/main" xmlns="" id="{2B69D87B-7004-49FB-A3A9-D69E867363C9}"/>
+                <a16:creationId xmlns:a16="http://schemas.microsoft.com/office/drawing/2014/main" id="{2B69D87B-7004-49FB-A3A9-D69E867363C9}"/>
               </a:ext>
             </a:extLst>
           </p:cNvPr>
@@ -20433,7 +21226,7 @@
           <p:cNvPr id="6" name="Slide Number Placeholder 5">
             <a:extLst>
               <a:ext uri="{FF2B5EF4-FFF2-40B4-BE49-F238E27FC236}">
-                <a16:creationId xmlns:a16="http://schemas.microsoft.com/office/drawing/2014/main" xmlns="" id="{22F55DA7-F5F4-4DA6-9A0C-A678C7BCC506}"/>
+                <a16:creationId xmlns:a16="http://schemas.microsoft.com/office/drawing/2014/main" id="{22F55DA7-F5F4-4DA6-9A0C-A678C7BCC506}"/>
               </a:ext>
             </a:extLst>
           </p:cNvPr>
@@ -20492,7 +21285,7 @@
           <p:cNvPr id="2" name="Title 1">
             <a:extLst>
               <a:ext uri="{FF2B5EF4-FFF2-40B4-BE49-F238E27FC236}">
-                <a16:creationId xmlns:a16="http://schemas.microsoft.com/office/drawing/2014/main" xmlns="" id="{3A7F5CED-A21C-48A1-AB1B-D3467B455802}"/>
+                <a16:creationId xmlns:a16="http://schemas.microsoft.com/office/drawing/2014/main" id="{3A7F5CED-A21C-48A1-AB1B-D3467B455802}"/>
               </a:ext>
             </a:extLst>
           </p:cNvPr>
@@ -20530,7 +21323,7 @@
           <p:cNvPr id="3" name="Text Placeholder 2">
             <a:extLst>
               <a:ext uri="{FF2B5EF4-FFF2-40B4-BE49-F238E27FC236}">
-                <a16:creationId xmlns:a16="http://schemas.microsoft.com/office/drawing/2014/main" xmlns="" id="{D3D4040B-60D3-4CF2-BB0C-992C021A6951}"/>
+                <a16:creationId xmlns:a16="http://schemas.microsoft.com/office/drawing/2014/main" id="{D3D4040B-60D3-4CF2-BB0C-992C021A6951}"/>
               </a:ext>
             </a:extLst>
           </p:cNvPr>
@@ -20655,7 +21448,7 @@
           <p:cNvPr id="4" name="Date Placeholder 3">
             <a:extLst>
               <a:ext uri="{FF2B5EF4-FFF2-40B4-BE49-F238E27FC236}">
-                <a16:creationId xmlns:a16="http://schemas.microsoft.com/office/drawing/2014/main" xmlns="" id="{C7658605-40AC-4FD4-9546-A13FABE6B36A}"/>
+                <a16:creationId xmlns:a16="http://schemas.microsoft.com/office/drawing/2014/main" id="{C7658605-40AC-4FD4-9546-A13FABE6B36A}"/>
               </a:ext>
             </a:extLst>
           </p:cNvPr>
@@ -20673,7 +21466,7 @@
           <a:p>
             <a:fld id="{EEA75A29-027F-4D48-B08B-1161613C0818}" type="datetimeFigureOut">
               <a:rPr lang="bg-BG" smtClean="0"/>
-              <a:t>21.05.2019</a:t>
+              <a:t>22.5.2019 г.</a:t>
             </a:fld>
             <a:endParaRPr lang="bg-BG"/>
           </a:p>
@@ -20684,7 +21477,7 @@
           <p:cNvPr id="5" name="Footer Placeholder 4">
             <a:extLst>
               <a:ext uri="{FF2B5EF4-FFF2-40B4-BE49-F238E27FC236}">
-                <a16:creationId xmlns:a16="http://schemas.microsoft.com/office/drawing/2014/main" xmlns="" id="{5CCBA4AD-AE6E-4907-BA96-345519E50CB3}"/>
+                <a16:creationId xmlns:a16="http://schemas.microsoft.com/office/drawing/2014/main" id="{5CCBA4AD-AE6E-4907-BA96-345519E50CB3}"/>
               </a:ext>
             </a:extLst>
           </p:cNvPr>
@@ -20709,7 +21502,7 @@
           <p:cNvPr id="6" name="Slide Number Placeholder 5">
             <a:extLst>
               <a:ext uri="{FF2B5EF4-FFF2-40B4-BE49-F238E27FC236}">
-                <a16:creationId xmlns:a16="http://schemas.microsoft.com/office/drawing/2014/main" xmlns="" id="{55D38E3D-2A6B-46B5-9A1B-936EAC403EF2}"/>
+                <a16:creationId xmlns:a16="http://schemas.microsoft.com/office/drawing/2014/main" id="{55D38E3D-2A6B-46B5-9A1B-936EAC403EF2}"/>
               </a:ext>
             </a:extLst>
           </p:cNvPr>
@@ -20768,7 +21561,7 @@
           <p:cNvPr id="2" name="Title 1">
             <a:extLst>
               <a:ext uri="{FF2B5EF4-FFF2-40B4-BE49-F238E27FC236}">
-                <a16:creationId xmlns:a16="http://schemas.microsoft.com/office/drawing/2014/main" xmlns="" id="{C3385F55-7DE7-4613-A710-50EB0BAD14BE}"/>
+                <a16:creationId xmlns:a16="http://schemas.microsoft.com/office/drawing/2014/main" id="{C3385F55-7DE7-4613-A710-50EB0BAD14BE}"/>
               </a:ext>
             </a:extLst>
           </p:cNvPr>
@@ -20797,7 +21590,7 @@
           <p:cNvPr id="3" name="Content Placeholder 2">
             <a:extLst>
               <a:ext uri="{FF2B5EF4-FFF2-40B4-BE49-F238E27FC236}">
-                <a16:creationId xmlns:a16="http://schemas.microsoft.com/office/drawing/2014/main" xmlns="" id="{A70042DF-4845-4EB9-A64A-08AFFBB91D3B}"/>
+                <a16:creationId xmlns:a16="http://schemas.microsoft.com/office/drawing/2014/main" id="{A70042DF-4845-4EB9-A64A-08AFFBB91D3B}"/>
               </a:ext>
             </a:extLst>
           </p:cNvPr>
@@ -20860,7 +21653,7 @@
           <p:cNvPr id="4" name="Content Placeholder 3">
             <a:extLst>
               <a:ext uri="{FF2B5EF4-FFF2-40B4-BE49-F238E27FC236}">
-                <a16:creationId xmlns:a16="http://schemas.microsoft.com/office/drawing/2014/main" xmlns="" id="{0CE2A731-9DFD-4A75-9630-3A93EA4414D6}"/>
+                <a16:creationId xmlns:a16="http://schemas.microsoft.com/office/drawing/2014/main" id="{0CE2A731-9DFD-4A75-9630-3A93EA4414D6}"/>
               </a:ext>
             </a:extLst>
           </p:cNvPr>
@@ -20923,7 +21716,7 @@
           <p:cNvPr id="5" name="Date Placeholder 4">
             <a:extLst>
               <a:ext uri="{FF2B5EF4-FFF2-40B4-BE49-F238E27FC236}">
-                <a16:creationId xmlns:a16="http://schemas.microsoft.com/office/drawing/2014/main" xmlns="" id="{1A784A54-E630-49CB-9644-A68C17FF00FC}"/>
+                <a16:creationId xmlns:a16="http://schemas.microsoft.com/office/drawing/2014/main" id="{1A784A54-E630-49CB-9644-A68C17FF00FC}"/>
               </a:ext>
             </a:extLst>
           </p:cNvPr>
@@ -20941,7 +21734,7 @@
           <a:p>
             <a:fld id="{EEA75A29-027F-4D48-B08B-1161613C0818}" type="datetimeFigureOut">
               <a:rPr lang="bg-BG" smtClean="0"/>
-              <a:t>21.05.2019</a:t>
+              <a:t>22.5.2019 г.</a:t>
             </a:fld>
             <a:endParaRPr lang="bg-BG"/>
           </a:p>
@@ -20952,7 +21745,7 @@
           <p:cNvPr id="6" name="Footer Placeholder 5">
             <a:extLst>
               <a:ext uri="{FF2B5EF4-FFF2-40B4-BE49-F238E27FC236}">
-                <a16:creationId xmlns:a16="http://schemas.microsoft.com/office/drawing/2014/main" xmlns="" id="{16E664AE-B7BE-4F74-9238-3752F763AD6A}"/>
+                <a16:creationId xmlns:a16="http://schemas.microsoft.com/office/drawing/2014/main" id="{16E664AE-B7BE-4F74-9238-3752F763AD6A}"/>
               </a:ext>
             </a:extLst>
           </p:cNvPr>
@@ -20977,7 +21770,7 @@
           <p:cNvPr id="7" name="Slide Number Placeholder 6">
             <a:extLst>
               <a:ext uri="{FF2B5EF4-FFF2-40B4-BE49-F238E27FC236}">
-                <a16:creationId xmlns:a16="http://schemas.microsoft.com/office/drawing/2014/main" xmlns="" id="{BC6BEAE7-D177-4EEF-BB4D-7F63857CD168}"/>
+                <a16:creationId xmlns:a16="http://schemas.microsoft.com/office/drawing/2014/main" id="{BC6BEAE7-D177-4EEF-BB4D-7F63857CD168}"/>
               </a:ext>
             </a:extLst>
           </p:cNvPr>
@@ -21036,7 +21829,7 @@
           <p:cNvPr id="2" name="Title 1">
             <a:extLst>
               <a:ext uri="{FF2B5EF4-FFF2-40B4-BE49-F238E27FC236}">
-                <a16:creationId xmlns:a16="http://schemas.microsoft.com/office/drawing/2014/main" xmlns="" id="{1EF4249D-FFEA-4E39-A413-6F7E03564681}"/>
+                <a16:creationId xmlns:a16="http://schemas.microsoft.com/office/drawing/2014/main" id="{1EF4249D-FFEA-4E39-A413-6F7E03564681}"/>
               </a:ext>
             </a:extLst>
           </p:cNvPr>
@@ -21070,7 +21863,7 @@
           <p:cNvPr id="3" name="Text Placeholder 2">
             <a:extLst>
               <a:ext uri="{FF2B5EF4-FFF2-40B4-BE49-F238E27FC236}">
-                <a16:creationId xmlns:a16="http://schemas.microsoft.com/office/drawing/2014/main" xmlns="" id="{A7C6EABA-3E75-436F-B822-8F4380F015BC}"/>
+                <a16:creationId xmlns:a16="http://schemas.microsoft.com/office/drawing/2014/main" id="{A7C6EABA-3E75-436F-B822-8F4380F015BC}"/>
               </a:ext>
             </a:extLst>
           </p:cNvPr>
@@ -21141,7 +21934,7 @@
           <p:cNvPr id="4" name="Content Placeholder 3">
             <a:extLst>
               <a:ext uri="{FF2B5EF4-FFF2-40B4-BE49-F238E27FC236}">
-                <a16:creationId xmlns:a16="http://schemas.microsoft.com/office/drawing/2014/main" xmlns="" id="{A9BFBE24-58EF-4117-B98C-A45C671CFCBB}"/>
+                <a16:creationId xmlns:a16="http://schemas.microsoft.com/office/drawing/2014/main" id="{A9BFBE24-58EF-4117-B98C-A45C671CFCBB}"/>
               </a:ext>
             </a:extLst>
           </p:cNvPr>
@@ -21204,7 +21997,7 @@
           <p:cNvPr id="5" name="Text Placeholder 4">
             <a:extLst>
               <a:ext uri="{FF2B5EF4-FFF2-40B4-BE49-F238E27FC236}">
-                <a16:creationId xmlns:a16="http://schemas.microsoft.com/office/drawing/2014/main" xmlns="" id="{D4C3D482-EE97-4FF2-A53E-8FC86DA14764}"/>
+                <a16:creationId xmlns:a16="http://schemas.microsoft.com/office/drawing/2014/main" id="{D4C3D482-EE97-4FF2-A53E-8FC86DA14764}"/>
               </a:ext>
             </a:extLst>
           </p:cNvPr>
@@ -21275,7 +22068,7 @@
           <p:cNvPr id="6" name="Content Placeholder 5">
             <a:extLst>
               <a:ext uri="{FF2B5EF4-FFF2-40B4-BE49-F238E27FC236}">
-                <a16:creationId xmlns:a16="http://schemas.microsoft.com/office/drawing/2014/main" xmlns="" id="{3259BEDD-0EA1-494B-A170-6680DDDF6114}"/>
+                <a16:creationId xmlns:a16="http://schemas.microsoft.com/office/drawing/2014/main" id="{3259BEDD-0EA1-494B-A170-6680DDDF6114}"/>
               </a:ext>
             </a:extLst>
           </p:cNvPr>
@@ -21338,7 +22131,7 @@
           <p:cNvPr id="7" name="Date Placeholder 6">
             <a:extLst>
               <a:ext uri="{FF2B5EF4-FFF2-40B4-BE49-F238E27FC236}">
-                <a16:creationId xmlns:a16="http://schemas.microsoft.com/office/drawing/2014/main" xmlns="" id="{88859E15-D2BF-4BD6-976C-1C0A4A40F469}"/>
+                <a16:creationId xmlns:a16="http://schemas.microsoft.com/office/drawing/2014/main" id="{88859E15-D2BF-4BD6-976C-1C0A4A40F469}"/>
               </a:ext>
             </a:extLst>
           </p:cNvPr>
@@ -21356,7 +22149,7 @@
           <a:p>
             <a:fld id="{EEA75A29-027F-4D48-B08B-1161613C0818}" type="datetimeFigureOut">
               <a:rPr lang="bg-BG" smtClean="0"/>
-              <a:t>21.05.2019</a:t>
+              <a:t>22.5.2019 г.</a:t>
             </a:fld>
             <a:endParaRPr lang="bg-BG"/>
           </a:p>
@@ -21367,7 +22160,7 @@
           <p:cNvPr id="8" name="Footer Placeholder 7">
             <a:extLst>
               <a:ext uri="{FF2B5EF4-FFF2-40B4-BE49-F238E27FC236}">
-                <a16:creationId xmlns:a16="http://schemas.microsoft.com/office/drawing/2014/main" xmlns="" id="{A1D2603C-8E07-43E2-BD2F-4C3F709DED92}"/>
+                <a16:creationId xmlns:a16="http://schemas.microsoft.com/office/drawing/2014/main" id="{A1D2603C-8E07-43E2-BD2F-4C3F709DED92}"/>
               </a:ext>
             </a:extLst>
           </p:cNvPr>
@@ -21392,7 +22185,7 @@
           <p:cNvPr id="9" name="Slide Number Placeholder 8">
             <a:extLst>
               <a:ext uri="{FF2B5EF4-FFF2-40B4-BE49-F238E27FC236}">
-                <a16:creationId xmlns:a16="http://schemas.microsoft.com/office/drawing/2014/main" xmlns="" id="{C25A8261-B0DA-4FFE-9EBF-C1D0C909685C}"/>
+                <a16:creationId xmlns:a16="http://schemas.microsoft.com/office/drawing/2014/main" id="{C25A8261-B0DA-4FFE-9EBF-C1D0C909685C}"/>
               </a:ext>
             </a:extLst>
           </p:cNvPr>
@@ -21451,7 +22244,7 @@
           <p:cNvPr id="2" name="Title 1">
             <a:extLst>
               <a:ext uri="{FF2B5EF4-FFF2-40B4-BE49-F238E27FC236}">
-                <a16:creationId xmlns:a16="http://schemas.microsoft.com/office/drawing/2014/main" xmlns="" id="{68199B5D-168F-4BCC-8B41-FAAA053FC84C}"/>
+                <a16:creationId xmlns:a16="http://schemas.microsoft.com/office/drawing/2014/main" id="{68199B5D-168F-4BCC-8B41-FAAA053FC84C}"/>
               </a:ext>
             </a:extLst>
           </p:cNvPr>
@@ -21480,7 +22273,7 @@
           <p:cNvPr id="3" name="Date Placeholder 2">
             <a:extLst>
               <a:ext uri="{FF2B5EF4-FFF2-40B4-BE49-F238E27FC236}">
-                <a16:creationId xmlns:a16="http://schemas.microsoft.com/office/drawing/2014/main" xmlns="" id="{E50AED76-4DC9-451C-B0CB-73FF4B908FA6}"/>
+                <a16:creationId xmlns:a16="http://schemas.microsoft.com/office/drawing/2014/main" id="{E50AED76-4DC9-451C-B0CB-73FF4B908FA6}"/>
               </a:ext>
             </a:extLst>
           </p:cNvPr>
@@ -21498,7 +22291,7 @@
           <a:p>
             <a:fld id="{EEA75A29-027F-4D48-B08B-1161613C0818}" type="datetimeFigureOut">
               <a:rPr lang="bg-BG" smtClean="0"/>
-              <a:t>21.05.2019</a:t>
+              <a:t>22.5.2019 г.</a:t>
             </a:fld>
             <a:endParaRPr lang="bg-BG"/>
           </a:p>
@@ -21509,7 +22302,7 @@
           <p:cNvPr id="4" name="Footer Placeholder 3">
             <a:extLst>
               <a:ext uri="{FF2B5EF4-FFF2-40B4-BE49-F238E27FC236}">
-                <a16:creationId xmlns:a16="http://schemas.microsoft.com/office/drawing/2014/main" xmlns="" id="{30116E03-A51E-44FA-A4FC-4E2CF1A7B86D}"/>
+                <a16:creationId xmlns:a16="http://schemas.microsoft.com/office/drawing/2014/main" id="{30116E03-A51E-44FA-A4FC-4E2CF1A7B86D}"/>
               </a:ext>
             </a:extLst>
           </p:cNvPr>
@@ -21534,7 +22327,7 @@
           <p:cNvPr id="5" name="Slide Number Placeholder 4">
             <a:extLst>
               <a:ext uri="{FF2B5EF4-FFF2-40B4-BE49-F238E27FC236}">
-                <a16:creationId xmlns:a16="http://schemas.microsoft.com/office/drawing/2014/main" xmlns="" id="{E8BB72F7-F4A4-45A6-AF88-74990BEEC45C}"/>
+                <a16:creationId xmlns:a16="http://schemas.microsoft.com/office/drawing/2014/main" id="{E8BB72F7-F4A4-45A6-AF88-74990BEEC45C}"/>
               </a:ext>
             </a:extLst>
           </p:cNvPr>
@@ -21593,7 +22386,7 @@
           <p:cNvPr id="2" name="Date Placeholder 1">
             <a:extLst>
               <a:ext uri="{FF2B5EF4-FFF2-40B4-BE49-F238E27FC236}">
-                <a16:creationId xmlns:a16="http://schemas.microsoft.com/office/drawing/2014/main" xmlns="" id="{7098F6A1-6902-4C8F-8C89-58FCAC8DE877}"/>
+                <a16:creationId xmlns:a16="http://schemas.microsoft.com/office/drawing/2014/main" id="{7098F6A1-6902-4C8F-8C89-58FCAC8DE877}"/>
               </a:ext>
             </a:extLst>
           </p:cNvPr>
@@ -21611,7 +22404,7 @@
           <a:p>
             <a:fld id="{EEA75A29-027F-4D48-B08B-1161613C0818}" type="datetimeFigureOut">
               <a:rPr lang="bg-BG" smtClean="0"/>
-              <a:t>21.05.2019</a:t>
+              <a:t>22.5.2019 г.</a:t>
             </a:fld>
             <a:endParaRPr lang="bg-BG"/>
           </a:p>
@@ -21622,7 +22415,7 @@
           <p:cNvPr id="3" name="Footer Placeholder 2">
             <a:extLst>
               <a:ext uri="{FF2B5EF4-FFF2-40B4-BE49-F238E27FC236}">
-                <a16:creationId xmlns:a16="http://schemas.microsoft.com/office/drawing/2014/main" xmlns="" id="{2210603F-7217-47C4-B45F-87B24133ACB3}"/>
+                <a16:creationId xmlns:a16="http://schemas.microsoft.com/office/drawing/2014/main" id="{2210603F-7217-47C4-B45F-87B24133ACB3}"/>
               </a:ext>
             </a:extLst>
           </p:cNvPr>
@@ -21647,7 +22440,7 @@
           <p:cNvPr id="4" name="Slide Number Placeholder 3">
             <a:extLst>
               <a:ext uri="{FF2B5EF4-FFF2-40B4-BE49-F238E27FC236}">
-                <a16:creationId xmlns:a16="http://schemas.microsoft.com/office/drawing/2014/main" xmlns="" id="{DD807AA2-F6E9-43C0-BE01-02161404E726}"/>
+                <a16:creationId xmlns:a16="http://schemas.microsoft.com/office/drawing/2014/main" id="{DD807AA2-F6E9-43C0-BE01-02161404E726}"/>
               </a:ext>
             </a:extLst>
           </p:cNvPr>
@@ -21706,7 +22499,7 @@
           <p:cNvPr id="2" name="Title 1">
             <a:extLst>
               <a:ext uri="{FF2B5EF4-FFF2-40B4-BE49-F238E27FC236}">
-                <a16:creationId xmlns:a16="http://schemas.microsoft.com/office/drawing/2014/main" xmlns="" id="{274E79D0-4A57-4D72-8BFF-AA07E2DBE2AA}"/>
+                <a16:creationId xmlns:a16="http://schemas.microsoft.com/office/drawing/2014/main" id="{274E79D0-4A57-4D72-8BFF-AA07E2DBE2AA}"/>
               </a:ext>
             </a:extLst>
           </p:cNvPr>
@@ -21744,7 +22537,7 @@
           <p:cNvPr id="3" name="Content Placeholder 2">
             <a:extLst>
               <a:ext uri="{FF2B5EF4-FFF2-40B4-BE49-F238E27FC236}">
-                <a16:creationId xmlns:a16="http://schemas.microsoft.com/office/drawing/2014/main" xmlns="" id="{C5F10B8E-BD65-4618-9F2A-8174963C8555}"/>
+                <a16:creationId xmlns:a16="http://schemas.microsoft.com/office/drawing/2014/main" id="{C5F10B8E-BD65-4618-9F2A-8174963C8555}"/>
               </a:ext>
             </a:extLst>
           </p:cNvPr>
@@ -21835,7 +22628,7 @@
           <p:cNvPr id="4" name="Text Placeholder 3">
             <a:extLst>
               <a:ext uri="{FF2B5EF4-FFF2-40B4-BE49-F238E27FC236}">
-                <a16:creationId xmlns:a16="http://schemas.microsoft.com/office/drawing/2014/main" xmlns="" id="{04CB69F9-BEF2-4790-B07A-274061846E82}"/>
+                <a16:creationId xmlns:a16="http://schemas.microsoft.com/office/drawing/2014/main" id="{04CB69F9-BEF2-4790-B07A-274061846E82}"/>
               </a:ext>
             </a:extLst>
           </p:cNvPr>
@@ -21906,7 +22699,7 @@
           <p:cNvPr id="5" name="Date Placeholder 4">
             <a:extLst>
               <a:ext uri="{FF2B5EF4-FFF2-40B4-BE49-F238E27FC236}">
-                <a16:creationId xmlns:a16="http://schemas.microsoft.com/office/drawing/2014/main" xmlns="" id="{51F1382C-CD99-4075-AB4B-9EF791ACA926}"/>
+                <a16:creationId xmlns:a16="http://schemas.microsoft.com/office/drawing/2014/main" id="{51F1382C-CD99-4075-AB4B-9EF791ACA926}"/>
               </a:ext>
             </a:extLst>
           </p:cNvPr>
@@ -21924,7 +22717,7 @@
           <a:p>
             <a:fld id="{EEA75A29-027F-4D48-B08B-1161613C0818}" type="datetimeFigureOut">
               <a:rPr lang="bg-BG" smtClean="0"/>
-              <a:t>21.05.2019</a:t>
+              <a:t>22.5.2019 г.</a:t>
             </a:fld>
             <a:endParaRPr lang="bg-BG"/>
           </a:p>
@@ -21935,7 +22728,7 @@
           <p:cNvPr id="6" name="Footer Placeholder 5">
             <a:extLst>
               <a:ext uri="{FF2B5EF4-FFF2-40B4-BE49-F238E27FC236}">
-                <a16:creationId xmlns:a16="http://schemas.microsoft.com/office/drawing/2014/main" xmlns="" id="{C25DFF43-D3BE-4042-BDFC-2998A5097955}"/>
+                <a16:creationId xmlns:a16="http://schemas.microsoft.com/office/drawing/2014/main" id="{C25DFF43-D3BE-4042-BDFC-2998A5097955}"/>
               </a:ext>
             </a:extLst>
           </p:cNvPr>
@@ -21960,7 +22753,7 @@
           <p:cNvPr id="7" name="Slide Number Placeholder 6">
             <a:extLst>
               <a:ext uri="{FF2B5EF4-FFF2-40B4-BE49-F238E27FC236}">
-                <a16:creationId xmlns:a16="http://schemas.microsoft.com/office/drawing/2014/main" xmlns="" id="{06312CA7-204D-43D7-993D-3F5D401DEB6E}"/>
+                <a16:creationId xmlns:a16="http://schemas.microsoft.com/office/drawing/2014/main" id="{06312CA7-204D-43D7-993D-3F5D401DEB6E}"/>
               </a:ext>
             </a:extLst>
           </p:cNvPr>
@@ -22019,7 +22812,7 @@
           <p:cNvPr id="2" name="Title 1">
             <a:extLst>
               <a:ext uri="{FF2B5EF4-FFF2-40B4-BE49-F238E27FC236}">
-                <a16:creationId xmlns:a16="http://schemas.microsoft.com/office/drawing/2014/main" xmlns="" id="{4D5B6D33-81B3-45CB-8DD1-3D215D78BD4A}"/>
+                <a16:creationId xmlns:a16="http://schemas.microsoft.com/office/drawing/2014/main" id="{4D5B6D33-81B3-45CB-8DD1-3D215D78BD4A}"/>
               </a:ext>
             </a:extLst>
           </p:cNvPr>
@@ -22057,7 +22850,7 @@
           <p:cNvPr id="3" name="Picture Placeholder 2">
             <a:extLst>
               <a:ext uri="{FF2B5EF4-FFF2-40B4-BE49-F238E27FC236}">
-                <a16:creationId xmlns:a16="http://schemas.microsoft.com/office/drawing/2014/main" xmlns="" id="{F496AEA4-445B-4253-90DA-EBFB28926940}"/>
+                <a16:creationId xmlns:a16="http://schemas.microsoft.com/office/drawing/2014/main" id="{F496AEA4-445B-4253-90DA-EBFB28926940}"/>
               </a:ext>
             </a:extLst>
           </p:cNvPr>
@@ -22124,7 +22917,7 @@
           <p:cNvPr id="4" name="Text Placeholder 3">
             <a:extLst>
               <a:ext uri="{FF2B5EF4-FFF2-40B4-BE49-F238E27FC236}">
-                <a16:creationId xmlns:a16="http://schemas.microsoft.com/office/drawing/2014/main" xmlns="" id="{82B8DA4B-177D-4CF9-8759-9FB35161325F}"/>
+                <a16:creationId xmlns:a16="http://schemas.microsoft.com/office/drawing/2014/main" id="{82B8DA4B-177D-4CF9-8759-9FB35161325F}"/>
               </a:ext>
             </a:extLst>
           </p:cNvPr>
@@ -22195,7 +22988,7 @@
           <p:cNvPr id="5" name="Date Placeholder 4">
             <a:extLst>
               <a:ext uri="{FF2B5EF4-FFF2-40B4-BE49-F238E27FC236}">
-                <a16:creationId xmlns:a16="http://schemas.microsoft.com/office/drawing/2014/main" xmlns="" id="{F5F44FF0-3C9E-4E02-AFCD-418CFDA06F99}"/>
+                <a16:creationId xmlns:a16="http://schemas.microsoft.com/office/drawing/2014/main" id="{F5F44FF0-3C9E-4E02-AFCD-418CFDA06F99}"/>
               </a:ext>
             </a:extLst>
           </p:cNvPr>
@@ -22213,7 +23006,7 @@
           <a:p>
             <a:fld id="{EEA75A29-027F-4D48-B08B-1161613C0818}" type="datetimeFigureOut">
               <a:rPr lang="bg-BG" smtClean="0"/>
-              <a:t>21.05.2019</a:t>
+              <a:t>22.5.2019 г.</a:t>
             </a:fld>
             <a:endParaRPr lang="bg-BG"/>
           </a:p>
@@ -22224,7 +23017,7 @@
           <p:cNvPr id="6" name="Footer Placeholder 5">
             <a:extLst>
               <a:ext uri="{FF2B5EF4-FFF2-40B4-BE49-F238E27FC236}">
-                <a16:creationId xmlns:a16="http://schemas.microsoft.com/office/drawing/2014/main" xmlns="" id="{5097DF82-2BBD-4019-848B-5FAC6D1F14ED}"/>
+                <a16:creationId xmlns:a16="http://schemas.microsoft.com/office/drawing/2014/main" id="{5097DF82-2BBD-4019-848B-5FAC6D1F14ED}"/>
               </a:ext>
             </a:extLst>
           </p:cNvPr>
@@ -22249,7 +23042,7 @@
           <p:cNvPr id="7" name="Slide Number Placeholder 6">
             <a:extLst>
               <a:ext uri="{FF2B5EF4-FFF2-40B4-BE49-F238E27FC236}">
-                <a16:creationId xmlns:a16="http://schemas.microsoft.com/office/drawing/2014/main" xmlns="" id="{F564C5BD-4D43-49A7-B528-9F4922E17A39}"/>
+                <a16:creationId xmlns:a16="http://schemas.microsoft.com/office/drawing/2014/main" id="{F564C5BD-4D43-49A7-B528-9F4922E17A39}"/>
               </a:ext>
             </a:extLst>
           </p:cNvPr>
@@ -22313,7 +23106,7 @@
           <p:cNvPr id="2" name="Title Placeholder 1">
             <a:extLst>
               <a:ext uri="{FF2B5EF4-FFF2-40B4-BE49-F238E27FC236}">
-                <a16:creationId xmlns:a16="http://schemas.microsoft.com/office/drawing/2014/main" xmlns="" id="{C62B9201-D64F-4E73-9D97-CDD35AFA9CD9}"/>
+                <a16:creationId xmlns:a16="http://schemas.microsoft.com/office/drawing/2014/main" id="{C62B9201-D64F-4E73-9D97-CDD35AFA9CD9}"/>
               </a:ext>
             </a:extLst>
           </p:cNvPr>
@@ -22352,7 +23145,7 @@
           <p:cNvPr id="3" name="Text Placeholder 2">
             <a:extLst>
               <a:ext uri="{FF2B5EF4-FFF2-40B4-BE49-F238E27FC236}">
-                <a16:creationId xmlns:a16="http://schemas.microsoft.com/office/drawing/2014/main" xmlns="" id="{750AD475-A6DB-444D-9126-24701712235D}"/>
+                <a16:creationId xmlns:a16="http://schemas.microsoft.com/office/drawing/2014/main" id="{750AD475-A6DB-444D-9126-24701712235D}"/>
               </a:ext>
             </a:extLst>
           </p:cNvPr>
@@ -22420,7 +23213,7 @@
           <p:cNvPr id="4" name="Date Placeholder 3">
             <a:extLst>
               <a:ext uri="{FF2B5EF4-FFF2-40B4-BE49-F238E27FC236}">
-                <a16:creationId xmlns:a16="http://schemas.microsoft.com/office/drawing/2014/main" xmlns="" id="{EAEEC826-FC13-4DC6-8680-1989B58B8840}"/>
+                <a16:creationId xmlns:a16="http://schemas.microsoft.com/office/drawing/2014/main" id="{EAEEC826-FC13-4DC6-8680-1989B58B8840}"/>
               </a:ext>
             </a:extLst>
           </p:cNvPr>
@@ -22456,7 +23249,7 @@
           <a:p>
             <a:fld id="{EEA75A29-027F-4D48-B08B-1161613C0818}" type="datetimeFigureOut">
               <a:rPr lang="bg-BG" smtClean="0"/>
-              <a:t>21.05.2019</a:t>
+              <a:t>22.5.2019 г.</a:t>
             </a:fld>
             <a:endParaRPr lang="bg-BG"/>
           </a:p>
@@ -22467,7 +23260,7 @@
           <p:cNvPr id="5" name="Footer Placeholder 4">
             <a:extLst>
               <a:ext uri="{FF2B5EF4-FFF2-40B4-BE49-F238E27FC236}">
-                <a16:creationId xmlns:a16="http://schemas.microsoft.com/office/drawing/2014/main" xmlns="" id="{CA44FEEC-545C-4523-8E78-9730A4DEA230}"/>
+                <a16:creationId xmlns:a16="http://schemas.microsoft.com/office/drawing/2014/main" id="{CA44FEEC-545C-4523-8E78-9730A4DEA230}"/>
               </a:ext>
             </a:extLst>
           </p:cNvPr>
@@ -22510,7 +23303,7 @@
           <p:cNvPr id="6" name="Slide Number Placeholder 5">
             <a:extLst>
               <a:ext uri="{FF2B5EF4-FFF2-40B4-BE49-F238E27FC236}">
-                <a16:creationId xmlns:a16="http://schemas.microsoft.com/office/drawing/2014/main" xmlns="" id="{73D22FDB-48CD-4DC6-AA72-C4D498CB8BE3}"/>
+                <a16:creationId xmlns:a16="http://schemas.microsoft.com/office/drawing/2014/main" id="{73D22FDB-48CD-4DC6-AA72-C4D498CB8BE3}"/>
               </a:ext>
             </a:extLst>
           </p:cNvPr>
@@ -22878,7 +23671,7 @@
           <p:cNvPr id="4" name="Picture 3">
             <a:extLst>
               <a:ext uri="{FF2B5EF4-FFF2-40B4-BE49-F238E27FC236}">
-                <a16:creationId xmlns:a16="http://schemas.microsoft.com/office/drawing/2014/main" xmlns="" id="{E806A265-91A3-44D3-A845-B5E74D32A225}"/>
+                <a16:creationId xmlns:a16="http://schemas.microsoft.com/office/drawing/2014/main" id="{E806A265-91A3-44D3-A845-B5E74D32A225}"/>
               </a:ext>
             </a:extLst>
           </p:cNvPr>
@@ -22925,7 +23718,7 @@
           <p:cNvPr id="5" name="Picture 4">
             <a:extLst>
               <a:ext uri="{FF2B5EF4-FFF2-40B4-BE49-F238E27FC236}">
-                <a16:creationId xmlns:a16="http://schemas.microsoft.com/office/drawing/2014/main" xmlns="" id="{1C373431-9E7B-4576-8831-13D67AF33226}"/>
+                <a16:creationId xmlns:a16="http://schemas.microsoft.com/office/drawing/2014/main" id="{1C373431-9E7B-4576-8831-13D67AF33226}"/>
               </a:ext>
             </a:extLst>
           </p:cNvPr>
@@ -22961,7 +23754,7 @@
           <p:cNvPr id="6" name="Text Placeholder 7">
             <a:extLst>
               <a:ext uri="{FF2B5EF4-FFF2-40B4-BE49-F238E27FC236}">
-                <a16:creationId xmlns:a16="http://schemas.microsoft.com/office/drawing/2014/main" xmlns="" id="{B7D9A7E4-7BA3-4E93-8912-98EFE09BB28A}"/>
+                <a16:creationId xmlns:a16="http://schemas.microsoft.com/office/drawing/2014/main" id="{B7D9A7E4-7BA3-4E93-8912-98EFE09BB28A}"/>
               </a:ext>
             </a:extLst>
           </p:cNvPr>
@@ -23214,7 +24007,7 @@
           <p:cNvPr id="7" name="Text Placeholder 7">
             <a:extLst>
               <a:ext uri="{FF2B5EF4-FFF2-40B4-BE49-F238E27FC236}">
-                <a16:creationId xmlns:a16="http://schemas.microsoft.com/office/drawing/2014/main" xmlns="" id="{C9C80F1A-C35F-401C-BE9E-EA2D52A62214}"/>
+                <a16:creationId xmlns:a16="http://schemas.microsoft.com/office/drawing/2014/main" id="{C9C80F1A-C35F-401C-BE9E-EA2D52A62214}"/>
               </a:ext>
             </a:extLst>
           </p:cNvPr>
@@ -23467,7 +24260,7 @@
           <p:cNvPr id="9" name="Picture 8">
             <a:extLst>
               <a:ext uri="{FF2B5EF4-FFF2-40B4-BE49-F238E27FC236}">
-                <a16:creationId xmlns:a16="http://schemas.microsoft.com/office/drawing/2014/main" xmlns="" id="{C4DC195B-1A46-49CD-A653-ED9AB3DD20A4}"/>
+                <a16:creationId xmlns:a16="http://schemas.microsoft.com/office/drawing/2014/main" id="{C4DC195B-1A46-49CD-A653-ED9AB3DD20A4}"/>
               </a:ext>
             </a:extLst>
           </p:cNvPr>
@@ -23527,7 +24320,7 @@
           <p:cNvPr id="11" name="Text Placeholder 7">
             <a:extLst>
               <a:ext uri="{FF2B5EF4-FFF2-40B4-BE49-F238E27FC236}">
-                <a16:creationId xmlns:a16="http://schemas.microsoft.com/office/drawing/2014/main" xmlns="" id="{61993706-1D78-48D5-9CE6-9BC974868574}"/>
+                <a16:creationId xmlns:a16="http://schemas.microsoft.com/office/drawing/2014/main" id="{61993706-1D78-48D5-9CE6-9BC974868574}"/>
               </a:ext>
             </a:extLst>
           </p:cNvPr>
@@ -23788,7 +24581,7 @@
           <p:cNvPr id="13" name="Text Placeholder 7">
             <a:extLst>
               <a:ext uri="{FF2B5EF4-FFF2-40B4-BE49-F238E27FC236}">
-                <a16:creationId xmlns:a16="http://schemas.microsoft.com/office/drawing/2014/main" xmlns="" id="{A40570BA-6911-4970-9388-25F376540204}"/>
+                <a16:creationId xmlns:a16="http://schemas.microsoft.com/office/drawing/2014/main" id="{A40570BA-6911-4970-9388-25F376540204}"/>
               </a:ext>
             </a:extLst>
           </p:cNvPr>
@@ -24091,7 +24884,7 @@
           <p:cNvPr id="12" name="Rectangle 11">
             <a:extLst>
               <a:ext uri="{FF2B5EF4-FFF2-40B4-BE49-F238E27FC236}">
-                <a16:creationId xmlns:a16="http://schemas.microsoft.com/office/drawing/2014/main" xmlns="" id="{671E1465-D9AF-4456-9D16-E6C4D4EB6166}"/>
+                <a16:creationId xmlns:a16="http://schemas.microsoft.com/office/drawing/2014/main" id="{671E1465-D9AF-4456-9D16-E6C4D4EB6166}"/>
               </a:ext>
             </a:extLst>
           </p:cNvPr>
@@ -24143,7 +24936,7 @@
           <p:cNvPr id="7" name="Title 1">
             <a:extLst>
               <a:ext uri="{FF2B5EF4-FFF2-40B4-BE49-F238E27FC236}">
-                <a16:creationId xmlns:a16="http://schemas.microsoft.com/office/drawing/2014/main" xmlns="" id="{EA4ED1E2-43CC-4240-9328-AB3D316B0079}"/>
+                <a16:creationId xmlns:a16="http://schemas.microsoft.com/office/drawing/2014/main" id="{EA4ED1E2-43CC-4240-9328-AB3D316B0079}"/>
               </a:ext>
             </a:extLst>
           </p:cNvPr>
@@ -24215,7 +25008,7 @@
           <p:cNvPr id="8" name="Picture 7" descr="A close up of a sign&#10;&#10;Description automatically generated">
             <a:extLst>
               <a:ext uri="{FF2B5EF4-FFF2-40B4-BE49-F238E27FC236}">
-                <a16:creationId xmlns:a16="http://schemas.microsoft.com/office/drawing/2014/main" xmlns="" id="{6FAD962E-B296-4448-974D-DD58D2D470E3}"/>
+                <a16:creationId xmlns:a16="http://schemas.microsoft.com/office/drawing/2014/main" id="{6FAD962E-B296-4448-974D-DD58D2D470E3}"/>
               </a:ext>
             </a:extLst>
           </p:cNvPr>
@@ -24251,7 +25044,7 @@
           <p:cNvPr id="3" name="Content Placeholder 2">
             <a:extLst>
               <a:ext uri="{FF2B5EF4-FFF2-40B4-BE49-F238E27FC236}">
-                <a16:creationId xmlns:a16="http://schemas.microsoft.com/office/drawing/2014/main" xmlns="" id="{D1A277BF-201F-4AC6-85E9-F27CF57D6FB3}"/>
+                <a16:creationId xmlns:a16="http://schemas.microsoft.com/office/drawing/2014/main" id="{D1A277BF-201F-4AC6-85E9-F27CF57D6FB3}"/>
               </a:ext>
             </a:extLst>
           </p:cNvPr>
@@ -24262,14 +25055,14 @@
             <p:ph idx="1"/>
             <p:extLst>
               <p:ext uri="{D42A27DB-BD31-4B8C-83A1-F6EECF244321}">
-                <p14:modId xmlns:p14="http://schemas.microsoft.com/office/powerpoint/2010/main" val="3401581751"/>
+                <p14:modId xmlns:p14="http://schemas.microsoft.com/office/powerpoint/2010/main" val="3226237007"/>
               </p:ext>
             </p:extLst>
           </p:nvPr>
         </p:nvGraphicFramePr>
         <p:xfrm>
           <a:off x="3575050" y="259981"/>
-          <a:ext cx="6950075" cy="6184668"/>
+          <a:ext cx="6950075" cy="6324368"/>
         </p:xfrm>
         <a:graphic>
           <a:graphicData uri="http://schemas.openxmlformats.org/drawingml/2006/diagram">
@@ -24607,7 +25400,7 @@
           <p:cNvPr id="19" name="Rectangle 18">
             <a:extLst>
               <a:ext uri="{FF2B5EF4-FFF2-40B4-BE49-F238E27FC236}">
-                <a16:creationId xmlns:a16="http://schemas.microsoft.com/office/drawing/2014/main" xmlns="" id="{B49C84C6-3870-4392-BAB0-9CE5105EBBEC}"/>
+                <a16:creationId xmlns:a16="http://schemas.microsoft.com/office/drawing/2014/main" id="{B49C84C6-3870-4392-BAB0-9CE5105EBBEC}"/>
               </a:ext>
             </a:extLst>
           </p:cNvPr>
@@ -24659,7 +25452,7 @@
           <p:cNvPr id="7" name="Title 1">
             <a:extLst>
               <a:ext uri="{FF2B5EF4-FFF2-40B4-BE49-F238E27FC236}">
-                <a16:creationId xmlns:a16="http://schemas.microsoft.com/office/drawing/2014/main" xmlns="" id="{209880CF-D588-478D-8E91-2EE390A6C31A}"/>
+                <a16:creationId xmlns:a16="http://schemas.microsoft.com/office/drawing/2014/main" id="{209880CF-D588-478D-8E91-2EE390A6C31A}"/>
               </a:ext>
             </a:extLst>
           </p:cNvPr>
@@ -24725,7 +25518,7 @@
           <p:cNvPr id="17" name="Title 1">
             <a:extLst>
               <a:ext uri="{FF2B5EF4-FFF2-40B4-BE49-F238E27FC236}">
-                <a16:creationId xmlns:a16="http://schemas.microsoft.com/office/drawing/2014/main" xmlns="" id="{96A2D964-68D1-49AE-B66F-80C6FA362167}"/>
+                <a16:creationId xmlns:a16="http://schemas.microsoft.com/office/drawing/2014/main" id="{96A2D964-68D1-49AE-B66F-80C6FA362167}"/>
               </a:ext>
             </a:extLst>
           </p:cNvPr>
@@ -24798,7 +25591,7 @@
           <p:cNvPr id="18" name="Picture 17" descr="A close up of a sign&#10;&#10;Description automatically generated">
             <a:extLst>
               <a:ext uri="{FF2B5EF4-FFF2-40B4-BE49-F238E27FC236}">
-                <a16:creationId xmlns:a16="http://schemas.microsoft.com/office/drawing/2014/main" xmlns="" id="{8839E78E-3033-4E67-A9E2-AF0BAD7FCBD4}"/>
+                <a16:creationId xmlns:a16="http://schemas.microsoft.com/office/drawing/2014/main" id="{8839E78E-3033-4E67-A9E2-AF0BAD7FCBD4}"/>
               </a:ext>
             </a:extLst>
           </p:cNvPr>
@@ -24834,7 +25627,7 @@
           <p:cNvPr id="16" name="Picture 15">
             <a:extLst>
               <a:ext uri="{FF2B5EF4-FFF2-40B4-BE49-F238E27FC236}">
-                <a16:creationId xmlns:a16="http://schemas.microsoft.com/office/drawing/2014/main" xmlns="" id="{229CF0CA-0F6D-47F5-B0B8-F921F22F5CAA}"/>
+                <a16:creationId xmlns:a16="http://schemas.microsoft.com/office/drawing/2014/main" id="{229CF0CA-0F6D-47F5-B0B8-F921F22F5CAA}"/>
               </a:ext>
             </a:extLst>
           </p:cNvPr>
@@ -24870,7 +25663,7 @@
           <p:cNvPr id="24" name="Picture 23">
             <a:extLst>
               <a:ext uri="{FF2B5EF4-FFF2-40B4-BE49-F238E27FC236}">
-                <a16:creationId xmlns:a16="http://schemas.microsoft.com/office/drawing/2014/main" xmlns="" id="{A3B61B13-4A5C-40C5-A3DC-87E4D2203247}"/>
+                <a16:creationId xmlns:a16="http://schemas.microsoft.com/office/drawing/2014/main" id="{A3B61B13-4A5C-40C5-A3DC-87E4D2203247}"/>
               </a:ext>
             </a:extLst>
           </p:cNvPr>
@@ -24906,7 +25699,7 @@
           <p:cNvPr id="26" name="Picture 25" descr="A picture containing indoor&#10;&#10;Description automatically generated">
             <a:extLst>
               <a:ext uri="{FF2B5EF4-FFF2-40B4-BE49-F238E27FC236}">
-                <a16:creationId xmlns:a16="http://schemas.microsoft.com/office/drawing/2014/main" xmlns="" id="{C481AA4F-4BB2-425D-ACF4-212294D8EF22}"/>
+                <a16:creationId xmlns:a16="http://schemas.microsoft.com/office/drawing/2014/main" id="{C481AA4F-4BB2-425D-ACF4-212294D8EF22}"/>
               </a:ext>
             </a:extLst>
           </p:cNvPr>
@@ -25136,7 +25929,7 @@
           <p:cNvPr id="8" name="Rectangle 7">
             <a:extLst>
               <a:ext uri="{FF2B5EF4-FFF2-40B4-BE49-F238E27FC236}">
-                <a16:creationId xmlns:a16="http://schemas.microsoft.com/office/drawing/2014/main" xmlns="" id="{E21DA351-6A24-4EC4-836E-1B8B899DFBD5}"/>
+                <a16:creationId xmlns:a16="http://schemas.microsoft.com/office/drawing/2014/main" id="{E21DA351-6A24-4EC4-836E-1B8B899DFBD5}"/>
               </a:ext>
             </a:extLst>
           </p:cNvPr>
@@ -25188,7 +25981,7 @@
           <p:cNvPr id="10" name="Title 1">
             <a:extLst>
               <a:ext uri="{FF2B5EF4-FFF2-40B4-BE49-F238E27FC236}">
-                <a16:creationId xmlns:a16="http://schemas.microsoft.com/office/drawing/2014/main" xmlns="" id="{F92C6FE8-F550-45BB-874D-480D1302545D}"/>
+                <a16:creationId xmlns:a16="http://schemas.microsoft.com/office/drawing/2014/main" id="{F92C6FE8-F550-45BB-874D-480D1302545D}"/>
               </a:ext>
             </a:extLst>
           </p:cNvPr>
@@ -25261,7 +26054,7 @@
           <p:cNvPr id="12" name="Picture 11" descr="A close up of a sign&#10;&#10;Description automatically generated">
             <a:extLst>
               <a:ext uri="{FF2B5EF4-FFF2-40B4-BE49-F238E27FC236}">
-                <a16:creationId xmlns:a16="http://schemas.microsoft.com/office/drawing/2014/main" xmlns="" id="{D1A36478-D659-490E-A002-9DC2F5D37920}"/>
+                <a16:creationId xmlns:a16="http://schemas.microsoft.com/office/drawing/2014/main" id="{D1A36478-D659-490E-A002-9DC2F5D37920}"/>
               </a:ext>
             </a:extLst>
           </p:cNvPr>
@@ -25297,7 +26090,7 @@
           <p:cNvPr id="9" name="Content Placeholder 2">
             <a:extLst>
               <a:ext uri="{FF2B5EF4-FFF2-40B4-BE49-F238E27FC236}">
-                <a16:creationId xmlns:a16="http://schemas.microsoft.com/office/drawing/2014/main" xmlns="" id="{2DBA617B-CED3-474C-9531-01E2C7E59EA0}"/>
+                <a16:creationId xmlns:a16="http://schemas.microsoft.com/office/drawing/2014/main" id="{2DBA617B-CED3-474C-9531-01E2C7E59EA0}"/>
               </a:ext>
             </a:extLst>
           </p:cNvPr>
@@ -25653,7 +26446,7 @@
           <p:cNvPr id="15" name="Rectangle 14">
             <a:extLst>
               <a:ext uri="{FF2B5EF4-FFF2-40B4-BE49-F238E27FC236}">
-                <a16:creationId xmlns:a16="http://schemas.microsoft.com/office/drawing/2014/main" xmlns="" id="{60A1D206-85E2-4B19-87DF-37FB6145C4C2}"/>
+                <a16:creationId xmlns:a16="http://schemas.microsoft.com/office/drawing/2014/main" id="{60A1D206-85E2-4B19-87DF-37FB6145C4C2}"/>
               </a:ext>
             </a:extLst>
           </p:cNvPr>
@@ -25705,7 +26498,7 @@
           <p:cNvPr id="7" name="Title 1">
             <a:extLst>
               <a:ext uri="{FF2B5EF4-FFF2-40B4-BE49-F238E27FC236}">
-                <a16:creationId xmlns:a16="http://schemas.microsoft.com/office/drawing/2014/main" xmlns="" id="{209880CF-D588-478D-8E91-2EE390A6C31A}"/>
+                <a16:creationId xmlns:a16="http://schemas.microsoft.com/office/drawing/2014/main" id="{209880CF-D588-478D-8E91-2EE390A6C31A}"/>
               </a:ext>
             </a:extLst>
           </p:cNvPr>
@@ -25771,7 +26564,7 @@
           <p:cNvPr id="10" name="Picture 9" descr="A close up of a sign&#10;&#10;Description automatically generated">
             <a:extLst>
               <a:ext uri="{FF2B5EF4-FFF2-40B4-BE49-F238E27FC236}">
-                <a16:creationId xmlns:a16="http://schemas.microsoft.com/office/drawing/2014/main" xmlns="" id="{BF094C0C-70B6-4199-B4D5-6C0C49EAB20E}"/>
+                <a16:creationId xmlns:a16="http://schemas.microsoft.com/office/drawing/2014/main" id="{BF094C0C-70B6-4199-B4D5-6C0C49EAB20E}"/>
               </a:ext>
             </a:extLst>
           </p:cNvPr>
@@ -25807,7 +26600,7 @@
           <p:cNvPr id="12" name="Rectangle 11">
             <a:extLst>
               <a:ext uri="{FF2B5EF4-FFF2-40B4-BE49-F238E27FC236}">
-                <a16:creationId xmlns:a16="http://schemas.microsoft.com/office/drawing/2014/main" xmlns="" id="{B2F5E93B-8001-4D4E-885C-B96E87E1A4E3}"/>
+                <a16:creationId xmlns:a16="http://schemas.microsoft.com/office/drawing/2014/main" id="{B2F5E93B-8001-4D4E-885C-B96E87E1A4E3}"/>
               </a:ext>
             </a:extLst>
           </p:cNvPr>
@@ -25861,7 +26654,7 @@
           <p:cNvPr id="13" name="Title 1">
             <a:extLst>
               <a:ext uri="{FF2B5EF4-FFF2-40B4-BE49-F238E27FC236}">
-                <a16:creationId xmlns:a16="http://schemas.microsoft.com/office/drawing/2014/main" xmlns="" id="{F303E8E1-E375-4D05-ACE3-CB8A68E7D46F}"/>
+                <a16:creationId xmlns:a16="http://schemas.microsoft.com/office/drawing/2014/main" id="{F303E8E1-E375-4D05-ACE3-CB8A68E7D46F}"/>
               </a:ext>
             </a:extLst>
           </p:cNvPr>
@@ -25941,7 +26734,7 @@
           <p:cNvPr id="14" name="Picture 13" descr="A close up of a sign&#10;&#10;Description automatically generated">
             <a:extLst>
               <a:ext uri="{FF2B5EF4-FFF2-40B4-BE49-F238E27FC236}">
-                <a16:creationId xmlns:a16="http://schemas.microsoft.com/office/drawing/2014/main" xmlns="" id="{519F8101-3124-49C9-9D45-BCD3C8CAA16B}"/>
+                <a16:creationId xmlns:a16="http://schemas.microsoft.com/office/drawing/2014/main" id="{519F8101-3124-49C9-9D45-BCD3C8CAA16B}"/>
               </a:ext>
             </a:extLst>
           </p:cNvPr>
@@ -26018,7 +26811,7 @@
           <p:cNvPr id="7" name="Title 1">
             <a:extLst>
               <a:ext uri="{FF2B5EF4-FFF2-40B4-BE49-F238E27FC236}">
-                <a16:creationId xmlns:a16="http://schemas.microsoft.com/office/drawing/2014/main" xmlns="" id="{209880CF-D588-478D-8E91-2EE390A6C31A}"/>
+                <a16:creationId xmlns:a16="http://schemas.microsoft.com/office/drawing/2014/main" id="{209880CF-D588-478D-8E91-2EE390A6C31A}"/>
               </a:ext>
             </a:extLst>
           </p:cNvPr>
@@ -26084,7 +26877,7 @@
           <p:cNvPr id="13" name="Graphic 12">
             <a:extLst>
               <a:ext uri="{FF2B5EF4-FFF2-40B4-BE49-F238E27FC236}">
-                <a16:creationId xmlns:a16="http://schemas.microsoft.com/office/drawing/2014/main" xmlns="" id="{83CA5CBD-8536-49CA-97FF-655ABC90752D}"/>
+                <a16:creationId xmlns:a16="http://schemas.microsoft.com/office/drawing/2014/main" id="{83CA5CBD-8536-49CA-97FF-655ABC90752D}"/>
               </a:ext>
             </a:extLst>
           </p:cNvPr>
@@ -26100,7 +26893,7 @@
                 <a14:useLocalDpi xmlns:a14="http://schemas.microsoft.com/office/drawing/2010/main" val="0"/>
               </a:ext>
               <a:ext uri="{96DAC541-7B7A-43D3-8B79-37D633B846F1}">
-                <asvg:svgBlip xmlns:asvg="http://schemas.microsoft.com/office/drawing/2016/SVG/main" xmlns="" r:embed="rId4"/>
+                <asvg:svgBlip xmlns:asvg="http://schemas.microsoft.com/office/drawing/2016/SVG/main" r:embed="rId4"/>
               </a:ext>
             </a:extLst>
           </a:blip>
@@ -26123,7 +26916,7 @@
           <p:cNvPr id="15" name="Picture 14">
             <a:extLst>
               <a:ext uri="{FF2B5EF4-FFF2-40B4-BE49-F238E27FC236}">
-                <a16:creationId xmlns:a16="http://schemas.microsoft.com/office/drawing/2014/main" xmlns="" id="{367083EE-7C4A-4C24-9475-8165A2B25772}"/>
+                <a16:creationId xmlns:a16="http://schemas.microsoft.com/office/drawing/2014/main" id="{367083EE-7C4A-4C24-9475-8165A2B25772}"/>
               </a:ext>
             </a:extLst>
           </p:cNvPr>
@@ -26159,7 +26952,7 @@
           <p:cNvPr id="12" name="Arrow: Right 11">
             <a:extLst>
               <a:ext uri="{FF2B5EF4-FFF2-40B4-BE49-F238E27FC236}">
-                <a16:creationId xmlns:a16="http://schemas.microsoft.com/office/drawing/2014/main" xmlns="" id="{2B777478-1D7E-4211-A8DD-BCD06FA8DE3D}"/>
+                <a16:creationId xmlns:a16="http://schemas.microsoft.com/office/drawing/2014/main" id="{2B777478-1D7E-4211-A8DD-BCD06FA8DE3D}"/>
               </a:ext>
             </a:extLst>
           </p:cNvPr>
@@ -26244,7 +27037,7 @@
           <p:cNvPr id="14" name="Arrow: Right 13">
             <a:extLst>
               <a:ext uri="{FF2B5EF4-FFF2-40B4-BE49-F238E27FC236}">
-                <a16:creationId xmlns:a16="http://schemas.microsoft.com/office/drawing/2014/main" xmlns="" id="{9ACF86F7-9C0F-46A8-B466-5614EFE34F81}"/>
+                <a16:creationId xmlns:a16="http://schemas.microsoft.com/office/drawing/2014/main" id="{9ACF86F7-9C0F-46A8-B466-5614EFE34F81}"/>
               </a:ext>
             </a:extLst>
           </p:cNvPr>
@@ -26345,7 +27138,7 @@
           <p:cNvPr id="16" name="Picture 15" descr="A close up of a sign&#10;&#10;Description automatically generated">
             <a:extLst>
               <a:ext uri="{FF2B5EF4-FFF2-40B4-BE49-F238E27FC236}">
-                <a16:creationId xmlns:a16="http://schemas.microsoft.com/office/drawing/2014/main" xmlns="" id="{1FF3DF26-5301-47F3-8414-25D674205BD9}"/>
+                <a16:creationId xmlns:a16="http://schemas.microsoft.com/office/drawing/2014/main" id="{1FF3DF26-5301-47F3-8414-25D674205BD9}"/>
               </a:ext>
             </a:extLst>
           </p:cNvPr>
@@ -26381,7 +27174,7 @@
           <p:cNvPr id="17" name="Arrow: Right 16">
             <a:extLst>
               <a:ext uri="{FF2B5EF4-FFF2-40B4-BE49-F238E27FC236}">
-                <a16:creationId xmlns:a16="http://schemas.microsoft.com/office/drawing/2014/main" xmlns="" id="{0E46E182-5BA8-4A56-B03A-7179509D51C6}"/>
+                <a16:creationId xmlns:a16="http://schemas.microsoft.com/office/drawing/2014/main" id="{0E46E182-5BA8-4A56-B03A-7179509D51C6}"/>
               </a:ext>
             </a:extLst>
           </p:cNvPr>
@@ -26466,7 +27259,7 @@
           <p:cNvPr id="18" name="Picture 17" descr="A close up of a sign&#10;&#10;Description automatically generated">
             <a:extLst>
               <a:ext uri="{FF2B5EF4-FFF2-40B4-BE49-F238E27FC236}">
-                <a16:creationId xmlns:a16="http://schemas.microsoft.com/office/drawing/2014/main" xmlns="" id="{16FB8DAA-BE33-4AB3-82E1-26114D5C2972}"/>
+                <a16:creationId xmlns:a16="http://schemas.microsoft.com/office/drawing/2014/main" id="{16FB8DAA-BE33-4AB3-82E1-26114D5C2972}"/>
               </a:ext>
             </a:extLst>
           </p:cNvPr>
@@ -26502,7 +27295,7 @@
           <p:cNvPr id="19" name="Rectangle 18">
             <a:extLst>
               <a:ext uri="{FF2B5EF4-FFF2-40B4-BE49-F238E27FC236}">
-                <a16:creationId xmlns:a16="http://schemas.microsoft.com/office/drawing/2014/main" xmlns="" id="{467A38B0-BE9B-4470-AE5D-10B4B49E5FDB}"/>
+                <a16:creationId xmlns:a16="http://schemas.microsoft.com/office/drawing/2014/main" id="{467A38B0-BE9B-4470-AE5D-10B4B49E5FDB}"/>
               </a:ext>
             </a:extLst>
           </p:cNvPr>
@@ -26554,7 +27347,7 @@
           <p:cNvPr id="20" name="Title 1">
             <a:extLst>
               <a:ext uri="{FF2B5EF4-FFF2-40B4-BE49-F238E27FC236}">
-                <a16:creationId xmlns:a16="http://schemas.microsoft.com/office/drawing/2014/main" xmlns="" id="{AF4246FB-EDFE-461E-A341-4B2FC251403C}"/>
+                <a16:creationId xmlns:a16="http://schemas.microsoft.com/office/drawing/2014/main" id="{AF4246FB-EDFE-461E-A341-4B2FC251403C}"/>
               </a:ext>
             </a:extLst>
           </p:cNvPr>
@@ -26634,7 +27427,7 @@
           <p:cNvPr id="21" name="Picture 20" descr="A close up of a sign&#10;&#10;Description automatically generated">
             <a:extLst>
               <a:ext uri="{FF2B5EF4-FFF2-40B4-BE49-F238E27FC236}">
-                <a16:creationId xmlns:a16="http://schemas.microsoft.com/office/drawing/2014/main" xmlns="" id="{65DBA793-2192-475F-8B6A-630B96D92A52}"/>
+                <a16:creationId xmlns:a16="http://schemas.microsoft.com/office/drawing/2014/main" id="{65DBA793-2192-475F-8B6A-630B96D92A52}"/>
               </a:ext>
             </a:extLst>
           </p:cNvPr>
@@ -27046,7 +27839,7 @@
           <p:cNvPr id="7" name="Title 1">
             <a:extLst>
               <a:ext uri="{FF2B5EF4-FFF2-40B4-BE49-F238E27FC236}">
-                <a16:creationId xmlns:a16="http://schemas.microsoft.com/office/drawing/2014/main" xmlns="" id="{209880CF-D588-478D-8E91-2EE390A6C31A}"/>
+                <a16:creationId xmlns:a16="http://schemas.microsoft.com/office/drawing/2014/main" id="{209880CF-D588-478D-8E91-2EE390A6C31A}"/>
               </a:ext>
             </a:extLst>
           </p:cNvPr>
@@ -27112,7 +27905,7 @@
           <p:cNvPr id="5" name="TextBox 4">
             <a:extLst>
               <a:ext uri="{FF2B5EF4-FFF2-40B4-BE49-F238E27FC236}">
-                <a16:creationId xmlns:a16="http://schemas.microsoft.com/office/drawing/2014/main" xmlns="" id="{DB53004D-8D44-4D37-A89D-15E8DC3E2A6B}"/>
+                <a16:creationId xmlns:a16="http://schemas.microsoft.com/office/drawing/2014/main" id="{DB53004D-8D44-4D37-A89D-15E8DC3E2A6B}"/>
               </a:ext>
             </a:extLst>
           </p:cNvPr>
@@ -27461,7 +28254,7 @@
           <p:cNvPr id="8" name="Rectangle 7">
             <a:extLst>
               <a:ext uri="{FF2B5EF4-FFF2-40B4-BE49-F238E27FC236}">
-                <a16:creationId xmlns:a16="http://schemas.microsoft.com/office/drawing/2014/main" xmlns="" id="{E21DA351-6A24-4EC4-836E-1B8B899DFBD5}"/>
+                <a16:creationId xmlns:a16="http://schemas.microsoft.com/office/drawing/2014/main" id="{E21DA351-6A24-4EC4-836E-1B8B899DFBD5}"/>
               </a:ext>
             </a:extLst>
           </p:cNvPr>
@@ -27513,7 +28306,7 @@
           <p:cNvPr id="10" name="Title 1">
             <a:extLst>
               <a:ext uri="{FF2B5EF4-FFF2-40B4-BE49-F238E27FC236}">
-                <a16:creationId xmlns:a16="http://schemas.microsoft.com/office/drawing/2014/main" xmlns="" id="{F92C6FE8-F550-45BB-874D-480D1302545D}"/>
+                <a16:creationId xmlns:a16="http://schemas.microsoft.com/office/drawing/2014/main" id="{F92C6FE8-F550-45BB-874D-480D1302545D}"/>
               </a:ext>
             </a:extLst>
           </p:cNvPr>
@@ -27593,7 +28386,7 @@
           <p:cNvPr id="12" name="Picture 11" descr="A close up of a sign&#10;&#10;Description automatically generated">
             <a:extLst>
               <a:ext uri="{FF2B5EF4-FFF2-40B4-BE49-F238E27FC236}">
-                <a16:creationId xmlns:a16="http://schemas.microsoft.com/office/drawing/2014/main" xmlns="" id="{D1A36478-D659-490E-A002-9DC2F5D37920}"/>
+                <a16:creationId xmlns:a16="http://schemas.microsoft.com/office/drawing/2014/main" id="{D1A36478-D659-490E-A002-9DC2F5D37920}"/>
               </a:ext>
             </a:extLst>
           </p:cNvPr>
@@ -27670,7 +28463,7 @@
           <p:cNvPr id="7" name="Title 1">
             <a:extLst>
               <a:ext uri="{FF2B5EF4-FFF2-40B4-BE49-F238E27FC236}">
-                <a16:creationId xmlns:a16="http://schemas.microsoft.com/office/drawing/2014/main" xmlns="" id="{209880CF-D588-478D-8E91-2EE390A6C31A}"/>
+                <a16:creationId xmlns:a16="http://schemas.microsoft.com/office/drawing/2014/main" id="{209880CF-D588-478D-8E91-2EE390A6C31A}"/>
               </a:ext>
             </a:extLst>
           </p:cNvPr>
@@ -27754,7 +28547,7 @@
           <p:cNvPr id="8" name="Picture 7">
             <a:extLst>
               <a:ext uri="{FF2B5EF4-FFF2-40B4-BE49-F238E27FC236}">
-                <a16:creationId xmlns:a16="http://schemas.microsoft.com/office/drawing/2014/main" xmlns="" id="{424BFA06-FBFE-4CD6-B3C1-B4CB68D3EAE1}"/>
+                <a16:creationId xmlns:a16="http://schemas.microsoft.com/office/drawing/2014/main" id="{424BFA06-FBFE-4CD6-B3C1-B4CB68D3EAE1}"/>
               </a:ext>
             </a:extLst>
           </p:cNvPr>
@@ -27793,7 +28586,7 @@
           <p:cNvPr id="6" name="Picture 5">
             <a:extLst>
               <a:ext uri="{FF2B5EF4-FFF2-40B4-BE49-F238E27FC236}">
-                <a16:creationId xmlns:a16="http://schemas.microsoft.com/office/drawing/2014/main" xmlns="" id="{1B42E9B9-09FA-45ED-8947-AA3CC5A0DB4A}"/>
+                <a16:creationId xmlns:a16="http://schemas.microsoft.com/office/drawing/2014/main" id="{1B42E9B9-09FA-45ED-8947-AA3CC5A0DB4A}"/>
               </a:ext>
             </a:extLst>
           </p:cNvPr>
@@ -27829,7 +28622,7 @@
           <p:cNvPr id="15" name="Rectangle 14">
             <a:extLst>
               <a:ext uri="{FF2B5EF4-FFF2-40B4-BE49-F238E27FC236}">
-                <a16:creationId xmlns:a16="http://schemas.microsoft.com/office/drawing/2014/main" xmlns="" id="{4833C5D2-688C-47E0-AB3B-2A639668C7E7}"/>
+                <a16:creationId xmlns:a16="http://schemas.microsoft.com/office/drawing/2014/main" id="{4833C5D2-688C-47E0-AB3B-2A639668C7E7}"/>
               </a:ext>
             </a:extLst>
           </p:cNvPr>
@@ -27881,7 +28674,7 @@
           <p:cNvPr id="16" name="Title 1">
             <a:extLst>
               <a:ext uri="{FF2B5EF4-FFF2-40B4-BE49-F238E27FC236}">
-                <a16:creationId xmlns:a16="http://schemas.microsoft.com/office/drawing/2014/main" xmlns="" id="{DA2FF94D-683B-4220-B11B-33A608694FAE}"/>
+                <a16:creationId xmlns:a16="http://schemas.microsoft.com/office/drawing/2014/main" id="{DA2FF94D-683B-4220-B11B-33A608694FAE}"/>
               </a:ext>
             </a:extLst>
           </p:cNvPr>
@@ -27953,7 +28746,7 @@
           <p:cNvPr id="17" name="Picture 16" descr="A close up of a sign&#10;&#10;Description automatically generated">
             <a:extLst>
               <a:ext uri="{FF2B5EF4-FFF2-40B4-BE49-F238E27FC236}">
-                <a16:creationId xmlns:a16="http://schemas.microsoft.com/office/drawing/2014/main" xmlns="" id="{ECF72F38-4372-4C21-B983-F7CFACD983F0}"/>
+                <a16:creationId xmlns:a16="http://schemas.microsoft.com/office/drawing/2014/main" id="{ECF72F38-4372-4C21-B983-F7CFACD983F0}"/>
               </a:ext>
             </a:extLst>
           </p:cNvPr>
@@ -28030,7 +28823,7 @@
           <p:cNvPr id="7" name="Title 1">
             <a:extLst>
               <a:ext uri="{FF2B5EF4-FFF2-40B4-BE49-F238E27FC236}">
-                <a16:creationId xmlns:a16="http://schemas.microsoft.com/office/drawing/2014/main" xmlns="" id="{209880CF-D588-478D-8E91-2EE390A6C31A}"/>
+                <a16:creationId xmlns:a16="http://schemas.microsoft.com/office/drawing/2014/main" id="{209880CF-D588-478D-8E91-2EE390A6C31A}"/>
               </a:ext>
             </a:extLst>
           </p:cNvPr>
@@ -28114,7 +28907,7 @@
           <p:cNvPr id="4" name="Picture 3" descr="A screenshot of a cell phone&#10;&#10;Description automatically generated">
             <a:extLst>
               <a:ext uri="{FF2B5EF4-FFF2-40B4-BE49-F238E27FC236}">
-                <a16:creationId xmlns:a16="http://schemas.microsoft.com/office/drawing/2014/main" xmlns="" id="{58F244DB-1913-4494-B439-DB3D2997B9D5}"/>
+                <a16:creationId xmlns:a16="http://schemas.microsoft.com/office/drawing/2014/main" id="{58F244DB-1913-4494-B439-DB3D2997B9D5}"/>
               </a:ext>
             </a:extLst>
           </p:cNvPr>
@@ -28150,7 +28943,7 @@
           <p:cNvPr id="12" name="Picture 11" descr="A screenshot of a cell phone&#10;&#10;Description automatically generated">
             <a:extLst>
               <a:ext uri="{FF2B5EF4-FFF2-40B4-BE49-F238E27FC236}">
-                <a16:creationId xmlns:a16="http://schemas.microsoft.com/office/drawing/2014/main" xmlns="" id="{23BB32DB-2667-4AB0-9250-44C83FAB6977}"/>
+                <a16:creationId xmlns:a16="http://schemas.microsoft.com/office/drawing/2014/main" id="{23BB32DB-2667-4AB0-9250-44C83FAB6977}"/>
               </a:ext>
             </a:extLst>
           </p:cNvPr>
@@ -28186,7 +28979,7 @@
           <p:cNvPr id="8" name="Rectangle 7">
             <a:extLst>
               <a:ext uri="{FF2B5EF4-FFF2-40B4-BE49-F238E27FC236}">
-                <a16:creationId xmlns:a16="http://schemas.microsoft.com/office/drawing/2014/main" xmlns="" id="{48B0B13E-0792-4645-9F7C-504E77FF8D34}"/>
+                <a16:creationId xmlns:a16="http://schemas.microsoft.com/office/drawing/2014/main" id="{48B0B13E-0792-4645-9F7C-504E77FF8D34}"/>
               </a:ext>
             </a:extLst>
           </p:cNvPr>
@@ -28238,7 +29031,7 @@
           <p:cNvPr id="10" name="Title 1">
             <a:extLst>
               <a:ext uri="{FF2B5EF4-FFF2-40B4-BE49-F238E27FC236}">
-                <a16:creationId xmlns:a16="http://schemas.microsoft.com/office/drawing/2014/main" xmlns="" id="{7B5CFEF7-4363-4E8D-A054-C1BC69526296}"/>
+                <a16:creationId xmlns:a16="http://schemas.microsoft.com/office/drawing/2014/main" id="{7B5CFEF7-4363-4E8D-A054-C1BC69526296}"/>
               </a:ext>
             </a:extLst>
           </p:cNvPr>
@@ -28310,7 +29103,7 @@
           <p:cNvPr id="13" name="Picture 12" descr="A close up of a sign&#10;&#10;Description automatically generated">
             <a:extLst>
               <a:ext uri="{FF2B5EF4-FFF2-40B4-BE49-F238E27FC236}">
-                <a16:creationId xmlns:a16="http://schemas.microsoft.com/office/drawing/2014/main" xmlns="" id="{A9A45C45-79DE-4E57-BD34-6DA9D609664C}"/>
+                <a16:creationId xmlns:a16="http://schemas.microsoft.com/office/drawing/2014/main" id="{A9A45C45-79DE-4E57-BD34-6DA9D609664C}"/>
               </a:ext>
             </a:extLst>
           </p:cNvPr>
@@ -28387,7 +29180,7 @@
           <p:cNvPr id="8" name="Picture 7" descr="A picture containing LEGO, toy, sky, table&#10;&#10;Description automatically generated">
             <a:extLst>
               <a:ext uri="{FF2B5EF4-FFF2-40B4-BE49-F238E27FC236}">
-                <a16:creationId xmlns:a16="http://schemas.microsoft.com/office/drawing/2014/main" xmlns="" id="{4EF484C6-9F8F-49D9-B9D0-A827575BD4FD}"/>
+                <a16:creationId xmlns:a16="http://schemas.microsoft.com/office/drawing/2014/main" id="{4EF484C6-9F8F-49D9-B9D0-A827575BD4FD}"/>
               </a:ext>
             </a:extLst>
           </p:cNvPr>
@@ -28426,7 +29219,7 @@
           <p:cNvPr id="7" name="Title 1">
             <a:extLst>
               <a:ext uri="{FF2B5EF4-FFF2-40B4-BE49-F238E27FC236}">
-                <a16:creationId xmlns:a16="http://schemas.microsoft.com/office/drawing/2014/main" xmlns="" id="{209880CF-D588-478D-8E91-2EE390A6C31A}"/>
+                <a16:creationId xmlns:a16="http://schemas.microsoft.com/office/drawing/2014/main" id="{209880CF-D588-478D-8E91-2EE390A6C31A}"/>
               </a:ext>
             </a:extLst>
           </p:cNvPr>
@@ -28501,7 +29294,7 @@
           <p:cNvPr id="10" name="Rectangle 9">
             <a:extLst>
               <a:ext uri="{FF2B5EF4-FFF2-40B4-BE49-F238E27FC236}">
-                <a16:creationId xmlns:a16="http://schemas.microsoft.com/office/drawing/2014/main" xmlns="" id="{93E72654-0376-4B7D-9608-5F70B1CD36CA}"/>
+                <a16:creationId xmlns:a16="http://schemas.microsoft.com/office/drawing/2014/main" id="{93E72654-0376-4B7D-9608-5F70B1CD36CA}"/>
               </a:ext>
             </a:extLst>
           </p:cNvPr>
@@ -28553,7 +29346,7 @@
           <p:cNvPr id="12" name="Title 1">
             <a:extLst>
               <a:ext uri="{FF2B5EF4-FFF2-40B4-BE49-F238E27FC236}">
-                <a16:creationId xmlns:a16="http://schemas.microsoft.com/office/drawing/2014/main" xmlns="" id="{5F1C4A69-3398-4821-A81C-FFF5615D2D3B}"/>
+                <a16:creationId xmlns:a16="http://schemas.microsoft.com/office/drawing/2014/main" id="{5F1C4A69-3398-4821-A81C-FFF5615D2D3B}"/>
               </a:ext>
             </a:extLst>
           </p:cNvPr>
@@ -28625,7 +29418,7 @@
           <p:cNvPr id="13" name="Picture 12" descr="A close up of a sign&#10;&#10;Description automatically generated">
             <a:extLst>
               <a:ext uri="{FF2B5EF4-FFF2-40B4-BE49-F238E27FC236}">
-                <a16:creationId xmlns:a16="http://schemas.microsoft.com/office/drawing/2014/main" xmlns="" id="{97B3B54C-0CBB-4FC5-AF1D-88ECBC213CBA}"/>
+                <a16:creationId xmlns:a16="http://schemas.microsoft.com/office/drawing/2014/main" id="{97B3B54C-0CBB-4FC5-AF1D-88ECBC213CBA}"/>
               </a:ext>
             </a:extLst>
           </p:cNvPr>
@@ -28702,7 +29495,7 @@
           <p:cNvPr id="7" name="Title 1">
             <a:extLst>
               <a:ext uri="{FF2B5EF4-FFF2-40B4-BE49-F238E27FC236}">
-                <a16:creationId xmlns:a16="http://schemas.microsoft.com/office/drawing/2014/main" xmlns="" id="{209880CF-D588-478D-8E91-2EE390A6C31A}"/>
+                <a16:creationId xmlns:a16="http://schemas.microsoft.com/office/drawing/2014/main" id="{209880CF-D588-478D-8E91-2EE390A6C31A}"/>
               </a:ext>
             </a:extLst>
           </p:cNvPr>
@@ -28768,7 +29561,7 @@
           <p:cNvPr id="5" name="Rectangle 4">
             <a:extLst>
               <a:ext uri="{FF2B5EF4-FFF2-40B4-BE49-F238E27FC236}">
-                <a16:creationId xmlns:a16="http://schemas.microsoft.com/office/drawing/2014/main" xmlns="" id="{F21FA67F-ECFE-4470-A39C-BF56F3ACAE30}"/>
+                <a16:creationId xmlns:a16="http://schemas.microsoft.com/office/drawing/2014/main" id="{F21FA67F-ECFE-4470-A39C-BF56F3ACAE30}"/>
               </a:ext>
             </a:extLst>
           </p:cNvPr>
@@ -28822,7 +29615,7 @@
           <p:cNvPr id="19" name="Straight Arrow Connector 18">
             <a:extLst>
               <a:ext uri="{FF2B5EF4-FFF2-40B4-BE49-F238E27FC236}">
-                <a16:creationId xmlns:a16="http://schemas.microsoft.com/office/drawing/2014/main" xmlns="" id="{BAD4B051-F3B1-4E69-AD05-3267C5BAF21A}"/>
+                <a16:creationId xmlns:a16="http://schemas.microsoft.com/office/drawing/2014/main" id="{BAD4B051-F3B1-4E69-AD05-3267C5BAF21A}"/>
               </a:ext>
             </a:extLst>
           </p:cNvPr>
@@ -28871,7 +29664,7 @@
           <p:cNvPr id="22" name="Straight Arrow Connector 21">
             <a:extLst>
               <a:ext uri="{FF2B5EF4-FFF2-40B4-BE49-F238E27FC236}">
-                <a16:creationId xmlns:a16="http://schemas.microsoft.com/office/drawing/2014/main" xmlns="" id="{5B19A76B-1E13-43B0-80D3-F56FD02BD633}"/>
+                <a16:creationId xmlns:a16="http://schemas.microsoft.com/office/drawing/2014/main" id="{5B19A76B-1E13-43B0-80D3-F56FD02BD633}"/>
               </a:ext>
             </a:extLst>
           </p:cNvPr>
@@ -28920,7 +29713,7 @@
           <p:cNvPr id="10" name="Rectangle 9">
             <a:extLst>
               <a:ext uri="{FF2B5EF4-FFF2-40B4-BE49-F238E27FC236}">
-                <a16:creationId xmlns:a16="http://schemas.microsoft.com/office/drawing/2014/main" xmlns="" id="{06472AFD-E5B9-4398-8763-AEC4093E2F5A}"/>
+                <a16:creationId xmlns:a16="http://schemas.microsoft.com/office/drawing/2014/main" id="{06472AFD-E5B9-4398-8763-AEC4093E2F5A}"/>
               </a:ext>
             </a:extLst>
           </p:cNvPr>
@@ -28974,7 +29767,7 @@
           <p:cNvPr id="6" name="Rectangle 5">
             <a:extLst>
               <a:ext uri="{FF2B5EF4-FFF2-40B4-BE49-F238E27FC236}">
-                <a16:creationId xmlns:a16="http://schemas.microsoft.com/office/drawing/2014/main" xmlns="" id="{F340A076-DF64-48A8-BB35-F6F7A70B171D}"/>
+                <a16:creationId xmlns:a16="http://schemas.microsoft.com/office/drawing/2014/main" id="{F340A076-DF64-48A8-BB35-F6F7A70B171D}"/>
               </a:ext>
             </a:extLst>
           </p:cNvPr>
@@ -29031,7 +29824,7 @@
           <p:cNvPr id="14" name="Straight Arrow Connector 13">
             <a:extLst>
               <a:ext uri="{FF2B5EF4-FFF2-40B4-BE49-F238E27FC236}">
-                <a16:creationId xmlns:a16="http://schemas.microsoft.com/office/drawing/2014/main" xmlns="" id="{96A19D33-F88A-4C0A-A3C7-0C182B4DB85E}"/>
+                <a16:creationId xmlns:a16="http://schemas.microsoft.com/office/drawing/2014/main" id="{96A19D33-F88A-4C0A-A3C7-0C182B4DB85E}"/>
               </a:ext>
             </a:extLst>
           </p:cNvPr>
@@ -29078,7 +29871,7 @@
           <p:cNvPr id="16" name="Straight Arrow Connector 15">
             <a:extLst>
               <a:ext uri="{FF2B5EF4-FFF2-40B4-BE49-F238E27FC236}">
-                <a16:creationId xmlns:a16="http://schemas.microsoft.com/office/drawing/2014/main" xmlns="" id="{8ABC1DF4-DE04-4AA1-8AB6-9CCFC3F1693B}"/>
+                <a16:creationId xmlns:a16="http://schemas.microsoft.com/office/drawing/2014/main" id="{8ABC1DF4-DE04-4AA1-8AB6-9CCFC3F1693B}"/>
               </a:ext>
             </a:extLst>
           </p:cNvPr>
@@ -29125,7 +29918,7 @@
           <p:cNvPr id="18" name="Straight Arrow Connector 17">
             <a:extLst>
               <a:ext uri="{FF2B5EF4-FFF2-40B4-BE49-F238E27FC236}">
-                <a16:creationId xmlns:a16="http://schemas.microsoft.com/office/drawing/2014/main" xmlns="" id="{4DF941A7-3D2E-4B85-B956-CC9F4912105B}"/>
+                <a16:creationId xmlns:a16="http://schemas.microsoft.com/office/drawing/2014/main" id="{4DF941A7-3D2E-4B85-B956-CC9F4912105B}"/>
               </a:ext>
             </a:extLst>
           </p:cNvPr>
@@ -29173,7 +29966,7 @@
           <p:cNvPr id="12" name="Rectangle 11">
             <a:extLst>
               <a:ext uri="{FF2B5EF4-FFF2-40B4-BE49-F238E27FC236}">
-                <a16:creationId xmlns:a16="http://schemas.microsoft.com/office/drawing/2014/main" xmlns="" id="{85F06A79-CFD5-44B3-9B62-2A8A22FD4380}"/>
+                <a16:creationId xmlns:a16="http://schemas.microsoft.com/office/drawing/2014/main" id="{85F06A79-CFD5-44B3-9B62-2A8A22FD4380}"/>
               </a:ext>
             </a:extLst>
           </p:cNvPr>
@@ -29230,7 +30023,7 @@
           <p:cNvPr id="15" name="Rectangle 14">
             <a:extLst>
               <a:ext uri="{FF2B5EF4-FFF2-40B4-BE49-F238E27FC236}">
-                <a16:creationId xmlns:a16="http://schemas.microsoft.com/office/drawing/2014/main" xmlns="" id="{0CDD83FD-77EC-4179-8C8E-5D2711ABDECD}"/>
+                <a16:creationId xmlns:a16="http://schemas.microsoft.com/office/drawing/2014/main" id="{0CDD83FD-77EC-4179-8C8E-5D2711ABDECD}"/>
               </a:ext>
             </a:extLst>
           </p:cNvPr>
@@ -29282,7 +30075,7 @@
           <p:cNvPr id="17" name="Title 1">
             <a:extLst>
               <a:ext uri="{FF2B5EF4-FFF2-40B4-BE49-F238E27FC236}">
-                <a16:creationId xmlns:a16="http://schemas.microsoft.com/office/drawing/2014/main" xmlns="" id="{3E755E0F-D4EB-4B46-A600-BFB10D8A7D95}"/>
+                <a16:creationId xmlns:a16="http://schemas.microsoft.com/office/drawing/2014/main" id="{3E755E0F-D4EB-4B46-A600-BFB10D8A7D95}"/>
               </a:ext>
             </a:extLst>
           </p:cNvPr>
@@ -29354,7 +30147,7 @@
           <p:cNvPr id="20" name="Picture 19" descr="A close up of a sign&#10;&#10;Description automatically generated">
             <a:extLst>
               <a:ext uri="{FF2B5EF4-FFF2-40B4-BE49-F238E27FC236}">
-                <a16:creationId xmlns:a16="http://schemas.microsoft.com/office/drawing/2014/main" xmlns="" id="{87133D51-CF92-435C-809B-E21C312CEAB6}"/>
+                <a16:creationId xmlns:a16="http://schemas.microsoft.com/office/drawing/2014/main" id="{87133D51-CF92-435C-809B-E21C312CEAB6}"/>
               </a:ext>
             </a:extLst>
           </p:cNvPr>
@@ -29807,7 +30600,7 @@
           <p:cNvPr id="2" name="Title 1">
             <a:extLst>
               <a:ext uri="{FF2B5EF4-FFF2-40B4-BE49-F238E27FC236}">
-                <a16:creationId xmlns:a16="http://schemas.microsoft.com/office/drawing/2014/main" xmlns="" id="{D0065D8F-353D-4059-9C7F-F49723F8BC46}"/>
+                <a16:creationId xmlns:a16="http://schemas.microsoft.com/office/drawing/2014/main" id="{D0065D8F-353D-4059-9C7F-F49723F8BC46}"/>
               </a:ext>
             </a:extLst>
           </p:cNvPr>
@@ -29856,7 +30649,7 @@
               <a:rPr lang="en-US" dirty="0">
                 <a:latin typeface="Consolas" panose="020B0609020204030204" pitchFamily="49" charset="0"/>
               </a:rPr>
-              <a:t>implementations</a:t>
+              <a:t>Implementations</a:t>
             </a:r>
             <a:endParaRPr lang="bg-BG" dirty="0">
               <a:latin typeface="Consolas" panose="020B0609020204030204" pitchFamily="49" charset="0"/>
@@ -29910,7 +30703,7 @@
           <p:cNvPr id="7" name="Title 1">
             <a:extLst>
               <a:ext uri="{FF2B5EF4-FFF2-40B4-BE49-F238E27FC236}">
-                <a16:creationId xmlns:a16="http://schemas.microsoft.com/office/drawing/2014/main" xmlns="" id="{209880CF-D588-478D-8E91-2EE390A6C31A}"/>
+                <a16:creationId xmlns:a16="http://schemas.microsoft.com/office/drawing/2014/main" id="{209880CF-D588-478D-8E91-2EE390A6C31A}"/>
               </a:ext>
             </a:extLst>
           </p:cNvPr>
@@ -29985,7 +30778,7 @@
           <p:cNvPr id="8" name="Picture 7" descr="A close up of a logo&#10;&#10;Description automatically generated">
             <a:extLst>
               <a:ext uri="{FF2B5EF4-FFF2-40B4-BE49-F238E27FC236}">
-                <a16:creationId xmlns:a16="http://schemas.microsoft.com/office/drawing/2014/main" xmlns="" id="{37F01F2D-BF2B-4EFE-ACF5-26C4CC1EE5C0}"/>
+                <a16:creationId xmlns:a16="http://schemas.microsoft.com/office/drawing/2014/main" id="{37F01F2D-BF2B-4EFE-ACF5-26C4CC1EE5C0}"/>
               </a:ext>
             </a:extLst>
           </p:cNvPr>
@@ -30024,7 +30817,7 @@
           <p:cNvPr id="10" name="Rectangle 9">
             <a:extLst>
               <a:ext uri="{FF2B5EF4-FFF2-40B4-BE49-F238E27FC236}">
-                <a16:creationId xmlns:a16="http://schemas.microsoft.com/office/drawing/2014/main" xmlns="" id="{A88380BE-B1FC-4C2A-AF15-39D27DB90AC1}"/>
+                <a16:creationId xmlns:a16="http://schemas.microsoft.com/office/drawing/2014/main" id="{A88380BE-B1FC-4C2A-AF15-39D27DB90AC1}"/>
               </a:ext>
             </a:extLst>
           </p:cNvPr>
@@ -30076,7 +30869,7 @@
           <p:cNvPr id="12" name="Title 1">
             <a:extLst>
               <a:ext uri="{FF2B5EF4-FFF2-40B4-BE49-F238E27FC236}">
-                <a16:creationId xmlns:a16="http://schemas.microsoft.com/office/drawing/2014/main" xmlns="" id="{C454B0CF-D76C-4D1D-9044-2EC3F2E384FE}"/>
+                <a16:creationId xmlns:a16="http://schemas.microsoft.com/office/drawing/2014/main" id="{C454B0CF-D76C-4D1D-9044-2EC3F2E384FE}"/>
               </a:ext>
             </a:extLst>
           </p:cNvPr>
@@ -30148,7 +30941,7 @@
           <p:cNvPr id="13" name="Picture 12" descr="A close up of a sign&#10;&#10;Description automatically generated">
             <a:extLst>
               <a:ext uri="{FF2B5EF4-FFF2-40B4-BE49-F238E27FC236}">
-                <a16:creationId xmlns:a16="http://schemas.microsoft.com/office/drawing/2014/main" xmlns="" id="{189DE8A0-4062-41EF-A95B-570B70CF5835}"/>
+                <a16:creationId xmlns:a16="http://schemas.microsoft.com/office/drawing/2014/main" id="{189DE8A0-4062-41EF-A95B-570B70CF5835}"/>
               </a:ext>
             </a:extLst>
           </p:cNvPr>
@@ -30225,7 +31018,7 @@
           <p:cNvPr id="7" name="Title 1">
             <a:extLst>
               <a:ext uri="{FF2B5EF4-FFF2-40B4-BE49-F238E27FC236}">
-                <a16:creationId xmlns:a16="http://schemas.microsoft.com/office/drawing/2014/main" xmlns="" id="{209880CF-D588-478D-8E91-2EE390A6C31A}"/>
+                <a16:creationId xmlns:a16="http://schemas.microsoft.com/office/drawing/2014/main" id="{209880CF-D588-478D-8E91-2EE390A6C31A}"/>
               </a:ext>
             </a:extLst>
           </p:cNvPr>
@@ -30300,7 +31093,7 @@
           <p:cNvPr id="10" name="Rectangle 9">
             <a:extLst>
               <a:ext uri="{FF2B5EF4-FFF2-40B4-BE49-F238E27FC236}">
-                <a16:creationId xmlns:a16="http://schemas.microsoft.com/office/drawing/2014/main" xmlns="" id="{A88380BE-B1FC-4C2A-AF15-39D27DB90AC1}"/>
+                <a16:creationId xmlns:a16="http://schemas.microsoft.com/office/drawing/2014/main" id="{A88380BE-B1FC-4C2A-AF15-39D27DB90AC1}"/>
               </a:ext>
             </a:extLst>
           </p:cNvPr>
@@ -30352,7 +31145,7 @@
           <p:cNvPr id="12" name="Title 1">
             <a:extLst>
               <a:ext uri="{FF2B5EF4-FFF2-40B4-BE49-F238E27FC236}">
-                <a16:creationId xmlns:a16="http://schemas.microsoft.com/office/drawing/2014/main" xmlns="" id="{C454B0CF-D76C-4D1D-9044-2EC3F2E384FE}"/>
+                <a16:creationId xmlns:a16="http://schemas.microsoft.com/office/drawing/2014/main" id="{C454B0CF-D76C-4D1D-9044-2EC3F2E384FE}"/>
               </a:ext>
             </a:extLst>
           </p:cNvPr>
@@ -30424,7 +31217,7 @@
           <p:cNvPr id="13" name="Picture 12" descr="A close up of a sign&#10;&#10;Description automatically generated">
             <a:extLst>
               <a:ext uri="{FF2B5EF4-FFF2-40B4-BE49-F238E27FC236}">
-                <a16:creationId xmlns:a16="http://schemas.microsoft.com/office/drawing/2014/main" xmlns="" id="{189DE8A0-4062-41EF-A95B-570B70CF5835}"/>
+                <a16:creationId xmlns:a16="http://schemas.microsoft.com/office/drawing/2014/main" id="{189DE8A0-4062-41EF-A95B-570B70CF5835}"/>
               </a:ext>
             </a:extLst>
           </p:cNvPr>
@@ -30460,7 +31253,7 @@
           <p:cNvPr id="2" name="Rectangle 1">
             <a:extLst>
               <a:ext uri="{FF2B5EF4-FFF2-40B4-BE49-F238E27FC236}">
-                <a16:creationId xmlns:a16="http://schemas.microsoft.com/office/drawing/2014/main" xmlns="" id="{B19BB28E-B5FA-4A49-AF6E-A37815D81BC6}"/>
+                <a16:creationId xmlns:a16="http://schemas.microsoft.com/office/drawing/2014/main" id="{B19BB28E-B5FA-4A49-AF6E-A37815D81BC6}"/>
               </a:ext>
             </a:extLst>
           </p:cNvPr>
@@ -30512,7 +31305,7 @@
           <p:cNvPr id="3" name="TextBox 2">
             <a:extLst>
               <a:ext uri="{FF2B5EF4-FFF2-40B4-BE49-F238E27FC236}">
-                <a16:creationId xmlns:a16="http://schemas.microsoft.com/office/drawing/2014/main" xmlns="" id="{9728A677-DEF1-4B4C-9A6A-07CA8AAF2BFF}"/>
+                <a16:creationId xmlns:a16="http://schemas.microsoft.com/office/drawing/2014/main" id="{9728A677-DEF1-4B4C-9A6A-07CA8AAF2BFF}"/>
               </a:ext>
             </a:extLst>
           </p:cNvPr>
@@ -30559,7 +31352,7 @@
           <p:cNvPr id="4" name="Rectangle 3">
             <a:extLst>
               <a:ext uri="{FF2B5EF4-FFF2-40B4-BE49-F238E27FC236}">
-                <a16:creationId xmlns:a16="http://schemas.microsoft.com/office/drawing/2014/main" xmlns="" id="{BE7D0391-CD46-4B99-A77C-4470DE0C60F5}"/>
+                <a16:creationId xmlns:a16="http://schemas.microsoft.com/office/drawing/2014/main" id="{BE7D0391-CD46-4B99-A77C-4470DE0C60F5}"/>
               </a:ext>
             </a:extLst>
           </p:cNvPr>
@@ -30619,7 +31412,7 @@
           <p:cNvPr id="16" name="Rectangle 15">
             <a:extLst>
               <a:ext uri="{FF2B5EF4-FFF2-40B4-BE49-F238E27FC236}">
-                <a16:creationId xmlns:a16="http://schemas.microsoft.com/office/drawing/2014/main" xmlns="" id="{11201D1D-788B-48AB-992A-842C01EA399C}"/>
+                <a16:creationId xmlns:a16="http://schemas.microsoft.com/office/drawing/2014/main" id="{11201D1D-788B-48AB-992A-842C01EA399C}"/>
               </a:ext>
             </a:extLst>
           </p:cNvPr>
@@ -30679,7 +31472,7 @@
           <p:cNvPr id="17" name="Rectangle 16">
             <a:extLst>
               <a:ext uri="{FF2B5EF4-FFF2-40B4-BE49-F238E27FC236}">
-                <a16:creationId xmlns:a16="http://schemas.microsoft.com/office/drawing/2014/main" xmlns="" id="{E26F3AA3-3F5F-4FA9-B20D-2A3323F2270E}"/>
+                <a16:creationId xmlns:a16="http://schemas.microsoft.com/office/drawing/2014/main" id="{E26F3AA3-3F5F-4FA9-B20D-2A3323F2270E}"/>
               </a:ext>
             </a:extLst>
           </p:cNvPr>
@@ -30731,7 +31524,7 @@
           <p:cNvPr id="18" name="TextBox 17">
             <a:extLst>
               <a:ext uri="{FF2B5EF4-FFF2-40B4-BE49-F238E27FC236}">
-                <a16:creationId xmlns:a16="http://schemas.microsoft.com/office/drawing/2014/main" xmlns="" id="{383F52C6-967D-46D6-8105-9B2C1FEF36C5}"/>
+                <a16:creationId xmlns:a16="http://schemas.microsoft.com/office/drawing/2014/main" id="{383F52C6-967D-46D6-8105-9B2C1FEF36C5}"/>
               </a:ext>
             </a:extLst>
           </p:cNvPr>
@@ -30777,7 +31570,7 @@
           <p:cNvPr id="20" name="Rectangle 19">
             <a:extLst>
               <a:ext uri="{FF2B5EF4-FFF2-40B4-BE49-F238E27FC236}">
-                <a16:creationId xmlns:a16="http://schemas.microsoft.com/office/drawing/2014/main" xmlns="" id="{14FB7255-7001-411C-8423-078FCC7647BC}"/>
+                <a16:creationId xmlns:a16="http://schemas.microsoft.com/office/drawing/2014/main" id="{14FB7255-7001-411C-8423-078FCC7647BC}"/>
               </a:ext>
             </a:extLst>
           </p:cNvPr>
@@ -30837,7 +31630,7 @@
           <p:cNvPr id="21" name="Rectangle 20">
             <a:extLst>
               <a:ext uri="{FF2B5EF4-FFF2-40B4-BE49-F238E27FC236}">
-                <a16:creationId xmlns:a16="http://schemas.microsoft.com/office/drawing/2014/main" xmlns="" id="{A808E69E-1AA1-4DCE-831A-14CF6C04E30E}"/>
+                <a16:creationId xmlns:a16="http://schemas.microsoft.com/office/drawing/2014/main" id="{A808E69E-1AA1-4DCE-831A-14CF6C04E30E}"/>
               </a:ext>
             </a:extLst>
           </p:cNvPr>
@@ -30904,7 +31697,7 @@
           <p:cNvPr id="22" name="Rectangle 21">
             <a:extLst>
               <a:ext uri="{FF2B5EF4-FFF2-40B4-BE49-F238E27FC236}">
-                <a16:creationId xmlns:a16="http://schemas.microsoft.com/office/drawing/2014/main" xmlns="" id="{DBB420FE-4D7D-4F78-BD16-D2154783A2D7}"/>
+                <a16:creationId xmlns:a16="http://schemas.microsoft.com/office/drawing/2014/main" id="{DBB420FE-4D7D-4F78-BD16-D2154783A2D7}"/>
               </a:ext>
             </a:extLst>
           </p:cNvPr>
@@ -30964,7 +31757,7 @@
           <p:cNvPr id="35" name="Rectangle 34">
             <a:extLst>
               <a:ext uri="{FF2B5EF4-FFF2-40B4-BE49-F238E27FC236}">
-                <a16:creationId xmlns:a16="http://schemas.microsoft.com/office/drawing/2014/main" xmlns="" id="{A8BB3B84-DA0C-4771-BAC4-516AD86FC8F7}"/>
+                <a16:creationId xmlns:a16="http://schemas.microsoft.com/office/drawing/2014/main" id="{A8BB3B84-DA0C-4771-BAC4-516AD86FC8F7}"/>
               </a:ext>
             </a:extLst>
           </p:cNvPr>
@@ -31016,7 +31809,7 @@
           <p:cNvPr id="36" name="TextBox 35">
             <a:extLst>
               <a:ext uri="{FF2B5EF4-FFF2-40B4-BE49-F238E27FC236}">
-                <a16:creationId xmlns:a16="http://schemas.microsoft.com/office/drawing/2014/main" xmlns="" id="{C6BFAECC-AB86-4A5E-B257-829EDD5462CB}"/>
+                <a16:creationId xmlns:a16="http://schemas.microsoft.com/office/drawing/2014/main" id="{C6BFAECC-AB86-4A5E-B257-829EDD5462CB}"/>
               </a:ext>
             </a:extLst>
           </p:cNvPr>
@@ -31062,7 +31855,7 @@
           <p:cNvPr id="37" name="Rectangle 36">
             <a:extLst>
               <a:ext uri="{FF2B5EF4-FFF2-40B4-BE49-F238E27FC236}">
-                <a16:creationId xmlns:a16="http://schemas.microsoft.com/office/drawing/2014/main" xmlns="" id="{20D53999-8EBD-43D7-AE88-1C7F94343D45}"/>
+                <a16:creationId xmlns:a16="http://schemas.microsoft.com/office/drawing/2014/main" id="{20D53999-8EBD-43D7-AE88-1C7F94343D45}"/>
               </a:ext>
             </a:extLst>
           </p:cNvPr>
@@ -31122,7 +31915,7 @@
           <p:cNvPr id="38" name="Rectangle 37">
             <a:extLst>
               <a:ext uri="{FF2B5EF4-FFF2-40B4-BE49-F238E27FC236}">
-                <a16:creationId xmlns:a16="http://schemas.microsoft.com/office/drawing/2014/main" xmlns="" id="{8B3306C2-7DE1-4B40-93FC-3BDBC7F49949}"/>
+                <a16:creationId xmlns:a16="http://schemas.microsoft.com/office/drawing/2014/main" id="{8B3306C2-7DE1-4B40-93FC-3BDBC7F49949}"/>
               </a:ext>
             </a:extLst>
           </p:cNvPr>
@@ -31189,7 +31982,7 @@
           <p:cNvPr id="39" name="Rectangle 38">
             <a:extLst>
               <a:ext uri="{FF2B5EF4-FFF2-40B4-BE49-F238E27FC236}">
-                <a16:creationId xmlns:a16="http://schemas.microsoft.com/office/drawing/2014/main" xmlns="" id="{9C6C5D12-DD1C-4E5A-9477-1A476EF71665}"/>
+                <a16:creationId xmlns:a16="http://schemas.microsoft.com/office/drawing/2014/main" id="{9C6C5D12-DD1C-4E5A-9477-1A476EF71665}"/>
               </a:ext>
             </a:extLst>
           </p:cNvPr>
@@ -31249,7 +32042,7 @@
           <p:cNvPr id="41" name="Rectangle 40">
             <a:extLst>
               <a:ext uri="{FF2B5EF4-FFF2-40B4-BE49-F238E27FC236}">
-                <a16:creationId xmlns:a16="http://schemas.microsoft.com/office/drawing/2014/main" xmlns="" id="{D63FDFAA-C7B8-4CD8-B1DC-B72D4B34935B}"/>
+                <a16:creationId xmlns:a16="http://schemas.microsoft.com/office/drawing/2014/main" id="{D63FDFAA-C7B8-4CD8-B1DC-B72D4B34935B}"/>
               </a:ext>
             </a:extLst>
           </p:cNvPr>
@@ -31301,7 +32094,7 @@
           <p:cNvPr id="42" name="TextBox 41">
             <a:extLst>
               <a:ext uri="{FF2B5EF4-FFF2-40B4-BE49-F238E27FC236}">
-                <a16:creationId xmlns:a16="http://schemas.microsoft.com/office/drawing/2014/main" xmlns="" id="{C693EB59-C2A3-46EF-A5BB-84C5B4C07C28}"/>
+                <a16:creationId xmlns:a16="http://schemas.microsoft.com/office/drawing/2014/main" id="{C693EB59-C2A3-46EF-A5BB-84C5B4C07C28}"/>
               </a:ext>
             </a:extLst>
           </p:cNvPr>
@@ -31348,7 +32141,7 @@
           <p:cNvPr id="43" name="Rectangle 42">
             <a:extLst>
               <a:ext uri="{FF2B5EF4-FFF2-40B4-BE49-F238E27FC236}">
-                <a16:creationId xmlns:a16="http://schemas.microsoft.com/office/drawing/2014/main" xmlns="" id="{F341A98F-8F3C-488D-8492-CB33FD4A7477}"/>
+                <a16:creationId xmlns:a16="http://schemas.microsoft.com/office/drawing/2014/main" id="{F341A98F-8F3C-488D-8492-CB33FD4A7477}"/>
               </a:ext>
             </a:extLst>
           </p:cNvPr>
@@ -31408,7 +32201,7 @@
           <p:cNvPr id="44" name="Rectangle 43">
             <a:extLst>
               <a:ext uri="{FF2B5EF4-FFF2-40B4-BE49-F238E27FC236}">
-                <a16:creationId xmlns:a16="http://schemas.microsoft.com/office/drawing/2014/main" xmlns="" id="{AC8FE27E-3399-4A4E-93B2-153DE3B2ABF9}"/>
+                <a16:creationId xmlns:a16="http://schemas.microsoft.com/office/drawing/2014/main" id="{AC8FE27E-3399-4A4E-93B2-153DE3B2ABF9}"/>
               </a:ext>
             </a:extLst>
           </p:cNvPr>
@@ -31475,7 +32268,7 @@
           <p:cNvPr id="45" name="Rectangle 44">
             <a:extLst>
               <a:ext uri="{FF2B5EF4-FFF2-40B4-BE49-F238E27FC236}">
-                <a16:creationId xmlns:a16="http://schemas.microsoft.com/office/drawing/2014/main" xmlns="" id="{B2E1C277-E905-4BE5-A25E-8D43EB1FA4A5}"/>
+                <a16:creationId xmlns:a16="http://schemas.microsoft.com/office/drawing/2014/main" id="{B2E1C277-E905-4BE5-A25E-8D43EB1FA4A5}"/>
               </a:ext>
             </a:extLst>
           </p:cNvPr>
@@ -31535,7 +32328,7 @@
           <p:cNvPr id="46" name="Rectangle 45">
             <a:extLst>
               <a:ext uri="{FF2B5EF4-FFF2-40B4-BE49-F238E27FC236}">
-                <a16:creationId xmlns:a16="http://schemas.microsoft.com/office/drawing/2014/main" xmlns="" id="{D81BCC78-6CF4-4DAC-80EC-3D04671B97AD}"/>
+                <a16:creationId xmlns:a16="http://schemas.microsoft.com/office/drawing/2014/main" id="{D81BCC78-6CF4-4DAC-80EC-3D04671B97AD}"/>
               </a:ext>
             </a:extLst>
           </p:cNvPr>
@@ -31587,7 +32380,7 @@
           <p:cNvPr id="47" name="TextBox 46">
             <a:extLst>
               <a:ext uri="{FF2B5EF4-FFF2-40B4-BE49-F238E27FC236}">
-                <a16:creationId xmlns:a16="http://schemas.microsoft.com/office/drawing/2014/main" xmlns="" id="{42A700F5-1DFD-4188-8428-E6D1DE60429B}"/>
+                <a16:creationId xmlns:a16="http://schemas.microsoft.com/office/drawing/2014/main" id="{42A700F5-1DFD-4188-8428-E6D1DE60429B}"/>
               </a:ext>
             </a:extLst>
           </p:cNvPr>
@@ -31633,7 +32426,7 @@
           <p:cNvPr id="48" name="Rectangle 47">
             <a:extLst>
               <a:ext uri="{FF2B5EF4-FFF2-40B4-BE49-F238E27FC236}">
-                <a16:creationId xmlns:a16="http://schemas.microsoft.com/office/drawing/2014/main" xmlns="" id="{0665E50F-B9D2-44BD-9BA4-F71D25B3088A}"/>
+                <a16:creationId xmlns:a16="http://schemas.microsoft.com/office/drawing/2014/main" id="{0665E50F-B9D2-44BD-9BA4-F71D25B3088A}"/>
               </a:ext>
             </a:extLst>
           </p:cNvPr>
@@ -31693,7 +32486,7 @@
           <p:cNvPr id="49" name="Rectangle 48">
             <a:extLst>
               <a:ext uri="{FF2B5EF4-FFF2-40B4-BE49-F238E27FC236}">
-                <a16:creationId xmlns:a16="http://schemas.microsoft.com/office/drawing/2014/main" xmlns="" id="{1A4BA154-8685-4CA3-B37F-354390A8AD95}"/>
+                <a16:creationId xmlns:a16="http://schemas.microsoft.com/office/drawing/2014/main" id="{1A4BA154-8685-4CA3-B37F-354390A8AD95}"/>
               </a:ext>
             </a:extLst>
           </p:cNvPr>
@@ -31753,7 +32546,7 @@
           <p:cNvPr id="50" name="Rectangle 49">
             <a:extLst>
               <a:ext uri="{FF2B5EF4-FFF2-40B4-BE49-F238E27FC236}">
-                <a16:creationId xmlns:a16="http://schemas.microsoft.com/office/drawing/2014/main" xmlns="" id="{1E3551EA-8C14-4161-91CD-2A01BBBE4178}"/>
+                <a16:creationId xmlns:a16="http://schemas.microsoft.com/office/drawing/2014/main" id="{1E3551EA-8C14-4161-91CD-2A01BBBE4178}"/>
               </a:ext>
             </a:extLst>
           </p:cNvPr>
@@ -31820,7 +32613,7 @@
           <p:cNvPr id="51" name="Rectangle 50">
             <a:extLst>
               <a:ext uri="{FF2B5EF4-FFF2-40B4-BE49-F238E27FC236}">
-                <a16:creationId xmlns:a16="http://schemas.microsoft.com/office/drawing/2014/main" xmlns="" id="{A1D23643-2C82-4ACA-97F0-3EF6BB5DB992}"/>
+                <a16:creationId xmlns:a16="http://schemas.microsoft.com/office/drawing/2014/main" id="{A1D23643-2C82-4ACA-97F0-3EF6BB5DB992}"/>
               </a:ext>
             </a:extLst>
           </p:cNvPr>
@@ -31872,7 +32665,7 @@
           <p:cNvPr id="52" name="TextBox 51">
             <a:extLst>
               <a:ext uri="{FF2B5EF4-FFF2-40B4-BE49-F238E27FC236}">
-                <a16:creationId xmlns:a16="http://schemas.microsoft.com/office/drawing/2014/main" xmlns="" id="{F292CDBA-0C10-4B50-88C3-B49B65ABB76D}"/>
+                <a16:creationId xmlns:a16="http://schemas.microsoft.com/office/drawing/2014/main" id="{F292CDBA-0C10-4B50-88C3-B49B65ABB76D}"/>
               </a:ext>
             </a:extLst>
           </p:cNvPr>
@@ -31919,7 +32712,7 @@
           <p:cNvPr id="53" name="Rectangle 52">
             <a:extLst>
               <a:ext uri="{FF2B5EF4-FFF2-40B4-BE49-F238E27FC236}">
-                <a16:creationId xmlns:a16="http://schemas.microsoft.com/office/drawing/2014/main" xmlns="" id="{DC44DFC0-4E86-42EB-A8C4-15126FBBAA7D}"/>
+                <a16:creationId xmlns:a16="http://schemas.microsoft.com/office/drawing/2014/main" id="{DC44DFC0-4E86-42EB-A8C4-15126FBBAA7D}"/>
               </a:ext>
             </a:extLst>
           </p:cNvPr>
@@ -31979,7 +32772,7 @@
           <p:cNvPr id="54" name="Rectangle 53">
             <a:extLst>
               <a:ext uri="{FF2B5EF4-FFF2-40B4-BE49-F238E27FC236}">
-                <a16:creationId xmlns:a16="http://schemas.microsoft.com/office/drawing/2014/main" xmlns="" id="{F49D68D3-722F-4471-8653-2C279A59FBD1}"/>
+                <a16:creationId xmlns:a16="http://schemas.microsoft.com/office/drawing/2014/main" id="{F49D68D3-722F-4471-8653-2C279A59FBD1}"/>
               </a:ext>
             </a:extLst>
           </p:cNvPr>
@@ -32046,7 +32839,7 @@
           <p:cNvPr id="55" name="Rectangle 54">
             <a:extLst>
               <a:ext uri="{FF2B5EF4-FFF2-40B4-BE49-F238E27FC236}">
-                <a16:creationId xmlns:a16="http://schemas.microsoft.com/office/drawing/2014/main" xmlns="" id="{F41CA784-A202-4D55-A706-AE4D20F8524E}"/>
+                <a16:creationId xmlns:a16="http://schemas.microsoft.com/office/drawing/2014/main" id="{F41CA784-A202-4D55-A706-AE4D20F8524E}"/>
               </a:ext>
             </a:extLst>
           </p:cNvPr>
@@ -32106,7 +32899,7 @@
           <p:cNvPr id="56" name="Rectangle 55">
             <a:extLst>
               <a:ext uri="{FF2B5EF4-FFF2-40B4-BE49-F238E27FC236}">
-                <a16:creationId xmlns:a16="http://schemas.microsoft.com/office/drawing/2014/main" xmlns="" id="{836316DC-FB36-4B43-8C7E-4E8FB254E63C}"/>
+                <a16:creationId xmlns:a16="http://schemas.microsoft.com/office/drawing/2014/main" id="{836316DC-FB36-4B43-8C7E-4E8FB254E63C}"/>
               </a:ext>
             </a:extLst>
           </p:cNvPr>
@@ -32173,7 +32966,7 @@
           <p:cNvPr id="57" name="Rectangle 56">
             <a:extLst>
               <a:ext uri="{FF2B5EF4-FFF2-40B4-BE49-F238E27FC236}">
-                <a16:creationId xmlns:a16="http://schemas.microsoft.com/office/drawing/2014/main" xmlns="" id="{8631A8AA-1DA8-4078-8327-1023A5975537}"/>
+                <a16:creationId xmlns:a16="http://schemas.microsoft.com/office/drawing/2014/main" id="{8631A8AA-1DA8-4078-8327-1023A5975537}"/>
               </a:ext>
             </a:extLst>
           </p:cNvPr>
@@ -32233,7 +33026,7 @@
           <p:cNvPr id="58" name="Rectangle 57">
             <a:extLst>
               <a:ext uri="{FF2B5EF4-FFF2-40B4-BE49-F238E27FC236}">
-                <a16:creationId xmlns:a16="http://schemas.microsoft.com/office/drawing/2014/main" xmlns="" id="{F7A8CC35-15A7-4C33-A454-AFDC1E2721E9}"/>
+                <a16:creationId xmlns:a16="http://schemas.microsoft.com/office/drawing/2014/main" id="{F7A8CC35-15A7-4C33-A454-AFDC1E2721E9}"/>
               </a:ext>
             </a:extLst>
           </p:cNvPr>
@@ -32334,7 +33127,7 @@
           <p:cNvPr id="7" name="Title 1">
             <a:extLst>
               <a:ext uri="{FF2B5EF4-FFF2-40B4-BE49-F238E27FC236}">
-                <a16:creationId xmlns:a16="http://schemas.microsoft.com/office/drawing/2014/main" xmlns="" id="{209880CF-D588-478D-8E91-2EE390A6C31A}"/>
+                <a16:creationId xmlns:a16="http://schemas.microsoft.com/office/drawing/2014/main" id="{209880CF-D588-478D-8E91-2EE390A6C31A}"/>
               </a:ext>
             </a:extLst>
           </p:cNvPr>
@@ -32417,7 +33210,7 @@
           <p:cNvPr id="3" name="Rectangle 2">
             <a:extLst>
               <a:ext uri="{FF2B5EF4-FFF2-40B4-BE49-F238E27FC236}">
-                <a16:creationId xmlns:a16="http://schemas.microsoft.com/office/drawing/2014/main" xmlns="" id="{E2F3B396-4755-4263-B8C6-896C40C75BC8}"/>
+                <a16:creationId xmlns:a16="http://schemas.microsoft.com/office/drawing/2014/main" id="{E2F3B396-4755-4263-B8C6-896C40C75BC8}"/>
               </a:ext>
             </a:extLst>
           </p:cNvPr>
@@ -32451,7 +33244,7 @@
           <p:cNvPr id="4" name="TextBox 3">
             <a:extLst>
               <a:ext uri="{FF2B5EF4-FFF2-40B4-BE49-F238E27FC236}">
-                <a16:creationId xmlns:a16="http://schemas.microsoft.com/office/drawing/2014/main" xmlns="" id="{00999AC4-312C-4330-9DE3-CB65DFE33E46}"/>
+                <a16:creationId xmlns:a16="http://schemas.microsoft.com/office/drawing/2014/main" id="{00999AC4-312C-4330-9DE3-CB65DFE33E46}"/>
               </a:ext>
             </a:extLst>
           </p:cNvPr>
@@ -32536,7 +33329,7 @@
           <p:cNvPr id="13" name="Rectangle 12">
             <a:extLst>
               <a:ext uri="{FF2B5EF4-FFF2-40B4-BE49-F238E27FC236}">
-                <a16:creationId xmlns:a16="http://schemas.microsoft.com/office/drawing/2014/main" xmlns="" id="{22561A0E-A335-4350-A10C-1407B0C77B4B}"/>
+                <a16:creationId xmlns:a16="http://schemas.microsoft.com/office/drawing/2014/main" id="{22561A0E-A335-4350-A10C-1407B0C77B4B}"/>
               </a:ext>
             </a:extLst>
           </p:cNvPr>
@@ -32588,7 +33381,7 @@
           <p:cNvPr id="15" name="Picture 14" descr="A close up of a sign&#10;&#10;Description automatically generated">
             <a:extLst>
               <a:ext uri="{FF2B5EF4-FFF2-40B4-BE49-F238E27FC236}">
-                <a16:creationId xmlns:a16="http://schemas.microsoft.com/office/drawing/2014/main" xmlns="" id="{864209A5-60B9-4A51-B31F-BC70C3CB5B5E}"/>
+                <a16:creationId xmlns:a16="http://schemas.microsoft.com/office/drawing/2014/main" id="{864209A5-60B9-4A51-B31F-BC70C3CB5B5E}"/>
               </a:ext>
             </a:extLst>
           </p:cNvPr>
@@ -32624,7 +33417,7 @@
           <p:cNvPr id="16" name="Title 1">
             <a:extLst>
               <a:ext uri="{FF2B5EF4-FFF2-40B4-BE49-F238E27FC236}">
-                <a16:creationId xmlns:a16="http://schemas.microsoft.com/office/drawing/2014/main" xmlns="" id="{AAE351AF-DAF9-44F4-82B1-0FBEE2931854}"/>
+                <a16:creationId xmlns:a16="http://schemas.microsoft.com/office/drawing/2014/main" id="{AAE351AF-DAF9-44F4-82B1-0FBEE2931854}"/>
               </a:ext>
             </a:extLst>
           </p:cNvPr>
@@ -32737,7 +33530,7 @@
           <p:cNvPr id="4" name="Picture 3">
             <a:extLst>
               <a:ext uri="{FF2B5EF4-FFF2-40B4-BE49-F238E27FC236}">
-                <a16:creationId xmlns:a16="http://schemas.microsoft.com/office/drawing/2014/main" xmlns="" id="{E806A265-91A3-44D3-A845-B5E74D32A225}"/>
+                <a16:creationId xmlns:a16="http://schemas.microsoft.com/office/drawing/2014/main" id="{E806A265-91A3-44D3-A845-B5E74D32A225}"/>
               </a:ext>
             </a:extLst>
           </p:cNvPr>
@@ -32784,7 +33577,7 @@
           <p:cNvPr id="5" name="Picture 4">
             <a:extLst>
               <a:ext uri="{FF2B5EF4-FFF2-40B4-BE49-F238E27FC236}">
-                <a16:creationId xmlns:a16="http://schemas.microsoft.com/office/drawing/2014/main" xmlns="" id="{1C373431-9E7B-4576-8831-13D67AF33226}"/>
+                <a16:creationId xmlns:a16="http://schemas.microsoft.com/office/drawing/2014/main" id="{1C373431-9E7B-4576-8831-13D67AF33226}"/>
               </a:ext>
             </a:extLst>
           </p:cNvPr>
@@ -32820,7 +33613,7 @@
           <p:cNvPr id="6" name="Text Placeholder 7">
             <a:extLst>
               <a:ext uri="{FF2B5EF4-FFF2-40B4-BE49-F238E27FC236}">
-                <a16:creationId xmlns:a16="http://schemas.microsoft.com/office/drawing/2014/main" xmlns="" id="{B7D9A7E4-7BA3-4E93-8912-98EFE09BB28A}"/>
+                <a16:creationId xmlns:a16="http://schemas.microsoft.com/office/drawing/2014/main" id="{B7D9A7E4-7BA3-4E93-8912-98EFE09BB28A}"/>
               </a:ext>
             </a:extLst>
           </p:cNvPr>
@@ -33077,7 +33870,7 @@
           <p:cNvPr id="7" name="Text Placeholder 7">
             <a:extLst>
               <a:ext uri="{FF2B5EF4-FFF2-40B4-BE49-F238E27FC236}">
-                <a16:creationId xmlns:a16="http://schemas.microsoft.com/office/drawing/2014/main" xmlns="" id="{C9C80F1A-C35F-401C-BE9E-EA2D52A62214}"/>
+                <a16:creationId xmlns:a16="http://schemas.microsoft.com/office/drawing/2014/main" id="{C9C80F1A-C35F-401C-BE9E-EA2D52A62214}"/>
               </a:ext>
             </a:extLst>
           </p:cNvPr>
@@ -33334,7 +34127,7 @@
           <p:cNvPr id="9" name="Picture 8">
             <a:extLst>
               <a:ext uri="{FF2B5EF4-FFF2-40B4-BE49-F238E27FC236}">
-                <a16:creationId xmlns:a16="http://schemas.microsoft.com/office/drawing/2014/main" xmlns="" id="{C4DC195B-1A46-49CD-A653-ED9AB3DD20A4}"/>
+                <a16:creationId xmlns:a16="http://schemas.microsoft.com/office/drawing/2014/main" id="{C4DC195B-1A46-49CD-A653-ED9AB3DD20A4}"/>
               </a:ext>
             </a:extLst>
           </p:cNvPr>
@@ -33394,7 +34187,7 @@
           <p:cNvPr id="11" name="Text Placeholder 7">
             <a:extLst>
               <a:ext uri="{FF2B5EF4-FFF2-40B4-BE49-F238E27FC236}">
-                <a16:creationId xmlns:a16="http://schemas.microsoft.com/office/drawing/2014/main" xmlns="" id="{61993706-1D78-48D5-9CE6-9BC974868574}"/>
+                <a16:creationId xmlns:a16="http://schemas.microsoft.com/office/drawing/2014/main" id="{61993706-1D78-48D5-9CE6-9BC974868574}"/>
               </a:ext>
             </a:extLst>
           </p:cNvPr>
@@ -33667,7 +34460,7 @@
           <p:cNvPr id="2" name="Rectangle 1">
             <a:extLst>
               <a:ext uri="{FF2B5EF4-FFF2-40B4-BE49-F238E27FC236}">
-                <a16:creationId xmlns:a16="http://schemas.microsoft.com/office/drawing/2014/main" xmlns="" id="{1BA08570-1616-4217-B1E1-F2BCDD93CE6D}"/>
+                <a16:creationId xmlns:a16="http://schemas.microsoft.com/office/drawing/2014/main" id="{1BA08570-1616-4217-B1E1-F2BCDD93CE6D}"/>
               </a:ext>
             </a:extLst>
           </p:cNvPr>
@@ -33747,7 +34540,7 @@
           <p:cNvPr id="14" name="Rectangle 13">
             <a:extLst>
               <a:ext uri="{FF2B5EF4-FFF2-40B4-BE49-F238E27FC236}">
-                <a16:creationId xmlns:a16="http://schemas.microsoft.com/office/drawing/2014/main" xmlns="" id="{77A59420-E26F-4E43-84C7-97C5F97C0C69}"/>
+                <a16:creationId xmlns:a16="http://schemas.microsoft.com/office/drawing/2014/main" id="{77A59420-E26F-4E43-84C7-97C5F97C0C69}"/>
               </a:ext>
             </a:extLst>
           </p:cNvPr>
@@ -33791,7 +34584,7 @@
           <p:cNvPr id="18" name="Rectangle 17">
             <a:extLst>
               <a:ext uri="{FF2B5EF4-FFF2-40B4-BE49-F238E27FC236}">
-                <a16:creationId xmlns:a16="http://schemas.microsoft.com/office/drawing/2014/main" xmlns="" id="{D6053829-81FD-4458-85BA-F4CB80745FA3}"/>
+                <a16:creationId xmlns:a16="http://schemas.microsoft.com/office/drawing/2014/main" id="{D6053829-81FD-4458-85BA-F4CB80745FA3}"/>
               </a:ext>
             </a:extLst>
           </p:cNvPr>
@@ -33843,7 +34636,7 @@
           <p:cNvPr id="20" name="Picture 19" descr="A close up of a sign&#10;&#10;Description automatically generated">
             <a:extLst>
               <a:ext uri="{FF2B5EF4-FFF2-40B4-BE49-F238E27FC236}">
-                <a16:creationId xmlns:a16="http://schemas.microsoft.com/office/drawing/2014/main" xmlns="" id="{F5661A8F-3C92-4183-822C-8EA4939C52D7}"/>
+                <a16:creationId xmlns:a16="http://schemas.microsoft.com/office/drawing/2014/main" id="{F5661A8F-3C92-4183-822C-8EA4939C52D7}"/>
               </a:ext>
             </a:extLst>
           </p:cNvPr>
@@ -33879,7 +34672,7 @@
           <p:cNvPr id="21" name="Title 1">
             <a:extLst>
               <a:ext uri="{FF2B5EF4-FFF2-40B4-BE49-F238E27FC236}">
-                <a16:creationId xmlns:a16="http://schemas.microsoft.com/office/drawing/2014/main" xmlns="" id="{DF1E8401-11A8-4985-AEEA-BBEF508FF32F}"/>
+                <a16:creationId xmlns:a16="http://schemas.microsoft.com/office/drawing/2014/main" id="{DF1E8401-11A8-4985-AEEA-BBEF508FF32F}"/>
               </a:ext>
             </a:extLst>
           </p:cNvPr>
@@ -33987,7 +34780,7 @@
           <p:cNvPr id="2" name="Title 1">
             <a:extLst>
               <a:ext uri="{FF2B5EF4-FFF2-40B4-BE49-F238E27FC236}">
-                <a16:creationId xmlns:a16="http://schemas.microsoft.com/office/drawing/2014/main" xmlns="" id="{5C4D0B21-0753-4B41-AC6C-587C83C7DB53}"/>
+                <a16:creationId xmlns:a16="http://schemas.microsoft.com/office/drawing/2014/main" id="{5C4D0B21-0753-4B41-AC6C-587C83C7DB53}"/>
               </a:ext>
             </a:extLst>
           </p:cNvPr>
@@ -34032,7 +34825,7 @@
           <p:cNvPr id="7" name="Rectangle 6">
             <a:extLst>
               <a:ext uri="{FF2B5EF4-FFF2-40B4-BE49-F238E27FC236}">
-                <a16:creationId xmlns:a16="http://schemas.microsoft.com/office/drawing/2014/main" xmlns="" id="{1C3956DE-9326-4593-9A3C-EC93E2B54ECE}"/>
+                <a16:creationId xmlns:a16="http://schemas.microsoft.com/office/drawing/2014/main" id="{1C3956DE-9326-4593-9A3C-EC93E2B54ECE}"/>
               </a:ext>
             </a:extLst>
           </p:cNvPr>
@@ -34084,7 +34877,7 @@
           <p:cNvPr id="9" name="Picture 8" descr="A close up of a sign&#10;&#10;Description automatically generated">
             <a:extLst>
               <a:ext uri="{FF2B5EF4-FFF2-40B4-BE49-F238E27FC236}">
-                <a16:creationId xmlns:a16="http://schemas.microsoft.com/office/drawing/2014/main" xmlns="" id="{8C3CD1DA-26F9-4D88-ABB9-39BCA4E4D716}"/>
+                <a16:creationId xmlns:a16="http://schemas.microsoft.com/office/drawing/2014/main" id="{8C3CD1DA-26F9-4D88-ABB9-39BCA4E4D716}"/>
               </a:ext>
             </a:extLst>
           </p:cNvPr>
@@ -34120,7 +34913,7 @@
           <p:cNvPr id="6" name="Picture 5">
             <a:extLst>
               <a:ext uri="{FF2B5EF4-FFF2-40B4-BE49-F238E27FC236}">
-                <a16:creationId xmlns:a16="http://schemas.microsoft.com/office/drawing/2014/main" xmlns="" id="{4EDEB27C-079C-4993-B653-34A28E4BAD6A}"/>
+                <a16:creationId xmlns:a16="http://schemas.microsoft.com/office/drawing/2014/main" id="{4EDEB27C-079C-4993-B653-34A28E4BAD6A}"/>
               </a:ext>
             </a:extLst>
           </p:cNvPr>
@@ -34164,7 +34957,7 @@
           <p:cNvPr id="17" name="Title 1">
             <a:extLst>
               <a:ext uri="{FF2B5EF4-FFF2-40B4-BE49-F238E27FC236}">
-                <a16:creationId xmlns:a16="http://schemas.microsoft.com/office/drawing/2014/main" xmlns="" id="{7375084E-1F76-47F8-8A1E-C82A9B273564}"/>
+                <a16:creationId xmlns:a16="http://schemas.microsoft.com/office/drawing/2014/main" id="{7375084E-1F76-47F8-8A1E-C82A9B273564}"/>
               </a:ext>
             </a:extLst>
           </p:cNvPr>
@@ -34230,7 +35023,7 @@
           <p:cNvPr id="18" name="Content Placeholder 10">
             <a:extLst>
               <a:ext uri="{FF2B5EF4-FFF2-40B4-BE49-F238E27FC236}">
-                <a16:creationId xmlns:a16="http://schemas.microsoft.com/office/drawing/2014/main" xmlns="" id="{C759A347-21CB-48C4-910F-718F51BB95E7}"/>
+                <a16:creationId xmlns:a16="http://schemas.microsoft.com/office/drawing/2014/main" id="{C759A347-21CB-48C4-910F-718F51BB95E7}"/>
               </a:ext>
             </a:extLst>
           </p:cNvPr>
@@ -34365,7 +35158,7 @@
           <p:cNvPr id="19" name="Title 1">
             <a:extLst>
               <a:ext uri="{FF2B5EF4-FFF2-40B4-BE49-F238E27FC236}">
-                <a16:creationId xmlns:a16="http://schemas.microsoft.com/office/drawing/2014/main" xmlns="" id="{C22EE3C4-72AC-4B04-AF82-22372A4DA8DE}"/>
+                <a16:creationId xmlns:a16="http://schemas.microsoft.com/office/drawing/2014/main" id="{C22EE3C4-72AC-4B04-AF82-22372A4DA8DE}"/>
               </a:ext>
             </a:extLst>
           </p:cNvPr>
@@ -34423,7 +35216,7 @@
           <p:cNvPr id="20" name="Content Placeholder 10">
             <a:extLst>
               <a:ext uri="{FF2B5EF4-FFF2-40B4-BE49-F238E27FC236}">
-                <a16:creationId xmlns:a16="http://schemas.microsoft.com/office/drawing/2014/main" xmlns="" id="{671023FB-7C53-4119-8F0B-74B5B41D143F}"/>
+                <a16:creationId xmlns:a16="http://schemas.microsoft.com/office/drawing/2014/main" id="{671023FB-7C53-4119-8F0B-74B5B41D143F}"/>
               </a:ext>
             </a:extLst>
           </p:cNvPr>
@@ -35229,7 +36022,7 @@
           <p:cNvPr id="10" name="Content Placeholder 9">
             <a:extLst>
               <a:ext uri="{FF2B5EF4-FFF2-40B4-BE49-F238E27FC236}">
-                <a16:creationId xmlns:a16="http://schemas.microsoft.com/office/drawing/2014/main" xmlns="" id="{FA530467-8F23-4217-9082-0E932DD1816D}"/>
+                <a16:creationId xmlns:a16="http://schemas.microsoft.com/office/drawing/2014/main" id="{FA530467-8F23-4217-9082-0E932DD1816D}"/>
               </a:ext>
             </a:extLst>
           </p:cNvPr>
@@ -35242,7 +36035,7 @@
         </p:nvSpPr>
         <p:spPr>
           <a:xfrm>
-            <a:off x="2306576" y="2362881"/>
+            <a:off x="2216144" y="2362881"/>
             <a:ext cx="5314543" cy="3852841"/>
           </a:xfrm>
         </p:spPr>
@@ -35320,10 +36113,10 @@
           <p:cNvPr id="28" name="Freeform: Shape 27">
             <a:extLst>
               <a:ext uri="{FF2B5EF4-FFF2-40B4-BE49-F238E27FC236}">
-                <a16:creationId xmlns:a16="http://schemas.microsoft.com/office/drawing/2014/main" xmlns="" id="{CF62D2A7-8207-488C-9F46-316BA81A16C8}"/>
+                <a16:creationId xmlns:a16="http://schemas.microsoft.com/office/drawing/2014/main" id="{CF62D2A7-8207-488C-9F46-316BA81A16C8}"/>
               </a:ext>
               <a:ext uri="{C183D7F6-B498-43B3-948B-1728B52AA6E4}">
-                <adec:decorative xmlns:adec="http://schemas.microsoft.com/office/drawing/2017/decorative" xmlns="" val="1"/>
+                <adec:decorative xmlns:adec="http://schemas.microsoft.com/office/drawing/2017/decorative" val="1"/>
               </a:ext>
             </a:extLst>
           </p:cNvPr>
@@ -35333,7 +36126,7 @@
           <p:nvPr>
             <p:extLst>
               <p:ext uri="{386F3935-93C4-4BCD-93E2-E3B085C9AB24}">
-                <p16:designElem xmlns:p16="http://schemas.microsoft.com/office/powerpoint/2015/main" xmlns="" val="1"/>
+                <p16:designElem xmlns:p16="http://schemas.microsoft.com/office/powerpoint/2015/main" val="1"/>
               </p:ext>
             </p:extLst>
           </p:nvPr>
@@ -35487,7 +36280,7 @@
           <p:cNvPr id="23" name="Content Placeholder 4">
             <a:extLst>
               <a:ext uri="{FF2B5EF4-FFF2-40B4-BE49-F238E27FC236}">
-                <a16:creationId xmlns:a16="http://schemas.microsoft.com/office/drawing/2014/main" xmlns="" id="{80A64381-DDDA-41B6-8692-7D1CD7E4E200}"/>
+                <a16:creationId xmlns:a16="http://schemas.microsoft.com/office/drawing/2014/main" id="{80A64381-DDDA-41B6-8692-7D1CD7E4E200}"/>
               </a:ext>
             </a:extLst>
           </p:cNvPr>
@@ -35595,7 +36388,7 @@
           <p:cNvPr id="6" name="Rectangle 5">
             <a:extLst>
               <a:ext uri="{FF2B5EF4-FFF2-40B4-BE49-F238E27FC236}">
-                <a16:creationId xmlns:a16="http://schemas.microsoft.com/office/drawing/2014/main" xmlns="" id="{DCA317E3-E0E0-4A07-BF58-49C10179A22C}"/>
+                <a16:creationId xmlns:a16="http://schemas.microsoft.com/office/drawing/2014/main" id="{DCA317E3-E0E0-4A07-BF58-49C10179A22C}"/>
               </a:ext>
             </a:extLst>
           </p:cNvPr>
@@ -35647,7 +36440,7 @@
           <p:cNvPr id="8" name="Picture 7" descr="A close up of a sign&#10;&#10;Description automatically generated">
             <a:extLst>
               <a:ext uri="{FF2B5EF4-FFF2-40B4-BE49-F238E27FC236}">
-                <a16:creationId xmlns:a16="http://schemas.microsoft.com/office/drawing/2014/main" xmlns="" id="{82639D57-CE97-4882-854A-0DA3EFB7B4D3}"/>
+                <a16:creationId xmlns:a16="http://schemas.microsoft.com/office/drawing/2014/main" id="{82639D57-CE97-4882-854A-0DA3EFB7B4D3}"/>
               </a:ext>
             </a:extLst>
           </p:cNvPr>
@@ -35683,7 +36476,7 @@
           <p:cNvPr id="2" name="Title 1">
             <a:extLst>
               <a:ext uri="{FF2B5EF4-FFF2-40B4-BE49-F238E27FC236}">
-                <a16:creationId xmlns:a16="http://schemas.microsoft.com/office/drawing/2014/main" xmlns="" id="{2F078983-C003-476C-AF76-9D9D733F76FD}"/>
+                <a16:creationId xmlns:a16="http://schemas.microsoft.com/office/drawing/2014/main" id="{2F078983-C003-476C-AF76-9D9D733F76FD}"/>
               </a:ext>
             </a:extLst>
           </p:cNvPr>
@@ -36642,7 +37435,7 @@
           <p:cNvPr id="25" name="Rectangle 24">
             <a:extLst>
               <a:ext uri="{FF2B5EF4-FFF2-40B4-BE49-F238E27FC236}">
-                <a16:creationId xmlns:a16="http://schemas.microsoft.com/office/drawing/2014/main" xmlns="" id="{D5C04BB7-F1AA-4084-9AB8-2AF9D920F532}"/>
+                <a16:creationId xmlns:a16="http://schemas.microsoft.com/office/drawing/2014/main" id="{D5C04BB7-F1AA-4084-9AB8-2AF9D920F532}"/>
               </a:ext>
             </a:extLst>
           </p:cNvPr>
@@ -36694,7 +37487,7 @@
           <p:cNvPr id="8" name="Diagram 7">
             <a:extLst>
               <a:ext uri="{FF2B5EF4-FFF2-40B4-BE49-F238E27FC236}">
-                <a16:creationId xmlns:a16="http://schemas.microsoft.com/office/drawing/2014/main" xmlns="" id="{1728488C-D370-4605-BAE5-D9CF2C99DFAC}"/>
+                <a16:creationId xmlns:a16="http://schemas.microsoft.com/office/drawing/2014/main" id="{1728488C-D370-4605-BAE5-D9CF2C99DFAC}"/>
               </a:ext>
             </a:extLst>
           </p:cNvPr>
@@ -36722,7 +37515,7 @@
           <p:cNvPr id="12" name="Title 1">
             <a:extLst>
               <a:ext uri="{FF2B5EF4-FFF2-40B4-BE49-F238E27FC236}">
-                <a16:creationId xmlns:a16="http://schemas.microsoft.com/office/drawing/2014/main" xmlns="" id="{FFDB862C-4665-49ED-82C7-572587F8CD89}"/>
+                <a16:creationId xmlns:a16="http://schemas.microsoft.com/office/drawing/2014/main" id="{FFDB862C-4665-49ED-82C7-572587F8CD89}"/>
               </a:ext>
             </a:extLst>
           </p:cNvPr>
@@ -36789,7 +37582,7 @@
           <p:cNvPr id="6" name="Picture 5" descr="A close up of a sign&#10;&#10;Description automatically generated">
             <a:extLst>
               <a:ext uri="{FF2B5EF4-FFF2-40B4-BE49-F238E27FC236}">
-                <a16:creationId xmlns:a16="http://schemas.microsoft.com/office/drawing/2014/main" xmlns="" id="{96C78CFD-6730-4D11-B7F0-70866814CCC5}"/>
+                <a16:creationId xmlns:a16="http://schemas.microsoft.com/office/drawing/2014/main" id="{96C78CFD-6730-4D11-B7F0-70866814CCC5}"/>
               </a:ext>
             </a:extLst>
           </p:cNvPr>
@@ -36866,7 +37659,7 @@
           <p:cNvPr id="14" name="Rectangle 13">
             <a:extLst>
               <a:ext uri="{FF2B5EF4-FFF2-40B4-BE49-F238E27FC236}">
-                <a16:creationId xmlns:a16="http://schemas.microsoft.com/office/drawing/2014/main" xmlns="" id="{2F3C37D1-BF1C-4B1F-85B8-B73DE62BF4BF}"/>
+                <a16:creationId xmlns:a16="http://schemas.microsoft.com/office/drawing/2014/main" id="{2F3C37D1-BF1C-4B1F-85B8-B73DE62BF4BF}"/>
               </a:ext>
             </a:extLst>
           </p:cNvPr>
@@ -36918,7 +37711,7 @@
           <p:cNvPr id="7" name="Title 1">
             <a:extLst>
               <a:ext uri="{FF2B5EF4-FFF2-40B4-BE49-F238E27FC236}">
-                <a16:creationId xmlns:a16="http://schemas.microsoft.com/office/drawing/2014/main" xmlns="" id="{209880CF-D588-478D-8E91-2EE390A6C31A}"/>
+                <a16:creationId xmlns:a16="http://schemas.microsoft.com/office/drawing/2014/main" id="{209880CF-D588-478D-8E91-2EE390A6C31A}"/>
               </a:ext>
             </a:extLst>
           </p:cNvPr>
@@ -36984,7 +37777,7 @@
           <p:cNvPr id="4" name="Diagram 3">
             <a:extLst>
               <a:ext uri="{FF2B5EF4-FFF2-40B4-BE49-F238E27FC236}">
-                <a16:creationId xmlns:a16="http://schemas.microsoft.com/office/drawing/2014/main" xmlns="" id="{066C6809-CCAA-4BE3-B632-C475CAE1A6B9}"/>
+                <a16:creationId xmlns:a16="http://schemas.microsoft.com/office/drawing/2014/main" id="{066C6809-CCAA-4BE3-B632-C475CAE1A6B9}"/>
               </a:ext>
             </a:extLst>
           </p:cNvPr>
@@ -37012,7 +37805,7 @@
           <p:cNvPr id="10" name="Title 1">
             <a:extLst>
               <a:ext uri="{FF2B5EF4-FFF2-40B4-BE49-F238E27FC236}">
-                <a16:creationId xmlns:a16="http://schemas.microsoft.com/office/drawing/2014/main" xmlns="" id="{21D713B0-5273-4FEA-BE02-3DF6010A0A2D}"/>
+                <a16:creationId xmlns:a16="http://schemas.microsoft.com/office/drawing/2014/main" id="{21D713B0-5273-4FEA-BE02-3DF6010A0A2D}"/>
               </a:ext>
             </a:extLst>
           </p:cNvPr>
@@ -37079,7 +37872,7 @@
           <p:cNvPr id="12" name="Picture 11" descr="A close up of a sign&#10;&#10;Description automatically generated">
             <a:extLst>
               <a:ext uri="{FF2B5EF4-FFF2-40B4-BE49-F238E27FC236}">
-                <a16:creationId xmlns:a16="http://schemas.microsoft.com/office/drawing/2014/main" xmlns="" id="{F178F5F7-B9F1-449B-A16E-DEC487A266B4}"/>
+                <a16:creationId xmlns:a16="http://schemas.microsoft.com/office/drawing/2014/main" id="{F178F5F7-B9F1-449B-A16E-DEC487A266B4}"/>
               </a:ext>
             </a:extLst>
           </p:cNvPr>
@@ -37156,7 +37949,7 @@
           <p:cNvPr id="5" name="Content Placeholder 4">
             <a:extLst>
               <a:ext uri="{FF2B5EF4-FFF2-40B4-BE49-F238E27FC236}">
-                <a16:creationId xmlns:a16="http://schemas.microsoft.com/office/drawing/2014/main" xmlns="" id="{66498839-B648-4944-A396-CC077C7722CA}"/>
+                <a16:creationId xmlns:a16="http://schemas.microsoft.com/office/drawing/2014/main" id="{66498839-B648-4944-A396-CC077C7722CA}"/>
               </a:ext>
             </a:extLst>
           </p:cNvPr>
@@ -37194,7 +37987,7 @@
           <p:cNvPr id="6" name="TextBox 5">
             <a:extLst>
               <a:ext uri="{FF2B5EF4-FFF2-40B4-BE49-F238E27FC236}">
-                <a16:creationId xmlns:a16="http://schemas.microsoft.com/office/drawing/2014/main" xmlns="" id="{EE3E83F4-BCB9-421A-B709-B87DF261BB68}"/>
+                <a16:creationId xmlns:a16="http://schemas.microsoft.com/office/drawing/2014/main" id="{EE3E83F4-BCB9-421A-B709-B87DF261BB68}"/>
               </a:ext>
             </a:extLst>
           </p:cNvPr>
@@ -37240,7 +38033,7 @@
           <p:cNvPr id="14" name="Rectangle 13">
             <a:extLst>
               <a:ext uri="{FF2B5EF4-FFF2-40B4-BE49-F238E27FC236}">
-                <a16:creationId xmlns:a16="http://schemas.microsoft.com/office/drawing/2014/main" xmlns="" id="{82FC7932-E09E-484F-A3FE-34FE9CBA0868}"/>
+                <a16:creationId xmlns:a16="http://schemas.microsoft.com/office/drawing/2014/main" id="{82FC7932-E09E-484F-A3FE-34FE9CBA0868}"/>
               </a:ext>
             </a:extLst>
           </p:cNvPr>
@@ -37292,7 +38085,7 @@
           <p:cNvPr id="15" name="Title 1">
             <a:extLst>
               <a:ext uri="{FF2B5EF4-FFF2-40B4-BE49-F238E27FC236}">
-                <a16:creationId xmlns:a16="http://schemas.microsoft.com/office/drawing/2014/main" xmlns="" id="{6A9E8B6F-9953-4370-A336-17EE09973A9A}"/>
+                <a16:creationId xmlns:a16="http://schemas.microsoft.com/office/drawing/2014/main" id="{6A9E8B6F-9953-4370-A336-17EE09973A9A}"/>
               </a:ext>
             </a:extLst>
           </p:cNvPr>
@@ -37359,7 +38152,7 @@
           <p:cNvPr id="16" name="Picture 15" descr="A close up of a sign&#10;&#10;Description automatically generated">
             <a:extLst>
               <a:ext uri="{FF2B5EF4-FFF2-40B4-BE49-F238E27FC236}">
-                <a16:creationId xmlns:a16="http://schemas.microsoft.com/office/drawing/2014/main" xmlns="" id="{3852385A-2217-4A65-AC24-E91115356902}"/>
+                <a16:creationId xmlns:a16="http://schemas.microsoft.com/office/drawing/2014/main" id="{3852385A-2217-4A65-AC24-E91115356902}"/>
               </a:ext>
             </a:extLst>
           </p:cNvPr>
@@ -37436,7 +38229,7 @@
           <p:cNvPr id="13" name="Rectangle 12">
             <a:extLst>
               <a:ext uri="{FF2B5EF4-FFF2-40B4-BE49-F238E27FC236}">
-                <a16:creationId xmlns:a16="http://schemas.microsoft.com/office/drawing/2014/main" xmlns="" id="{09983E22-73EC-484C-AF60-0FF3C68FC312}"/>
+                <a16:creationId xmlns:a16="http://schemas.microsoft.com/office/drawing/2014/main" id="{09983E22-73EC-484C-AF60-0FF3C68FC312}"/>
               </a:ext>
             </a:extLst>
           </p:cNvPr>
@@ -37488,7 +38281,7 @@
           <p:cNvPr id="7" name="Diagram 6">
             <a:extLst>
               <a:ext uri="{FF2B5EF4-FFF2-40B4-BE49-F238E27FC236}">
-                <a16:creationId xmlns:a16="http://schemas.microsoft.com/office/drawing/2014/main" xmlns="" id="{EE19E956-EF1A-4DF2-B8A5-CEE74BF3A33C}"/>
+                <a16:creationId xmlns:a16="http://schemas.microsoft.com/office/drawing/2014/main" id="{EE19E956-EF1A-4DF2-B8A5-CEE74BF3A33C}"/>
               </a:ext>
             </a:extLst>
           </p:cNvPr>
@@ -37496,7 +38289,7 @@
           <p:nvPr>
             <p:extLst>
               <p:ext uri="{D42A27DB-BD31-4B8C-83A1-F6EECF244321}">
-                <p14:modId xmlns:p14="http://schemas.microsoft.com/office/powerpoint/2010/main" val="3313816372"/>
+                <p14:modId xmlns:p14="http://schemas.microsoft.com/office/powerpoint/2010/main" val="2778125501"/>
               </p:ext>
             </p:extLst>
           </p:nvPr>
@@ -37516,7 +38309,7 @@
           <p:cNvPr id="10" name="Title 1">
             <a:extLst>
               <a:ext uri="{FF2B5EF4-FFF2-40B4-BE49-F238E27FC236}">
-                <a16:creationId xmlns:a16="http://schemas.microsoft.com/office/drawing/2014/main" xmlns="" id="{365B29A0-B140-4099-9BA3-A1D4A9FE2AD5}"/>
+                <a16:creationId xmlns:a16="http://schemas.microsoft.com/office/drawing/2014/main" id="{365B29A0-B140-4099-9BA3-A1D4A9FE2AD5}"/>
               </a:ext>
             </a:extLst>
           </p:cNvPr>
@@ -37583,7 +38376,7 @@
           <p:cNvPr id="12" name="Picture 11" descr="A close up of a sign&#10;&#10;Description automatically generated">
             <a:extLst>
               <a:ext uri="{FF2B5EF4-FFF2-40B4-BE49-F238E27FC236}">
-                <a16:creationId xmlns:a16="http://schemas.microsoft.com/office/drawing/2014/main" xmlns="" id="{E6589E5E-73A9-4643-BDE1-EC091201BCB9}"/>
+                <a16:creationId xmlns:a16="http://schemas.microsoft.com/office/drawing/2014/main" id="{E6589E5E-73A9-4643-BDE1-EC091201BCB9}"/>
               </a:ext>
             </a:extLst>
           </p:cNvPr>
@@ -37926,7 +38719,7 @@
           <p:cNvPr id="19" name="Rectangle 18">
             <a:extLst>
               <a:ext uri="{FF2B5EF4-FFF2-40B4-BE49-F238E27FC236}">
-                <a16:creationId xmlns:a16="http://schemas.microsoft.com/office/drawing/2014/main" xmlns="" id="{B49C84C6-3870-4392-BAB0-9CE5105EBBEC}"/>
+                <a16:creationId xmlns:a16="http://schemas.microsoft.com/office/drawing/2014/main" id="{B49C84C6-3870-4392-BAB0-9CE5105EBBEC}"/>
               </a:ext>
             </a:extLst>
           </p:cNvPr>
@@ -37978,7 +38771,7 @@
           <p:cNvPr id="7" name="Title 1">
             <a:extLst>
               <a:ext uri="{FF2B5EF4-FFF2-40B4-BE49-F238E27FC236}">
-                <a16:creationId xmlns:a16="http://schemas.microsoft.com/office/drawing/2014/main" xmlns="" id="{209880CF-D588-478D-8E91-2EE390A6C31A}"/>
+                <a16:creationId xmlns:a16="http://schemas.microsoft.com/office/drawing/2014/main" id="{209880CF-D588-478D-8E91-2EE390A6C31A}"/>
               </a:ext>
             </a:extLst>
           </p:cNvPr>
@@ -38044,7 +38837,7 @@
           <p:cNvPr id="10" name="Title 1">
             <a:extLst>
               <a:ext uri="{FF2B5EF4-FFF2-40B4-BE49-F238E27FC236}">
-                <a16:creationId xmlns:a16="http://schemas.microsoft.com/office/drawing/2014/main" xmlns="" id="{0BFA36DA-FD5A-4774-B74F-D98515421C50}"/>
+                <a16:creationId xmlns:a16="http://schemas.microsoft.com/office/drawing/2014/main" id="{0BFA36DA-FD5A-4774-B74F-D98515421C50}"/>
               </a:ext>
             </a:extLst>
           </p:cNvPr>
@@ -38145,7 +38938,7 @@
           <p:cNvPr id="4" name="Picture 3">
             <a:extLst>
               <a:ext uri="{FF2B5EF4-FFF2-40B4-BE49-F238E27FC236}">
-                <a16:creationId xmlns:a16="http://schemas.microsoft.com/office/drawing/2014/main" xmlns="" id="{02C59DA9-B0F6-4E80-9B82-95D4506E0520}"/>
+                <a16:creationId xmlns:a16="http://schemas.microsoft.com/office/drawing/2014/main" id="{02C59DA9-B0F6-4E80-9B82-95D4506E0520}"/>
               </a:ext>
             </a:extLst>
           </p:cNvPr>
@@ -38181,7 +38974,7 @@
           <p:cNvPr id="6" name="Picture 5">
             <a:extLst>
               <a:ext uri="{FF2B5EF4-FFF2-40B4-BE49-F238E27FC236}">
-                <a16:creationId xmlns:a16="http://schemas.microsoft.com/office/drawing/2014/main" xmlns="" id="{45B2F205-0B4F-4E6E-8257-FAD87424E93E}"/>
+                <a16:creationId xmlns:a16="http://schemas.microsoft.com/office/drawing/2014/main" id="{45B2F205-0B4F-4E6E-8257-FAD87424E93E}"/>
               </a:ext>
             </a:extLst>
           </p:cNvPr>
@@ -38217,7 +39010,7 @@
           <p:cNvPr id="12" name="Picture 11">
             <a:extLst>
               <a:ext uri="{FF2B5EF4-FFF2-40B4-BE49-F238E27FC236}">
-                <a16:creationId xmlns:a16="http://schemas.microsoft.com/office/drawing/2014/main" xmlns="" id="{83F2AC82-5988-4C11-86E7-EB71CA357D47}"/>
+                <a16:creationId xmlns:a16="http://schemas.microsoft.com/office/drawing/2014/main" id="{83F2AC82-5988-4C11-86E7-EB71CA357D47}"/>
               </a:ext>
             </a:extLst>
           </p:cNvPr>
@@ -38253,7 +39046,7 @@
           <p:cNvPr id="13" name="TextBox 12">
             <a:extLst>
               <a:ext uri="{FF2B5EF4-FFF2-40B4-BE49-F238E27FC236}">
-                <a16:creationId xmlns:a16="http://schemas.microsoft.com/office/drawing/2014/main" xmlns="" id="{1BA5E8AA-DBD7-42CE-95FF-45754CB8D761}"/>
+                <a16:creationId xmlns:a16="http://schemas.microsoft.com/office/drawing/2014/main" id="{1BA5E8AA-DBD7-42CE-95FF-45754CB8D761}"/>
               </a:ext>
             </a:extLst>
           </p:cNvPr>
@@ -38298,7 +39091,7 @@
           <p:cNvPr id="14" name="TextBox 13">
             <a:extLst>
               <a:ext uri="{FF2B5EF4-FFF2-40B4-BE49-F238E27FC236}">
-                <a16:creationId xmlns:a16="http://schemas.microsoft.com/office/drawing/2014/main" xmlns="" id="{44B7EFF6-4E16-46F7-B864-FEFEAAC25CB2}"/>
+                <a16:creationId xmlns:a16="http://schemas.microsoft.com/office/drawing/2014/main" id="{44B7EFF6-4E16-46F7-B864-FEFEAAC25CB2}"/>
               </a:ext>
             </a:extLst>
           </p:cNvPr>
@@ -38338,7 +39131,7 @@
           <p:cNvPr id="15" name="TextBox 14">
             <a:extLst>
               <a:ext uri="{FF2B5EF4-FFF2-40B4-BE49-F238E27FC236}">
-                <a16:creationId xmlns:a16="http://schemas.microsoft.com/office/drawing/2014/main" xmlns="" id="{2302E2AA-A9EE-400B-95F9-D7CDDFC30754}"/>
+                <a16:creationId xmlns:a16="http://schemas.microsoft.com/office/drawing/2014/main" id="{2302E2AA-A9EE-400B-95F9-D7CDDFC30754}"/>
               </a:ext>
             </a:extLst>
           </p:cNvPr>
@@ -38383,7 +39176,7 @@
           <p:cNvPr id="17" name="Title 1">
             <a:extLst>
               <a:ext uri="{FF2B5EF4-FFF2-40B4-BE49-F238E27FC236}">
-                <a16:creationId xmlns:a16="http://schemas.microsoft.com/office/drawing/2014/main" xmlns="" id="{96A2D964-68D1-49AE-B66F-80C6FA362167}"/>
+                <a16:creationId xmlns:a16="http://schemas.microsoft.com/office/drawing/2014/main" id="{96A2D964-68D1-49AE-B66F-80C6FA362167}"/>
               </a:ext>
             </a:extLst>
           </p:cNvPr>
@@ -38455,7 +39248,7 @@
           <p:cNvPr id="18" name="Picture 17" descr="A close up of a sign&#10;&#10;Description automatically generated">
             <a:extLst>
               <a:ext uri="{FF2B5EF4-FFF2-40B4-BE49-F238E27FC236}">
-                <a16:creationId xmlns:a16="http://schemas.microsoft.com/office/drawing/2014/main" xmlns="" id="{8839E78E-3033-4E67-A9E2-AF0BAD7FCBD4}"/>
+                <a16:creationId xmlns:a16="http://schemas.microsoft.com/office/drawing/2014/main" id="{8839E78E-3033-4E67-A9E2-AF0BAD7FCBD4}"/>
               </a:ext>
             </a:extLst>
           </p:cNvPr>

--- a/ngMeetup.pptx
+++ b/ngMeetup.pptx
@@ -27915,7 +27915,7 @@
         <p:spPr>
           <a:xfrm>
             <a:off x="3749740" y="2136136"/>
-            <a:ext cx="6565768" cy="3477875"/>
+            <a:ext cx="7156558" cy="2554545"/>
           </a:xfrm>
           <a:prstGeom prst="rect">
             <a:avLst/>
@@ -27973,6 +27973,85 @@
             </a:r>
           </a:p>
           <a:p>
+            <a:r>
+              <a:rPr lang="en-US" sz="2000" dirty="0">
+                <a:solidFill>
+                  <a:schemeClr val="bg1">
+                    <a:lumMod val="75000"/>
+                  </a:schemeClr>
+                </a:solidFill>
+                <a:latin typeface="Consolas" panose="020B0609020204030204" pitchFamily="49" charset="0"/>
+              </a:rPr>
+              <a:t>d:\&gt; ng new </a:t>
+            </a:r>
+            <a:r>
+              <a:rPr lang="en-US" sz="2000" dirty="0" err="1">
+                <a:solidFill>
+                  <a:schemeClr val="bg1">
+                    <a:lumMod val="75000"/>
+                  </a:schemeClr>
+                </a:solidFill>
+                <a:latin typeface="Consolas" panose="020B0609020204030204" pitchFamily="49" charset="0"/>
+              </a:rPr>
+              <a:t>meetupApp</a:t>
+            </a:r>
+            <a:r>
+              <a:rPr lang="en-US" sz="2000" dirty="0">
+                <a:solidFill>
+                  <a:schemeClr val="bg1">
+                    <a:lumMod val="75000"/>
+                  </a:schemeClr>
+                </a:solidFill>
+                <a:latin typeface="Consolas" panose="020B0609020204030204" pitchFamily="49" charset="0"/>
+              </a:rPr>
+              <a:t> –</a:t>
+            </a:r>
+            <a:r>
+              <a:rPr lang="en-US" sz="2000" dirty="0" err="1">
+                <a:solidFill>
+                  <a:schemeClr val="bg1">
+                    <a:lumMod val="75000"/>
+                  </a:schemeClr>
+                </a:solidFill>
+                <a:latin typeface="Consolas" panose="020B0609020204030204" pitchFamily="49" charset="0"/>
+              </a:rPr>
+              <a:t>createApplication</a:t>
+            </a:r>
+            <a:r>
+              <a:rPr lang="en-US" sz="2000" dirty="0">
+                <a:solidFill>
+                  <a:schemeClr val="bg1">
+                    <a:lumMod val="75000"/>
+                  </a:schemeClr>
+                </a:solidFill>
+                <a:latin typeface="Consolas" panose="020B0609020204030204" pitchFamily="49" charset="0"/>
+              </a:rPr>
+              <a:t>=false</a:t>
+            </a:r>
+          </a:p>
+          <a:p>
+            <a:r>
+              <a:rPr lang="en-US" sz="2000" dirty="0">
+                <a:solidFill>
+                  <a:schemeClr val="bg1">
+                    <a:lumMod val="75000"/>
+                  </a:schemeClr>
+                </a:solidFill>
+                <a:latin typeface="Consolas" panose="020B0609020204030204" pitchFamily="49" charset="0"/>
+              </a:rPr>
+              <a:t>d:\&gt; cd </a:t>
+            </a:r>
+            <a:r>
+              <a:rPr lang="en-US" sz="2000" dirty="0" err="1">
+                <a:solidFill>
+                  <a:schemeClr val="bg1">
+                    <a:lumMod val="75000"/>
+                  </a:schemeClr>
+                </a:solidFill>
+                <a:latin typeface="Consolas" panose="020B0609020204030204" pitchFamily="49" charset="0"/>
+              </a:rPr>
+              <a:t>meetupApp</a:t>
+            </a:r>
             <a:endParaRPr lang="en-US" sz="2000" dirty="0">
               <a:solidFill>
                 <a:schemeClr val="bg1">
@@ -28038,58 +28117,6 @@
               </a:rPr>
               <a:t>-bundle</a:t>
             </a:r>
-          </a:p>
-          <a:p>
-            <a:endParaRPr lang="en-US" sz="2000" dirty="0">
-              <a:solidFill>
-                <a:schemeClr val="bg1">
-                  <a:lumMod val="75000"/>
-                </a:schemeClr>
-              </a:solidFill>
-              <a:latin typeface="Consolas" panose="020B0609020204030204" pitchFamily="49" charset="0"/>
-            </a:endParaRPr>
-          </a:p>
-          <a:p>
-            <a:r>
-              <a:rPr lang="en-US" sz="2000" dirty="0">
-                <a:solidFill>
-                  <a:schemeClr val="bg1">
-                    <a:lumMod val="75000"/>
-                  </a:schemeClr>
-                </a:solidFill>
-                <a:latin typeface="Consolas" panose="020B0609020204030204" pitchFamily="49" charset="0"/>
-              </a:rPr>
-              <a:t>d:\&gt; cd </a:t>
-            </a:r>
-            <a:r>
-              <a:rPr lang="en-US" sz="2000" dirty="0" err="1">
-                <a:solidFill>
-                  <a:schemeClr val="bg1">
-                    <a:lumMod val="75000"/>
-                  </a:schemeClr>
-                </a:solidFill>
-                <a:latin typeface="Consolas" panose="020B0609020204030204" pitchFamily="49" charset="0"/>
-              </a:rPr>
-              <a:t>ngMeet</a:t>
-            </a:r>
-            <a:endParaRPr lang="en-US" sz="2000" dirty="0">
-              <a:solidFill>
-                <a:schemeClr val="bg1">
-                  <a:lumMod val="75000"/>
-                </a:schemeClr>
-              </a:solidFill>
-              <a:latin typeface="Consolas" panose="020B0609020204030204" pitchFamily="49" charset="0"/>
-            </a:endParaRPr>
-          </a:p>
-          <a:p>
-            <a:endParaRPr lang="en-US" sz="2000" dirty="0">
-              <a:solidFill>
-                <a:schemeClr val="bg1">
-                  <a:lumMod val="75000"/>
-                </a:schemeClr>
-              </a:solidFill>
-              <a:latin typeface="Consolas" panose="020B0609020204030204" pitchFamily="49" charset="0"/>
-            </a:endParaRPr>
           </a:p>
           <a:p>
             <a:r>
@@ -28184,16 +28211,6 @@
             </a:r>
           </a:p>
           <a:p>
-            <a:endParaRPr lang="en-US" sz="2000" dirty="0">
-              <a:solidFill>
-                <a:schemeClr val="bg1">
-                  <a:lumMod val="75000"/>
-                </a:schemeClr>
-              </a:solidFill>
-              <a:latin typeface="Consolas" panose="020B0609020204030204" pitchFamily="49" charset="0"/>
-            </a:endParaRPr>
-          </a:p>
-          <a:p>
             <a:r>
               <a:rPr lang="en-US" sz="2000" dirty="0">
                 <a:solidFill>
@@ -28225,7 +28242,7 @@
                 </a:solidFill>
                 <a:latin typeface="Consolas" panose="020B0609020204030204" pitchFamily="49" charset="0"/>
               </a:rPr>
-              <a:t> –prefix=ma –styles=</a:t>
+              <a:t> –prefix=ma –style=</a:t>
             </a:r>
             <a:r>
               <a:rPr lang="en-US" sz="2000" dirty="0" err="1">
@@ -33147,7 +33164,7 @@
         </p:spPr>
         <p:txBody>
           <a:bodyPr vert="horz" lIns="91440" tIns="45720" rIns="91440" bIns="45720" rtlCol="0" anchor="ctr">
-            <a:normAutofit/>
+            <a:normAutofit fontScale="92500"/>
           </a:bodyPr>
           <a:lstStyle>
             <a:lvl1pPr algn="l" defTabSz="914400" rtl="0" eaLnBrk="1" latinLnBrk="0" hangingPunct="1">
@@ -33176,25 +33193,7 @@
                 </a:solidFill>
                 <a:latin typeface="Consolas" panose="020B0609020204030204" pitchFamily="49" charset="0"/>
               </a:rPr>
-              <a:t>cool </a:t>
-            </a:r>
-            <a:r>
-              <a:rPr lang="en-GB" dirty="0" err="1">
-                <a:solidFill>
-                  <a:schemeClr val="bg1"/>
-                </a:solidFill>
-                <a:latin typeface="Consolas" panose="020B0609020204030204" pitchFamily="49" charset="0"/>
-              </a:rPr>
-              <a:t>Nx</a:t>
-            </a:r>
-            <a:r>
-              <a:rPr lang="en-GB" dirty="0">
-                <a:solidFill>
-                  <a:schemeClr val="bg1"/>
-                </a:solidFill>
-                <a:latin typeface="Consolas" panose="020B0609020204030204" pitchFamily="49" charset="0"/>
-              </a:rPr>
-              <a:t> stuff</a:t>
+              <a:t>Q&amp;A in a minute</a:t>
             </a:r>
             <a:endParaRPr lang="bg-BG" dirty="0">
               <a:solidFill>
@@ -33236,91 +33235,6 @@
           </a:p>
           <a:p>
             <a:endParaRPr lang="bg-BG" dirty="0"/>
-          </a:p>
-        </p:txBody>
-      </p:sp>
-      <p:sp>
-        <p:nvSpPr>
-          <p:cNvPr id="4" name="TextBox 3">
-            <a:extLst>
-              <a:ext uri="{FF2B5EF4-FFF2-40B4-BE49-F238E27FC236}">
-                <a16:creationId xmlns:a16="http://schemas.microsoft.com/office/drawing/2014/main" id="{00999AC4-312C-4330-9DE3-CB65DFE33E46}"/>
-              </a:ext>
-            </a:extLst>
-          </p:cNvPr>
-          <p:cNvSpPr txBox="1"/>
-          <p:nvPr/>
-        </p:nvSpPr>
-        <p:spPr>
-          <a:xfrm>
-            <a:off x="4032514" y="2227812"/>
-            <a:ext cx="3554499" cy="2800767"/>
-          </a:xfrm>
-          <a:prstGeom prst="rect">
-            <a:avLst/>
-          </a:prstGeom>
-          <a:noFill/>
-        </p:spPr>
-        <p:txBody>
-          <a:bodyPr wrap="none" rtlCol="0">
-            <a:spAutoFit/>
-          </a:bodyPr>
-          <a:lstStyle/>
-          <a:p>
-            <a:pPr marL="285750" indent="-285750">
-              <a:buFont typeface="Arial" panose="020B0604020202020204" pitchFamily="34" charset="0"/>
-              <a:buChar char="•"/>
-            </a:pPr>
-            <a:r>
-              <a:rPr lang="en-US" sz="4400" dirty="0">
-                <a:solidFill>
-                  <a:schemeClr val="bg1"/>
-                </a:solidFill>
-              </a:rPr>
-              <a:t>depth-graph</a:t>
-            </a:r>
-          </a:p>
-          <a:p>
-            <a:pPr marL="285750" indent="-285750">
-              <a:buFont typeface="Arial" panose="020B0604020202020204" pitchFamily="34" charset="0"/>
-              <a:buChar char="•"/>
-            </a:pPr>
-            <a:r>
-              <a:rPr lang="en-US" sz="4400" dirty="0">
-                <a:solidFill>
-                  <a:schemeClr val="bg1"/>
-                </a:solidFill>
-              </a:rPr>
-              <a:t>affected apps</a:t>
-            </a:r>
-          </a:p>
-          <a:p>
-            <a:pPr marL="285750" indent="-285750">
-              <a:buFont typeface="Arial" panose="020B0604020202020204" pitchFamily="34" charset="0"/>
-              <a:buChar char="•"/>
-            </a:pPr>
-            <a:r>
-              <a:rPr lang="en-US" sz="4400" dirty="0">
-                <a:solidFill>
-                  <a:schemeClr val="bg1"/>
-                </a:solidFill>
-              </a:rPr>
-              <a:t>affected libs</a:t>
-            </a:r>
-          </a:p>
-          <a:p>
-            <a:pPr marL="285750" indent="-285750">
-              <a:buFont typeface="Arial" panose="020B0604020202020204" pitchFamily="34" charset="0"/>
-              <a:buChar char="•"/>
-            </a:pPr>
-            <a:r>
-              <a:rPr lang="en-US" sz="4400" dirty="0">
-                <a:solidFill>
-                  <a:schemeClr val="bg1"/>
-                </a:solidFill>
-              </a:rPr>
-              <a:t>update</a:t>
-            </a:r>
           </a:p>
         </p:txBody>
       </p:sp>
@@ -33469,21 +33383,52 @@
           <a:p>
             <a:pPr algn="ctr"/>
             <a:r>
-              <a:rPr lang="en-US" sz="2600" dirty="0" err="1">
+              <a:rPr lang="en-US" sz="2600" dirty="0">
                 <a:solidFill>
                   <a:srgbClr val="FFFFFF"/>
                 </a:solidFill>
               </a:rPr>
-              <a:t>Nrwl</a:t>
+              <a:t>?</a:t>
             </a:r>
-            <a:endParaRPr lang="en-US" sz="2600" dirty="0">
-              <a:solidFill>
-                <a:srgbClr val="FFFFFF"/>
-              </a:solidFill>
-            </a:endParaRPr>
           </a:p>
         </p:txBody>
       </p:sp>
+      <p:pic>
+        <p:nvPicPr>
+          <p:cNvPr id="8" name="Picture 7" descr="A close up of a sign&#10;&#10;Description automatically generated">
+            <a:extLst>
+              <a:ext uri="{FF2B5EF4-FFF2-40B4-BE49-F238E27FC236}">
+                <a16:creationId xmlns:a16="http://schemas.microsoft.com/office/drawing/2014/main" id="{C592D1CF-85E2-4838-8DF1-A349EC7342FA}"/>
+              </a:ext>
+            </a:extLst>
+          </p:cNvPr>
+          <p:cNvPicPr>
+            <a:picLocks noChangeAspect="1"/>
+          </p:cNvPicPr>
+          <p:nvPr/>
+        </p:nvPicPr>
+        <p:blipFill>
+          <a:blip r:embed="rId4">
+            <a:extLst>
+              <a:ext uri="{28A0092B-C50C-407E-A947-70E740481C1C}">
+                <a14:useLocalDpi xmlns:a14="http://schemas.microsoft.com/office/drawing/2010/main" val="0"/>
+              </a:ext>
+            </a:extLst>
+          </a:blip>
+          <a:stretch>
+            <a:fillRect/>
+          </a:stretch>
+        </p:blipFill>
+        <p:spPr>
+          <a:xfrm>
+            <a:off x="4068663" y="1642319"/>
+            <a:ext cx="5958665" cy="4465510"/>
+          </a:xfrm>
+          <a:prstGeom prst="rect">
+            <a:avLst/>
+          </a:prstGeom>
+        </p:spPr>
+      </p:pic>
     </p:spTree>
     <p:extLst>
       <p:ext uri="{BB962C8B-B14F-4D97-AF65-F5344CB8AC3E}">
